--- a/알고리즘_프로그래머스_Level01_순서도.pptx
+++ b/알고리즘_프로그래머스_Level01_순서도.pptx
@@ -12,6 +12,7 @@
     <p:sldId id="260" r:id="rId6"/>
     <p:sldId id="261" r:id="rId7"/>
     <p:sldId id="262" r:id="rId8"/>
+    <p:sldId id="263" r:id="rId9"/>
   </p:sldIdLst>
   <p:sldSz cx="6858000" cy="9144000" type="screen4x3"/>
   <p:notesSz cx="6858000" cy="9144000"/>
@@ -249,7 +250,7 @@
           <a:p>
             <a:fld id="{274DCB2C-481A-4B20-92AC-CEC756183F8E}" type="datetimeFigureOut">
               <a:rPr lang="ko-KR" altLang="en-US" smtClean="0"/>
-              <a:t>2021-01-09</a:t>
+              <a:t>2021-01-10</a:t>
             </a:fld>
             <a:endParaRPr lang="ko-KR" altLang="en-US"/>
           </a:p>
@@ -419,7 +420,7 @@
           <a:p>
             <a:fld id="{274DCB2C-481A-4B20-92AC-CEC756183F8E}" type="datetimeFigureOut">
               <a:rPr lang="ko-KR" altLang="en-US" smtClean="0"/>
-              <a:t>2021-01-09</a:t>
+              <a:t>2021-01-10</a:t>
             </a:fld>
             <a:endParaRPr lang="ko-KR" altLang="en-US"/>
           </a:p>
@@ -599,7 +600,7 @@
           <a:p>
             <a:fld id="{274DCB2C-481A-4B20-92AC-CEC756183F8E}" type="datetimeFigureOut">
               <a:rPr lang="ko-KR" altLang="en-US" smtClean="0"/>
-              <a:t>2021-01-09</a:t>
+              <a:t>2021-01-10</a:t>
             </a:fld>
             <a:endParaRPr lang="ko-KR" altLang="en-US"/>
           </a:p>
@@ -769,7 +770,7 @@
           <a:p>
             <a:fld id="{274DCB2C-481A-4B20-92AC-CEC756183F8E}" type="datetimeFigureOut">
               <a:rPr lang="ko-KR" altLang="en-US" smtClean="0"/>
-              <a:t>2021-01-09</a:t>
+              <a:t>2021-01-10</a:t>
             </a:fld>
             <a:endParaRPr lang="ko-KR" altLang="en-US"/>
           </a:p>
@@ -1013,7 +1014,7 @@
           <a:p>
             <a:fld id="{274DCB2C-481A-4B20-92AC-CEC756183F8E}" type="datetimeFigureOut">
               <a:rPr lang="ko-KR" altLang="en-US" smtClean="0"/>
-              <a:t>2021-01-09</a:t>
+              <a:t>2021-01-10</a:t>
             </a:fld>
             <a:endParaRPr lang="ko-KR" altLang="en-US"/>
           </a:p>
@@ -1245,7 +1246,7 @@
           <a:p>
             <a:fld id="{274DCB2C-481A-4B20-92AC-CEC756183F8E}" type="datetimeFigureOut">
               <a:rPr lang="ko-KR" altLang="en-US" smtClean="0"/>
-              <a:t>2021-01-09</a:t>
+              <a:t>2021-01-10</a:t>
             </a:fld>
             <a:endParaRPr lang="ko-KR" altLang="en-US"/>
           </a:p>
@@ -1612,7 +1613,7 @@
           <a:p>
             <a:fld id="{274DCB2C-481A-4B20-92AC-CEC756183F8E}" type="datetimeFigureOut">
               <a:rPr lang="ko-KR" altLang="en-US" smtClean="0"/>
-              <a:t>2021-01-09</a:t>
+              <a:t>2021-01-10</a:t>
             </a:fld>
             <a:endParaRPr lang="ko-KR" altLang="en-US"/>
           </a:p>
@@ -1730,7 +1731,7 @@
           <a:p>
             <a:fld id="{274DCB2C-481A-4B20-92AC-CEC756183F8E}" type="datetimeFigureOut">
               <a:rPr lang="ko-KR" altLang="en-US" smtClean="0"/>
-              <a:t>2021-01-09</a:t>
+              <a:t>2021-01-10</a:t>
             </a:fld>
             <a:endParaRPr lang="ko-KR" altLang="en-US"/>
           </a:p>
@@ -1825,7 +1826,7 @@
           <a:p>
             <a:fld id="{274DCB2C-481A-4B20-92AC-CEC756183F8E}" type="datetimeFigureOut">
               <a:rPr lang="ko-KR" altLang="en-US" smtClean="0"/>
-              <a:t>2021-01-09</a:t>
+              <a:t>2021-01-10</a:t>
             </a:fld>
             <a:endParaRPr lang="ko-KR" altLang="en-US"/>
           </a:p>
@@ -2102,7 +2103,7 @@
           <a:p>
             <a:fld id="{274DCB2C-481A-4B20-92AC-CEC756183F8E}" type="datetimeFigureOut">
               <a:rPr lang="ko-KR" altLang="en-US" smtClean="0"/>
-              <a:t>2021-01-09</a:t>
+              <a:t>2021-01-10</a:t>
             </a:fld>
             <a:endParaRPr lang="ko-KR" altLang="en-US"/>
           </a:p>
@@ -2359,7 +2360,7 @@
           <a:p>
             <a:fld id="{274DCB2C-481A-4B20-92AC-CEC756183F8E}" type="datetimeFigureOut">
               <a:rPr lang="ko-KR" altLang="en-US" smtClean="0"/>
-              <a:t>2021-01-09</a:t>
+              <a:t>2021-01-10</a:t>
             </a:fld>
             <a:endParaRPr lang="ko-KR" altLang="en-US"/>
           </a:p>
@@ -2572,7 +2573,7 @@
           <a:p>
             <a:fld id="{274DCB2C-481A-4B20-92AC-CEC756183F8E}" type="datetimeFigureOut">
               <a:rPr lang="ko-KR" altLang="en-US" smtClean="0"/>
-              <a:t>2021-01-09</a:t>
+              <a:t>2021-01-10</a:t>
             </a:fld>
             <a:endParaRPr lang="ko-KR" altLang="en-US"/>
           </a:p>
@@ -9928,6 +9929,382 @@
 </p:sld>
 </file>
 
+<file path=ppt/slides/slide8.xml><?xml version="1.0" encoding="utf-8"?>
+<p:sld xmlns:a="http://schemas.openxmlformats.org/drawingml/2006/main" xmlns:r="http://schemas.openxmlformats.org/officeDocument/2006/relationships" xmlns:p="http://schemas.openxmlformats.org/presentationml/2006/main">
+  <p:cSld>
+    <p:spTree>
+      <p:nvGrpSpPr>
+        <p:cNvPr id="1" name=""/>
+        <p:cNvGrpSpPr/>
+        <p:nvPr/>
+      </p:nvGrpSpPr>
+      <p:grpSpPr>
+        <a:xfrm>
+          <a:off x="0" y="0"/>
+          <a:ext cx="0" cy="0"/>
+          <a:chOff x="0" y="0"/>
+          <a:chExt cx="0" cy="0"/>
+        </a:xfrm>
+      </p:grpSpPr>
+      <p:sp>
+        <p:nvSpPr>
+          <p:cNvPr id="4" name="제목 3">
+            <a:extLst>
+              <a:ext uri="{FF2B5EF4-FFF2-40B4-BE49-F238E27FC236}">
+                <a16:creationId xmlns:a16="http://schemas.microsoft.com/office/drawing/2014/main" id="{30BAC889-89EF-449A-A9AB-0AA582E87CB5}"/>
+              </a:ext>
+            </a:extLst>
+          </p:cNvPr>
+          <p:cNvSpPr>
+            <a:spLocks noGrp="1"/>
+          </p:cNvSpPr>
+          <p:nvPr>
+            <p:ph type="title"/>
+          </p:nvPr>
+        </p:nvSpPr>
+        <p:spPr/>
+        <p:txBody>
+          <a:bodyPr/>
+          <a:lstStyle/>
+          <a:p>
+            <a:r>
+              <a:rPr lang="en-US" altLang="ko-KR" dirty="0"/>
+              <a:t>K</a:t>
+            </a:r>
+            <a:r>
+              <a:rPr lang="ko-KR" altLang="en-US" dirty="0" err="1"/>
+              <a:t>번째수</a:t>
+            </a:r>
+            <a:r>
+              <a:rPr lang="ko-KR" altLang="en-US" dirty="0"/>
+              <a:t> </a:t>
+            </a:r>
+            <a:r>
+              <a:rPr lang="en-US" altLang="ko-KR" dirty="0"/>
+              <a:t>(01.10)</a:t>
+            </a:r>
+            <a:endParaRPr lang="ko-KR" altLang="en-US" dirty="0"/>
+          </a:p>
+        </p:txBody>
+      </p:sp>
+      <p:sp>
+        <p:nvSpPr>
+          <p:cNvPr id="7" name="직사각형 6">
+            <a:extLst>
+              <a:ext uri="{FF2B5EF4-FFF2-40B4-BE49-F238E27FC236}">
+                <a16:creationId xmlns:a16="http://schemas.microsoft.com/office/drawing/2014/main" id="{3521F3E1-F3C7-4375-B8E7-0210E50030D0}"/>
+              </a:ext>
+            </a:extLst>
+          </p:cNvPr>
+          <p:cNvSpPr/>
+          <p:nvPr/>
+        </p:nvSpPr>
+        <p:spPr>
+          <a:xfrm>
+            <a:off x="439204" y="1552042"/>
+            <a:ext cx="3600000" cy="540000"/>
+          </a:xfrm>
+          <a:prstGeom prst="rect">
+            <a:avLst/>
+          </a:prstGeom>
+          <a:noFill/>
+          <a:ln>
+            <a:solidFill>
+              <a:schemeClr val="tx1"/>
+            </a:solidFill>
+          </a:ln>
+        </p:spPr>
+        <p:style>
+          <a:lnRef idx="2">
+            <a:schemeClr val="accent1">
+              <a:shade val="50000"/>
+            </a:schemeClr>
+          </a:lnRef>
+          <a:fillRef idx="1">
+            <a:schemeClr val="accent1"/>
+          </a:fillRef>
+          <a:effectRef idx="0">
+            <a:schemeClr val="accent1"/>
+          </a:effectRef>
+          <a:fontRef idx="minor">
+            <a:schemeClr val="lt1"/>
+          </a:fontRef>
+        </p:style>
+        <p:txBody>
+          <a:bodyPr rtlCol="0" anchor="ctr"/>
+          <a:lstStyle/>
+          <a:p>
+            <a:pPr algn="ctr"/>
+            <a:r>
+              <a:rPr lang="ko-KR" altLang="en-US" sz="1467" dirty="0">
+                <a:solidFill>
+                  <a:sysClr val="windowText" lastClr="000000"/>
+                </a:solidFill>
+              </a:rPr>
+              <a:t>배열을 </a:t>
+            </a:r>
+            <a:r>
+              <a:rPr lang="en-US" altLang="ko-KR" sz="1467" dirty="0">
+                <a:solidFill>
+                  <a:sysClr val="windowText" lastClr="000000"/>
+                </a:solidFill>
+              </a:rPr>
+              <a:t>i ~ j</a:t>
+            </a:r>
+            <a:r>
+              <a:rPr lang="ko-KR" altLang="en-US" sz="1467" dirty="0">
+                <a:solidFill>
+                  <a:sysClr val="windowText" lastClr="000000"/>
+                </a:solidFill>
+              </a:rPr>
+              <a:t>까지 자른다</a:t>
+            </a:r>
+            <a:endParaRPr lang="en-US" altLang="ko-KR" sz="1467" dirty="0">
+              <a:solidFill>
+                <a:sysClr val="windowText" lastClr="000000"/>
+              </a:solidFill>
+            </a:endParaRPr>
+          </a:p>
+        </p:txBody>
+      </p:sp>
+      <p:sp>
+        <p:nvSpPr>
+          <p:cNvPr id="8" name="직사각형 7">
+            <a:extLst>
+              <a:ext uri="{FF2B5EF4-FFF2-40B4-BE49-F238E27FC236}">
+                <a16:creationId xmlns:a16="http://schemas.microsoft.com/office/drawing/2014/main" id="{701E1DC9-6A43-47AA-B3CB-30427F6E44FC}"/>
+              </a:ext>
+            </a:extLst>
+          </p:cNvPr>
+          <p:cNvSpPr/>
+          <p:nvPr/>
+        </p:nvSpPr>
+        <p:spPr>
+          <a:xfrm>
+            <a:off x="439204" y="2381931"/>
+            <a:ext cx="3600000" cy="540000"/>
+          </a:xfrm>
+          <a:prstGeom prst="rect">
+            <a:avLst/>
+          </a:prstGeom>
+          <a:noFill/>
+          <a:ln>
+            <a:solidFill>
+              <a:schemeClr val="tx1"/>
+            </a:solidFill>
+          </a:ln>
+        </p:spPr>
+        <p:style>
+          <a:lnRef idx="2">
+            <a:schemeClr val="accent1">
+              <a:shade val="50000"/>
+            </a:schemeClr>
+          </a:lnRef>
+          <a:fillRef idx="1">
+            <a:schemeClr val="accent1"/>
+          </a:fillRef>
+          <a:effectRef idx="0">
+            <a:schemeClr val="accent1"/>
+          </a:effectRef>
+          <a:fontRef idx="minor">
+            <a:schemeClr val="lt1"/>
+          </a:fontRef>
+        </p:style>
+        <p:txBody>
+          <a:bodyPr rtlCol="0" anchor="ctr"/>
+          <a:lstStyle/>
+          <a:p>
+            <a:pPr algn="ctr"/>
+            <a:r>
+              <a:rPr lang="ko-KR" altLang="en-US" sz="1467" dirty="0">
+                <a:solidFill>
+                  <a:sysClr val="windowText" lastClr="000000"/>
+                </a:solidFill>
+              </a:rPr>
+              <a:t>자른 배열을 정렬한다</a:t>
+            </a:r>
+          </a:p>
+        </p:txBody>
+      </p:sp>
+      <p:cxnSp>
+        <p:nvCxnSpPr>
+          <p:cNvPr id="9" name="직선 화살표 연결선 8">
+            <a:extLst>
+              <a:ext uri="{FF2B5EF4-FFF2-40B4-BE49-F238E27FC236}">
+                <a16:creationId xmlns:a16="http://schemas.microsoft.com/office/drawing/2014/main" id="{0074B81A-8660-4E3D-B69A-3DEA51705F3F}"/>
+              </a:ext>
+            </a:extLst>
+          </p:cNvPr>
+          <p:cNvCxnSpPr>
+            <a:cxnSpLocks/>
+            <a:stCxn id="7" idx="2"/>
+            <a:endCxn id="8" idx="0"/>
+          </p:cNvCxnSpPr>
+          <p:nvPr/>
+        </p:nvCxnSpPr>
+        <p:spPr>
+          <a:xfrm>
+            <a:off x="2239204" y="2092042"/>
+            <a:ext cx="0" cy="289889"/>
+          </a:xfrm>
+          <a:prstGeom prst="straightConnector1">
+            <a:avLst/>
+          </a:prstGeom>
+          <a:ln>
+            <a:solidFill>
+              <a:schemeClr val="tx1"/>
+            </a:solidFill>
+            <a:tailEnd type="triangle"/>
+          </a:ln>
+        </p:spPr>
+        <p:style>
+          <a:lnRef idx="1">
+            <a:schemeClr val="accent1"/>
+          </a:lnRef>
+          <a:fillRef idx="0">
+            <a:schemeClr val="accent1"/>
+          </a:fillRef>
+          <a:effectRef idx="0">
+            <a:schemeClr val="accent1"/>
+          </a:effectRef>
+          <a:fontRef idx="minor">
+            <a:schemeClr val="tx1"/>
+          </a:fontRef>
+        </p:style>
+      </p:cxnSp>
+      <p:sp>
+        <p:nvSpPr>
+          <p:cNvPr id="10" name="직사각형 9">
+            <a:extLst>
+              <a:ext uri="{FF2B5EF4-FFF2-40B4-BE49-F238E27FC236}">
+                <a16:creationId xmlns:a16="http://schemas.microsoft.com/office/drawing/2014/main" id="{5283D6BA-2971-48F2-9043-7919E96E46B0}"/>
+              </a:ext>
+            </a:extLst>
+          </p:cNvPr>
+          <p:cNvSpPr/>
+          <p:nvPr/>
+        </p:nvSpPr>
+        <p:spPr>
+          <a:xfrm>
+            <a:off x="439204" y="3211820"/>
+            <a:ext cx="3600000" cy="540000"/>
+          </a:xfrm>
+          <a:prstGeom prst="rect">
+            <a:avLst/>
+          </a:prstGeom>
+          <a:noFill/>
+          <a:ln>
+            <a:solidFill>
+              <a:schemeClr val="tx1"/>
+            </a:solidFill>
+          </a:ln>
+        </p:spPr>
+        <p:style>
+          <a:lnRef idx="2">
+            <a:schemeClr val="accent1">
+              <a:shade val="50000"/>
+            </a:schemeClr>
+          </a:lnRef>
+          <a:fillRef idx="1">
+            <a:schemeClr val="accent1"/>
+          </a:fillRef>
+          <a:effectRef idx="0">
+            <a:schemeClr val="accent1"/>
+          </a:effectRef>
+          <a:fontRef idx="minor">
+            <a:schemeClr val="lt1"/>
+          </a:fontRef>
+        </p:style>
+        <p:txBody>
+          <a:bodyPr rtlCol="0" anchor="ctr"/>
+          <a:lstStyle/>
+          <a:p>
+            <a:pPr algn="ctr"/>
+            <a:r>
+              <a:rPr lang="ko-KR" altLang="en-US" sz="1467" dirty="0">
+                <a:solidFill>
+                  <a:sysClr val="windowText" lastClr="000000"/>
+                </a:solidFill>
+              </a:rPr>
+              <a:t>배열의 </a:t>
+            </a:r>
+            <a:r>
+              <a:rPr lang="en-US" altLang="ko-KR" sz="1467" dirty="0">
+                <a:solidFill>
+                  <a:sysClr val="windowText" lastClr="000000"/>
+                </a:solidFill>
+              </a:rPr>
+              <a:t>k</a:t>
+            </a:r>
+            <a:r>
+              <a:rPr lang="ko-KR" altLang="en-US" sz="1467" dirty="0">
+                <a:solidFill>
+                  <a:sysClr val="windowText" lastClr="000000"/>
+                </a:solidFill>
+              </a:rPr>
+              <a:t>번째 값을 꺼낸다</a:t>
+            </a:r>
+          </a:p>
+        </p:txBody>
+      </p:sp>
+      <p:cxnSp>
+        <p:nvCxnSpPr>
+          <p:cNvPr id="11" name="직선 화살표 연결선 10">
+            <a:extLst>
+              <a:ext uri="{FF2B5EF4-FFF2-40B4-BE49-F238E27FC236}">
+                <a16:creationId xmlns:a16="http://schemas.microsoft.com/office/drawing/2014/main" id="{354293A9-39B4-4529-8CE1-02889F0341B3}"/>
+              </a:ext>
+            </a:extLst>
+          </p:cNvPr>
+          <p:cNvCxnSpPr>
+            <a:cxnSpLocks/>
+            <a:endCxn id="10" idx="0"/>
+          </p:cNvCxnSpPr>
+          <p:nvPr/>
+        </p:nvCxnSpPr>
+        <p:spPr>
+          <a:xfrm>
+            <a:off x="2239204" y="2921931"/>
+            <a:ext cx="0" cy="289889"/>
+          </a:xfrm>
+          <a:prstGeom prst="straightConnector1">
+            <a:avLst/>
+          </a:prstGeom>
+          <a:ln>
+            <a:solidFill>
+              <a:schemeClr val="tx1"/>
+            </a:solidFill>
+            <a:tailEnd type="triangle"/>
+          </a:ln>
+        </p:spPr>
+        <p:style>
+          <a:lnRef idx="1">
+            <a:schemeClr val="accent1"/>
+          </a:lnRef>
+          <a:fillRef idx="0">
+            <a:schemeClr val="accent1"/>
+          </a:fillRef>
+          <a:effectRef idx="0">
+            <a:schemeClr val="accent1"/>
+          </a:effectRef>
+          <a:fontRef idx="minor">
+            <a:schemeClr val="tx1"/>
+          </a:fontRef>
+        </p:style>
+      </p:cxnSp>
+    </p:spTree>
+    <p:extLst>
+      <p:ext uri="{BB962C8B-B14F-4D97-AF65-F5344CB8AC3E}">
+        <p14:creationId xmlns:p14="http://schemas.microsoft.com/office/powerpoint/2010/main" val="2291749272"/>
+      </p:ext>
+    </p:extLst>
+  </p:cSld>
+  <p:clrMapOvr>
+    <a:masterClrMapping/>
+  </p:clrMapOvr>
+</p:sld>
+</file>
+
 <file path=ppt/theme/theme1.xml><?xml version="1.0" encoding="utf-8"?>
 <a:theme xmlns:a="http://schemas.openxmlformats.org/drawingml/2006/main" name="Office 테마">
   <a:themeElements>

--- a/알고리즘_프로그래머스_Level01_순서도.pptx
+++ b/알고리즘_프로그래머스_Level01_순서도.pptx
@@ -13,6 +13,7 @@
     <p:sldId id="261" r:id="rId7"/>
     <p:sldId id="262" r:id="rId8"/>
     <p:sldId id="263" r:id="rId9"/>
+    <p:sldId id="264" r:id="rId10"/>
   </p:sldIdLst>
   <p:sldSz cx="6858000" cy="9144000" type="screen4x3"/>
   <p:notesSz cx="6858000" cy="9144000"/>
@@ -250,7 +251,7 @@
           <a:p>
             <a:fld id="{274DCB2C-481A-4B20-92AC-CEC756183F8E}" type="datetimeFigureOut">
               <a:rPr lang="ko-KR" altLang="en-US" smtClean="0"/>
-              <a:t>2021-01-10</a:t>
+              <a:t>2021-01-11</a:t>
             </a:fld>
             <a:endParaRPr lang="ko-KR" altLang="en-US"/>
           </a:p>
@@ -420,7 +421,7 @@
           <a:p>
             <a:fld id="{274DCB2C-481A-4B20-92AC-CEC756183F8E}" type="datetimeFigureOut">
               <a:rPr lang="ko-KR" altLang="en-US" smtClean="0"/>
-              <a:t>2021-01-10</a:t>
+              <a:t>2021-01-11</a:t>
             </a:fld>
             <a:endParaRPr lang="ko-KR" altLang="en-US"/>
           </a:p>
@@ -600,7 +601,7 @@
           <a:p>
             <a:fld id="{274DCB2C-481A-4B20-92AC-CEC756183F8E}" type="datetimeFigureOut">
               <a:rPr lang="ko-KR" altLang="en-US" smtClean="0"/>
-              <a:t>2021-01-10</a:t>
+              <a:t>2021-01-11</a:t>
             </a:fld>
             <a:endParaRPr lang="ko-KR" altLang="en-US"/>
           </a:p>
@@ -770,7 +771,7 @@
           <a:p>
             <a:fld id="{274DCB2C-481A-4B20-92AC-CEC756183F8E}" type="datetimeFigureOut">
               <a:rPr lang="ko-KR" altLang="en-US" smtClean="0"/>
-              <a:t>2021-01-10</a:t>
+              <a:t>2021-01-11</a:t>
             </a:fld>
             <a:endParaRPr lang="ko-KR" altLang="en-US"/>
           </a:p>
@@ -1014,7 +1015,7 @@
           <a:p>
             <a:fld id="{274DCB2C-481A-4B20-92AC-CEC756183F8E}" type="datetimeFigureOut">
               <a:rPr lang="ko-KR" altLang="en-US" smtClean="0"/>
-              <a:t>2021-01-10</a:t>
+              <a:t>2021-01-11</a:t>
             </a:fld>
             <a:endParaRPr lang="ko-KR" altLang="en-US"/>
           </a:p>
@@ -1246,7 +1247,7 @@
           <a:p>
             <a:fld id="{274DCB2C-481A-4B20-92AC-CEC756183F8E}" type="datetimeFigureOut">
               <a:rPr lang="ko-KR" altLang="en-US" smtClean="0"/>
-              <a:t>2021-01-10</a:t>
+              <a:t>2021-01-11</a:t>
             </a:fld>
             <a:endParaRPr lang="ko-KR" altLang="en-US"/>
           </a:p>
@@ -1613,7 +1614,7 @@
           <a:p>
             <a:fld id="{274DCB2C-481A-4B20-92AC-CEC756183F8E}" type="datetimeFigureOut">
               <a:rPr lang="ko-KR" altLang="en-US" smtClean="0"/>
-              <a:t>2021-01-10</a:t>
+              <a:t>2021-01-11</a:t>
             </a:fld>
             <a:endParaRPr lang="ko-KR" altLang="en-US"/>
           </a:p>
@@ -1731,7 +1732,7 @@
           <a:p>
             <a:fld id="{274DCB2C-481A-4B20-92AC-CEC756183F8E}" type="datetimeFigureOut">
               <a:rPr lang="ko-KR" altLang="en-US" smtClean="0"/>
-              <a:t>2021-01-10</a:t>
+              <a:t>2021-01-11</a:t>
             </a:fld>
             <a:endParaRPr lang="ko-KR" altLang="en-US"/>
           </a:p>
@@ -1826,7 +1827,7 @@
           <a:p>
             <a:fld id="{274DCB2C-481A-4B20-92AC-CEC756183F8E}" type="datetimeFigureOut">
               <a:rPr lang="ko-KR" altLang="en-US" smtClean="0"/>
-              <a:t>2021-01-10</a:t>
+              <a:t>2021-01-11</a:t>
             </a:fld>
             <a:endParaRPr lang="ko-KR" altLang="en-US"/>
           </a:p>
@@ -2103,7 +2104,7 @@
           <a:p>
             <a:fld id="{274DCB2C-481A-4B20-92AC-CEC756183F8E}" type="datetimeFigureOut">
               <a:rPr lang="ko-KR" altLang="en-US" smtClean="0"/>
-              <a:t>2021-01-10</a:t>
+              <a:t>2021-01-11</a:t>
             </a:fld>
             <a:endParaRPr lang="ko-KR" altLang="en-US"/>
           </a:p>
@@ -2360,7 +2361,7 @@
           <a:p>
             <a:fld id="{274DCB2C-481A-4B20-92AC-CEC756183F8E}" type="datetimeFigureOut">
               <a:rPr lang="ko-KR" altLang="en-US" smtClean="0"/>
-              <a:t>2021-01-10</a:t>
+              <a:t>2021-01-11</a:t>
             </a:fld>
             <a:endParaRPr lang="ko-KR" altLang="en-US"/>
           </a:p>
@@ -2573,7 +2574,7 @@
           <a:p>
             <a:fld id="{274DCB2C-481A-4B20-92AC-CEC756183F8E}" type="datetimeFigureOut">
               <a:rPr lang="ko-KR" altLang="en-US" smtClean="0"/>
-              <a:t>2021-01-10</a:t>
+              <a:t>2021-01-11</a:t>
             </a:fld>
             <a:endParaRPr lang="ko-KR" altLang="en-US"/>
           </a:p>
@@ -10305,6 +10306,411 @@
 </p:sld>
 </file>
 
+<file path=ppt/slides/slide9.xml><?xml version="1.0" encoding="utf-8"?>
+<p:sld xmlns:a="http://schemas.openxmlformats.org/drawingml/2006/main" xmlns:r="http://schemas.openxmlformats.org/officeDocument/2006/relationships" xmlns:p="http://schemas.openxmlformats.org/presentationml/2006/main">
+  <p:cSld>
+    <p:spTree>
+      <p:nvGrpSpPr>
+        <p:cNvPr id="1" name=""/>
+        <p:cNvGrpSpPr/>
+        <p:nvPr/>
+      </p:nvGrpSpPr>
+      <p:grpSpPr>
+        <a:xfrm>
+          <a:off x="0" y="0"/>
+          <a:ext cx="0" cy="0"/>
+          <a:chOff x="0" y="0"/>
+          <a:chExt cx="0" cy="0"/>
+        </a:xfrm>
+      </p:grpSpPr>
+      <p:sp>
+        <p:nvSpPr>
+          <p:cNvPr id="4" name="제목 3">
+            <a:extLst>
+              <a:ext uri="{FF2B5EF4-FFF2-40B4-BE49-F238E27FC236}">
+                <a16:creationId xmlns:a16="http://schemas.microsoft.com/office/drawing/2014/main" id="{30BAC889-89EF-449A-A9AB-0AA582E87CB5}"/>
+              </a:ext>
+            </a:extLst>
+          </p:cNvPr>
+          <p:cNvSpPr>
+            <a:spLocks noGrp="1"/>
+          </p:cNvSpPr>
+          <p:nvPr>
+            <p:ph type="title"/>
+          </p:nvPr>
+        </p:nvSpPr>
+        <p:spPr/>
+        <p:txBody>
+          <a:bodyPr/>
+          <a:lstStyle/>
+          <a:p>
+            <a:r>
+              <a:rPr lang="en-US" altLang="ko-KR" dirty="0"/>
+              <a:t>2016</a:t>
+            </a:r>
+            <a:r>
+              <a:rPr lang="ko-KR" altLang="en-US" dirty="0"/>
+              <a:t>년 </a:t>
+            </a:r>
+            <a:r>
+              <a:rPr lang="en-US" altLang="ko-KR" dirty="0"/>
+              <a:t>(01.11)</a:t>
+            </a:r>
+            <a:endParaRPr lang="ko-KR" altLang="en-US" dirty="0"/>
+          </a:p>
+        </p:txBody>
+      </p:sp>
+      <p:sp>
+        <p:nvSpPr>
+          <p:cNvPr id="7" name="직사각형 6">
+            <a:extLst>
+              <a:ext uri="{FF2B5EF4-FFF2-40B4-BE49-F238E27FC236}">
+                <a16:creationId xmlns:a16="http://schemas.microsoft.com/office/drawing/2014/main" id="{3521F3E1-F3C7-4375-B8E7-0210E50030D0}"/>
+              </a:ext>
+            </a:extLst>
+          </p:cNvPr>
+          <p:cNvSpPr/>
+          <p:nvPr/>
+        </p:nvSpPr>
+        <p:spPr>
+          <a:xfrm>
+            <a:off x="471489" y="1552042"/>
+            <a:ext cx="3600000" cy="540000"/>
+          </a:xfrm>
+          <a:prstGeom prst="rect">
+            <a:avLst/>
+          </a:prstGeom>
+          <a:noFill/>
+          <a:ln>
+            <a:solidFill>
+              <a:schemeClr val="tx1"/>
+            </a:solidFill>
+          </a:ln>
+        </p:spPr>
+        <p:style>
+          <a:lnRef idx="2">
+            <a:schemeClr val="accent1">
+              <a:shade val="50000"/>
+            </a:schemeClr>
+          </a:lnRef>
+          <a:fillRef idx="1">
+            <a:schemeClr val="accent1"/>
+          </a:fillRef>
+          <a:effectRef idx="0">
+            <a:schemeClr val="accent1"/>
+          </a:effectRef>
+          <a:fontRef idx="minor">
+            <a:schemeClr val="lt1"/>
+          </a:fontRef>
+        </p:style>
+        <p:txBody>
+          <a:bodyPr rtlCol="0" anchor="ctr"/>
+          <a:lstStyle/>
+          <a:p>
+            <a:pPr algn="ctr"/>
+            <a:r>
+              <a:rPr lang="en-US" altLang="ko-KR" sz="1467" dirty="0">
+                <a:solidFill>
+                  <a:sysClr val="windowText" lastClr="000000"/>
+                </a:solidFill>
+              </a:rPr>
+              <a:t>1</a:t>
+            </a:r>
+            <a:r>
+              <a:rPr lang="ko-KR" altLang="en-US" sz="1467" dirty="0">
+                <a:solidFill>
+                  <a:sysClr val="windowText" lastClr="000000"/>
+                </a:solidFill>
+              </a:rPr>
+              <a:t>월부터 </a:t>
+            </a:r>
+            <a:r>
+              <a:rPr lang="en-US" altLang="ko-KR" sz="1467" dirty="0">
+                <a:solidFill>
+                  <a:sysClr val="windowText" lastClr="000000"/>
+                </a:solidFill>
+              </a:rPr>
+              <a:t>n</a:t>
+            </a:r>
+            <a:r>
+              <a:rPr lang="ko-KR" altLang="en-US" sz="1467" dirty="0">
+                <a:solidFill>
+                  <a:sysClr val="windowText" lastClr="000000"/>
+                </a:solidFill>
+              </a:rPr>
+              <a:t>월까지 일의 합을 구한다</a:t>
+            </a:r>
+            <a:endParaRPr lang="en-US" altLang="ko-KR" sz="1467" dirty="0">
+              <a:solidFill>
+                <a:sysClr val="windowText" lastClr="000000"/>
+              </a:solidFill>
+            </a:endParaRPr>
+          </a:p>
+        </p:txBody>
+      </p:sp>
+      <p:sp>
+        <p:nvSpPr>
+          <p:cNvPr id="8" name="직사각형 7">
+            <a:extLst>
+              <a:ext uri="{FF2B5EF4-FFF2-40B4-BE49-F238E27FC236}">
+                <a16:creationId xmlns:a16="http://schemas.microsoft.com/office/drawing/2014/main" id="{701E1DC9-6A43-47AA-B3CB-30427F6E44FC}"/>
+              </a:ext>
+            </a:extLst>
+          </p:cNvPr>
+          <p:cNvSpPr/>
+          <p:nvPr/>
+        </p:nvSpPr>
+        <p:spPr>
+          <a:xfrm>
+            <a:off x="476701" y="2381931"/>
+            <a:ext cx="3600000" cy="540000"/>
+          </a:xfrm>
+          <a:prstGeom prst="rect">
+            <a:avLst/>
+          </a:prstGeom>
+          <a:noFill/>
+          <a:ln>
+            <a:solidFill>
+              <a:schemeClr val="tx1"/>
+            </a:solidFill>
+          </a:ln>
+        </p:spPr>
+        <p:style>
+          <a:lnRef idx="2">
+            <a:schemeClr val="accent1">
+              <a:shade val="50000"/>
+            </a:schemeClr>
+          </a:lnRef>
+          <a:fillRef idx="1">
+            <a:schemeClr val="accent1"/>
+          </a:fillRef>
+          <a:effectRef idx="0">
+            <a:schemeClr val="accent1"/>
+          </a:effectRef>
+          <a:fontRef idx="minor">
+            <a:schemeClr val="lt1"/>
+          </a:fontRef>
+        </p:style>
+        <p:txBody>
+          <a:bodyPr rtlCol="0" anchor="ctr"/>
+          <a:lstStyle/>
+          <a:p>
+            <a:pPr algn="ctr"/>
+            <a:r>
+              <a:rPr lang="en-US" altLang="ko-KR" sz="1467" dirty="0">
+                <a:solidFill>
+                  <a:sysClr val="windowText" lastClr="000000"/>
+                </a:solidFill>
+              </a:rPr>
+              <a:t>1</a:t>
+            </a:r>
+            <a:r>
+              <a:rPr lang="ko-KR" altLang="en-US" sz="1467" dirty="0">
+                <a:solidFill>
+                  <a:sysClr val="windowText" lastClr="000000"/>
+                </a:solidFill>
+              </a:rPr>
+              <a:t>일부터 </a:t>
+            </a:r>
+            <a:r>
+              <a:rPr lang="en-US" altLang="ko-KR" sz="1467" dirty="0">
+                <a:solidFill>
+                  <a:sysClr val="windowText" lastClr="000000"/>
+                </a:solidFill>
+              </a:rPr>
+              <a:t>n</a:t>
+            </a:r>
+            <a:r>
+              <a:rPr lang="ko-KR" altLang="en-US" sz="1467" dirty="0">
+                <a:solidFill>
+                  <a:sysClr val="windowText" lastClr="000000"/>
+                </a:solidFill>
+              </a:rPr>
+              <a:t>일까지 일의 합을 구한다</a:t>
+            </a:r>
+          </a:p>
+        </p:txBody>
+      </p:sp>
+      <p:cxnSp>
+        <p:nvCxnSpPr>
+          <p:cNvPr id="9" name="직선 화살표 연결선 8">
+            <a:extLst>
+              <a:ext uri="{FF2B5EF4-FFF2-40B4-BE49-F238E27FC236}">
+                <a16:creationId xmlns:a16="http://schemas.microsoft.com/office/drawing/2014/main" id="{0074B81A-8660-4E3D-B69A-3DEA51705F3F}"/>
+              </a:ext>
+            </a:extLst>
+          </p:cNvPr>
+          <p:cNvCxnSpPr>
+            <a:cxnSpLocks/>
+            <a:stCxn id="7" idx="2"/>
+            <a:endCxn id="8" idx="0"/>
+          </p:cNvCxnSpPr>
+          <p:nvPr/>
+        </p:nvCxnSpPr>
+        <p:spPr>
+          <a:xfrm>
+            <a:off x="2271489" y="2092042"/>
+            <a:ext cx="5212" cy="289889"/>
+          </a:xfrm>
+          <a:prstGeom prst="straightConnector1">
+            <a:avLst/>
+          </a:prstGeom>
+          <a:ln>
+            <a:solidFill>
+              <a:schemeClr val="tx1"/>
+            </a:solidFill>
+            <a:tailEnd type="triangle"/>
+          </a:ln>
+        </p:spPr>
+        <p:style>
+          <a:lnRef idx="1">
+            <a:schemeClr val="accent1"/>
+          </a:lnRef>
+          <a:fillRef idx="0">
+            <a:schemeClr val="accent1"/>
+          </a:fillRef>
+          <a:effectRef idx="0">
+            <a:schemeClr val="accent1"/>
+          </a:effectRef>
+          <a:fontRef idx="minor">
+            <a:schemeClr val="tx1"/>
+          </a:fontRef>
+        </p:style>
+      </p:cxnSp>
+      <p:sp>
+        <p:nvSpPr>
+          <p:cNvPr id="10" name="직사각형 9">
+            <a:extLst>
+              <a:ext uri="{FF2B5EF4-FFF2-40B4-BE49-F238E27FC236}">
+                <a16:creationId xmlns:a16="http://schemas.microsoft.com/office/drawing/2014/main" id="{5283D6BA-2971-48F2-9043-7919E96E46B0}"/>
+              </a:ext>
+            </a:extLst>
+          </p:cNvPr>
+          <p:cNvSpPr/>
+          <p:nvPr/>
+        </p:nvSpPr>
+        <p:spPr>
+          <a:xfrm>
+            <a:off x="471489" y="3211820"/>
+            <a:ext cx="3600000" cy="540000"/>
+          </a:xfrm>
+          <a:prstGeom prst="rect">
+            <a:avLst/>
+          </a:prstGeom>
+          <a:noFill/>
+          <a:ln>
+            <a:solidFill>
+              <a:schemeClr val="tx1"/>
+            </a:solidFill>
+          </a:ln>
+        </p:spPr>
+        <p:style>
+          <a:lnRef idx="2">
+            <a:schemeClr val="accent1">
+              <a:shade val="50000"/>
+            </a:schemeClr>
+          </a:lnRef>
+          <a:fillRef idx="1">
+            <a:schemeClr val="accent1"/>
+          </a:fillRef>
+          <a:effectRef idx="0">
+            <a:schemeClr val="accent1"/>
+          </a:effectRef>
+          <a:fontRef idx="minor">
+            <a:schemeClr val="lt1"/>
+          </a:fontRef>
+        </p:style>
+        <p:txBody>
+          <a:bodyPr rtlCol="0" anchor="ctr"/>
+          <a:lstStyle/>
+          <a:p>
+            <a:pPr algn="ctr"/>
+            <a:r>
+              <a:rPr lang="ko-KR" altLang="en-US" sz="1467" dirty="0">
+                <a:solidFill>
+                  <a:sysClr val="windowText" lastClr="000000"/>
+                </a:solidFill>
+              </a:rPr>
+              <a:t>합을 </a:t>
+            </a:r>
+            <a:r>
+              <a:rPr lang="en-US" altLang="ko-KR" sz="1467" dirty="0">
+                <a:solidFill>
+                  <a:sysClr val="windowText" lastClr="000000"/>
+                </a:solidFill>
+              </a:rPr>
+              <a:t>7</a:t>
+            </a:r>
+            <a:r>
+              <a:rPr lang="ko-KR" altLang="en-US" sz="1467" dirty="0">
+                <a:solidFill>
+                  <a:sysClr val="windowText" lastClr="000000"/>
+                </a:solidFill>
+              </a:rPr>
+              <a:t>로 나눈 나머지로 요일을 구한다</a:t>
+            </a:r>
+          </a:p>
+        </p:txBody>
+      </p:sp>
+      <p:cxnSp>
+        <p:nvCxnSpPr>
+          <p:cNvPr id="11" name="직선 화살표 연결선 10">
+            <a:extLst>
+              <a:ext uri="{FF2B5EF4-FFF2-40B4-BE49-F238E27FC236}">
+                <a16:creationId xmlns:a16="http://schemas.microsoft.com/office/drawing/2014/main" id="{354293A9-39B4-4529-8CE1-02889F0341B3}"/>
+              </a:ext>
+            </a:extLst>
+          </p:cNvPr>
+          <p:cNvCxnSpPr>
+            <a:cxnSpLocks/>
+            <a:stCxn id="8" idx="2"/>
+            <a:endCxn id="10" idx="0"/>
+          </p:cNvCxnSpPr>
+          <p:nvPr/>
+        </p:nvCxnSpPr>
+        <p:spPr>
+          <a:xfrm flipH="1">
+            <a:off x="2271489" y="2921931"/>
+            <a:ext cx="5212" cy="289889"/>
+          </a:xfrm>
+          <a:prstGeom prst="straightConnector1">
+            <a:avLst/>
+          </a:prstGeom>
+          <a:ln>
+            <a:solidFill>
+              <a:schemeClr val="tx1"/>
+            </a:solidFill>
+            <a:tailEnd type="triangle"/>
+          </a:ln>
+        </p:spPr>
+        <p:style>
+          <a:lnRef idx="1">
+            <a:schemeClr val="accent1"/>
+          </a:lnRef>
+          <a:fillRef idx="0">
+            <a:schemeClr val="accent1"/>
+          </a:fillRef>
+          <a:effectRef idx="0">
+            <a:schemeClr val="accent1"/>
+          </a:effectRef>
+          <a:fontRef idx="minor">
+            <a:schemeClr val="tx1"/>
+          </a:fontRef>
+        </p:style>
+      </p:cxnSp>
+    </p:spTree>
+    <p:extLst>
+      <p:ext uri="{BB962C8B-B14F-4D97-AF65-F5344CB8AC3E}">
+        <p14:creationId xmlns:p14="http://schemas.microsoft.com/office/powerpoint/2010/main" val="328032655"/>
+      </p:ext>
+    </p:extLst>
+  </p:cSld>
+  <p:clrMapOvr>
+    <a:masterClrMapping/>
+  </p:clrMapOvr>
+</p:sld>
+</file>
+
 <file path=ppt/theme/theme1.xml><?xml version="1.0" encoding="utf-8"?>
 <a:theme xmlns:a="http://schemas.openxmlformats.org/drawingml/2006/main" name="Office 테마">
   <a:themeElements>

--- a/알고리즘_프로그래머스_Level01_순서도.pptx
+++ b/알고리즘_프로그래머스_Level01_순서도.pptx
@@ -14,6 +14,7 @@
     <p:sldId id="262" r:id="rId8"/>
     <p:sldId id="263" r:id="rId9"/>
     <p:sldId id="264" r:id="rId10"/>
+    <p:sldId id="265" r:id="rId11"/>
   </p:sldIdLst>
   <p:sldSz cx="6858000" cy="9144000" type="screen4x3"/>
   <p:notesSz cx="6858000" cy="9144000"/>
@@ -251,7 +252,7 @@
           <a:p>
             <a:fld id="{274DCB2C-481A-4B20-92AC-CEC756183F8E}" type="datetimeFigureOut">
               <a:rPr lang="ko-KR" altLang="en-US" smtClean="0"/>
-              <a:t>2021-01-11</a:t>
+              <a:t>2021-01-12</a:t>
             </a:fld>
             <a:endParaRPr lang="ko-KR" altLang="en-US"/>
           </a:p>
@@ -421,7 +422,7 @@
           <a:p>
             <a:fld id="{274DCB2C-481A-4B20-92AC-CEC756183F8E}" type="datetimeFigureOut">
               <a:rPr lang="ko-KR" altLang="en-US" smtClean="0"/>
-              <a:t>2021-01-11</a:t>
+              <a:t>2021-01-12</a:t>
             </a:fld>
             <a:endParaRPr lang="ko-KR" altLang="en-US"/>
           </a:p>
@@ -601,7 +602,7 @@
           <a:p>
             <a:fld id="{274DCB2C-481A-4B20-92AC-CEC756183F8E}" type="datetimeFigureOut">
               <a:rPr lang="ko-KR" altLang="en-US" smtClean="0"/>
-              <a:t>2021-01-11</a:t>
+              <a:t>2021-01-12</a:t>
             </a:fld>
             <a:endParaRPr lang="ko-KR" altLang="en-US"/>
           </a:p>
@@ -771,7 +772,7 @@
           <a:p>
             <a:fld id="{274DCB2C-481A-4B20-92AC-CEC756183F8E}" type="datetimeFigureOut">
               <a:rPr lang="ko-KR" altLang="en-US" smtClean="0"/>
-              <a:t>2021-01-11</a:t>
+              <a:t>2021-01-12</a:t>
             </a:fld>
             <a:endParaRPr lang="ko-KR" altLang="en-US"/>
           </a:p>
@@ -1015,7 +1016,7 @@
           <a:p>
             <a:fld id="{274DCB2C-481A-4B20-92AC-CEC756183F8E}" type="datetimeFigureOut">
               <a:rPr lang="ko-KR" altLang="en-US" smtClean="0"/>
-              <a:t>2021-01-11</a:t>
+              <a:t>2021-01-12</a:t>
             </a:fld>
             <a:endParaRPr lang="ko-KR" altLang="en-US"/>
           </a:p>
@@ -1247,7 +1248,7 @@
           <a:p>
             <a:fld id="{274DCB2C-481A-4B20-92AC-CEC756183F8E}" type="datetimeFigureOut">
               <a:rPr lang="ko-KR" altLang="en-US" smtClean="0"/>
-              <a:t>2021-01-11</a:t>
+              <a:t>2021-01-12</a:t>
             </a:fld>
             <a:endParaRPr lang="ko-KR" altLang="en-US"/>
           </a:p>
@@ -1614,7 +1615,7 @@
           <a:p>
             <a:fld id="{274DCB2C-481A-4B20-92AC-CEC756183F8E}" type="datetimeFigureOut">
               <a:rPr lang="ko-KR" altLang="en-US" smtClean="0"/>
-              <a:t>2021-01-11</a:t>
+              <a:t>2021-01-12</a:t>
             </a:fld>
             <a:endParaRPr lang="ko-KR" altLang="en-US"/>
           </a:p>
@@ -1732,7 +1733,7 @@
           <a:p>
             <a:fld id="{274DCB2C-481A-4B20-92AC-CEC756183F8E}" type="datetimeFigureOut">
               <a:rPr lang="ko-KR" altLang="en-US" smtClean="0"/>
-              <a:t>2021-01-11</a:t>
+              <a:t>2021-01-12</a:t>
             </a:fld>
             <a:endParaRPr lang="ko-KR" altLang="en-US"/>
           </a:p>
@@ -1827,7 +1828,7 @@
           <a:p>
             <a:fld id="{274DCB2C-481A-4B20-92AC-CEC756183F8E}" type="datetimeFigureOut">
               <a:rPr lang="ko-KR" altLang="en-US" smtClean="0"/>
-              <a:t>2021-01-11</a:t>
+              <a:t>2021-01-12</a:t>
             </a:fld>
             <a:endParaRPr lang="ko-KR" altLang="en-US"/>
           </a:p>
@@ -2104,7 +2105,7 @@
           <a:p>
             <a:fld id="{274DCB2C-481A-4B20-92AC-CEC756183F8E}" type="datetimeFigureOut">
               <a:rPr lang="ko-KR" altLang="en-US" smtClean="0"/>
-              <a:t>2021-01-11</a:t>
+              <a:t>2021-01-12</a:t>
             </a:fld>
             <a:endParaRPr lang="ko-KR" altLang="en-US"/>
           </a:p>
@@ -2361,7 +2362,7 @@
           <a:p>
             <a:fld id="{274DCB2C-481A-4B20-92AC-CEC756183F8E}" type="datetimeFigureOut">
               <a:rPr lang="ko-KR" altLang="en-US" smtClean="0"/>
-              <a:t>2021-01-11</a:t>
+              <a:t>2021-01-12</a:t>
             </a:fld>
             <a:endParaRPr lang="ko-KR" altLang="en-US"/>
           </a:p>
@@ -2574,7 +2575,7 @@
           <a:p>
             <a:fld id="{274DCB2C-481A-4B20-92AC-CEC756183F8E}" type="datetimeFigureOut">
               <a:rPr lang="ko-KR" altLang="en-US" smtClean="0"/>
-              <a:t>2021-01-11</a:t>
+              <a:t>2021-01-12</a:t>
             </a:fld>
             <a:endParaRPr lang="ko-KR" altLang="en-US"/>
           </a:p>
@@ -4526,6 +4527,578 @@
 </p:sld>
 </file>
 
+<file path=ppt/slides/slide10.xml><?xml version="1.0" encoding="utf-8"?>
+<p:sld xmlns:a="http://schemas.openxmlformats.org/drawingml/2006/main" xmlns:r="http://schemas.openxmlformats.org/officeDocument/2006/relationships" xmlns:p="http://schemas.openxmlformats.org/presentationml/2006/main">
+  <p:cSld>
+    <p:spTree>
+      <p:nvGrpSpPr>
+        <p:cNvPr id="1" name=""/>
+        <p:cNvGrpSpPr/>
+        <p:nvPr/>
+      </p:nvGrpSpPr>
+      <p:grpSpPr>
+        <a:xfrm>
+          <a:off x="0" y="0"/>
+          <a:ext cx="0" cy="0"/>
+          <a:chOff x="0" y="0"/>
+          <a:chExt cx="0" cy="0"/>
+        </a:xfrm>
+      </p:grpSpPr>
+      <p:sp>
+        <p:nvSpPr>
+          <p:cNvPr id="4" name="제목 3">
+            <a:extLst>
+              <a:ext uri="{FF2B5EF4-FFF2-40B4-BE49-F238E27FC236}">
+                <a16:creationId xmlns:a16="http://schemas.microsoft.com/office/drawing/2014/main" id="{30BAC889-89EF-449A-A9AB-0AA582E87CB5}"/>
+              </a:ext>
+            </a:extLst>
+          </p:cNvPr>
+          <p:cNvSpPr>
+            <a:spLocks noGrp="1"/>
+          </p:cNvSpPr>
+          <p:nvPr>
+            <p:ph type="title"/>
+          </p:nvPr>
+        </p:nvSpPr>
+        <p:spPr/>
+        <p:txBody>
+          <a:bodyPr/>
+          <a:lstStyle/>
+          <a:p>
+            <a:r>
+              <a:rPr lang="ko-KR" altLang="en-US" dirty="0"/>
+              <a:t>가운데 글자 가져오기 </a:t>
+            </a:r>
+            <a:r>
+              <a:rPr lang="en-US" altLang="ko-KR" dirty="0"/>
+              <a:t>(01.12)</a:t>
+            </a:r>
+            <a:endParaRPr lang="ko-KR" altLang="en-US" dirty="0"/>
+          </a:p>
+        </p:txBody>
+      </p:sp>
+      <p:sp>
+        <p:nvSpPr>
+          <p:cNvPr id="7" name="직사각형 6">
+            <a:extLst>
+              <a:ext uri="{FF2B5EF4-FFF2-40B4-BE49-F238E27FC236}">
+                <a16:creationId xmlns:a16="http://schemas.microsoft.com/office/drawing/2014/main" id="{3521F3E1-F3C7-4375-B8E7-0210E50030D0}"/>
+              </a:ext>
+            </a:extLst>
+          </p:cNvPr>
+          <p:cNvSpPr/>
+          <p:nvPr/>
+        </p:nvSpPr>
+        <p:spPr>
+          <a:xfrm>
+            <a:off x="471489" y="1552042"/>
+            <a:ext cx="2880000" cy="540000"/>
+          </a:xfrm>
+          <a:prstGeom prst="rect">
+            <a:avLst/>
+          </a:prstGeom>
+          <a:noFill/>
+          <a:ln>
+            <a:solidFill>
+              <a:schemeClr val="tx1"/>
+            </a:solidFill>
+          </a:ln>
+        </p:spPr>
+        <p:style>
+          <a:lnRef idx="2">
+            <a:schemeClr val="accent1">
+              <a:shade val="50000"/>
+            </a:schemeClr>
+          </a:lnRef>
+          <a:fillRef idx="1">
+            <a:schemeClr val="accent1"/>
+          </a:fillRef>
+          <a:effectRef idx="0">
+            <a:schemeClr val="accent1"/>
+          </a:effectRef>
+          <a:fontRef idx="minor">
+            <a:schemeClr val="lt1"/>
+          </a:fontRef>
+        </p:style>
+        <p:txBody>
+          <a:bodyPr rtlCol="0" anchor="ctr"/>
+          <a:lstStyle/>
+          <a:p>
+            <a:pPr algn="ctr"/>
+            <a:r>
+              <a:rPr lang="ko-KR" altLang="en-US" sz="1467" dirty="0">
+                <a:solidFill>
+                  <a:sysClr val="windowText" lastClr="000000"/>
+                </a:solidFill>
+              </a:rPr>
+              <a:t>주어진 단어의 길이를 구한다</a:t>
+            </a:r>
+            <a:r>
+              <a:rPr lang="en-US" altLang="ko-KR" sz="1467" dirty="0">
+                <a:solidFill>
+                  <a:sysClr val="windowText" lastClr="000000"/>
+                </a:solidFill>
+              </a:rPr>
+              <a:t>.</a:t>
+            </a:r>
+          </a:p>
+        </p:txBody>
+      </p:sp>
+      <p:cxnSp>
+        <p:nvCxnSpPr>
+          <p:cNvPr id="9" name="직선 화살표 연결선 8">
+            <a:extLst>
+              <a:ext uri="{FF2B5EF4-FFF2-40B4-BE49-F238E27FC236}">
+                <a16:creationId xmlns:a16="http://schemas.microsoft.com/office/drawing/2014/main" id="{0074B81A-8660-4E3D-B69A-3DEA51705F3F}"/>
+              </a:ext>
+            </a:extLst>
+          </p:cNvPr>
+          <p:cNvCxnSpPr>
+            <a:cxnSpLocks/>
+            <a:stCxn id="7" idx="2"/>
+            <a:endCxn id="12" idx="0"/>
+          </p:cNvCxnSpPr>
+          <p:nvPr/>
+        </p:nvCxnSpPr>
+        <p:spPr>
+          <a:xfrm>
+            <a:off x="1911489" y="2092042"/>
+            <a:ext cx="4879" cy="290221"/>
+          </a:xfrm>
+          <a:prstGeom prst="straightConnector1">
+            <a:avLst/>
+          </a:prstGeom>
+          <a:ln>
+            <a:solidFill>
+              <a:schemeClr val="tx1"/>
+            </a:solidFill>
+            <a:tailEnd type="triangle"/>
+          </a:ln>
+        </p:spPr>
+        <p:style>
+          <a:lnRef idx="1">
+            <a:schemeClr val="accent1"/>
+          </a:lnRef>
+          <a:fillRef idx="0">
+            <a:schemeClr val="accent1"/>
+          </a:fillRef>
+          <a:effectRef idx="0">
+            <a:schemeClr val="accent1"/>
+          </a:effectRef>
+          <a:fontRef idx="minor">
+            <a:schemeClr val="tx1"/>
+          </a:fontRef>
+        </p:style>
+      </p:cxnSp>
+      <p:sp>
+        <p:nvSpPr>
+          <p:cNvPr id="10" name="직사각형 9">
+            <a:extLst>
+              <a:ext uri="{FF2B5EF4-FFF2-40B4-BE49-F238E27FC236}">
+                <a16:creationId xmlns:a16="http://schemas.microsoft.com/office/drawing/2014/main" id="{5283D6BA-2971-48F2-9043-7919E96E46B0}"/>
+              </a:ext>
+            </a:extLst>
+          </p:cNvPr>
+          <p:cNvSpPr/>
+          <p:nvPr/>
+        </p:nvSpPr>
+        <p:spPr>
+          <a:xfrm>
+            <a:off x="651489" y="3211820"/>
+            <a:ext cx="2520000" cy="540000"/>
+          </a:xfrm>
+          <a:prstGeom prst="rect">
+            <a:avLst/>
+          </a:prstGeom>
+          <a:noFill/>
+          <a:ln>
+            <a:solidFill>
+              <a:schemeClr val="tx1"/>
+            </a:solidFill>
+          </a:ln>
+        </p:spPr>
+        <p:style>
+          <a:lnRef idx="2">
+            <a:schemeClr val="accent1">
+              <a:shade val="50000"/>
+            </a:schemeClr>
+          </a:lnRef>
+          <a:fillRef idx="1">
+            <a:schemeClr val="accent1"/>
+          </a:fillRef>
+          <a:effectRef idx="0">
+            <a:schemeClr val="accent1"/>
+          </a:effectRef>
+          <a:fontRef idx="minor">
+            <a:schemeClr val="lt1"/>
+          </a:fontRef>
+        </p:style>
+        <p:txBody>
+          <a:bodyPr rtlCol="0" anchor="ctr"/>
+          <a:lstStyle/>
+          <a:p>
+            <a:pPr algn="ctr"/>
+            <a:r>
+              <a:rPr lang="ko-KR" altLang="en-US" sz="1467" dirty="0">
+                <a:solidFill>
+                  <a:sysClr val="windowText" lastClr="000000"/>
+                </a:solidFill>
+              </a:rPr>
+              <a:t>가운데 </a:t>
+            </a:r>
+            <a:r>
+              <a:rPr lang="en-US" altLang="ko-KR" sz="1467" dirty="0">
+                <a:solidFill>
+                  <a:sysClr val="windowText" lastClr="000000"/>
+                </a:solidFill>
+              </a:rPr>
+              <a:t>2</a:t>
+            </a:r>
+            <a:r>
+              <a:rPr lang="ko-KR" altLang="en-US" sz="1467" dirty="0">
+                <a:solidFill>
+                  <a:sysClr val="windowText" lastClr="000000"/>
+                </a:solidFill>
+              </a:rPr>
+              <a:t>글자를 가져온다</a:t>
+            </a:r>
+          </a:p>
+        </p:txBody>
+      </p:sp>
+      <p:cxnSp>
+        <p:nvCxnSpPr>
+          <p:cNvPr id="11" name="직선 화살표 연결선 10">
+            <a:extLst>
+              <a:ext uri="{FF2B5EF4-FFF2-40B4-BE49-F238E27FC236}">
+                <a16:creationId xmlns:a16="http://schemas.microsoft.com/office/drawing/2014/main" id="{354293A9-39B4-4529-8CE1-02889F0341B3}"/>
+              </a:ext>
+            </a:extLst>
+          </p:cNvPr>
+          <p:cNvCxnSpPr>
+            <a:cxnSpLocks/>
+            <a:stCxn id="12" idx="2"/>
+            <a:endCxn id="10" idx="0"/>
+          </p:cNvCxnSpPr>
+          <p:nvPr/>
+        </p:nvCxnSpPr>
+        <p:spPr>
+          <a:xfrm flipH="1">
+            <a:off x="1911489" y="2881820"/>
+            <a:ext cx="4879" cy="330000"/>
+          </a:xfrm>
+          <a:prstGeom prst="straightConnector1">
+            <a:avLst/>
+          </a:prstGeom>
+          <a:ln>
+            <a:solidFill>
+              <a:schemeClr val="tx1"/>
+            </a:solidFill>
+            <a:tailEnd type="triangle"/>
+          </a:ln>
+        </p:spPr>
+        <p:style>
+          <a:lnRef idx="1">
+            <a:schemeClr val="accent1"/>
+          </a:lnRef>
+          <a:fillRef idx="0">
+            <a:schemeClr val="accent1"/>
+          </a:fillRef>
+          <a:effectRef idx="0">
+            <a:schemeClr val="accent1"/>
+          </a:effectRef>
+          <a:fontRef idx="minor">
+            <a:schemeClr val="tx1"/>
+          </a:fontRef>
+        </p:style>
+      </p:cxnSp>
+      <p:sp>
+        <p:nvSpPr>
+          <p:cNvPr id="12" name="다이아몬드 11">
+            <a:extLst>
+              <a:ext uri="{FF2B5EF4-FFF2-40B4-BE49-F238E27FC236}">
+                <a16:creationId xmlns:a16="http://schemas.microsoft.com/office/drawing/2014/main" id="{96FC0D46-A6B7-46AB-96DB-13AE780FEF19}"/>
+              </a:ext>
+            </a:extLst>
+          </p:cNvPr>
+          <p:cNvSpPr/>
+          <p:nvPr/>
+        </p:nvSpPr>
+        <p:spPr>
+          <a:xfrm>
+            <a:off x="481247" y="2382263"/>
+            <a:ext cx="2870242" cy="499557"/>
+          </a:xfrm>
+          <a:prstGeom prst="diamond">
+            <a:avLst/>
+          </a:prstGeom>
+          <a:noFill/>
+          <a:ln>
+            <a:solidFill>
+              <a:schemeClr val="tx1"/>
+            </a:solidFill>
+          </a:ln>
+        </p:spPr>
+        <p:style>
+          <a:lnRef idx="2">
+            <a:schemeClr val="accent1">
+              <a:shade val="50000"/>
+            </a:schemeClr>
+          </a:lnRef>
+          <a:fillRef idx="1">
+            <a:schemeClr val="accent1"/>
+          </a:fillRef>
+          <a:effectRef idx="0">
+            <a:schemeClr val="accent1"/>
+          </a:effectRef>
+          <a:fontRef idx="minor">
+            <a:schemeClr val="lt1"/>
+          </a:fontRef>
+        </p:style>
+        <p:txBody>
+          <a:bodyPr rtlCol="0" anchor="ctr"/>
+          <a:lstStyle/>
+          <a:p>
+            <a:pPr algn="ctr"/>
+            <a:r>
+              <a:rPr lang="ko-KR" altLang="en-US" sz="1467" dirty="0">
+                <a:solidFill>
+                  <a:sysClr val="windowText" lastClr="000000"/>
+                </a:solidFill>
+              </a:rPr>
+              <a:t>길이 </a:t>
+            </a:r>
+            <a:r>
+              <a:rPr lang="en-US" altLang="ko-KR" sz="1467" dirty="0">
+                <a:solidFill>
+                  <a:sysClr val="windowText" lastClr="000000"/>
+                </a:solidFill>
+              </a:rPr>
+              <a:t>== </a:t>
+            </a:r>
+            <a:r>
+              <a:rPr lang="ko-KR" altLang="en-US" sz="1467" dirty="0">
+                <a:solidFill>
+                  <a:sysClr val="windowText" lastClr="000000"/>
+                </a:solidFill>
+              </a:rPr>
+              <a:t>짝수</a:t>
+            </a:r>
+          </a:p>
+        </p:txBody>
+      </p:sp>
+      <p:sp>
+        <p:nvSpPr>
+          <p:cNvPr id="14" name="직사각형 13">
+            <a:extLst>
+              <a:ext uri="{FF2B5EF4-FFF2-40B4-BE49-F238E27FC236}">
+                <a16:creationId xmlns:a16="http://schemas.microsoft.com/office/drawing/2014/main" id="{6F3AAD26-19AE-4239-9C72-E47B513778B0}"/>
+              </a:ext>
+            </a:extLst>
+          </p:cNvPr>
+          <p:cNvSpPr/>
+          <p:nvPr/>
+        </p:nvSpPr>
+        <p:spPr>
+          <a:xfrm>
+            <a:off x="3686511" y="3211820"/>
+            <a:ext cx="2520000" cy="540000"/>
+          </a:xfrm>
+          <a:prstGeom prst="rect">
+            <a:avLst/>
+          </a:prstGeom>
+          <a:noFill/>
+          <a:ln>
+            <a:solidFill>
+              <a:schemeClr val="tx1"/>
+            </a:solidFill>
+          </a:ln>
+        </p:spPr>
+        <p:style>
+          <a:lnRef idx="2">
+            <a:schemeClr val="accent1">
+              <a:shade val="50000"/>
+            </a:schemeClr>
+          </a:lnRef>
+          <a:fillRef idx="1">
+            <a:schemeClr val="accent1"/>
+          </a:fillRef>
+          <a:effectRef idx="0">
+            <a:schemeClr val="accent1"/>
+          </a:effectRef>
+          <a:fontRef idx="minor">
+            <a:schemeClr val="lt1"/>
+          </a:fontRef>
+        </p:style>
+        <p:txBody>
+          <a:bodyPr rtlCol="0" anchor="ctr"/>
+          <a:lstStyle/>
+          <a:p>
+            <a:pPr algn="ctr"/>
+            <a:r>
+              <a:rPr lang="ko-KR" altLang="en-US" sz="1467" dirty="0">
+                <a:solidFill>
+                  <a:sysClr val="windowText" lastClr="000000"/>
+                </a:solidFill>
+              </a:rPr>
+              <a:t>가운데 </a:t>
+            </a:r>
+            <a:r>
+              <a:rPr lang="en-US" altLang="ko-KR" sz="1467" dirty="0">
+                <a:solidFill>
+                  <a:sysClr val="windowText" lastClr="000000"/>
+                </a:solidFill>
+              </a:rPr>
+              <a:t>1</a:t>
+            </a:r>
+            <a:r>
+              <a:rPr lang="ko-KR" altLang="en-US" sz="1467" dirty="0">
+                <a:solidFill>
+                  <a:sysClr val="windowText" lastClr="000000"/>
+                </a:solidFill>
+              </a:rPr>
+              <a:t>글자를 가져온다</a:t>
+            </a:r>
+          </a:p>
+        </p:txBody>
+      </p:sp>
+      <p:cxnSp>
+        <p:nvCxnSpPr>
+          <p:cNvPr id="16" name="연결선: 꺾임 15">
+            <a:extLst>
+              <a:ext uri="{FF2B5EF4-FFF2-40B4-BE49-F238E27FC236}">
+                <a16:creationId xmlns:a16="http://schemas.microsoft.com/office/drawing/2014/main" id="{8ACEF592-1C11-4A57-B5E7-30B014CFC1DB}"/>
+              </a:ext>
+            </a:extLst>
+          </p:cNvPr>
+          <p:cNvCxnSpPr>
+            <a:stCxn id="12" idx="3"/>
+            <a:endCxn id="14" idx="0"/>
+          </p:cNvCxnSpPr>
+          <p:nvPr/>
+        </p:nvCxnSpPr>
+        <p:spPr>
+          <a:xfrm>
+            <a:off x="3351489" y="2632042"/>
+            <a:ext cx="1595022" cy="579778"/>
+          </a:xfrm>
+          <a:prstGeom prst="bentConnector2">
+            <a:avLst/>
+          </a:prstGeom>
+          <a:ln>
+            <a:solidFill>
+              <a:schemeClr val="tx1"/>
+            </a:solidFill>
+            <a:tailEnd type="triangle"/>
+          </a:ln>
+        </p:spPr>
+        <p:style>
+          <a:lnRef idx="1">
+            <a:schemeClr val="accent1"/>
+          </a:lnRef>
+          <a:fillRef idx="0">
+            <a:schemeClr val="accent1"/>
+          </a:fillRef>
+          <a:effectRef idx="0">
+            <a:schemeClr val="accent1"/>
+          </a:effectRef>
+          <a:fontRef idx="minor">
+            <a:schemeClr val="tx1"/>
+          </a:fontRef>
+        </p:style>
+      </p:cxnSp>
+      <p:sp>
+        <p:nvSpPr>
+          <p:cNvPr id="17" name="TextBox 16">
+            <a:extLst>
+              <a:ext uri="{FF2B5EF4-FFF2-40B4-BE49-F238E27FC236}">
+                <a16:creationId xmlns:a16="http://schemas.microsoft.com/office/drawing/2014/main" id="{2A5C5224-5C5E-4F1E-A524-04C3D097A28A}"/>
+              </a:ext>
+            </a:extLst>
+          </p:cNvPr>
+          <p:cNvSpPr txBox="1"/>
+          <p:nvPr/>
+        </p:nvSpPr>
+        <p:spPr>
+          <a:xfrm>
+            <a:off x="1911489" y="2844042"/>
+            <a:ext cx="492444" cy="307777"/>
+          </a:xfrm>
+          <a:prstGeom prst="rect">
+            <a:avLst/>
+          </a:prstGeom>
+          <a:noFill/>
+        </p:spPr>
+        <p:txBody>
+          <a:bodyPr wrap="none">
+            <a:spAutoFit/>
+          </a:bodyPr>
+          <a:lstStyle/>
+          <a:p>
+            <a:pPr algn="ctr"/>
+            <a:r>
+              <a:rPr lang="en-US" altLang="ko-KR" sz="1400" dirty="0">
+                <a:solidFill>
+                  <a:sysClr val="windowText" lastClr="000000"/>
+                </a:solidFill>
+              </a:rPr>
+              <a:t>true</a:t>
+            </a:r>
+          </a:p>
+        </p:txBody>
+      </p:sp>
+      <p:sp>
+        <p:nvSpPr>
+          <p:cNvPr id="18" name="TextBox 17">
+            <a:extLst>
+              <a:ext uri="{FF2B5EF4-FFF2-40B4-BE49-F238E27FC236}">
+                <a16:creationId xmlns:a16="http://schemas.microsoft.com/office/drawing/2014/main" id="{6EBCCA47-BF63-4A15-9AE5-94B0A0A37DAF}"/>
+              </a:ext>
+            </a:extLst>
+          </p:cNvPr>
+          <p:cNvSpPr txBox="1"/>
+          <p:nvPr/>
+        </p:nvSpPr>
+        <p:spPr>
+          <a:xfrm>
+            <a:off x="3429000" y="2344153"/>
+            <a:ext cx="524182" cy="307777"/>
+          </a:xfrm>
+          <a:prstGeom prst="rect">
+            <a:avLst/>
+          </a:prstGeom>
+          <a:noFill/>
+        </p:spPr>
+        <p:txBody>
+          <a:bodyPr wrap="none">
+            <a:spAutoFit/>
+          </a:bodyPr>
+          <a:lstStyle/>
+          <a:p>
+            <a:pPr algn="ctr"/>
+            <a:r>
+              <a:rPr lang="en-US" altLang="ko-KR" sz="1400" dirty="0">
+                <a:solidFill>
+                  <a:sysClr val="windowText" lastClr="000000"/>
+                </a:solidFill>
+              </a:rPr>
+              <a:t>false</a:t>
+            </a:r>
+          </a:p>
+        </p:txBody>
+      </p:sp>
+    </p:spTree>
+    <p:extLst>
+      <p:ext uri="{BB962C8B-B14F-4D97-AF65-F5344CB8AC3E}">
+        <p14:creationId xmlns:p14="http://schemas.microsoft.com/office/powerpoint/2010/main" val="1640185656"/>
+      </p:ext>
+    </p:extLst>
+  </p:cSld>
+  <p:clrMapOvr>
+    <a:masterClrMapping/>
+  </p:clrMapOvr>
+</p:sld>
+</file>
+
 <file path=ppt/slides/slide2.xml><?xml version="1.0" encoding="utf-8"?>
 <p:sld xmlns:a="http://schemas.openxmlformats.org/drawingml/2006/main" xmlns:r="http://schemas.openxmlformats.org/officeDocument/2006/relationships" xmlns:p="http://schemas.openxmlformats.org/presentationml/2006/main">
   <p:cSld>

--- a/알고리즘_프로그래머스_Level01_순서도.pptx
+++ b/알고리즘_프로그래머스_Level01_순서도.pptx
@@ -15,6 +15,7 @@
     <p:sldId id="263" r:id="rId9"/>
     <p:sldId id="264" r:id="rId10"/>
     <p:sldId id="265" r:id="rId11"/>
+    <p:sldId id="268" r:id="rId12"/>
   </p:sldIdLst>
   <p:sldSz cx="6858000" cy="9144000" type="screen4x3"/>
   <p:notesSz cx="6858000" cy="9144000"/>
@@ -5099,6 +5100,439 @@
 </p:sld>
 </file>
 
+<file path=ppt/slides/slide11.xml><?xml version="1.0" encoding="utf-8"?>
+<p:sld xmlns:a="http://schemas.openxmlformats.org/drawingml/2006/main" xmlns:r="http://schemas.openxmlformats.org/officeDocument/2006/relationships" xmlns:p="http://schemas.openxmlformats.org/presentationml/2006/main">
+  <p:cSld>
+    <p:spTree>
+      <p:nvGrpSpPr>
+        <p:cNvPr id="1" name=""/>
+        <p:cNvGrpSpPr/>
+        <p:nvPr/>
+      </p:nvGrpSpPr>
+      <p:grpSpPr>
+        <a:xfrm>
+          <a:off x="0" y="0"/>
+          <a:ext cx="0" cy="0"/>
+          <a:chOff x="0" y="0"/>
+          <a:chExt cx="0" cy="0"/>
+        </a:xfrm>
+      </p:grpSpPr>
+      <p:sp>
+        <p:nvSpPr>
+          <p:cNvPr id="4" name="제목 3">
+            <a:extLst>
+              <a:ext uri="{FF2B5EF4-FFF2-40B4-BE49-F238E27FC236}">
+                <a16:creationId xmlns:a16="http://schemas.microsoft.com/office/drawing/2014/main" id="{30BAC889-89EF-449A-A9AB-0AA582E87CB5}"/>
+              </a:ext>
+            </a:extLst>
+          </p:cNvPr>
+          <p:cNvSpPr>
+            <a:spLocks noGrp="1"/>
+          </p:cNvSpPr>
+          <p:nvPr>
+            <p:ph type="title"/>
+          </p:nvPr>
+        </p:nvSpPr>
+        <p:spPr/>
+        <p:txBody>
+          <a:bodyPr/>
+          <a:lstStyle/>
+          <a:p>
+            <a:r>
+              <a:rPr lang="ko-KR" altLang="en-US" dirty="0"/>
+              <a:t>같은 숫자는 싫어 </a:t>
+            </a:r>
+            <a:r>
+              <a:rPr lang="en-US" altLang="ko-KR" dirty="0"/>
+              <a:t>(01.12)</a:t>
+            </a:r>
+            <a:endParaRPr lang="ko-KR" altLang="en-US" dirty="0"/>
+          </a:p>
+        </p:txBody>
+      </p:sp>
+      <p:sp>
+        <p:nvSpPr>
+          <p:cNvPr id="7" name="직사각형 6">
+            <a:extLst>
+              <a:ext uri="{FF2B5EF4-FFF2-40B4-BE49-F238E27FC236}">
+                <a16:creationId xmlns:a16="http://schemas.microsoft.com/office/drawing/2014/main" id="{3521F3E1-F3C7-4375-B8E7-0210E50030D0}"/>
+              </a:ext>
+            </a:extLst>
+          </p:cNvPr>
+          <p:cNvSpPr/>
+          <p:nvPr/>
+        </p:nvSpPr>
+        <p:spPr>
+          <a:xfrm>
+            <a:off x="1021247" y="1552042"/>
+            <a:ext cx="2880000" cy="540000"/>
+          </a:xfrm>
+          <a:prstGeom prst="rect">
+            <a:avLst/>
+          </a:prstGeom>
+          <a:noFill/>
+          <a:ln>
+            <a:solidFill>
+              <a:schemeClr val="tx1"/>
+            </a:solidFill>
+          </a:ln>
+        </p:spPr>
+        <p:style>
+          <a:lnRef idx="2">
+            <a:schemeClr val="accent1">
+              <a:shade val="50000"/>
+            </a:schemeClr>
+          </a:lnRef>
+          <a:fillRef idx="1">
+            <a:schemeClr val="accent1"/>
+          </a:fillRef>
+          <a:effectRef idx="0">
+            <a:schemeClr val="accent1"/>
+          </a:effectRef>
+          <a:fontRef idx="minor">
+            <a:schemeClr val="lt1"/>
+          </a:fontRef>
+        </p:style>
+        <p:txBody>
+          <a:bodyPr rtlCol="0" anchor="ctr"/>
+          <a:lstStyle/>
+          <a:p>
+            <a:pPr algn="ctr"/>
+            <a:r>
+              <a:rPr lang="en-US" altLang="ko-KR" sz="1467" dirty="0">
+                <a:solidFill>
+                  <a:sysClr val="windowText" lastClr="000000"/>
+                </a:solidFill>
+              </a:rPr>
+              <a:t>Stack</a:t>
+            </a:r>
+            <a:r>
+              <a:rPr lang="ko-KR" altLang="en-US" sz="1467" dirty="0">
+                <a:solidFill>
+                  <a:sysClr val="windowText" lastClr="000000"/>
+                </a:solidFill>
+              </a:rPr>
+              <a:t>을 생성한다</a:t>
+            </a:r>
+            <a:endParaRPr lang="en-US" altLang="ko-KR" sz="1467" dirty="0">
+              <a:solidFill>
+                <a:sysClr val="windowText" lastClr="000000"/>
+              </a:solidFill>
+            </a:endParaRPr>
+          </a:p>
+        </p:txBody>
+      </p:sp>
+      <p:cxnSp>
+        <p:nvCxnSpPr>
+          <p:cNvPr id="9" name="직선 화살표 연결선 8">
+            <a:extLst>
+              <a:ext uri="{FF2B5EF4-FFF2-40B4-BE49-F238E27FC236}">
+                <a16:creationId xmlns:a16="http://schemas.microsoft.com/office/drawing/2014/main" id="{0074B81A-8660-4E3D-B69A-3DEA51705F3F}"/>
+              </a:ext>
+            </a:extLst>
+          </p:cNvPr>
+          <p:cNvCxnSpPr>
+            <a:cxnSpLocks/>
+            <a:stCxn id="7" idx="2"/>
+            <a:endCxn id="12" idx="0"/>
+          </p:cNvCxnSpPr>
+          <p:nvPr/>
+        </p:nvCxnSpPr>
+        <p:spPr>
+          <a:xfrm>
+            <a:off x="2461247" y="2092042"/>
+            <a:ext cx="0" cy="290221"/>
+          </a:xfrm>
+          <a:prstGeom prst="straightConnector1">
+            <a:avLst/>
+          </a:prstGeom>
+          <a:ln>
+            <a:solidFill>
+              <a:schemeClr val="tx1"/>
+            </a:solidFill>
+            <a:tailEnd type="triangle"/>
+          </a:ln>
+        </p:spPr>
+        <p:style>
+          <a:lnRef idx="1">
+            <a:schemeClr val="accent1"/>
+          </a:lnRef>
+          <a:fillRef idx="0">
+            <a:schemeClr val="accent1"/>
+          </a:fillRef>
+          <a:effectRef idx="0">
+            <a:schemeClr val="accent1"/>
+          </a:effectRef>
+          <a:fontRef idx="minor">
+            <a:schemeClr val="tx1"/>
+          </a:fontRef>
+        </p:style>
+      </p:cxnSp>
+      <p:sp>
+        <p:nvSpPr>
+          <p:cNvPr id="10" name="직사각형 9">
+            <a:extLst>
+              <a:ext uri="{FF2B5EF4-FFF2-40B4-BE49-F238E27FC236}">
+                <a16:creationId xmlns:a16="http://schemas.microsoft.com/office/drawing/2014/main" id="{5283D6BA-2971-48F2-9043-7919E96E46B0}"/>
+              </a:ext>
+            </a:extLst>
+          </p:cNvPr>
+          <p:cNvSpPr/>
+          <p:nvPr/>
+        </p:nvSpPr>
+        <p:spPr>
+          <a:xfrm>
+            <a:off x="1201247" y="3211820"/>
+            <a:ext cx="2520000" cy="540000"/>
+          </a:xfrm>
+          <a:prstGeom prst="rect">
+            <a:avLst/>
+          </a:prstGeom>
+          <a:noFill/>
+          <a:ln>
+            <a:solidFill>
+              <a:schemeClr val="tx1"/>
+            </a:solidFill>
+          </a:ln>
+        </p:spPr>
+        <p:style>
+          <a:lnRef idx="2">
+            <a:schemeClr val="accent1">
+              <a:shade val="50000"/>
+            </a:schemeClr>
+          </a:lnRef>
+          <a:fillRef idx="1">
+            <a:schemeClr val="accent1"/>
+          </a:fillRef>
+          <a:effectRef idx="0">
+            <a:schemeClr val="accent1"/>
+          </a:effectRef>
+          <a:fontRef idx="minor">
+            <a:schemeClr val="lt1"/>
+          </a:fontRef>
+        </p:style>
+        <p:txBody>
+          <a:bodyPr rtlCol="0" anchor="ctr"/>
+          <a:lstStyle/>
+          <a:p>
+            <a:pPr algn="ctr"/>
+            <a:r>
+              <a:rPr lang="en-US" altLang="ko-KR" sz="1467" dirty="0">
+                <a:solidFill>
+                  <a:sysClr val="windowText" lastClr="000000"/>
+                </a:solidFill>
+              </a:rPr>
+              <a:t>Stack</a:t>
+            </a:r>
+            <a:r>
+              <a:rPr lang="ko-KR" altLang="en-US" sz="1467" dirty="0">
+                <a:solidFill>
+                  <a:sysClr val="windowText" lastClr="000000"/>
+                </a:solidFill>
+              </a:rPr>
+              <a:t>에 값을 넣는다</a:t>
+            </a:r>
+          </a:p>
+        </p:txBody>
+      </p:sp>
+      <p:cxnSp>
+        <p:nvCxnSpPr>
+          <p:cNvPr id="11" name="직선 화살표 연결선 10">
+            <a:extLst>
+              <a:ext uri="{FF2B5EF4-FFF2-40B4-BE49-F238E27FC236}">
+                <a16:creationId xmlns:a16="http://schemas.microsoft.com/office/drawing/2014/main" id="{354293A9-39B4-4529-8CE1-02889F0341B3}"/>
+              </a:ext>
+            </a:extLst>
+          </p:cNvPr>
+          <p:cNvCxnSpPr>
+            <a:cxnSpLocks/>
+            <a:stCxn id="12" idx="2"/>
+            <a:endCxn id="10" idx="0"/>
+          </p:cNvCxnSpPr>
+          <p:nvPr/>
+        </p:nvCxnSpPr>
+        <p:spPr>
+          <a:xfrm>
+            <a:off x="2461247" y="2881820"/>
+            <a:ext cx="0" cy="330000"/>
+          </a:xfrm>
+          <a:prstGeom prst="straightConnector1">
+            <a:avLst/>
+          </a:prstGeom>
+          <a:ln>
+            <a:solidFill>
+              <a:schemeClr val="tx1"/>
+            </a:solidFill>
+            <a:tailEnd type="triangle"/>
+          </a:ln>
+        </p:spPr>
+        <p:style>
+          <a:lnRef idx="1">
+            <a:schemeClr val="accent1"/>
+          </a:lnRef>
+          <a:fillRef idx="0">
+            <a:schemeClr val="accent1"/>
+          </a:fillRef>
+          <a:effectRef idx="0">
+            <a:schemeClr val="accent1"/>
+          </a:effectRef>
+          <a:fontRef idx="minor">
+            <a:schemeClr val="tx1"/>
+          </a:fontRef>
+        </p:style>
+      </p:cxnSp>
+      <p:sp>
+        <p:nvSpPr>
+          <p:cNvPr id="12" name="다이아몬드 11">
+            <a:extLst>
+              <a:ext uri="{FF2B5EF4-FFF2-40B4-BE49-F238E27FC236}">
+                <a16:creationId xmlns:a16="http://schemas.microsoft.com/office/drawing/2014/main" id="{96FC0D46-A6B7-46AB-96DB-13AE780FEF19}"/>
+              </a:ext>
+            </a:extLst>
+          </p:cNvPr>
+          <p:cNvSpPr/>
+          <p:nvPr/>
+        </p:nvSpPr>
+        <p:spPr>
+          <a:xfrm>
+            <a:off x="481247" y="2382263"/>
+            <a:ext cx="3960000" cy="499557"/>
+          </a:xfrm>
+          <a:prstGeom prst="diamond">
+            <a:avLst/>
+          </a:prstGeom>
+          <a:noFill/>
+          <a:ln>
+            <a:solidFill>
+              <a:schemeClr val="tx1"/>
+            </a:solidFill>
+          </a:ln>
+        </p:spPr>
+        <p:style>
+          <a:lnRef idx="2">
+            <a:schemeClr val="accent1">
+              <a:shade val="50000"/>
+            </a:schemeClr>
+          </a:lnRef>
+          <a:fillRef idx="1">
+            <a:schemeClr val="accent1"/>
+          </a:fillRef>
+          <a:effectRef idx="0">
+            <a:schemeClr val="accent1"/>
+          </a:effectRef>
+          <a:fontRef idx="minor">
+            <a:schemeClr val="lt1"/>
+          </a:fontRef>
+        </p:style>
+        <p:txBody>
+          <a:bodyPr rtlCol="0" anchor="ctr"/>
+          <a:lstStyle/>
+          <a:p>
+            <a:pPr algn="ctr"/>
+            <a:r>
+              <a:rPr lang="en-US" altLang="ko-KR" sz="1467" dirty="0" err="1">
+                <a:solidFill>
+                  <a:sysClr val="windowText" lastClr="000000"/>
+                </a:solidFill>
+              </a:rPr>
+              <a:t>Stack.peek</a:t>
+            </a:r>
+            <a:r>
+              <a:rPr lang="en-US" altLang="ko-KR" sz="1467" dirty="0">
+                <a:solidFill>
+                  <a:sysClr val="windowText" lastClr="000000"/>
+                </a:solidFill>
+              </a:rPr>
+              <a:t>() == </a:t>
+            </a:r>
+            <a:r>
+              <a:rPr lang="en-US" altLang="ko-KR" sz="1467" dirty="0" err="1">
+                <a:solidFill>
+                  <a:sysClr val="windowText" lastClr="000000"/>
+                </a:solidFill>
+              </a:rPr>
+              <a:t>arr</a:t>
+            </a:r>
+            <a:r>
+              <a:rPr lang="en-US" altLang="ko-KR" sz="1467" dirty="0">
+                <a:solidFill>
+                  <a:sysClr val="windowText" lastClr="000000"/>
+                </a:solidFill>
+              </a:rPr>
+              <a:t>[</a:t>
+            </a:r>
+            <a:r>
+              <a:rPr lang="en-US" altLang="ko-KR" sz="1467" dirty="0" err="1">
+                <a:solidFill>
+                  <a:sysClr val="windowText" lastClr="000000"/>
+                </a:solidFill>
+              </a:rPr>
+              <a:t>i</a:t>
+            </a:r>
+            <a:r>
+              <a:rPr lang="en-US" altLang="ko-KR" sz="1467" dirty="0">
+                <a:solidFill>
+                  <a:sysClr val="windowText" lastClr="000000"/>
+                </a:solidFill>
+              </a:rPr>
+              <a:t>]</a:t>
+            </a:r>
+          </a:p>
+        </p:txBody>
+      </p:sp>
+      <p:sp>
+        <p:nvSpPr>
+          <p:cNvPr id="17" name="TextBox 16">
+            <a:extLst>
+              <a:ext uri="{FF2B5EF4-FFF2-40B4-BE49-F238E27FC236}">
+                <a16:creationId xmlns:a16="http://schemas.microsoft.com/office/drawing/2014/main" id="{2A5C5224-5C5E-4F1E-A524-04C3D097A28A}"/>
+              </a:ext>
+            </a:extLst>
+          </p:cNvPr>
+          <p:cNvSpPr txBox="1"/>
+          <p:nvPr/>
+        </p:nvSpPr>
+        <p:spPr>
+          <a:xfrm>
+            <a:off x="2527469" y="2844042"/>
+            <a:ext cx="492444" cy="307777"/>
+          </a:xfrm>
+          <a:prstGeom prst="rect">
+            <a:avLst/>
+          </a:prstGeom>
+          <a:noFill/>
+        </p:spPr>
+        <p:txBody>
+          <a:bodyPr wrap="square">
+            <a:spAutoFit/>
+          </a:bodyPr>
+          <a:lstStyle/>
+          <a:p>
+            <a:pPr algn="ctr"/>
+            <a:r>
+              <a:rPr lang="en-US" altLang="ko-KR" sz="1400" dirty="0">
+                <a:solidFill>
+                  <a:sysClr val="windowText" lastClr="000000"/>
+                </a:solidFill>
+              </a:rPr>
+              <a:t>true</a:t>
+            </a:r>
+          </a:p>
+        </p:txBody>
+      </p:sp>
+    </p:spTree>
+    <p:extLst>
+      <p:ext uri="{BB962C8B-B14F-4D97-AF65-F5344CB8AC3E}">
+        <p14:creationId xmlns:p14="http://schemas.microsoft.com/office/powerpoint/2010/main" val="2318419253"/>
+      </p:ext>
+    </p:extLst>
+  </p:cSld>
+  <p:clrMapOvr>
+    <a:masterClrMapping/>
+  </p:clrMapOvr>
+</p:sld>
+</file>
+
 <file path=ppt/slides/slide2.xml><?xml version="1.0" encoding="utf-8"?>
 <p:sld xmlns:a="http://schemas.openxmlformats.org/drawingml/2006/main" xmlns:r="http://schemas.openxmlformats.org/officeDocument/2006/relationships" xmlns:p="http://schemas.openxmlformats.org/presentationml/2006/main">
   <p:cSld>

--- a/알고리즘_프로그래머스_Level01_순서도.pptx
+++ b/알고리즘_프로그래머스_Level01_순서도.pptx
@@ -16,6 +16,7 @@
     <p:sldId id="264" r:id="rId10"/>
     <p:sldId id="265" r:id="rId11"/>
     <p:sldId id="268" r:id="rId12"/>
+    <p:sldId id="269" r:id="rId13"/>
   </p:sldIdLst>
   <p:sldSz cx="6858000" cy="9144000" type="screen4x3"/>
   <p:notesSz cx="6858000" cy="9144000"/>
@@ -5533,6 +5534,769 @@
 </p:sld>
 </file>
 
+<file path=ppt/slides/slide12.xml><?xml version="1.0" encoding="utf-8"?>
+<p:sld xmlns:a="http://schemas.openxmlformats.org/drawingml/2006/main" xmlns:r="http://schemas.openxmlformats.org/officeDocument/2006/relationships" xmlns:p="http://schemas.openxmlformats.org/presentationml/2006/main">
+  <p:cSld>
+    <p:spTree>
+      <p:nvGrpSpPr>
+        <p:cNvPr id="1" name=""/>
+        <p:cNvGrpSpPr/>
+        <p:nvPr/>
+      </p:nvGrpSpPr>
+      <p:grpSpPr>
+        <a:xfrm>
+          <a:off x="0" y="0"/>
+          <a:ext cx="0" cy="0"/>
+          <a:chOff x="0" y="0"/>
+          <a:chExt cx="0" cy="0"/>
+        </a:xfrm>
+      </p:grpSpPr>
+      <p:sp>
+        <p:nvSpPr>
+          <p:cNvPr id="4" name="제목 3">
+            <a:extLst>
+              <a:ext uri="{FF2B5EF4-FFF2-40B4-BE49-F238E27FC236}">
+                <a16:creationId xmlns:a16="http://schemas.microsoft.com/office/drawing/2014/main" id="{30BAC889-89EF-449A-A9AB-0AA582E87CB5}"/>
+              </a:ext>
+            </a:extLst>
+          </p:cNvPr>
+          <p:cNvSpPr>
+            <a:spLocks noGrp="1"/>
+          </p:cNvSpPr>
+          <p:nvPr>
+            <p:ph type="title"/>
+          </p:nvPr>
+        </p:nvSpPr>
+        <p:spPr/>
+        <p:txBody>
+          <a:bodyPr/>
+          <a:lstStyle/>
+          <a:p>
+            <a:r>
+              <a:rPr lang="ko-KR" altLang="en-US" dirty="0"/>
+              <a:t>나누어 떨어지는 숫자 배열 </a:t>
+            </a:r>
+            <a:r>
+              <a:rPr lang="en-US" altLang="ko-KR" dirty="0"/>
+              <a:t>(01.12)</a:t>
+            </a:r>
+            <a:endParaRPr lang="ko-KR" altLang="en-US" dirty="0"/>
+          </a:p>
+        </p:txBody>
+      </p:sp>
+      <p:sp>
+        <p:nvSpPr>
+          <p:cNvPr id="7" name="직사각형 6">
+            <a:extLst>
+              <a:ext uri="{FF2B5EF4-FFF2-40B4-BE49-F238E27FC236}">
+                <a16:creationId xmlns:a16="http://schemas.microsoft.com/office/drawing/2014/main" id="{3521F3E1-F3C7-4375-B8E7-0210E50030D0}"/>
+              </a:ext>
+            </a:extLst>
+          </p:cNvPr>
+          <p:cNvSpPr/>
+          <p:nvPr/>
+        </p:nvSpPr>
+        <p:spPr>
+          <a:xfrm>
+            <a:off x="1021247" y="1552042"/>
+            <a:ext cx="2880000" cy="540000"/>
+          </a:xfrm>
+          <a:prstGeom prst="rect">
+            <a:avLst/>
+          </a:prstGeom>
+          <a:noFill/>
+          <a:ln>
+            <a:solidFill>
+              <a:schemeClr val="tx1"/>
+            </a:solidFill>
+          </a:ln>
+        </p:spPr>
+        <p:style>
+          <a:lnRef idx="2">
+            <a:schemeClr val="accent1">
+              <a:shade val="50000"/>
+            </a:schemeClr>
+          </a:lnRef>
+          <a:fillRef idx="1">
+            <a:schemeClr val="accent1"/>
+          </a:fillRef>
+          <a:effectRef idx="0">
+            <a:schemeClr val="accent1"/>
+          </a:effectRef>
+          <a:fontRef idx="minor">
+            <a:schemeClr val="lt1"/>
+          </a:fontRef>
+        </p:style>
+        <p:txBody>
+          <a:bodyPr rtlCol="0" anchor="ctr"/>
+          <a:lstStyle/>
+          <a:p>
+            <a:pPr algn="ctr"/>
+            <a:r>
+              <a:rPr lang="en-US" altLang="ko-KR" sz="1467" dirty="0">
+                <a:solidFill>
+                  <a:sysClr val="windowText" lastClr="000000"/>
+                </a:solidFill>
+              </a:rPr>
+              <a:t>List</a:t>
+            </a:r>
+            <a:r>
+              <a:rPr lang="ko-KR" altLang="en-US" sz="1467" dirty="0">
+                <a:solidFill>
+                  <a:sysClr val="windowText" lastClr="000000"/>
+                </a:solidFill>
+              </a:rPr>
+              <a:t>를 생성한다</a:t>
+            </a:r>
+            <a:endParaRPr lang="en-US" altLang="ko-KR" sz="1467" dirty="0">
+              <a:solidFill>
+                <a:sysClr val="windowText" lastClr="000000"/>
+              </a:solidFill>
+            </a:endParaRPr>
+          </a:p>
+        </p:txBody>
+      </p:sp>
+      <p:cxnSp>
+        <p:nvCxnSpPr>
+          <p:cNvPr id="9" name="직선 화살표 연결선 8">
+            <a:extLst>
+              <a:ext uri="{FF2B5EF4-FFF2-40B4-BE49-F238E27FC236}">
+                <a16:creationId xmlns:a16="http://schemas.microsoft.com/office/drawing/2014/main" id="{0074B81A-8660-4E3D-B69A-3DEA51705F3F}"/>
+              </a:ext>
+            </a:extLst>
+          </p:cNvPr>
+          <p:cNvCxnSpPr>
+            <a:cxnSpLocks/>
+            <a:stCxn id="7" idx="2"/>
+            <a:endCxn id="12" idx="0"/>
+          </p:cNvCxnSpPr>
+          <p:nvPr/>
+        </p:nvCxnSpPr>
+        <p:spPr>
+          <a:xfrm>
+            <a:off x="2461247" y="2092042"/>
+            <a:ext cx="0" cy="290221"/>
+          </a:xfrm>
+          <a:prstGeom prst="straightConnector1">
+            <a:avLst/>
+          </a:prstGeom>
+          <a:ln>
+            <a:solidFill>
+              <a:schemeClr val="tx1"/>
+            </a:solidFill>
+            <a:tailEnd type="triangle"/>
+          </a:ln>
+        </p:spPr>
+        <p:style>
+          <a:lnRef idx="1">
+            <a:schemeClr val="accent1"/>
+          </a:lnRef>
+          <a:fillRef idx="0">
+            <a:schemeClr val="accent1"/>
+          </a:fillRef>
+          <a:effectRef idx="0">
+            <a:schemeClr val="accent1"/>
+          </a:effectRef>
+          <a:fontRef idx="minor">
+            <a:schemeClr val="tx1"/>
+          </a:fontRef>
+        </p:style>
+      </p:cxnSp>
+      <p:sp>
+        <p:nvSpPr>
+          <p:cNvPr id="10" name="직사각형 9">
+            <a:extLst>
+              <a:ext uri="{FF2B5EF4-FFF2-40B4-BE49-F238E27FC236}">
+                <a16:creationId xmlns:a16="http://schemas.microsoft.com/office/drawing/2014/main" id="{5283D6BA-2971-48F2-9043-7919E96E46B0}"/>
+              </a:ext>
+            </a:extLst>
+          </p:cNvPr>
+          <p:cNvSpPr/>
+          <p:nvPr/>
+        </p:nvSpPr>
+        <p:spPr>
+          <a:xfrm>
+            <a:off x="1201247" y="3211820"/>
+            <a:ext cx="2520000" cy="540000"/>
+          </a:xfrm>
+          <a:prstGeom prst="rect">
+            <a:avLst/>
+          </a:prstGeom>
+          <a:noFill/>
+          <a:ln>
+            <a:solidFill>
+              <a:schemeClr val="tx1"/>
+            </a:solidFill>
+          </a:ln>
+        </p:spPr>
+        <p:style>
+          <a:lnRef idx="2">
+            <a:schemeClr val="accent1">
+              <a:shade val="50000"/>
+            </a:schemeClr>
+          </a:lnRef>
+          <a:fillRef idx="1">
+            <a:schemeClr val="accent1"/>
+          </a:fillRef>
+          <a:effectRef idx="0">
+            <a:schemeClr val="accent1"/>
+          </a:effectRef>
+          <a:fontRef idx="minor">
+            <a:schemeClr val="lt1"/>
+          </a:fontRef>
+        </p:style>
+        <p:txBody>
+          <a:bodyPr rtlCol="0" anchor="ctr"/>
+          <a:lstStyle/>
+          <a:p>
+            <a:pPr algn="ctr"/>
+            <a:r>
+              <a:rPr lang="en-US" altLang="ko-KR" sz="1467" dirty="0">
+                <a:solidFill>
+                  <a:sysClr val="windowText" lastClr="000000"/>
+                </a:solidFill>
+              </a:rPr>
+              <a:t>List</a:t>
+            </a:r>
+            <a:r>
+              <a:rPr lang="ko-KR" altLang="en-US" sz="1467" dirty="0">
+                <a:solidFill>
+                  <a:sysClr val="windowText" lastClr="000000"/>
+                </a:solidFill>
+              </a:rPr>
+              <a:t>에 </a:t>
+            </a:r>
+            <a:r>
+              <a:rPr lang="en-US" altLang="ko-KR" sz="1467" dirty="0" err="1">
+                <a:solidFill>
+                  <a:sysClr val="windowText" lastClr="000000"/>
+                </a:solidFill>
+              </a:rPr>
+              <a:t>arr</a:t>
+            </a:r>
+            <a:r>
+              <a:rPr lang="en-US" altLang="ko-KR" sz="1467" dirty="0">
+                <a:solidFill>
+                  <a:sysClr val="windowText" lastClr="000000"/>
+                </a:solidFill>
+              </a:rPr>
+              <a:t>[</a:t>
+            </a:r>
+            <a:r>
+              <a:rPr lang="en-US" altLang="ko-KR" sz="1467" dirty="0" err="1">
+                <a:solidFill>
+                  <a:sysClr val="windowText" lastClr="000000"/>
+                </a:solidFill>
+              </a:rPr>
+              <a:t>i</a:t>
+            </a:r>
+            <a:r>
+              <a:rPr lang="en-US" altLang="ko-KR" sz="1467" dirty="0">
+                <a:solidFill>
+                  <a:sysClr val="windowText" lastClr="000000"/>
+                </a:solidFill>
+              </a:rPr>
+              <a:t>]</a:t>
+            </a:r>
+            <a:r>
+              <a:rPr lang="ko-KR" altLang="en-US" sz="1467" dirty="0">
+                <a:solidFill>
+                  <a:sysClr val="windowText" lastClr="000000"/>
+                </a:solidFill>
+              </a:rPr>
+              <a:t>를 넣는다</a:t>
+            </a:r>
+          </a:p>
+        </p:txBody>
+      </p:sp>
+      <p:cxnSp>
+        <p:nvCxnSpPr>
+          <p:cNvPr id="11" name="직선 화살표 연결선 10">
+            <a:extLst>
+              <a:ext uri="{FF2B5EF4-FFF2-40B4-BE49-F238E27FC236}">
+                <a16:creationId xmlns:a16="http://schemas.microsoft.com/office/drawing/2014/main" id="{354293A9-39B4-4529-8CE1-02889F0341B3}"/>
+              </a:ext>
+            </a:extLst>
+          </p:cNvPr>
+          <p:cNvCxnSpPr>
+            <a:cxnSpLocks/>
+            <a:stCxn id="12" idx="2"/>
+            <a:endCxn id="10" idx="0"/>
+          </p:cNvCxnSpPr>
+          <p:nvPr/>
+        </p:nvCxnSpPr>
+        <p:spPr>
+          <a:xfrm>
+            <a:off x="2461247" y="2881820"/>
+            <a:ext cx="0" cy="330000"/>
+          </a:xfrm>
+          <a:prstGeom prst="straightConnector1">
+            <a:avLst/>
+          </a:prstGeom>
+          <a:ln>
+            <a:solidFill>
+              <a:schemeClr val="tx1"/>
+            </a:solidFill>
+            <a:tailEnd type="triangle"/>
+          </a:ln>
+        </p:spPr>
+        <p:style>
+          <a:lnRef idx="1">
+            <a:schemeClr val="accent1"/>
+          </a:lnRef>
+          <a:fillRef idx="0">
+            <a:schemeClr val="accent1"/>
+          </a:fillRef>
+          <a:effectRef idx="0">
+            <a:schemeClr val="accent1"/>
+          </a:effectRef>
+          <a:fontRef idx="minor">
+            <a:schemeClr val="tx1"/>
+          </a:fontRef>
+        </p:style>
+      </p:cxnSp>
+      <p:sp>
+        <p:nvSpPr>
+          <p:cNvPr id="12" name="다이아몬드 11">
+            <a:extLst>
+              <a:ext uri="{FF2B5EF4-FFF2-40B4-BE49-F238E27FC236}">
+                <a16:creationId xmlns:a16="http://schemas.microsoft.com/office/drawing/2014/main" id="{96FC0D46-A6B7-46AB-96DB-13AE780FEF19}"/>
+              </a:ext>
+            </a:extLst>
+          </p:cNvPr>
+          <p:cNvSpPr/>
+          <p:nvPr/>
+        </p:nvSpPr>
+        <p:spPr>
+          <a:xfrm>
+            <a:off x="481247" y="2382263"/>
+            <a:ext cx="3960000" cy="499557"/>
+          </a:xfrm>
+          <a:prstGeom prst="diamond">
+            <a:avLst/>
+          </a:prstGeom>
+          <a:noFill/>
+          <a:ln>
+            <a:solidFill>
+              <a:schemeClr val="tx1"/>
+            </a:solidFill>
+          </a:ln>
+        </p:spPr>
+        <p:style>
+          <a:lnRef idx="2">
+            <a:schemeClr val="accent1">
+              <a:shade val="50000"/>
+            </a:schemeClr>
+          </a:lnRef>
+          <a:fillRef idx="1">
+            <a:schemeClr val="accent1"/>
+          </a:fillRef>
+          <a:effectRef idx="0">
+            <a:schemeClr val="accent1"/>
+          </a:effectRef>
+          <a:fontRef idx="minor">
+            <a:schemeClr val="lt1"/>
+          </a:fontRef>
+        </p:style>
+        <p:txBody>
+          <a:bodyPr rtlCol="0" anchor="ctr"/>
+          <a:lstStyle/>
+          <a:p>
+            <a:pPr algn="ctr"/>
+            <a:r>
+              <a:rPr lang="en-US" altLang="ko-KR" sz="1467" dirty="0" err="1">
+                <a:solidFill>
+                  <a:sysClr val="windowText" lastClr="000000"/>
+                </a:solidFill>
+              </a:rPr>
+              <a:t>arr</a:t>
+            </a:r>
+            <a:r>
+              <a:rPr lang="en-US" altLang="ko-KR" sz="1467" dirty="0">
+                <a:solidFill>
+                  <a:sysClr val="windowText" lastClr="000000"/>
+                </a:solidFill>
+              </a:rPr>
+              <a:t>[</a:t>
+            </a:r>
+            <a:r>
+              <a:rPr lang="en-US" altLang="ko-KR" sz="1467" dirty="0" err="1">
+                <a:solidFill>
+                  <a:sysClr val="windowText" lastClr="000000"/>
+                </a:solidFill>
+              </a:rPr>
+              <a:t>i</a:t>
+            </a:r>
+            <a:r>
+              <a:rPr lang="en-US" altLang="ko-KR" sz="1467" dirty="0">
+                <a:solidFill>
+                  <a:sysClr val="windowText" lastClr="000000"/>
+                </a:solidFill>
+              </a:rPr>
+              <a:t>]</a:t>
+            </a:r>
+            <a:r>
+              <a:rPr lang="ko-KR" altLang="en-US" sz="1467" dirty="0">
+                <a:solidFill>
+                  <a:sysClr val="windowText" lastClr="000000"/>
+                </a:solidFill>
+              </a:rPr>
+              <a:t> </a:t>
+            </a:r>
+            <a:r>
+              <a:rPr lang="en-US" altLang="ko-KR" sz="1467" dirty="0">
+                <a:solidFill>
+                  <a:sysClr val="windowText" lastClr="000000"/>
+                </a:solidFill>
+              </a:rPr>
+              <a:t>%</a:t>
+            </a:r>
+            <a:r>
+              <a:rPr lang="ko-KR" altLang="en-US" sz="1467" dirty="0">
+                <a:solidFill>
+                  <a:sysClr val="windowText" lastClr="000000"/>
+                </a:solidFill>
+              </a:rPr>
+              <a:t> </a:t>
+            </a:r>
+            <a:r>
+              <a:rPr lang="en-US" altLang="ko-KR" sz="1467" dirty="0">
+                <a:solidFill>
+                  <a:sysClr val="windowText" lastClr="000000"/>
+                </a:solidFill>
+              </a:rPr>
+              <a:t>divisor</a:t>
+            </a:r>
+            <a:r>
+              <a:rPr lang="ko-KR" altLang="en-US" sz="1467" dirty="0">
+                <a:solidFill>
+                  <a:sysClr val="windowText" lastClr="000000"/>
+                </a:solidFill>
+              </a:rPr>
+              <a:t> </a:t>
+            </a:r>
+            <a:r>
+              <a:rPr lang="en-US" altLang="ko-KR" sz="1467" dirty="0">
+                <a:solidFill>
+                  <a:sysClr val="windowText" lastClr="000000"/>
+                </a:solidFill>
+              </a:rPr>
+              <a:t>==</a:t>
+            </a:r>
+            <a:r>
+              <a:rPr lang="ko-KR" altLang="en-US" sz="1467" dirty="0">
+                <a:solidFill>
+                  <a:sysClr val="windowText" lastClr="000000"/>
+                </a:solidFill>
+              </a:rPr>
+              <a:t> </a:t>
+            </a:r>
+            <a:r>
+              <a:rPr lang="en-US" altLang="ko-KR" sz="1467" dirty="0">
+                <a:solidFill>
+                  <a:sysClr val="windowText" lastClr="000000"/>
+                </a:solidFill>
+              </a:rPr>
+              <a:t>0</a:t>
+            </a:r>
+          </a:p>
+        </p:txBody>
+      </p:sp>
+      <p:sp>
+        <p:nvSpPr>
+          <p:cNvPr id="17" name="TextBox 16">
+            <a:extLst>
+              <a:ext uri="{FF2B5EF4-FFF2-40B4-BE49-F238E27FC236}">
+                <a16:creationId xmlns:a16="http://schemas.microsoft.com/office/drawing/2014/main" id="{2A5C5224-5C5E-4F1E-A524-04C3D097A28A}"/>
+              </a:ext>
+            </a:extLst>
+          </p:cNvPr>
+          <p:cNvSpPr txBox="1"/>
+          <p:nvPr/>
+        </p:nvSpPr>
+        <p:spPr>
+          <a:xfrm>
+            <a:off x="2527469" y="2844042"/>
+            <a:ext cx="492444" cy="307777"/>
+          </a:xfrm>
+          <a:prstGeom prst="rect">
+            <a:avLst/>
+          </a:prstGeom>
+          <a:noFill/>
+        </p:spPr>
+        <p:txBody>
+          <a:bodyPr wrap="square">
+            <a:spAutoFit/>
+          </a:bodyPr>
+          <a:lstStyle/>
+          <a:p>
+            <a:pPr algn="ctr"/>
+            <a:r>
+              <a:rPr lang="en-US" altLang="ko-KR" sz="1400" dirty="0">
+                <a:solidFill>
+                  <a:sysClr val="windowText" lastClr="000000"/>
+                </a:solidFill>
+              </a:rPr>
+              <a:t>true</a:t>
+            </a:r>
+          </a:p>
+        </p:txBody>
+      </p:sp>
+      <p:sp>
+        <p:nvSpPr>
+          <p:cNvPr id="13" name="직사각형 12">
+            <a:extLst>
+              <a:ext uri="{FF2B5EF4-FFF2-40B4-BE49-F238E27FC236}">
+                <a16:creationId xmlns:a16="http://schemas.microsoft.com/office/drawing/2014/main" id="{E4B8D90F-2CF5-4B2D-8727-651E00584F3D}"/>
+              </a:ext>
+            </a:extLst>
+          </p:cNvPr>
+          <p:cNvSpPr/>
+          <p:nvPr/>
+        </p:nvSpPr>
+        <p:spPr>
+          <a:xfrm>
+            <a:off x="1201247" y="4081820"/>
+            <a:ext cx="2520000" cy="540000"/>
+          </a:xfrm>
+          <a:prstGeom prst="rect">
+            <a:avLst/>
+          </a:prstGeom>
+          <a:noFill/>
+          <a:ln>
+            <a:solidFill>
+              <a:schemeClr val="tx1"/>
+            </a:solidFill>
+          </a:ln>
+        </p:spPr>
+        <p:style>
+          <a:lnRef idx="2">
+            <a:schemeClr val="accent1">
+              <a:shade val="50000"/>
+            </a:schemeClr>
+          </a:lnRef>
+          <a:fillRef idx="1">
+            <a:schemeClr val="accent1"/>
+          </a:fillRef>
+          <a:effectRef idx="0">
+            <a:schemeClr val="accent1"/>
+          </a:effectRef>
+          <a:fontRef idx="minor">
+            <a:schemeClr val="lt1"/>
+          </a:fontRef>
+        </p:style>
+        <p:txBody>
+          <a:bodyPr rtlCol="0" anchor="ctr"/>
+          <a:lstStyle/>
+          <a:p>
+            <a:pPr algn="ctr"/>
+            <a:r>
+              <a:rPr lang="en-US" altLang="ko-KR" sz="1467" dirty="0">
+                <a:solidFill>
+                  <a:sysClr val="windowText" lastClr="000000"/>
+                </a:solidFill>
+              </a:rPr>
+              <a:t>List</a:t>
+            </a:r>
+            <a:r>
+              <a:rPr lang="ko-KR" altLang="en-US" sz="1467" dirty="0">
+                <a:solidFill>
+                  <a:sysClr val="windowText" lastClr="000000"/>
+                </a:solidFill>
+              </a:rPr>
+              <a:t>가 비었으면 </a:t>
+            </a:r>
+            <a:r>
+              <a:rPr lang="en-US" altLang="ko-KR" sz="1467" dirty="0">
+                <a:solidFill>
+                  <a:sysClr val="windowText" lastClr="000000"/>
+                </a:solidFill>
+              </a:rPr>
+              <a:t>-1</a:t>
+            </a:r>
+            <a:r>
+              <a:rPr lang="ko-KR" altLang="en-US" sz="1467" dirty="0">
+                <a:solidFill>
+                  <a:sysClr val="windowText" lastClr="000000"/>
+                </a:solidFill>
+              </a:rPr>
+              <a:t>을 넣는다</a:t>
+            </a:r>
+          </a:p>
+        </p:txBody>
+      </p:sp>
+      <p:cxnSp>
+        <p:nvCxnSpPr>
+          <p:cNvPr id="14" name="직선 화살표 연결선 13">
+            <a:extLst>
+              <a:ext uri="{FF2B5EF4-FFF2-40B4-BE49-F238E27FC236}">
+                <a16:creationId xmlns:a16="http://schemas.microsoft.com/office/drawing/2014/main" id="{5ED0F8F0-9C0F-4895-BF66-4A0D7D2AC6CF}"/>
+              </a:ext>
+            </a:extLst>
+          </p:cNvPr>
+          <p:cNvCxnSpPr>
+            <a:cxnSpLocks/>
+            <a:stCxn id="10" idx="2"/>
+            <a:endCxn id="13" idx="0"/>
+          </p:cNvCxnSpPr>
+          <p:nvPr/>
+        </p:nvCxnSpPr>
+        <p:spPr>
+          <a:xfrm>
+            <a:off x="2461247" y="3751820"/>
+            <a:ext cx="0" cy="330000"/>
+          </a:xfrm>
+          <a:prstGeom prst="straightConnector1">
+            <a:avLst/>
+          </a:prstGeom>
+          <a:ln>
+            <a:solidFill>
+              <a:schemeClr val="tx1"/>
+            </a:solidFill>
+            <a:tailEnd type="triangle"/>
+          </a:ln>
+        </p:spPr>
+        <p:style>
+          <a:lnRef idx="1">
+            <a:schemeClr val="accent1"/>
+          </a:lnRef>
+          <a:fillRef idx="0">
+            <a:schemeClr val="accent1"/>
+          </a:fillRef>
+          <a:effectRef idx="0">
+            <a:schemeClr val="accent1"/>
+          </a:effectRef>
+          <a:fontRef idx="minor">
+            <a:schemeClr val="tx1"/>
+          </a:fontRef>
+        </p:style>
+      </p:cxnSp>
+      <p:sp>
+        <p:nvSpPr>
+          <p:cNvPr id="16" name="직사각형 15">
+            <a:extLst>
+              <a:ext uri="{FF2B5EF4-FFF2-40B4-BE49-F238E27FC236}">
+                <a16:creationId xmlns:a16="http://schemas.microsoft.com/office/drawing/2014/main" id="{A7DA5EF4-11C6-41D8-94BD-033F848EAD82}"/>
+              </a:ext>
+            </a:extLst>
+          </p:cNvPr>
+          <p:cNvSpPr/>
+          <p:nvPr/>
+        </p:nvSpPr>
+        <p:spPr>
+          <a:xfrm>
+            <a:off x="1201247" y="4951820"/>
+            <a:ext cx="2520000" cy="540000"/>
+          </a:xfrm>
+          <a:prstGeom prst="rect">
+            <a:avLst/>
+          </a:prstGeom>
+          <a:noFill/>
+          <a:ln>
+            <a:solidFill>
+              <a:schemeClr val="tx1"/>
+            </a:solidFill>
+          </a:ln>
+        </p:spPr>
+        <p:style>
+          <a:lnRef idx="2">
+            <a:schemeClr val="accent1">
+              <a:shade val="50000"/>
+            </a:schemeClr>
+          </a:lnRef>
+          <a:fillRef idx="1">
+            <a:schemeClr val="accent1"/>
+          </a:fillRef>
+          <a:effectRef idx="0">
+            <a:schemeClr val="accent1"/>
+          </a:effectRef>
+          <a:fontRef idx="minor">
+            <a:schemeClr val="lt1"/>
+          </a:fontRef>
+        </p:style>
+        <p:txBody>
+          <a:bodyPr rtlCol="0" anchor="ctr"/>
+          <a:lstStyle/>
+          <a:p>
+            <a:pPr algn="ctr"/>
+            <a:r>
+              <a:rPr lang="en-US" altLang="ko-KR" sz="1467" dirty="0">
+                <a:solidFill>
+                  <a:sysClr val="windowText" lastClr="000000"/>
+                </a:solidFill>
+              </a:rPr>
+              <a:t>List</a:t>
+            </a:r>
+            <a:r>
+              <a:rPr lang="ko-KR" altLang="en-US" sz="1467" dirty="0">
+                <a:solidFill>
+                  <a:sysClr val="windowText" lastClr="000000"/>
+                </a:solidFill>
+              </a:rPr>
+              <a:t>를 정렬한다</a:t>
+            </a:r>
+          </a:p>
+        </p:txBody>
+      </p:sp>
+      <p:cxnSp>
+        <p:nvCxnSpPr>
+          <p:cNvPr id="18" name="직선 화살표 연결선 17">
+            <a:extLst>
+              <a:ext uri="{FF2B5EF4-FFF2-40B4-BE49-F238E27FC236}">
+                <a16:creationId xmlns:a16="http://schemas.microsoft.com/office/drawing/2014/main" id="{F7A9D26D-859E-4E31-93BC-30D4D1E6C9FC}"/>
+              </a:ext>
+            </a:extLst>
+          </p:cNvPr>
+          <p:cNvCxnSpPr>
+            <a:cxnSpLocks/>
+            <a:stCxn id="13" idx="2"/>
+            <a:endCxn id="16" idx="0"/>
+          </p:cNvCxnSpPr>
+          <p:nvPr/>
+        </p:nvCxnSpPr>
+        <p:spPr>
+          <a:xfrm>
+            <a:off x="2461247" y="4621820"/>
+            <a:ext cx="0" cy="330000"/>
+          </a:xfrm>
+          <a:prstGeom prst="straightConnector1">
+            <a:avLst/>
+          </a:prstGeom>
+          <a:ln>
+            <a:solidFill>
+              <a:schemeClr val="tx1"/>
+            </a:solidFill>
+            <a:tailEnd type="triangle"/>
+          </a:ln>
+        </p:spPr>
+        <p:style>
+          <a:lnRef idx="1">
+            <a:schemeClr val="accent1"/>
+          </a:lnRef>
+          <a:fillRef idx="0">
+            <a:schemeClr val="accent1"/>
+          </a:fillRef>
+          <a:effectRef idx="0">
+            <a:schemeClr val="accent1"/>
+          </a:effectRef>
+          <a:fontRef idx="minor">
+            <a:schemeClr val="tx1"/>
+          </a:fontRef>
+        </p:style>
+      </p:cxnSp>
+    </p:spTree>
+    <p:extLst>
+      <p:ext uri="{BB962C8B-B14F-4D97-AF65-F5344CB8AC3E}">
+        <p14:creationId xmlns:p14="http://schemas.microsoft.com/office/powerpoint/2010/main" val="195909347"/>
+      </p:ext>
+    </p:extLst>
+  </p:cSld>
+  <p:clrMapOvr>
+    <a:masterClrMapping/>
+  </p:clrMapOvr>
+</p:sld>
+</file>
+
 <file path=ppt/slides/slide2.xml><?xml version="1.0" encoding="utf-8"?>
 <p:sld xmlns:a="http://schemas.openxmlformats.org/drawingml/2006/main" xmlns:r="http://schemas.openxmlformats.org/officeDocument/2006/relationships" xmlns:p="http://schemas.openxmlformats.org/presentationml/2006/main">
   <p:cSld>

--- a/알고리즘_프로그래머스_Level01_순서도.pptx
+++ b/알고리즘_프로그래머스_Level01_순서도.pptx
@@ -17,6 +17,7 @@
     <p:sldId id="265" r:id="rId11"/>
     <p:sldId id="268" r:id="rId12"/>
     <p:sldId id="269" r:id="rId13"/>
+    <p:sldId id="270" r:id="rId14"/>
   </p:sldIdLst>
   <p:sldSz cx="6858000" cy="9144000" type="screen4x3"/>
   <p:notesSz cx="6858000" cy="9144000"/>
@@ -254,7 +255,7 @@
           <a:p>
             <a:fld id="{274DCB2C-481A-4B20-92AC-CEC756183F8E}" type="datetimeFigureOut">
               <a:rPr lang="ko-KR" altLang="en-US" smtClean="0"/>
-              <a:t>2021-01-12</a:t>
+              <a:t>2021-01-13</a:t>
             </a:fld>
             <a:endParaRPr lang="ko-KR" altLang="en-US"/>
           </a:p>
@@ -424,7 +425,7 @@
           <a:p>
             <a:fld id="{274DCB2C-481A-4B20-92AC-CEC756183F8E}" type="datetimeFigureOut">
               <a:rPr lang="ko-KR" altLang="en-US" smtClean="0"/>
-              <a:t>2021-01-12</a:t>
+              <a:t>2021-01-13</a:t>
             </a:fld>
             <a:endParaRPr lang="ko-KR" altLang="en-US"/>
           </a:p>
@@ -604,7 +605,7 @@
           <a:p>
             <a:fld id="{274DCB2C-481A-4B20-92AC-CEC756183F8E}" type="datetimeFigureOut">
               <a:rPr lang="ko-KR" altLang="en-US" smtClean="0"/>
-              <a:t>2021-01-12</a:t>
+              <a:t>2021-01-13</a:t>
             </a:fld>
             <a:endParaRPr lang="ko-KR" altLang="en-US"/>
           </a:p>
@@ -774,7 +775,7 @@
           <a:p>
             <a:fld id="{274DCB2C-481A-4B20-92AC-CEC756183F8E}" type="datetimeFigureOut">
               <a:rPr lang="ko-KR" altLang="en-US" smtClean="0"/>
-              <a:t>2021-01-12</a:t>
+              <a:t>2021-01-13</a:t>
             </a:fld>
             <a:endParaRPr lang="ko-KR" altLang="en-US"/>
           </a:p>
@@ -1018,7 +1019,7 @@
           <a:p>
             <a:fld id="{274DCB2C-481A-4B20-92AC-CEC756183F8E}" type="datetimeFigureOut">
               <a:rPr lang="ko-KR" altLang="en-US" smtClean="0"/>
-              <a:t>2021-01-12</a:t>
+              <a:t>2021-01-13</a:t>
             </a:fld>
             <a:endParaRPr lang="ko-KR" altLang="en-US"/>
           </a:p>
@@ -1250,7 +1251,7 @@
           <a:p>
             <a:fld id="{274DCB2C-481A-4B20-92AC-CEC756183F8E}" type="datetimeFigureOut">
               <a:rPr lang="ko-KR" altLang="en-US" smtClean="0"/>
-              <a:t>2021-01-12</a:t>
+              <a:t>2021-01-13</a:t>
             </a:fld>
             <a:endParaRPr lang="ko-KR" altLang="en-US"/>
           </a:p>
@@ -1617,7 +1618,7 @@
           <a:p>
             <a:fld id="{274DCB2C-481A-4B20-92AC-CEC756183F8E}" type="datetimeFigureOut">
               <a:rPr lang="ko-KR" altLang="en-US" smtClean="0"/>
-              <a:t>2021-01-12</a:t>
+              <a:t>2021-01-13</a:t>
             </a:fld>
             <a:endParaRPr lang="ko-KR" altLang="en-US"/>
           </a:p>
@@ -1735,7 +1736,7 @@
           <a:p>
             <a:fld id="{274DCB2C-481A-4B20-92AC-CEC756183F8E}" type="datetimeFigureOut">
               <a:rPr lang="ko-KR" altLang="en-US" smtClean="0"/>
-              <a:t>2021-01-12</a:t>
+              <a:t>2021-01-13</a:t>
             </a:fld>
             <a:endParaRPr lang="ko-KR" altLang="en-US"/>
           </a:p>
@@ -1830,7 +1831,7 @@
           <a:p>
             <a:fld id="{274DCB2C-481A-4B20-92AC-CEC756183F8E}" type="datetimeFigureOut">
               <a:rPr lang="ko-KR" altLang="en-US" smtClean="0"/>
-              <a:t>2021-01-12</a:t>
+              <a:t>2021-01-13</a:t>
             </a:fld>
             <a:endParaRPr lang="ko-KR" altLang="en-US"/>
           </a:p>
@@ -2107,7 +2108,7 @@
           <a:p>
             <a:fld id="{274DCB2C-481A-4B20-92AC-CEC756183F8E}" type="datetimeFigureOut">
               <a:rPr lang="ko-KR" altLang="en-US" smtClean="0"/>
-              <a:t>2021-01-12</a:t>
+              <a:t>2021-01-13</a:t>
             </a:fld>
             <a:endParaRPr lang="ko-KR" altLang="en-US"/>
           </a:p>
@@ -2364,7 +2365,7 @@
           <a:p>
             <a:fld id="{274DCB2C-481A-4B20-92AC-CEC756183F8E}" type="datetimeFigureOut">
               <a:rPr lang="ko-KR" altLang="en-US" smtClean="0"/>
-              <a:t>2021-01-12</a:t>
+              <a:t>2021-01-13</a:t>
             </a:fld>
             <a:endParaRPr lang="ko-KR" altLang="en-US"/>
           </a:p>
@@ -2577,7 +2578,7 @@
           <a:p>
             <a:fld id="{274DCB2C-481A-4B20-92AC-CEC756183F8E}" type="datetimeFigureOut">
               <a:rPr lang="ko-KR" altLang="en-US" smtClean="0"/>
-              <a:t>2021-01-12</a:t>
+              <a:t>2021-01-13</a:t>
             </a:fld>
             <a:endParaRPr lang="ko-KR" altLang="en-US"/>
           </a:p>
@@ -6297,6 +6298,267 @@
 </p:sld>
 </file>
 
+<file path=ppt/slides/slide13.xml><?xml version="1.0" encoding="utf-8"?>
+<p:sld xmlns:a="http://schemas.openxmlformats.org/drawingml/2006/main" xmlns:r="http://schemas.openxmlformats.org/officeDocument/2006/relationships" xmlns:p="http://schemas.openxmlformats.org/presentationml/2006/main">
+  <p:cSld>
+    <p:spTree>
+      <p:nvGrpSpPr>
+        <p:cNvPr id="1" name=""/>
+        <p:cNvGrpSpPr/>
+        <p:nvPr/>
+      </p:nvGrpSpPr>
+      <p:grpSpPr>
+        <a:xfrm>
+          <a:off x="0" y="0"/>
+          <a:ext cx="0" cy="0"/>
+          <a:chOff x="0" y="0"/>
+          <a:chExt cx="0" cy="0"/>
+        </a:xfrm>
+      </p:grpSpPr>
+      <p:sp>
+        <p:nvSpPr>
+          <p:cNvPr id="4" name="제목 3">
+            <a:extLst>
+              <a:ext uri="{FF2B5EF4-FFF2-40B4-BE49-F238E27FC236}">
+                <a16:creationId xmlns:a16="http://schemas.microsoft.com/office/drawing/2014/main" id="{30BAC889-89EF-449A-A9AB-0AA582E87CB5}"/>
+              </a:ext>
+            </a:extLst>
+          </p:cNvPr>
+          <p:cNvSpPr>
+            <a:spLocks noGrp="1"/>
+          </p:cNvSpPr>
+          <p:nvPr>
+            <p:ph type="title"/>
+          </p:nvPr>
+        </p:nvSpPr>
+        <p:spPr/>
+        <p:txBody>
+          <a:bodyPr/>
+          <a:lstStyle/>
+          <a:p>
+            <a:r>
+              <a:rPr lang="ko-KR" altLang="en-US" dirty="0"/>
+              <a:t>두 정수 사이의 합 </a:t>
+            </a:r>
+            <a:r>
+              <a:rPr lang="en-US" altLang="ko-KR" dirty="0"/>
+              <a:t>(01.13)</a:t>
+            </a:r>
+            <a:endParaRPr lang="ko-KR" altLang="en-US" dirty="0"/>
+          </a:p>
+        </p:txBody>
+      </p:sp>
+      <p:sp>
+        <p:nvSpPr>
+          <p:cNvPr id="7" name="직사각형 6">
+            <a:extLst>
+              <a:ext uri="{FF2B5EF4-FFF2-40B4-BE49-F238E27FC236}">
+                <a16:creationId xmlns:a16="http://schemas.microsoft.com/office/drawing/2014/main" id="{3521F3E1-F3C7-4375-B8E7-0210E50030D0}"/>
+              </a:ext>
+            </a:extLst>
+          </p:cNvPr>
+          <p:cNvSpPr/>
+          <p:nvPr/>
+        </p:nvSpPr>
+        <p:spPr>
+          <a:xfrm>
+            <a:off x="824520" y="1552042"/>
+            <a:ext cx="2880000" cy="540000"/>
+          </a:xfrm>
+          <a:prstGeom prst="rect">
+            <a:avLst/>
+          </a:prstGeom>
+          <a:noFill/>
+          <a:ln>
+            <a:solidFill>
+              <a:schemeClr val="tx1"/>
+            </a:solidFill>
+          </a:ln>
+        </p:spPr>
+        <p:style>
+          <a:lnRef idx="2">
+            <a:schemeClr val="accent1">
+              <a:shade val="50000"/>
+            </a:schemeClr>
+          </a:lnRef>
+          <a:fillRef idx="1">
+            <a:schemeClr val="accent1"/>
+          </a:fillRef>
+          <a:effectRef idx="0">
+            <a:schemeClr val="accent1"/>
+          </a:effectRef>
+          <a:fontRef idx="minor">
+            <a:schemeClr val="lt1"/>
+          </a:fontRef>
+        </p:style>
+        <p:txBody>
+          <a:bodyPr rtlCol="0" anchor="ctr"/>
+          <a:lstStyle/>
+          <a:p>
+            <a:pPr algn="ctr"/>
+            <a:r>
+              <a:rPr lang="ko-KR" altLang="en-US" sz="1467" dirty="0">
+                <a:solidFill>
+                  <a:sysClr val="windowText" lastClr="000000"/>
+                </a:solidFill>
+              </a:rPr>
+              <a:t>두 정수를 입력한다</a:t>
+            </a:r>
+            <a:endParaRPr lang="en-US" altLang="ko-KR" sz="1467" dirty="0">
+              <a:solidFill>
+                <a:sysClr val="windowText" lastClr="000000"/>
+              </a:solidFill>
+            </a:endParaRPr>
+          </a:p>
+        </p:txBody>
+      </p:sp>
+      <p:cxnSp>
+        <p:nvCxnSpPr>
+          <p:cNvPr id="9" name="직선 화살표 연결선 8">
+            <a:extLst>
+              <a:ext uri="{FF2B5EF4-FFF2-40B4-BE49-F238E27FC236}">
+                <a16:creationId xmlns:a16="http://schemas.microsoft.com/office/drawing/2014/main" id="{0074B81A-8660-4E3D-B69A-3DEA51705F3F}"/>
+              </a:ext>
+            </a:extLst>
+          </p:cNvPr>
+          <p:cNvCxnSpPr>
+            <a:cxnSpLocks/>
+            <a:stCxn id="7" idx="2"/>
+            <a:endCxn id="10" idx="0"/>
+          </p:cNvCxnSpPr>
+          <p:nvPr/>
+        </p:nvCxnSpPr>
+        <p:spPr>
+          <a:xfrm>
+            <a:off x="2264520" y="2092042"/>
+            <a:ext cx="0" cy="310109"/>
+          </a:xfrm>
+          <a:prstGeom prst="straightConnector1">
+            <a:avLst/>
+          </a:prstGeom>
+          <a:ln>
+            <a:solidFill>
+              <a:schemeClr val="tx1"/>
+            </a:solidFill>
+            <a:tailEnd type="triangle"/>
+          </a:ln>
+        </p:spPr>
+        <p:style>
+          <a:lnRef idx="1">
+            <a:schemeClr val="accent1"/>
+          </a:lnRef>
+          <a:fillRef idx="0">
+            <a:schemeClr val="accent1"/>
+          </a:fillRef>
+          <a:effectRef idx="0">
+            <a:schemeClr val="accent1"/>
+          </a:effectRef>
+          <a:fontRef idx="minor">
+            <a:schemeClr val="tx1"/>
+          </a:fontRef>
+        </p:style>
+      </p:cxnSp>
+      <p:sp>
+        <p:nvSpPr>
+          <p:cNvPr id="10" name="직사각형 9">
+            <a:extLst>
+              <a:ext uri="{FF2B5EF4-FFF2-40B4-BE49-F238E27FC236}">
+                <a16:creationId xmlns:a16="http://schemas.microsoft.com/office/drawing/2014/main" id="{5283D6BA-2971-48F2-9043-7919E96E46B0}"/>
+              </a:ext>
+            </a:extLst>
+          </p:cNvPr>
+          <p:cNvSpPr/>
+          <p:nvPr/>
+        </p:nvSpPr>
+        <p:spPr>
+          <a:xfrm>
+            <a:off x="824520" y="2402151"/>
+            <a:ext cx="2880000" cy="540000"/>
+          </a:xfrm>
+          <a:prstGeom prst="rect">
+            <a:avLst/>
+          </a:prstGeom>
+          <a:noFill/>
+          <a:ln>
+            <a:solidFill>
+              <a:schemeClr val="tx1"/>
+            </a:solidFill>
+          </a:ln>
+        </p:spPr>
+        <p:style>
+          <a:lnRef idx="2">
+            <a:schemeClr val="accent1">
+              <a:shade val="50000"/>
+            </a:schemeClr>
+          </a:lnRef>
+          <a:fillRef idx="1">
+            <a:schemeClr val="accent1"/>
+          </a:fillRef>
+          <a:effectRef idx="0">
+            <a:schemeClr val="accent1"/>
+          </a:effectRef>
+          <a:fontRef idx="minor">
+            <a:schemeClr val="lt1"/>
+          </a:fontRef>
+        </p:style>
+        <p:txBody>
+          <a:bodyPr rtlCol="0" anchor="ctr"/>
+          <a:lstStyle/>
+          <a:p>
+            <a:pPr algn="ctr"/>
+            <a:r>
+              <a:rPr lang="ko-KR" altLang="en-US" sz="1467" dirty="0">
+                <a:solidFill>
+                  <a:sysClr val="windowText" lastClr="000000"/>
+                </a:solidFill>
+              </a:rPr>
+              <a:t>입력 받은 두 정수의 합 </a:t>
+            </a:r>
+            <a:r>
+              <a:rPr lang="en-US" altLang="ko-KR" sz="1467" dirty="0">
+                <a:solidFill>
+                  <a:sysClr val="windowText" lastClr="000000"/>
+                </a:solidFill>
+              </a:rPr>
+              <a:t>* </a:t>
+            </a:r>
+            <a:r>
+              <a:rPr lang="ko-KR" altLang="en-US" sz="1467" dirty="0">
+                <a:solidFill>
+                  <a:sysClr val="windowText" lastClr="000000"/>
+                </a:solidFill>
+              </a:rPr>
+              <a:t>개수 </a:t>
+            </a:r>
+            <a:r>
+              <a:rPr lang="en-US" altLang="ko-KR" sz="1467" dirty="0">
+                <a:solidFill>
+                  <a:sysClr val="windowText" lastClr="000000"/>
+                </a:solidFill>
+              </a:rPr>
+              <a:t>/ 2</a:t>
+            </a:r>
+            <a:endParaRPr lang="ko-KR" altLang="en-US" sz="1467" dirty="0">
+              <a:solidFill>
+                <a:sysClr val="windowText" lastClr="000000"/>
+              </a:solidFill>
+            </a:endParaRPr>
+          </a:p>
+        </p:txBody>
+      </p:sp>
+    </p:spTree>
+    <p:extLst>
+      <p:ext uri="{BB962C8B-B14F-4D97-AF65-F5344CB8AC3E}">
+        <p14:creationId xmlns:p14="http://schemas.microsoft.com/office/powerpoint/2010/main" val="1114911970"/>
+      </p:ext>
+    </p:extLst>
+  </p:cSld>
+  <p:clrMapOvr>
+    <a:masterClrMapping/>
+  </p:clrMapOvr>
+</p:sld>
+</file>
+
 <file path=ppt/slides/slide2.xml><?xml version="1.0" encoding="utf-8"?>
 <p:sld xmlns:a="http://schemas.openxmlformats.org/drawingml/2006/main" xmlns:r="http://schemas.openxmlformats.org/officeDocument/2006/relationships" xmlns:p="http://schemas.openxmlformats.org/presentationml/2006/main">
   <p:cSld>

--- a/알고리즘_프로그래머스_Level01_순서도.pptx
+++ b/알고리즘_프로그래머스_Level01_순서도.pptx
@@ -18,6 +18,7 @@
     <p:sldId id="268" r:id="rId12"/>
     <p:sldId id="269" r:id="rId13"/>
     <p:sldId id="270" r:id="rId14"/>
+    <p:sldId id="271" r:id="rId15"/>
   </p:sldIdLst>
   <p:sldSz cx="6858000" cy="9144000" type="screen4x3"/>
   <p:notesSz cx="6858000" cy="9144000"/>
@@ -255,7 +256,7 @@
           <a:p>
             <a:fld id="{274DCB2C-481A-4B20-92AC-CEC756183F8E}" type="datetimeFigureOut">
               <a:rPr lang="ko-KR" altLang="en-US" smtClean="0"/>
-              <a:t>2021-01-13</a:t>
+              <a:t>2021-01-14</a:t>
             </a:fld>
             <a:endParaRPr lang="ko-KR" altLang="en-US"/>
           </a:p>
@@ -425,7 +426,7 @@
           <a:p>
             <a:fld id="{274DCB2C-481A-4B20-92AC-CEC756183F8E}" type="datetimeFigureOut">
               <a:rPr lang="ko-KR" altLang="en-US" smtClean="0"/>
-              <a:t>2021-01-13</a:t>
+              <a:t>2021-01-14</a:t>
             </a:fld>
             <a:endParaRPr lang="ko-KR" altLang="en-US"/>
           </a:p>
@@ -605,7 +606,7 @@
           <a:p>
             <a:fld id="{274DCB2C-481A-4B20-92AC-CEC756183F8E}" type="datetimeFigureOut">
               <a:rPr lang="ko-KR" altLang="en-US" smtClean="0"/>
-              <a:t>2021-01-13</a:t>
+              <a:t>2021-01-14</a:t>
             </a:fld>
             <a:endParaRPr lang="ko-KR" altLang="en-US"/>
           </a:p>
@@ -775,7 +776,7 @@
           <a:p>
             <a:fld id="{274DCB2C-481A-4B20-92AC-CEC756183F8E}" type="datetimeFigureOut">
               <a:rPr lang="ko-KR" altLang="en-US" smtClean="0"/>
-              <a:t>2021-01-13</a:t>
+              <a:t>2021-01-14</a:t>
             </a:fld>
             <a:endParaRPr lang="ko-KR" altLang="en-US"/>
           </a:p>
@@ -1019,7 +1020,7 @@
           <a:p>
             <a:fld id="{274DCB2C-481A-4B20-92AC-CEC756183F8E}" type="datetimeFigureOut">
               <a:rPr lang="ko-KR" altLang="en-US" smtClean="0"/>
-              <a:t>2021-01-13</a:t>
+              <a:t>2021-01-14</a:t>
             </a:fld>
             <a:endParaRPr lang="ko-KR" altLang="en-US"/>
           </a:p>
@@ -1251,7 +1252,7 @@
           <a:p>
             <a:fld id="{274DCB2C-481A-4B20-92AC-CEC756183F8E}" type="datetimeFigureOut">
               <a:rPr lang="ko-KR" altLang="en-US" smtClean="0"/>
-              <a:t>2021-01-13</a:t>
+              <a:t>2021-01-14</a:t>
             </a:fld>
             <a:endParaRPr lang="ko-KR" altLang="en-US"/>
           </a:p>
@@ -1618,7 +1619,7 @@
           <a:p>
             <a:fld id="{274DCB2C-481A-4B20-92AC-CEC756183F8E}" type="datetimeFigureOut">
               <a:rPr lang="ko-KR" altLang="en-US" smtClean="0"/>
-              <a:t>2021-01-13</a:t>
+              <a:t>2021-01-14</a:t>
             </a:fld>
             <a:endParaRPr lang="ko-KR" altLang="en-US"/>
           </a:p>
@@ -1736,7 +1737,7 @@
           <a:p>
             <a:fld id="{274DCB2C-481A-4B20-92AC-CEC756183F8E}" type="datetimeFigureOut">
               <a:rPr lang="ko-KR" altLang="en-US" smtClean="0"/>
-              <a:t>2021-01-13</a:t>
+              <a:t>2021-01-14</a:t>
             </a:fld>
             <a:endParaRPr lang="ko-KR" altLang="en-US"/>
           </a:p>
@@ -1831,7 +1832,7 @@
           <a:p>
             <a:fld id="{274DCB2C-481A-4B20-92AC-CEC756183F8E}" type="datetimeFigureOut">
               <a:rPr lang="ko-KR" altLang="en-US" smtClean="0"/>
-              <a:t>2021-01-13</a:t>
+              <a:t>2021-01-14</a:t>
             </a:fld>
             <a:endParaRPr lang="ko-KR" altLang="en-US"/>
           </a:p>
@@ -2108,7 +2109,7 @@
           <a:p>
             <a:fld id="{274DCB2C-481A-4B20-92AC-CEC756183F8E}" type="datetimeFigureOut">
               <a:rPr lang="ko-KR" altLang="en-US" smtClean="0"/>
-              <a:t>2021-01-13</a:t>
+              <a:t>2021-01-14</a:t>
             </a:fld>
             <a:endParaRPr lang="ko-KR" altLang="en-US"/>
           </a:p>
@@ -2365,7 +2366,7 @@
           <a:p>
             <a:fld id="{274DCB2C-481A-4B20-92AC-CEC756183F8E}" type="datetimeFigureOut">
               <a:rPr lang="ko-KR" altLang="en-US" smtClean="0"/>
-              <a:t>2021-01-13</a:t>
+              <a:t>2021-01-14</a:t>
             </a:fld>
             <a:endParaRPr lang="ko-KR" altLang="en-US"/>
           </a:p>
@@ -2578,7 +2579,7 @@
           <a:p>
             <a:fld id="{274DCB2C-481A-4B20-92AC-CEC756183F8E}" type="datetimeFigureOut">
               <a:rPr lang="ko-KR" altLang="en-US" smtClean="0"/>
-              <a:t>2021-01-13</a:t>
+              <a:t>2021-01-14</a:t>
             </a:fld>
             <a:endParaRPr lang="ko-KR" altLang="en-US"/>
           </a:p>
@@ -6559,6 +6560,768 @@
 </p:sld>
 </file>
 
+<file path=ppt/slides/slide14.xml><?xml version="1.0" encoding="utf-8"?>
+<p:sld xmlns:a="http://schemas.openxmlformats.org/drawingml/2006/main" xmlns:r="http://schemas.openxmlformats.org/officeDocument/2006/relationships" xmlns:p="http://schemas.openxmlformats.org/presentationml/2006/main">
+  <p:cSld>
+    <p:spTree>
+      <p:nvGrpSpPr>
+        <p:cNvPr id="1" name=""/>
+        <p:cNvGrpSpPr/>
+        <p:nvPr/>
+      </p:nvGrpSpPr>
+      <p:grpSpPr>
+        <a:xfrm>
+          <a:off x="0" y="0"/>
+          <a:ext cx="0" cy="0"/>
+          <a:chOff x="0" y="0"/>
+          <a:chExt cx="0" cy="0"/>
+        </a:xfrm>
+      </p:grpSpPr>
+      <p:sp>
+        <p:nvSpPr>
+          <p:cNvPr id="4" name="제목 3">
+            <a:extLst>
+              <a:ext uri="{FF2B5EF4-FFF2-40B4-BE49-F238E27FC236}">
+                <a16:creationId xmlns:a16="http://schemas.microsoft.com/office/drawing/2014/main" id="{30BAC889-89EF-449A-A9AB-0AA582E87CB5}"/>
+              </a:ext>
+            </a:extLst>
+          </p:cNvPr>
+          <p:cNvSpPr>
+            <a:spLocks noGrp="1"/>
+          </p:cNvSpPr>
+          <p:nvPr>
+            <p:ph type="title"/>
+          </p:nvPr>
+        </p:nvSpPr>
+        <p:spPr/>
+        <p:txBody>
+          <a:bodyPr/>
+          <a:lstStyle/>
+          <a:p>
+            <a:r>
+              <a:rPr lang="ko-KR" altLang="en-US" dirty="0"/>
+              <a:t>두 정수 사이의 합 </a:t>
+            </a:r>
+            <a:r>
+              <a:rPr lang="en-US" altLang="ko-KR" dirty="0"/>
+              <a:t>(01.14)</a:t>
+            </a:r>
+            <a:endParaRPr lang="ko-KR" altLang="en-US" dirty="0"/>
+          </a:p>
+        </p:txBody>
+      </p:sp>
+      <p:sp>
+        <p:nvSpPr>
+          <p:cNvPr id="7" name="직사각형 6">
+            <a:extLst>
+              <a:ext uri="{FF2B5EF4-FFF2-40B4-BE49-F238E27FC236}">
+                <a16:creationId xmlns:a16="http://schemas.microsoft.com/office/drawing/2014/main" id="{3521F3E1-F3C7-4375-B8E7-0210E50030D0}"/>
+              </a:ext>
+            </a:extLst>
+          </p:cNvPr>
+          <p:cNvSpPr/>
+          <p:nvPr/>
+        </p:nvSpPr>
+        <p:spPr>
+          <a:xfrm>
+            <a:off x="1719776" y="1532278"/>
+            <a:ext cx="2880000" cy="540000"/>
+          </a:xfrm>
+          <a:prstGeom prst="rect">
+            <a:avLst/>
+          </a:prstGeom>
+          <a:noFill/>
+          <a:ln>
+            <a:solidFill>
+              <a:schemeClr val="tx1"/>
+            </a:solidFill>
+          </a:ln>
+        </p:spPr>
+        <p:style>
+          <a:lnRef idx="2">
+            <a:schemeClr val="accent1">
+              <a:shade val="50000"/>
+            </a:schemeClr>
+          </a:lnRef>
+          <a:fillRef idx="1">
+            <a:schemeClr val="accent1"/>
+          </a:fillRef>
+          <a:effectRef idx="0">
+            <a:schemeClr val="accent1"/>
+          </a:effectRef>
+          <a:fontRef idx="minor">
+            <a:schemeClr val="lt1"/>
+          </a:fontRef>
+        </p:style>
+        <p:txBody>
+          <a:bodyPr rtlCol="0" anchor="ctr"/>
+          <a:lstStyle/>
+          <a:p>
+            <a:pPr algn="ctr"/>
+            <a:r>
+              <a:rPr lang="ko-KR" altLang="en-US" sz="1467" dirty="0">
+                <a:solidFill>
+                  <a:sysClr val="windowText" lastClr="000000"/>
+                </a:solidFill>
+              </a:rPr>
+              <a:t>문자열 배열을 입력 받는다</a:t>
+            </a:r>
+            <a:endParaRPr lang="en-US" altLang="ko-KR" sz="1467" dirty="0">
+              <a:solidFill>
+                <a:sysClr val="windowText" lastClr="000000"/>
+              </a:solidFill>
+            </a:endParaRPr>
+          </a:p>
+        </p:txBody>
+      </p:sp>
+      <p:cxnSp>
+        <p:nvCxnSpPr>
+          <p:cNvPr id="9" name="직선 화살표 연결선 8">
+            <a:extLst>
+              <a:ext uri="{FF2B5EF4-FFF2-40B4-BE49-F238E27FC236}">
+                <a16:creationId xmlns:a16="http://schemas.microsoft.com/office/drawing/2014/main" id="{0074B81A-8660-4E3D-B69A-3DEA51705F3F}"/>
+              </a:ext>
+            </a:extLst>
+          </p:cNvPr>
+          <p:cNvCxnSpPr>
+            <a:cxnSpLocks/>
+            <a:stCxn id="7" idx="2"/>
+            <a:endCxn id="10" idx="0"/>
+          </p:cNvCxnSpPr>
+          <p:nvPr/>
+        </p:nvCxnSpPr>
+        <p:spPr>
+          <a:xfrm>
+            <a:off x="3159776" y="2072278"/>
+            <a:ext cx="0" cy="329873"/>
+          </a:xfrm>
+          <a:prstGeom prst="straightConnector1">
+            <a:avLst/>
+          </a:prstGeom>
+          <a:ln>
+            <a:solidFill>
+              <a:schemeClr val="tx1"/>
+            </a:solidFill>
+            <a:tailEnd type="triangle"/>
+          </a:ln>
+        </p:spPr>
+        <p:style>
+          <a:lnRef idx="1">
+            <a:schemeClr val="accent1"/>
+          </a:lnRef>
+          <a:fillRef idx="0">
+            <a:schemeClr val="accent1"/>
+          </a:fillRef>
+          <a:effectRef idx="0">
+            <a:schemeClr val="accent1"/>
+          </a:effectRef>
+          <a:fontRef idx="minor">
+            <a:schemeClr val="tx1"/>
+          </a:fontRef>
+        </p:style>
+      </p:cxnSp>
+      <p:sp>
+        <p:nvSpPr>
+          <p:cNvPr id="10" name="직사각형 9">
+            <a:extLst>
+              <a:ext uri="{FF2B5EF4-FFF2-40B4-BE49-F238E27FC236}">
+                <a16:creationId xmlns:a16="http://schemas.microsoft.com/office/drawing/2014/main" id="{5283D6BA-2971-48F2-9043-7919E96E46B0}"/>
+              </a:ext>
+            </a:extLst>
+          </p:cNvPr>
+          <p:cNvSpPr/>
+          <p:nvPr/>
+        </p:nvSpPr>
+        <p:spPr>
+          <a:xfrm>
+            <a:off x="639776" y="2402151"/>
+            <a:ext cx="5040000" cy="540000"/>
+          </a:xfrm>
+          <a:prstGeom prst="rect">
+            <a:avLst/>
+          </a:prstGeom>
+          <a:noFill/>
+          <a:ln>
+            <a:solidFill>
+              <a:schemeClr val="tx1"/>
+            </a:solidFill>
+          </a:ln>
+        </p:spPr>
+        <p:style>
+          <a:lnRef idx="2">
+            <a:schemeClr val="accent1">
+              <a:shade val="50000"/>
+            </a:schemeClr>
+          </a:lnRef>
+          <a:fillRef idx="1">
+            <a:schemeClr val="accent1"/>
+          </a:fillRef>
+          <a:effectRef idx="0">
+            <a:schemeClr val="accent1"/>
+          </a:effectRef>
+          <a:fontRef idx="minor">
+            <a:schemeClr val="lt1"/>
+          </a:fontRef>
+        </p:style>
+        <p:txBody>
+          <a:bodyPr rtlCol="0" anchor="ctr"/>
+          <a:lstStyle/>
+          <a:p>
+            <a:pPr algn="ctr"/>
+            <a:r>
+              <a:rPr lang="en-US" altLang="ko-KR" sz="1467" dirty="0">
+                <a:solidFill>
+                  <a:sysClr val="windowText" lastClr="000000"/>
+                </a:solidFill>
+              </a:rPr>
+              <a:t>Map</a:t>
+            </a:r>
+            <a:r>
+              <a:rPr lang="ko-KR" altLang="en-US" sz="1467" dirty="0">
+                <a:solidFill>
+                  <a:sysClr val="windowText" lastClr="000000"/>
+                </a:solidFill>
+              </a:rPr>
+              <a:t>을 이용하여 문자열의 </a:t>
+            </a:r>
+            <a:r>
+              <a:rPr lang="en-US" altLang="ko-KR" sz="1467" dirty="0">
+                <a:solidFill>
+                  <a:sysClr val="windowText" lastClr="000000"/>
+                </a:solidFill>
+              </a:rPr>
+              <a:t>n</a:t>
+            </a:r>
+            <a:r>
+              <a:rPr lang="ko-KR" altLang="en-US" sz="1467" dirty="0">
+                <a:solidFill>
+                  <a:sysClr val="windowText" lastClr="000000"/>
+                </a:solidFill>
+              </a:rPr>
+              <a:t>번째 </a:t>
+            </a:r>
+            <a:r>
+              <a:rPr lang="en-US" altLang="ko-KR" sz="1467" dirty="0">
+                <a:solidFill>
+                  <a:sysClr val="windowText" lastClr="000000"/>
+                </a:solidFill>
+              </a:rPr>
+              <a:t>index</a:t>
+            </a:r>
+            <a:r>
+              <a:rPr lang="ko-KR" altLang="en-US" sz="1467" dirty="0">
+                <a:solidFill>
+                  <a:sysClr val="windowText" lastClr="000000"/>
+                </a:solidFill>
+              </a:rPr>
+              <a:t>를 </a:t>
+            </a:r>
+            <a:r>
+              <a:rPr lang="en-US" altLang="ko-KR" sz="1467" dirty="0">
+                <a:solidFill>
+                  <a:sysClr val="windowText" lastClr="000000"/>
+                </a:solidFill>
+              </a:rPr>
+              <a:t>Key</a:t>
+            </a:r>
+          </a:p>
+          <a:p>
+            <a:pPr algn="ctr"/>
+            <a:r>
+              <a:rPr lang="en-US" altLang="ko-KR" sz="1467" dirty="0">
+                <a:solidFill>
+                  <a:sysClr val="windowText" lastClr="000000"/>
+                </a:solidFill>
+              </a:rPr>
+              <a:t>List&lt;String&gt;</a:t>
+            </a:r>
+            <a:r>
+              <a:rPr lang="ko-KR" altLang="en-US" sz="1467" dirty="0">
+                <a:solidFill>
+                  <a:sysClr val="windowText" lastClr="000000"/>
+                </a:solidFill>
+              </a:rPr>
+              <a:t>을 </a:t>
+            </a:r>
+            <a:r>
+              <a:rPr lang="en-US" altLang="ko-KR" sz="1467" dirty="0">
+                <a:solidFill>
+                  <a:sysClr val="windowText" lastClr="000000"/>
+                </a:solidFill>
+              </a:rPr>
+              <a:t>Value</a:t>
+            </a:r>
+            <a:r>
+              <a:rPr lang="ko-KR" altLang="en-US" sz="1467" dirty="0">
+                <a:solidFill>
+                  <a:sysClr val="windowText" lastClr="000000"/>
+                </a:solidFill>
+              </a:rPr>
+              <a:t>로 설정하고 </a:t>
+            </a:r>
+            <a:r>
+              <a:rPr lang="en-US" altLang="ko-KR" sz="1467" dirty="0">
+                <a:solidFill>
+                  <a:sysClr val="windowText" lastClr="000000"/>
+                </a:solidFill>
+              </a:rPr>
+              <a:t>List</a:t>
+            </a:r>
+            <a:r>
+              <a:rPr lang="ko-KR" altLang="en-US" sz="1467" dirty="0">
+                <a:solidFill>
+                  <a:sysClr val="windowText" lastClr="000000"/>
+                </a:solidFill>
+              </a:rPr>
+              <a:t>에 문자열을 저장한다</a:t>
+            </a:r>
+            <a:endParaRPr lang="en-US" altLang="ko-KR" sz="1467" dirty="0">
+              <a:solidFill>
+                <a:sysClr val="windowText" lastClr="000000"/>
+              </a:solidFill>
+            </a:endParaRPr>
+          </a:p>
+        </p:txBody>
+      </p:sp>
+      <p:sp>
+        <p:nvSpPr>
+          <p:cNvPr id="11" name="직사각형 10">
+            <a:extLst>
+              <a:ext uri="{FF2B5EF4-FFF2-40B4-BE49-F238E27FC236}">
+                <a16:creationId xmlns:a16="http://schemas.microsoft.com/office/drawing/2014/main" id="{B442E58E-BB09-41E1-A323-31289011A97C}"/>
+              </a:ext>
+            </a:extLst>
+          </p:cNvPr>
+          <p:cNvSpPr/>
+          <p:nvPr/>
+        </p:nvSpPr>
+        <p:spPr>
+          <a:xfrm>
+            <a:off x="1179776" y="3272024"/>
+            <a:ext cx="3960000" cy="540000"/>
+          </a:xfrm>
+          <a:prstGeom prst="rect">
+            <a:avLst/>
+          </a:prstGeom>
+          <a:noFill/>
+          <a:ln>
+            <a:solidFill>
+              <a:schemeClr val="tx1"/>
+            </a:solidFill>
+          </a:ln>
+        </p:spPr>
+        <p:style>
+          <a:lnRef idx="2">
+            <a:schemeClr val="accent1">
+              <a:shade val="50000"/>
+            </a:schemeClr>
+          </a:lnRef>
+          <a:fillRef idx="1">
+            <a:schemeClr val="accent1"/>
+          </a:fillRef>
+          <a:effectRef idx="0">
+            <a:schemeClr val="accent1"/>
+          </a:effectRef>
+          <a:fontRef idx="minor">
+            <a:schemeClr val="lt1"/>
+          </a:fontRef>
+        </p:style>
+        <p:txBody>
+          <a:bodyPr rtlCol="0" anchor="ctr"/>
+          <a:lstStyle/>
+          <a:p>
+            <a:pPr algn="ctr"/>
+            <a:r>
+              <a:rPr lang="en-US" altLang="ko-KR" sz="1467" dirty="0">
+                <a:solidFill>
+                  <a:sysClr val="windowText" lastClr="000000"/>
+                </a:solidFill>
+              </a:rPr>
+              <a:t>Map</a:t>
+            </a:r>
+            <a:r>
+              <a:rPr lang="ko-KR" altLang="en-US" sz="1467" dirty="0">
+                <a:solidFill>
+                  <a:sysClr val="windowText" lastClr="000000"/>
+                </a:solidFill>
+              </a:rPr>
+              <a:t>의 각 </a:t>
+            </a:r>
+            <a:r>
+              <a:rPr lang="en-US" altLang="ko-KR" sz="1467" dirty="0">
+                <a:solidFill>
+                  <a:sysClr val="windowText" lastClr="000000"/>
+                </a:solidFill>
+              </a:rPr>
+              <a:t>key</a:t>
+            </a:r>
+            <a:r>
+              <a:rPr lang="ko-KR" altLang="en-US" sz="1467" dirty="0">
+                <a:solidFill>
+                  <a:sysClr val="windowText" lastClr="000000"/>
+                </a:solidFill>
+              </a:rPr>
+              <a:t>에 대해서 </a:t>
+            </a:r>
+            <a:r>
+              <a:rPr lang="en-US" altLang="ko-KR" sz="1467" dirty="0">
+                <a:solidFill>
+                  <a:sysClr val="windowText" lastClr="000000"/>
+                </a:solidFill>
+              </a:rPr>
+              <a:t>value</a:t>
+            </a:r>
+            <a:r>
+              <a:rPr lang="ko-KR" altLang="en-US" sz="1467" dirty="0">
+                <a:solidFill>
+                  <a:sysClr val="windowText" lastClr="000000"/>
+                </a:solidFill>
+              </a:rPr>
+              <a:t>를 정렬한다</a:t>
+            </a:r>
+            <a:endParaRPr lang="en-US" altLang="ko-KR" sz="1467" dirty="0">
+              <a:solidFill>
+                <a:sysClr val="windowText" lastClr="000000"/>
+              </a:solidFill>
+            </a:endParaRPr>
+          </a:p>
+        </p:txBody>
+      </p:sp>
+      <p:cxnSp>
+        <p:nvCxnSpPr>
+          <p:cNvPr id="8" name="직선 화살표 연결선 7">
+            <a:extLst>
+              <a:ext uri="{FF2B5EF4-FFF2-40B4-BE49-F238E27FC236}">
+                <a16:creationId xmlns:a16="http://schemas.microsoft.com/office/drawing/2014/main" id="{3415365E-9690-48E2-816B-1F0FAA26BED9}"/>
+              </a:ext>
+            </a:extLst>
+          </p:cNvPr>
+          <p:cNvCxnSpPr>
+            <a:cxnSpLocks/>
+            <a:stCxn id="10" idx="2"/>
+            <a:endCxn id="11" idx="0"/>
+          </p:cNvCxnSpPr>
+          <p:nvPr/>
+        </p:nvCxnSpPr>
+        <p:spPr>
+          <a:xfrm>
+            <a:off x="3159776" y="2942151"/>
+            <a:ext cx="0" cy="329873"/>
+          </a:xfrm>
+          <a:prstGeom prst="straightConnector1">
+            <a:avLst/>
+          </a:prstGeom>
+          <a:ln>
+            <a:solidFill>
+              <a:schemeClr val="tx1"/>
+            </a:solidFill>
+            <a:tailEnd type="triangle"/>
+          </a:ln>
+        </p:spPr>
+        <p:style>
+          <a:lnRef idx="1">
+            <a:schemeClr val="accent1"/>
+          </a:lnRef>
+          <a:fillRef idx="0">
+            <a:schemeClr val="accent1"/>
+          </a:fillRef>
+          <a:effectRef idx="0">
+            <a:schemeClr val="accent1"/>
+          </a:effectRef>
+          <a:fontRef idx="minor">
+            <a:schemeClr val="tx1"/>
+          </a:fontRef>
+        </p:style>
+      </p:cxnSp>
+      <p:sp>
+        <p:nvSpPr>
+          <p:cNvPr id="17" name="직사각형 16">
+            <a:extLst>
+              <a:ext uri="{FF2B5EF4-FFF2-40B4-BE49-F238E27FC236}">
+                <a16:creationId xmlns:a16="http://schemas.microsoft.com/office/drawing/2014/main" id="{5D772CC0-B68E-4F2B-AB59-389D6F078E00}"/>
+              </a:ext>
+            </a:extLst>
+          </p:cNvPr>
+          <p:cNvSpPr/>
+          <p:nvPr/>
+        </p:nvSpPr>
+        <p:spPr>
+          <a:xfrm>
+            <a:off x="1179776" y="4141897"/>
+            <a:ext cx="3960000" cy="540000"/>
+          </a:xfrm>
+          <a:prstGeom prst="rect">
+            <a:avLst/>
+          </a:prstGeom>
+          <a:noFill/>
+          <a:ln>
+            <a:solidFill>
+              <a:schemeClr val="tx1"/>
+            </a:solidFill>
+          </a:ln>
+        </p:spPr>
+        <p:style>
+          <a:lnRef idx="2">
+            <a:schemeClr val="accent1">
+              <a:shade val="50000"/>
+            </a:schemeClr>
+          </a:lnRef>
+          <a:fillRef idx="1">
+            <a:schemeClr val="accent1"/>
+          </a:fillRef>
+          <a:effectRef idx="0">
+            <a:schemeClr val="accent1"/>
+          </a:effectRef>
+          <a:fontRef idx="minor">
+            <a:schemeClr val="lt1"/>
+          </a:fontRef>
+        </p:style>
+        <p:txBody>
+          <a:bodyPr rtlCol="0" anchor="ctr"/>
+          <a:lstStyle/>
+          <a:p>
+            <a:pPr algn="ctr"/>
+            <a:r>
+              <a:rPr lang="en-US" altLang="ko-KR" sz="1467" dirty="0">
+                <a:solidFill>
+                  <a:sysClr val="windowText" lastClr="000000"/>
+                </a:solidFill>
+              </a:rPr>
+              <a:t>Map</a:t>
+            </a:r>
+            <a:r>
+              <a:rPr lang="ko-KR" altLang="en-US" sz="1467" dirty="0">
+                <a:solidFill>
+                  <a:sysClr val="windowText" lastClr="000000"/>
+                </a:solidFill>
+              </a:rPr>
+              <a:t>의 </a:t>
+            </a:r>
+            <a:r>
+              <a:rPr lang="en-US" altLang="ko-KR" sz="1467" dirty="0">
+                <a:solidFill>
+                  <a:sysClr val="windowText" lastClr="000000"/>
+                </a:solidFill>
+              </a:rPr>
+              <a:t>key</a:t>
+            </a:r>
+            <a:r>
+              <a:rPr lang="ko-KR" altLang="en-US" sz="1467" dirty="0">
+                <a:solidFill>
+                  <a:sysClr val="windowText" lastClr="000000"/>
+                </a:solidFill>
+              </a:rPr>
+              <a:t>를 정렬한다</a:t>
+            </a:r>
+            <a:endParaRPr lang="en-US" altLang="ko-KR" sz="1467" dirty="0">
+              <a:solidFill>
+                <a:sysClr val="windowText" lastClr="000000"/>
+              </a:solidFill>
+            </a:endParaRPr>
+          </a:p>
+        </p:txBody>
+      </p:sp>
+      <p:cxnSp>
+        <p:nvCxnSpPr>
+          <p:cNvPr id="18" name="직선 화살표 연결선 17">
+            <a:extLst>
+              <a:ext uri="{FF2B5EF4-FFF2-40B4-BE49-F238E27FC236}">
+                <a16:creationId xmlns:a16="http://schemas.microsoft.com/office/drawing/2014/main" id="{B9BACA68-8A07-4A81-869C-87052C1A1BC9}"/>
+              </a:ext>
+            </a:extLst>
+          </p:cNvPr>
+          <p:cNvCxnSpPr>
+            <a:cxnSpLocks/>
+            <a:stCxn id="11" idx="2"/>
+            <a:endCxn id="17" idx="0"/>
+          </p:cNvCxnSpPr>
+          <p:nvPr/>
+        </p:nvCxnSpPr>
+        <p:spPr>
+          <a:xfrm>
+            <a:off x="3159776" y="3812024"/>
+            <a:ext cx="0" cy="329873"/>
+          </a:xfrm>
+          <a:prstGeom prst="straightConnector1">
+            <a:avLst/>
+          </a:prstGeom>
+          <a:ln>
+            <a:solidFill>
+              <a:schemeClr val="tx1"/>
+            </a:solidFill>
+            <a:tailEnd type="triangle"/>
+          </a:ln>
+        </p:spPr>
+        <p:style>
+          <a:lnRef idx="1">
+            <a:schemeClr val="accent1"/>
+          </a:lnRef>
+          <a:fillRef idx="0">
+            <a:schemeClr val="accent1"/>
+          </a:fillRef>
+          <a:effectRef idx="0">
+            <a:schemeClr val="accent1"/>
+          </a:effectRef>
+          <a:fontRef idx="minor">
+            <a:schemeClr val="tx1"/>
+          </a:fontRef>
+        </p:style>
+      </p:cxnSp>
+      <p:sp>
+        <p:nvSpPr>
+          <p:cNvPr id="20" name="직사각형 19">
+            <a:extLst>
+              <a:ext uri="{FF2B5EF4-FFF2-40B4-BE49-F238E27FC236}">
+                <a16:creationId xmlns:a16="http://schemas.microsoft.com/office/drawing/2014/main" id="{D50BFE40-894E-432A-828F-F424B3D1A968}"/>
+              </a:ext>
+            </a:extLst>
+          </p:cNvPr>
+          <p:cNvSpPr/>
+          <p:nvPr/>
+        </p:nvSpPr>
+        <p:spPr>
+          <a:xfrm>
+            <a:off x="1179776" y="5002104"/>
+            <a:ext cx="3960000" cy="540000"/>
+          </a:xfrm>
+          <a:prstGeom prst="rect">
+            <a:avLst/>
+          </a:prstGeom>
+          <a:noFill/>
+          <a:ln>
+            <a:solidFill>
+              <a:schemeClr val="tx1"/>
+            </a:solidFill>
+          </a:ln>
+        </p:spPr>
+        <p:style>
+          <a:lnRef idx="2">
+            <a:schemeClr val="accent1">
+              <a:shade val="50000"/>
+            </a:schemeClr>
+          </a:lnRef>
+          <a:fillRef idx="1">
+            <a:schemeClr val="accent1"/>
+          </a:fillRef>
+          <a:effectRef idx="0">
+            <a:schemeClr val="accent1"/>
+          </a:effectRef>
+          <a:fontRef idx="minor">
+            <a:schemeClr val="lt1"/>
+          </a:fontRef>
+        </p:style>
+        <p:txBody>
+          <a:bodyPr rtlCol="0" anchor="ctr"/>
+          <a:lstStyle/>
+          <a:p>
+            <a:pPr algn="ctr"/>
+            <a:r>
+              <a:rPr lang="ko-KR" altLang="en-US" sz="1467" dirty="0">
+                <a:solidFill>
+                  <a:sysClr val="windowText" lastClr="000000"/>
+                </a:solidFill>
+              </a:rPr>
+              <a:t>결과 </a:t>
+            </a:r>
+            <a:r>
+              <a:rPr lang="en-US" altLang="ko-KR" sz="1467" dirty="0">
+                <a:solidFill>
+                  <a:sysClr val="windowText" lastClr="000000"/>
+                </a:solidFill>
+              </a:rPr>
+              <a:t>List</a:t>
+            </a:r>
+            <a:r>
+              <a:rPr lang="ko-KR" altLang="en-US" sz="1467" dirty="0">
+                <a:solidFill>
+                  <a:sysClr val="windowText" lastClr="000000"/>
+                </a:solidFill>
+              </a:rPr>
+              <a:t>에 </a:t>
+            </a:r>
+            <a:r>
+              <a:rPr lang="en-US" altLang="ko-KR" sz="1467" dirty="0">
+                <a:solidFill>
+                  <a:sysClr val="windowText" lastClr="000000"/>
+                </a:solidFill>
+              </a:rPr>
+              <a:t>Value</a:t>
+            </a:r>
+            <a:r>
+              <a:rPr lang="ko-KR" altLang="en-US" sz="1467" dirty="0">
+                <a:solidFill>
+                  <a:sysClr val="windowText" lastClr="000000"/>
+                </a:solidFill>
+              </a:rPr>
+              <a:t>들을 순서대로 저장한다</a:t>
+            </a:r>
+            <a:endParaRPr lang="en-US" altLang="ko-KR" sz="1467" dirty="0">
+              <a:solidFill>
+                <a:sysClr val="windowText" lastClr="000000"/>
+              </a:solidFill>
+            </a:endParaRPr>
+          </a:p>
+        </p:txBody>
+      </p:sp>
+      <p:cxnSp>
+        <p:nvCxnSpPr>
+          <p:cNvPr id="21" name="직선 화살표 연결선 20">
+            <a:extLst>
+              <a:ext uri="{FF2B5EF4-FFF2-40B4-BE49-F238E27FC236}">
+                <a16:creationId xmlns:a16="http://schemas.microsoft.com/office/drawing/2014/main" id="{C7D1F997-B1EE-42B0-B4F3-55F4E05F2BF4}"/>
+              </a:ext>
+            </a:extLst>
+          </p:cNvPr>
+          <p:cNvCxnSpPr>
+            <a:cxnSpLocks/>
+            <a:stCxn id="17" idx="2"/>
+            <a:endCxn id="20" idx="0"/>
+          </p:cNvCxnSpPr>
+          <p:nvPr/>
+        </p:nvCxnSpPr>
+        <p:spPr>
+          <a:xfrm>
+            <a:off x="3159776" y="4681897"/>
+            <a:ext cx="0" cy="320207"/>
+          </a:xfrm>
+          <a:prstGeom prst="straightConnector1">
+            <a:avLst/>
+          </a:prstGeom>
+          <a:ln>
+            <a:solidFill>
+              <a:schemeClr val="tx1"/>
+            </a:solidFill>
+            <a:tailEnd type="triangle"/>
+          </a:ln>
+        </p:spPr>
+        <p:style>
+          <a:lnRef idx="1">
+            <a:schemeClr val="accent1"/>
+          </a:lnRef>
+          <a:fillRef idx="0">
+            <a:schemeClr val="accent1"/>
+          </a:fillRef>
+          <a:effectRef idx="0">
+            <a:schemeClr val="accent1"/>
+          </a:effectRef>
+          <a:fontRef idx="minor">
+            <a:schemeClr val="tx1"/>
+          </a:fontRef>
+        </p:style>
+      </p:cxnSp>
+    </p:spTree>
+    <p:extLst>
+      <p:ext uri="{BB962C8B-B14F-4D97-AF65-F5344CB8AC3E}">
+        <p14:creationId xmlns:p14="http://schemas.microsoft.com/office/powerpoint/2010/main" val="3917722663"/>
+      </p:ext>
+    </p:extLst>
+  </p:cSld>
+  <p:clrMapOvr>
+    <a:masterClrMapping/>
+  </p:clrMapOvr>
+</p:sld>
+</file>
+
 <file path=ppt/slides/slide2.xml><?xml version="1.0" encoding="utf-8"?>
 <p:sld xmlns:a="http://schemas.openxmlformats.org/drawingml/2006/main" xmlns:r="http://schemas.openxmlformats.org/officeDocument/2006/relationships" xmlns:p="http://schemas.openxmlformats.org/presentationml/2006/main">
   <p:cSld>

--- a/알고리즘_프로그래머스_Level01_순서도.pptx
+++ b/알고리즘_프로그래머스_Level01_순서도.pptx
@@ -19,6 +19,7 @@
     <p:sldId id="269" r:id="rId13"/>
     <p:sldId id="270" r:id="rId14"/>
     <p:sldId id="271" r:id="rId15"/>
+    <p:sldId id="272" r:id="rId16"/>
   </p:sldIdLst>
   <p:sldSz cx="6858000" cy="9144000" type="screen4x3"/>
   <p:notesSz cx="6858000" cy="9144000"/>
@@ -256,7 +257,7 @@
           <a:p>
             <a:fld id="{274DCB2C-481A-4B20-92AC-CEC756183F8E}" type="datetimeFigureOut">
               <a:rPr lang="ko-KR" altLang="en-US" smtClean="0"/>
-              <a:t>2021-01-14</a:t>
+              <a:t>2021-01-15</a:t>
             </a:fld>
             <a:endParaRPr lang="ko-KR" altLang="en-US"/>
           </a:p>
@@ -426,7 +427,7 @@
           <a:p>
             <a:fld id="{274DCB2C-481A-4B20-92AC-CEC756183F8E}" type="datetimeFigureOut">
               <a:rPr lang="ko-KR" altLang="en-US" smtClean="0"/>
-              <a:t>2021-01-14</a:t>
+              <a:t>2021-01-15</a:t>
             </a:fld>
             <a:endParaRPr lang="ko-KR" altLang="en-US"/>
           </a:p>
@@ -606,7 +607,7 @@
           <a:p>
             <a:fld id="{274DCB2C-481A-4B20-92AC-CEC756183F8E}" type="datetimeFigureOut">
               <a:rPr lang="ko-KR" altLang="en-US" smtClean="0"/>
-              <a:t>2021-01-14</a:t>
+              <a:t>2021-01-15</a:t>
             </a:fld>
             <a:endParaRPr lang="ko-KR" altLang="en-US"/>
           </a:p>
@@ -776,7 +777,7 @@
           <a:p>
             <a:fld id="{274DCB2C-481A-4B20-92AC-CEC756183F8E}" type="datetimeFigureOut">
               <a:rPr lang="ko-KR" altLang="en-US" smtClean="0"/>
-              <a:t>2021-01-14</a:t>
+              <a:t>2021-01-15</a:t>
             </a:fld>
             <a:endParaRPr lang="ko-KR" altLang="en-US"/>
           </a:p>
@@ -1020,7 +1021,7 @@
           <a:p>
             <a:fld id="{274DCB2C-481A-4B20-92AC-CEC756183F8E}" type="datetimeFigureOut">
               <a:rPr lang="ko-KR" altLang="en-US" smtClean="0"/>
-              <a:t>2021-01-14</a:t>
+              <a:t>2021-01-15</a:t>
             </a:fld>
             <a:endParaRPr lang="ko-KR" altLang="en-US"/>
           </a:p>
@@ -1252,7 +1253,7 @@
           <a:p>
             <a:fld id="{274DCB2C-481A-4B20-92AC-CEC756183F8E}" type="datetimeFigureOut">
               <a:rPr lang="ko-KR" altLang="en-US" smtClean="0"/>
-              <a:t>2021-01-14</a:t>
+              <a:t>2021-01-15</a:t>
             </a:fld>
             <a:endParaRPr lang="ko-KR" altLang="en-US"/>
           </a:p>
@@ -1619,7 +1620,7 @@
           <a:p>
             <a:fld id="{274DCB2C-481A-4B20-92AC-CEC756183F8E}" type="datetimeFigureOut">
               <a:rPr lang="ko-KR" altLang="en-US" smtClean="0"/>
-              <a:t>2021-01-14</a:t>
+              <a:t>2021-01-15</a:t>
             </a:fld>
             <a:endParaRPr lang="ko-KR" altLang="en-US"/>
           </a:p>
@@ -1737,7 +1738,7 @@
           <a:p>
             <a:fld id="{274DCB2C-481A-4B20-92AC-CEC756183F8E}" type="datetimeFigureOut">
               <a:rPr lang="ko-KR" altLang="en-US" smtClean="0"/>
-              <a:t>2021-01-14</a:t>
+              <a:t>2021-01-15</a:t>
             </a:fld>
             <a:endParaRPr lang="ko-KR" altLang="en-US"/>
           </a:p>
@@ -1832,7 +1833,7 @@
           <a:p>
             <a:fld id="{274DCB2C-481A-4B20-92AC-CEC756183F8E}" type="datetimeFigureOut">
               <a:rPr lang="ko-KR" altLang="en-US" smtClean="0"/>
-              <a:t>2021-01-14</a:t>
+              <a:t>2021-01-15</a:t>
             </a:fld>
             <a:endParaRPr lang="ko-KR" altLang="en-US"/>
           </a:p>
@@ -2109,7 +2110,7 @@
           <a:p>
             <a:fld id="{274DCB2C-481A-4B20-92AC-CEC756183F8E}" type="datetimeFigureOut">
               <a:rPr lang="ko-KR" altLang="en-US" smtClean="0"/>
-              <a:t>2021-01-14</a:t>
+              <a:t>2021-01-15</a:t>
             </a:fld>
             <a:endParaRPr lang="ko-KR" altLang="en-US"/>
           </a:p>
@@ -2366,7 +2367,7 @@
           <a:p>
             <a:fld id="{274DCB2C-481A-4B20-92AC-CEC756183F8E}" type="datetimeFigureOut">
               <a:rPr lang="ko-KR" altLang="en-US" smtClean="0"/>
-              <a:t>2021-01-14</a:t>
+              <a:t>2021-01-15</a:t>
             </a:fld>
             <a:endParaRPr lang="ko-KR" altLang="en-US"/>
           </a:p>
@@ -2579,7 +2580,7 @@
           <a:p>
             <a:fld id="{274DCB2C-481A-4B20-92AC-CEC756183F8E}" type="datetimeFigureOut">
               <a:rPr lang="ko-KR" altLang="en-US" smtClean="0"/>
-              <a:t>2021-01-14</a:t>
+              <a:t>2021-01-15</a:t>
             </a:fld>
             <a:endParaRPr lang="ko-KR" altLang="en-US"/>
           </a:p>
@@ -7322,6 +7323,439 @@
 </p:sld>
 </file>
 
+<file path=ppt/slides/slide15.xml><?xml version="1.0" encoding="utf-8"?>
+<p:sld xmlns:a="http://schemas.openxmlformats.org/drawingml/2006/main" xmlns:r="http://schemas.openxmlformats.org/officeDocument/2006/relationships" xmlns:p="http://schemas.openxmlformats.org/presentationml/2006/main">
+  <p:cSld>
+    <p:spTree>
+      <p:nvGrpSpPr>
+        <p:cNvPr id="1" name=""/>
+        <p:cNvGrpSpPr/>
+        <p:nvPr/>
+      </p:nvGrpSpPr>
+      <p:grpSpPr>
+        <a:xfrm>
+          <a:off x="0" y="0"/>
+          <a:ext cx="0" cy="0"/>
+          <a:chOff x="0" y="0"/>
+          <a:chExt cx="0" cy="0"/>
+        </a:xfrm>
+      </p:grpSpPr>
+      <p:sp>
+        <p:nvSpPr>
+          <p:cNvPr id="4" name="제목 3">
+            <a:extLst>
+              <a:ext uri="{FF2B5EF4-FFF2-40B4-BE49-F238E27FC236}">
+                <a16:creationId xmlns:a16="http://schemas.microsoft.com/office/drawing/2014/main" id="{30BAC889-89EF-449A-A9AB-0AA582E87CB5}"/>
+              </a:ext>
+            </a:extLst>
+          </p:cNvPr>
+          <p:cNvSpPr>
+            <a:spLocks noGrp="1"/>
+          </p:cNvSpPr>
+          <p:nvPr>
+            <p:ph type="title"/>
+          </p:nvPr>
+        </p:nvSpPr>
+        <p:spPr/>
+        <p:txBody>
+          <a:bodyPr/>
+          <a:lstStyle/>
+          <a:p>
+            <a:r>
+              <a:rPr lang="ko-KR" altLang="en-US" dirty="0"/>
+              <a:t>문자열 내 </a:t>
+            </a:r>
+            <a:r>
+              <a:rPr lang="en-US" altLang="ko-KR" dirty="0"/>
+              <a:t>p</a:t>
+            </a:r>
+            <a:r>
+              <a:rPr lang="ko-KR" altLang="en-US" dirty="0"/>
+              <a:t>와 </a:t>
+            </a:r>
+            <a:r>
+              <a:rPr lang="en-US" altLang="ko-KR" dirty="0"/>
+              <a:t>y</a:t>
+            </a:r>
+            <a:r>
+              <a:rPr lang="ko-KR" altLang="en-US" dirty="0"/>
+              <a:t>의 개수 </a:t>
+            </a:r>
+            <a:r>
+              <a:rPr lang="en-US" altLang="ko-KR" dirty="0"/>
+              <a:t>(01.15)</a:t>
+            </a:r>
+            <a:endParaRPr lang="ko-KR" altLang="en-US" dirty="0"/>
+          </a:p>
+        </p:txBody>
+      </p:sp>
+      <p:sp>
+        <p:nvSpPr>
+          <p:cNvPr id="7" name="직사각형 6">
+            <a:extLst>
+              <a:ext uri="{FF2B5EF4-FFF2-40B4-BE49-F238E27FC236}">
+                <a16:creationId xmlns:a16="http://schemas.microsoft.com/office/drawing/2014/main" id="{3521F3E1-F3C7-4375-B8E7-0210E50030D0}"/>
+              </a:ext>
+            </a:extLst>
+          </p:cNvPr>
+          <p:cNvSpPr/>
+          <p:nvPr/>
+        </p:nvSpPr>
+        <p:spPr>
+          <a:xfrm>
+            <a:off x="1004520" y="1552042"/>
+            <a:ext cx="2880000" cy="540000"/>
+          </a:xfrm>
+          <a:prstGeom prst="rect">
+            <a:avLst/>
+          </a:prstGeom>
+          <a:noFill/>
+          <a:ln>
+            <a:solidFill>
+              <a:schemeClr val="tx1"/>
+            </a:solidFill>
+          </a:ln>
+        </p:spPr>
+        <p:style>
+          <a:lnRef idx="2">
+            <a:schemeClr val="accent1">
+              <a:shade val="50000"/>
+            </a:schemeClr>
+          </a:lnRef>
+          <a:fillRef idx="1">
+            <a:schemeClr val="accent1"/>
+          </a:fillRef>
+          <a:effectRef idx="0">
+            <a:schemeClr val="accent1"/>
+          </a:effectRef>
+          <a:fontRef idx="minor">
+            <a:schemeClr val="lt1"/>
+          </a:fontRef>
+        </p:style>
+        <p:txBody>
+          <a:bodyPr rtlCol="0" anchor="ctr"/>
+          <a:lstStyle/>
+          <a:p>
+            <a:pPr algn="ctr"/>
+            <a:r>
+              <a:rPr lang="ko-KR" altLang="en-US" sz="1467" dirty="0">
+                <a:solidFill>
+                  <a:sysClr val="windowText" lastClr="000000"/>
+                </a:solidFill>
+              </a:rPr>
+              <a:t>문자열을 </a:t>
+            </a:r>
+            <a:r>
+              <a:rPr lang="ko-KR" altLang="en-US" sz="1467">
+                <a:solidFill>
+                  <a:sysClr val="windowText" lastClr="000000"/>
+                </a:solidFill>
+              </a:rPr>
+              <a:t>입력받는다</a:t>
+            </a:r>
+            <a:endParaRPr lang="en-US" altLang="ko-KR" sz="1467" dirty="0">
+              <a:solidFill>
+                <a:sysClr val="windowText" lastClr="000000"/>
+              </a:solidFill>
+            </a:endParaRPr>
+          </a:p>
+        </p:txBody>
+      </p:sp>
+      <p:cxnSp>
+        <p:nvCxnSpPr>
+          <p:cNvPr id="9" name="직선 화살표 연결선 8">
+            <a:extLst>
+              <a:ext uri="{FF2B5EF4-FFF2-40B4-BE49-F238E27FC236}">
+                <a16:creationId xmlns:a16="http://schemas.microsoft.com/office/drawing/2014/main" id="{0074B81A-8660-4E3D-B69A-3DEA51705F3F}"/>
+              </a:ext>
+            </a:extLst>
+          </p:cNvPr>
+          <p:cNvCxnSpPr>
+            <a:cxnSpLocks/>
+            <a:stCxn id="7" idx="2"/>
+            <a:endCxn id="10" idx="0"/>
+          </p:cNvCxnSpPr>
+          <p:nvPr/>
+        </p:nvCxnSpPr>
+        <p:spPr>
+          <a:xfrm>
+            <a:off x="2444520" y="2092042"/>
+            <a:ext cx="0" cy="310109"/>
+          </a:xfrm>
+          <a:prstGeom prst="straightConnector1">
+            <a:avLst/>
+          </a:prstGeom>
+          <a:ln>
+            <a:solidFill>
+              <a:schemeClr val="tx1"/>
+            </a:solidFill>
+            <a:tailEnd type="triangle"/>
+          </a:ln>
+        </p:spPr>
+        <p:style>
+          <a:lnRef idx="1">
+            <a:schemeClr val="accent1"/>
+          </a:lnRef>
+          <a:fillRef idx="0">
+            <a:schemeClr val="accent1"/>
+          </a:fillRef>
+          <a:effectRef idx="0">
+            <a:schemeClr val="accent1"/>
+          </a:effectRef>
+          <a:fontRef idx="minor">
+            <a:schemeClr val="tx1"/>
+          </a:fontRef>
+        </p:style>
+      </p:cxnSp>
+      <p:sp>
+        <p:nvSpPr>
+          <p:cNvPr id="10" name="직사각형 9">
+            <a:extLst>
+              <a:ext uri="{FF2B5EF4-FFF2-40B4-BE49-F238E27FC236}">
+                <a16:creationId xmlns:a16="http://schemas.microsoft.com/office/drawing/2014/main" id="{5283D6BA-2971-48F2-9043-7919E96E46B0}"/>
+              </a:ext>
+            </a:extLst>
+          </p:cNvPr>
+          <p:cNvSpPr/>
+          <p:nvPr/>
+        </p:nvSpPr>
+        <p:spPr>
+          <a:xfrm>
+            <a:off x="824520" y="2402151"/>
+            <a:ext cx="3240000" cy="540000"/>
+          </a:xfrm>
+          <a:prstGeom prst="rect">
+            <a:avLst/>
+          </a:prstGeom>
+          <a:noFill/>
+          <a:ln>
+            <a:solidFill>
+              <a:schemeClr val="tx1"/>
+            </a:solidFill>
+          </a:ln>
+        </p:spPr>
+        <p:style>
+          <a:lnRef idx="2">
+            <a:schemeClr val="accent1">
+              <a:shade val="50000"/>
+            </a:schemeClr>
+          </a:lnRef>
+          <a:fillRef idx="1">
+            <a:schemeClr val="accent1"/>
+          </a:fillRef>
+          <a:effectRef idx="0">
+            <a:schemeClr val="accent1"/>
+          </a:effectRef>
+          <a:fontRef idx="minor">
+            <a:schemeClr val="lt1"/>
+          </a:fontRef>
+        </p:style>
+        <p:txBody>
+          <a:bodyPr rtlCol="0" anchor="ctr"/>
+          <a:lstStyle/>
+          <a:p>
+            <a:pPr algn="ctr"/>
+            <a:r>
+              <a:rPr lang="ko-KR" altLang="en-US" sz="1467" dirty="0">
+                <a:solidFill>
+                  <a:sysClr val="windowText" lastClr="000000"/>
+                </a:solidFill>
+              </a:rPr>
+              <a:t>문자열에서 </a:t>
+            </a:r>
+            <a:r>
+              <a:rPr lang="en-US" altLang="ko-KR" sz="1467" dirty="0">
+                <a:solidFill>
+                  <a:sysClr val="windowText" lastClr="000000"/>
+                </a:solidFill>
+              </a:rPr>
+              <a:t>p</a:t>
+            </a:r>
+            <a:r>
+              <a:rPr lang="ko-KR" altLang="en-US" sz="1467" dirty="0">
+                <a:solidFill>
+                  <a:sysClr val="windowText" lastClr="000000"/>
+                </a:solidFill>
+              </a:rPr>
+              <a:t>와 </a:t>
+            </a:r>
+            <a:r>
+              <a:rPr lang="en-US" altLang="ko-KR" sz="1467" dirty="0">
+                <a:solidFill>
+                  <a:sysClr val="windowText" lastClr="000000"/>
+                </a:solidFill>
+              </a:rPr>
+              <a:t>y</a:t>
+            </a:r>
+            <a:r>
+              <a:rPr lang="ko-KR" altLang="en-US" sz="1467" dirty="0">
+                <a:solidFill>
+                  <a:sysClr val="windowText" lastClr="000000"/>
+                </a:solidFill>
+              </a:rPr>
+              <a:t>의 개수를 센다</a:t>
+            </a:r>
+          </a:p>
+        </p:txBody>
+      </p:sp>
+      <p:cxnSp>
+        <p:nvCxnSpPr>
+          <p:cNvPr id="8" name="직선 화살표 연결선 7">
+            <a:extLst>
+              <a:ext uri="{FF2B5EF4-FFF2-40B4-BE49-F238E27FC236}">
+                <a16:creationId xmlns:a16="http://schemas.microsoft.com/office/drawing/2014/main" id="{EA094E5A-F22F-4FD1-B189-5CF59EA605C5}"/>
+              </a:ext>
+            </a:extLst>
+          </p:cNvPr>
+          <p:cNvCxnSpPr>
+            <a:cxnSpLocks/>
+            <a:stCxn id="10" idx="2"/>
+            <a:endCxn id="11" idx="0"/>
+          </p:cNvCxnSpPr>
+          <p:nvPr/>
+        </p:nvCxnSpPr>
+        <p:spPr>
+          <a:xfrm>
+            <a:off x="2444520" y="2942151"/>
+            <a:ext cx="0" cy="310109"/>
+          </a:xfrm>
+          <a:prstGeom prst="straightConnector1">
+            <a:avLst/>
+          </a:prstGeom>
+          <a:ln>
+            <a:solidFill>
+              <a:schemeClr val="tx1"/>
+            </a:solidFill>
+            <a:tailEnd type="triangle"/>
+          </a:ln>
+        </p:spPr>
+        <p:style>
+          <a:lnRef idx="1">
+            <a:schemeClr val="accent1"/>
+          </a:lnRef>
+          <a:fillRef idx="0">
+            <a:schemeClr val="accent1"/>
+          </a:fillRef>
+          <a:effectRef idx="0">
+            <a:schemeClr val="accent1"/>
+          </a:effectRef>
+          <a:fontRef idx="minor">
+            <a:schemeClr val="tx1"/>
+          </a:fontRef>
+        </p:style>
+      </p:cxnSp>
+      <p:sp>
+        <p:nvSpPr>
+          <p:cNvPr id="11" name="직사각형 10">
+            <a:extLst>
+              <a:ext uri="{FF2B5EF4-FFF2-40B4-BE49-F238E27FC236}">
+                <a16:creationId xmlns:a16="http://schemas.microsoft.com/office/drawing/2014/main" id="{45A048BD-F389-4F3F-B082-4F5C34C05B50}"/>
+              </a:ext>
+            </a:extLst>
+          </p:cNvPr>
+          <p:cNvSpPr/>
+          <p:nvPr/>
+        </p:nvSpPr>
+        <p:spPr>
+          <a:xfrm>
+            <a:off x="824520" y="3252260"/>
+            <a:ext cx="3240000" cy="540000"/>
+          </a:xfrm>
+          <a:prstGeom prst="rect">
+            <a:avLst/>
+          </a:prstGeom>
+          <a:noFill/>
+          <a:ln>
+            <a:solidFill>
+              <a:schemeClr val="tx1"/>
+            </a:solidFill>
+          </a:ln>
+        </p:spPr>
+        <p:style>
+          <a:lnRef idx="2">
+            <a:schemeClr val="accent1">
+              <a:shade val="50000"/>
+            </a:schemeClr>
+          </a:lnRef>
+          <a:fillRef idx="1">
+            <a:schemeClr val="accent1"/>
+          </a:fillRef>
+          <a:effectRef idx="0">
+            <a:schemeClr val="accent1"/>
+          </a:effectRef>
+          <a:fontRef idx="minor">
+            <a:schemeClr val="lt1"/>
+          </a:fontRef>
+        </p:style>
+        <p:txBody>
+          <a:bodyPr rtlCol="0" anchor="ctr"/>
+          <a:lstStyle/>
+          <a:p>
+            <a:pPr algn="ctr"/>
+            <a:r>
+              <a:rPr lang="en-US" altLang="ko-KR" sz="1467" dirty="0">
+                <a:solidFill>
+                  <a:sysClr val="windowText" lastClr="000000"/>
+                </a:solidFill>
+              </a:rPr>
+              <a:t>p</a:t>
+            </a:r>
+            <a:r>
+              <a:rPr lang="ko-KR" altLang="en-US" sz="1467" dirty="0">
+                <a:solidFill>
+                  <a:sysClr val="windowText" lastClr="000000"/>
+                </a:solidFill>
+              </a:rPr>
+              <a:t>와 </a:t>
+            </a:r>
+            <a:r>
+              <a:rPr lang="en-US" altLang="ko-KR" sz="1467" dirty="0">
+                <a:solidFill>
+                  <a:sysClr val="windowText" lastClr="000000"/>
+                </a:solidFill>
+              </a:rPr>
+              <a:t>y</a:t>
+            </a:r>
+            <a:r>
+              <a:rPr lang="ko-KR" altLang="en-US" sz="1467" dirty="0">
+                <a:solidFill>
+                  <a:sysClr val="windowText" lastClr="000000"/>
+                </a:solidFill>
+              </a:rPr>
+              <a:t>의 개수가 </a:t>
+            </a:r>
+            <a:r>
+              <a:rPr lang="ko-KR" altLang="en-US" sz="1467" dirty="0" err="1">
+                <a:solidFill>
+                  <a:sysClr val="windowText" lastClr="000000"/>
+                </a:solidFill>
+              </a:rPr>
+              <a:t>같은지</a:t>
+            </a:r>
+            <a:r>
+              <a:rPr lang="ko-KR" altLang="en-US" sz="1467" dirty="0">
+                <a:solidFill>
+                  <a:sysClr val="windowText" lastClr="000000"/>
+                </a:solidFill>
+              </a:rPr>
+              <a:t> 확인한다</a:t>
+            </a:r>
+          </a:p>
+        </p:txBody>
+      </p:sp>
+    </p:spTree>
+    <p:extLst>
+      <p:ext uri="{BB962C8B-B14F-4D97-AF65-F5344CB8AC3E}">
+        <p14:creationId xmlns:p14="http://schemas.microsoft.com/office/powerpoint/2010/main" val="2365095321"/>
+      </p:ext>
+    </p:extLst>
+  </p:cSld>
+  <p:clrMapOvr>
+    <a:masterClrMapping/>
+  </p:clrMapOvr>
+</p:sld>
+</file>
+
 <file path=ppt/slides/slide2.xml><?xml version="1.0" encoding="utf-8"?>
 <p:sld xmlns:a="http://schemas.openxmlformats.org/drawingml/2006/main" xmlns:r="http://schemas.openxmlformats.org/officeDocument/2006/relationships" xmlns:p="http://schemas.openxmlformats.org/presentationml/2006/main">
   <p:cSld>

--- a/알고리즘_프로그래머스_Level01_순서도.pptx
+++ b/알고리즘_프로그래머스_Level01_순서도.pptx
@@ -20,6 +20,7 @@
     <p:sldId id="270" r:id="rId14"/>
     <p:sldId id="271" r:id="rId15"/>
     <p:sldId id="272" r:id="rId16"/>
+    <p:sldId id="273" r:id="rId17"/>
   </p:sldIdLst>
   <p:sldSz cx="6858000" cy="9144000" type="screen4x3"/>
   <p:notesSz cx="6858000" cy="9144000"/>
@@ -7756,6 +7757,384 @@
 </p:sld>
 </file>
 
+<file path=ppt/slides/slide16.xml><?xml version="1.0" encoding="utf-8"?>
+<p:sld xmlns:a="http://schemas.openxmlformats.org/drawingml/2006/main" xmlns:r="http://schemas.openxmlformats.org/officeDocument/2006/relationships" xmlns:p="http://schemas.openxmlformats.org/presentationml/2006/main">
+  <p:cSld>
+    <p:spTree>
+      <p:nvGrpSpPr>
+        <p:cNvPr id="1" name=""/>
+        <p:cNvGrpSpPr/>
+        <p:nvPr/>
+      </p:nvGrpSpPr>
+      <p:grpSpPr>
+        <a:xfrm>
+          <a:off x="0" y="0"/>
+          <a:ext cx="0" cy="0"/>
+          <a:chOff x="0" y="0"/>
+          <a:chExt cx="0" cy="0"/>
+        </a:xfrm>
+      </p:grpSpPr>
+      <p:sp>
+        <p:nvSpPr>
+          <p:cNvPr id="4" name="제목 3">
+            <a:extLst>
+              <a:ext uri="{FF2B5EF4-FFF2-40B4-BE49-F238E27FC236}">
+                <a16:creationId xmlns:a16="http://schemas.microsoft.com/office/drawing/2014/main" id="{30BAC889-89EF-449A-A9AB-0AA582E87CB5}"/>
+              </a:ext>
+            </a:extLst>
+          </p:cNvPr>
+          <p:cNvSpPr>
+            <a:spLocks noGrp="1"/>
+          </p:cNvSpPr>
+          <p:nvPr>
+            <p:ph type="title"/>
+          </p:nvPr>
+        </p:nvSpPr>
+        <p:spPr/>
+        <p:txBody>
+          <a:bodyPr>
+            <a:noAutofit/>
+          </a:bodyPr>
+          <a:lstStyle/>
+          <a:p>
+            <a:r>
+              <a:rPr lang="ko-KR" altLang="en-US" sz="2400" b="0" i="0" dirty="0">
+                <a:effectLst/>
+                <a:latin typeface="Inter"/>
+              </a:rPr>
+              <a:t>문자열 내림차순으로 배치하기</a:t>
+            </a:r>
+            <a:r>
+              <a:rPr lang="ko-KR" altLang="en-US" sz="2400" dirty="0"/>
+              <a:t> </a:t>
+            </a:r>
+            <a:r>
+              <a:rPr lang="en-US" altLang="ko-KR" sz="2400" dirty="0"/>
+              <a:t>(01.15)</a:t>
+            </a:r>
+            <a:endParaRPr lang="ko-KR" altLang="en-US" sz="2400" dirty="0"/>
+          </a:p>
+        </p:txBody>
+      </p:sp>
+      <p:sp>
+        <p:nvSpPr>
+          <p:cNvPr id="7" name="직사각형 6">
+            <a:extLst>
+              <a:ext uri="{FF2B5EF4-FFF2-40B4-BE49-F238E27FC236}">
+                <a16:creationId xmlns:a16="http://schemas.microsoft.com/office/drawing/2014/main" id="{3521F3E1-F3C7-4375-B8E7-0210E50030D0}"/>
+              </a:ext>
+            </a:extLst>
+          </p:cNvPr>
+          <p:cNvSpPr/>
+          <p:nvPr/>
+        </p:nvSpPr>
+        <p:spPr>
+          <a:xfrm>
+            <a:off x="1004520" y="1552042"/>
+            <a:ext cx="2880000" cy="540000"/>
+          </a:xfrm>
+          <a:prstGeom prst="rect">
+            <a:avLst/>
+          </a:prstGeom>
+          <a:noFill/>
+          <a:ln>
+            <a:solidFill>
+              <a:schemeClr val="tx1"/>
+            </a:solidFill>
+          </a:ln>
+        </p:spPr>
+        <p:style>
+          <a:lnRef idx="2">
+            <a:schemeClr val="accent1">
+              <a:shade val="50000"/>
+            </a:schemeClr>
+          </a:lnRef>
+          <a:fillRef idx="1">
+            <a:schemeClr val="accent1"/>
+          </a:fillRef>
+          <a:effectRef idx="0">
+            <a:schemeClr val="accent1"/>
+          </a:effectRef>
+          <a:fontRef idx="minor">
+            <a:schemeClr val="lt1"/>
+          </a:fontRef>
+        </p:style>
+        <p:txBody>
+          <a:bodyPr rtlCol="0" anchor="ctr"/>
+          <a:lstStyle/>
+          <a:p>
+            <a:pPr algn="ctr"/>
+            <a:r>
+              <a:rPr lang="ko-KR" altLang="en-US" sz="1467" dirty="0">
+                <a:solidFill>
+                  <a:sysClr val="windowText" lastClr="000000"/>
+                </a:solidFill>
+              </a:rPr>
+              <a:t>문자열을 </a:t>
+            </a:r>
+            <a:r>
+              <a:rPr lang="en-US" altLang="ko-KR" sz="1467" dirty="0">
+                <a:solidFill>
+                  <a:sysClr val="windowText" lastClr="000000"/>
+                </a:solidFill>
+              </a:rPr>
+              <a:t>char[]</a:t>
+            </a:r>
+            <a:r>
+              <a:rPr lang="ko-KR" altLang="en-US" sz="1467" dirty="0">
+                <a:solidFill>
+                  <a:sysClr val="windowText" lastClr="000000"/>
+                </a:solidFill>
+              </a:rPr>
+              <a:t>으로 바꾼다</a:t>
+            </a:r>
+            <a:endParaRPr lang="en-US" altLang="ko-KR" sz="1467" dirty="0">
+              <a:solidFill>
+                <a:sysClr val="windowText" lastClr="000000"/>
+              </a:solidFill>
+            </a:endParaRPr>
+          </a:p>
+        </p:txBody>
+      </p:sp>
+      <p:cxnSp>
+        <p:nvCxnSpPr>
+          <p:cNvPr id="9" name="직선 화살표 연결선 8">
+            <a:extLst>
+              <a:ext uri="{FF2B5EF4-FFF2-40B4-BE49-F238E27FC236}">
+                <a16:creationId xmlns:a16="http://schemas.microsoft.com/office/drawing/2014/main" id="{0074B81A-8660-4E3D-B69A-3DEA51705F3F}"/>
+              </a:ext>
+            </a:extLst>
+          </p:cNvPr>
+          <p:cNvCxnSpPr>
+            <a:cxnSpLocks/>
+            <a:stCxn id="7" idx="2"/>
+            <a:endCxn id="10" idx="0"/>
+          </p:cNvCxnSpPr>
+          <p:nvPr/>
+        </p:nvCxnSpPr>
+        <p:spPr>
+          <a:xfrm>
+            <a:off x="2444520" y="2092042"/>
+            <a:ext cx="0" cy="310109"/>
+          </a:xfrm>
+          <a:prstGeom prst="straightConnector1">
+            <a:avLst/>
+          </a:prstGeom>
+          <a:ln>
+            <a:solidFill>
+              <a:schemeClr val="tx1"/>
+            </a:solidFill>
+            <a:tailEnd type="triangle"/>
+          </a:ln>
+        </p:spPr>
+        <p:style>
+          <a:lnRef idx="1">
+            <a:schemeClr val="accent1"/>
+          </a:lnRef>
+          <a:fillRef idx="0">
+            <a:schemeClr val="accent1"/>
+          </a:fillRef>
+          <a:effectRef idx="0">
+            <a:schemeClr val="accent1"/>
+          </a:effectRef>
+          <a:fontRef idx="minor">
+            <a:schemeClr val="tx1"/>
+          </a:fontRef>
+        </p:style>
+      </p:cxnSp>
+      <p:sp>
+        <p:nvSpPr>
+          <p:cNvPr id="10" name="직사각형 9">
+            <a:extLst>
+              <a:ext uri="{FF2B5EF4-FFF2-40B4-BE49-F238E27FC236}">
+                <a16:creationId xmlns:a16="http://schemas.microsoft.com/office/drawing/2014/main" id="{5283D6BA-2971-48F2-9043-7919E96E46B0}"/>
+              </a:ext>
+            </a:extLst>
+          </p:cNvPr>
+          <p:cNvSpPr/>
+          <p:nvPr/>
+        </p:nvSpPr>
+        <p:spPr>
+          <a:xfrm>
+            <a:off x="1004520" y="2402151"/>
+            <a:ext cx="2880000" cy="540000"/>
+          </a:xfrm>
+          <a:prstGeom prst="rect">
+            <a:avLst/>
+          </a:prstGeom>
+          <a:noFill/>
+          <a:ln>
+            <a:solidFill>
+              <a:schemeClr val="tx1"/>
+            </a:solidFill>
+          </a:ln>
+        </p:spPr>
+        <p:style>
+          <a:lnRef idx="2">
+            <a:schemeClr val="accent1">
+              <a:shade val="50000"/>
+            </a:schemeClr>
+          </a:lnRef>
+          <a:fillRef idx="1">
+            <a:schemeClr val="accent1"/>
+          </a:fillRef>
+          <a:effectRef idx="0">
+            <a:schemeClr val="accent1"/>
+          </a:effectRef>
+          <a:fontRef idx="minor">
+            <a:schemeClr val="lt1"/>
+          </a:fontRef>
+        </p:style>
+        <p:txBody>
+          <a:bodyPr rtlCol="0" anchor="ctr"/>
+          <a:lstStyle/>
+          <a:p>
+            <a:pPr algn="ctr"/>
+            <a:r>
+              <a:rPr lang="en-US" altLang="ko-KR" sz="1467" dirty="0">
+                <a:solidFill>
+                  <a:sysClr val="windowText" lastClr="000000"/>
+                </a:solidFill>
+              </a:rPr>
+              <a:t>char[]</a:t>
+            </a:r>
+            <a:r>
+              <a:rPr lang="ko-KR" altLang="en-US" sz="1467" dirty="0">
+                <a:solidFill>
+                  <a:sysClr val="windowText" lastClr="000000"/>
+                </a:solidFill>
+              </a:rPr>
+              <a:t>을 정렬한다</a:t>
+            </a:r>
+          </a:p>
+        </p:txBody>
+      </p:sp>
+      <p:cxnSp>
+        <p:nvCxnSpPr>
+          <p:cNvPr id="8" name="직선 화살표 연결선 7">
+            <a:extLst>
+              <a:ext uri="{FF2B5EF4-FFF2-40B4-BE49-F238E27FC236}">
+                <a16:creationId xmlns:a16="http://schemas.microsoft.com/office/drawing/2014/main" id="{EA094E5A-F22F-4FD1-B189-5CF59EA605C5}"/>
+              </a:ext>
+            </a:extLst>
+          </p:cNvPr>
+          <p:cNvCxnSpPr>
+            <a:cxnSpLocks/>
+            <a:stCxn id="10" idx="2"/>
+            <a:endCxn id="11" idx="0"/>
+          </p:cNvCxnSpPr>
+          <p:nvPr/>
+        </p:nvCxnSpPr>
+        <p:spPr>
+          <a:xfrm>
+            <a:off x="2444520" y="2942151"/>
+            <a:ext cx="0" cy="310109"/>
+          </a:xfrm>
+          <a:prstGeom prst="straightConnector1">
+            <a:avLst/>
+          </a:prstGeom>
+          <a:ln>
+            <a:solidFill>
+              <a:schemeClr val="tx1"/>
+            </a:solidFill>
+            <a:tailEnd type="triangle"/>
+          </a:ln>
+        </p:spPr>
+        <p:style>
+          <a:lnRef idx="1">
+            <a:schemeClr val="accent1"/>
+          </a:lnRef>
+          <a:fillRef idx="0">
+            <a:schemeClr val="accent1"/>
+          </a:fillRef>
+          <a:effectRef idx="0">
+            <a:schemeClr val="accent1"/>
+          </a:effectRef>
+          <a:fontRef idx="minor">
+            <a:schemeClr val="tx1"/>
+          </a:fontRef>
+        </p:style>
+      </p:cxnSp>
+      <p:sp>
+        <p:nvSpPr>
+          <p:cNvPr id="11" name="직사각형 10">
+            <a:extLst>
+              <a:ext uri="{FF2B5EF4-FFF2-40B4-BE49-F238E27FC236}">
+                <a16:creationId xmlns:a16="http://schemas.microsoft.com/office/drawing/2014/main" id="{45A048BD-F389-4F3F-B082-4F5C34C05B50}"/>
+              </a:ext>
+            </a:extLst>
+          </p:cNvPr>
+          <p:cNvSpPr/>
+          <p:nvPr/>
+        </p:nvSpPr>
+        <p:spPr>
+          <a:xfrm>
+            <a:off x="1004520" y="3252260"/>
+            <a:ext cx="2880000" cy="540000"/>
+          </a:xfrm>
+          <a:prstGeom prst="rect">
+            <a:avLst/>
+          </a:prstGeom>
+          <a:noFill/>
+          <a:ln>
+            <a:solidFill>
+              <a:schemeClr val="tx1"/>
+            </a:solidFill>
+          </a:ln>
+        </p:spPr>
+        <p:style>
+          <a:lnRef idx="2">
+            <a:schemeClr val="accent1">
+              <a:shade val="50000"/>
+            </a:schemeClr>
+          </a:lnRef>
+          <a:fillRef idx="1">
+            <a:schemeClr val="accent1"/>
+          </a:fillRef>
+          <a:effectRef idx="0">
+            <a:schemeClr val="accent1"/>
+          </a:effectRef>
+          <a:fontRef idx="minor">
+            <a:schemeClr val="lt1"/>
+          </a:fontRef>
+        </p:style>
+        <p:txBody>
+          <a:bodyPr rtlCol="0" anchor="ctr"/>
+          <a:lstStyle/>
+          <a:p>
+            <a:pPr algn="ctr"/>
+            <a:r>
+              <a:rPr lang="en-US" altLang="ko-KR" sz="1467" dirty="0">
+                <a:solidFill>
+                  <a:sysClr val="windowText" lastClr="000000"/>
+                </a:solidFill>
+              </a:rPr>
+              <a:t>char[]</a:t>
+            </a:r>
+            <a:r>
+              <a:rPr lang="ko-KR" altLang="en-US" sz="1467" dirty="0">
+                <a:solidFill>
+                  <a:sysClr val="windowText" lastClr="000000"/>
+                </a:solidFill>
+              </a:rPr>
+              <a:t>을 반대로 뒤집는다</a:t>
+            </a:r>
+          </a:p>
+        </p:txBody>
+      </p:sp>
+    </p:spTree>
+    <p:extLst>
+      <p:ext uri="{BB962C8B-B14F-4D97-AF65-F5344CB8AC3E}">
+        <p14:creationId xmlns:p14="http://schemas.microsoft.com/office/powerpoint/2010/main" val="1042190520"/>
+      </p:ext>
+    </p:extLst>
+  </p:cSld>
+  <p:clrMapOvr>
+    <a:masterClrMapping/>
+  </p:clrMapOvr>
+</p:sld>
+</file>
+
 <file path=ppt/slides/slide2.xml><?xml version="1.0" encoding="utf-8"?>
 <p:sld xmlns:a="http://schemas.openxmlformats.org/drawingml/2006/main" xmlns:r="http://schemas.openxmlformats.org/officeDocument/2006/relationships" xmlns:p="http://schemas.openxmlformats.org/presentationml/2006/main">
   <p:cSld>

--- a/알고리즘_프로그래머스_Level01_순서도.pptx
+++ b/알고리즘_프로그래머스_Level01_순서도.pptx
@@ -15,12 +15,11 @@
     <p:sldId id="263" r:id="rId9"/>
     <p:sldId id="264" r:id="rId10"/>
     <p:sldId id="265" r:id="rId11"/>
-    <p:sldId id="268" r:id="rId12"/>
-    <p:sldId id="269" r:id="rId13"/>
-    <p:sldId id="270" r:id="rId14"/>
-    <p:sldId id="271" r:id="rId15"/>
-    <p:sldId id="272" r:id="rId16"/>
-    <p:sldId id="273" r:id="rId17"/>
+    <p:sldId id="269" r:id="rId12"/>
+    <p:sldId id="270" r:id="rId13"/>
+    <p:sldId id="271" r:id="rId14"/>
+    <p:sldId id="272" r:id="rId15"/>
+    <p:sldId id="274" r:id="rId16"/>
   </p:sldIdLst>
   <p:sldSz cx="6858000" cy="9144000" type="screen4x3"/>
   <p:notesSz cx="6858000" cy="9144000"/>
@@ -5092,6 +5091,435 @@
           </a:p>
         </p:txBody>
       </p:sp>
+      <p:sp>
+        <p:nvSpPr>
+          <p:cNvPr id="13" name="제목 3">
+            <a:extLst>
+              <a:ext uri="{FF2B5EF4-FFF2-40B4-BE49-F238E27FC236}">
+                <a16:creationId xmlns:a16="http://schemas.microsoft.com/office/drawing/2014/main" id="{7134F110-DA88-4386-AB4F-C279E8AAD111}"/>
+              </a:ext>
+            </a:extLst>
+          </p:cNvPr>
+          <p:cNvSpPr txBox="1">
+            <a:spLocks/>
+          </p:cNvSpPr>
+          <p:nvPr/>
+        </p:nvSpPr>
+        <p:spPr>
+          <a:xfrm>
+            <a:off x="471489" y="4686034"/>
+            <a:ext cx="5915025" cy="559764"/>
+          </a:xfrm>
+          <a:prstGeom prst="rect">
+            <a:avLst/>
+          </a:prstGeom>
+        </p:spPr>
+        <p:txBody>
+          <a:bodyPr vert="horz" lIns="91440" tIns="45720" rIns="91440" bIns="45720" rtlCol="0" anchor="ctr">
+            <a:normAutofit/>
+          </a:bodyPr>
+          <a:lstStyle>
+            <a:lvl1pPr algn="l" defTabSz="685800" rtl="0" eaLnBrk="1" latinLnBrk="1" hangingPunct="1">
+              <a:lnSpc>
+                <a:spcPct val="90000"/>
+              </a:lnSpc>
+              <a:spcBef>
+                <a:spcPct val="0"/>
+              </a:spcBef>
+              <a:buNone/>
+              <a:defRPr sz="2800" kern="1200">
+                <a:solidFill>
+                  <a:schemeClr val="tx1"/>
+                </a:solidFill>
+                <a:latin typeface="+mj-lt"/>
+                <a:ea typeface="+mj-ea"/>
+                <a:cs typeface="+mj-cs"/>
+              </a:defRPr>
+            </a:lvl1pPr>
+          </a:lstStyle>
+          <a:p>
+            <a:r>
+              <a:rPr lang="ko-KR" altLang="en-US"/>
+              <a:t>같은 숫자는 싫어 </a:t>
+            </a:r>
+            <a:r>
+              <a:rPr lang="en-US" altLang="ko-KR"/>
+              <a:t>(01.12)</a:t>
+            </a:r>
+            <a:endParaRPr lang="ko-KR" altLang="en-US" dirty="0"/>
+          </a:p>
+        </p:txBody>
+      </p:sp>
+      <p:sp>
+        <p:nvSpPr>
+          <p:cNvPr id="15" name="직사각형 14">
+            <a:extLst>
+              <a:ext uri="{FF2B5EF4-FFF2-40B4-BE49-F238E27FC236}">
+                <a16:creationId xmlns:a16="http://schemas.microsoft.com/office/drawing/2014/main" id="{673CEE34-6ECD-43D4-9AC2-9074137EAB4F}"/>
+              </a:ext>
+            </a:extLst>
+          </p:cNvPr>
+          <p:cNvSpPr/>
+          <p:nvPr/>
+        </p:nvSpPr>
+        <p:spPr>
+          <a:xfrm>
+            <a:off x="1021247" y="5889791"/>
+            <a:ext cx="2880000" cy="540000"/>
+          </a:xfrm>
+          <a:prstGeom prst="rect">
+            <a:avLst/>
+          </a:prstGeom>
+          <a:noFill/>
+          <a:ln>
+            <a:solidFill>
+              <a:schemeClr val="tx1"/>
+            </a:solidFill>
+          </a:ln>
+        </p:spPr>
+        <p:style>
+          <a:lnRef idx="2">
+            <a:schemeClr val="accent1">
+              <a:shade val="50000"/>
+            </a:schemeClr>
+          </a:lnRef>
+          <a:fillRef idx="1">
+            <a:schemeClr val="accent1"/>
+          </a:fillRef>
+          <a:effectRef idx="0">
+            <a:schemeClr val="accent1"/>
+          </a:effectRef>
+          <a:fontRef idx="minor">
+            <a:schemeClr val="lt1"/>
+          </a:fontRef>
+        </p:style>
+        <p:txBody>
+          <a:bodyPr rtlCol="0" anchor="ctr"/>
+          <a:lstStyle/>
+          <a:p>
+            <a:pPr algn="ctr"/>
+            <a:r>
+              <a:rPr lang="en-US" altLang="ko-KR" sz="1467" dirty="0">
+                <a:solidFill>
+                  <a:sysClr val="windowText" lastClr="000000"/>
+                </a:solidFill>
+              </a:rPr>
+              <a:t>Stack</a:t>
+            </a:r>
+            <a:r>
+              <a:rPr lang="ko-KR" altLang="en-US" sz="1467" dirty="0">
+                <a:solidFill>
+                  <a:sysClr val="windowText" lastClr="000000"/>
+                </a:solidFill>
+              </a:rPr>
+              <a:t>을 생성한다</a:t>
+            </a:r>
+            <a:endParaRPr lang="en-US" altLang="ko-KR" sz="1467" dirty="0">
+              <a:solidFill>
+                <a:sysClr val="windowText" lastClr="000000"/>
+              </a:solidFill>
+            </a:endParaRPr>
+          </a:p>
+        </p:txBody>
+      </p:sp>
+      <p:cxnSp>
+        <p:nvCxnSpPr>
+          <p:cNvPr id="19" name="직선 화살표 연결선 18">
+            <a:extLst>
+              <a:ext uri="{FF2B5EF4-FFF2-40B4-BE49-F238E27FC236}">
+                <a16:creationId xmlns:a16="http://schemas.microsoft.com/office/drawing/2014/main" id="{002330AA-B1A2-4B73-AD4F-092C319F93BD}"/>
+              </a:ext>
+            </a:extLst>
+          </p:cNvPr>
+          <p:cNvCxnSpPr>
+            <a:cxnSpLocks/>
+            <a:stCxn id="15" idx="2"/>
+            <a:endCxn id="22" idx="0"/>
+          </p:cNvCxnSpPr>
+          <p:nvPr/>
+        </p:nvCxnSpPr>
+        <p:spPr>
+          <a:xfrm>
+            <a:off x="2461247" y="6429791"/>
+            <a:ext cx="0" cy="290221"/>
+          </a:xfrm>
+          <a:prstGeom prst="straightConnector1">
+            <a:avLst/>
+          </a:prstGeom>
+          <a:ln>
+            <a:solidFill>
+              <a:schemeClr val="tx1"/>
+            </a:solidFill>
+            <a:tailEnd type="triangle"/>
+          </a:ln>
+        </p:spPr>
+        <p:style>
+          <a:lnRef idx="1">
+            <a:schemeClr val="accent1"/>
+          </a:lnRef>
+          <a:fillRef idx="0">
+            <a:schemeClr val="accent1"/>
+          </a:fillRef>
+          <a:effectRef idx="0">
+            <a:schemeClr val="accent1"/>
+          </a:effectRef>
+          <a:fontRef idx="minor">
+            <a:schemeClr val="tx1"/>
+          </a:fontRef>
+        </p:style>
+      </p:cxnSp>
+      <p:sp>
+        <p:nvSpPr>
+          <p:cNvPr id="20" name="직사각형 19">
+            <a:extLst>
+              <a:ext uri="{FF2B5EF4-FFF2-40B4-BE49-F238E27FC236}">
+                <a16:creationId xmlns:a16="http://schemas.microsoft.com/office/drawing/2014/main" id="{8CEA7CD4-8EBA-422C-B98B-E5965652B463}"/>
+              </a:ext>
+            </a:extLst>
+          </p:cNvPr>
+          <p:cNvSpPr/>
+          <p:nvPr/>
+        </p:nvSpPr>
+        <p:spPr>
+          <a:xfrm>
+            <a:off x="1201247" y="7549569"/>
+            <a:ext cx="2520000" cy="540000"/>
+          </a:xfrm>
+          <a:prstGeom prst="rect">
+            <a:avLst/>
+          </a:prstGeom>
+          <a:noFill/>
+          <a:ln>
+            <a:solidFill>
+              <a:schemeClr val="tx1"/>
+            </a:solidFill>
+          </a:ln>
+        </p:spPr>
+        <p:style>
+          <a:lnRef idx="2">
+            <a:schemeClr val="accent1">
+              <a:shade val="50000"/>
+            </a:schemeClr>
+          </a:lnRef>
+          <a:fillRef idx="1">
+            <a:schemeClr val="accent1"/>
+          </a:fillRef>
+          <a:effectRef idx="0">
+            <a:schemeClr val="accent1"/>
+          </a:effectRef>
+          <a:fontRef idx="minor">
+            <a:schemeClr val="lt1"/>
+          </a:fontRef>
+        </p:style>
+        <p:txBody>
+          <a:bodyPr rtlCol="0" anchor="ctr"/>
+          <a:lstStyle/>
+          <a:p>
+            <a:pPr algn="ctr"/>
+            <a:r>
+              <a:rPr lang="en-US" altLang="ko-KR" sz="1467" dirty="0">
+                <a:solidFill>
+                  <a:sysClr val="windowText" lastClr="000000"/>
+                </a:solidFill>
+              </a:rPr>
+              <a:t>Stack</a:t>
+            </a:r>
+            <a:r>
+              <a:rPr lang="ko-KR" altLang="en-US" sz="1467" dirty="0">
+                <a:solidFill>
+                  <a:sysClr val="windowText" lastClr="000000"/>
+                </a:solidFill>
+              </a:rPr>
+              <a:t>에 값을 넣는다</a:t>
+            </a:r>
+          </a:p>
+        </p:txBody>
+      </p:sp>
+      <p:cxnSp>
+        <p:nvCxnSpPr>
+          <p:cNvPr id="21" name="직선 화살표 연결선 20">
+            <a:extLst>
+              <a:ext uri="{FF2B5EF4-FFF2-40B4-BE49-F238E27FC236}">
+                <a16:creationId xmlns:a16="http://schemas.microsoft.com/office/drawing/2014/main" id="{3FCCD7ED-A4DA-4178-82BB-439A592843FF}"/>
+              </a:ext>
+            </a:extLst>
+          </p:cNvPr>
+          <p:cNvCxnSpPr>
+            <a:cxnSpLocks/>
+            <a:stCxn id="22" idx="2"/>
+            <a:endCxn id="20" idx="0"/>
+          </p:cNvCxnSpPr>
+          <p:nvPr/>
+        </p:nvCxnSpPr>
+        <p:spPr>
+          <a:xfrm>
+            <a:off x="2461247" y="7219569"/>
+            <a:ext cx="0" cy="330000"/>
+          </a:xfrm>
+          <a:prstGeom prst="straightConnector1">
+            <a:avLst/>
+          </a:prstGeom>
+          <a:ln>
+            <a:solidFill>
+              <a:schemeClr val="tx1"/>
+            </a:solidFill>
+            <a:tailEnd type="triangle"/>
+          </a:ln>
+        </p:spPr>
+        <p:style>
+          <a:lnRef idx="1">
+            <a:schemeClr val="accent1"/>
+          </a:lnRef>
+          <a:fillRef idx="0">
+            <a:schemeClr val="accent1"/>
+          </a:fillRef>
+          <a:effectRef idx="0">
+            <a:schemeClr val="accent1"/>
+          </a:effectRef>
+          <a:fontRef idx="minor">
+            <a:schemeClr val="tx1"/>
+          </a:fontRef>
+        </p:style>
+      </p:cxnSp>
+      <p:sp>
+        <p:nvSpPr>
+          <p:cNvPr id="22" name="다이아몬드 21">
+            <a:extLst>
+              <a:ext uri="{FF2B5EF4-FFF2-40B4-BE49-F238E27FC236}">
+                <a16:creationId xmlns:a16="http://schemas.microsoft.com/office/drawing/2014/main" id="{C8962AA6-1E22-4394-91FD-3AF57BAAC7A7}"/>
+              </a:ext>
+            </a:extLst>
+          </p:cNvPr>
+          <p:cNvSpPr/>
+          <p:nvPr/>
+        </p:nvSpPr>
+        <p:spPr>
+          <a:xfrm>
+            <a:off x="481247" y="6720012"/>
+            <a:ext cx="3960000" cy="499557"/>
+          </a:xfrm>
+          <a:prstGeom prst="diamond">
+            <a:avLst/>
+          </a:prstGeom>
+          <a:noFill/>
+          <a:ln>
+            <a:solidFill>
+              <a:schemeClr val="tx1"/>
+            </a:solidFill>
+          </a:ln>
+        </p:spPr>
+        <p:style>
+          <a:lnRef idx="2">
+            <a:schemeClr val="accent1">
+              <a:shade val="50000"/>
+            </a:schemeClr>
+          </a:lnRef>
+          <a:fillRef idx="1">
+            <a:schemeClr val="accent1"/>
+          </a:fillRef>
+          <a:effectRef idx="0">
+            <a:schemeClr val="accent1"/>
+          </a:effectRef>
+          <a:fontRef idx="minor">
+            <a:schemeClr val="lt1"/>
+          </a:fontRef>
+        </p:style>
+        <p:txBody>
+          <a:bodyPr rtlCol="0" anchor="ctr"/>
+          <a:lstStyle/>
+          <a:p>
+            <a:pPr algn="ctr"/>
+            <a:r>
+              <a:rPr lang="en-US" altLang="ko-KR" sz="1467" dirty="0" err="1">
+                <a:solidFill>
+                  <a:sysClr val="windowText" lastClr="000000"/>
+                </a:solidFill>
+              </a:rPr>
+              <a:t>Stack.peek</a:t>
+            </a:r>
+            <a:r>
+              <a:rPr lang="en-US" altLang="ko-KR" sz="1467" dirty="0">
+                <a:solidFill>
+                  <a:sysClr val="windowText" lastClr="000000"/>
+                </a:solidFill>
+              </a:rPr>
+              <a:t>() == </a:t>
+            </a:r>
+            <a:r>
+              <a:rPr lang="en-US" altLang="ko-KR" sz="1467" dirty="0" err="1">
+                <a:solidFill>
+                  <a:sysClr val="windowText" lastClr="000000"/>
+                </a:solidFill>
+              </a:rPr>
+              <a:t>arr</a:t>
+            </a:r>
+            <a:r>
+              <a:rPr lang="en-US" altLang="ko-KR" sz="1467" dirty="0">
+                <a:solidFill>
+                  <a:sysClr val="windowText" lastClr="000000"/>
+                </a:solidFill>
+              </a:rPr>
+              <a:t>[</a:t>
+            </a:r>
+            <a:r>
+              <a:rPr lang="en-US" altLang="ko-KR" sz="1467" dirty="0" err="1">
+                <a:solidFill>
+                  <a:sysClr val="windowText" lastClr="000000"/>
+                </a:solidFill>
+              </a:rPr>
+              <a:t>i</a:t>
+            </a:r>
+            <a:r>
+              <a:rPr lang="en-US" altLang="ko-KR" sz="1467" dirty="0">
+                <a:solidFill>
+                  <a:sysClr val="windowText" lastClr="000000"/>
+                </a:solidFill>
+              </a:rPr>
+              <a:t>]</a:t>
+            </a:r>
+          </a:p>
+        </p:txBody>
+      </p:sp>
+      <p:sp>
+        <p:nvSpPr>
+          <p:cNvPr id="23" name="TextBox 22">
+            <a:extLst>
+              <a:ext uri="{FF2B5EF4-FFF2-40B4-BE49-F238E27FC236}">
+                <a16:creationId xmlns:a16="http://schemas.microsoft.com/office/drawing/2014/main" id="{618C2F7F-7CCE-4881-9B23-F2A1C13CEAF3}"/>
+              </a:ext>
+            </a:extLst>
+          </p:cNvPr>
+          <p:cNvSpPr txBox="1"/>
+          <p:nvPr/>
+        </p:nvSpPr>
+        <p:spPr>
+          <a:xfrm>
+            <a:off x="2527469" y="7181791"/>
+            <a:ext cx="492444" cy="307777"/>
+          </a:xfrm>
+          <a:prstGeom prst="rect">
+            <a:avLst/>
+          </a:prstGeom>
+          <a:noFill/>
+        </p:spPr>
+        <p:txBody>
+          <a:bodyPr wrap="square">
+            <a:spAutoFit/>
+          </a:bodyPr>
+          <a:lstStyle/>
+          <a:p>
+            <a:pPr algn="ctr"/>
+            <a:r>
+              <a:rPr lang="en-US" altLang="ko-KR" sz="1400" dirty="0">
+                <a:solidFill>
+                  <a:sysClr val="windowText" lastClr="000000"/>
+                </a:solidFill>
+              </a:rPr>
+              <a:t>true</a:t>
+            </a:r>
+          </a:p>
+        </p:txBody>
+      </p:sp>
     </p:spTree>
     <p:extLst>
       <p:ext uri="{BB962C8B-B14F-4D97-AF65-F5344CB8AC3E}">
@@ -5145,7 +5573,7 @@
           <a:p>
             <a:r>
               <a:rPr lang="ko-KR" altLang="en-US" dirty="0"/>
-              <a:t>같은 숫자는 싫어 </a:t>
+              <a:t>나누어 떨어지는 숫자 배열 </a:t>
             </a:r>
             <a:r>
               <a:rPr lang="en-US" altLang="ko-KR" dirty="0"/>
@@ -5209,7 +5637,7 @@
                   <a:sysClr val="windowText" lastClr="000000"/>
                 </a:solidFill>
               </a:rPr>
-              <a:t>Stack</a:t>
+              <a:t>List</a:t>
             </a:r>
             <a:r>
               <a:rPr lang="ko-KR" altLang="en-US" sz="1467" dirty="0">
@@ -5217,7 +5645,7 @@
                   <a:sysClr val="windowText" lastClr="000000"/>
                 </a:solidFill>
               </a:rPr>
-              <a:t>을 생성한다</a:t>
+              <a:t>를 생성한다</a:t>
             </a:r>
             <a:endParaRPr lang="en-US" altLang="ko-KR" sz="1467" dirty="0">
               <a:solidFill>
@@ -5327,7 +5755,7 @@
                   <a:sysClr val="windowText" lastClr="000000"/>
                 </a:solidFill>
               </a:rPr>
-              <a:t>Stack</a:t>
+              <a:t>List</a:t>
             </a:r>
             <a:r>
               <a:rPr lang="ko-KR" altLang="en-US" sz="1467" dirty="0">
@@ -5335,7 +5763,47 @@
                   <a:sysClr val="windowText" lastClr="000000"/>
                 </a:solidFill>
               </a:rPr>
-              <a:t>에 값을 넣는다</a:t>
+              <a:t>에 </a:t>
+            </a:r>
+            <a:r>
+              <a:rPr lang="en-US" altLang="ko-KR" sz="1467" dirty="0" err="1">
+                <a:solidFill>
+                  <a:sysClr val="windowText" lastClr="000000"/>
+                </a:solidFill>
+              </a:rPr>
+              <a:t>arr</a:t>
+            </a:r>
+            <a:r>
+              <a:rPr lang="en-US" altLang="ko-KR" sz="1467" dirty="0">
+                <a:solidFill>
+                  <a:sysClr val="windowText" lastClr="000000"/>
+                </a:solidFill>
+              </a:rPr>
+              <a:t>[</a:t>
+            </a:r>
+            <a:r>
+              <a:rPr lang="en-US" altLang="ko-KR" sz="1467" dirty="0" err="1">
+                <a:solidFill>
+                  <a:sysClr val="windowText" lastClr="000000"/>
+                </a:solidFill>
+              </a:rPr>
+              <a:t>i</a:t>
+            </a:r>
+            <a:r>
+              <a:rPr lang="en-US" altLang="ko-KR" sz="1467" dirty="0">
+                <a:solidFill>
+                  <a:sysClr val="windowText" lastClr="000000"/>
+                </a:solidFill>
+              </a:rPr>
+              <a:t>]</a:t>
+            </a:r>
+            <a:r>
+              <a:rPr lang="ko-KR" altLang="en-US" sz="1467" dirty="0">
+                <a:solidFill>
+                  <a:sysClr val="windowText" lastClr="000000"/>
+                </a:solidFill>
+              </a:rPr>
+              <a:t>를 넣는다</a:t>
             </a:r>
           </a:p>
         </p:txBody>
@@ -5440,7 +5908,7 @@
                   <a:sysClr val="windowText" lastClr="000000"/>
                 </a:solidFill>
               </a:rPr>
-              <a:t>Stack.peek</a:t>
+              <a:t>arr</a:t>
             </a:r>
             <a:r>
               <a:rPr lang="en-US" altLang="ko-KR" sz="1467" dirty="0">
@@ -5448,7 +5916,7 @@
                   <a:sysClr val="windowText" lastClr="000000"/>
                 </a:solidFill>
               </a:rPr>
-              <a:t>() == </a:t>
+              <a:t>[</a:t>
             </a:r>
             <a:r>
               <a:rPr lang="en-US" altLang="ko-KR" sz="1467" dirty="0" err="1">
@@ -5456,7 +5924,7 @@
                   <a:sysClr val="windowText" lastClr="000000"/>
                 </a:solidFill>
               </a:rPr>
-              <a:t>arr</a:t>
+              <a:t>i</a:t>
             </a:r>
             <a:r>
               <a:rPr lang="en-US" altLang="ko-KR" sz="1467" dirty="0">
@@ -5464,15 +5932,15 @@
                   <a:sysClr val="windowText" lastClr="000000"/>
                 </a:solidFill>
               </a:rPr>
-              <a:t>[</a:t>
-            </a:r>
-            <a:r>
-              <a:rPr lang="en-US" altLang="ko-KR" sz="1467" dirty="0" err="1">
-                <a:solidFill>
-                  <a:sysClr val="windowText" lastClr="000000"/>
-                </a:solidFill>
-              </a:rPr>
-              <a:t>i</a:t>
+              <a:t>]</a:t>
+            </a:r>
+            <a:r>
+              <a:rPr lang="ko-KR" altLang="en-US" sz="1467" dirty="0">
+                <a:solidFill>
+                  <a:sysClr val="windowText" lastClr="000000"/>
+                </a:solidFill>
+              </a:rPr>
+              <a:t> </a:t>
             </a:r>
             <a:r>
               <a:rPr lang="en-US" altLang="ko-KR" sz="1467" dirty="0">
@@ -5480,7 +5948,55 @@
                   <a:sysClr val="windowText" lastClr="000000"/>
                 </a:solidFill>
               </a:rPr>
-              <a:t>]</a:t>
+              <a:t>%</a:t>
+            </a:r>
+            <a:r>
+              <a:rPr lang="ko-KR" altLang="en-US" sz="1467" dirty="0">
+                <a:solidFill>
+                  <a:sysClr val="windowText" lastClr="000000"/>
+                </a:solidFill>
+              </a:rPr>
+              <a:t> </a:t>
+            </a:r>
+            <a:r>
+              <a:rPr lang="en-US" altLang="ko-KR" sz="1467" dirty="0">
+                <a:solidFill>
+                  <a:sysClr val="windowText" lastClr="000000"/>
+                </a:solidFill>
+              </a:rPr>
+              <a:t>divisor</a:t>
+            </a:r>
+            <a:r>
+              <a:rPr lang="ko-KR" altLang="en-US" sz="1467" dirty="0">
+                <a:solidFill>
+                  <a:sysClr val="windowText" lastClr="000000"/>
+                </a:solidFill>
+              </a:rPr>
+              <a:t> </a:t>
+            </a:r>
+            <a:r>
+              <a:rPr lang="en-US" altLang="ko-KR" sz="1467" dirty="0">
+                <a:solidFill>
+                  <a:sysClr val="windowText" lastClr="000000"/>
+                </a:solidFill>
+              </a:rPr>
+              <a:t>==</a:t>
+            </a:r>
+            <a:r>
+              <a:rPr lang="ko-KR" altLang="en-US" sz="1467" dirty="0">
+                <a:solidFill>
+                  <a:sysClr val="windowText" lastClr="000000"/>
+                </a:solidFill>
+              </a:rPr>
+              <a:t> </a:t>
+            </a:r>
+            <a:r>
+              <a:rPr lang="en-US" altLang="ko-KR" sz="1467" dirty="0">
+                <a:solidFill>
+                  <a:sysClr val="windowText" lastClr="000000"/>
+                </a:solidFill>
+              </a:rPr>
+              <a:t>0</a:t>
             </a:r>
           </a:p>
         </p:txBody>
@@ -5525,10 +6041,252 @@
           </a:p>
         </p:txBody>
       </p:sp>
+      <p:sp>
+        <p:nvSpPr>
+          <p:cNvPr id="13" name="직사각형 12">
+            <a:extLst>
+              <a:ext uri="{FF2B5EF4-FFF2-40B4-BE49-F238E27FC236}">
+                <a16:creationId xmlns:a16="http://schemas.microsoft.com/office/drawing/2014/main" id="{E4B8D90F-2CF5-4B2D-8727-651E00584F3D}"/>
+              </a:ext>
+            </a:extLst>
+          </p:cNvPr>
+          <p:cNvSpPr/>
+          <p:nvPr/>
+        </p:nvSpPr>
+        <p:spPr>
+          <a:xfrm>
+            <a:off x="1201247" y="4081820"/>
+            <a:ext cx="2520000" cy="540000"/>
+          </a:xfrm>
+          <a:prstGeom prst="rect">
+            <a:avLst/>
+          </a:prstGeom>
+          <a:noFill/>
+          <a:ln>
+            <a:solidFill>
+              <a:schemeClr val="tx1"/>
+            </a:solidFill>
+          </a:ln>
+        </p:spPr>
+        <p:style>
+          <a:lnRef idx="2">
+            <a:schemeClr val="accent1">
+              <a:shade val="50000"/>
+            </a:schemeClr>
+          </a:lnRef>
+          <a:fillRef idx="1">
+            <a:schemeClr val="accent1"/>
+          </a:fillRef>
+          <a:effectRef idx="0">
+            <a:schemeClr val="accent1"/>
+          </a:effectRef>
+          <a:fontRef idx="minor">
+            <a:schemeClr val="lt1"/>
+          </a:fontRef>
+        </p:style>
+        <p:txBody>
+          <a:bodyPr rtlCol="0" anchor="ctr"/>
+          <a:lstStyle/>
+          <a:p>
+            <a:pPr algn="ctr"/>
+            <a:r>
+              <a:rPr lang="en-US" altLang="ko-KR" sz="1467" dirty="0">
+                <a:solidFill>
+                  <a:sysClr val="windowText" lastClr="000000"/>
+                </a:solidFill>
+              </a:rPr>
+              <a:t>List</a:t>
+            </a:r>
+            <a:r>
+              <a:rPr lang="ko-KR" altLang="en-US" sz="1467" dirty="0">
+                <a:solidFill>
+                  <a:sysClr val="windowText" lastClr="000000"/>
+                </a:solidFill>
+              </a:rPr>
+              <a:t>가 비었으면 </a:t>
+            </a:r>
+            <a:r>
+              <a:rPr lang="en-US" altLang="ko-KR" sz="1467" dirty="0">
+                <a:solidFill>
+                  <a:sysClr val="windowText" lastClr="000000"/>
+                </a:solidFill>
+              </a:rPr>
+              <a:t>-1</a:t>
+            </a:r>
+            <a:r>
+              <a:rPr lang="ko-KR" altLang="en-US" sz="1467" dirty="0">
+                <a:solidFill>
+                  <a:sysClr val="windowText" lastClr="000000"/>
+                </a:solidFill>
+              </a:rPr>
+              <a:t>을 넣는다</a:t>
+            </a:r>
+          </a:p>
+        </p:txBody>
+      </p:sp>
+      <p:cxnSp>
+        <p:nvCxnSpPr>
+          <p:cNvPr id="14" name="직선 화살표 연결선 13">
+            <a:extLst>
+              <a:ext uri="{FF2B5EF4-FFF2-40B4-BE49-F238E27FC236}">
+                <a16:creationId xmlns:a16="http://schemas.microsoft.com/office/drawing/2014/main" id="{5ED0F8F0-9C0F-4895-BF66-4A0D7D2AC6CF}"/>
+              </a:ext>
+            </a:extLst>
+          </p:cNvPr>
+          <p:cNvCxnSpPr>
+            <a:cxnSpLocks/>
+            <a:stCxn id="10" idx="2"/>
+            <a:endCxn id="13" idx="0"/>
+          </p:cNvCxnSpPr>
+          <p:nvPr/>
+        </p:nvCxnSpPr>
+        <p:spPr>
+          <a:xfrm>
+            <a:off x="2461247" y="3751820"/>
+            <a:ext cx="0" cy="330000"/>
+          </a:xfrm>
+          <a:prstGeom prst="straightConnector1">
+            <a:avLst/>
+          </a:prstGeom>
+          <a:ln>
+            <a:solidFill>
+              <a:schemeClr val="tx1"/>
+            </a:solidFill>
+            <a:tailEnd type="triangle"/>
+          </a:ln>
+        </p:spPr>
+        <p:style>
+          <a:lnRef idx="1">
+            <a:schemeClr val="accent1"/>
+          </a:lnRef>
+          <a:fillRef idx="0">
+            <a:schemeClr val="accent1"/>
+          </a:fillRef>
+          <a:effectRef idx="0">
+            <a:schemeClr val="accent1"/>
+          </a:effectRef>
+          <a:fontRef idx="minor">
+            <a:schemeClr val="tx1"/>
+          </a:fontRef>
+        </p:style>
+      </p:cxnSp>
+      <p:sp>
+        <p:nvSpPr>
+          <p:cNvPr id="16" name="직사각형 15">
+            <a:extLst>
+              <a:ext uri="{FF2B5EF4-FFF2-40B4-BE49-F238E27FC236}">
+                <a16:creationId xmlns:a16="http://schemas.microsoft.com/office/drawing/2014/main" id="{A7DA5EF4-11C6-41D8-94BD-033F848EAD82}"/>
+              </a:ext>
+            </a:extLst>
+          </p:cNvPr>
+          <p:cNvSpPr/>
+          <p:nvPr/>
+        </p:nvSpPr>
+        <p:spPr>
+          <a:xfrm>
+            <a:off x="1201247" y="4951820"/>
+            <a:ext cx="2520000" cy="540000"/>
+          </a:xfrm>
+          <a:prstGeom prst="rect">
+            <a:avLst/>
+          </a:prstGeom>
+          <a:noFill/>
+          <a:ln>
+            <a:solidFill>
+              <a:schemeClr val="tx1"/>
+            </a:solidFill>
+          </a:ln>
+        </p:spPr>
+        <p:style>
+          <a:lnRef idx="2">
+            <a:schemeClr val="accent1">
+              <a:shade val="50000"/>
+            </a:schemeClr>
+          </a:lnRef>
+          <a:fillRef idx="1">
+            <a:schemeClr val="accent1"/>
+          </a:fillRef>
+          <a:effectRef idx="0">
+            <a:schemeClr val="accent1"/>
+          </a:effectRef>
+          <a:fontRef idx="minor">
+            <a:schemeClr val="lt1"/>
+          </a:fontRef>
+        </p:style>
+        <p:txBody>
+          <a:bodyPr rtlCol="0" anchor="ctr"/>
+          <a:lstStyle/>
+          <a:p>
+            <a:pPr algn="ctr"/>
+            <a:r>
+              <a:rPr lang="en-US" altLang="ko-KR" sz="1467" dirty="0">
+                <a:solidFill>
+                  <a:sysClr val="windowText" lastClr="000000"/>
+                </a:solidFill>
+              </a:rPr>
+              <a:t>List</a:t>
+            </a:r>
+            <a:r>
+              <a:rPr lang="ko-KR" altLang="en-US" sz="1467" dirty="0">
+                <a:solidFill>
+                  <a:sysClr val="windowText" lastClr="000000"/>
+                </a:solidFill>
+              </a:rPr>
+              <a:t>를 정렬한다</a:t>
+            </a:r>
+          </a:p>
+        </p:txBody>
+      </p:sp>
+      <p:cxnSp>
+        <p:nvCxnSpPr>
+          <p:cNvPr id="18" name="직선 화살표 연결선 17">
+            <a:extLst>
+              <a:ext uri="{FF2B5EF4-FFF2-40B4-BE49-F238E27FC236}">
+                <a16:creationId xmlns:a16="http://schemas.microsoft.com/office/drawing/2014/main" id="{F7A9D26D-859E-4E31-93BC-30D4D1E6C9FC}"/>
+              </a:ext>
+            </a:extLst>
+          </p:cNvPr>
+          <p:cNvCxnSpPr>
+            <a:cxnSpLocks/>
+            <a:stCxn id="13" idx="2"/>
+            <a:endCxn id="16" idx="0"/>
+          </p:cNvCxnSpPr>
+          <p:nvPr/>
+        </p:nvCxnSpPr>
+        <p:spPr>
+          <a:xfrm>
+            <a:off x="2461247" y="4621820"/>
+            <a:ext cx="0" cy="330000"/>
+          </a:xfrm>
+          <a:prstGeom prst="straightConnector1">
+            <a:avLst/>
+          </a:prstGeom>
+          <a:ln>
+            <a:solidFill>
+              <a:schemeClr val="tx1"/>
+            </a:solidFill>
+            <a:tailEnd type="triangle"/>
+          </a:ln>
+        </p:spPr>
+        <p:style>
+          <a:lnRef idx="1">
+            <a:schemeClr val="accent1"/>
+          </a:lnRef>
+          <a:fillRef idx="0">
+            <a:schemeClr val="accent1"/>
+          </a:fillRef>
+          <a:effectRef idx="0">
+            <a:schemeClr val="accent1"/>
+          </a:effectRef>
+          <a:fontRef idx="minor">
+            <a:schemeClr val="tx1"/>
+          </a:fontRef>
+        </p:style>
+      </p:cxnSp>
     </p:spTree>
     <p:extLst>
       <p:ext uri="{BB962C8B-B14F-4D97-AF65-F5344CB8AC3E}">
-        <p14:creationId xmlns:p14="http://schemas.microsoft.com/office/powerpoint/2010/main" val="2318419253"/>
+        <p14:creationId xmlns:p14="http://schemas.microsoft.com/office/powerpoint/2010/main" val="195909347"/>
       </p:ext>
     </p:extLst>
   </p:cSld>
@@ -5578,11 +6336,11 @@
           <a:p>
             <a:r>
               <a:rPr lang="ko-KR" altLang="en-US" dirty="0"/>
-              <a:t>나누어 떨어지는 숫자 배열 </a:t>
+              <a:t>두 정수 사이의 합 </a:t>
             </a:r>
             <a:r>
               <a:rPr lang="en-US" altLang="ko-KR" dirty="0"/>
-              <a:t>(01.12)</a:t>
+              <a:t>(01.13)</a:t>
             </a:r>
             <a:endParaRPr lang="ko-KR" altLang="en-US" dirty="0"/>
           </a:p>
@@ -5602,7 +6360,7 @@
         </p:nvSpPr>
         <p:spPr>
           <a:xfrm>
-            <a:off x="1021247" y="1552042"/>
+            <a:off x="824520" y="1552042"/>
             <a:ext cx="2880000" cy="540000"/>
           </a:xfrm>
           <a:prstGeom prst="rect">
@@ -5637,20 +6395,12 @@
           <a:p>
             <a:pPr algn="ctr"/>
             <a:r>
-              <a:rPr lang="en-US" altLang="ko-KR" sz="1467" dirty="0">
-                <a:solidFill>
-                  <a:sysClr val="windowText" lastClr="000000"/>
-                </a:solidFill>
-              </a:rPr>
-              <a:t>List</a:t>
-            </a:r>
-            <a:r>
               <a:rPr lang="ko-KR" altLang="en-US" sz="1467" dirty="0">
                 <a:solidFill>
                   <a:sysClr val="windowText" lastClr="000000"/>
                 </a:solidFill>
               </a:rPr>
-              <a:t>를 생성한다</a:t>
+              <a:t>두 정수를 입력한다</a:t>
             </a:r>
             <a:endParaRPr lang="en-US" altLang="ko-KR" sz="1467" dirty="0">
               <a:solidFill>
@@ -5672,14 +6422,14 @@
           <p:cNvCxnSpPr>
             <a:cxnSpLocks/>
             <a:stCxn id="7" idx="2"/>
-            <a:endCxn id="12" idx="0"/>
+            <a:endCxn id="10" idx="0"/>
           </p:cNvCxnSpPr>
           <p:nvPr/>
         </p:nvCxnSpPr>
         <p:spPr>
           <a:xfrm>
-            <a:off x="2461247" y="2092042"/>
-            <a:ext cx="0" cy="290221"/>
+            <a:off x="2264520" y="2092042"/>
+            <a:ext cx="0" cy="310109"/>
           </a:xfrm>
           <a:prstGeom prst="straightConnector1">
             <a:avLst/>
@@ -5720,8 +6470,8 @@
         </p:nvSpPr>
         <p:spPr>
           <a:xfrm>
-            <a:off x="1201247" y="3211820"/>
-            <a:ext cx="2520000" cy="540000"/>
+            <a:off x="824520" y="2402151"/>
+            <a:ext cx="2880000" cy="540000"/>
           </a:xfrm>
           <a:prstGeom prst="rect">
             <a:avLst/>
@@ -5755,12 +6505,20 @@
           <a:p>
             <a:pPr algn="ctr"/>
             <a:r>
+              <a:rPr lang="ko-KR" altLang="en-US" sz="1467" dirty="0">
+                <a:solidFill>
+                  <a:sysClr val="windowText" lastClr="000000"/>
+                </a:solidFill>
+              </a:rPr>
+              <a:t>입력 받은 두 정수의 합 </a:t>
+            </a:r>
+            <a:r>
               <a:rPr lang="en-US" altLang="ko-KR" sz="1467" dirty="0">
                 <a:solidFill>
                   <a:sysClr val="windowText" lastClr="000000"/>
                 </a:solidFill>
               </a:rPr>
-              <a:t>List</a:t>
+              <a:t>* </a:t>
             </a:r>
             <a:r>
               <a:rPr lang="ko-KR" altLang="en-US" sz="1467" dirty="0">
@@ -5768,15 +6526,7 @@
                   <a:sysClr val="windowText" lastClr="000000"/>
                 </a:solidFill>
               </a:rPr>
-              <a:t>에 </a:t>
-            </a:r>
-            <a:r>
-              <a:rPr lang="en-US" altLang="ko-KR" sz="1467" dirty="0" err="1">
-                <a:solidFill>
-                  <a:sysClr val="windowText" lastClr="000000"/>
-                </a:solidFill>
-              </a:rPr>
-              <a:t>arr</a:t>
+              <a:t>개수 </a:t>
             </a:r>
             <a:r>
               <a:rPr lang="en-US" altLang="ko-KR" sz="1467" dirty="0">
@@ -5784,514 +6534,20 @@
                   <a:sysClr val="windowText" lastClr="000000"/>
                 </a:solidFill>
               </a:rPr>
-              <a:t>[</a:t>
-            </a:r>
-            <a:r>
-              <a:rPr lang="en-US" altLang="ko-KR" sz="1467" dirty="0" err="1">
-                <a:solidFill>
-                  <a:sysClr val="windowText" lastClr="000000"/>
-                </a:solidFill>
-              </a:rPr>
-              <a:t>i</a:t>
-            </a:r>
-            <a:r>
-              <a:rPr lang="en-US" altLang="ko-KR" sz="1467" dirty="0">
-                <a:solidFill>
-                  <a:sysClr val="windowText" lastClr="000000"/>
-                </a:solidFill>
-              </a:rPr>
-              <a:t>]</a:t>
-            </a:r>
-            <a:r>
-              <a:rPr lang="ko-KR" altLang="en-US" sz="1467" dirty="0">
-                <a:solidFill>
-                  <a:sysClr val="windowText" lastClr="000000"/>
-                </a:solidFill>
-              </a:rPr>
-              <a:t>를 넣는다</a:t>
-            </a:r>
-          </a:p>
-        </p:txBody>
-      </p:sp>
-      <p:cxnSp>
-        <p:nvCxnSpPr>
-          <p:cNvPr id="11" name="직선 화살표 연결선 10">
-            <a:extLst>
-              <a:ext uri="{FF2B5EF4-FFF2-40B4-BE49-F238E27FC236}">
-                <a16:creationId xmlns:a16="http://schemas.microsoft.com/office/drawing/2014/main" id="{354293A9-39B4-4529-8CE1-02889F0341B3}"/>
-              </a:ext>
-            </a:extLst>
-          </p:cNvPr>
-          <p:cNvCxnSpPr>
-            <a:cxnSpLocks/>
-            <a:stCxn id="12" idx="2"/>
-            <a:endCxn id="10" idx="0"/>
-          </p:cNvCxnSpPr>
-          <p:nvPr/>
-        </p:nvCxnSpPr>
-        <p:spPr>
-          <a:xfrm>
-            <a:off x="2461247" y="2881820"/>
-            <a:ext cx="0" cy="330000"/>
-          </a:xfrm>
-          <a:prstGeom prst="straightConnector1">
-            <a:avLst/>
-          </a:prstGeom>
-          <a:ln>
-            <a:solidFill>
-              <a:schemeClr val="tx1"/>
-            </a:solidFill>
-            <a:tailEnd type="triangle"/>
-          </a:ln>
-        </p:spPr>
-        <p:style>
-          <a:lnRef idx="1">
-            <a:schemeClr val="accent1"/>
-          </a:lnRef>
-          <a:fillRef idx="0">
-            <a:schemeClr val="accent1"/>
-          </a:fillRef>
-          <a:effectRef idx="0">
-            <a:schemeClr val="accent1"/>
-          </a:effectRef>
-          <a:fontRef idx="minor">
-            <a:schemeClr val="tx1"/>
-          </a:fontRef>
-        </p:style>
-      </p:cxnSp>
-      <p:sp>
-        <p:nvSpPr>
-          <p:cNvPr id="12" name="다이아몬드 11">
-            <a:extLst>
-              <a:ext uri="{FF2B5EF4-FFF2-40B4-BE49-F238E27FC236}">
-                <a16:creationId xmlns:a16="http://schemas.microsoft.com/office/drawing/2014/main" id="{96FC0D46-A6B7-46AB-96DB-13AE780FEF19}"/>
-              </a:ext>
-            </a:extLst>
-          </p:cNvPr>
-          <p:cNvSpPr/>
-          <p:nvPr/>
-        </p:nvSpPr>
-        <p:spPr>
-          <a:xfrm>
-            <a:off x="481247" y="2382263"/>
-            <a:ext cx="3960000" cy="499557"/>
-          </a:xfrm>
-          <a:prstGeom prst="diamond">
-            <a:avLst/>
-          </a:prstGeom>
-          <a:noFill/>
-          <a:ln>
-            <a:solidFill>
-              <a:schemeClr val="tx1"/>
-            </a:solidFill>
-          </a:ln>
-        </p:spPr>
-        <p:style>
-          <a:lnRef idx="2">
-            <a:schemeClr val="accent1">
-              <a:shade val="50000"/>
-            </a:schemeClr>
-          </a:lnRef>
-          <a:fillRef idx="1">
-            <a:schemeClr val="accent1"/>
-          </a:fillRef>
-          <a:effectRef idx="0">
-            <a:schemeClr val="accent1"/>
-          </a:effectRef>
-          <a:fontRef idx="minor">
-            <a:schemeClr val="lt1"/>
-          </a:fontRef>
-        </p:style>
-        <p:txBody>
-          <a:bodyPr rtlCol="0" anchor="ctr"/>
-          <a:lstStyle/>
-          <a:p>
-            <a:pPr algn="ctr"/>
-            <a:r>
-              <a:rPr lang="en-US" altLang="ko-KR" sz="1467" dirty="0" err="1">
-                <a:solidFill>
-                  <a:sysClr val="windowText" lastClr="000000"/>
-                </a:solidFill>
-              </a:rPr>
-              <a:t>arr</a:t>
-            </a:r>
-            <a:r>
-              <a:rPr lang="en-US" altLang="ko-KR" sz="1467" dirty="0">
-                <a:solidFill>
-                  <a:sysClr val="windowText" lastClr="000000"/>
-                </a:solidFill>
-              </a:rPr>
-              <a:t>[</a:t>
-            </a:r>
-            <a:r>
-              <a:rPr lang="en-US" altLang="ko-KR" sz="1467" dirty="0" err="1">
-                <a:solidFill>
-                  <a:sysClr val="windowText" lastClr="000000"/>
-                </a:solidFill>
-              </a:rPr>
-              <a:t>i</a:t>
-            </a:r>
-            <a:r>
-              <a:rPr lang="en-US" altLang="ko-KR" sz="1467" dirty="0">
-                <a:solidFill>
-                  <a:sysClr val="windowText" lastClr="000000"/>
-                </a:solidFill>
-              </a:rPr>
-              <a:t>]</a:t>
-            </a:r>
-            <a:r>
-              <a:rPr lang="ko-KR" altLang="en-US" sz="1467" dirty="0">
-                <a:solidFill>
-                  <a:sysClr val="windowText" lastClr="000000"/>
-                </a:solidFill>
-              </a:rPr>
-              <a:t> </a:t>
-            </a:r>
-            <a:r>
-              <a:rPr lang="en-US" altLang="ko-KR" sz="1467" dirty="0">
-                <a:solidFill>
-                  <a:sysClr val="windowText" lastClr="000000"/>
-                </a:solidFill>
-              </a:rPr>
-              <a:t>%</a:t>
-            </a:r>
-            <a:r>
-              <a:rPr lang="ko-KR" altLang="en-US" sz="1467" dirty="0">
-                <a:solidFill>
-                  <a:sysClr val="windowText" lastClr="000000"/>
-                </a:solidFill>
-              </a:rPr>
-              <a:t> </a:t>
-            </a:r>
-            <a:r>
-              <a:rPr lang="en-US" altLang="ko-KR" sz="1467" dirty="0">
-                <a:solidFill>
-                  <a:sysClr val="windowText" lastClr="000000"/>
-                </a:solidFill>
-              </a:rPr>
-              <a:t>divisor</a:t>
-            </a:r>
-            <a:r>
-              <a:rPr lang="ko-KR" altLang="en-US" sz="1467" dirty="0">
-                <a:solidFill>
-                  <a:sysClr val="windowText" lastClr="000000"/>
-                </a:solidFill>
-              </a:rPr>
-              <a:t> </a:t>
-            </a:r>
-            <a:r>
-              <a:rPr lang="en-US" altLang="ko-KR" sz="1467" dirty="0">
-                <a:solidFill>
-                  <a:sysClr val="windowText" lastClr="000000"/>
-                </a:solidFill>
-              </a:rPr>
-              <a:t>==</a:t>
-            </a:r>
-            <a:r>
-              <a:rPr lang="ko-KR" altLang="en-US" sz="1467" dirty="0">
-                <a:solidFill>
-                  <a:sysClr val="windowText" lastClr="000000"/>
-                </a:solidFill>
-              </a:rPr>
-              <a:t> </a:t>
-            </a:r>
-            <a:r>
-              <a:rPr lang="en-US" altLang="ko-KR" sz="1467" dirty="0">
-                <a:solidFill>
-                  <a:sysClr val="windowText" lastClr="000000"/>
-                </a:solidFill>
-              </a:rPr>
-              <a:t>0</a:t>
-            </a:r>
-          </a:p>
-        </p:txBody>
-      </p:sp>
-      <p:sp>
-        <p:nvSpPr>
-          <p:cNvPr id="17" name="TextBox 16">
-            <a:extLst>
-              <a:ext uri="{FF2B5EF4-FFF2-40B4-BE49-F238E27FC236}">
-                <a16:creationId xmlns:a16="http://schemas.microsoft.com/office/drawing/2014/main" id="{2A5C5224-5C5E-4F1E-A524-04C3D097A28A}"/>
-              </a:ext>
-            </a:extLst>
-          </p:cNvPr>
-          <p:cNvSpPr txBox="1"/>
-          <p:nvPr/>
-        </p:nvSpPr>
-        <p:spPr>
-          <a:xfrm>
-            <a:off x="2527469" y="2844042"/>
-            <a:ext cx="492444" cy="307777"/>
-          </a:xfrm>
-          <a:prstGeom prst="rect">
-            <a:avLst/>
-          </a:prstGeom>
-          <a:noFill/>
-        </p:spPr>
-        <p:txBody>
-          <a:bodyPr wrap="square">
-            <a:spAutoFit/>
-          </a:bodyPr>
-          <a:lstStyle/>
-          <a:p>
-            <a:pPr algn="ctr"/>
-            <a:r>
-              <a:rPr lang="en-US" altLang="ko-KR" sz="1400" dirty="0">
-                <a:solidFill>
-                  <a:sysClr val="windowText" lastClr="000000"/>
-                </a:solidFill>
-              </a:rPr>
-              <a:t>true</a:t>
-            </a:r>
-          </a:p>
-        </p:txBody>
-      </p:sp>
-      <p:sp>
-        <p:nvSpPr>
-          <p:cNvPr id="13" name="직사각형 12">
-            <a:extLst>
-              <a:ext uri="{FF2B5EF4-FFF2-40B4-BE49-F238E27FC236}">
-                <a16:creationId xmlns:a16="http://schemas.microsoft.com/office/drawing/2014/main" id="{E4B8D90F-2CF5-4B2D-8727-651E00584F3D}"/>
-              </a:ext>
-            </a:extLst>
-          </p:cNvPr>
-          <p:cNvSpPr/>
-          <p:nvPr/>
-        </p:nvSpPr>
-        <p:spPr>
-          <a:xfrm>
-            <a:off x="1201247" y="4081820"/>
-            <a:ext cx="2520000" cy="540000"/>
-          </a:xfrm>
-          <a:prstGeom prst="rect">
-            <a:avLst/>
-          </a:prstGeom>
-          <a:noFill/>
-          <a:ln>
-            <a:solidFill>
-              <a:schemeClr val="tx1"/>
-            </a:solidFill>
-          </a:ln>
-        </p:spPr>
-        <p:style>
-          <a:lnRef idx="2">
-            <a:schemeClr val="accent1">
-              <a:shade val="50000"/>
-            </a:schemeClr>
-          </a:lnRef>
-          <a:fillRef idx="1">
-            <a:schemeClr val="accent1"/>
-          </a:fillRef>
-          <a:effectRef idx="0">
-            <a:schemeClr val="accent1"/>
-          </a:effectRef>
-          <a:fontRef idx="minor">
-            <a:schemeClr val="lt1"/>
-          </a:fontRef>
-        </p:style>
-        <p:txBody>
-          <a:bodyPr rtlCol="0" anchor="ctr"/>
-          <a:lstStyle/>
-          <a:p>
-            <a:pPr algn="ctr"/>
-            <a:r>
-              <a:rPr lang="en-US" altLang="ko-KR" sz="1467" dirty="0">
-                <a:solidFill>
-                  <a:sysClr val="windowText" lastClr="000000"/>
-                </a:solidFill>
-              </a:rPr>
-              <a:t>List</a:t>
-            </a:r>
-            <a:r>
-              <a:rPr lang="ko-KR" altLang="en-US" sz="1467" dirty="0">
-                <a:solidFill>
-                  <a:sysClr val="windowText" lastClr="000000"/>
-                </a:solidFill>
-              </a:rPr>
-              <a:t>가 비었으면 </a:t>
-            </a:r>
-            <a:r>
-              <a:rPr lang="en-US" altLang="ko-KR" sz="1467" dirty="0">
-                <a:solidFill>
-                  <a:sysClr val="windowText" lastClr="000000"/>
-                </a:solidFill>
-              </a:rPr>
-              <a:t>-1</a:t>
-            </a:r>
-            <a:r>
-              <a:rPr lang="ko-KR" altLang="en-US" sz="1467" dirty="0">
-                <a:solidFill>
-                  <a:sysClr val="windowText" lastClr="000000"/>
-                </a:solidFill>
-              </a:rPr>
-              <a:t>을 넣는다</a:t>
-            </a:r>
-          </a:p>
-        </p:txBody>
-      </p:sp>
-      <p:cxnSp>
-        <p:nvCxnSpPr>
-          <p:cNvPr id="14" name="직선 화살표 연결선 13">
-            <a:extLst>
-              <a:ext uri="{FF2B5EF4-FFF2-40B4-BE49-F238E27FC236}">
-                <a16:creationId xmlns:a16="http://schemas.microsoft.com/office/drawing/2014/main" id="{5ED0F8F0-9C0F-4895-BF66-4A0D7D2AC6CF}"/>
-              </a:ext>
-            </a:extLst>
-          </p:cNvPr>
-          <p:cNvCxnSpPr>
-            <a:cxnSpLocks/>
-            <a:stCxn id="10" idx="2"/>
-            <a:endCxn id="13" idx="0"/>
-          </p:cNvCxnSpPr>
-          <p:nvPr/>
-        </p:nvCxnSpPr>
-        <p:spPr>
-          <a:xfrm>
-            <a:off x="2461247" y="3751820"/>
-            <a:ext cx="0" cy="330000"/>
-          </a:xfrm>
-          <a:prstGeom prst="straightConnector1">
-            <a:avLst/>
-          </a:prstGeom>
-          <a:ln>
-            <a:solidFill>
-              <a:schemeClr val="tx1"/>
-            </a:solidFill>
-            <a:tailEnd type="triangle"/>
-          </a:ln>
-        </p:spPr>
-        <p:style>
-          <a:lnRef idx="1">
-            <a:schemeClr val="accent1"/>
-          </a:lnRef>
-          <a:fillRef idx="0">
-            <a:schemeClr val="accent1"/>
-          </a:fillRef>
-          <a:effectRef idx="0">
-            <a:schemeClr val="accent1"/>
-          </a:effectRef>
-          <a:fontRef idx="minor">
-            <a:schemeClr val="tx1"/>
-          </a:fontRef>
-        </p:style>
-      </p:cxnSp>
-      <p:sp>
-        <p:nvSpPr>
-          <p:cNvPr id="16" name="직사각형 15">
-            <a:extLst>
-              <a:ext uri="{FF2B5EF4-FFF2-40B4-BE49-F238E27FC236}">
-                <a16:creationId xmlns:a16="http://schemas.microsoft.com/office/drawing/2014/main" id="{A7DA5EF4-11C6-41D8-94BD-033F848EAD82}"/>
-              </a:ext>
-            </a:extLst>
-          </p:cNvPr>
-          <p:cNvSpPr/>
-          <p:nvPr/>
-        </p:nvSpPr>
-        <p:spPr>
-          <a:xfrm>
-            <a:off x="1201247" y="4951820"/>
-            <a:ext cx="2520000" cy="540000"/>
-          </a:xfrm>
-          <a:prstGeom prst="rect">
-            <a:avLst/>
-          </a:prstGeom>
-          <a:noFill/>
-          <a:ln>
-            <a:solidFill>
-              <a:schemeClr val="tx1"/>
-            </a:solidFill>
-          </a:ln>
-        </p:spPr>
-        <p:style>
-          <a:lnRef idx="2">
-            <a:schemeClr val="accent1">
-              <a:shade val="50000"/>
-            </a:schemeClr>
-          </a:lnRef>
-          <a:fillRef idx="1">
-            <a:schemeClr val="accent1"/>
-          </a:fillRef>
-          <a:effectRef idx="0">
-            <a:schemeClr val="accent1"/>
-          </a:effectRef>
-          <a:fontRef idx="minor">
-            <a:schemeClr val="lt1"/>
-          </a:fontRef>
-        </p:style>
-        <p:txBody>
-          <a:bodyPr rtlCol="0" anchor="ctr"/>
-          <a:lstStyle/>
-          <a:p>
-            <a:pPr algn="ctr"/>
-            <a:r>
-              <a:rPr lang="en-US" altLang="ko-KR" sz="1467" dirty="0">
-                <a:solidFill>
-                  <a:sysClr val="windowText" lastClr="000000"/>
-                </a:solidFill>
-              </a:rPr>
-              <a:t>List</a:t>
-            </a:r>
-            <a:r>
-              <a:rPr lang="ko-KR" altLang="en-US" sz="1467" dirty="0">
-                <a:solidFill>
-                  <a:sysClr val="windowText" lastClr="000000"/>
-                </a:solidFill>
-              </a:rPr>
-              <a:t>를 정렬한다</a:t>
-            </a:r>
-          </a:p>
-        </p:txBody>
-      </p:sp>
-      <p:cxnSp>
-        <p:nvCxnSpPr>
-          <p:cNvPr id="18" name="직선 화살표 연결선 17">
-            <a:extLst>
-              <a:ext uri="{FF2B5EF4-FFF2-40B4-BE49-F238E27FC236}">
-                <a16:creationId xmlns:a16="http://schemas.microsoft.com/office/drawing/2014/main" id="{F7A9D26D-859E-4E31-93BC-30D4D1E6C9FC}"/>
-              </a:ext>
-            </a:extLst>
-          </p:cNvPr>
-          <p:cNvCxnSpPr>
-            <a:cxnSpLocks/>
-            <a:stCxn id="13" idx="2"/>
-            <a:endCxn id="16" idx="0"/>
-          </p:cNvCxnSpPr>
-          <p:nvPr/>
-        </p:nvCxnSpPr>
-        <p:spPr>
-          <a:xfrm>
-            <a:off x="2461247" y="4621820"/>
-            <a:ext cx="0" cy="330000"/>
-          </a:xfrm>
-          <a:prstGeom prst="straightConnector1">
-            <a:avLst/>
-          </a:prstGeom>
-          <a:ln>
-            <a:solidFill>
-              <a:schemeClr val="tx1"/>
-            </a:solidFill>
-            <a:tailEnd type="triangle"/>
-          </a:ln>
-        </p:spPr>
-        <p:style>
-          <a:lnRef idx="1">
-            <a:schemeClr val="accent1"/>
-          </a:lnRef>
-          <a:fillRef idx="0">
-            <a:schemeClr val="accent1"/>
-          </a:fillRef>
-          <a:effectRef idx="0">
-            <a:schemeClr val="accent1"/>
-          </a:effectRef>
-          <a:fontRef idx="minor">
-            <a:schemeClr val="tx1"/>
-          </a:fontRef>
-        </p:style>
-      </p:cxnSp>
+              <a:t>/ 2</a:t>
+            </a:r>
+            <a:endParaRPr lang="ko-KR" altLang="en-US" sz="1467" dirty="0">
+              <a:solidFill>
+                <a:sysClr val="windowText" lastClr="000000"/>
+              </a:solidFill>
+            </a:endParaRPr>
+          </a:p>
+        </p:txBody>
+      </p:sp>
     </p:spTree>
     <p:extLst>
       <p:ext uri="{BB962C8B-B14F-4D97-AF65-F5344CB8AC3E}">
-        <p14:creationId xmlns:p14="http://schemas.microsoft.com/office/powerpoint/2010/main" val="195909347"/>
+        <p14:creationId xmlns:p14="http://schemas.microsoft.com/office/powerpoint/2010/main" val="1114911970"/>
       </p:ext>
     </p:extLst>
   </p:cSld>
@@ -6345,7 +6601,7 @@
             </a:r>
             <a:r>
               <a:rPr lang="en-US" altLang="ko-KR" dirty="0"/>
-              <a:t>(01.13)</a:t>
+              <a:t>(01.14)</a:t>
             </a:r>
             <a:endParaRPr lang="ko-KR" altLang="en-US" dirty="0"/>
           </a:p>
@@ -6365,7 +6621,7 @@
         </p:nvSpPr>
         <p:spPr>
           <a:xfrm>
-            <a:off x="824520" y="1552042"/>
+            <a:off x="1719776" y="1532278"/>
             <a:ext cx="2880000" cy="540000"/>
           </a:xfrm>
           <a:prstGeom prst="rect">
@@ -6405,7 +6661,7 @@
                   <a:sysClr val="windowText" lastClr="000000"/>
                 </a:solidFill>
               </a:rPr>
-              <a:t>두 정수를 입력한다</a:t>
+              <a:t>문자열 배열을 입력 받는다</a:t>
             </a:r>
             <a:endParaRPr lang="en-US" altLang="ko-KR" sz="1467" dirty="0">
               <a:solidFill>
@@ -6433,8 +6689,8 @@
         </p:nvCxnSpPr>
         <p:spPr>
           <a:xfrm>
-            <a:off x="2264520" y="2092042"/>
-            <a:ext cx="0" cy="310109"/>
+            <a:off x="3159776" y="2072278"/>
+            <a:ext cx="0" cy="329873"/>
           </a:xfrm>
           <a:prstGeom prst="straightConnector1">
             <a:avLst/>
@@ -6475,8 +6731,8 @@
         </p:nvSpPr>
         <p:spPr>
           <a:xfrm>
-            <a:off x="824520" y="2402151"/>
-            <a:ext cx="2880000" cy="540000"/>
+            <a:off x="639776" y="2402151"/>
+            <a:ext cx="5040000" cy="540000"/>
           </a:xfrm>
           <a:prstGeom prst="rect">
             <a:avLst/>
@@ -6510,12 +6766,20 @@
           <a:p>
             <a:pPr algn="ctr"/>
             <a:r>
+              <a:rPr lang="en-US" altLang="ko-KR" sz="1467" dirty="0">
+                <a:solidFill>
+                  <a:sysClr val="windowText" lastClr="000000"/>
+                </a:solidFill>
+              </a:rPr>
+              <a:t>Map</a:t>
+            </a:r>
+            <a:r>
               <a:rPr lang="ko-KR" altLang="en-US" sz="1467" dirty="0">
                 <a:solidFill>
                   <a:sysClr val="windowText" lastClr="000000"/>
                 </a:solidFill>
               </a:rPr>
-              <a:t>입력 받은 두 정수의 합 </a:t>
+              <a:t>을 이용하여 문자열의 </a:t>
             </a:r>
             <a:r>
               <a:rPr lang="en-US" altLang="ko-KR" sz="1467" dirty="0">
@@ -6523,7 +6787,7 @@
                   <a:sysClr val="windowText" lastClr="000000"/>
                 </a:solidFill>
               </a:rPr>
-              <a:t>* </a:t>
+              <a:t>n</a:t>
             </a:r>
             <a:r>
               <a:rPr lang="ko-KR" altLang="en-US" sz="1467" dirty="0">
@@ -6531,7 +6795,7 @@
                   <a:sysClr val="windowText" lastClr="000000"/>
                 </a:solidFill>
               </a:rPr>
-              <a:t>개수 </a:t>
+              <a:t>번째 </a:t>
             </a:r>
             <a:r>
               <a:rPr lang="en-US" altLang="ko-KR" sz="1467" dirty="0">
@@ -6539,9 +6803,76 @@
                   <a:sysClr val="windowText" lastClr="000000"/>
                 </a:solidFill>
               </a:rPr>
-              <a:t>/ 2</a:t>
-            </a:r>
-            <a:endParaRPr lang="ko-KR" altLang="en-US" sz="1467" dirty="0">
+              <a:t>index</a:t>
+            </a:r>
+            <a:r>
+              <a:rPr lang="ko-KR" altLang="en-US" sz="1467" dirty="0">
+                <a:solidFill>
+                  <a:sysClr val="windowText" lastClr="000000"/>
+                </a:solidFill>
+              </a:rPr>
+              <a:t>를 </a:t>
+            </a:r>
+            <a:r>
+              <a:rPr lang="en-US" altLang="ko-KR" sz="1467" dirty="0">
+                <a:solidFill>
+                  <a:sysClr val="windowText" lastClr="000000"/>
+                </a:solidFill>
+              </a:rPr>
+              <a:t>Key</a:t>
+            </a:r>
+          </a:p>
+          <a:p>
+            <a:pPr algn="ctr"/>
+            <a:r>
+              <a:rPr lang="en-US" altLang="ko-KR" sz="1467" dirty="0">
+                <a:solidFill>
+                  <a:sysClr val="windowText" lastClr="000000"/>
+                </a:solidFill>
+              </a:rPr>
+              <a:t>List&lt;String&gt;</a:t>
+            </a:r>
+            <a:r>
+              <a:rPr lang="ko-KR" altLang="en-US" sz="1467" dirty="0">
+                <a:solidFill>
+                  <a:sysClr val="windowText" lastClr="000000"/>
+                </a:solidFill>
+              </a:rPr>
+              <a:t>을 </a:t>
+            </a:r>
+            <a:r>
+              <a:rPr lang="en-US" altLang="ko-KR" sz="1467" dirty="0">
+                <a:solidFill>
+                  <a:sysClr val="windowText" lastClr="000000"/>
+                </a:solidFill>
+              </a:rPr>
+              <a:t>Value</a:t>
+            </a:r>
+            <a:r>
+              <a:rPr lang="ko-KR" altLang="en-US" sz="1467" dirty="0">
+                <a:solidFill>
+                  <a:sysClr val="windowText" lastClr="000000"/>
+                </a:solidFill>
+              </a:rPr>
+              <a:t>로 설정하고 </a:t>
+            </a:r>
+            <a:r>
+              <a:rPr lang="en-US" altLang="ko-KR" sz="1467" dirty="0">
+                <a:solidFill>
+                  <a:sysClr val="windowText" lastClr="000000"/>
+                </a:solidFill>
+              </a:rPr>
+              <a:t>List</a:t>
+            </a:r>
+            <a:r>
+              <a:rPr lang="ko-KR" altLang="en-US" sz="1467" dirty="0">
+                <a:solidFill>
+                  <a:sysClr val="windowText" lastClr="000000"/>
+                </a:solidFill>
+              </a:rPr>
+              <a:t>에 문자열을 저장한다</a:t>
+            </a:r>
+            <a:endParaRPr lang="en-US" altLang="ko-KR" sz="1467" dirty="0">
               <a:solidFill>
                 <a:sysClr val="windowText" lastClr="000000"/>
               </a:solidFill>
@@ -6549,10 +6880,436 @@
           </a:p>
         </p:txBody>
       </p:sp>
+      <p:sp>
+        <p:nvSpPr>
+          <p:cNvPr id="11" name="직사각형 10">
+            <a:extLst>
+              <a:ext uri="{FF2B5EF4-FFF2-40B4-BE49-F238E27FC236}">
+                <a16:creationId xmlns:a16="http://schemas.microsoft.com/office/drawing/2014/main" id="{B442E58E-BB09-41E1-A323-31289011A97C}"/>
+              </a:ext>
+            </a:extLst>
+          </p:cNvPr>
+          <p:cNvSpPr/>
+          <p:nvPr/>
+        </p:nvSpPr>
+        <p:spPr>
+          <a:xfrm>
+            <a:off x="1179776" y="3272024"/>
+            <a:ext cx="3960000" cy="540000"/>
+          </a:xfrm>
+          <a:prstGeom prst="rect">
+            <a:avLst/>
+          </a:prstGeom>
+          <a:noFill/>
+          <a:ln>
+            <a:solidFill>
+              <a:schemeClr val="tx1"/>
+            </a:solidFill>
+          </a:ln>
+        </p:spPr>
+        <p:style>
+          <a:lnRef idx="2">
+            <a:schemeClr val="accent1">
+              <a:shade val="50000"/>
+            </a:schemeClr>
+          </a:lnRef>
+          <a:fillRef idx="1">
+            <a:schemeClr val="accent1"/>
+          </a:fillRef>
+          <a:effectRef idx="0">
+            <a:schemeClr val="accent1"/>
+          </a:effectRef>
+          <a:fontRef idx="minor">
+            <a:schemeClr val="lt1"/>
+          </a:fontRef>
+        </p:style>
+        <p:txBody>
+          <a:bodyPr rtlCol="0" anchor="ctr"/>
+          <a:lstStyle/>
+          <a:p>
+            <a:pPr algn="ctr"/>
+            <a:r>
+              <a:rPr lang="en-US" altLang="ko-KR" sz="1467" dirty="0">
+                <a:solidFill>
+                  <a:sysClr val="windowText" lastClr="000000"/>
+                </a:solidFill>
+              </a:rPr>
+              <a:t>Map</a:t>
+            </a:r>
+            <a:r>
+              <a:rPr lang="ko-KR" altLang="en-US" sz="1467" dirty="0">
+                <a:solidFill>
+                  <a:sysClr val="windowText" lastClr="000000"/>
+                </a:solidFill>
+              </a:rPr>
+              <a:t>의 각 </a:t>
+            </a:r>
+            <a:r>
+              <a:rPr lang="en-US" altLang="ko-KR" sz="1467" dirty="0">
+                <a:solidFill>
+                  <a:sysClr val="windowText" lastClr="000000"/>
+                </a:solidFill>
+              </a:rPr>
+              <a:t>key</a:t>
+            </a:r>
+            <a:r>
+              <a:rPr lang="ko-KR" altLang="en-US" sz="1467" dirty="0">
+                <a:solidFill>
+                  <a:sysClr val="windowText" lastClr="000000"/>
+                </a:solidFill>
+              </a:rPr>
+              <a:t>에 대해서 </a:t>
+            </a:r>
+            <a:r>
+              <a:rPr lang="en-US" altLang="ko-KR" sz="1467" dirty="0">
+                <a:solidFill>
+                  <a:sysClr val="windowText" lastClr="000000"/>
+                </a:solidFill>
+              </a:rPr>
+              <a:t>value</a:t>
+            </a:r>
+            <a:r>
+              <a:rPr lang="ko-KR" altLang="en-US" sz="1467" dirty="0">
+                <a:solidFill>
+                  <a:sysClr val="windowText" lastClr="000000"/>
+                </a:solidFill>
+              </a:rPr>
+              <a:t>를 정렬한다</a:t>
+            </a:r>
+            <a:endParaRPr lang="en-US" altLang="ko-KR" sz="1467" dirty="0">
+              <a:solidFill>
+                <a:sysClr val="windowText" lastClr="000000"/>
+              </a:solidFill>
+            </a:endParaRPr>
+          </a:p>
+        </p:txBody>
+      </p:sp>
+      <p:cxnSp>
+        <p:nvCxnSpPr>
+          <p:cNvPr id="8" name="직선 화살표 연결선 7">
+            <a:extLst>
+              <a:ext uri="{FF2B5EF4-FFF2-40B4-BE49-F238E27FC236}">
+                <a16:creationId xmlns:a16="http://schemas.microsoft.com/office/drawing/2014/main" id="{3415365E-9690-48E2-816B-1F0FAA26BED9}"/>
+              </a:ext>
+            </a:extLst>
+          </p:cNvPr>
+          <p:cNvCxnSpPr>
+            <a:cxnSpLocks/>
+            <a:stCxn id="10" idx="2"/>
+            <a:endCxn id="11" idx="0"/>
+          </p:cNvCxnSpPr>
+          <p:nvPr/>
+        </p:nvCxnSpPr>
+        <p:spPr>
+          <a:xfrm>
+            <a:off x="3159776" y="2942151"/>
+            <a:ext cx="0" cy="329873"/>
+          </a:xfrm>
+          <a:prstGeom prst="straightConnector1">
+            <a:avLst/>
+          </a:prstGeom>
+          <a:ln>
+            <a:solidFill>
+              <a:schemeClr val="tx1"/>
+            </a:solidFill>
+            <a:tailEnd type="triangle"/>
+          </a:ln>
+        </p:spPr>
+        <p:style>
+          <a:lnRef idx="1">
+            <a:schemeClr val="accent1"/>
+          </a:lnRef>
+          <a:fillRef idx="0">
+            <a:schemeClr val="accent1"/>
+          </a:fillRef>
+          <a:effectRef idx="0">
+            <a:schemeClr val="accent1"/>
+          </a:effectRef>
+          <a:fontRef idx="minor">
+            <a:schemeClr val="tx1"/>
+          </a:fontRef>
+        </p:style>
+      </p:cxnSp>
+      <p:sp>
+        <p:nvSpPr>
+          <p:cNvPr id="17" name="직사각형 16">
+            <a:extLst>
+              <a:ext uri="{FF2B5EF4-FFF2-40B4-BE49-F238E27FC236}">
+                <a16:creationId xmlns:a16="http://schemas.microsoft.com/office/drawing/2014/main" id="{5D772CC0-B68E-4F2B-AB59-389D6F078E00}"/>
+              </a:ext>
+            </a:extLst>
+          </p:cNvPr>
+          <p:cNvSpPr/>
+          <p:nvPr/>
+        </p:nvSpPr>
+        <p:spPr>
+          <a:xfrm>
+            <a:off x="1179776" y="4141897"/>
+            <a:ext cx="3960000" cy="540000"/>
+          </a:xfrm>
+          <a:prstGeom prst="rect">
+            <a:avLst/>
+          </a:prstGeom>
+          <a:noFill/>
+          <a:ln>
+            <a:solidFill>
+              <a:schemeClr val="tx1"/>
+            </a:solidFill>
+          </a:ln>
+        </p:spPr>
+        <p:style>
+          <a:lnRef idx="2">
+            <a:schemeClr val="accent1">
+              <a:shade val="50000"/>
+            </a:schemeClr>
+          </a:lnRef>
+          <a:fillRef idx="1">
+            <a:schemeClr val="accent1"/>
+          </a:fillRef>
+          <a:effectRef idx="0">
+            <a:schemeClr val="accent1"/>
+          </a:effectRef>
+          <a:fontRef idx="minor">
+            <a:schemeClr val="lt1"/>
+          </a:fontRef>
+        </p:style>
+        <p:txBody>
+          <a:bodyPr rtlCol="0" anchor="ctr"/>
+          <a:lstStyle/>
+          <a:p>
+            <a:pPr algn="ctr"/>
+            <a:r>
+              <a:rPr lang="en-US" altLang="ko-KR" sz="1467" dirty="0">
+                <a:solidFill>
+                  <a:sysClr val="windowText" lastClr="000000"/>
+                </a:solidFill>
+              </a:rPr>
+              <a:t>Map</a:t>
+            </a:r>
+            <a:r>
+              <a:rPr lang="ko-KR" altLang="en-US" sz="1467" dirty="0">
+                <a:solidFill>
+                  <a:sysClr val="windowText" lastClr="000000"/>
+                </a:solidFill>
+              </a:rPr>
+              <a:t>의 </a:t>
+            </a:r>
+            <a:r>
+              <a:rPr lang="en-US" altLang="ko-KR" sz="1467" dirty="0">
+                <a:solidFill>
+                  <a:sysClr val="windowText" lastClr="000000"/>
+                </a:solidFill>
+              </a:rPr>
+              <a:t>key</a:t>
+            </a:r>
+            <a:r>
+              <a:rPr lang="ko-KR" altLang="en-US" sz="1467" dirty="0">
+                <a:solidFill>
+                  <a:sysClr val="windowText" lastClr="000000"/>
+                </a:solidFill>
+              </a:rPr>
+              <a:t>를 정렬한다</a:t>
+            </a:r>
+            <a:endParaRPr lang="en-US" altLang="ko-KR" sz="1467" dirty="0">
+              <a:solidFill>
+                <a:sysClr val="windowText" lastClr="000000"/>
+              </a:solidFill>
+            </a:endParaRPr>
+          </a:p>
+        </p:txBody>
+      </p:sp>
+      <p:cxnSp>
+        <p:nvCxnSpPr>
+          <p:cNvPr id="18" name="직선 화살표 연결선 17">
+            <a:extLst>
+              <a:ext uri="{FF2B5EF4-FFF2-40B4-BE49-F238E27FC236}">
+                <a16:creationId xmlns:a16="http://schemas.microsoft.com/office/drawing/2014/main" id="{B9BACA68-8A07-4A81-869C-87052C1A1BC9}"/>
+              </a:ext>
+            </a:extLst>
+          </p:cNvPr>
+          <p:cNvCxnSpPr>
+            <a:cxnSpLocks/>
+            <a:stCxn id="11" idx="2"/>
+            <a:endCxn id="17" idx="0"/>
+          </p:cNvCxnSpPr>
+          <p:nvPr/>
+        </p:nvCxnSpPr>
+        <p:spPr>
+          <a:xfrm>
+            <a:off x="3159776" y="3812024"/>
+            <a:ext cx="0" cy="329873"/>
+          </a:xfrm>
+          <a:prstGeom prst="straightConnector1">
+            <a:avLst/>
+          </a:prstGeom>
+          <a:ln>
+            <a:solidFill>
+              <a:schemeClr val="tx1"/>
+            </a:solidFill>
+            <a:tailEnd type="triangle"/>
+          </a:ln>
+        </p:spPr>
+        <p:style>
+          <a:lnRef idx="1">
+            <a:schemeClr val="accent1"/>
+          </a:lnRef>
+          <a:fillRef idx="0">
+            <a:schemeClr val="accent1"/>
+          </a:fillRef>
+          <a:effectRef idx="0">
+            <a:schemeClr val="accent1"/>
+          </a:effectRef>
+          <a:fontRef idx="minor">
+            <a:schemeClr val="tx1"/>
+          </a:fontRef>
+        </p:style>
+      </p:cxnSp>
+      <p:sp>
+        <p:nvSpPr>
+          <p:cNvPr id="20" name="직사각형 19">
+            <a:extLst>
+              <a:ext uri="{FF2B5EF4-FFF2-40B4-BE49-F238E27FC236}">
+                <a16:creationId xmlns:a16="http://schemas.microsoft.com/office/drawing/2014/main" id="{D50BFE40-894E-432A-828F-F424B3D1A968}"/>
+              </a:ext>
+            </a:extLst>
+          </p:cNvPr>
+          <p:cNvSpPr/>
+          <p:nvPr/>
+        </p:nvSpPr>
+        <p:spPr>
+          <a:xfrm>
+            <a:off x="1179776" y="5002104"/>
+            <a:ext cx="3960000" cy="540000"/>
+          </a:xfrm>
+          <a:prstGeom prst="rect">
+            <a:avLst/>
+          </a:prstGeom>
+          <a:noFill/>
+          <a:ln>
+            <a:solidFill>
+              <a:schemeClr val="tx1"/>
+            </a:solidFill>
+          </a:ln>
+        </p:spPr>
+        <p:style>
+          <a:lnRef idx="2">
+            <a:schemeClr val="accent1">
+              <a:shade val="50000"/>
+            </a:schemeClr>
+          </a:lnRef>
+          <a:fillRef idx="1">
+            <a:schemeClr val="accent1"/>
+          </a:fillRef>
+          <a:effectRef idx="0">
+            <a:schemeClr val="accent1"/>
+          </a:effectRef>
+          <a:fontRef idx="minor">
+            <a:schemeClr val="lt1"/>
+          </a:fontRef>
+        </p:style>
+        <p:txBody>
+          <a:bodyPr rtlCol="0" anchor="ctr"/>
+          <a:lstStyle/>
+          <a:p>
+            <a:pPr algn="ctr"/>
+            <a:r>
+              <a:rPr lang="ko-KR" altLang="en-US" sz="1467" dirty="0">
+                <a:solidFill>
+                  <a:sysClr val="windowText" lastClr="000000"/>
+                </a:solidFill>
+              </a:rPr>
+              <a:t>결과 </a:t>
+            </a:r>
+            <a:r>
+              <a:rPr lang="en-US" altLang="ko-KR" sz="1467" dirty="0">
+                <a:solidFill>
+                  <a:sysClr val="windowText" lastClr="000000"/>
+                </a:solidFill>
+              </a:rPr>
+              <a:t>List</a:t>
+            </a:r>
+            <a:r>
+              <a:rPr lang="ko-KR" altLang="en-US" sz="1467" dirty="0">
+                <a:solidFill>
+                  <a:sysClr val="windowText" lastClr="000000"/>
+                </a:solidFill>
+              </a:rPr>
+              <a:t>에 </a:t>
+            </a:r>
+            <a:r>
+              <a:rPr lang="en-US" altLang="ko-KR" sz="1467" dirty="0">
+                <a:solidFill>
+                  <a:sysClr val="windowText" lastClr="000000"/>
+                </a:solidFill>
+              </a:rPr>
+              <a:t>Value</a:t>
+            </a:r>
+            <a:r>
+              <a:rPr lang="ko-KR" altLang="en-US" sz="1467" dirty="0">
+                <a:solidFill>
+                  <a:sysClr val="windowText" lastClr="000000"/>
+                </a:solidFill>
+              </a:rPr>
+              <a:t>들을 순서대로 저장한다</a:t>
+            </a:r>
+            <a:endParaRPr lang="en-US" altLang="ko-KR" sz="1467" dirty="0">
+              <a:solidFill>
+                <a:sysClr val="windowText" lastClr="000000"/>
+              </a:solidFill>
+            </a:endParaRPr>
+          </a:p>
+        </p:txBody>
+      </p:sp>
+      <p:cxnSp>
+        <p:nvCxnSpPr>
+          <p:cNvPr id="21" name="직선 화살표 연결선 20">
+            <a:extLst>
+              <a:ext uri="{FF2B5EF4-FFF2-40B4-BE49-F238E27FC236}">
+                <a16:creationId xmlns:a16="http://schemas.microsoft.com/office/drawing/2014/main" id="{C7D1F997-B1EE-42B0-B4F3-55F4E05F2BF4}"/>
+              </a:ext>
+            </a:extLst>
+          </p:cNvPr>
+          <p:cNvCxnSpPr>
+            <a:cxnSpLocks/>
+            <a:stCxn id="17" idx="2"/>
+            <a:endCxn id="20" idx="0"/>
+          </p:cNvCxnSpPr>
+          <p:nvPr/>
+        </p:nvCxnSpPr>
+        <p:spPr>
+          <a:xfrm>
+            <a:off x="3159776" y="4681897"/>
+            <a:ext cx="0" cy="320207"/>
+          </a:xfrm>
+          <a:prstGeom prst="straightConnector1">
+            <a:avLst/>
+          </a:prstGeom>
+          <a:ln>
+            <a:solidFill>
+              <a:schemeClr val="tx1"/>
+            </a:solidFill>
+            <a:tailEnd type="triangle"/>
+          </a:ln>
+        </p:spPr>
+        <p:style>
+          <a:lnRef idx="1">
+            <a:schemeClr val="accent1"/>
+          </a:lnRef>
+          <a:fillRef idx="0">
+            <a:schemeClr val="accent1"/>
+          </a:fillRef>
+          <a:effectRef idx="0">
+            <a:schemeClr val="accent1"/>
+          </a:effectRef>
+          <a:fontRef idx="minor">
+            <a:schemeClr val="tx1"/>
+          </a:fontRef>
+        </p:style>
+      </p:cxnSp>
     </p:spTree>
     <p:extLst>
       <p:ext uri="{BB962C8B-B14F-4D97-AF65-F5344CB8AC3E}">
-        <p14:creationId xmlns:p14="http://schemas.microsoft.com/office/powerpoint/2010/main" val="1114911970"/>
+        <p14:creationId xmlns:p14="http://schemas.microsoft.com/office/powerpoint/2010/main" val="3917722663"/>
       </p:ext>
     </p:extLst>
   </p:cSld>
@@ -6602,11 +7359,27 @@
           <a:p>
             <a:r>
               <a:rPr lang="ko-KR" altLang="en-US" dirty="0"/>
-              <a:t>두 정수 사이의 합 </a:t>
+              <a:t>문자열 내 </a:t>
             </a:r>
             <a:r>
               <a:rPr lang="en-US" altLang="ko-KR" dirty="0"/>
-              <a:t>(01.14)</a:t>
+              <a:t>p</a:t>
+            </a:r>
+            <a:r>
+              <a:rPr lang="ko-KR" altLang="en-US" dirty="0"/>
+              <a:t>와 </a:t>
+            </a:r>
+            <a:r>
+              <a:rPr lang="en-US" altLang="ko-KR" dirty="0"/>
+              <a:t>y</a:t>
+            </a:r>
+            <a:r>
+              <a:rPr lang="ko-KR" altLang="en-US" dirty="0"/>
+              <a:t>의 개수 </a:t>
+            </a:r>
+            <a:r>
+              <a:rPr lang="en-US" altLang="ko-KR" dirty="0"/>
+              <a:t>(01.15)</a:t>
             </a:r>
             <a:endParaRPr lang="ko-KR" altLang="en-US" dirty="0"/>
           </a:p>
@@ -6626,7 +7399,7 @@
         </p:nvSpPr>
         <p:spPr>
           <a:xfrm>
-            <a:off x="1719776" y="1532278"/>
+            <a:off x="1004520" y="1552042"/>
             <a:ext cx="2880000" cy="540000"/>
           </a:xfrm>
           <a:prstGeom prst="rect">
@@ -6666,7 +7439,15 @@
                   <a:sysClr val="windowText" lastClr="000000"/>
                 </a:solidFill>
               </a:rPr>
-              <a:t>문자열 배열을 입력 받는다</a:t>
+              <a:t>문자열을 </a:t>
+            </a:r>
+            <a:r>
+              <a:rPr lang="ko-KR" altLang="en-US" sz="1467">
+                <a:solidFill>
+                  <a:sysClr val="windowText" lastClr="000000"/>
+                </a:solidFill>
+              </a:rPr>
+              <a:t>입력받는다</a:t>
             </a:r>
             <a:endParaRPr lang="en-US" altLang="ko-KR" sz="1467" dirty="0">
               <a:solidFill>
@@ -6694,8 +7475,8 @@
         </p:nvCxnSpPr>
         <p:spPr>
           <a:xfrm>
-            <a:off x="3159776" y="2072278"/>
-            <a:ext cx="0" cy="329873"/>
+            <a:off x="2444520" y="2092042"/>
+            <a:ext cx="0" cy="310109"/>
           </a:xfrm>
           <a:prstGeom prst="straightConnector1">
             <a:avLst/>
@@ -6736,8 +7517,8 @@
         </p:nvSpPr>
         <p:spPr>
           <a:xfrm>
-            <a:off x="639776" y="2402151"/>
-            <a:ext cx="5040000" cy="540000"/>
+            <a:off x="824520" y="2402151"/>
+            <a:ext cx="3240000" cy="540000"/>
           </a:xfrm>
           <a:prstGeom prst="rect">
             <a:avLst/>
@@ -6771,12 +7552,20 @@
           <a:p>
             <a:pPr algn="ctr"/>
             <a:r>
+              <a:rPr lang="ko-KR" altLang="en-US" sz="1467" dirty="0">
+                <a:solidFill>
+                  <a:sysClr val="windowText" lastClr="000000"/>
+                </a:solidFill>
+              </a:rPr>
+              <a:t>문자열에서 </a:t>
+            </a:r>
+            <a:r>
               <a:rPr lang="en-US" altLang="ko-KR" sz="1467" dirty="0">
                 <a:solidFill>
                   <a:sysClr val="windowText" lastClr="000000"/>
                 </a:solidFill>
               </a:rPr>
-              <a:t>Map</a:t>
+              <a:t>p</a:t>
             </a:r>
             <a:r>
               <a:rPr lang="ko-KR" altLang="en-US" sz="1467" dirty="0">
@@ -6784,7 +7573,7 @@
                   <a:sysClr val="windowText" lastClr="000000"/>
                 </a:solidFill>
               </a:rPr>
-              <a:t>을 이용하여 문자열의 </a:t>
+              <a:t>와 </a:t>
             </a:r>
             <a:r>
               <a:rPr lang="en-US" altLang="ko-KR" sz="1467" dirty="0">
@@ -6792,7 +7581,7 @@
                   <a:sysClr val="windowText" lastClr="000000"/>
                 </a:solidFill>
               </a:rPr>
-              <a:t>n</a:t>
+              <a:t>y</a:t>
             </a:r>
             <a:r>
               <a:rPr lang="ko-KR" altLang="en-US" sz="1467" dirty="0">
@@ -6800,97 +7589,63 @@
                   <a:sysClr val="windowText" lastClr="000000"/>
                 </a:solidFill>
               </a:rPr>
-              <a:t>번째 </a:t>
-            </a:r>
-            <a:r>
-              <a:rPr lang="en-US" altLang="ko-KR" sz="1467" dirty="0">
-                <a:solidFill>
-                  <a:sysClr val="windowText" lastClr="000000"/>
-                </a:solidFill>
-              </a:rPr>
-              <a:t>index</a:t>
-            </a:r>
-            <a:r>
-              <a:rPr lang="ko-KR" altLang="en-US" sz="1467" dirty="0">
-                <a:solidFill>
-                  <a:sysClr val="windowText" lastClr="000000"/>
-                </a:solidFill>
-              </a:rPr>
-              <a:t>를 </a:t>
-            </a:r>
-            <a:r>
-              <a:rPr lang="en-US" altLang="ko-KR" sz="1467" dirty="0">
-                <a:solidFill>
-                  <a:sysClr val="windowText" lastClr="000000"/>
-                </a:solidFill>
-              </a:rPr>
-              <a:t>Key</a:t>
-            </a:r>
-          </a:p>
-          <a:p>
-            <a:pPr algn="ctr"/>
-            <a:r>
-              <a:rPr lang="en-US" altLang="ko-KR" sz="1467" dirty="0">
-                <a:solidFill>
-                  <a:sysClr val="windowText" lastClr="000000"/>
-                </a:solidFill>
-              </a:rPr>
-              <a:t>List&lt;String&gt;</a:t>
-            </a:r>
-            <a:r>
-              <a:rPr lang="ko-KR" altLang="en-US" sz="1467" dirty="0">
-                <a:solidFill>
-                  <a:sysClr val="windowText" lastClr="000000"/>
-                </a:solidFill>
-              </a:rPr>
-              <a:t>을 </a:t>
-            </a:r>
-            <a:r>
-              <a:rPr lang="en-US" altLang="ko-KR" sz="1467" dirty="0">
-                <a:solidFill>
-                  <a:sysClr val="windowText" lastClr="000000"/>
-                </a:solidFill>
-              </a:rPr>
-              <a:t>Value</a:t>
-            </a:r>
-            <a:r>
-              <a:rPr lang="ko-KR" altLang="en-US" sz="1467" dirty="0">
-                <a:solidFill>
-                  <a:sysClr val="windowText" lastClr="000000"/>
-                </a:solidFill>
-              </a:rPr>
-              <a:t>로 설정하고 </a:t>
-            </a:r>
-            <a:r>
-              <a:rPr lang="en-US" altLang="ko-KR" sz="1467" dirty="0">
-                <a:solidFill>
-                  <a:sysClr val="windowText" lastClr="000000"/>
-                </a:solidFill>
-              </a:rPr>
-              <a:t>List</a:t>
-            </a:r>
-            <a:r>
-              <a:rPr lang="ko-KR" altLang="en-US" sz="1467" dirty="0">
-                <a:solidFill>
-                  <a:sysClr val="windowText" lastClr="000000"/>
-                </a:solidFill>
-              </a:rPr>
-              <a:t>에 문자열을 저장한다</a:t>
-            </a:r>
-            <a:endParaRPr lang="en-US" altLang="ko-KR" sz="1467" dirty="0">
-              <a:solidFill>
-                <a:sysClr val="windowText" lastClr="000000"/>
-              </a:solidFill>
-            </a:endParaRPr>
-          </a:p>
-        </p:txBody>
-      </p:sp>
+              <a:t>의 개수를 센다</a:t>
+            </a:r>
+          </a:p>
+        </p:txBody>
+      </p:sp>
+      <p:cxnSp>
+        <p:nvCxnSpPr>
+          <p:cNvPr id="8" name="직선 화살표 연결선 7">
+            <a:extLst>
+              <a:ext uri="{FF2B5EF4-FFF2-40B4-BE49-F238E27FC236}">
+                <a16:creationId xmlns:a16="http://schemas.microsoft.com/office/drawing/2014/main" id="{EA094E5A-F22F-4FD1-B189-5CF59EA605C5}"/>
+              </a:ext>
+            </a:extLst>
+          </p:cNvPr>
+          <p:cNvCxnSpPr>
+            <a:cxnSpLocks/>
+            <a:stCxn id="10" idx="2"/>
+            <a:endCxn id="11" idx="0"/>
+          </p:cNvCxnSpPr>
+          <p:nvPr/>
+        </p:nvCxnSpPr>
+        <p:spPr>
+          <a:xfrm>
+            <a:off x="2444520" y="2942151"/>
+            <a:ext cx="0" cy="310109"/>
+          </a:xfrm>
+          <a:prstGeom prst="straightConnector1">
+            <a:avLst/>
+          </a:prstGeom>
+          <a:ln>
+            <a:solidFill>
+              <a:schemeClr val="tx1"/>
+            </a:solidFill>
+            <a:tailEnd type="triangle"/>
+          </a:ln>
+        </p:spPr>
+        <p:style>
+          <a:lnRef idx="1">
+            <a:schemeClr val="accent1"/>
+          </a:lnRef>
+          <a:fillRef idx="0">
+            <a:schemeClr val="accent1"/>
+          </a:fillRef>
+          <a:effectRef idx="0">
+            <a:schemeClr val="accent1"/>
+          </a:effectRef>
+          <a:fontRef idx="minor">
+            <a:schemeClr val="tx1"/>
+          </a:fontRef>
+        </p:style>
+      </p:cxnSp>
       <p:sp>
         <p:nvSpPr>
           <p:cNvPr id="11" name="직사각형 10">
             <a:extLst>
               <a:ext uri="{FF2B5EF4-FFF2-40B4-BE49-F238E27FC236}">
-                <a16:creationId xmlns:a16="http://schemas.microsoft.com/office/drawing/2014/main" id="{B442E58E-BB09-41E1-A323-31289011A97C}"/>
+                <a16:creationId xmlns:a16="http://schemas.microsoft.com/office/drawing/2014/main" id="{45A048BD-F389-4F3F-B082-4F5C34C05B50}"/>
               </a:ext>
             </a:extLst>
           </p:cNvPr>
@@ -6899,8 +7654,8 @@
         </p:nvSpPr>
         <p:spPr>
           <a:xfrm>
-            <a:off x="1179776" y="3272024"/>
-            <a:ext cx="3960000" cy="540000"/>
+            <a:off x="824520" y="3252260"/>
+            <a:ext cx="3240000" cy="540000"/>
           </a:xfrm>
           <a:prstGeom prst="rect">
             <a:avLst/>
@@ -6939,7 +7694,7 @@
                   <a:sysClr val="windowText" lastClr="000000"/>
                 </a:solidFill>
               </a:rPr>
-              <a:t>Map</a:t>
+              <a:t>p</a:t>
             </a:r>
             <a:r>
               <a:rPr lang="ko-KR" altLang="en-US" sz="1467" dirty="0">
@@ -6947,7 +7702,7 @@
                   <a:sysClr val="windowText" lastClr="000000"/>
                 </a:solidFill>
               </a:rPr>
-              <a:t>의 각 </a:t>
+              <a:t>와 </a:t>
             </a:r>
             <a:r>
               <a:rPr lang="en-US" altLang="ko-KR" sz="1467" dirty="0">
@@ -6955,7 +7710,7 @@
                   <a:sysClr val="windowText" lastClr="000000"/>
                 </a:solidFill>
               </a:rPr>
-              <a:t>key</a:t>
+              <a:t>y</a:t>
             </a:r>
             <a:r>
               <a:rPr lang="ko-KR" altLang="en-US" sz="1467" dirty="0">
@@ -6963,15 +7718,15 @@
                   <a:sysClr val="windowText" lastClr="000000"/>
                 </a:solidFill>
               </a:rPr>
-              <a:t>에 대해서 </a:t>
-            </a:r>
-            <a:r>
-              <a:rPr lang="en-US" altLang="ko-KR" sz="1467" dirty="0">
-                <a:solidFill>
-                  <a:sysClr val="windowText" lastClr="000000"/>
-                </a:solidFill>
-              </a:rPr>
-              <a:t>value</a:t>
+              <a:t>의 개수가 </a:t>
+            </a:r>
+            <a:r>
+              <a:rPr lang="ko-KR" altLang="en-US" sz="1467" dirty="0" err="1">
+                <a:solidFill>
+                  <a:sysClr val="windowText" lastClr="000000"/>
+                </a:solidFill>
+              </a:rPr>
+              <a:t>같은지</a:t>
             </a:r>
             <a:r>
               <a:rPr lang="ko-KR" altLang="en-US" sz="1467" dirty="0">
@@ -6979,68 +7734,82 @@
                   <a:sysClr val="windowText" lastClr="000000"/>
                 </a:solidFill>
               </a:rPr>
-              <a:t>를 정렬한다</a:t>
-            </a:r>
-            <a:endParaRPr lang="en-US" altLang="ko-KR" sz="1467" dirty="0">
-              <a:solidFill>
-                <a:sysClr val="windowText" lastClr="000000"/>
-              </a:solidFill>
-            </a:endParaRPr>
-          </a:p>
-        </p:txBody>
-      </p:sp>
-      <p:cxnSp>
-        <p:nvCxnSpPr>
-          <p:cNvPr id="8" name="직선 화살표 연결선 7">
-            <a:extLst>
-              <a:ext uri="{FF2B5EF4-FFF2-40B4-BE49-F238E27FC236}">
-                <a16:creationId xmlns:a16="http://schemas.microsoft.com/office/drawing/2014/main" id="{3415365E-9690-48E2-816B-1F0FAA26BED9}"/>
-              </a:ext>
-            </a:extLst>
-          </p:cNvPr>
-          <p:cNvCxnSpPr>
-            <a:cxnSpLocks/>
-            <a:stCxn id="10" idx="2"/>
-            <a:endCxn id="11" idx="0"/>
-          </p:cNvCxnSpPr>
+              <a:t> 확인한다</a:t>
+            </a:r>
+          </a:p>
+        </p:txBody>
+      </p:sp>
+      <p:sp>
+        <p:nvSpPr>
+          <p:cNvPr id="12" name="제목 3">
+            <a:extLst>
+              <a:ext uri="{FF2B5EF4-FFF2-40B4-BE49-F238E27FC236}">
+                <a16:creationId xmlns:a16="http://schemas.microsoft.com/office/drawing/2014/main" id="{A9A7AC28-AC09-4DF2-B82B-E328E43FADD5}"/>
+              </a:ext>
+            </a:extLst>
+          </p:cNvPr>
+          <p:cNvSpPr txBox="1">
+            <a:spLocks/>
+          </p:cNvSpPr>
           <p:nvPr/>
-        </p:nvCxnSpPr>
-        <p:spPr>
-          <a:xfrm>
-            <a:off x="3159776" y="2942151"/>
-            <a:ext cx="0" cy="329873"/>
-          </a:xfrm>
-          <a:prstGeom prst="straightConnector1">
+        </p:nvSpPr>
+        <p:spPr>
+          <a:xfrm>
+            <a:off x="471489" y="4572000"/>
+            <a:ext cx="5915025" cy="559764"/>
+          </a:xfrm>
+          <a:prstGeom prst="rect">
             <a:avLst/>
           </a:prstGeom>
-          <a:ln>
-            <a:solidFill>
-              <a:schemeClr val="tx1"/>
-            </a:solidFill>
-            <a:tailEnd type="triangle"/>
-          </a:ln>
-        </p:spPr>
-        <p:style>
-          <a:lnRef idx="1">
-            <a:schemeClr val="accent1"/>
-          </a:lnRef>
-          <a:fillRef idx="0">
-            <a:schemeClr val="accent1"/>
-          </a:fillRef>
-          <a:effectRef idx="0">
-            <a:schemeClr val="accent1"/>
-          </a:effectRef>
-          <a:fontRef idx="minor">
-            <a:schemeClr val="tx1"/>
-          </a:fontRef>
-        </p:style>
-      </p:cxnSp>
-      <p:sp>
-        <p:nvSpPr>
-          <p:cNvPr id="17" name="직사각형 16">
-            <a:extLst>
-              <a:ext uri="{FF2B5EF4-FFF2-40B4-BE49-F238E27FC236}">
-                <a16:creationId xmlns:a16="http://schemas.microsoft.com/office/drawing/2014/main" id="{5D772CC0-B68E-4F2B-AB59-389D6F078E00}"/>
+        </p:spPr>
+        <p:txBody>
+          <a:bodyPr vert="horz" lIns="91440" tIns="45720" rIns="91440" bIns="45720" rtlCol="0" anchor="ctr">
+            <a:noAutofit/>
+          </a:bodyPr>
+          <a:lstStyle>
+            <a:lvl1pPr algn="l" defTabSz="685800" rtl="0" eaLnBrk="1" latinLnBrk="1" hangingPunct="1">
+              <a:lnSpc>
+                <a:spcPct val="90000"/>
+              </a:lnSpc>
+              <a:spcBef>
+                <a:spcPct val="0"/>
+              </a:spcBef>
+              <a:buNone/>
+              <a:defRPr sz="2800" kern="1200">
+                <a:solidFill>
+                  <a:schemeClr val="tx1"/>
+                </a:solidFill>
+                <a:latin typeface="+mj-lt"/>
+                <a:ea typeface="+mj-ea"/>
+                <a:cs typeface="+mj-cs"/>
+              </a:defRPr>
+            </a:lvl1pPr>
+          </a:lstStyle>
+          <a:p>
+            <a:r>
+              <a:rPr lang="ko-KR" altLang="en-US" sz="2400">
+                <a:latin typeface="Inter"/>
+              </a:rPr>
+              <a:t>문자열 내림차순으로 배치하기</a:t>
+            </a:r>
+            <a:r>
+              <a:rPr lang="ko-KR" altLang="en-US" sz="2400"/>
+              <a:t> </a:t>
+            </a:r>
+            <a:r>
+              <a:rPr lang="en-US" altLang="ko-KR" sz="2400"/>
+              <a:t>(01.15)</a:t>
+            </a:r>
+            <a:endParaRPr lang="ko-KR" altLang="en-US" sz="2400" dirty="0"/>
+          </a:p>
+        </p:txBody>
+      </p:sp>
+      <p:sp>
+        <p:nvSpPr>
+          <p:cNvPr id="13" name="직사각형 12">
+            <a:extLst>
+              <a:ext uri="{FF2B5EF4-FFF2-40B4-BE49-F238E27FC236}">
+                <a16:creationId xmlns:a16="http://schemas.microsoft.com/office/drawing/2014/main" id="{79DE8336-0594-4309-B25E-6BC540519393}"/>
               </a:ext>
             </a:extLst>
           </p:cNvPr>
@@ -7049,8 +7818,8 @@
         </p:nvSpPr>
         <p:spPr>
           <a:xfrm>
-            <a:off x="1179776" y="4141897"/>
-            <a:ext cx="3960000" cy="540000"/>
+            <a:off x="1004520" y="5775757"/>
+            <a:ext cx="2880000" cy="540000"/>
           </a:xfrm>
           <a:prstGeom prst="rect">
             <a:avLst/>
@@ -7084,12 +7853,20 @@
           <a:p>
             <a:pPr algn="ctr"/>
             <a:r>
+              <a:rPr lang="ko-KR" altLang="en-US" sz="1467" dirty="0">
+                <a:solidFill>
+                  <a:sysClr val="windowText" lastClr="000000"/>
+                </a:solidFill>
+              </a:rPr>
+              <a:t>문자열을 </a:t>
+            </a:r>
+            <a:r>
               <a:rPr lang="en-US" altLang="ko-KR" sz="1467" dirty="0">
                 <a:solidFill>
                   <a:sysClr val="windowText" lastClr="000000"/>
                 </a:solidFill>
               </a:rPr>
-              <a:t>Map</a:t>
+              <a:t>char[]</a:t>
             </a:r>
             <a:r>
               <a:rPr lang="ko-KR" altLang="en-US" sz="1467" dirty="0">
@@ -7097,23 +7874,7 @@
                   <a:sysClr val="windowText" lastClr="000000"/>
                 </a:solidFill>
               </a:rPr>
-              <a:t>의 </a:t>
-            </a:r>
-            <a:r>
-              <a:rPr lang="en-US" altLang="ko-KR" sz="1467" dirty="0">
-                <a:solidFill>
-                  <a:sysClr val="windowText" lastClr="000000"/>
-                </a:solidFill>
-              </a:rPr>
-              <a:t>key</a:t>
-            </a:r>
-            <a:r>
-              <a:rPr lang="ko-KR" altLang="en-US" sz="1467" dirty="0">
-                <a:solidFill>
-                  <a:sysClr val="windowText" lastClr="000000"/>
-                </a:solidFill>
-              </a:rPr>
-              <a:t>를 정렬한다</a:t>
+              <a:t>으로 바꾼다</a:t>
             </a:r>
             <a:endParaRPr lang="en-US" altLang="ko-KR" sz="1467" dirty="0">
               <a:solidFill>
@@ -7125,24 +7886,24 @@
       </p:sp>
       <p:cxnSp>
         <p:nvCxnSpPr>
-          <p:cNvPr id="18" name="직선 화살표 연결선 17">
-            <a:extLst>
-              <a:ext uri="{FF2B5EF4-FFF2-40B4-BE49-F238E27FC236}">
-                <a16:creationId xmlns:a16="http://schemas.microsoft.com/office/drawing/2014/main" id="{B9BACA68-8A07-4A81-869C-87052C1A1BC9}"/>
+          <p:cNvPr id="14" name="직선 화살표 연결선 13">
+            <a:extLst>
+              <a:ext uri="{FF2B5EF4-FFF2-40B4-BE49-F238E27FC236}">
+                <a16:creationId xmlns:a16="http://schemas.microsoft.com/office/drawing/2014/main" id="{D1D3A2E3-9241-43EA-BB90-7DFB814D06DF}"/>
               </a:ext>
             </a:extLst>
           </p:cNvPr>
           <p:cNvCxnSpPr>
             <a:cxnSpLocks/>
-            <a:stCxn id="11" idx="2"/>
-            <a:endCxn id="17" idx="0"/>
+            <a:stCxn id="13" idx="2"/>
+            <a:endCxn id="15" idx="0"/>
           </p:cNvCxnSpPr>
           <p:nvPr/>
         </p:nvCxnSpPr>
         <p:spPr>
           <a:xfrm>
-            <a:off x="3159776" y="3812024"/>
-            <a:ext cx="0" cy="329873"/>
+            <a:off x="2444520" y="6315757"/>
+            <a:ext cx="0" cy="310109"/>
           </a:xfrm>
           <a:prstGeom prst="straightConnector1">
             <a:avLst/>
@@ -7171,10 +7932,10 @@
       </p:cxnSp>
       <p:sp>
         <p:nvSpPr>
-          <p:cNvPr id="20" name="직사각형 19">
-            <a:extLst>
-              <a:ext uri="{FF2B5EF4-FFF2-40B4-BE49-F238E27FC236}">
-                <a16:creationId xmlns:a16="http://schemas.microsoft.com/office/drawing/2014/main" id="{D50BFE40-894E-432A-828F-F424B3D1A968}"/>
+          <p:cNvPr id="15" name="직사각형 14">
+            <a:extLst>
+              <a:ext uri="{FF2B5EF4-FFF2-40B4-BE49-F238E27FC236}">
+                <a16:creationId xmlns:a16="http://schemas.microsoft.com/office/drawing/2014/main" id="{C1CF76A8-C99B-4F3A-8ADD-E4B3B518C0E5}"/>
               </a:ext>
             </a:extLst>
           </p:cNvPr>
@@ -7183,8 +7944,8 @@
         </p:nvSpPr>
         <p:spPr>
           <a:xfrm>
-            <a:off x="1179776" y="5002104"/>
-            <a:ext cx="3960000" cy="540000"/>
+            <a:off x="1004520" y="6625866"/>
+            <a:ext cx="2880000" cy="540000"/>
           </a:xfrm>
           <a:prstGeom prst="rect">
             <a:avLst/>
@@ -7218,73 +7979,44 @@
           <a:p>
             <a:pPr algn="ctr"/>
             <a:r>
+              <a:rPr lang="en-US" altLang="ko-KR" sz="1467" dirty="0">
+                <a:solidFill>
+                  <a:sysClr val="windowText" lastClr="000000"/>
+                </a:solidFill>
+              </a:rPr>
+              <a:t>char[]</a:t>
+            </a:r>
+            <a:r>
               <a:rPr lang="ko-KR" altLang="en-US" sz="1467" dirty="0">
                 <a:solidFill>
                   <a:sysClr val="windowText" lastClr="000000"/>
                 </a:solidFill>
               </a:rPr>
-              <a:t>결과 </a:t>
-            </a:r>
-            <a:r>
-              <a:rPr lang="en-US" altLang="ko-KR" sz="1467" dirty="0">
-                <a:solidFill>
-                  <a:sysClr val="windowText" lastClr="000000"/>
-                </a:solidFill>
-              </a:rPr>
-              <a:t>List</a:t>
-            </a:r>
-            <a:r>
-              <a:rPr lang="ko-KR" altLang="en-US" sz="1467" dirty="0">
-                <a:solidFill>
-                  <a:sysClr val="windowText" lastClr="000000"/>
-                </a:solidFill>
-              </a:rPr>
-              <a:t>에 </a:t>
-            </a:r>
-            <a:r>
-              <a:rPr lang="en-US" altLang="ko-KR" sz="1467" dirty="0">
-                <a:solidFill>
-                  <a:sysClr val="windowText" lastClr="000000"/>
-                </a:solidFill>
-              </a:rPr>
-              <a:t>Value</a:t>
-            </a:r>
-            <a:r>
-              <a:rPr lang="ko-KR" altLang="en-US" sz="1467" dirty="0">
-                <a:solidFill>
-                  <a:sysClr val="windowText" lastClr="000000"/>
-                </a:solidFill>
-              </a:rPr>
-              <a:t>들을 순서대로 저장한다</a:t>
-            </a:r>
-            <a:endParaRPr lang="en-US" altLang="ko-KR" sz="1467" dirty="0">
-              <a:solidFill>
-                <a:sysClr val="windowText" lastClr="000000"/>
-              </a:solidFill>
-            </a:endParaRPr>
+              <a:t>을 정렬한다</a:t>
+            </a:r>
           </a:p>
         </p:txBody>
       </p:sp>
       <p:cxnSp>
         <p:nvCxnSpPr>
-          <p:cNvPr id="21" name="직선 화살표 연결선 20">
-            <a:extLst>
-              <a:ext uri="{FF2B5EF4-FFF2-40B4-BE49-F238E27FC236}">
-                <a16:creationId xmlns:a16="http://schemas.microsoft.com/office/drawing/2014/main" id="{C7D1F997-B1EE-42B0-B4F3-55F4E05F2BF4}"/>
+          <p:cNvPr id="16" name="직선 화살표 연결선 15">
+            <a:extLst>
+              <a:ext uri="{FF2B5EF4-FFF2-40B4-BE49-F238E27FC236}">
+                <a16:creationId xmlns:a16="http://schemas.microsoft.com/office/drawing/2014/main" id="{D065EED3-EB23-4B5B-B03C-494C28BF5A41}"/>
               </a:ext>
             </a:extLst>
           </p:cNvPr>
           <p:cNvCxnSpPr>
             <a:cxnSpLocks/>
-            <a:stCxn id="17" idx="2"/>
-            <a:endCxn id="20" idx="0"/>
+            <a:stCxn id="15" idx="2"/>
+            <a:endCxn id="17" idx="0"/>
           </p:cNvCxnSpPr>
           <p:nvPr/>
         </p:nvCxnSpPr>
         <p:spPr>
           <a:xfrm>
-            <a:off x="3159776" y="4681897"/>
-            <a:ext cx="0" cy="320207"/>
+            <a:off x="2444520" y="7165866"/>
+            <a:ext cx="0" cy="310109"/>
           </a:xfrm>
           <a:prstGeom prst="straightConnector1">
             <a:avLst/>
@@ -7311,10 +8043,77 @@
           </a:fontRef>
         </p:style>
       </p:cxnSp>
+      <p:sp>
+        <p:nvSpPr>
+          <p:cNvPr id="17" name="직사각형 16">
+            <a:extLst>
+              <a:ext uri="{FF2B5EF4-FFF2-40B4-BE49-F238E27FC236}">
+                <a16:creationId xmlns:a16="http://schemas.microsoft.com/office/drawing/2014/main" id="{CE4CB27C-E39C-45DD-B776-7C6956EF5BD9}"/>
+              </a:ext>
+            </a:extLst>
+          </p:cNvPr>
+          <p:cNvSpPr/>
+          <p:nvPr/>
+        </p:nvSpPr>
+        <p:spPr>
+          <a:xfrm>
+            <a:off x="1004520" y="7475975"/>
+            <a:ext cx="2880000" cy="540000"/>
+          </a:xfrm>
+          <a:prstGeom prst="rect">
+            <a:avLst/>
+          </a:prstGeom>
+          <a:noFill/>
+          <a:ln>
+            <a:solidFill>
+              <a:schemeClr val="tx1"/>
+            </a:solidFill>
+          </a:ln>
+        </p:spPr>
+        <p:style>
+          <a:lnRef idx="2">
+            <a:schemeClr val="accent1">
+              <a:shade val="50000"/>
+            </a:schemeClr>
+          </a:lnRef>
+          <a:fillRef idx="1">
+            <a:schemeClr val="accent1"/>
+          </a:fillRef>
+          <a:effectRef idx="0">
+            <a:schemeClr val="accent1"/>
+          </a:effectRef>
+          <a:fontRef idx="minor">
+            <a:schemeClr val="lt1"/>
+          </a:fontRef>
+        </p:style>
+        <p:txBody>
+          <a:bodyPr rtlCol="0" anchor="ctr"/>
+          <a:lstStyle/>
+          <a:p>
+            <a:pPr algn="ctr"/>
+            <a:r>
+              <a:rPr lang="en-US" altLang="ko-KR" sz="1467" dirty="0">
+                <a:solidFill>
+                  <a:sysClr val="windowText" lastClr="000000"/>
+                </a:solidFill>
+              </a:rPr>
+              <a:t>char[]</a:t>
+            </a:r>
+            <a:r>
+              <a:rPr lang="ko-KR" altLang="en-US" sz="1467" dirty="0">
+                <a:solidFill>
+                  <a:sysClr val="windowText" lastClr="000000"/>
+                </a:solidFill>
+              </a:rPr>
+              <a:t>을 반대로 뒤집는다</a:t>
+            </a:r>
+          </a:p>
+        </p:txBody>
+      </p:sp>
     </p:spTree>
     <p:extLst>
       <p:ext uri="{BB962C8B-B14F-4D97-AF65-F5344CB8AC3E}">
-        <p14:creationId xmlns:p14="http://schemas.microsoft.com/office/powerpoint/2010/main" val="3917722663"/>
+        <p14:creationId xmlns:p14="http://schemas.microsoft.com/office/powerpoint/2010/main" val="2365095321"/>
       </p:ext>
     </p:extLst>
   </p:cSld>
@@ -7364,23 +8163,7 @@
           <a:p>
             <a:r>
               <a:rPr lang="ko-KR" altLang="en-US" dirty="0"/>
-              <a:t>문자열 내 </a:t>
-            </a:r>
-            <a:r>
-              <a:rPr lang="en-US" altLang="ko-KR" dirty="0"/>
-              <a:t>p</a:t>
-            </a:r>
-            <a:r>
-              <a:rPr lang="ko-KR" altLang="en-US" dirty="0"/>
-              <a:t>와 </a:t>
-            </a:r>
-            <a:r>
-              <a:rPr lang="en-US" altLang="ko-KR" dirty="0"/>
-              <a:t>y</a:t>
-            </a:r>
-            <a:r>
-              <a:rPr lang="ko-KR" altLang="en-US" dirty="0"/>
-              <a:t>의 개수 </a:t>
+              <a:t>문자열 다루기 기본 </a:t>
             </a:r>
             <a:r>
               <a:rPr lang="en-US" altLang="ko-KR" dirty="0"/>
@@ -7405,7 +8188,7 @@
         <p:spPr>
           <a:xfrm>
             <a:off x="1004520" y="1552042"/>
-            <a:ext cx="2880000" cy="540000"/>
+            <a:ext cx="3600000" cy="540000"/>
           </a:xfrm>
           <a:prstGeom prst="rect">
             <a:avLst/>
@@ -7444,15 +8227,39 @@
                   <a:sysClr val="windowText" lastClr="000000"/>
                 </a:solidFill>
               </a:rPr>
-              <a:t>문자열을 </a:t>
-            </a:r>
-            <a:r>
-              <a:rPr lang="ko-KR" altLang="en-US" sz="1467">
-                <a:solidFill>
-                  <a:sysClr val="windowText" lastClr="000000"/>
-                </a:solidFill>
-              </a:rPr>
-              <a:t>입력받는다</a:t>
+              <a:t>문자열의 길이가 </a:t>
+            </a:r>
+            <a:r>
+              <a:rPr lang="en-US" altLang="ko-KR" sz="1467" dirty="0">
+                <a:solidFill>
+                  <a:sysClr val="windowText" lastClr="000000"/>
+                </a:solidFill>
+              </a:rPr>
+              <a:t>4</a:t>
+            </a:r>
+            <a:r>
+              <a:rPr lang="ko-KR" altLang="en-US" sz="1467" dirty="0">
+                <a:solidFill>
+                  <a:sysClr val="windowText" lastClr="000000"/>
+                </a:solidFill>
+              </a:rPr>
+              <a:t> 또는 </a:t>
+            </a:r>
+            <a:r>
+              <a:rPr lang="en-US" altLang="ko-KR" sz="1467" dirty="0">
+                <a:solidFill>
+                  <a:sysClr val="windowText" lastClr="000000"/>
+                </a:solidFill>
+              </a:rPr>
+              <a:t>6</a:t>
+            </a:r>
+            <a:r>
+              <a:rPr lang="ko-KR" altLang="en-US" sz="1467" dirty="0">
+                <a:solidFill>
+                  <a:sysClr val="windowText" lastClr="000000"/>
+                </a:solidFill>
+              </a:rPr>
+              <a:t>인지 확인한다</a:t>
             </a:r>
             <a:endParaRPr lang="en-US" altLang="ko-KR" sz="1467" dirty="0">
               <a:solidFill>
@@ -7480,7 +8287,7 @@
         </p:nvCxnSpPr>
         <p:spPr>
           <a:xfrm>
-            <a:off x="2444520" y="2092042"/>
+            <a:off x="2804520" y="2092042"/>
             <a:ext cx="0" cy="310109"/>
           </a:xfrm>
           <a:prstGeom prst="straightConnector1">
@@ -7522,8 +8329,8 @@
         </p:nvSpPr>
         <p:spPr>
           <a:xfrm>
-            <a:off x="824520" y="2402151"/>
-            <a:ext cx="3240000" cy="540000"/>
+            <a:off x="1004520" y="2402151"/>
+            <a:ext cx="3600000" cy="540000"/>
           </a:xfrm>
           <a:prstGeom prst="rect">
             <a:avLst/>
@@ -7562,184 +8369,7 @@
                   <a:sysClr val="windowText" lastClr="000000"/>
                 </a:solidFill>
               </a:rPr>
-              <a:t>문자열에서 </a:t>
-            </a:r>
-            <a:r>
-              <a:rPr lang="en-US" altLang="ko-KR" sz="1467" dirty="0">
-                <a:solidFill>
-                  <a:sysClr val="windowText" lastClr="000000"/>
-                </a:solidFill>
-              </a:rPr>
-              <a:t>p</a:t>
-            </a:r>
-            <a:r>
-              <a:rPr lang="ko-KR" altLang="en-US" sz="1467" dirty="0">
-                <a:solidFill>
-                  <a:sysClr val="windowText" lastClr="000000"/>
-                </a:solidFill>
-              </a:rPr>
-              <a:t>와 </a:t>
-            </a:r>
-            <a:r>
-              <a:rPr lang="en-US" altLang="ko-KR" sz="1467" dirty="0">
-                <a:solidFill>
-                  <a:sysClr val="windowText" lastClr="000000"/>
-                </a:solidFill>
-              </a:rPr>
-              <a:t>y</a:t>
-            </a:r>
-            <a:r>
-              <a:rPr lang="ko-KR" altLang="en-US" sz="1467" dirty="0">
-                <a:solidFill>
-                  <a:sysClr val="windowText" lastClr="000000"/>
-                </a:solidFill>
-              </a:rPr>
-              <a:t>의 개수를 센다</a:t>
-            </a:r>
-          </a:p>
-        </p:txBody>
-      </p:sp>
-      <p:cxnSp>
-        <p:nvCxnSpPr>
-          <p:cNvPr id="8" name="직선 화살표 연결선 7">
-            <a:extLst>
-              <a:ext uri="{FF2B5EF4-FFF2-40B4-BE49-F238E27FC236}">
-                <a16:creationId xmlns:a16="http://schemas.microsoft.com/office/drawing/2014/main" id="{EA094E5A-F22F-4FD1-B189-5CF59EA605C5}"/>
-              </a:ext>
-            </a:extLst>
-          </p:cNvPr>
-          <p:cNvCxnSpPr>
-            <a:cxnSpLocks/>
-            <a:stCxn id="10" idx="2"/>
-            <a:endCxn id="11" idx="0"/>
-          </p:cNvCxnSpPr>
-          <p:nvPr/>
-        </p:nvCxnSpPr>
-        <p:spPr>
-          <a:xfrm>
-            <a:off x="2444520" y="2942151"/>
-            <a:ext cx="0" cy="310109"/>
-          </a:xfrm>
-          <a:prstGeom prst="straightConnector1">
-            <a:avLst/>
-          </a:prstGeom>
-          <a:ln>
-            <a:solidFill>
-              <a:schemeClr val="tx1"/>
-            </a:solidFill>
-            <a:tailEnd type="triangle"/>
-          </a:ln>
-        </p:spPr>
-        <p:style>
-          <a:lnRef idx="1">
-            <a:schemeClr val="accent1"/>
-          </a:lnRef>
-          <a:fillRef idx="0">
-            <a:schemeClr val="accent1"/>
-          </a:fillRef>
-          <a:effectRef idx="0">
-            <a:schemeClr val="accent1"/>
-          </a:effectRef>
-          <a:fontRef idx="minor">
-            <a:schemeClr val="tx1"/>
-          </a:fontRef>
-        </p:style>
-      </p:cxnSp>
-      <p:sp>
-        <p:nvSpPr>
-          <p:cNvPr id="11" name="직사각형 10">
-            <a:extLst>
-              <a:ext uri="{FF2B5EF4-FFF2-40B4-BE49-F238E27FC236}">
-                <a16:creationId xmlns:a16="http://schemas.microsoft.com/office/drawing/2014/main" id="{45A048BD-F389-4F3F-B082-4F5C34C05B50}"/>
-              </a:ext>
-            </a:extLst>
-          </p:cNvPr>
-          <p:cNvSpPr/>
-          <p:nvPr/>
-        </p:nvSpPr>
-        <p:spPr>
-          <a:xfrm>
-            <a:off x="824520" y="3252260"/>
-            <a:ext cx="3240000" cy="540000"/>
-          </a:xfrm>
-          <a:prstGeom prst="rect">
-            <a:avLst/>
-          </a:prstGeom>
-          <a:noFill/>
-          <a:ln>
-            <a:solidFill>
-              <a:schemeClr val="tx1"/>
-            </a:solidFill>
-          </a:ln>
-        </p:spPr>
-        <p:style>
-          <a:lnRef idx="2">
-            <a:schemeClr val="accent1">
-              <a:shade val="50000"/>
-            </a:schemeClr>
-          </a:lnRef>
-          <a:fillRef idx="1">
-            <a:schemeClr val="accent1"/>
-          </a:fillRef>
-          <a:effectRef idx="0">
-            <a:schemeClr val="accent1"/>
-          </a:effectRef>
-          <a:fontRef idx="minor">
-            <a:schemeClr val="lt1"/>
-          </a:fontRef>
-        </p:style>
-        <p:txBody>
-          <a:bodyPr rtlCol="0" anchor="ctr"/>
-          <a:lstStyle/>
-          <a:p>
-            <a:pPr algn="ctr"/>
-            <a:r>
-              <a:rPr lang="en-US" altLang="ko-KR" sz="1467" dirty="0">
-                <a:solidFill>
-                  <a:sysClr val="windowText" lastClr="000000"/>
-                </a:solidFill>
-              </a:rPr>
-              <a:t>p</a:t>
-            </a:r>
-            <a:r>
-              <a:rPr lang="ko-KR" altLang="en-US" sz="1467" dirty="0">
-                <a:solidFill>
-                  <a:sysClr val="windowText" lastClr="000000"/>
-                </a:solidFill>
-              </a:rPr>
-              <a:t>와 </a:t>
-            </a:r>
-            <a:r>
-              <a:rPr lang="en-US" altLang="ko-KR" sz="1467" dirty="0">
-                <a:solidFill>
-                  <a:sysClr val="windowText" lastClr="000000"/>
-                </a:solidFill>
-              </a:rPr>
-              <a:t>y</a:t>
-            </a:r>
-            <a:r>
-              <a:rPr lang="ko-KR" altLang="en-US" sz="1467" dirty="0">
-                <a:solidFill>
-                  <a:sysClr val="windowText" lastClr="000000"/>
-                </a:solidFill>
-              </a:rPr>
-              <a:t>의 개수가 </a:t>
-            </a:r>
-            <a:r>
-              <a:rPr lang="ko-KR" altLang="en-US" sz="1467" dirty="0" err="1">
-                <a:solidFill>
-                  <a:sysClr val="windowText" lastClr="000000"/>
-                </a:solidFill>
-              </a:rPr>
-              <a:t>같은지</a:t>
-            </a:r>
-            <a:r>
-              <a:rPr lang="ko-KR" altLang="en-US" sz="1467" dirty="0">
-                <a:solidFill>
-                  <a:sysClr val="windowText" lastClr="000000"/>
-                </a:solidFill>
-              </a:rPr>
-              <a:t> 확인한다</a:t>
+              <a:t>문자열이 숫자로만 구성되는지 확인한다</a:t>
             </a:r>
           </a:p>
         </p:txBody>
@@ -7747,385 +8377,7 @@
     </p:spTree>
     <p:extLst>
       <p:ext uri="{BB962C8B-B14F-4D97-AF65-F5344CB8AC3E}">
-        <p14:creationId xmlns:p14="http://schemas.microsoft.com/office/powerpoint/2010/main" val="2365095321"/>
-      </p:ext>
-    </p:extLst>
-  </p:cSld>
-  <p:clrMapOvr>
-    <a:masterClrMapping/>
-  </p:clrMapOvr>
-</p:sld>
-</file>
-
-<file path=ppt/slides/slide16.xml><?xml version="1.0" encoding="utf-8"?>
-<p:sld xmlns:a="http://schemas.openxmlformats.org/drawingml/2006/main" xmlns:r="http://schemas.openxmlformats.org/officeDocument/2006/relationships" xmlns:p="http://schemas.openxmlformats.org/presentationml/2006/main">
-  <p:cSld>
-    <p:spTree>
-      <p:nvGrpSpPr>
-        <p:cNvPr id="1" name=""/>
-        <p:cNvGrpSpPr/>
-        <p:nvPr/>
-      </p:nvGrpSpPr>
-      <p:grpSpPr>
-        <a:xfrm>
-          <a:off x="0" y="0"/>
-          <a:ext cx="0" cy="0"/>
-          <a:chOff x="0" y="0"/>
-          <a:chExt cx="0" cy="0"/>
-        </a:xfrm>
-      </p:grpSpPr>
-      <p:sp>
-        <p:nvSpPr>
-          <p:cNvPr id="4" name="제목 3">
-            <a:extLst>
-              <a:ext uri="{FF2B5EF4-FFF2-40B4-BE49-F238E27FC236}">
-                <a16:creationId xmlns:a16="http://schemas.microsoft.com/office/drawing/2014/main" id="{30BAC889-89EF-449A-A9AB-0AA582E87CB5}"/>
-              </a:ext>
-            </a:extLst>
-          </p:cNvPr>
-          <p:cNvSpPr>
-            <a:spLocks noGrp="1"/>
-          </p:cNvSpPr>
-          <p:nvPr>
-            <p:ph type="title"/>
-          </p:nvPr>
-        </p:nvSpPr>
-        <p:spPr/>
-        <p:txBody>
-          <a:bodyPr>
-            <a:noAutofit/>
-          </a:bodyPr>
-          <a:lstStyle/>
-          <a:p>
-            <a:r>
-              <a:rPr lang="ko-KR" altLang="en-US" sz="2400" b="0" i="0" dirty="0">
-                <a:effectLst/>
-                <a:latin typeface="Inter"/>
-              </a:rPr>
-              <a:t>문자열 내림차순으로 배치하기</a:t>
-            </a:r>
-            <a:r>
-              <a:rPr lang="ko-KR" altLang="en-US" sz="2400" dirty="0"/>
-              <a:t> </a:t>
-            </a:r>
-            <a:r>
-              <a:rPr lang="en-US" altLang="ko-KR" sz="2400" dirty="0"/>
-              <a:t>(01.15)</a:t>
-            </a:r>
-            <a:endParaRPr lang="ko-KR" altLang="en-US" sz="2400" dirty="0"/>
-          </a:p>
-        </p:txBody>
-      </p:sp>
-      <p:sp>
-        <p:nvSpPr>
-          <p:cNvPr id="7" name="직사각형 6">
-            <a:extLst>
-              <a:ext uri="{FF2B5EF4-FFF2-40B4-BE49-F238E27FC236}">
-                <a16:creationId xmlns:a16="http://schemas.microsoft.com/office/drawing/2014/main" id="{3521F3E1-F3C7-4375-B8E7-0210E50030D0}"/>
-              </a:ext>
-            </a:extLst>
-          </p:cNvPr>
-          <p:cNvSpPr/>
-          <p:nvPr/>
-        </p:nvSpPr>
-        <p:spPr>
-          <a:xfrm>
-            <a:off x="1004520" y="1552042"/>
-            <a:ext cx="2880000" cy="540000"/>
-          </a:xfrm>
-          <a:prstGeom prst="rect">
-            <a:avLst/>
-          </a:prstGeom>
-          <a:noFill/>
-          <a:ln>
-            <a:solidFill>
-              <a:schemeClr val="tx1"/>
-            </a:solidFill>
-          </a:ln>
-        </p:spPr>
-        <p:style>
-          <a:lnRef idx="2">
-            <a:schemeClr val="accent1">
-              <a:shade val="50000"/>
-            </a:schemeClr>
-          </a:lnRef>
-          <a:fillRef idx="1">
-            <a:schemeClr val="accent1"/>
-          </a:fillRef>
-          <a:effectRef idx="0">
-            <a:schemeClr val="accent1"/>
-          </a:effectRef>
-          <a:fontRef idx="minor">
-            <a:schemeClr val="lt1"/>
-          </a:fontRef>
-        </p:style>
-        <p:txBody>
-          <a:bodyPr rtlCol="0" anchor="ctr"/>
-          <a:lstStyle/>
-          <a:p>
-            <a:pPr algn="ctr"/>
-            <a:r>
-              <a:rPr lang="ko-KR" altLang="en-US" sz="1467" dirty="0">
-                <a:solidFill>
-                  <a:sysClr val="windowText" lastClr="000000"/>
-                </a:solidFill>
-              </a:rPr>
-              <a:t>문자열을 </a:t>
-            </a:r>
-            <a:r>
-              <a:rPr lang="en-US" altLang="ko-KR" sz="1467" dirty="0">
-                <a:solidFill>
-                  <a:sysClr val="windowText" lastClr="000000"/>
-                </a:solidFill>
-              </a:rPr>
-              <a:t>char[]</a:t>
-            </a:r>
-            <a:r>
-              <a:rPr lang="ko-KR" altLang="en-US" sz="1467" dirty="0">
-                <a:solidFill>
-                  <a:sysClr val="windowText" lastClr="000000"/>
-                </a:solidFill>
-              </a:rPr>
-              <a:t>으로 바꾼다</a:t>
-            </a:r>
-            <a:endParaRPr lang="en-US" altLang="ko-KR" sz="1467" dirty="0">
-              <a:solidFill>
-                <a:sysClr val="windowText" lastClr="000000"/>
-              </a:solidFill>
-            </a:endParaRPr>
-          </a:p>
-        </p:txBody>
-      </p:sp>
-      <p:cxnSp>
-        <p:nvCxnSpPr>
-          <p:cNvPr id="9" name="직선 화살표 연결선 8">
-            <a:extLst>
-              <a:ext uri="{FF2B5EF4-FFF2-40B4-BE49-F238E27FC236}">
-                <a16:creationId xmlns:a16="http://schemas.microsoft.com/office/drawing/2014/main" id="{0074B81A-8660-4E3D-B69A-3DEA51705F3F}"/>
-              </a:ext>
-            </a:extLst>
-          </p:cNvPr>
-          <p:cNvCxnSpPr>
-            <a:cxnSpLocks/>
-            <a:stCxn id="7" idx="2"/>
-            <a:endCxn id="10" idx="0"/>
-          </p:cNvCxnSpPr>
-          <p:nvPr/>
-        </p:nvCxnSpPr>
-        <p:spPr>
-          <a:xfrm>
-            <a:off x="2444520" y="2092042"/>
-            <a:ext cx="0" cy="310109"/>
-          </a:xfrm>
-          <a:prstGeom prst="straightConnector1">
-            <a:avLst/>
-          </a:prstGeom>
-          <a:ln>
-            <a:solidFill>
-              <a:schemeClr val="tx1"/>
-            </a:solidFill>
-            <a:tailEnd type="triangle"/>
-          </a:ln>
-        </p:spPr>
-        <p:style>
-          <a:lnRef idx="1">
-            <a:schemeClr val="accent1"/>
-          </a:lnRef>
-          <a:fillRef idx="0">
-            <a:schemeClr val="accent1"/>
-          </a:fillRef>
-          <a:effectRef idx="0">
-            <a:schemeClr val="accent1"/>
-          </a:effectRef>
-          <a:fontRef idx="minor">
-            <a:schemeClr val="tx1"/>
-          </a:fontRef>
-        </p:style>
-      </p:cxnSp>
-      <p:sp>
-        <p:nvSpPr>
-          <p:cNvPr id="10" name="직사각형 9">
-            <a:extLst>
-              <a:ext uri="{FF2B5EF4-FFF2-40B4-BE49-F238E27FC236}">
-                <a16:creationId xmlns:a16="http://schemas.microsoft.com/office/drawing/2014/main" id="{5283D6BA-2971-48F2-9043-7919E96E46B0}"/>
-              </a:ext>
-            </a:extLst>
-          </p:cNvPr>
-          <p:cNvSpPr/>
-          <p:nvPr/>
-        </p:nvSpPr>
-        <p:spPr>
-          <a:xfrm>
-            <a:off x="1004520" y="2402151"/>
-            <a:ext cx="2880000" cy="540000"/>
-          </a:xfrm>
-          <a:prstGeom prst="rect">
-            <a:avLst/>
-          </a:prstGeom>
-          <a:noFill/>
-          <a:ln>
-            <a:solidFill>
-              <a:schemeClr val="tx1"/>
-            </a:solidFill>
-          </a:ln>
-        </p:spPr>
-        <p:style>
-          <a:lnRef idx="2">
-            <a:schemeClr val="accent1">
-              <a:shade val="50000"/>
-            </a:schemeClr>
-          </a:lnRef>
-          <a:fillRef idx="1">
-            <a:schemeClr val="accent1"/>
-          </a:fillRef>
-          <a:effectRef idx="0">
-            <a:schemeClr val="accent1"/>
-          </a:effectRef>
-          <a:fontRef idx="minor">
-            <a:schemeClr val="lt1"/>
-          </a:fontRef>
-        </p:style>
-        <p:txBody>
-          <a:bodyPr rtlCol="0" anchor="ctr"/>
-          <a:lstStyle/>
-          <a:p>
-            <a:pPr algn="ctr"/>
-            <a:r>
-              <a:rPr lang="en-US" altLang="ko-KR" sz="1467" dirty="0">
-                <a:solidFill>
-                  <a:sysClr val="windowText" lastClr="000000"/>
-                </a:solidFill>
-              </a:rPr>
-              <a:t>char[]</a:t>
-            </a:r>
-            <a:r>
-              <a:rPr lang="ko-KR" altLang="en-US" sz="1467" dirty="0">
-                <a:solidFill>
-                  <a:sysClr val="windowText" lastClr="000000"/>
-                </a:solidFill>
-              </a:rPr>
-              <a:t>을 정렬한다</a:t>
-            </a:r>
-          </a:p>
-        </p:txBody>
-      </p:sp>
-      <p:cxnSp>
-        <p:nvCxnSpPr>
-          <p:cNvPr id="8" name="직선 화살표 연결선 7">
-            <a:extLst>
-              <a:ext uri="{FF2B5EF4-FFF2-40B4-BE49-F238E27FC236}">
-                <a16:creationId xmlns:a16="http://schemas.microsoft.com/office/drawing/2014/main" id="{EA094E5A-F22F-4FD1-B189-5CF59EA605C5}"/>
-              </a:ext>
-            </a:extLst>
-          </p:cNvPr>
-          <p:cNvCxnSpPr>
-            <a:cxnSpLocks/>
-            <a:stCxn id="10" idx="2"/>
-            <a:endCxn id="11" idx="0"/>
-          </p:cNvCxnSpPr>
-          <p:nvPr/>
-        </p:nvCxnSpPr>
-        <p:spPr>
-          <a:xfrm>
-            <a:off x="2444520" y="2942151"/>
-            <a:ext cx="0" cy="310109"/>
-          </a:xfrm>
-          <a:prstGeom prst="straightConnector1">
-            <a:avLst/>
-          </a:prstGeom>
-          <a:ln>
-            <a:solidFill>
-              <a:schemeClr val="tx1"/>
-            </a:solidFill>
-            <a:tailEnd type="triangle"/>
-          </a:ln>
-        </p:spPr>
-        <p:style>
-          <a:lnRef idx="1">
-            <a:schemeClr val="accent1"/>
-          </a:lnRef>
-          <a:fillRef idx="0">
-            <a:schemeClr val="accent1"/>
-          </a:fillRef>
-          <a:effectRef idx="0">
-            <a:schemeClr val="accent1"/>
-          </a:effectRef>
-          <a:fontRef idx="minor">
-            <a:schemeClr val="tx1"/>
-          </a:fontRef>
-        </p:style>
-      </p:cxnSp>
-      <p:sp>
-        <p:nvSpPr>
-          <p:cNvPr id="11" name="직사각형 10">
-            <a:extLst>
-              <a:ext uri="{FF2B5EF4-FFF2-40B4-BE49-F238E27FC236}">
-                <a16:creationId xmlns:a16="http://schemas.microsoft.com/office/drawing/2014/main" id="{45A048BD-F389-4F3F-B082-4F5C34C05B50}"/>
-              </a:ext>
-            </a:extLst>
-          </p:cNvPr>
-          <p:cNvSpPr/>
-          <p:nvPr/>
-        </p:nvSpPr>
-        <p:spPr>
-          <a:xfrm>
-            <a:off x="1004520" y="3252260"/>
-            <a:ext cx="2880000" cy="540000"/>
-          </a:xfrm>
-          <a:prstGeom prst="rect">
-            <a:avLst/>
-          </a:prstGeom>
-          <a:noFill/>
-          <a:ln>
-            <a:solidFill>
-              <a:schemeClr val="tx1"/>
-            </a:solidFill>
-          </a:ln>
-        </p:spPr>
-        <p:style>
-          <a:lnRef idx="2">
-            <a:schemeClr val="accent1">
-              <a:shade val="50000"/>
-            </a:schemeClr>
-          </a:lnRef>
-          <a:fillRef idx="1">
-            <a:schemeClr val="accent1"/>
-          </a:fillRef>
-          <a:effectRef idx="0">
-            <a:schemeClr val="accent1"/>
-          </a:effectRef>
-          <a:fontRef idx="minor">
-            <a:schemeClr val="lt1"/>
-          </a:fontRef>
-        </p:style>
-        <p:txBody>
-          <a:bodyPr rtlCol="0" anchor="ctr"/>
-          <a:lstStyle/>
-          <a:p>
-            <a:pPr algn="ctr"/>
-            <a:r>
-              <a:rPr lang="en-US" altLang="ko-KR" sz="1467" dirty="0">
-                <a:solidFill>
-                  <a:sysClr val="windowText" lastClr="000000"/>
-                </a:solidFill>
-              </a:rPr>
-              <a:t>char[]</a:t>
-            </a:r>
-            <a:r>
-              <a:rPr lang="ko-KR" altLang="en-US" sz="1467" dirty="0">
-                <a:solidFill>
-                  <a:sysClr val="windowText" lastClr="000000"/>
-                </a:solidFill>
-              </a:rPr>
-              <a:t>을 반대로 뒤집는다</a:t>
-            </a:r>
-          </a:p>
-        </p:txBody>
-      </p:sp>
-    </p:spTree>
-    <p:extLst>
-      <p:ext uri="{BB962C8B-B14F-4D97-AF65-F5344CB8AC3E}">
-        <p14:creationId xmlns:p14="http://schemas.microsoft.com/office/powerpoint/2010/main" val="1042190520"/>
+        <p14:creationId xmlns:p14="http://schemas.microsoft.com/office/powerpoint/2010/main" val="1537607704"/>
       </p:ext>
     </p:extLst>
   </p:cSld>

--- a/알고리즘_프로그래머스_Level01_순서도.pptx
+++ b/알고리즘_프로그래머스_Level01_순서도.pptx
@@ -8374,6 +8374,193 @@
           </a:p>
         </p:txBody>
       </p:sp>
+      <p:sp>
+        <p:nvSpPr>
+          <p:cNvPr id="6" name="제목 3">
+            <a:extLst>
+              <a:ext uri="{FF2B5EF4-FFF2-40B4-BE49-F238E27FC236}">
+                <a16:creationId xmlns:a16="http://schemas.microsoft.com/office/drawing/2014/main" id="{445E7C9F-2ACB-454C-9DF0-1997F8B61A03}"/>
+              </a:ext>
+            </a:extLst>
+          </p:cNvPr>
+          <p:cNvSpPr txBox="1">
+            <a:spLocks/>
+          </p:cNvSpPr>
+          <p:nvPr/>
+        </p:nvSpPr>
+        <p:spPr>
+          <a:xfrm>
+            <a:off x="623889" y="4572000"/>
+            <a:ext cx="5915025" cy="559764"/>
+          </a:xfrm>
+          <a:prstGeom prst="rect">
+            <a:avLst/>
+          </a:prstGeom>
+        </p:spPr>
+        <p:txBody>
+          <a:bodyPr vert="horz" lIns="91440" tIns="45720" rIns="91440" bIns="45720" rtlCol="0" anchor="ctr">
+            <a:normAutofit/>
+          </a:bodyPr>
+          <a:lstStyle>
+            <a:lvl1pPr algn="l" defTabSz="685800" rtl="0" eaLnBrk="1" latinLnBrk="1" hangingPunct="1">
+              <a:lnSpc>
+                <a:spcPct val="90000"/>
+              </a:lnSpc>
+              <a:spcBef>
+                <a:spcPct val="0"/>
+              </a:spcBef>
+              <a:buNone/>
+              <a:defRPr sz="2800" kern="1200">
+                <a:solidFill>
+                  <a:schemeClr val="tx1"/>
+                </a:solidFill>
+                <a:latin typeface="+mj-lt"/>
+                <a:ea typeface="+mj-ea"/>
+                <a:cs typeface="+mj-cs"/>
+              </a:defRPr>
+            </a:lvl1pPr>
+          </a:lstStyle>
+          <a:p>
+            <a:r>
+              <a:rPr lang="ko-KR" altLang="en-US"/>
+              <a:t>서울에서 김서방 찾기 </a:t>
+            </a:r>
+            <a:r>
+              <a:rPr lang="en-US" altLang="ko-KR"/>
+              <a:t>(01.15)</a:t>
+            </a:r>
+            <a:endParaRPr lang="ko-KR" altLang="en-US" dirty="0"/>
+          </a:p>
+        </p:txBody>
+      </p:sp>
+      <p:sp>
+        <p:nvSpPr>
+          <p:cNvPr id="8" name="직사각형 7">
+            <a:extLst>
+              <a:ext uri="{FF2B5EF4-FFF2-40B4-BE49-F238E27FC236}">
+                <a16:creationId xmlns:a16="http://schemas.microsoft.com/office/drawing/2014/main" id="{1C084D6A-9F43-4E4D-8055-15A3BA8617AA}"/>
+              </a:ext>
+            </a:extLst>
+          </p:cNvPr>
+          <p:cNvSpPr/>
+          <p:nvPr/>
+        </p:nvSpPr>
+        <p:spPr>
+          <a:xfrm>
+            <a:off x="1156920" y="5775757"/>
+            <a:ext cx="3600000" cy="540000"/>
+          </a:xfrm>
+          <a:prstGeom prst="rect">
+            <a:avLst/>
+          </a:prstGeom>
+          <a:noFill/>
+          <a:ln>
+            <a:solidFill>
+              <a:schemeClr val="tx1"/>
+            </a:solidFill>
+          </a:ln>
+        </p:spPr>
+        <p:style>
+          <a:lnRef idx="2">
+            <a:schemeClr val="accent1">
+              <a:shade val="50000"/>
+            </a:schemeClr>
+          </a:lnRef>
+          <a:fillRef idx="1">
+            <a:schemeClr val="accent1"/>
+          </a:fillRef>
+          <a:effectRef idx="0">
+            <a:schemeClr val="accent1"/>
+          </a:effectRef>
+          <a:fontRef idx="minor">
+            <a:schemeClr val="lt1"/>
+          </a:fontRef>
+        </p:style>
+        <p:txBody>
+          <a:bodyPr rtlCol="0" anchor="ctr"/>
+          <a:lstStyle/>
+          <a:p>
+            <a:pPr algn="ctr"/>
+            <a:r>
+              <a:rPr lang="en-US" altLang="ko-KR" sz="1467" dirty="0" err="1">
+                <a:solidFill>
+                  <a:sysClr val="windowText" lastClr="000000"/>
+                </a:solidFill>
+              </a:rPr>
+              <a:t>arr</a:t>
+            </a:r>
+            <a:r>
+              <a:rPr lang="en-US" altLang="ko-KR" sz="1467" dirty="0">
+                <a:solidFill>
+                  <a:sysClr val="windowText" lastClr="000000"/>
+                </a:solidFill>
+              </a:rPr>
+              <a:t>[</a:t>
+            </a:r>
+            <a:r>
+              <a:rPr lang="en-US" altLang="ko-KR" sz="1467" dirty="0" err="1">
+                <a:solidFill>
+                  <a:sysClr val="windowText" lastClr="000000"/>
+                </a:solidFill>
+              </a:rPr>
+              <a:t>i</a:t>
+            </a:r>
+            <a:r>
+              <a:rPr lang="en-US" altLang="ko-KR" sz="1467" dirty="0">
+                <a:solidFill>
+                  <a:sysClr val="windowText" lastClr="000000"/>
+                </a:solidFill>
+              </a:rPr>
+              <a:t>]</a:t>
+            </a:r>
+            <a:r>
+              <a:rPr lang="ko-KR" altLang="en-US" sz="1467" dirty="0">
+                <a:solidFill>
+                  <a:sysClr val="windowText" lastClr="000000"/>
+                </a:solidFill>
+              </a:rPr>
+              <a:t>가 </a:t>
+            </a:r>
+            <a:r>
+              <a:rPr lang="en-US" altLang="ko-KR" sz="1467" dirty="0">
+                <a:solidFill>
+                  <a:sysClr val="windowText" lastClr="000000"/>
+                </a:solidFill>
+              </a:rPr>
+              <a:t>‘Kim’</a:t>
+            </a:r>
+            <a:r>
+              <a:rPr lang="ko-KR" altLang="en-US" sz="1467" dirty="0">
+                <a:solidFill>
+                  <a:sysClr val="windowText" lastClr="000000"/>
+                </a:solidFill>
+              </a:rPr>
+              <a:t>인 </a:t>
+            </a:r>
+            <a:r>
+              <a:rPr lang="en-US" altLang="ko-KR" sz="1467" dirty="0">
+                <a:solidFill>
+                  <a:sysClr val="windowText" lastClr="000000"/>
+                </a:solidFill>
+              </a:rPr>
+              <a:t>index</a:t>
+            </a:r>
+            <a:r>
+              <a:rPr lang="ko-KR" altLang="en-US" sz="1467" dirty="0">
+                <a:solidFill>
+                  <a:sysClr val="windowText" lastClr="000000"/>
+                </a:solidFill>
+              </a:rPr>
+              <a:t>를 찾는다</a:t>
+            </a:r>
+            <a:endParaRPr lang="en-US" altLang="ko-KR" sz="1467" dirty="0">
+              <a:solidFill>
+                <a:sysClr val="windowText" lastClr="000000"/>
+              </a:solidFill>
+            </a:endParaRPr>
+          </a:p>
+        </p:txBody>
+      </p:sp>
     </p:spTree>
     <p:extLst>
       <p:ext uri="{BB962C8B-B14F-4D97-AF65-F5344CB8AC3E}">

--- a/알고리즘_프로그래머스_Level01_순서도.pptx
+++ b/알고리즘_프로그래머스_Level01_순서도.pptx
@@ -20,6 +20,7 @@
     <p:sldId id="271" r:id="rId14"/>
     <p:sldId id="272" r:id="rId15"/>
     <p:sldId id="274" r:id="rId16"/>
+    <p:sldId id="276" r:id="rId17"/>
   </p:sldIdLst>
   <p:sldSz cx="6858000" cy="9144000" type="screen4x3"/>
   <p:notesSz cx="6858000" cy="9144000"/>
@@ -257,7 +258,7 @@
           <a:p>
             <a:fld id="{274DCB2C-481A-4B20-92AC-CEC756183F8E}" type="datetimeFigureOut">
               <a:rPr lang="ko-KR" altLang="en-US" smtClean="0"/>
-              <a:t>2021-01-15</a:t>
+              <a:t>2021-01-16</a:t>
             </a:fld>
             <a:endParaRPr lang="ko-KR" altLang="en-US"/>
           </a:p>
@@ -427,7 +428,7 @@
           <a:p>
             <a:fld id="{274DCB2C-481A-4B20-92AC-CEC756183F8E}" type="datetimeFigureOut">
               <a:rPr lang="ko-KR" altLang="en-US" smtClean="0"/>
-              <a:t>2021-01-15</a:t>
+              <a:t>2021-01-16</a:t>
             </a:fld>
             <a:endParaRPr lang="ko-KR" altLang="en-US"/>
           </a:p>
@@ -607,7 +608,7 @@
           <a:p>
             <a:fld id="{274DCB2C-481A-4B20-92AC-CEC756183F8E}" type="datetimeFigureOut">
               <a:rPr lang="ko-KR" altLang="en-US" smtClean="0"/>
-              <a:t>2021-01-15</a:t>
+              <a:t>2021-01-16</a:t>
             </a:fld>
             <a:endParaRPr lang="ko-KR" altLang="en-US"/>
           </a:p>
@@ -777,7 +778,7 @@
           <a:p>
             <a:fld id="{274DCB2C-481A-4B20-92AC-CEC756183F8E}" type="datetimeFigureOut">
               <a:rPr lang="ko-KR" altLang="en-US" smtClean="0"/>
-              <a:t>2021-01-15</a:t>
+              <a:t>2021-01-16</a:t>
             </a:fld>
             <a:endParaRPr lang="ko-KR" altLang="en-US"/>
           </a:p>
@@ -1021,7 +1022,7 @@
           <a:p>
             <a:fld id="{274DCB2C-481A-4B20-92AC-CEC756183F8E}" type="datetimeFigureOut">
               <a:rPr lang="ko-KR" altLang="en-US" smtClean="0"/>
-              <a:t>2021-01-15</a:t>
+              <a:t>2021-01-16</a:t>
             </a:fld>
             <a:endParaRPr lang="ko-KR" altLang="en-US"/>
           </a:p>
@@ -1253,7 +1254,7 @@
           <a:p>
             <a:fld id="{274DCB2C-481A-4B20-92AC-CEC756183F8E}" type="datetimeFigureOut">
               <a:rPr lang="ko-KR" altLang="en-US" smtClean="0"/>
-              <a:t>2021-01-15</a:t>
+              <a:t>2021-01-16</a:t>
             </a:fld>
             <a:endParaRPr lang="ko-KR" altLang="en-US"/>
           </a:p>
@@ -1620,7 +1621,7 @@
           <a:p>
             <a:fld id="{274DCB2C-481A-4B20-92AC-CEC756183F8E}" type="datetimeFigureOut">
               <a:rPr lang="ko-KR" altLang="en-US" smtClean="0"/>
-              <a:t>2021-01-15</a:t>
+              <a:t>2021-01-16</a:t>
             </a:fld>
             <a:endParaRPr lang="ko-KR" altLang="en-US"/>
           </a:p>
@@ -1738,7 +1739,7 @@
           <a:p>
             <a:fld id="{274DCB2C-481A-4B20-92AC-CEC756183F8E}" type="datetimeFigureOut">
               <a:rPr lang="ko-KR" altLang="en-US" smtClean="0"/>
-              <a:t>2021-01-15</a:t>
+              <a:t>2021-01-16</a:t>
             </a:fld>
             <a:endParaRPr lang="ko-KR" altLang="en-US"/>
           </a:p>
@@ -1833,7 +1834,7 @@
           <a:p>
             <a:fld id="{274DCB2C-481A-4B20-92AC-CEC756183F8E}" type="datetimeFigureOut">
               <a:rPr lang="ko-KR" altLang="en-US" smtClean="0"/>
-              <a:t>2021-01-15</a:t>
+              <a:t>2021-01-16</a:t>
             </a:fld>
             <a:endParaRPr lang="ko-KR" altLang="en-US"/>
           </a:p>
@@ -2110,7 +2111,7 @@
           <a:p>
             <a:fld id="{274DCB2C-481A-4B20-92AC-CEC756183F8E}" type="datetimeFigureOut">
               <a:rPr lang="ko-KR" altLang="en-US" smtClean="0"/>
-              <a:t>2021-01-15</a:t>
+              <a:t>2021-01-16</a:t>
             </a:fld>
             <a:endParaRPr lang="ko-KR" altLang="en-US"/>
           </a:p>
@@ -2367,7 +2368,7 @@
           <a:p>
             <a:fld id="{274DCB2C-481A-4B20-92AC-CEC756183F8E}" type="datetimeFigureOut">
               <a:rPr lang="ko-KR" altLang="en-US" smtClean="0"/>
-              <a:t>2021-01-15</a:t>
+              <a:t>2021-01-16</a:t>
             </a:fld>
             <a:endParaRPr lang="ko-KR" altLang="en-US"/>
           </a:p>
@@ -2580,7 +2581,7 @@
           <a:p>
             <a:fld id="{274DCB2C-481A-4B20-92AC-CEC756183F8E}" type="datetimeFigureOut">
               <a:rPr lang="ko-KR" altLang="en-US" smtClean="0"/>
-              <a:t>2021-01-15</a:t>
+              <a:t>2021-01-16</a:t>
             </a:fld>
             <a:endParaRPr lang="ko-KR" altLang="en-US"/>
           </a:p>
@@ -8574,6 +8575,729 @@
 </p:sld>
 </file>
 
+<file path=ppt/slides/slide16.xml><?xml version="1.0" encoding="utf-8"?>
+<p:sld xmlns:a="http://schemas.openxmlformats.org/drawingml/2006/main" xmlns:r="http://schemas.openxmlformats.org/officeDocument/2006/relationships" xmlns:p="http://schemas.openxmlformats.org/presentationml/2006/main">
+  <p:cSld>
+    <p:spTree>
+      <p:nvGrpSpPr>
+        <p:cNvPr id="1" name=""/>
+        <p:cNvGrpSpPr/>
+        <p:nvPr/>
+      </p:nvGrpSpPr>
+      <p:grpSpPr>
+        <a:xfrm>
+          <a:off x="0" y="0"/>
+          <a:ext cx="0" cy="0"/>
+          <a:chOff x="0" y="0"/>
+          <a:chExt cx="0" cy="0"/>
+        </a:xfrm>
+      </p:grpSpPr>
+      <p:sp>
+        <p:nvSpPr>
+          <p:cNvPr id="4" name="제목 3">
+            <a:extLst>
+              <a:ext uri="{FF2B5EF4-FFF2-40B4-BE49-F238E27FC236}">
+                <a16:creationId xmlns:a16="http://schemas.microsoft.com/office/drawing/2014/main" id="{30BAC889-89EF-449A-A9AB-0AA582E87CB5}"/>
+              </a:ext>
+            </a:extLst>
+          </p:cNvPr>
+          <p:cNvSpPr>
+            <a:spLocks noGrp="1"/>
+          </p:cNvSpPr>
+          <p:nvPr>
+            <p:ph type="title"/>
+          </p:nvPr>
+        </p:nvSpPr>
+        <p:spPr/>
+        <p:txBody>
+          <a:bodyPr/>
+          <a:lstStyle/>
+          <a:p>
+            <a:r>
+              <a:rPr lang="ko-KR" altLang="en-US" dirty="0"/>
+              <a:t>소수 찾기 </a:t>
+            </a:r>
+            <a:r>
+              <a:rPr lang="en-US" altLang="ko-KR" dirty="0"/>
+              <a:t>(01.16)</a:t>
+            </a:r>
+            <a:endParaRPr lang="ko-KR" altLang="en-US" dirty="0"/>
+          </a:p>
+        </p:txBody>
+      </p:sp>
+      <p:sp>
+        <p:nvSpPr>
+          <p:cNvPr id="7" name="직사각형 6">
+            <a:extLst>
+              <a:ext uri="{FF2B5EF4-FFF2-40B4-BE49-F238E27FC236}">
+                <a16:creationId xmlns:a16="http://schemas.microsoft.com/office/drawing/2014/main" id="{3521F3E1-F3C7-4375-B8E7-0210E50030D0}"/>
+              </a:ext>
+            </a:extLst>
+          </p:cNvPr>
+          <p:cNvSpPr/>
+          <p:nvPr/>
+        </p:nvSpPr>
+        <p:spPr>
+          <a:xfrm>
+            <a:off x="812720" y="1552042"/>
+            <a:ext cx="3983600" cy="540000"/>
+          </a:xfrm>
+          <a:prstGeom prst="rect">
+            <a:avLst/>
+          </a:prstGeom>
+          <a:noFill/>
+          <a:ln>
+            <a:solidFill>
+              <a:schemeClr val="tx1"/>
+            </a:solidFill>
+          </a:ln>
+        </p:spPr>
+        <p:style>
+          <a:lnRef idx="2">
+            <a:schemeClr val="accent1">
+              <a:shade val="50000"/>
+            </a:schemeClr>
+          </a:lnRef>
+          <a:fillRef idx="1">
+            <a:schemeClr val="accent1"/>
+          </a:fillRef>
+          <a:effectRef idx="0">
+            <a:schemeClr val="accent1"/>
+          </a:effectRef>
+          <a:fontRef idx="minor">
+            <a:schemeClr val="lt1"/>
+          </a:fontRef>
+        </p:style>
+        <p:txBody>
+          <a:bodyPr rtlCol="0" anchor="ctr"/>
+          <a:lstStyle/>
+          <a:p>
+            <a:pPr algn="ctr"/>
+            <a:r>
+              <a:rPr lang="en-US" altLang="ko-KR" sz="1467" dirty="0">
+                <a:solidFill>
+                  <a:sysClr val="windowText" lastClr="000000"/>
+                </a:solidFill>
+              </a:rPr>
+              <a:t>n</a:t>
+            </a:r>
+            <a:r>
+              <a:rPr lang="ko-KR" altLang="en-US" sz="1467" dirty="0">
+                <a:solidFill>
+                  <a:sysClr val="windowText" lastClr="000000"/>
+                </a:solidFill>
+              </a:rPr>
+              <a:t>이 </a:t>
+            </a:r>
+            <a:r>
+              <a:rPr lang="en-US" altLang="ko-KR" sz="1467" dirty="0">
+                <a:solidFill>
+                  <a:sysClr val="windowText" lastClr="000000"/>
+                </a:solidFill>
+              </a:rPr>
+              <a:t>1</a:t>
+            </a:r>
+            <a:r>
+              <a:rPr lang="ko-KR" altLang="en-US" sz="1467" dirty="0">
+                <a:solidFill>
+                  <a:sysClr val="windowText" lastClr="000000"/>
+                </a:solidFill>
+              </a:rPr>
+              <a:t>이면  </a:t>
+            </a:r>
+            <a:r>
+              <a:rPr lang="en-US" altLang="ko-KR" sz="1467" dirty="0">
+                <a:solidFill>
+                  <a:sysClr val="windowText" lastClr="000000"/>
+                </a:solidFill>
+              </a:rPr>
+              <a:t>!</a:t>
+            </a:r>
+            <a:r>
+              <a:rPr lang="ko-KR" altLang="en-US" sz="1467" dirty="0">
+                <a:solidFill>
+                  <a:sysClr val="windowText" lastClr="000000"/>
+                </a:solidFill>
+              </a:rPr>
+              <a:t>소수</a:t>
+            </a:r>
+            <a:endParaRPr lang="en-US" altLang="ko-KR" sz="1467" dirty="0">
+              <a:solidFill>
+                <a:sysClr val="windowText" lastClr="000000"/>
+              </a:solidFill>
+            </a:endParaRPr>
+          </a:p>
+        </p:txBody>
+      </p:sp>
+      <p:cxnSp>
+        <p:nvCxnSpPr>
+          <p:cNvPr id="9" name="직선 화살표 연결선 8">
+            <a:extLst>
+              <a:ext uri="{FF2B5EF4-FFF2-40B4-BE49-F238E27FC236}">
+                <a16:creationId xmlns:a16="http://schemas.microsoft.com/office/drawing/2014/main" id="{0074B81A-8660-4E3D-B69A-3DEA51705F3F}"/>
+              </a:ext>
+            </a:extLst>
+          </p:cNvPr>
+          <p:cNvCxnSpPr>
+            <a:cxnSpLocks/>
+            <a:stCxn id="7" idx="2"/>
+            <a:endCxn id="10" idx="0"/>
+          </p:cNvCxnSpPr>
+          <p:nvPr/>
+        </p:nvCxnSpPr>
+        <p:spPr>
+          <a:xfrm>
+            <a:off x="2804520" y="2092042"/>
+            <a:ext cx="0" cy="310109"/>
+          </a:xfrm>
+          <a:prstGeom prst="straightConnector1">
+            <a:avLst/>
+          </a:prstGeom>
+          <a:ln>
+            <a:solidFill>
+              <a:schemeClr val="tx1"/>
+            </a:solidFill>
+            <a:tailEnd type="triangle"/>
+          </a:ln>
+        </p:spPr>
+        <p:style>
+          <a:lnRef idx="1">
+            <a:schemeClr val="accent1"/>
+          </a:lnRef>
+          <a:fillRef idx="0">
+            <a:schemeClr val="accent1"/>
+          </a:fillRef>
+          <a:effectRef idx="0">
+            <a:schemeClr val="accent1"/>
+          </a:effectRef>
+          <a:fontRef idx="minor">
+            <a:schemeClr val="tx1"/>
+          </a:fontRef>
+        </p:style>
+      </p:cxnSp>
+      <p:sp>
+        <p:nvSpPr>
+          <p:cNvPr id="10" name="직사각형 9">
+            <a:extLst>
+              <a:ext uri="{FF2B5EF4-FFF2-40B4-BE49-F238E27FC236}">
+                <a16:creationId xmlns:a16="http://schemas.microsoft.com/office/drawing/2014/main" id="{5283D6BA-2971-48F2-9043-7919E96E46B0}"/>
+              </a:ext>
+            </a:extLst>
+          </p:cNvPr>
+          <p:cNvSpPr/>
+          <p:nvPr/>
+        </p:nvSpPr>
+        <p:spPr>
+          <a:xfrm>
+            <a:off x="812722" y="2402151"/>
+            <a:ext cx="3983596" cy="540000"/>
+          </a:xfrm>
+          <a:prstGeom prst="rect">
+            <a:avLst/>
+          </a:prstGeom>
+          <a:noFill/>
+          <a:ln>
+            <a:solidFill>
+              <a:schemeClr val="tx1"/>
+            </a:solidFill>
+          </a:ln>
+        </p:spPr>
+        <p:style>
+          <a:lnRef idx="2">
+            <a:schemeClr val="accent1">
+              <a:shade val="50000"/>
+            </a:schemeClr>
+          </a:lnRef>
+          <a:fillRef idx="1">
+            <a:schemeClr val="accent1"/>
+          </a:fillRef>
+          <a:effectRef idx="0">
+            <a:schemeClr val="accent1"/>
+          </a:effectRef>
+          <a:fontRef idx="minor">
+            <a:schemeClr val="lt1"/>
+          </a:fontRef>
+        </p:style>
+        <p:txBody>
+          <a:bodyPr rtlCol="0" anchor="ctr"/>
+          <a:lstStyle/>
+          <a:p>
+            <a:pPr algn="ctr"/>
+            <a:r>
+              <a:rPr lang="en-US" altLang="ko-KR" sz="1467" dirty="0">
+                <a:solidFill>
+                  <a:sysClr val="windowText" lastClr="000000"/>
+                </a:solidFill>
+              </a:rPr>
+              <a:t>n</a:t>
+            </a:r>
+            <a:r>
+              <a:rPr lang="ko-KR" altLang="en-US" sz="1467" dirty="0">
+                <a:solidFill>
+                  <a:sysClr val="windowText" lastClr="000000"/>
+                </a:solidFill>
+              </a:rPr>
+              <a:t>이 </a:t>
+            </a:r>
+            <a:r>
+              <a:rPr lang="en-US" altLang="ko-KR" sz="1467" dirty="0">
+                <a:solidFill>
+                  <a:sysClr val="windowText" lastClr="000000"/>
+                </a:solidFill>
+              </a:rPr>
+              <a:t>3</a:t>
+            </a:r>
+            <a:r>
+              <a:rPr lang="ko-KR" altLang="en-US" sz="1467" dirty="0">
+                <a:solidFill>
+                  <a:sysClr val="windowText" lastClr="000000"/>
+                </a:solidFill>
+              </a:rPr>
+              <a:t>이하면 소수</a:t>
+            </a:r>
+          </a:p>
+        </p:txBody>
+      </p:sp>
+      <p:cxnSp>
+        <p:nvCxnSpPr>
+          <p:cNvPr id="11" name="직선 화살표 연결선 10">
+            <a:extLst>
+              <a:ext uri="{FF2B5EF4-FFF2-40B4-BE49-F238E27FC236}">
+                <a16:creationId xmlns:a16="http://schemas.microsoft.com/office/drawing/2014/main" id="{EAC04566-D094-4D78-9647-EF5A618ACEC9}"/>
+              </a:ext>
+            </a:extLst>
+          </p:cNvPr>
+          <p:cNvCxnSpPr>
+            <a:cxnSpLocks/>
+            <a:stCxn id="10" idx="2"/>
+            <a:endCxn id="12" idx="0"/>
+          </p:cNvCxnSpPr>
+          <p:nvPr/>
+        </p:nvCxnSpPr>
+        <p:spPr>
+          <a:xfrm>
+            <a:off x="2804520" y="2942151"/>
+            <a:ext cx="0" cy="308338"/>
+          </a:xfrm>
+          <a:prstGeom prst="straightConnector1">
+            <a:avLst/>
+          </a:prstGeom>
+          <a:ln>
+            <a:solidFill>
+              <a:schemeClr val="tx1"/>
+            </a:solidFill>
+            <a:tailEnd type="triangle"/>
+          </a:ln>
+        </p:spPr>
+        <p:style>
+          <a:lnRef idx="1">
+            <a:schemeClr val="accent1"/>
+          </a:lnRef>
+          <a:fillRef idx="0">
+            <a:schemeClr val="accent1"/>
+          </a:fillRef>
+          <a:effectRef idx="0">
+            <a:schemeClr val="accent1"/>
+          </a:effectRef>
+          <a:fontRef idx="minor">
+            <a:schemeClr val="tx1"/>
+          </a:fontRef>
+        </p:style>
+      </p:cxnSp>
+      <p:sp>
+        <p:nvSpPr>
+          <p:cNvPr id="12" name="직사각형 11">
+            <a:extLst>
+              <a:ext uri="{FF2B5EF4-FFF2-40B4-BE49-F238E27FC236}">
+                <a16:creationId xmlns:a16="http://schemas.microsoft.com/office/drawing/2014/main" id="{FC6ED97F-47D0-4C02-B6EA-9C9421604649}"/>
+              </a:ext>
+            </a:extLst>
+          </p:cNvPr>
+          <p:cNvSpPr/>
+          <p:nvPr/>
+        </p:nvSpPr>
+        <p:spPr>
+          <a:xfrm>
+            <a:off x="812722" y="3250489"/>
+            <a:ext cx="3983596" cy="540000"/>
+          </a:xfrm>
+          <a:prstGeom prst="rect">
+            <a:avLst/>
+          </a:prstGeom>
+          <a:noFill/>
+          <a:ln>
+            <a:solidFill>
+              <a:schemeClr val="tx1"/>
+            </a:solidFill>
+          </a:ln>
+        </p:spPr>
+        <p:style>
+          <a:lnRef idx="2">
+            <a:schemeClr val="accent1">
+              <a:shade val="50000"/>
+            </a:schemeClr>
+          </a:lnRef>
+          <a:fillRef idx="1">
+            <a:schemeClr val="accent1"/>
+          </a:fillRef>
+          <a:effectRef idx="0">
+            <a:schemeClr val="accent1"/>
+          </a:effectRef>
+          <a:fontRef idx="minor">
+            <a:schemeClr val="lt1"/>
+          </a:fontRef>
+        </p:style>
+        <p:txBody>
+          <a:bodyPr rtlCol="0" anchor="ctr"/>
+          <a:lstStyle/>
+          <a:p>
+            <a:pPr algn="ctr"/>
+            <a:r>
+              <a:rPr lang="en-US" altLang="ko-KR" sz="1467" dirty="0">
+                <a:solidFill>
+                  <a:sysClr val="windowText" lastClr="000000"/>
+                </a:solidFill>
+              </a:rPr>
+              <a:t>n</a:t>
+            </a:r>
+            <a:r>
+              <a:rPr lang="ko-KR" altLang="en-US" sz="1467" dirty="0">
+                <a:solidFill>
+                  <a:sysClr val="windowText" lastClr="000000"/>
+                </a:solidFill>
+              </a:rPr>
+              <a:t>이 짝수면 </a:t>
+            </a:r>
+            <a:r>
+              <a:rPr lang="en-US" altLang="ko-KR" sz="1467" dirty="0">
+                <a:solidFill>
+                  <a:sysClr val="windowText" lastClr="000000"/>
+                </a:solidFill>
+              </a:rPr>
+              <a:t>!</a:t>
+            </a:r>
+            <a:r>
+              <a:rPr lang="ko-KR" altLang="en-US" sz="1467" dirty="0">
+                <a:solidFill>
+                  <a:sysClr val="windowText" lastClr="000000"/>
+                </a:solidFill>
+              </a:rPr>
+              <a:t>소수</a:t>
+            </a:r>
+          </a:p>
+        </p:txBody>
+      </p:sp>
+      <p:cxnSp>
+        <p:nvCxnSpPr>
+          <p:cNvPr id="13" name="직선 화살표 연결선 12">
+            <a:extLst>
+              <a:ext uri="{FF2B5EF4-FFF2-40B4-BE49-F238E27FC236}">
+                <a16:creationId xmlns:a16="http://schemas.microsoft.com/office/drawing/2014/main" id="{59E5D1F9-BB2E-4CB6-9CFD-9AB61D11CBA1}"/>
+              </a:ext>
+            </a:extLst>
+          </p:cNvPr>
+          <p:cNvCxnSpPr>
+            <a:cxnSpLocks/>
+            <a:stCxn id="12" idx="2"/>
+            <a:endCxn id="14" idx="0"/>
+          </p:cNvCxnSpPr>
+          <p:nvPr/>
+        </p:nvCxnSpPr>
+        <p:spPr>
+          <a:xfrm>
+            <a:off x="2804520" y="3790489"/>
+            <a:ext cx="11798" cy="318564"/>
+          </a:xfrm>
+          <a:prstGeom prst="straightConnector1">
+            <a:avLst/>
+          </a:prstGeom>
+          <a:ln>
+            <a:solidFill>
+              <a:schemeClr val="tx1"/>
+            </a:solidFill>
+            <a:tailEnd type="triangle"/>
+          </a:ln>
+        </p:spPr>
+        <p:style>
+          <a:lnRef idx="1">
+            <a:schemeClr val="accent1"/>
+          </a:lnRef>
+          <a:fillRef idx="0">
+            <a:schemeClr val="accent1"/>
+          </a:fillRef>
+          <a:effectRef idx="0">
+            <a:schemeClr val="accent1"/>
+          </a:effectRef>
+          <a:fontRef idx="minor">
+            <a:schemeClr val="tx1"/>
+          </a:fontRef>
+        </p:style>
+      </p:cxnSp>
+      <p:sp>
+        <p:nvSpPr>
+          <p:cNvPr id="14" name="직사각형 13">
+            <a:extLst>
+              <a:ext uri="{FF2B5EF4-FFF2-40B4-BE49-F238E27FC236}">
+                <a16:creationId xmlns:a16="http://schemas.microsoft.com/office/drawing/2014/main" id="{DC3AE74D-D754-46E6-B8A0-136971B86565}"/>
+              </a:ext>
+            </a:extLst>
+          </p:cNvPr>
+          <p:cNvSpPr/>
+          <p:nvPr/>
+        </p:nvSpPr>
+        <p:spPr>
+          <a:xfrm>
+            <a:off x="836318" y="4109053"/>
+            <a:ext cx="3960000" cy="540000"/>
+          </a:xfrm>
+          <a:prstGeom prst="rect">
+            <a:avLst/>
+          </a:prstGeom>
+          <a:noFill/>
+          <a:ln>
+            <a:solidFill>
+              <a:schemeClr val="tx1"/>
+            </a:solidFill>
+          </a:ln>
+        </p:spPr>
+        <p:style>
+          <a:lnRef idx="2">
+            <a:schemeClr val="accent1">
+              <a:shade val="50000"/>
+            </a:schemeClr>
+          </a:lnRef>
+          <a:fillRef idx="1">
+            <a:schemeClr val="accent1"/>
+          </a:fillRef>
+          <a:effectRef idx="0">
+            <a:schemeClr val="accent1"/>
+          </a:effectRef>
+          <a:fontRef idx="minor">
+            <a:schemeClr val="lt1"/>
+          </a:fontRef>
+        </p:style>
+        <p:txBody>
+          <a:bodyPr rtlCol="0" anchor="ctr"/>
+          <a:lstStyle/>
+          <a:p>
+            <a:pPr algn="ctr"/>
+            <a:r>
+              <a:rPr lang="en-US" altLang="ko-KR" sz="1467" dirty="0">
+                <a:solidFill>
+                  <a:sysClr val="windowText" lastClr="000000"/>
+                </a:solidFill>
+              </a:rPr>
+              <a:t>n</a:t>
+            </a:r>
+            <a:r>
+              <a:rPr lang="ko-KR" altLang="en-US" sz="1467" dirty="0">
+                <a:solidFill>
+                  <a:sysClr val="windowText" lastClr="000000"/>
+                </a:solidFill>
+              </a:rPr>
+              <a:t>을 </a:t>
+            </a:r>
+            <a:r>
+              <a:rPr lang="en-US" altLang="ko-KR" sz="1467" dirty="0">
+                <a:solidFill>
+                  <a:sysClr val="windowText" lastClr="000000"/>
+                </a:solidFill>
+              </a:rPr>
+              <a:t>3</a:t>
+            </a:r>
+            <a:r>
+              <a:rPr lang="ko-KR" altLang="en-US" sz="1467" dirty="0">
+                <a:solidFill>
+                  <a:sysClr val="windowText" lastClr="000000"/>
+                </a:solidFill>
+              </a:rPr>
+              <a:t>부터 루트</a:t>
+            </a:r>
+            <a:r>
+              <a:rPr lang="en-US" altLang="ko-KR" sz="1467" dirty="0">
+                <a:solidFill>
+                  <a:sysClr val="windowText" lastClr="000000"/>
+                </a:solidFill>
+              </a:rPr>
+              <a:t>n</a:t>
+            </a:r>
+            <a:r>
+              <a:rPr lang="ko-KR" altLang="en-US" sz="1467" dirty="0">
+                <a:solidFill>
+                  <a:sysClr val="windowText" lastClr="000000"/>
+                </a:solidFill>
+              </a:rPr>
+              <a:t>까지 홀수로만 나눴을 때</a:t>
+            </a:r>
+            <a:endParaRPr lang="en-US" altLang="ko-KR" sz="1467" dirty="0">
+              <a:solidFill>
+                <a:sysClr val="windowText" lastClr="000000"/>
+              </a:solidFill>
+            </a:endParaRPr>
+          </a:p>
+          <a:p>
+            <a:pPr algn="ctr"/>
+            <a:r>
+              <a:rPr lang="ko-KR" altLang="en-US" sz="1467" dirty="0">
+                <a:solidFill>
+                  <a:sysClr val="windowText" lastClr="000000"/>
+                </a:solidFill>
+              </a:rPr>
+              <a:t>몫이 </a:t>
+            </a:r>
+            <a:r>
+              <a:rPr lang="en-US" altLang="ko-KR" sz="1467" dirty="0">
+                <a:solidFill>
+                  <a:sysClr val="windowText" lastClr="000000"/>
+                </a:solidFill>
+              </a:rPr>
+              <a:t>0</a:t>
+            </a:r>
+            <a:r>
+              <a:rPr lang="ko-KR" altLang="en-US" sz="1467" dirty="0">
+                <a:solidFill>
+                  <a:sysClr val="windowText" lastClr="000000"/>
+                </a:solidFill>
+              </a:rPr>
+              <a:t>이면 </a:t>
+            </a:r>
+            <a:r>
+              <a:rPr lang="en-US" altLang="ko-KR" sz="1467" dirty="0">
+                <a:solidFill>
+                  <a:sysClr val="windowText" lastClr="000000"/>
+                </a:solidFill>
+              </a:rPr>
+              <a:t>!</a:t>
+            </a:r>
+            <a:r>
+              <a:rPr lang="ko-KR" altLang="en-US" sz="1467" dirty="0">
+                <a:solidFill>
+                  <a:sysClr val="windowText" lastClr="000000"/>
+                </a:solidFill>
+              </a:rPr>
+              <a:t>소수</a:t>
+            </a:r>
+          </a:p>
+        </p:txBody>
+      </p:sp>
+      <p:cxnSp>
+        <p:nvCxnSpPr>
+          <p:cNvPr id="16" name="직선 화살표 연결선 15">
+            <a:extLst>
+              <a:ext uri="{FF2B5EF4-FFF2-40B4-BE49-F238E27FC236}">
+                <a16:creationId xmlns:a16="http://schemas.microsoft.com/office/drawing/2014/main" id="{AC1B1131-4100-4A94-98EA-23D331013419}"/>
+              </a:ext>
+            </a:extLst>
+          </p:cNvPr>
+          <p:cNvCxnSpPr>
+            <a:cxnSpLocks/>
+            <a:stCxn id="14" idx="2"/>
+            <a:endCxn id="17" idx="0"/>
+          </p:cNvCxnSpPr>
+          <p:nvPr/>
+        </p:nvCxnSpPr>
+        <p:spPr>
+          <a:xfrm flipH="1">
+            <a:off x="2804520" y="4649053"/>
+            <a:ext cx="11798" cy="328710"/>
+          </a:xfrm>
+          <a:prstGeom prst="straightConnector1">
+            <a:avLst/>
+          </a:prstGeom>
+          <a:ln>
+            <a:solidFill>
+              <a:schemeClr val="tx1"/>
+            </a:solidFill>
+            <a:tailEnd type="triangle"/>
+          </a:ln>
+        </p:spPr>
+        <p:style>
+          <a:lnRef idx="1">
+            <a:schemeClr val="accent1"/>
+          </a:lnRef>
+          <a:fillRef idx="0">
+            <a:schemeClr val="accent1"/>
+          </a:fillRef>
+          <a:effectRef idx="0">
+            <a:schemeClr val="accent1"/>
+          </a:effectRef>
+          <a:fontRef idx="minor">
+            <a:schemeClr val="tx1"/>
+          </a:fontRef>
+        </p:style>
+      </p:cxnSp>
+      <p:sp>
+        <p:nvSpPr>
+          <p:cNvPr id="17" name="직사각형 16">
+            <a:extLst>
+              <a:ext uri="{FF2B5EF4-FFF2-40B4-BE49-F238E27FC236}">
+                <a16:creationId xmlns:a16="http://schemas.microsoft.com/office/drawing/2014/main" id="{AE43ACEA-C5A3-4122-BA74-A3A4ADB551F0}"/>
+              </a:ext>
+            </a:extLst>
+          </p:cNvPr>
+          <p:cNvSpPr/>
+          <p:nvPr/>
+        </p:nvSpPr>
+        <p:spPr>
+          <a:xfrm>
+            <a:off x="812722" y="4977763"/>
+            <a:ext cx="3983596" cy="540000"/>
+          </a:xfrm>
+          <a:prstGeom prst="rect">
+            <a:avLst/>
+          </a:prstGeom>
+          <a:noFill/>
+          <a:ln>
+            <a:solidFill>
+              <a:schemeClr val="tx1"/>
+            </a:solidFill>
+          </a:ln>
+        </p:spPr>
+        <p:style>
+          <a:lnRef idx="2">
+            <a:schemeClr val="accent1">
+              <a:shade val="50000"/>
+            </a:schemeClr>
+          </a:lnRef>
+          <a:fillRef idx="1">
+            <a:schemeClr val="accent1"/>
+          </a:fillRef>
+          <a:effectRef idx="0">
+            <a:schemeClr val="accent1"/>
+          </a:effectRef>
+          <a:fontRef idx="minor">
+            <a:schemeClr val="lt1"/>
+          </a:fontRef>
+        </p:style>
+        <p:txBody>
+          <a:bodyPr rtlCol="0" anchor="ctr"/>
+          <a:lstStyle/>
+          <a:p>
+            <a:pPr algn="ctr"/>
+            <a:r>
+              <a:rPr lang="ko-KR" altLang="en-US" sz="1467" dirty="0">
+                <a:solidFill>
+                  <a:sysClr val="windowText" lastClr="000000"/>
+                </a:solidFill>
+              </a:rPr>
+              <a:t>나머지는 소수</a:t>
+            </a:r>
+          </a:p>
+        </p:txBody>
+      </p:sp>
+    </p:spTree>
+    <p:extLst>
+      <p:ext uri="{BB962C8B-B14F-4D97-AF65-F5344CB8AC3E}">
+        <p14:creationId xmlns:p14="http://schemas.microsoft.com/office/powerpoint/2010/main" val="3914707901"/>
+      </p:ext>
+    </p:extLst>
+  </p:cSld>
+  <p:clrMapOvr>
+    <a:masterClrMapping/>
+  </p:clrMapOvr>
+</p:sld>
+</file>
+
 <file path=ppt/slides/slide2.xml><?xml version="1.0" encoding="utf-8"?>
 <p:sld xmlns:a="http://schemas.openxmlformats.org/drawingml/2006/main" xmlns:r="http://schemas.openxmlformats.org/officeDocument/2006/relationships" xmlns:p="http://schemas.openxmlformats.org/presentationml/2006/main">
   <p:cSld>

--- a/알고리즘_프로그래머스_Level01_순서도.pptx
+++ b/알고리즘_프로그래머스_Level01_순서도.pptx
@@ -8845,7 +8845,7 @@
                   <a:sysClr val="windowText" lastClr="000000"/>
                 </a:solidFill>
               </a:rPr>
-              <a:t>3</a:t>
+              <a:t>2</a:t>
             </a:r>
             <a:r>
               <a:rPr lang="ko-KR" altLang="en-US" sz="1467" dirty="0">
@@ -8853,7 +8853,7 @@
                   <a:sysClr val="windowText" lastClr="000000"/>
                 </a:solidFill>
               </a:rPr>
-              <a:t>이하면 소수</a:t>
+              <a:t>이면 소수</a:t>
             </a:r>
           </a:p>
         </p:txBody>

--- a/알고리즘_프로그래머스_Level01_순서도.pptx
+++ b/알고리즘_프로그래머스_Level01_순서도.pptx
@@ -21,6 +21,7 @@
     <p:sldId id="272" r:id="rId15"/>
     <p:sldId id="274" r:id="rId16"/>
     <p:sldId id="276" r:id="rId17"/>
+    <p:sldId id="277" r:id="rId18"/>
   </p:sldIdLst>
   <p:sldSz cx="6858000" cy="9144000" type="screen4x3"/>
   <p:notesSz cx="6858000" cy="9144000"/>
@@ -258,7 +259,7 @@
           <a:p>
             <a:fld id="{274DCB2C-481A-4B20-92AC-CEC756183F8E}" type="datetimeFigureOut">
               <a:rPr lang="ko-KR" altLang="en-US" smtClean="0"/>
-              <a:t>2021-01-16</a:t>
+              <a:t>2021-01-17</a:t>
             </a:fld>
             <a:endParaRPr lang="ko-KR" altLang="en-US"/>
           </a:p>
@@ -428,7 +429,7 @@
           <a:p>
             <a:fld id="{274DCB2C-481A-4B20-92AC-CEC756183F8E}" type="datetimeFigureOut">
               <a:rPr lang="ko-KR" altLang="en-US" smtClean="0"/>
-              <a:t>2021-01-16</a:t>
+              <a:t>2021-01-17</a:t>
             </a:fld>
             <a:endParaRPr lang="ko-KR" altLang="en-US"/>
           </a:p>
@@ -608,7 +609,7 @@
           <a:p>
             <a:fld id="{274DCB2C-481A-4B20-92AC-CEC756183F8E}" type="datetimeFigureOut">
               <a:rPr lang="ko-KR" altLang="en-US" smtClean="0"/>
-              <a:t>2021-01-16</a:t>
+              <a:t>2021-01-17</a:t>
             </a:fld>
             <a:endParaRPr lang="ko-KR" altLang="en-US"/>
           </a:p>
@@ -778,7 +779,7 @@
           <a:p>
             <a:fld id="{274DCB2C-481A-4B20-92AC-CEC756183F8E}" type="datetimeFigureOut">
               <a:rPr lang="ko-KR" altLang="en-US" smtClean="0"/>
-              <a:t>2021-01-16</a:t>
+              <a:t>2021-01-17</a:t>
             </a:fld>
             <a:endParaRPr lang="ko-KR" altLang="en-US"/>
           </a:p>
@@ -1022,7 +1023,7 @@
           <a:p>
             <a:fld id="{274DCB2C-481A-4B20-92AC-CEC756183F8E}" type="datetimeFigureOut">
               <a:rPr lang="ko-KR" altLang="en-US" smtClean="0"/>
-              <a:t>2021-01-16</a:t>
+              <a:t>2021-01-17</a:t>
             </a:fld>
             <a:endParaRPr lang="ko-KR" altLang="en-US"/>
           </a:p>
@@ -1254,7 +1255,7 @@
           <a:p>
             <a:fld id="{274DCB2C-481A-4B20-92AC-CEC756183F8E}" type="datetimeFigureOut">
               <a:rPr lang="ko-KR" altLang="en-US" smtClean="0"/>
-              <a:t>2021-01-16</a:t>
+              <a:t>2021-01-17</a:t>
             </a:fld>
             <a:endParaRPr lang="ko-KR" altLang="en-US"/>
           </a:p>
@@ -1621,7 +1622,7 @@
           <a:p>
             <a:fld id="{274DCB2C-481A-4B20-92AC-CEC756183F8E}" type="datetimeFigureOut">
               <a:rPr lang="ko-KR" altLang="en-US" smtClean="0"/>
-              <a:t>2021-01-16</a:t>
+              <a:t>2021-01-17</a:t>
             </a:fld>
             <a:endParaRPr lang="ko-KR" altLang="en-US"/>
           </a:p>
@@ -1739,7 +1740,7 @@
           <a:p>
             <a:fld id="{274DCB2C-481A-4B20-92AC-CEC756183F8E}" type="datetimeFigureOut">
               <a:rPr lang="ko-KR" altLang="en-US" smtClean="0"/>
-              <a:t>2021-01-16</a:t>
+              <a:t>2021-01-17</a:t>
             </a:fld>
             <a:endParaRPr lang="ko-KR" altLang="en-US"/>
           </a:p>
@@ -1834,7 +1835,7 @@
           <a:p>
             <a:fld id="{274DCB2C-481A-4B20-92AC-CEC756183F8E}" type="datetimeFigureOut">
               <a:rPr lang="ko-KR" altLang="en-US" smtClean="0"/>
-              <a:t>2021-01-16</a:t>
+              <a:t>2021-01-17</a:t>
             </a:fld>
             <a:endParaRPr lang="ko-KR" altLang="en-US"/>
           </a:p>
@@ -2111,7 +2112,7 @@
           <a:p>
             <a:fld id="{274DCB2C-481A-4B20-92AC-CEC756183F8E}" type="datetimeFigureOut">
               <a:rPr lang="ko-KR" altLang="en-US" smtClean="0"/>
-              <a:t>2021-01-16</a:t>
+              <a:t>2021-01-17</a:t>
             </a:fld>
             <a:endParaRPr lang="ko-KR" altLang="en-US"/>
           </a:p>
@@ -2368,7 +2369,7 @@
           <a:p>
             <a:fld id="{274DCB2C-481A-4B20-92AC-CEC756183F8E}" type="datetimeFigureOut">
               <a:rPr lang="ko-KR" altLang="en-US" smtClean="0"/>
-              <a:t>2021-01-16</a:t>
+              <a:t>2021-01-17</a:t>
             </a:fld>
             <a:endParaRPr lang="ko-KR" altLang="en-US"/>
           </a:p>
@@ -2581,7 +2582,7 @@
           <a:p>
             <a:fld id="{274DCB2C-481A-4B20-92AC-CEC756183F8E}" type="datetimeFigureOut">
               <a:rPr lang="ko-KR" altLang="en-US" smtClean="0"/>
-              <a:t>2021-01-16</a:t>
+              <a:t>2021-01-17</a:t>
             </a:fld>
             <a:endParaRPr lang="ko-KR" altLang="en-US"/>
           </a:p>
@@ -9298,6 +9299,407 @@
 </p:sld>
 </file>
 
+<file path=ppt/slides/slide17.xml><?xml version="1.0" encoding="utf-8"?>
+<p:sld xmlns:a="http://schemas.openxmlformats.org/drawingml/2006/main" xmlns:r="http://schemas.openxmlformats.org/officeDocument/2006/relationships" xmlns:p="http://schemas.openxmlformats.org/presentationml/2006/main">
+  <p:cSld>
+    <p:spTree>
+      <p:nvGrpSpPr>
+        <p:cNvPr id="1" name=""/>
+        <p:cNvGrpSpPr/>
+        <p:nvPr/>
+      </p:nvGrpSpPr>
+      <p:grpSpPr>
+        <a:xfrm>
+          <a:off x="0" y="0"/>
+          <a:ext cx="0" cy="0"/>
+          <a:chOff x="0" y="0"/>
+          <a:chExt cx="0" cy="0"/>
+        </a:xfrm>
+      </p:grpSpPr>
+      <p:sp>
+        <p:nvSpPr>
+          <p:cNvPr id="4" name="제목 3">
+            <a:extLst>
+              <a:ext uri="{FF2B5EF4-FFF2-40B4-BE49-F238E27FC236}">
+                <a16:creationId xmlns:a16="http://schemas.microsoft.com/office/drawing/2014/main" id="{30BAC889-89EF-449A-A9AB-0AA582E87CB5}"/>
+              </a:ext>
+            </a:extLst>
+          </p:cNvPr>
+          <p:cNvSpPr>
+            <a:spLocks noGrp="1"/>
+          </p:cNvSpPr>
+          <p:nvPr>
+            <p:ph type="title"/>
+          </p:nvPr>
+        </p:nvSpPr>
+        <p:spPr/>
+        <p:txBody>
+          <a:bodyPr/>
+          <a:lstStyle/>
+          <a:p>
+            <a:r>
+              <a:rPr lang="ko-KR" altLang="en-US" dirty="0"/>
+              <a:t>문자열을 정수로 바꾸기 </a:t>
+            </a:r>
+            <a:r>
+              <a:rPr lang="en-US" altLang="ko-KR" dirty="0"/>
+              <a:t>(01.17)</a:t>
+            </a:r>
+            <a:endParaRPr lang="ko-KR" altLang="en-US" dirty="0"/>
+          </a:p>
+        </p:txBody>
+      </p:sp>
+      <p:sp>
+        <p:nvSpPr>
+          <p:cNvPr id="7" name="직사각형 6">
+            <a:extLst>
+              <a:ext uri="{FF2B5EF4-FFF2-40B4-BE49-F238E27FC236}">
+                <a16:creationId xmlns:a16="http://schemas.microsoft.com/office/drawing/2014/main" id="{3521F3E1-F3C7-4375-B8E7-0210E50030D0}"/>
+              </a:ext>
+            </a:extLst>
+          </p:cNvPr>
+          <p:cNvSpPr/>
+          <p:nvPr/>
+        </p:nvSpPr>
+        <p:spPr>
+          <a:xfrm>
+            <a:off x="812720" y="1552042"/>
+            <a:ext cx="3983600" cy="540000"/>
+          </a:xfrm>
+          <a:prstGeom prst="rect">
+            <a:avLst/>
+          </a:prstGeom>
+          <a:noFill/>
+          <a:ln>
+            <a:solidFill>
+              <a:schemeClr val="tx1"/>
+            </a:solidFill>
+          </a:ln>
+        </p:spPr>
+        <p:style>
+          <a:lnRef idx="2">
+            <a:schemeClr val="accent1">
+              <a:shade val="50000"/>
+            </a:schemeClr>
+          </a:lnRef>
+          <a:fillRef idx="1">
+            <a:schemeClr val="accent1"/>
+          </a:fillRef>
+          <a:effectRef idx="0">
+            <a:schemeClr val="accent1"/>
+          </a:effectRef>
+          <a:fontRef idx="minor">
+            <a:schemeClr val="lt1"/>
+          </a:fontRef>
+        </p:style>
+        <p:txBody>
+          <a:bodyPr rtlCol="0" anchor="ctr"/>
+          <a:lstStyle/>
+          <a:p>
+            <a:pPr algn="ctr"/>
+            <a:r>
+              <a:rPr lang="ko-KR" altLang="en-US" sz="1467" dirty="0">
+                <a:solidFill>
+                  <a:sysClr val="windowText" lastClr="000000"/>
+                </a:solidFill>
+              </a:rPr>
+              <a:t>첫 문자가 </a:t>
+            </a:r>
+            <a:r>
+              <a:rPr lang="en-US" altLang="ko-KR" sz="1467" dirty="0">
+                <a:solidFill>
+                  <a:sysClr val="windowText" lastClr="000000"/>
+                </a:solidFill>
+              </a:rPr>
+              <a:t>‘-’, ‘+’, </a:t>
+            </a:r>
+            <a:r>
+              <a:rPr lang="ko-KR" altLang="en-US" sz="1467" dirty="0">
+                <a:solidFill>
+                  <a:sysClr val="windowText" lastClr="000000"/>
+                </a:solidFill>
+              </a:rPr>
+              <a:t>숫자인지 구분한다</a:t>
+            </a:r>
+            <a:endParaRPr lang="en-US" altLang="ko-KR" sz="1467" dirty="0">
+              <a:solidFill>
+                <a:sysClr val="windowText" lastClr="000000"/>
+              </a:solidFill>
+            </a:endParaRPr>
+          </a:p>
+        </p:txBody>
+      </p:sp>
+      <p:cxnSp>
+        <p:nvCxnSpPr>
+          <p:cNvPr id="9" name="직선 화살표 연결선 8">
+            <a:extLst>
+              <a:ext uri="{FF2B5EF4-FFF2-40B4-BE49-F238E27FC236}">
+                <a16:creationId xmlns:a16="http://schemas.microsoft.com/office/drawing/2014/main" id="{0074B81A-8660-4E3D-B69A-3DEA51705F3F}"/>
+              </a:ext>
+            </a:extLst>
+          </p:cNvPr>
+          <p:cNvCxnSpPr>
+            <a:cxnSpLocks/>
+            <a:stCxn id="7" idx="2"/>
+            <a:endCxn id="10" idx="0"/>
+          </p:cNvCxnSpPr>
+          <p:nvPr/>
+        </p:nvCxnSpPr>
+        <p:spPr>
+          <a:xfrm>
+            <a:off x="2804520" y="2092042"/>
+            <a:ext cx="0" cy="310109"/>
+          </a:xfrm>
+          <a:prstGeom prst="straightConnector1">
+            <a:avLst/>
+          </a:prstGeom>
+          <a:ln>
+            <a:solidFill>
+              <a:schemeClr val="tx1"/>
+            </a:solidFill>
+            <a:tailEnd type="triangle"/>
+          </a:ln>
+        </p:spPr>
+        <p:style>
+          <a:lnRef idx="1">
+            <a:schemeClr val="accent1"/>
+          </a:lnRef>
+          <a:fillRef idx="0">
+            <a:schemeClr val="accent1"/>
+          </a:fillRef>
+          <a:effectRef idx="0">
+            <a:schemeClr val="accent1"/>
+          </a:effectRef>
+          <a:fontRef idx="minor">
+            <a:schemeClr val="tx1"/>
+          </a:fontRef>
+        </p:style>
+      </p:cxnSp>
+      <p:sp>
+        <p:nvSpPr>
+          <p:cNvPr id="10" name="직사각형 9">
+            <a:extLst>
+              <a:ext uri="{FF2B5EF4-FFF2-40B4-BE49-F238E27FC236}">
+                <a16:creationId xmlns:a16="http://schemas.microsoft.com/office/drawing/2014/main" id="{5283D6BA-2971-48F2-9043-7919E96E46B0}"/>
+              </a:ext>
+            </a:extLst>
+          </p:cNvPr>
+          <p:cNvSpPr/>
+          <p:nvPr/>
+        </p:nvSpPr>
+        <p:spPr>
+          <a:xfrm>
+            <a:off x="812722" y="2402151"/>
+            <a:ext cx="3983596" cy="540000"/>
+          </a:xfrm>
+          <a:prstGeom prst="rect">
+            <a:avLst/>
+          </a:prstGeom>
+          <a:noFill/>
+          <a:ln>
+            <a:solidFill>
+              <a:schemeClr val="tx1"/>
+            </a:solidFill>
+          </a:ln>
+        </p:spPr>
+        <p:style>
+          <a:lnRef idx="2">
+            <a:schemeClr val="accent1">
+              <a:shade val="50000"/>
+            </a:schemeClr>
+          </a:lnRef>
+          <a:fillRef idx="1">
+            <a:schemeClr val="accent1"/>
+          </a:fillRef>
+          <a:effectRef idx="0">
+            <a:schemeClr val="accent1"/>
+          </a:effectRef>
+          <a:fontRef idx="minor">
+            <a:schemeClr val="lt1"/>
+          </a:fontRef>
+        </p:style>
+        <p:txBody>
+          <a:bodyPr rtlCol="0" anchor="ctr"/>
+          <a:lstStyle/>
+          <a:p>
+            <a:pPr algn="ctr"/>
+            <a:r>
+              <a:rPr lang="ko-KR" altLang="en-US" sz="1470" dirty="0">
+                <a:solidFill>
+                  <a:sysClr val="windowText" lastClr="000000"/>
+                </a:solidFill>
+              </a:rPr>
+              <a:t>첫 문자부터 </a:t>
+            </a:r>
+            <a:r>
+              <a:rPr lang="en-US" altLang="ko-KR" sz="1470" dirty="0">
+                <a:solidFill>
+                  <a:sysClr val="windowText" lastClr="000000"/>
+                </a:solidFill>
+              </a:rPr>
+              <a:t>10^(n)</a:t>
+            </a:r>
+            <a:r>
+              <a:rPr lang="ko-KR" altLang="en-US" sz="1470" dirty="0">
+                <a:solidFill>
+                  <a:sysClr val="windowText" lastClr="000000"/>
+                </a:solidFill>
+              </a:rPr>
+              <a:t>을 곱한 값을 더한다</a:t>
+            </a:r>
+          </a:p>
+        </p:txBody>
+      </p:sp>
+      <p:cxnSp>
+        <p:nvCxnSpPr>
+          <p:cNvPr id="11" name="직선 화살표 연결선 10">
+            <a:extLst>
+              <a:ext uri="{FF2B5EF4-FFF2-40B4-BE49-F238E27FC236}">
+                <a16:creationId xmlns:a16="http://schemas.microsoft.com/office/drawing/2014/main" id="{EAC04566-D094-4D78-9647-EF5A618ACEC9}"/>
+              </a:ext>
+            </a:extLst>
+          </p:cNvPr>
+          <p:cNvCxnSpPr>
+            <a:cxnSpLocks/>
+            <a:stCxn id="10" idx="2"/>
+            <a:endCxn id="12" idx="0"/>
+          </p:cNvCxnSpPr>
+          <p:nvPr/>
+        </p:nvCxnSpPr>
+        <p:spPr>
+          <a:xfrm>
+            <a:off x="2804520" y="2942151"/>
+            <a:ext cx="0" cy="308338"/>
+          </a:xfrm>
+          <a:prstGeom prst="straightConnector1">
+            <a:avLst/>
+          </a:prstGeom>
+          <a:ln>
+            <a:solidFill>
+              <a:schemeClr val="tx1"/>
+            </a:solidFill>
+            <a:tailEnd type="triangle"/>
+          </a:ln>
+        </p:spPr>
+        <p:style>
+          <a:lnRef idx="1">
+            <a:schemeClr val="accent1"/>
+          </a:lnRef>
+          <a:fillRef idx="0">
+            <a:schemeClr val="accent1"/>
+          </a:fillRef>
+          <a:effectRef idx="0">
+            <a:schemeClr val="accent1"/>
+          </a:effectRef>
+          <a:fontRef idx="minor">
+            <a:schemeClr val="tx1"/>
+          </a:fontRef>
+        </p:style>
+      </p:cxnSp>
+      <p:sp>
+        <p:nvSpPr>
+          <p:cNvPr id="12" name="직사각형 11">
+            <a:extLst>
+              <a:ext uri="{FF2B5EF4-FFF2-40B4-BE49-F238E27FC236}">
+                <a16:creationId xmlns:a16="http://schemas.microsoft.com/office/drawing/2014/main" id="{FC6ED97F-47D0-4C02-B6EA-9C9421604649}"/>
+              </a:ext>
+            </a:extLst>
+          </p:cNvPr>
+          <p:cNvSpPr/>
+          <p:nvPr/>
+        </p:nvSpPr>
+        <p:spPr>
+          <a:xfrm>
+            <a:off x="812722" y="3250489"/>
+            <a:ext cx="3983596" cy="540000"/>
+          </a:xfrm>
+          <a:prstGeom prst="rect">
+            <a:avLst/>
+          </a:prstGeom>
+          <a:noFill/>
+          <a:ln>
+            <a:solidFill>
+              <a:schemeClr val="tx1"/>
+            </a:solidFill>
+          </a:ln>
+        </p:spPr>
+        <p:style>
+          <a:lnRef idx="2">
+            <a:schemeClr val="accent1">
+              <a:shade val="50000"/>
+            </a:schemeClr>
+          </a:lnRef>
+          <a:fillRef idx="1">
+            <a:schemeClr val="accent1"/>
+          </a:fillRef>
+          <a:effectRef idx="0">
+            <a:schemeClr val="accent1"/>
+          </a:effectRef>
+          <a:fontRef idx="minor">
+            <a:schemeClr val="lt1"/>
+          </a:fontRef>
+        </p:style>
+        <p:txBody>
+          <a:bodyPr rtlCol="0" anchor="ctr"/>
+          <a:lstStyle/>
+          <a:p>
+            <a:pPr algn="ctr"/>
+            <a:r>
+              <a:rPr lang="ko-KR" altLang="en-US" sz="1467" dirty="0">
+                <a:solidFill>
+                  <a:sysClr val="windowText" lastClr="000000"/>
+                </a:solidFill>
+              </a:rPr>
+              <a:t>첫 문자가 </a:t>
+            </a:r>
+            <a:r>
+              <a:rPr lang="en-US" altLang="ko-KR" sz="1467" dirty="0">
+                <a:solidFill>
+                  <a:sysClr val="windowText" lastClr="000000"/>
+                </a:solidFill>
+              </a:rPr>
+              <a:t>‘-’</a:t>
+            </a:r>
+            <a:r>
+              <a:rPr lang="ko-KR" altLang="en-US" sz="1467" dirty="0">
+                <a:solidFill>
+                  <a:sysClr val="windowText" lastClr="000000"/>
+                </a:solidFill>
+              </a:rPr>
+              <a:t>이면 </a:t>
+            </a:r>
+            <a:r>
+              <a:rPr lang="en-US" altLang="ko-KR" sz="1467" dirty="0">
+                <a:solidFill>
+                  <a:sysClr val="windowText" lastClr="000000"/>
+                </a:solidFill>
+              </a:rPr>
+              <a:t>num</a:t>
+            </a:r>
+            <a:r>
+              <a:rPr lang="ko-KR" altLang="en-US" sz="1467" dirty="0">
+                <a:solidFill>
+                  <a:sysClr val="windowText" lastClr="000000"/>
+                </a:solidFill>
+              </a:rPr>
+              <a:t>에 음수를 취한다</a:t>
+            </a:r>
+          </a:p>
+        </p:txBody>
+      </p:sp>
+    </p:spTree>
+    <p:extLst>
+      <p:ext uri="{BB962C8B-B14F-4D97-AF65-F5344CB8AC3E}">
+        <p14:creationId xmlns:p14="http://schemas.microsoft.com/office/powerpoint/2010/main" val="3590566737"/>
+      </p:ext>
+    </p:extLst>
+  </p:cSld>
+  <p:clrMapOvr>
+    <a:masterClrMapping/>
+  </p:clrMapOvr>
+</p:sld>
+</file>
+
 <file path=ppt/slides/slide2.xml><?xml version="1.0" encoding="utf-8"?>
 <p:sld xmlns:a="http://schemas.openxmlformats.org/drawingml/2006/main" xmlns:r="http://schemas.openxmlformats.org/officeDocument/2006/relationships" xmlns:p="http://schemas.openxmlformats.org/presentationml/2006/main">
   <p:cSld>

--- a/알고리즘_프로그래머스_Level01_순서도.pptx
+++ b/알고리즘_프로그래머스_Level01_순서도.pptx
@@ -22,6 +22,7 @@
     <p:sldId id="274" r:id="rId16"/>
     <p:sldId id="276" r:id="rId17"/>
     <p:sldId id="277" r:id="rId18"/>
+    <p:sldId id="278" r:id="rId19"/>
   </p:sldIdLst>
   <p:sldSz cx="6858000" cy="9144000" type="screen4x3"/>
   <p:notesSz cx="6858000" cy="9144000"/>
@@ -9700,6 +9701,1676 @@
 </p:sld>
 </file>
 
+<file path=ppt/slides/slide18.xml><?xml version="1.0" encoding="utf-8"?>
+<p:sld xmlns:a="http://schemas.openxmlformats.org/drawingml/2006/main" xmlns:r="http://schemas.openxmlformats.org/officeDocument/2006/relationships" xmlns:p="http://schemas.openxmlformats.org/presentationml/2006/main">
+  <p:cSld>
+    <p:spTree>
+      <p:nvGrpSpPr>
+        <p:cNvPr id="1" name=""/>
+        <p:cNvGrpSpPr/>
+        <p:nvPr/>
+      </p:nvGrpSpPr>
+      <p:grpSpPr>
+        <a:xfrm>
+          <a:off x="0" y="0"/>
+          <a:ext cx="0" cy="0"/>
+          <a:chOff x="0" y="0"/>
+          <a:chExt cx="0" cy="0"/>
+        </a:xfrm>
+      </p:grpSpPr>
+      <p:sp>
+        <p:nvSpPr>
+          <p:cNvPr id="4" name="제목 3">
+            <a:extLst>
+              <a:ext uri="{FF2B5EF4-FFF2-40B4-BE49-F238E27FC236}">
+                <a16:creationId xmlns:a16="http://schemas.microsoft.com/office/drawing/2014/main" id="{30BAC889-89EF-449A-A9AB-0AA582E87CB5}"/>
+              </a:ext>
+            </a:extLst>
+          </p:cNvPr>
+          <p:cNvSpPr>
+            <a:spLocks noGrp="1"/>
+          </p:cNvSpPr>
+          <p:nvPr>
+            <p:ph type="title"/>
+          </p:nvPr>
+        </p:nvSpPr>
+        <p:spPr/>
+        <p:txBody>
+          <a:bodyPr/>
+          <a:lstStyle/>
+          <a:p>
+            <a:r>
+              <a:rPr lang="ko-KR" altLang="en-US" dirty="0" err="1"/>
+              <a:t>수박수박수박수박수박수</a:t>
+            </a:r>
+            <a:r>
+              <a:rPr lang="en-US" altLang="ko-KR" dirty="0"/>
+              <a:t>?</a:t>
+            </a:r>
+            <a:r>
+              <a:rPr lang="ko-KR" altLang="en-US" dirty="0"/>
+              <a:t> </a:t>
+            </a:r>
+            <a:r>
+              <a:rPr lang="en-US" altLang="ko-KR" dirty="0"/>
+              <a:t>(01.17)</a:t>
+            </a:r>
+            <a:endParaRPr lang="ko-KR" altLang="en-US" dirty="0"/>
+          </a:p>
+        </p:txBody>
+      </p:sp>
+      <p:sp>
+        <p:nvSpPr>
+          <p:cNvPr id="7" name="직사각형 6">
+            <a:extLst>
+              <a:ext uri="{FF2B5EF4-FFF2-40B4-BE49-F238E27FC236}">
+                <a16:creationId xmlns:a16="http://schemas.microsoft.com/office/drawing/2014/main" id="{3521F3E1-F3C7-4375-B8E7-0210E50030D0}"/>
+              </a:ext>
+            </a:extLst>
+          </p:cNvPr>
+          <p:cNvSpPr/>
+          <p:nvPr/>
+        </p:nvSpPr>
+        <p:spPr>
+          <a:xfrm>
+            <a:off x="355520" y="908049"/>
+            <a:ext cx="3600000" cy="540000"/>
+          </a:xfrm>
+          <a:prstGeom prst="rect">
+            <a:avLst/>
+          </a:prstGeom>
+          <a:noFill/>
+          <a:ln>
+            <a:solidFill>
+              <a:schemeClr val="tx1"/>
+            </a:solidFill>
+          </a:ln>
+        </p:spPr>
+        <p:style>
+          <a:lnRef idx="2">
+            <a:schemeClr val="accent1">
+              <a:shade val="50000"/>
+            </a:schemeClr>
+          </a:lnRef>
+          <a:fillRef idx="1">
+            <a:schemeClr val="accent1"/>
+          </a:fillRef>
+          <a:effectRef idx="0">
+            <a:schemeClr val="accent1"/>
+          </a:effectRef>
+          <a:fontRef idx="minor">
+            <a:schemeClr val="lt1"/>
+          </a:fontRef>
+        </p:style>
+        <p:txBody>
+          <a:bodyPr rtlCol="0" anchor="ctr"/>
+          <a:lstStyle/>
+          <a:p>
+            <a:pPr algn="ctr"/>
+            <a:r>
+              <a:rPr lang="en-US" altLang="ko-KR" sz="1467" dirty="0">
+                <a:solidFill>
+                  <a:sysClr val="windowText" lastClr="000000"/>
+                </a:solidFill>
+              </a:rPr>
+              <a:t>n</a:t>
+            </a:r>
+            <a:r>
+              <a:rPr lang="ko-KR" altLang="en-US" sz="1467" dirty="0">
+                <a:solidFill>
+                  <a:sysClr val="windowText" lastClr="000000"/>
+                </a:solidFill>
+              </a:rPr>
+              <a:t>을 입력 받는다</a:t>
+            </a:r>
+            <a:endParaRPr lang="en-US" altLang="ko-KR" sz="1467" dirty="0">
+              <a:solidFill>
+                <a:sysClr val="windowText" lastClr="000000"/>
+              </a:solidFill>
+            </a:endParaRPr>
+          </a:p>
+        </p:txBody>
+      </p:sp>
+      <p:cxnSp>
+        <p:nvCxnSpPr>
+          <p:cNvPr id="9" name="직선 화살표 연결선 8">
+            <a:extLst>
+              <a:ext uri="{FF2B5EF4-FFF2-40B4-BE49-F238E27FC236}">
+                <a16:creationId xmlns:a16="http://schemas.microsoft.com/office/drawing/2014/main" id="{0074B81A-8660-4E3D-B69A-3DEA51705F3F}"/>
+              </a:ext>
+            </a:extLst>
+          </p:cNvPr>
+          <p:cNvCxnSpPr>
+            <a:cxnSpLocks/>
+            <a:stCxn id="7" idx="2"/>
+            <a:endCxn id="10" idx="0"/>
+          </p:cNvCxnSpPr>
+          <p:nvPr/>
+        </p:nvCxnSpPr>
+        <p:spPr>
+          <a:xfrm>
+            <a:off x="2155520" y="1448049"/>
+            <a:ext cx="2" cy="310109"/>
+          </a:xfrm>
+          <a:prstGeom prst="straightConnector1">
+            <a:avLst/>
+          </a:prstGeom>
+          <a:ln>
+            <a:solidFill>
+              <a:schemeClr val="tx1"/>
+            </a:solidFill>
+            <a:tailEnd type="triangle"/>
+          </a:ln>
+        </p:spPr>
+        <p:style>
+          <a:lnRef idx="1">
+            <a:schemeClr val="accent1"/>
+          </a:lnRef>
+          <a:fillRef idx="0">
+            <a:schemeClr val="accent1"/>
+          </a:fillRef>
+          <a:effectRef idx="0">
+            <a:schemeClr val="accent1"/>
+          </a:effectRef>
+          <a:fontRef idx="minor">
+            <a:schemeClr val="tx1"/>
+          </a:fontRef>
+        </p:style>
+      </p:cxnSp>
+      <p:sp>
+        <p:nvSpPr>
+          <p:cNvPr id="10" name="직사각형 9">
+            <a:extLst>
+              <a:ext uri="{FF2B5EF4-FFF2-40B4-BE49-F238E27FC236}">
+                <a16:creationId xmlns:a16="http://schemas.microsoft.com/office/drawing/2014/main" id="{5283D6BA-2971-48F2-9043-7919E96E46B0}"/>
+              </a:ext>
+            </a:extLst>
+          </p:cNvPr>
+          <p:cNvSpPr/>
+          <p:nvPr/>
+        </p:nvSpPr>
+        <p:spPr>
+          <a:xfrm>
+            <a:off x="355522" y="1758158"/>
+            <a:ext cx="3600000" cy="540000"/>
+          </a:xfrm>
+          <a:prstGeom prst="rect">
+            <a:avLst/>
+          </a:prstGeom>
+          <a:noFill/>
+          <a:ln>
+            <a:solidFill>
+              <a:schemeClr val="tx1"/>
+            </a:solidFill>
+          </a:ln>
+        </p:spPr>
+        <p:style>
+          <a:lnRef idx="2">
+            <a:schemeClr val="accent1">
+              <a:shade val="50000"/>
+            </a:schemeClr>
+          </a:lnRef>
+          <a:fillRef idx="1">
+            <a:schemeClr val="accent1"/>
+          </a:fillRef>
+          <a:effectRef idx="0">
+            <a:schemeClr val="accent1"/>
+          </a:effectRef>
+          <a:fontRef idx="minor">
+            <a:schemeClr val="lt1"/>
+          </a:fontRef>
+        </p:style>
+        <p:txBody>
+          <a:bodyPr rtlCol="0" anchor="ctr"/>
+          <a:lstStyle/>
+          <a:p>
+            <a:pPr algn="ctr"/>
+            <a:r>
+              <a:rPr lang="en-US" altLang="ko-KR" sz="1470" dirty="0">
+                <a:solidFill>
+                  <a:sysClr val="windowText" lastClr="000000"/>
+                </a:solidFill>
+              </a:rPr>
+              <a:t>n</a:t>
+            </a:r>
+            <a:r>
+              <a:rPr lang="ko-KR" altLang="en-US" sz="1470" dirty="0">
+                <a:solidFill>
+                  <a:sysClr val="windowText" lastClr="000000"/>
+                </a:solidFill>
+              </a:rPr>
+              <a:t>을 </a:t>
+            </a:r>
+            <a:r>
+              <a:rPr lang="en-US" altLang="ko-KR" sz="1470" dirty="0">
+                <a:solidFill>
+                  <a:sysClr val="windowText" lastClr="000000"/>
+                </a:solidFill>
+              </a:rPr>
+              <a:t>2</a:t>
+            </a:r>
+            <a:r>
+              <a:rPr lang="ko-KR" altLang="en-US" sz="1470" dirty="0">
+                <a:solidFill>
+                  <a:sysClr val="windowText" lastClr="000000"/>
+                </a:solidFill>
+              </a:rPr>
+              <a:t>진법으로 바꾸고 뒤집는다</a:t>
+            </a:r>
+          </a:p>
+        </p:txBody>
+      </p:sp>
+      <p:cxnSp>
+        <p:nvCxnSpPr>
+          <p:cNvPr id="11" name="직선 화살표 연결선 10">
+            <a:extLst>
+              <a:ext uri="{FF2B5EF4-FFF2-40B4-BE49-F238E27FC236}">
+                <a16:creationId xmlns:a16="http://schemas.microsoft.com/office/drawing/2014/main" id="{EAC04566-D094-4D78-9647-EF5A618ACEC9}"/>
+              </a:ext>
+            </a:extLst>
+          </p:cNvPr>
+          <p:cNvCxnSpPr>
+            <a:cxnSpLocks/>
+            <a:stCxn id="10" idx="2"/>
+            <a:endCxn id="18" idx="0"/>
+          </p:cNvCxnSpPr>
+          <p:nvPr/>
+        </p:nvCxnSpPr>
+        <p:spPr>
+          <a:xfrm flipH="1">
+            <a:off x="2155520" y="2298158"/>
+            <a:ext cx="2" cy="308338"/>
+          </a:xfrm>
+          <a:prstGeom prst="straightConnector1">
+            <a:avLst/>
+          </a:prstGeom>
+          <a:ln>
+            <a:solidFill>
+              <a:schemeClr val="tx1"/>
+            </a:solidFill>
+            <a:tailEnd type="triangle"/>
+          </a:ln>
+        </p:spPr>
+        <p:style>
+          <a:lnRef idx="1">
+            <a:schemeClr val="accent1"/>
+          </a:lnRef>
+          <a:fillRef idx="0">
+            <a:schemeClr val="accent1"/>
+          </a:fillRef>
+          <a:effectRef idx="0">
+            <a:schemeClr val="accent1"/>
+          </a:effectRef>
+          <a:fontRef idx="minor">
+            <a:schemeClr val="tx1"/>
+          </a:fontRef>
+        </p:style>
+      </p:cxnSp>
+      <p:cxnSp>
+        <p:nvCxnSpPr>
+          <p:cNvPr id="15" name="직선 화살표 연결선 14">
+            <a:extLst>
+              <a:ext uri="{FF2B5EF4-FFF2-40B4-BE49-F238E27FC236}">
+                <a16:creationId xmlns:a16="http://schemas.microsoft.com/office/drawing/2014/main" id="{DE927DBB-D578-4392-83D6-99F98B5D516D}"/>
+              </a:ext>
+            </a:extLst>
+          </p:cNvPr>
+          <p:cNvCxnSpPr>
+            <a:cxnSpLocks/>
+            <a:stCxn id="20" idx="2"/>
+            <a:endCxn id="16" idx="0"/>
+          </p:cNvCxnSpPr>
+          <p:nvPr/>
+        </p:nvCxnSpPr>
+        <p:spPr>
+          <a:xfrm>
+            <a:off x="2155522" y="5091027"/>
+            <a:ext cx="0" cy="554868"/>
+          </a:xfrm>
+          <a:prstGeom prst="straightConnector1">
+            <a:avLst/>
+          </a:prstGeom>
+          <a:ln>
+            <a:solidFill>
+              <a:schemeClr val="tx1"/>
+            </a:solidFill>
+            <a:tailEnd type="triangle"/>
+          </a:ln>
+        </p:spPr>
+        <p:style>
+          <a:lnRef idx="1">
+            <a:schemeClr val="accent1"/>
+          </a:lnRef>
+          <a:fillRef idx="0">
+            <a:schemeClr val="accent1"/>
+          </a:fillRef>
+          <a:effectRef idx="0">
+            <a:schemeClr val="accent1"/>
+          </a:effectRef>
+          <a:fontRef idx="minor">
+            <a:schemeClr val="tx1"/>
+          </a:fontRef>
+        </p:style>
+      </p:cxnSp>
+      <p:sp>
+        <p:nvSpPr>
+          <p:cNvPr id="16" name="직사각형 15">
+            <a:extLst>
+              <a:ext uri="{FF2B5EF4-FFF2-40B4-BE49-F238E27FC236}">
+                <a16:creationId xmlns:a16="http://schemas.microsoft.com/office/drawing/2014/main" id="{18692EFA-450F-435A-A03A-4E915C095420}"/>
+              </a:ext>
+            </a:extLst>
+          </p:cNvPr>
+          <p:cNvSpPr/>
+          <p:nvPr/>
+        </p:nvSpPr>
+        <p:spPr>
+          <a:xfrm>
+            <a:off x="355522" y="5645895"/>
+            <a:ext cx="3600000" cy="540000"/>
+          </a:xfrm>
+          <a:prstGeom prst="rect">
+            <a:avLst/>
+          </a:prstGeom>
+          <a:noFill/>
+          <a:ln>
+            <a:solidFill>
+              <a:schemeClr val="tx1"/>
+            </a:solidFill>
+          </a:ln>
+        </p:spPr>
+        <p:style>
+          <a:lnRef idx="2">
+            <a:schemeClr val="accent1">
+              <a:shade val="50000"/>
+            </a:schemeClr>
+          </a:lnRef>
+          <a:fillRef idx="1">
+            <a:schemeClr val="accent1"/>
+          </a:fillRef>
+          <a:effectRef idx="0">
+            <a:schemeClr val="accent1"/>
+          </a:effectRef>
+          <a:fontRef idx="minor">
+            <a:schemeClr val="lt1"/>
+          </a:fontRef>
+        </p:style>
+        <p:txBody>
+          <a:bodyPr rtlCol="0" anchor="ctr"/>
+          <a:lstStyle/>
+          <a:p>
+            <a:pPr algn="ctr"/>
+            <a:r>
+              <a:rPr lang="en-US" altLang="ko-KR" sz="1467" dirty="0">
+                <a:solidFill>
+                  <a:sysClr val="windowText" lastClr="000000"/>
+                </a:solidFill>
+              </a:rPr>
+              <a:t>2</a:t>
+            </a:r>
+            <a:r>
+              <a:rPr lang="ko-KR" altLang="en-US" sz="1467" dirty="0">
+                <a:solidFill>
+                  <a:sysClr val="windowText" lastClr="000000"/>
+                </a:solidFill>
+              </a:rPr>
+              <a:t>진법 첫째 자리가 </a:t>
+            </a:r>
+            <a:r>
+              <a:rPr lang="en-US" altLang="ko-KR" sz="1467" dirty="0">
+                <a:solidFill>
+                  <a:sysClr val="windowText" lastClr="000000"/>
+                </a:solidFill>
+              </a:rPr>
+              <a:t>1</a:t>
+            </a:r>
+            <a:r>
+              <a:rPr lang="ko-KR" altLang="en-US" sz="1467" dirty="0">
+                <a:solidFill>
+                  <a:sysClr val="windowText" lastClr="000000"/>
+                </a:solidFill>
+              </a:rPr>
+              <a:t>이면 </a:t>
+            </a:r>
+            <a:r>
+              <a:rPr lang="en-US" altLang="ko-KR" sz="1467" dirty="0">
+                <a:solidFill>
+                  <a:sysClr val="windowText" lastClr="000000"/>
+                </a:solidFill>
+              </a:rPr>
+              <a:t>‘</a:t>
+            </a:r>
+            <a:r>
+              <a:rPr lang="ko-KR" altLang="en-US" sz="1467" dirty="0">
+                <a:solidFill>
+                  <a:sysClr val="windowText" lastClr="000000"/>
+                </a:solidFill>
+              </a:rPr>
+              <a:t>수</a:t>
+            </a:r>
+            <a:r>
+              <a:rPr lang="en-US" altLang="ko-KR" sz="1467" dirty="0">
+                <a:solidFill>
+                  <a:sysClr val="windowText" lastClr="000000"/>
+                </a:solidFill>
+              </a:rPr>
+              <a:t>’</a:t>
+            </a:r>
+            <a:r>
+              <a:rPr lang="ko-KR" altLang="en-US" sz="1467" dirty="0">
+                <a:solidFill>
+                  <a:sysClr val="windowText" lastClr="000000"/>
+                </a:solidFill>
+              </a:rPr>
+              <a:t>를 추가한다</a:t>
+            </a:r>
+          </a:p>
+        </p:txBody>
+      </p:sp>
+      <p:sp>
+        <p:nvSpPr>
+          <p:cNvPr id="18" name="다이아몬드 17">
+            <a:extLst>
+              <a:ext uri="{FF2B5EF4-FFF2-40B4-BE49-F238E27FC236}">
+                <a16:creationId xmlns:a16="http://schemas.microsoft.com/office/drawing/2014/main" id="{1FEBBEAA-19BE-46CD-BE23-BFC11AC253DB}"/>
+              </a:ext>
+            </a:extLst>
+          </p:cNvPr>
+          <p:cNvSpPr/>
+          <p:nvPr/>
+        </p:nvSpPr>
+        <p:spPr>
+          <a:xfrm>
+            <a:off x="1075520" y="2606496"/>
+            <a:ext cx="2160000" cy="499557"/>
+          </a:xfrm>
+          <a:prstGeom prst="diamond">
+            <a:avLst/>
+          </a:prstGeom>
+          <a:noFill/>
+          <a:ln>
+            <a:solidFill>
+              <a:schemeClr val="tx1"/>
+            </a:solidFill>
+          </a:ln>
+        </p:spPr>
+        <p:style>
+          <a:lnRef idx="2">
+            <a:schemeClr val="accent1">
+              <a:shade val="50000"/>
+            </a:schemeClr>
+          </a:lnRef>
+          <a:fillRef idx="1">
+            <a:schemeClr val="accent1"/>
+          </a:fillRef>
+          <a:effectRef idx="0">
+            <a:schemeClr val="accent1"/>
+          </a:effectRef>
+          <a:fontRef idx="minor">
+            <a:schemeClr val="lt1"/>
+          </a:fontRef>
+        </p:style>
+        <p:txBody>
+          <a:bodyPr rtlCol="0" anchor="ctr"/>
+          <a:lstStyle/>
+          <a:p>
+            <a:pPr algn="ctr"/>
+            <a:r>
+              <a:rPr lang="en-US" altLang="ko-KR" sz="1467" dirty="0">
+                <a:solidFill>
+                  <a:sysClr val="windowText" lastClr="000000"/>
+                </a:solidFill>
+              </a:rPr>
+              <a:t>bin[</a:t>
+            </a:r>
+            <a:r>
+              <a:rPr lang="en-US" altLang="ko-KR" sz="1467" dirty="0" err="1">
+                <a:solidFill>
+                  <a:sysClr val="windowText" lastClr="000000"/>
+                </a:solidFill>
+              </a:rPr>
+              <a:t>i</a:t>
+            </a:r>
+            <a:r>
+              <a:rPr lang="en-US" altLang="ko-KR" sz="1467" dirty="0">
+                <a:solidFill>
+                  <a:sysClr val="windowText" lastClr="000000"/>
+                </a:solidFill>
+              </a:rPr>
+              <a:t>] == 1?</a:t>
+            </a:r>
+          </a:p>
+        </p:txBody>
+      </p:sp>
+      <p:cxnSp>
+        <p:nvCxnSpPr>
+          <p:cNvPr id="19" name="직선 화살표 연결선 18">
+            <a:extLst>
+              <a:ext uri="{FF2B5EF4-FFF2-40B4-BE49-F238E27FC236}">
+                <a16:creationId xmlns:a16="http://schemas.microsoft.com/office/drawing/2014/main" id="{0F34E959-44BC-46B7-9C11-919B8B0D0EB1}"/>
+              </a:ext>
+            </a:extLst>
+          </p:cNvPr>
+          <p:cNvCxnSpPr>
+            <a:cxnSpLocks/>
+            <a:stCxn id="18" idx="2"/>
+            <a:endCxn id="20" idx="0"/>
+          </p:cNvCxnSpPr>
+          <p:nvPr/>
+        </p:nvCxnSpPr>
+        <p:spPr>
+          <a:xfrm>
+            <a:off x="2155520" y="3106053"/>
+            <a:ext cx="2" cy="1471358"/>
+          </a:xfrm>
+          <a:prstGeom prst="straightConnector1">
+            <a:avLst/>
+          </a:prstGeom>
+          <a:ln>
+            <a:solidFill>
+              <a:schemeClr val="tx1"/>
+            </a:solidFill>
+            <a:tailEnd type="triangle"/>
+          </a:ln>
+        </p:spPr>
+        <p:style>
+          <a:lnRef idx="1">
+            <a:schemeClr val="accent1"/>
+          </a:lnRef>
+          <a:fillRef idx="0">
+            <a:schemeClr val="accent1"/>
+          </a:fillRef>
+          <a:effectRef idx="0">
+            <a:schemeClr val="accent1"/>
+          </a:effectRef>
+          <a:fontRef idx="minor">
+            <a:schemeClr val="tx1"/>
+          </a:fontRef>
+        </p:style>
+      </p:cxnSp>
+      <p:sp>
+        <p:nvSpPr>
+          <p:cNvPr id="20" name="직사각형 19">
+            <a:extLst>
+              <a:ext uri="{FF2B5EF4-FFF2-40B4-BE49-F238E27FC236}">
+                <a16:creationId xmlns:a16="http://schemas.microsoft.com/office/drawing/2014/main" id="{EE77AD52-779A-4ACF-ACC4-6C3729203A6F}"/>
+              </a:ext>
+            </a:extLst>
+          </p:cNvPr>
+          <p:cNvSpPr/>
+          <p:nvPr/>
+        </p:nvSpPr>
+        <p:spPr>
+          <a:xfrm>
+            <a:off x="355522" y="4577411"/>
+            <a:ext cx="3600000" cy="513616"/>
+          </a:xfrm>
+          <a:prstGeom prst="rect">
+            <a:avLst/>
+          </a:prstGeom>
+          <a:noFill/>
+          <a:ln>
+            <a:solidFill>
+              <a:schemeClr val="tx1"/>
+            </a:solidFill>
+          </a:ln>
+        </p:spPr>
+        <p:style>
+          <a:lnRef idx="2">
+            <a:schemeClr val="accent1">
+              <a:shade val="50000"/>
+            </a:schemeClr>
+          </a:lnRef>
+          <a:fillRef idx="1">
+            <a:schemeClr val="accent1"/>
+          </a:fillRef>
+          <a:effectRef idx="0">
+            <a:schemeClr val="accent1"/>
+          </a:effectRef>
+          <a:fontRef idx="minor">
+            <a:schemeClr val="lt1"/>
+          </a:fontRef>
+        </p:style>
+        <p:txBody>
+          <a:bodyPr rtlCol="0" anchor="ctr"/>
+          <a:lstStyle/>
+          <a:p>
+            <a:pPr algn="ctr"/>
+            <a:r>
+              <a:rPr lang="en-US" altLang="ko-KR" sz="1467" dirty="0">
+                <a:solidFill>
+                  <a:sysClr val="windowText" lastClr="000000"/>
+                </a:solidFill>
+              </a:rPr>
+              <a:t>bin[</a:t>
+            </a:r>
+            <a:r>
+              <a:rPr lang="en-US" altLang="ko-KR" sz="1467" dirty="0" err="1">
+                <a:solidFill>
+                  <a:sysClr val="windowText" lastClr="000000"/>
+                </a:solidFill>
+              </a:rPr>
+              <a:t>i</a:t>
+            </a:r>
+            <a:r>
+              <a:rPr lang="en-US" altLang="ko-KR" sz="1467" dirty="0">
+                <a:solidFill>
+                  <a:sysClr val="windowText" lastClr="000000"/>
+                </a:solidFill>
+              </a:rPr>
+              <a:t>]</a:t>
+            </a:r>
+            <a:r>
+              <a:rPr lang="ko-KR" altLang="en-US" sz="1467" dirty="0">
+                <a:solidFill>
+                  <a:sysClr val="windowText" lastClr="000000"/>
+                </a:solidFill>
+              </a:rPr>
+              <a:t>가 </a:t>
+            </a:r>
+            <a:r>
+              <a:rPr lang="en-US" altLang="ko-KR" sz="1467" dirty="0">
+                <a:solidFill>
+                  <a:sysClr val="windowText" lastClr="000000"/>
+                </a:solidFill>
+              </a:rPr>
+              <a:t>1</a:t>
+            </a:r>
+            <a:r>
+              <a:rPr lang="ko-KR" altLang="en-US" sz="1467" dirty="0">
+                <a:solidFill>
+                  <a:sysClr val="windowText" lastClr="000000"/>
+                </a:solidFill>
+              </a:rPr>
+              <a:t>이면 현재 문자열을 추가한다</a:t>
+            </a:r>
+          </a:p>
+        </p:txBody>
+      </p:sp>
+      <p:sp>
+        <p:nvSpPr>
+          <p:cNvPr id="30" name="TextBox 29">
+            <a:extLst>
+              <a:ext uri="{FF2B5EF4-FFF2-40B4-BE49-F238E27FC236}">
+                <a16:creationId xmlns:a16="http://schemas.microsoft.com/office/drawing/2014/main" id="{BF68D3FF-67F6-4098-9B2A-0BB4423210F2}"/>
+              </a:ext>
+            </a:extLst>
+          </p:cNvPr>
+          <p:cNvSpPr txBox="1"/>
+          <p:nvPr/>
+        </p:nvSpPr>
+        <p:spPr>
+          <a:xfrm>
+            <a:off x="3281485" y="2548637"/>
+            <a:ext cx="417538" cy="322705"/>
+          </a:xfrm>
+          <a:prstGeom prst="rect">
+            <a:avLst/>
+          </a:prstGeom>
+          <a:noFill/>
+        </p:spPr>
+        <p:txBody>
+          <a:bodyPr wrap="none" lIns="48000" tIns="48000" rIns="48000" bIns="48000" rtlCol="0">
+            <a:spAutoFit/>
+          </a:bodyPr>
+          <a:lstStyle/>
+          <a:p>
+            <a:r>
+              <a:rPr lang="en-US" altLang="ko-KR" sz="1467" dirty="0"/>
+              <a:t>true</a:t>
+            </a:r>
+            <a:endParaRPr lang="ko-KR" altLang="en-US" sz="1467" dirty="0"/>
+          </a:p>
+        </p:txBody>
+      </p:sp>
+      <p:sp>
+        <p:nvSpPr>
+          <p:cNvPr id="32" name="TextBox 31">
+            <a:extLst>
+              <a:ext uri="{FF2B5EF4-FFF2-40B4-BE49-F238E27FC236}">
+                <a16:creationId xmlns:a16="http://schemas.microsoft.com/office/drawing/2014/main" id="{37B67B9E-75E0-4D05-8B8A-C5E56474D7F1}"/>
+              </a:ext>
+            </a:extLst>
+          </p:cNvPr>
+          <p:cNvSpPr txBox="1"/>
+          <p:nvPr/>
+        </p:nvSpPr>
+        <p:spPr>
+          <a:xfrm>
+            <a:off x="2190917" y="3105899"/>
+            <a:ext cx="450752" cy="322705"/>
+          </a:xfrm>
+          <a:prstGeom prst="rect">
+            <a:avLst/>
+          </a:prstGeom>
+          <a:noFill/>
+        </p:spPr>
+        <p:txBody>
+          <a:bodyPr wrap="none" lIns="48000" tIns="48000" rIns="48000" bIns="48000" rtlCol="0">
+            <a:spAutoFit/>
+          </a:bodyPr>
+          <a:lstStyle/>
+          <a:p>
+            <a:r>
+              <a:rPr lang="en-US" altLang="ko-KR" sz="1467" dirty="0"/>
+              <a:t>false</a:t>
+            </a:r>
+            <a:endParaRPr lang="ko-KR" altLang="en-US" sz="1467" dirty="0"/>
+          </a:p>
+        </p:txBody>
+      </p:sp>
+      <p:sp>
+        <p:nvSpPr>
+          <p:cNvPr id="35" name="직사각형 34">
+            <a:extLst>
+              <a:ext uri="{FF2B5EF4-FFF2-40B4-BE49-F238E27FC236}">
+                <a16:creationId xmlns:a16="http://schemas.microsoft.com/office/drawing/2014/main" id="{5A57AA92-671D-4ECA-B0E4-C0D0CCD77FED}"/>
+              </a:ext>
+            </a:extLst>
+          </p:cNvPr>
+          <p:cNvSpPr/>
+          <p:nvPr/>
+        </p:nvSpPr>
+        <p:spPr>
+          <a:xfrm>
+            <a:off x="2989870" y="3230959"/>
+            <a:ext cx="3600000" cy="513616"/>
+          </a:xfrm>
+          <a:prstGeom prst="rect">
+            <a:avLst/>
+          </a:prstGeom>
+          <a:noFill/>
+          <a:ln>
+            <a:solidFill>
+              <a:schemeClr val="tx1"/>
+            </a:solidFill>
+          </a:ln>
+        </p:spPr>
+        <p:style>
+          <a:lnRef idx="2">
+            <a:schemeClr val="accent1">
+              <a:shade val="50000"/>
+            </a:schemeClr>
+          </a:lnRef>
+          <a:fillRef idx="1">
+            <a:schemeClr val="accent1"/>
+          </a:fillRef>
+          <a:effectRef idx="0">
+            <a:schemeClr val="accent1"/>
+          </a:effectRef>
+          <a:fontRef idx="minor">
+            <a:schemeClr val="lt1"/>
+          </a:fontRef>
+        </p:style>
+        <p:txBody>
+          <a:bodyPr rtlCol="0" anchor="ctr"/>
+          <a:lstStyle/>
+          <a:p>
+            <a:pPr algn="ctr"/>
+            <a:r>
+              <a:rPr lang="ko-KR" altLang="en-US" sz="1467" dirty="0">
+                <a:solidFill>
+                  <a:sysClr val="windowText" lastClr="000000"/>
+                </a:solidFill>
+              </a:rPr>
+              <a:t>현재 문자열 </a:t>
+            </a:r>
+            <a:r>
+              <a:rPr lang="en-US" altLang="ko-KR" sz="1467" dirty="0">
+                <a:solidFill>
+                  <a:sysClr val="windowText" lastClr="000000"/>
+                </a:solidFill>
+              </a:rPr>
+              <a:t>= </a:t>
+            </a:r>
+            <a:r>
+              <a:rPr lang="ko-KR" altLang="en-US" sz="1467" dirty="0">
+                <a:solidFill>
+                  <a:sysClr val="windowText" lastClr="000000"/>
+                </a:solidFill>
+              </a:rPr>
+              <a:t>이전 문자열 </a:t>
+            </a:r>
+            <a:r>
+              <a:rPr lang="en-US" altLang="ko-KR" sz="1467" dirty="0">
+                <a:solidFill>
+                  <a:sysClr val="windowText" lastClr="000000"/>
+                </a:solidFill>
+              </a:rPr>
+              <a:t>+ </a:t>
+            </a:r>
+            <a:r>
+              <a:rPr lang="ko-KR" altLang="en-US" sz="1467" dirty="0">
+                <a:solidFill>
+                  <a:sysClr val="windowText" lastClr="000000"/>
+                </a:solidFill>
+              </a:rPr>
+              <a:t>이전문자열</a:t>
+            </a:r>
+          </a:p>
+        </p:txBody>
+      </p:sp>
+      <p:cxnSp>
+        <p:nvCxnSpPr>
+          <p:cNvPr id="39" name="연결선: 꺾임 38">
+            <a:extLst>
+              <a:ext uri="{FF2B5EF4-FFF2-40B4-BE49-F238E27FC236}">
+                <a16:creationId xmlns:a16="http://schemas.microsoft.com/office/drawing/2014/main" id="{A25E293F-1ED0-4865-B9C8-09D8FD6ACA72}"/>
+              </a:ext>
+            </a:extLst>
+          </p:cNvPr>
+          <p:cNvCxnSpPr>
+            <a:stCxn id="18" idx="3"/>
+            <a:endCxn id="35" idx="0"/>
+          </p:cNvCxnSpPr>
+          <p:nvPr/>
+        </p:nvCxnSpPr>
+        <p:spPr>
+          <a:xfrm>
+            <a:off x="3235520" y="2856275"/>
+            <a:ext cx="1554350" cy="374684"/>
+          </a:xfrm>
+          <a:prstGeom prst="bentConnector2">
+            <a:avLst/>
+          </a:prstGeom>
+          <a:ln>
+            <a:solidFill>
+              <a:schemeClr val="tx1"/>
+            </a:solidFill>
+            <a:tailEnd type="triangle"/>
+          </a:ln>
+        </p:spPr>
+        <p:style>
+          <a:lnRef idx="1">
+            <a:schemeClr val="accent1"/>
+          </a:lnRef>
+          <a:fillRef idx="0">
+            <a:schemeClr val="accent1"/>
+          </a:fillRef>
+          <a:effectRef idx="0">
+            <a:schemeClr val="accent1"/>
+          </a:effectRef>
+          <a:fontRef idx="minor">
+            <a:schemeClr val="tx1"/>
+          </a:fontRef>
+        </p:style>
+      </p:cxnSp>
+      <p:cxnSp>
+        <p:nvCxnSpPr>
+          <p:cNvPr id="42" name="연결선: 꺾임 41">
+            <a:extLst>
+              <a:ext uri="{FF2B5EF4-FFF2-40B4-BE49-F238E27FC236}">
+                <a16:creationId xmlns:a16="http://schemas.microsoft.com/office/drawing/2014/main" id="{3532AE93-57C1-4FFD-9368-369C89E1E3AB}"/>
+              </a:ext>
+            </a:extLst>
+          </p:cNvPr>
+          <p:cNvCxnSpPr>
+            <a:cxnSpLocks/>
+            <a:stCxn id="35" idx="2"/>
+          </p:cNvCxnSpPr>
+          <p:nvPr/>
+        </p:nvCxnSpPr>
+        <p:spPr>
+          <a:xfrm rot="5400000">
+            <a:off x="3313630" y="2586465"/>
+            <a:ext cx="318130" cy="2634350"/>
+          </a:xfrm>
+          <a:prstGeom prst="bentConnector2">
+            <a:avLst/>
+          </a:prstGeom>
+          <a:ln>
+            <a:solidFill>
+              <a:schemeClr val="tx1"/>
+            </a:solidFill>
+            <a:tailEnd type="triangle"/>
+          </a:ln>
+        </p:spPr>
+        <p:style>
+          <a:lnRef idx="1">
+            <a:schemeClr val="accent1"/>
+          </a:lnRef>
+          <a:fillRef idx="0">
+            <a:schemeClr val="accent1"/>
+          </a:fillRef>
+          <a:effectRef idx="0">
+            <a:schemeClr val="accent1"/>
+          </a:effectRef>
+          <a:fontRef idx="minor">
+            <a:schemeClr val="tx1"/>
+          </a:fontRef>
+        </p:style>
+      </p:cxnSp>
+      <p:graphicFrame>
+        <p:nvGraphicFramePr>
+          <p:cNvPr id="52" name="표 4">
+            <a:extLst>
+              <a:ext uri="{FF2B5EF4-FFF2-40B4-BE49-F238E27FC236}">
+                <a16:creationId xmlns:a16="http://schemas.microsoft.com/office/drawing/2014/main" id="{0D8E23F0-3923-4DFF-9426-188FC82B5B68}"/>
+              </a:ext>
+            </a:extLst>
+          </p:cNvPr>
+          <p:cNvGraphicFramePr>
+            <a:graphicFrameLocks noGrp="1"/>
+          </p:cNvGraphicFramePr>
+          <p:nvPr>
+            <p:extLst>
+              <p:ext uri="{D42A27DB-BD31-4B8C-83A1-F6EECF244321}">
+                <p14:modId xmlns:p14="http://schemas.microsoft.com/office/powerpoint/2010/main" val="2249563717"/>
+              </p:ext>
+            </p:extLst>
+          </p:nvPr>
+        </p:nvGraphicFramePr>
+        <p:xfrm>
+          <a:off x="189000" y="6985951"/>
+          <a:ext cx="6480000" cy="2004060"/>
+        </p:xfrm>
+        <a:graphic>
+          <a:graphicData uri="http://schemas.openxmlformats.org/drawingml/2006/table">
+            <a:tbl>
+              <a:tblPr>
+                <a:tableStyleId>{073A0DAA-6AF3-43AB-8588-CEC1D06C72B9}</a:tableStyleId>
+              </a:tblPr>
+              <a:tblGrid>
+                <a:gridCol w="1080000">
+                  <a:extLst>
+                    <a:ext uri="{9D8B030D-6E8A-4147-A177-3AD203B41FA5}">
+                      <a16:colId xmlns:a16="http://schemas.microsoft.com/office/drawing/2014/main" val="2258024688"/>
+                    </a:ext>
+                  </a:extLst>
+                </a:gridCol>
+                <a:gridCol w="1080000">
+                  <a:extLst>
+                    <a:ext uri="{9D8B030D-6E8A-4147-A177-3AD203B41FA5}">
+                      <a16:colId xmlns:a16="http://schemas.microsoft.com/office/drawing/2014/main" val="1852673825"/>
+                    </a:ext>
+                  </a:extLst>
+                </a:gridCol>
+                <a:gridCol w="2160000">
+                  <a:extLst>
+                    <a:ext uri="{9D8B030D-6E8A-4147-A177-3AD203B41FA5}">
+                      <a16:colId xmlns:a16="http://schemas.microsoft.com/office/drawing/2014/main" val="143980988"/>
+                    </a:ext>
+                  </a:extLst>
+                </a:gridCol>
+                <a:gridCol w="2160000">
+                  <a:extLst>
+                    <a:ext uri="{9D8B030D-6E8A-4147-A177-3AD203B41FA5}">
+                      <a16:colId xmlns:a16="http://schemas.microsoft.com/office/drawing/2014/main" val="3985640557"/>
+                    </a:ext>
+                  </a:extLst>
+                </a:gridCol>
+              </a:tblGrid>
+              <a:tr h="370840">
+                <a:tc>
+                  <a:txBody>
+                    <a:bodyPr/>
+                    <a:lstStyle/>
+                    <a:p>
+                      <a:pPr algn="ctr" latinLnBrk="1"/>
+                      <a:r>
+                        <a:rPr lang="en-US" altLang="ko-KR" dirty="0"/>
+                        <a:t>bin</a:t>
+                      </a:r>
+                      <a:r>
+                        <a:rPr lang="ko-KR" altLang="en-US" dirty="0"/>
+                        <a:t>의 </a:t>
+                      </a:r>
+                      <a:r>
+                        <a:rPr lang="en-US" altLang="ko-KR" dirty="0"/>
+                        <a:t>index</a:t>
+                      </a:r>
+                      <a:endParaRPr lang="ko-KR" altLang="en-US" dirty="0"/>
+                    </a:p>
+                  </a:txBody>
+                  <a:tcPr anchor="ctr"/>
+                </a:tc>
+                <a:tc>
+                  <a:txBody>
+                    <a:bodyPr/>
+                    <a:lstStyle/>
+                    <a:p>
+                      <a:pPr algn="ctr" latinLnBrk="1"/>
+                      <a:r>
+                        <a:rPr lang="en-US" altLang="ko-KR" dirty="0"/>
+                        <a:t>bin[index]</a:t>
+                      </a:r>
+                      <a:endParaRPr lang="ko-KR" altLang="en-US" dirty="0"/>
+                    </a:p>
+                  </a:txBody>
+                  <a:tcPr anchor="ctr"/>
+                </a:tc>
+                <a:tc>
+                  <a:txBody>
+                    <a:bodyPr/>
+                    <a:lstStyle/>
+                    <a:p>
+                      <a:pPr algn="ctr" latinLnBrk="1"/>
+                      <a:r>
+                        <a:rPr lang="en-US" altLang="ko-KR" dirty="0"/>
+                        <a:t>watermelon</a:t>
+                      </a:r>
+                      <a:endParaRPr lang="ko-KR" altLang="en-US" dirty="0"/>
+                    </a:p>
+                  </a:txBody>
+                  <a:tcPr/>
+                </a:tc>
+                <a:tc>
+                  <a:txBody>
+                    <a:bodyPr/>
+                    <a:lstStyle/>
+                    <a:p>
+                      <a:pPr algn="ctr" latinLnBrk="1"/>
+                      <a:r>
+                        <a:rPr lang="en-US" altLang="ko-KR" dirty="0"/>
+                        <a:t>answer</a:t>
+                      </a:r>
+                      <a:endParaRPr lang="ko-KR" altLang="en-US" dirty="0"/>
+                    </a:p>
+                  </a:txBody>
+                  <a:tcPr/>
+                </a:tc>
+                <a:extLst>
+                  <a:ext uri="{0D108BD9-81ED-4DB2-BD59-A6C34878D82A}">
+                    <a16:rowId xmlns:a16="http://schemas.microsoft.com/office/drawing/2014/main" val="2985522322"/>
+                  </a:ext>
+                </a:extLst>
+              </a:tr>
+              <a:tr h="370840">
+                <a:tc>
+                  <a:txBody>
+                    <a:bodyPr/>
+                    <a:lstStyle/>
+                    <a:p>
+                      <a:pPr algn="ctr" latinLnBrk="1"/>
+                      <a:r>
+                        <a:rPr lang="en-US" altLang="ko-KR" dirty="0"/>
+                        <a:t>1</a:t>
+                      </a:r>
+                      <a:endParaRPr lang="ko-KR" altLang="en-US" dirty="0"/>
+                    </a:p>
+                  </a:txBody>
+                  <a:tcPr anchor="ctr"/>
+                </a:tc>
+                <a:tc>
+                  <a:txBody>
+                    <a:bodyPr/>
+                    <a:lstStyle/>
+                    <a:p>
+                      <a:pPr marL="0" marR="0" lvl="0" indent="0" algn="ctr" defTabSz="685800" rtl="0" eaLnBrk="1" fontAlgn="auto" latinLnBrk="1" hangingPunct="1">
+                        <a:lnSpc>
+                          <a:spcPct val="100000"/>
+                        </a:lnSpc>
+                        <a:spcBef>
+                          <a:spcPts val="0"/>
+                        </a:spcBef>
+                        <a:spcAft>
+                          <a:spcPts val="0"/>
+                        </a:spcAft>
+                        <a:buClrTx/>
+                        <a:buSzTx/>
+                        <a:buFontTx/>
+                        <a:buNone/>
+                        <a:tabLst/>
+                        <a:defRPr/>
+                      </a:pPr>
+                      <a:r>
+                        <a:rPr lang="en-US" altLang="ko-KR" dirty="0"/>
+                        <a:t>1</a:t>
+                      </a:r>
+                      <a:endParaRPr lang="ko-KR" altLang="en-US" dirty="0"/>
+                    </a:p>
+                  </a:txBody>
+                  <a:tcPr anchor="ctr"/>
+                </a:tc>
+                <a:tc>
+                  <a:txBody>
+                    <a:bodyPr/>
+                    <a:lstStyle/>
+                    <a:p>
+                      <a:pPr marL="0" marR="0" lvl="0" indent="0" algn="l" defTabSz="685800" rtl="0" eaLnBrk="1" fontAlgn="auto" latinLnBrk="1" hangingPunct="1">
+                        <a:lnSpc>
+                          <a:spcPct val="100000"/>
+                        </a:lnSpc>
+                        <a:spcBef>
+                          <a:spcPts val="0"/>
+                        </a:spcBef>
+                        <a:spcAft>
+                          <a:spcPts val="0"/>
+                        </a:spcAft>
+                        <a:buClrTx/>
+                        <a:buSzTx/>
+                        <a:buFontTx/>
+                        <a:buNone/>
+                        <a:tabLst/>
+                        <a:defRPr/>
+                      </a:pPr>
+                      <a:r>
+                        <a:rPr lang="en-US" altLang="ko-KR" dirty="0"/>
+                        <a:t>‘</a:t>
+                      </a:r>
+                      <a:r>
+                        <a:rPr lang="ko-KR" altLang="en-US" dirty="0"/>
+                        <a:t>수박</a:t>
+                      </a:r>
+                      <a:r>
+                        <a:rPr lang="en-US" altLang="ko-KR" dirty="0"/>
+                        <a:t>’</a:t>
+                      </a:r>
+                      <a:endParaRPr lang="ko-KR" altLang="en-US" dirty="0"/>
+                    </a:p>
+                  </a:txBody>
+                  <a:tcPr/>
+                </a:tc>
+                <a:tc>
+                  <a:txBody>
+                    <a:bodyPr/>
+                    <a:lstStyle/>
+                    <a:p>
+                      <a:pPr latinLnBrk="1"/>
+                      <a:r>
+                        <a:rPr lang="en-US" altLang="ko-KR" dirty="0"/>
+                        <a:t>‘</a:t>
+                      </a:r>
+                      <a:r>
+                        <a:rPr lang="ko-KR" altLang="en-US" dirty="0"/>
+                        <a:t>수박</a:t>
+                      </a:r>
+                      <a:r>
+                        <a:rPr lang="en-US" altLang="ko-KR" dirty="0"/>
+                        <a:t>’</a:t>
+                      </a:r>
+                      <a:endParaRPr lang="ko-KR" altLang="en-US" dirty="0"/>
+                    </a:p>
+                  </a:txBody>
+                  <a:tcPr/>
+                </a:tc>
+                <a:extLst>
+                  <a:ext uri="{0D108BD9-81ED-4DB2-BD59-A6C34878D82A}">
+                    <a16:rowId xmlns:a16="http://schemas.microsoft.com/office/drawing/2014/main" val="914847835"/>
+                  </a:ext>
+                </a:extLst>
+              </a:tr>
+              <a:tr h="370840">
+                <a:tc>
+                  <a:txBody>
+                    <a:bodyPr/>
+                    <a:lstStyle/>
+                    <a:p>
+                      <a:pPr algn="ctr" latinLnBrk="1"/>
+                      <a:r>
+                        <a:rPr lang="en-US" altLang="ko-KR" dirty="0"/>
+                        <a:t>2</a:t>
+                      </a:r>
+                      <a:endParaRPr lang="ko-KR" altLang="en-US" dirty="0"/>
+                    </a:p>
+                  </a:txBody>
+                  <a:tcPr anchor="ctr"/>
+                </a:tc>
+                <a:tc>
+                  <a:txBody>
+                    <a:bodyPr/>
+                    <a:lstStyle/>
+                    <a:p>
+                      <a:pPr marL="0" marR="0" lvl="0" indent="0" algn="ctr" defTabSz="685800" rtl="0" eaLnBrk="1" fontAlgn="auto" latinLnBrk="1" hangingPunct="1">
+                        <a:lnSpc>
+                          <a:spcPct val="100000"/>
+                        </a:lnSpc>
+                        <a:spcBef>
+                          <a:spcPts val="0"/>
+                        </a:spcBef>
+                        <a:spcAft>
+                          <a:spcPts val="0"/>
+                        </a:spcAft>
+                        <a:buClrTx/>
+                        <a:buSzTx/>
+                        <a:buFontTx/>
+                        <a:buNone/>
+                        <a:tabLst/>
+                        <a:defRPr/>
+                      </a:pPr>
+                      <a:r>
+                        <a:rPr lang="en-US" altLang="ko-KR" dirty="0"/>
+                        <a:t>0</a:t>
+                      </a:r>
+                      <a:endParaRPr lang="ko-KR" altLang="en-US" dirty="0"/>
+                    </a:p>
+                  </a:txBody>
+                  <a:tcPr anchor="ctr"/>
+                </a:tc>
+                <a:tc>
+                  <a:txBody>
+                    <a:bodyPr/>
+                    <a:lstStyle/>
+                    <a:p>
+                      <a:pPr marL="0" marR="0" lvl="0" indent="0" algn="l" defTabSz="685800" rtl="0" eaLnBrk="1" fontAlgn="auto" latinLnBrk="1" hangingPunct="1">
+                        <a:lnSpc>
+                          <a:spcPct val="100000"/>
+                        </a:lnSpc>
+                        <a:spcBef>
+                          <a:spcPts val="0"/>
+                        </a:spcBef>
+                        <a:spcAft>
+                          <a:spcPts val="0"/>
+                        </a:spcAft>
+                        <a:buClrTx/>
+                        <a:buSzTx/>
+                        <a:buFontTx/>
+                        <a:buNone/>
+                        <a:tabLst/>
+                        <a:defRPr/>
+                      </a:pPr>
+                      <a:r>
+                        <a:rPr lang="en-US" altLang="ko-KR" dirty="0"/>
+                        <a:t>‘</a:t>
+                      </a:r>
+                      <a:r>
+                        <a:rPr lang="ko-KR" altLang="en-US" dirty="0" err="1"/>
+                        <a:t>수박수박</a:t>
+                      </a:r>
+                      <a:r>
+                        <a:rPr lang="en-US" altLang="ko-KR" dirty="0"/>
+                        <a:t>’</a:t>
+                      </a:r>
+                      <a:endParaRPr lang="ko-KR" altLang="en-US" dirty="0"/>
+                    </a:p>
+                  </a:txBody>
+                  <a:tcPr/>
+                </a:tc>
+                <a:tc>
+                  <a:txBody>
+                    <a:bodyPr/>
+                    <a:lstStyle/>
+                    <a:p>
+                      <a:pPr latinLnBrk="1"/>
+                      <a:r>
+                        <a:rPr lang="en-US" altLang="ko-KR" dirty="0"/>
+                        <a:t>‘</a:t>
+                      </a:r>
+                      <a:r>
+                        <a:rPr lang="ko-KR" altLang="en-US" dirty="0"/>
+                        <a:t>수박</a:t>
+                      </a:r>
+                      <a:r>
+                        <a:rPr lang="en-US" altLang="ko-KR" dirty="0"/>
+                        <a:t>’</a:t>
+                      </a:r>
+                      <a:endParaRPr lang="ko-KR" altLang="en-US" dirty="0"/>
+                    </a:p>
+                  </a:txBody>
+                  <a:tcPr/>
+                </a:tc>
+                <a:extLst>
+                  <a:ext uri="{0D108BD9-81ED-4DB2-BD59-A6C34878D82A}">
+                    <a16:rowId xmlns:a16="http://schemas.microsoft.com/office/drawing/2014/main" val="3837344410"/>
+                  </a:ext>
+                </a:extLst>
+              </a:tr>
+              <a:tr h="185420">
+                <a:tc>
+                  <a:txBody>
+                    <a:bodyPr/>
+                    <a:lstStyle/>
+                    <a:p>
+                      <a:pPr algn="ctr" latinLnBrk="1"/>
+                      <a:r>
+                        <a:rPr lang="en-US" altLang="ko-KR" dirty="0"/>
+                        <a:t>3</a:t>
+                      </a:r>
+                      <a:endParaRPr lang="ko-KR" altLang="en-US" dirty="0"/>
+                    </a:p>
+                  </a:txBody>
+                  <a:tcPr anchor="ctr"/>
+                </a:tc>
+                <a:tc>
+                  <a:txBody>
+                    <a:bodyPr/>
+                    <a:lstStyle/>
+                    <a:p>
+                      <a:pPr marL="0" marR="0" lvl="0" indent="0" algn="ctr" defTabSz="685800" rtl="0" eaLnBrk="1" fontAlgn="auto" latinLnBrk="1" hangingPunct="1">
+                        <a:lnSpc>
+                          <a:spcPct val="100000"/>
+                        </a:lnSpc>
+                        <a:spcBef>
+                          <a:spcPts val="0"/>
+                        </a:spcBef>
+                        <a:spcAft>
+                          <a:spcPts val="0"/>
+                        </a:spcAft>
+                        <a:buClrTx/>
+                        <a:buSzTx/>
+                        <a:buFontTx/>
+                        <a:buNone/>
+                        <a:tabLst/>
+                        <a:defRPr/>
+                      </a:pPr>
+                      <a:r>
+                        <a:rPr lang="en-US" altLang="ko-KR" dirty="0"/>
+                        <a:t>1</a:t>
+                      </a:r>
+                      <a:endParaRPr lang="ko-KR" altLang="en-US" dirty="0"/>
+                    </a:p>
+                  </a:txBody>
+                  <a:tcPr anchor="ctr"/>
+                </a:tc>
+                <a:tc>
+                  <a:txBody>
+                    <a:bodyPr/>
+                    <a:lstStyle/>
+                    <a:p>
+                      <a:pPr marL="0" marR="0" lvl="0" indent="0" algn="l" defTabSz="685800" rtl="0" eaLnBrk="1" fontAlgn="auto" latinLnBrk="1" hangingPunct="1">
+                        <a:lnSpc>
+                          <a:spcPct val="100000"/>
+                        </a:lnSpc>
+                        <a:spcBef>
+                          <a:spcPts val="0"/>
+                        </a:spcBef>
+                        <a:spcAft>
+                          <a:spcPts val="0"/>
+                        </a:spcAft>
+                        <a:buClrTx/>
+                        <a:buSzTx/>
+                        <a:buFontTx/>
+                        <a:buNone/>
+                        <a:tabLst/>
+                        <a:defRPr/>
+                      </a:pPr>
+                      <a:r>
+                        <a:rPr lang="en-US" altLang="ko-KR" dirty="0"/>
+                        <a:t>‘</a:t>
+                      </a:r>
+                      <a:r>
+                        <a:rPr lang="ko-KR" altLang="en-US" dirty="0" err="1"/>
+                        <a:t>수박수박수박수박</a:t>
+                      </a:r>
+                      <a:r>
+                        <a:rPr lang="en-US" altLang="ko-KR" dirty="0"/>
+                        <a:t>’</a:t>
+                      </a:r>
+                      <a:endParaRPr lang="ko-KR" altLang="en-US" dirty="0"/>
+                    </a:p>
+                  </a:txBody>
+                  <a:tcPr/>
+                </a:tc>
+                <a:tc>
+                  <a:txBody>
+                    <a:bodyPr/>
+                    <a:lstStyle/>
+                    <a:p>
+                      <a:pPr latinLnBrk="1"/>
+                      <a:r>
+                        <a:rPr lang="en-US" altLang="ko-KR" dirty="0"/>
+                        <a:t>‘</a:t>
+                      </a:r>
+                      <a:r>
+                        <a:rPr lang="ko-KR" altLang="en-US" dirty="0" err="1"/>
+                        <a:t>수박수박수박수박수박</a:t>
+                      </a:r>
+                      <a:r>
+                        <a:rPr lang="en-US" altLang="ko-KR" dirty="0"/>
+                        <a:t>’</a:t>
+                      </a:r>
+                      <a:endParaRPr lang="ko-KR" altLang="en-US" dirty="0"/>
+                    </a:p>
+                  </a:txBody>
+                  <a:tcPr/>
+                </a:tc>
+                <a:extLst>
+                  <a:ext uri="{0D108BD9-81ED-4DB2-BD59-A6C34878D82A}">
+                    <a16:rowId xmlns:a16="http://schemas.microsoft.com/office/drawing/2014/main" val="639177459"/>
+                  </a:ext>
+                </a:extLst>
+              </a:tr>
+              <a:tr h="148590">
+                <a:tc>
+                  <a:txBody>
+                    <a:bodyPr/>
+                    <a:lstStyle/>
+                    <a:p>
+                      <a:pPr algn="ctr" latinLnBrk="1"/>
+                      <a:endParaRPr lang="ko-KR" altLang="en-US" dirty="0"/>
+                    </a:p>
+                  </a:txBody>
+                  <a:tcPr anchor="ctr"/>
+                </a:tc>
+                <a:tc>
+                  <a:txBody>
+                    <a:bodyPr/>
+                    <a:lstStyle/>
+                    <a:p>
+                      <a:pPr algn="ctr" latinLnBrk="1"/>
+                      <a:endParaRPr lang="ko-KR" altLang="en-US" dirty="0"/>
+                    </a:p>
+                  </a:txBody>
+                  <a:tcPr anchor="ctr"/>
+                </a:tc>
+                <a:tc>
+                  <a:txBody>
+                    <a:bodyPr/>
+                    <a:lstStyle/>
+                    <a:p>
+                      <a:pPr marL="0" marR="0" lvl="0" indent="0" algn="l" defTabSz="685800" rtl="0" eaLnBrk="1" fontAlgn="auto" latinLnBrk="1" hangingPunct="1">
+                        <a:lnSpc>
+                          <a:spcPct val="100000"/>
+                        </a:lnSpc>
+                        <a:spcBef>
+                          <a:spcPts val="0"/>
+                        </a:spcBef>
+                        <a:spcAft>
+                          <a:spcPts val="0"/>
+                        </a:spcAft>
+                        <a:buClrTx/>
+                        <a:buSzTx/>
+                        <a:buFontTx/>
+                        <a:buNone/>
+                        <a:tabLst/>
+                        <a:defRPr/>
+                      </a:pPr>
+                      <a:endParaRPr lang="ko-KR" altLang="en-US" dirty="0"/>
+                    </a:p>
+                  </a:txBody>
+                  <a:tcPr/>
+                </a:tc>
+                <a:tc>
+                  <a:txBody>
+                    <a:bodyPr/>
+                    <a:lstStyle/>
+                    <a:p>
+                      <a:pPr latinLnBrk="1"/>
+                      <a:endParaRPr lang="ko-KR" altLang="en-US" dirty="0"/>
+                    </a:p>
+                  </a:txBody>
+                  <a:tcPr/>
+                </a:tc>
+                <a:extLst>
+                  <a:ext uri="{0D108BD9-81ED-4DB2-BD59-A6C34878D82A}">
+                    <a16:rowId xmlns:a16="http://schemas.microsoft.com/office/drawing/2014/main" val="2513038330"/>
+                  </a:ext>
+                </a:extLst>
+              </a:tr>
+              <a:tr h="148590">
+                <a:tc>
+                  <a:txBody>
+                    <a:bodyPr/>
+                    <a:lstStyle/>
+                    <a:p>
+                      <a:pPr algn="ctr" latinLnBrk="1"/>
+                      <a:r>
+                        <a:rPr lang="en-US" altLang="ko-KR" dirty="0"/>
+                        <a:t>0</a:t>
+                      </a:r>
+                      <a:endParaRPr lang="ko-KR" altLang="en-US" dirty="0"/>
+                    </a:p>
+                  </a:txBody>
+                  <a:tcPr anchor="ctr"/>
+                </a:tc>
+                <a:tc>
+                  <a:txBody>
+                    <a:bodyPr/>
+                    <a:lstStyle/>
+                    <a:p>
+                      <a:pPr algn="ctr" latinLnBrk="1"/>
+                      <a:r>
+                        <a:rPr lang="en-US" altLang="ko-KR" dirty="0"/>
+                        <a:t>1</a:t>
+                      </a:r>
+                      <a:endParaRPr lang="ko-KR" altLang="en-US" dirty="0"/>
+                    </a:p>
+                  </a:txBody>
+                  <a:tcPr anchor="ctr"/>
+                </a:tc>
+                <a:tc>
+                  <a:txBody>
+                    <a:bodyPr/>
+                    <a:lstStyle/>
+                    <a:p>
+                      <a:pPr marL="0" marR="0" lvl="0" indent="0" algn="l" defTabSz="685800" rtl="0" eaLnBrk="1" fontAlgn="auto" latinLnBrk="1" hangingPunct="1">
+                        <a:lnSpc>
+                          <a:spcPct val="100000"/>
+                        </a:lnSpc>
+                        <a:spcBef>
+                          <a:spcPts val="0"/>
+                        </a:spcBef>
+                        <a:spcAft>
+                          <a:spcPts val="0"/>
+                        </a:spcAft>
+                        <a:buClrTx/>
+                        <a:buSzTx/>
+                        <a:buFontTx/>
+                        <a:buNone/>
+                        <a:tabLst/>
+                        <a:defRPr/>
+                      </a:pPr>
+                      <a:r>
+                        <a:rPr lang="en-US" altLang="ko-KR" dirty="0"/>
+                        <a:t>‘</a:t>
+                      </a:r>
+                      <a:r>
+                        <a:rPr lang="ko-KR" altLang="en-US" dirty="0" err="1"/>
+                        <a:t>수박수박수박수박</a:t>
+                      </a:r>
+                      <a:r>
+                        <a:rPr lang="en-US" altLang="ko-KR" dirty="0"/>
+                        <a:t>’</a:t>
+                      </a:r>
+                      <a:endParaRPr lang="ko-KR" altLang="en-US" dirty="0"/>
+                    </a:p>
+                  </a:txBody>
+                  <a:tcPr/>
+                </a:tc>
+                <a:tc>
+                  <a:txBody>
+                    <a:bodyPr/>
+                    <a:lstStyle/>
+                    <a:p>
+                      <a:pPr latinLnBrk="1"/>
+                      <a:r>
+                        <a:rPr lang="en-US" altLang="ko-KR" dirty="0"/>
+                        <a:t>‘</a:t>
+                      </a:r>
+                      <a:r>
+                        <a:rPr lang="ko-KR" altLang="en-US" dirty="0" err="1"/>
+                        <a:t>수박수박수박수박수박수</a:t>
+                      </a:r>
+                      <a:r>
+                        <a:rPr lang="en-US" altLang="ko-KR" dirty="0"/>
+                        <a:t>’</a:t>
+                      </a:r>
+                      <a:endParaRPr lang="ko-KR" altLang="en-US" dirty="0"/>
+                    </a:p>
+                  </a:txBody>
+                  <a:tcPr/>
+                </a:tc>
+                <a:extLst>
+                  <a:ext uri="{0D108BD9-81ED-4DB2-BD59-A6C34878D82A}">
+                    <a16:rowId xmlns:a16="http://schemas.microsoft.com/office/drawing/2014/main" val="3853947248"/>
+                  </a:ext>
+                </a:extLst>
+              </a:tr>
+            </a:tbl>
+          </a:graphicData>
+        </a:graphic>
+      </p:graphicFrame>
+      <p:sp>
+        <p:nvSpPr>
+          <p:cNvPr id="54" name="TextBox 53">
+            <a:extLst>
+              <a:ext uri="{FF2B5EF4-FFF2-40B4-BE49-F238E27FC236}">
+                <a16:creationId xmlns:a16="http://schemas.microsoft.com/office/drawing/2014/main" id="{3FDA290F-0F2C-4E0C-8376-0B12F80BAB9B}"/>
+              </a:ext>
+            </a:extLst>
+          </p:cNvPr>
+          <p:cNvSpPr txBox="1"/>
+          <p:nvPr/>
+        </p:nvSpPr>
+        <p:spPr>
+          <a:xfrm>
+            <a:off x="189000" y="6562385"/>
+            <a:ext cx="5312673" cy="369332"/>
+          </a:xfrm>
+          <a:prstGeom prst="rect">
+            <a:avLst/>
+          </a:prstGeom>
+          <a:noFill/>
+        </p:spPr>
+        <p:txBody>
+          <a:bodyPr wrap="none" rtlCol="0">
+            <a:spAutoFit/>
+          </a:bodyPr>
+          <a:lstStyle/>
+          <a:p>
+            <a:r>
+              <a:rPr lang="en-US" altLang="ko-KR" dirty="0"/>
+              <a:t>n</a:t>
+            </a:r>
+            <a:r>
+              <a:rPr lang="ko-KR" altLang="en-US" dirty="0"/>
+              <a:t>이 </a:t>
+            </a:r>
+            <a:r>
+              <a:rPr lang="en-US" altLang="ko-KR" dirty="0"/>
+              <a:t>11</a:t>
+            </a:r>
+            <a:r>
+              <a:rPr lang="ko-KR" altLang="en-US" dirty="0"/>
+              <a:t>인 경우</a:t>
+            </a:r>
+            <a:r>
+              <a:rPr lang="en-US" altLang="ko-KR" dirty="0"/>
+              <a:t>, 2</a:t>
+            </a:r>
+            <a:r>
+              <a:rPr lang="ko-KR" altLang="en-US" dirty="0"/>
+              <a:t>진법으로 </a:t>
+            </a:r>
+            <a:r>
+              <a:rPr lang="en-US" altLang="ko-KR" dirty="0"/>
+              <a:t>1011(2), </a:t>
+            </a:r>
+            <a:r>
+              <a:rPr lang="ko-KR" altLang="en-US" dirty="0"/>
+              <a:t>뒤집으면 </a:t>
+            </a:r>
+            <a:r>
+              <a:rPr lang="en-US" altLang="ko-KR" dirty="0"/>
+              <a:t>1101(2)</a:t>
+            </a:r>
+            <a:endParaRPr lang="ko-KR" altLang="en-US" dirty="0"/>
+          </a:p>
+        </p:txBody>
+      </p:sp>
+    </p:spTree>
+    <p:extLst>
+      <p:ext uri="{BB962C8B-B14F-4D97-AF65-F5344CB8AC3E}">
+        <p14:creationId xmlns:p14="http://schemas.microsoft.com/office/powerpoint/2010/main" val="2155319991"/>
+      </p:ext>
+    </p:extLst>
+  </p:cSld>
+  <p:clrMapOvr>
+    <a:masterClrMapping/>
+  </p:clrMapOvr>
+</p:sld>
+</file>
+
 <file path=ppt/slides/slide2.xml><?xml version="1.0" encoding="utf-8"?>
 <p:sld xmlns:a="http://schemas.openxmlformats.org/drawingml/2006/main" xmlns:r="http://schemas.openxmlformats.org/officeDocument/2006/relationships" xmlns:p="http://schemas.openxmlformats.org/presentationml/2006/main">
   <p:cSld>
@@ -11582,10 +13253,10 @@
           <a:lstStyle/>
           <a:p>
             <a:r>
-              <a:rPr lang="en-US" altLang="ko-KR" sz="1467"/>
+              <a:rPr lang="en-US" altLang="ko-KR" sz="1467" dirty="0"/>
               <a:t>true</a:t>
             </a:r>
-            <a:endParaRPr lang="ko-KR" altLang="en-US" sz="1467"/>
+            <a:endParaRPr lang="ko-KR" altLang="en-US" sz="1467" dirty="0"/>
           </a:p>
         </p:txBody>
       </p:sp>

--- a/알고리즘_프로그래머스_Level01_순서도.pptx
+++ b/알고리즘_프로그래머스_Level01_순서도.pptx
@@ -23,6 +23,7 @@
     <p:sldId id="276" r:id="rId17"/>
     <p:sldId id="277" r:id="rId18"/>
     <p:sldId id="278" r:id="rId19"/>
+    <p:sldId id="279" r:id="rId20"/>
   </p:sldIdLst>
   <p:sldSz cx="6858000" cy="9144000" type="screen4x3"/>
   <p:notesSz cx="6858000" cy="9144000"/>
@@ -11371,6 +11372,173 @@
 </p:sld>
 </file>
 
+<file path=ppt/slides/slide19.xml><?xml version="1.0" encoding="utf-8"?>
+<p:sld xmlns:a="http://schemas.openxmlformats.org/drawingml/2006/main" xmlns:r="http://schemas.openxmlformats.org/officeDocument/2006/relationships" xmlns:p="http://schemas.openxmlformats.org/presentationml/2006/main">
+  <p:cSld>
+    <p:spTree>
+      <p:nvGrpSpPr>
+        <p:cNvPr id="1" name=""/>
+        <p:cNvGrpSpPr/>
+        <p:nvPr/>
+      </p:nvGrpSpPr>
+      <p:grpSpPr>
+        <a:xfrm>
+          <a:off x="0" y="0"/>
+          <a:ext cx="0" cy="0"/>
+          <a:chOff x="0" y="0"/>
+          <a:chExt cx="0" cy="0"/>
+        </a:xfrm>
+      </p:grpSpPr>
+      <p:sp>
+        <p:nvSpPr>
+          <p:cNvPr id="4" name="제목 3">
+            <a:extLst>
+              <a:ext uri="{FF2B5EF4-FFF2-40B4-BE49-F238E27FC236}">
+                <a16:creationId xmlns:a16="http://schemas.microsoft.com/office/drawing/2014/main" id="{30BAC889-89EF-449A-A9AB-0AA582E87CB5}"/>
+              </a:ext>
+            </a:extLst>
+          </p:cNvPr>
+          <p:cNvSpPr>
+            <a:spLocks noGrp="1"/>
+          </p:cNvSpPr>
+          <p:nvPr>
+            <p:ph type="title"/>
+          </p:nvPr>
+        </p:nvSpPr>
+        <p:spPr/>
+        <p:txBody>
+          <a:bodyPr/>
+          <a:lstStyle/>
+          <a:p>
+            <a:r>
+              <a:rPr lang="ko-KR" altLang="en-US" dirty="0"/>
+              <a:t>내적 </a:t>
+            </a:r>
+            <a:r>
+              <a:rPr lang="en-US" altLang="ko-KR" dirty="0"/>
+              <a:t>(01.17)</a:t>
+            </a:r>
+            <a:endParaRPr lang="ko-KR" altLang="en-US" dirty="0"/>
+          </a:p>
+        </p:txBody>
+      </p:sp>
+      <p:sp>
+        <p:nvSpPr>
+          <p:cNvPr id="7" name="직사각형 6">
+            <a:extLst>
+              <a:ext uri="{FF2B5EF4-FFF2-40B4-BE49-F238E27FC236}">
+                <a16:creationId xmlns:a16="http://schemas.microsoft.com/office/drawing/2014/main" id="{3521F3E1-F3C7-4375-B8E7-0210E50030D0}"/>
+              </a:ext>
+            </a:extLst>
+          </p:cNvPr>
+          <p:cNvSpPr/>
+          <p:nvPr/>
+        </p:nvSpPr>
+        <p:spPr>
+          <a:xfrm>
+            <a:off x="812720" y="1552042"/>
+            <a:ext cx="3983600" cy="540000"/>
+          </a:xfrm>
+          <a:prstGeom prst="rect">
+            <a:avLst/>
+          </a:prstGeom>
+          <a:noFill/>
+          <a:ln>
+            <a:solidFill>
+              <a:schemeClr val="tx1"/>
+            </a:solidFill>
+          </a:ln>
+        </p:spPr>
+        <p:style>
+          <a:lnRef idx="2">
+            <a:schemeClr val="accent1">
+              <a:shade val="50000"/>
+            </a:schemeClr>
+          </a:lnRef>
+          <a:fillRef idx="1">
+            <a:schemeClr val="accent1"/>
+          </a:fillRef>
+          <a:effectRef idx="0">
+            <a:schemeClr val="accent1"/>
+          </a:effectRef>
+          <a:fontRef idx="minor">
+            <a:schemeClr val="lt1"/>
+          </a:fontRef>
+        </p:style>
+        <p:txBody>
+          <a:bodyPr rtlCol="0" anchor="ctr"/>
+          <a:lstStyle/>
+          <a:p>
+            <a:pPr algn="ctr"/>
+            <a:r>
+              <a:rPr lang="en-US" altLang="ko-KR" sz="1467" dirty="0">
+                <a:solidFill>
+                  <a:sysClr val="windowText" lastClr="000000"/>
+                </a:solidFill>
+              </a:rPr>
+              <a:t>a[</a:t>
+            </a:r>
+            <a:r>
+              <a:rPr lang="en-US" altLang="ko-KR" sz="1467" dirty="0" err="1">
+                <a:solidFill>
+                  <a:sysClr val="windowText" lastClr="000000"/>
+                </a:solidFill>
+              </a:rPr>
+              <a:t>i</a:t>
+            </a:r>
+            <a:r>
+              <a:rPr lang="en-US" altLang="ko-KR" sz="1467" dirty="0">
+                <a:solidFill>
+                  <a:sysClr val="windowText" lastClr="000000"/>
+                </a:solidFill>
+              </a:rPr>
+              <a:t>] × b[</a:t>
+            </a:r>
+            <a:r>
+              <a:rPr lang="en-US" altLang="ko-KR" sz="1467" dirty="0" err="1">
+                <a:solidFill>
+                  <a:sysClr val="windowText" lastClr="000000"/>
+                </a:solidFill>
+              </a:rPr>
+              <a:t>i</a:t>
+            </a:r>
+            <a:r>
+              <a:rPr lang="en-US" altLang="ko-KR" sz="1467" dirty="0">
+                <a:solidFill>
+                  <a:sysClr val="windowText" lastClr="000000"/>
+                </a:solidFill>
+              </a:rPr>
+              <a:t>]</a:t>
+            </a:r>
+            <a:r>
+              <a:rPr lang="ko-KR" altLang="en-US" sz="1467" dirty="0">
+                <a:solidFill>
+                  <a:sysClr val="windowText" lastClr="000000"/>
+                </a:solidFill>
+              </a:rPr>
+              <a:t>의 합을 구한다</a:t>
+            </a:r>
+            <a:endParaRPr lang="en-US" altLang="ko-KR" sz="1467" dirty="0">
+              <a:solidFill>
+                <a:sysClr val="windowText" lastClr="000000"/>
+              </a:solidFill>
+            </a:endParaRPr>
+          </a:p>
+        </p:txBody>
+      </p:sp>
+    </p:spTree>
+    <p:extLst>
+      <p:ext uri="{BB962C8B-B14F-4D97-AF65-F5344CB8AC3E}">
+        <p14:creationId xmlns:p14="http://schemas.microsoft.com/office/powerpoint/2010/main" val="2205865084"/>
+      </p:ext>
+    </p:extLst>
+  </p:cSld>
+  <p:clrMapOvr>
+    <a:masterClrMapping/>
+  </p:clrMapOvr>
+</p:sld>
+</file>
+
 <file path=ppt/slides/slide2.xml><?xml version="1.0" encoding="utf-8"?>
 <p:sld xmlns:a="http://schemas.openxmlformats.org/drawingml/2006/main" xmlns:r="http://schemas.openxmlformats.org/officeDocument/2006/relationships" xmlns:p="http://schemas.openxmlformats.org/presentationml/2006/main">
   <p:cSld>

--- a/알고리즘_프로그래머스_Level01_순서도.pptx
+++ b/알고리즘_프로그래머스_Level01_순서도.pptx
@@ -24,6 +24,7 @@
     <p:sldId id="277" r:id="rId18"/>
     <p:sldId id="278" r:id="rId19"/>
     <p:sldId id="279" r:id="rId20"/>
+    <p:sldId id="280" r:id="rId21"/>
   </p:sldIdLst>
   <p:sldSz cx="6858000" cy="9144000" type="screen4x3"/>
   <p:notesSz cx="6858000" cy="9144000"/>
@@ -10402,7 +10403,7 @@
         </p:nvSpPr>
         <p:spPr>
           <a:xfrm>
-            <a:off x="3281485" y="2548637"/>
+            <a:off x="3235520" y="2548637"/>
             <a:ext cx="417538" cy="322705"/>
           </a:xfrm>
           <a:prstGeom prst="rect">
@@ -12812,6 +12813,1457 @@
 </p:sld>
 </file>
 
+<file path=ppt/slides/slide20.xml><?xml version="1.0" encoding="utf-8"?>
+<p:sld xmlns:a="http://schemas.openxmlformats.org/drawingml/2006/main" xmlns:r="http://schemas.openxmlformats.org/officeDocument/2006/relationships" xmlns:p="http://schemas.openxmlformats.org/presentationml/2006/main">
+  <p:cSld>
+    <p:spTree>
+      <p:nvGrpSpPr>
+        <p:cNvPr id="1" name=""/>
+        <p:cNvGrpSpPr/>
+        <p:nvPr/>
+      </p:nvGrpSpPr>
+      <p:grpSpPr>
+        <a:xfrm>
+          <a:off x="0" y="0"/>
+          <a:ext cx="0" cy="0"/>
+          <a:chOff x="0" y="0"/>
+          <a:chExt cx="0" cy="0"/>
+        </a:xfrm>
+      </p:grpSpPr>
+      <p:sp>
+        <p:nvSpPr>
+          <p:cNvPr id="4" name="제목 3">
+            <a:extLst>
+              <a:ext uri="{FF2B5EF4-FFF2-40B4-BE49-F238E27FC236}">
+                <a16:creationId xmlns:a16="http://schemas.microsoft.com/office/drawing/2014/main" id="{30BAC889-89EF-449A-A9AB-0AA582E87CB5}"/>
+              </a:ext>
+            </a:extLst>
+          </p:cNvPr>
+          <p:cNvSpPr>
+            <a:spLocks noGrp="1"/>
+          </p:cNvSpPr>
+          <p:nvPr>
+            <p:ph type="title"/>
+          </p:nvPr>
+        </p:nvSpPr>
+        <p:spPr/>
+        <p:txBody>
+          <a:bodyPr/>
+          <a:lstStyle/>
+          <a:p>
+            <a:r>
+              <a:rPr lang="ko-KR" altLang="en-US" dirty="0" err="1"/>
+              <a:t>시저</a:t>
+            </a:r>
+            <a:r>
+              <a:rPr lang="ko-KR" altLang="en-US" dirty="0"/>
+              <a:t> 암호 </a:t>
+            </a:r>
+            <a:r>
+              <a:rPr lang="en-US" altLang="ko-KR" dirty="0"/>
+              <a:t>(01.17)</a:t>
+            </a:r>
+            <a:endParaRPr lang="ko-KR" altLang="en-US" dirty="0"/>
+          </a:p>
+        </p:txBody>
+      </p:sp>
+      <p:sp>
+        <p:nvSpPr>
+          <p:cNvPr id="5" name="직사각형 4">
+            <a:extLst>
+              <a:ext uri="{FF2B5EF4-FFF2-40B4-BE49-F238E27FC236}">
+                <a16:creationId xmlns:a16="http://schemas.microsoft.com/office/drawing/2014/main" id="{03882C51-1F0D-4F1D-AE83-D0C9456E828D}"/>
+              </a:ext>
+            </a:extLst>
+          </p:cNvPr>
+          <p:cNvSpPr/>
+          <p:nvPr/>
+        </p:nvSpPr>
+        <p:spPr>
+          <a:xfrm>
+            <a:off x="355520" y="1175678"/>
+            <a:ext cx="3600000" cy="504000"/>
+          </a:xfrm>
+          <a:prstGeom prst="rect">
+            <a:avLst/>
+          </a:prstGeom>
+          <a:noFill/>
+          <a:ln>
+            <a:solidFill>
+              <a:schemeClr val="tx1"/>
+            </a:solidFill>
+          </a:ln>
+        </p:spPr>
+        <p:style>
+          <a:lnRef idx="2">
+            <a:schemeClr val="accent1">
+              <a:shade val="50000"/>
+            </a:schemeClr>
+          </a:lnRef>
+          <a:fillRef idx="1">
+            <a:schemeClr val="accent1"/>
+          </a:fillRef>
+          <a:effectRef idx="0">
+            <a:schemeClr val="accent1"/>
+          </a:effectRef>
+          <a:fontRef idx="minor">
+            <a:schemeClr val="lt1"/>
+          </a:fontRef>
+        </p:style>
+        <p:txBody>
+          <a:bodyPr rtlCol="0" anchor="ctr"/>
+          <a:lstStyle/>
+          <a:p>
+            <a:pPr algn="ctr"/>
+            <a:r>
+              <a:rPr lang="ko-KR" altLang="en-US" sz="1467" dirty="0">
+                <a:solidFill>
+                  <a:sysClr val="windowText" lastClr="000000"/>
+                </a:solidFill>
+              </a:rPr>
+              <a:t>문자열을 </a:t>
+            </a:r>
+            <a:r>
+              <a:rPr lang="ko-KR" altLang="en-US" sz="1467" dirty="0" err="1">
+                <a:solidFill>
+                  <a:sysClr val="windowText" lastClr="000000"/>
+                </a:solidFill>
+              </a:rPr>
+              <a:t>입력받는다</a:t>
+            </a:r>
+            <a:endParaRPr lang="en-US" altLang="ko-KR" sz="1467" dirty="0">
+              <a:solidFill>
+                <a:sysClr val="windowText" lastClr="000000"/>
+              </a:solidFill>
+            </a:endParaRPr>
+          </a:p>
+        </p:txBody>
+      </p:sp>
+      <p:cxnSp>
+        <p:nvCxnSpPr>
+          <p:cNvPr id="6" name="직선 화살표 연결선 5">
+            <a:extLst>
+              <a:ext uri="{FF2B5EF4-FFF2-40B4-BE49-F238E27FC236}">
+                <a16:creationId xmlns:a16="http://schemas.microsoft.com/office/drawing/2014/main" id="{304DBAFC-8442-4E60-89F1-15CD0C9F91C5}"/>
+              </a:ext>
+            </a:extLst>
+          </p:cNvPr>
+          <p:cNvCxnSpPr>
+            <a:cxnSpLocks/>
+            <a:stCxn id="5" idx="2"/>
+            <a:endCxn id="9" idx="0"/>
+          </p:cNvCxnSpPr>
+          <p:nvPr/>
+        </p:nvCxnSpPr>
+        <p:spPr>
+          <a:xfrm>
+            <a:off x="2155520" y="1679678"/>
+            <a:ext cx="0" cy="346109"/>
+          </a:xfrm>
+          <a:prstGeom prst="straightConnector1">
+            <a:avLst/>
+          </a:prstGeom>
+          <a:ln>
+            <a:solidFill>
+              <a:schemeClr val="tx1"/>
+            </a:solidFill>
+            <a:tailEnd type="triangle"/>
+          </a:ln>
+        </p:spPr>
+        <p:style>
+          <a:lnRef idx="1">
+            <a:schemeClr val="accent1"/>
+          </a:lnRef>
+          <a:fillRef idx="0">
+            <a:schemeClr val="accent1"/>
+          </a:fillRef>
+          <a:effectRef idx="0">
+            <a:schemeClr val="accent1"/>
+          </a:effectRef>
+          <a:fontRef idx="minor">
+            <a:schemeClr val="tx1"/>
+          </a:fontRef>
+        </p:style>
+      </p:cxnSp>
+      <p:sp>
+        <p:nvSpPr>
+          <p:cNvPr id="9" name="다이아몬드 8">
+            <a:extLst>
+              <a:ext uri="{FF2B5EF4-FFF2-40B4-BE49-F238E27FC236}">
+                <a16:creationId xmlns:a16="http://schemas.microsoft.com/office/drawing/2014/main" id="{6D843C03-4DF2-4E50-9A8D-CC44AF73BA6E}"/>
+              </a:ext>
+            </a:extLst>
+          </p:cNvPr>
+          <p:cNvSpPr/>
+          <p:nvPr/>
+        </p:nvSpPr>
+        <p:spPr>
+          <a:xfrm>
+            <a:off x="355524" y="2025787"/>
+            <a:ext cx="3599992" cy="499557"/>
+          </a:xfrm>
+          <a:prstGeom prst="diamond">
+            <a:avLst/>
+          </a:prstGeom>
+          <a:noFill/>
+          <a:ln>
+            <a:solidFill>
+              <a:schemeClr val="tx1"/>
+            </a:solidFill>
+          </a:ln>
+        </p:spPr>
+        <p:style>
+          <a:lnRef idx="2">
+            <a:schemeClr val="accent1">
+              <a:shade val="50000"/>
+            </a:schemeClr>
+          </a:lnRef>
+          <a:fillRef idx="1">
+            <a:schemeClr val="accent1"/>
+          </a:fillRef>
+          <a:effectRef idx="0">
+            <a:schemeClr val="accent1"/>
+          </a:effectRef>
+          <a:fontRef idx="minor">
+            <a:schemeClr val="lt1"/>
+          </a:fontRef>
+        </p:style>
+        <p:txBody>
+          <a:bodyPr rtlCol="0" anchor="ctr"/>
+          <a:lstStyle/>
+          <a:p>
+            <a:pPr algn="ctr"/>
+            <a:r>
+              <a:rPr lang="en-US" altLang="ko-KR" sz="1467" dirty="0" err="1">
+                <a:solidFill>
+                  <a:sysClr val="windowText" lastClr="000000"/>
+                </a:solidFill>
+              </a:rPr>
+              <a:t>charAt</a:t>
+            </a:r>
+            <a:r>
+              <a:rPr lang="en-US" altLang="ko-KR" sz="1467" dirty="0">
+                <a:solidFill>
+                  <a:sysClr val="windowText" lastClr="000000"/>
+                </a:solidFill>
+              </a:rPr>
+              <a:t>(</a:t>
+            </a:r>
+            <a:r>
+              <a:rPr lang="en-US" altLang="ko-KR" sz="1467" dirty="0" err="1">
+                <a:solidFill>
+                  <a:sysClr val="windowText" lastClr="000000"/>
+                </a:solidFill>
+              </a:rPr>
+              <a:t>i</a:t>
+            </a:r>
+            <a:r>
+              <a:rPr lang="en-US" altLang="ko-KR" sz="1467" dirty="0">
+                <a:solidFill>
+                  <a:sysClr val="windowText" lastClr="000000"/>
+                </a:solidFill>
+              </a:rPr>
+              <a:t>) == </a:t>
+            </a:r>
+            <a:r>
+              <a:rPr lang="ko-KR" altLang="en-US" sz="1467" dirty="0">
+                <a:solidFill>
+                  <a:sysClr val="windowText" lastClr="000000"/>
+                </a:solidFill>
+              </a:rPr>
+              <a:t>대문자</a:t>
+            </a:r>
+            <a:r>
+              <a:rPr lang="en-US" altLang="ko-KR" sz="1467" dirty="0">
+                <a:solidFill>
+                  <a:sysClr val="windowText" lastClr="000000"/>
+                </a:solidFill>
+              </a:rPr>
+              <a:t>?</a:t>
+            </a:r>
+          </a:p>
+        </p:txBody>
+      </p:sp>
+      <p:cxnSp>
+        <p:nvCxnSpPr>
+          <p:cNvPr id="11" name="직선 화살표 연결선 10">
+            <a:extLst>
+              <a:ext uri="{FF2B5EF4-FFF2-40B4-BE49-F238E27FC236}">
+                <a16:creationId xmlns:a16="http://schemas.microsoft.com/office/drawing/2014/main" id="{1D704D76-182A-48D6-950A-119E69EED203}"/>
+              </a:ext>
+            </a:extLst>
+          </p:cNvPr>
+          <p:cNvCxnSpPr>
+            <a:cxnSpLocks/>
+            <a:stCxn id="9" idx="2"/>
+            <a:endCxn id="12" idx="0"/>
+          </p:cNvCxnSpPr>
+          <p:nvPr/>
+        </p:nvCxnSpPr>
+        <p:spPr>
+          <a:xfrm>
+            <a:off x="2155520" y="2525344"/>
+            <a:ext cx="0" cy="1394657"/>
+          </a:xfrm>
+          <a:prstGeom prst="straightConnector1">
+            <a:avLst/>
+          </a:prstGeom>
+          <a:ln>
+            <a:solidFill>
+              <a:schemeClr val="tx1"/>
+            </a:solidFill>
+            <a:tailEnd type="triangle"/>
+          </a:ln>
+        </p:spPr>
+        <p:style>
+          <a:lnRef idx="1">
+            <a:schemeClr val="accent1"/>
+          </a:lnRef>
+          <a:fillRef idx="0">
+            <a:schemeClr val="accent1"/>
+          </a:fillRef>
+          <a:effectRef idx="0">
+            <a:schemeClr val="accent1"/>
+          </a:effectRef>
+          <a:fontRef idx="minor">
+            <a:schemeClr val="tx1"/>
+          </a:fontRef>
+        </p:style>
+      </p:cxnSp>
+      <p:sp>
+        <p:nvSpPr>
+          <p:cNvPr id="12" name="다이아몬드 11">
+            <a:extLst>
+              <a:ext uri="{FF2B5EF4-FFF2-40B4-BE49-F238E27FC236}">
+                <a16:creationId xmlns:a16="http://schemas.microsoft.com/office/drawing/2014/main" id="{55BEEFBB-6476-4C9E-A4AF-54D1E03B09DC}"/>
+              </a:ext>
+            </a:extLst>
+          </p:cNvPr>
+          <p:cNvSpPr/>
+          <p:nvPr/>
+        </p:nvSpPr>
+        <p:spPr>
+          <a:xfrm>
+            <a:off x="355524" y="3920001"/>
+            <a:ext cx="3599992" cy="499557"/>
+          </a:xfrm>
+          <a:prstGeom prst="diamond">
+            <a:avLst/>
+          </a:prstGeom>
+          <a:noFill/>
+          <a:ln>
+            <a:solidFill>
+              <a:schemeClr val="tx1"/>
+            </a:solidFill>
+          </a:ln>
+        </p:spPr>
+        <p:style>
+          <a:lnRef idx="2">
+            <a:schemeClr val="accent1">
+              <a:shade val="50000"/>
+            </a:schemeClr>
+          </a:lnRef>
+          <a:fillRef idx="1">
+            <a:schemeClr val="accent1"/>
+          </a:fillRef>
+          <a:effectRef idx="0">
+            <a:schemeClr val="accent1"/>
+          </a:effectRef>
+          <a:fontRef idx="minor">
+            <a:schemeClr val="lt1"/>
+          </a:fontRef>
+        </p:style>
+        <p:txBody>
+          <a:bodyPr rtlCol="0" anchor="ctr"/>
+          <a:lstStyle/>
+          <a:p>
+            <a:pPr algn="ctr"/>
+            <a:r>
+              <a:rPr lang="en-US" altLang="ko-KR" sz="1467" dirty="0" err="1">
+                <a:solidFill>
+                  <a:sysClr val="windowText" lastClr="000000"/>
+                </a:solidFill>
+              </a:rPr>
+              <a:t>charAt</a:t>
+            </a:r>
+            <a:r>
+              <a:rPr lang="en-US" altLang="ko-KR" sz="1467" dirty="0">
+                <a:solidFill>
+                  <a:sysClr val="windowText" lastClr="000000"/>
+                </a:solidFill>
+              </a:rPr>
+              <a:t>(</a:t>
+            </a:r>
+            <a:r>
+              <a:rPr lang="en-US" altLang="ko-KR" sz="1467" dirty="0" err="1">
+                <a:solidFill>
+                  <a:sysClr val="windowText" lastClr="000000"/>
+                </a:solidFill>
+              </a:rPr>
+              <a:t>i</a:t>
+            </a:r>
+            <a:r>
+              <a:rPr lang="en-US" altLang="ko-KR" sz="1467" dirty="0">
+                <a:solidFill>
+                  <a:sysClr val="windowText" lastClr="000000"/>
+                </a:solidFill>
+              </a:rPr>
+              <a:t>) == </a:t>
+            </a:r>
+            <a:r>
+              <a:rPr lang="ko-KR" altLang="en-US" sz="1467" dirty="0">
+                <a:solidFill>
+                  <a:sysClr val="windowText" lastClr="000000"/>
+                </a:solidFill>
+              </a:rPr>
+              <a:t>소문자</a:t>
+            </a:r>
+            <a:r>
+              <a:rPr lang="en-US" altLang="ko-KR" sz="1467" dirty="0">
+                <a:solidFill>
+                  <a:sysClr val="windowText" lastClr="000000"/>
+                </a:solidFill>
+              </a:rPr>
+              <a:t>?</a:t>
+            </a:r>
+          </a:p>
+        </p:txBody>
+      </p:sp>
+      <p:cxnSp>
+        <p:nvCxnSpPr>
+          <p:cNvPr id="16" name="직선 화살표 연결선 15">
+            <a:extLst>
+              <a:ext uri="{FF2B5EF4-FFF2-40B4-BE49-F238E27FC236}">
+                <a16:creationId xmlns:a16="http://schemas.microsoft.com/office/drawing/2014/main" id="{6B2BA86B-0023-4BF8-8961-28C14D5D5DED}"/>
+              </a:ext>
+            </a:extLst>
+          </p:cNvPr>
+          <p:cNvCxnSpPr>
+            <a:cxnSpLocks/>
+            <a:stCxn id="12" idx="2"/>
+            <a:endCxn id="17" idx="0"/>
+          </p:cNvCxnSpPr>
+          <p:nvPr/>
+        </p:nvCxnSpPr>
+        <p:spPr>
+          <a:xfrm>
+            <a:off x="2155520" y="4419558"/>
+            <a:ext cx="0" cy="1404411"/>
+          </a:xfrm>
+          <a:prstGeom prst="straightConnector1">
+            <a:avLst/>
+          </a:prstGeom>
+          <a:ln>
+            <a:solidFill>
+              <a:schemeClr val="tx1"/>
+            </a:solidFill>
+            <a:tailEnd type="triangle"/>
+          </a:ln>
+        </p:spPr>
+        <p:style>
+          <a:lnRef idx="1">
+            <a:schemeClr val="accent1"/>
+          </a:lnRef>
+          <a:fillRef idx="0">
+            <a:schemeClr val="accent1"/>
+          </a:fillRef>
+          <a:effectRef idx="0">
+            <a:schemeClr val="accent1"/>
+          </a:effectRef>
+          <a:fontRef idx="minor">
+            <a:schemeClr val="tx1"/>
+          </a:fontRef>
+        </p:style>
+      </p:cxnSp>
+      <p:sp>
+        <p:nvSpPr>
+          <p:cNvPr id="17" name="다이아몬드 16">
+            <a:extLst>
+              <a:ext uri="{FF2B5EF4-FFF2-40B4-BE49-F238E27FC236}">
+                <a16:creationId xmlns:a16="http://schemas.microsoft.com/office/drawing/2014/main" id="{AC382136-CC41-4A52-A938-98E281844834}"/>
+              </a:ext>
+            </a:extLst>
+          </p:cNvPr>
+          <p:cNvSpPr/>
+          <p:nvPr/>
+        </p:nvSpPr>
+        <p:spPr>
+          <a:xfrm>
+            <a:off x="355524" y="5823969"/>
+            <a:ext cx="3599992" cy="499557"/>
+          </a:xfrm>
+          <a:prstGeom prst="diamond">
+            <a:avLst/>
+          </a:prstGeom>
+          <a:noFill/>
+          <a:ln>
+            <a:solidFill>
+              <a:schemeClr val="tx1"/>
+            </a:solidFill>
+          </a:ln>
+        </p:spPr>
+        <p:style>
+          <a:lnRef idx="2">
+            <a:schemeClr val="accent1">
+              <a:shade val="50000"/>
+            </a:schemeClr>
+          </a:lnRef>
+          <a:fillRef idx="1">
+            <a:schemeClr val="accent1"/>
+          </a:fillRef>
+          <a:effectRef idx="0">
+            <a:schemeClr val="accent1"/>
+          </a:effectRef>
+          <a:fontRef idx="minor">
+            <a:schemeClr val="lt1"/>
+          </a:fontRef>
+        </p:style>
+        <p:txBody>
+          <a:bodyPr rtlCol="0" anchor="ctr"/>
+          <a:lstStyle/>
+          <a:p>
+            <a:pPr algn="ctr"/>
+            <a:r>
+              <a:rPr lang="en-US" altLang="ko-KR" sz="1467" dirty="0" err="1">
+                <a:solidFill>
+                  <a:sysClr val="windowText" lastClr="000000"/>
+                </a:solidFill>
+              </a:rPr>
+              <a:t>charAt</a:t>
+            </a:r>
+            <a:r>
+              <a:rPr lang="en-US" altLang="ko-KR" sz="1467" dirty="0">
+                <a:solidFill>
+                  <a:sysClr val="windowText" lastClr="000000"/>
+                </a:solidFill>
+              </a:rPr>
+              <a:t>(</a:t>
+            </a:r>
+            <a:r>
+              <a:rPr lang="en-US" altLang="ko-KR" sz="1467" dirty="0" err="1">
+                <a:solidFill>
+                  <a:sysClr val="windowText" lastClr="000000"/>
+                </a:solidFill>
+              </a:rPr>
+              <a:t>i</a:t>
+            </a:r>
+            <a:r>
+              <a:rPr lang="en-US" altLang="ko-KR" sz="1467" dirty="0">
+                <a:solidFill>
+                  <a:sysClr val="windowText" lastClr="000000"/>
+                </a:solidFill>
+              </a:rPr>
+              <a:t>) == </a:t>
+            </a:r>
+            <a:r>
+              <a:rPr lang="ko-KR" altLang="en-US" sz="1467" dirty="0">
+                <a:solidFill>
+                  <a:sysClr val="windowText" lastClr="000000"/>
+                </a:solidFill>
+              </a:rPr>
+              <a:t>공백</a:t>
+            </a:r>
+            <a:r>
+              <a:rPr lang="en-US" altLang="ko-KR" sz="1467" dirty="0">
+                <a:solidFill>
+                  <a:sysClr val="windowText" lastClr="000000"/>
+                </a:solidFill>
+              </a:rPr>
+              <a:t>?</a:t>
+            </a:r>
+          </a:p>
+        </p:txBody>
+      </p:sp>
+      <p:sp>
+        <p:nvSpPr>
+          <p:cNvPr id="21" name="다이아몬드 20">
+            <a:extLst>
+              <a:ext uri="{FF2B5EF4-FFF2-40B4-BE49-F238E27FC236}">
+                <a16:creationId xmlns:a16="http://schemas.microsoft.com/office/drawing/2014/main" id="{A2AA7175-EF35-4F0F-BBD3-C71ED20E0F07}"/>
+              </a:ext>
+            </a:extLst>
+          </p:cNvPr>
+          <p:cNvSpPr/>
+          <p:nvPr/>
+        </p:nvSpPr>
+        <p:spPr>
+          <a:xfrm>
+            <a:off x="3227184" y="2525344"/>
+            <a:ext cx="3060000" cy="499557"/>
+          </a:xfrm>
+          <a:prstGeom prst="diamond">
+            <a:avLst/>
+          </a:prstGeom>
+          <a:noFill/>
+          <a:ln>
+            <a:solidFill>
+              <a:schemeClr val="tx1"/>
+            </a:solidFill>
+          </a:ln>
+        </p:spPr>
+        <p:style>
+          <a:lnRef idx="2">
+            <a:schemeClr val="accent1">
+              <a:shade val="50000"/>
+            </a:schemeClr>
+          </a:lnRef>
+          <a:fillRef idx="1">
+            <a:schemeClr val="accent1"/>
+          </a:fillRef>
+          <a:effectRef idx="0">
+            <a:schemeClr val="accent1"/>
+          </a:effectRef>
+          <a:fontRef idx="minor">
+            <a:schemeClr val="lt1"/>
+          </a:fontRef>
+        </p:style>
+        <p:txBody>
+          <a:bodyPr rtlCol="0" anchor="ctr"/>
+          <a:lstStyle/>
+          <a:p>
+            <a:pPr algn="ctr"/>
+            <a:r>
+              <a:rPr lang="en-US" altLang="ko-KR" sz="1467" dirty="0" err="1">
+                <a:solidFill>
+                  <a:sysClr val="windowText" lastClr="000000"/>
+                </a:solidFill>
+              </a:rPr>
+              <a:t>charAt</a:t>
+            </a:r>
+            <a:r>
+              <a:rPr lang="en-US" altLang="ko-KR" sz="1467" dirty="0">
+                <a:solidFill>
+                  <a:sysClr val="windowText" lastClr="000000"/>
+                </a:solidFill>
+              </a:rPr>
+              <a:t>(</a:t>
+            </a:r>
+            <a:r>
+              <a:rPr lang="en-US" altLang="ko-KR" sz="1467" dirty="0" err="1">
+                <a:solidFill>
+                  <a:sysClr val="windowText" lastClr="000000"/>
+                </a:solidFill>
+              </a:rPr>
+              <a:t>i</a:t>
+            </a:r>
+            <a:r>
+              <a:rPr lang="en-US" altLang="ko-KR" sz="1467" dirty="0">
+                <a:solidFill>
+                  <a:sysClr val="windowText" lastClr="000000"/>
+                </a:solidFill>
+              </a:rPr>
+              <a:t>) + n &gt; ‘Z’?</a:t>
+            </a:r>
+          </a:p>
+        </p:txBody>
+      </p:sp>
+      <p:sp>
+        <p:nvSpPr>
+          <p:cNvPr id="22" name="다이아몬드 21">
+            <a:extLst>
+              <a:ext uri="{FF2B5EF4-FFF2-40B4-BE49-F238E27FC236}">
+                <a16:creationId xmlns:a16="http://schemas.microsoft.com/office/drawing/2014/main" id="{04F8720E-F5CB-449D-8B9B-C7520514D287}"/>
+              </a:ext>
+            </a:extLst>
+          </p:cNvPr>
+          <p:cNvSpPr/>
+          <p:nvPr/>
+        </p:nvSpPr>
+        <p:spPr>
+          <a:xfrm>
+            <a:off x="3227184" y="4364299"/>
+            <a:ext cx="3060000" cy="499557"/>
+          </a:xfrm>
+          <a:prstGeom prst="diamond">
+            <a:avLst/>
+          </a:prstGeom>
+          <a:noFill/>
+          <a:ln>
+            <a:solidFill>
+              <a:schemeClr val="tx1"/>
+            </a:solidFill>
+          </a:ln>
+        </p:spPr>
+        <p:style>
+          <a:lnRef idx="2">
+            <a:schemeClr val="accent1">
+              <a:shade val="50000"/>
+            </a:schemeClr>
+          </a:lnRef>
+          <a:fillRef idx="1">
+            <a:schemeClr val="accent1"/>
+          </a:fillRef>
+          <a:effectRef idx="0">
+            <a:schemeClr val="accent1"/>
+          </a:effectRef>
+          <a:fontRef idx="minor">
+            <a:schemeClr val="lt1"/>
+          </a:fontRef>
+        </p:style>
+        <p:txBody>
+          <a:bodyPr rtlCol="0" anchor="ctr"/>
+          <a:lstStyle/>
+          <a:p>
+            <a:pPr algn="ctr"/>
+            <a:r>
+              <a:rPr lang="en-US" altLang="ko-KR" sz="1467" dirty="0" err="1">
+                <a:solidFill>
+                  <a:sysClr val="windowText" lastClr="000000"/>
+                </a:solidFill>
+              </a:rPr>
+              <a:t>charAt</a:t>
+            </a:r>
+            <a:r>
+              <a:rPr lang="en-US" altLang="ko-KR" sz="1467" dirty="0">
+                <a:solidFill>
+                  <a:sysClr val="windowText" lastClr="000000"/>
+                </a:solidFill>
+              </a:rPr>
+              <a:t>(</a:t>
+            </a:r>
+            <a:r>
+              <a:rPr lang="en-US" altLang="ko-KR" sz="1467" dirty="0" err="1">
+                <a:solidFill>
+                  <a:sysClr val="windowText" lastClr="000000"/>
+                </a:solidFill>
+              </a:rPr>
+              <a:t>i</a:t>
+            </a:r>
+            <a:r>
+              <a:rPr lang="en-US" altLang="ko-KR" sz="1467" dirty="0">
+                <a:solidFill>
+                  <a:sysClr val="windowText" lastClr="000000"/>
+                </a:solidFill>
+              </a:rPr>
+              <a:t>) + n &gt; ‘z’?</a:t>
+            </a:r>
+          </a:p>
+        </p:txBody>
+      </p:sp>
+      <p:cxnSp>
+        <p:nvCxnSpPr>
+          <p:cNvPr id="24" name="연결선: 꺾임 23">
+            <a:extLst>
+              <a:ext uri="{FF2B5EF4-FFF2-40B4-BE49-F238E27FC236}">
+                <a16:creationId xmlns:a16="http://schemas.microsoft.com/office/drawing/2014/main" id="{D79F8FB9-86E8-4D9F-8DCE-04596E24D2D0}"/>
+              </a:ext>
+            </a:extLst>
+          </p:cNvPr>
+          <p:cNvCxnSpPr>
+            <a:cxnSpLocks/>
+            <a:stCxn id="9" idx="3"/>
+            <a:endCxn id="21" idx="0"/>
+          </p:cNvCxnSpPr>
+          <p:nvPr/>
+        </p:nvCxnSpPr>
+        <p:spPr>
+          <a:xfrm>
+            <a:off x="3955516" y="2275566"/>
+            <a:ext cx="801668" cy="249778"/>
+          </a:xfrm>
+          <a:prstGeom prst="bentConnector2">
+            <a:avLst/>
+          </a:prstGeom>
+          <a:ln>
+            <a:solidFill>
+              <a:schemeClr val="tx1"/>
+            </a:solidFill>
+            <a:tailEnd type="triangle"/>
+          </a:ln>
+        </p:spPr>
+        <p:style>
+          <a:lnRef idx="1">
+            <a:schemeClr val="accent1"/>
+          </a:lnRef>
+          <a:fillRef idx="0">
+            <a:schemeClr val="accent1"/>
+          </a:fillRef>
+          <a:effectRef idx="0">
+            <a:schemeClr val="accent1"/>
+          </a:effectRef>
+          <a:fontRef idx="minor">
+            <a:schemeClr val="tx1"/>
+          </a:fontRef>
+        </p:style>
+      </p:cxnSp>
+      <p:cxnSp>
+        <p:nvCxnSpPr>
+          <p:cNvPr id="26" name="연결선: 꺾임 25">
+            <a:extLst>
+              <a:ext uri="{FF2B5EF4-FFF2-40B4-BE49-F238E27FC236}">
+                <a16:creationId xmlns:a16="http://schemas.microsoft.com/office/drawing/2014/main" id="{FA180C34-F994-4CD4-AC1A-AEA05197D85E}"/>
+              </a:ext>
+            </a:extLst>
+          </p:cNvPr>
+          <p:cNvCxnSpPr>
+            <a:cxnSpLocks/>
+            <a:stCxn id="12" idx="3"/>
+            <a:endCxn id="22" idx="0"/>
+          </p:cNvCxnSpPr>
+          <p:nvPr/>
+        </p:nvCxnSpPr>
+        <p:spPr>
+          <a:xfrm>
+            <a:off x="3955516" y="4169780"/>
+            <a:ext cx="801668" cy="194519"/>
+          </a:xfrm>
+          <a:prstGeom prst="bentConnector2">
+            <a:avLst/>
+          </a:prstGeom>
+          <a:ln>
+            <a:solidFill>
+              <a:schemeClr val="tx1"/>
+            </a:solidFill>
+            <a:tailEnd type="triangle"/>
+          </a:ln>
+        </p:spPr>
+        <p:style>
+          <a:lnRef idx="1">
+            <a:schemeClr val="accent1"/>
+          </a:lnRef>
+          <a:fillRef idx="0">
+            <a:schemeClr val="accent1"/>
+          </a:fillRef>
+          <a:effectRef idx="0">
+            <a:schemeClr val="accent1"/>
+          </a:effectRef>
+          <a:fontRef idx="minor">
+            <a:schemeClr val="tx1"/>
+          </a:fontRef>
+        </p:style>
+      </p:cxnSp>
+      <p:sp>
+        <p:nvSpPr>
+          <p:cNvPr id="27" name="TextBox 26">
+            <a:extLst>
+              <a:ext uri="{FF2B5EF4-FFF2-40B4-BE49-F238E27FC236}">
+                <a16:creationId xmlns:a16="http://schemas.microsoft.com/office/drawing/2014/main" id="{B4AE730E-F6C3-475A-8DA6-E40D6064E09E}"/>
+              </a:ext>
+            </a:extLst>
+          </p:cNvPr>
+          <p:cNvSpPr txBox="1"/>
+          <p:nvPr/>
+        </p:nvSpPr>
+        <p:spPr>
+          <a:xfrm>
+            <a:off x="3955516" y="2031762"/>
+            <a:ext cx="417538" cy="322705"/>
+          </a:xfrm>
+          <a:prstGeom prst="rect">
+            <a:avLst/>
+          </a:prstGeom>
+          <a:noFill/>
+        </p:spPr>
+        <p:txBody>
+          <a:bodyPr wrap="none" lIns="48000" tIns="48000" rIns="48000" bIns="48000" rtlCol="0">
+            <a:spAutoFit/>
+          </a:bodyPr>
+          <a:lstStyle/>
+          <a:p>
+            <a:r>
+              <a:rPr lang="en-US" altLang="ko-KR" sz="1467" dirty="0"/>
+              <a:t>true</a:t>
+            </a:r>
+            <a:endParaRPr lang="ko-KR" altLang="en-US" sz="1467" dirty="0"/>
+          </a:p>
+        </p:txBody>
+      </p:sp>
+      <p:sp>
+        <p:nvSpPr>
+          <p:cNvPr id="28" name="TextBox 27">
+            <a:extLst>
+              <a:ext uri="{FF2B5EF4-FFF2-40B4-BE49-F238E27FC236}">
+                <a16:creationId xmlns:a16="http://schemas.microsoft.com/office/drawing/2014/main" id="{FE0D2C00-E618-455C-B80B-E73666C5D0C0}"/>
+              </a:ext>
+            </a:extLst>
+          </p:cNvPr>
+          <p:cNvSpPr txBox="1"/>
+          <p:nvPr/>
+        </p:nvSpPr>
+        <p:spPr>
+          <a:xfrm>
+            <a:off x="3911460" y="3892861"/>
+            <a:ext cx="417538" cy="322705"/>
+          </a:xfrm>
+          <a:prstGeom prst="rect">
+            <a:avLst/>
+          </a:prstGeom>
+          <a:noFill/>
+        </p:spPr>
+        <p:txBody>
+          <a:bodyPr wrap="none" lIns="48000" tIns="48000" rIns="48000" bIns="48000" rtlCol="0">
+            <a:spAutoFit/>
+          </a:bodyPr>
+          <a:lstStyle/>
+          <a:p>
+            <a:r>
+              <a:rPr lang="en-US" altLang="ko-KR" sz="1467" dirty="0"/>
+              <a:t>true</a:t>
+            </a:r>
+            <a:endParaRPr lang="ko-KR" altLang="en-US" sz="1467" dirty="0"/>
+          </a:p>
+        </p:txBody>
+      </p:sp>
+      <p:sp>
+        <p:nvSpPr>
+          <p:cNvPr id="29" name="TextBox 28">
+            <a:extLst>
+              <a:ext uri="{FF2B5EF4-FFF2-40B4-BE49-F238E27FC236}">
+                <a16:creationId xmlns:a16="http://schemas.microsoft.com/office/drawing/2014/main" id="{21C65F7E-6C0A-4832-A224-B125D4DF8E35}"/>
+              </a:ext>
+            </a:extLst>
+          </p:cNvPr>
+          <p:cNvSpPr txBox="1"/>
+          <p:nvPr/>
+        </p:nvSpPr>
+        <p:spPr>
+          <a:xfrm>
+            <a:off x="2155520" y="2511774"/>
+            <a:ext cx="450752" cy="322705"/>
+          </a:xfrm>
+          <a:prstGeom prst="rect">
+            <a:avLst/>
+          </a:prstGeom>
+          <a:noFill/>
+        </p:spPr>
+        <p:txBody>
+          <a:bodyPr wrap="none" lIns="48000" tIns="48000" rIns="48000" bIns="48000" rtlCol="0">
+            <a:spAutoFit/>
+          </a:bodyPr>
+          <a:lstStyle/>
+          <a:p>
+            <a:r>
+              <a:rPr lang="en-US" altLang="ko-KR" sz="1467" dirty="0"/>
+              <a:t>false</a:t>
+            </a:r>
+            <a:endParaRPr lang="ko-KR" altLang="en-US" sz="1467" dirty="0"/>
+          </a:p>
+        </p:txBody>
+      </p:sp>
+      <p:sp>
+        <p:nvSpPr>
+          <p:cNvPr id="30" name="TextBox 29">
+            <a:extLst>
+              <a:ext uri="{FF2B5EF4-FFF2-40B4-BE49-F238E27FC236}">
+                <a16:creationId xmlns:a16="http://schemas.microsoft.com/office/drawing/2014/main" id="{514C6095-69C5-4D28-B0A5-6C68409454F3}"/>
+              </a:ext>
+            </a:extLst>
+          </p:cNvPr>
+          <p:cNvSpPr txBox="1"/>
+          <p:nvPr/>
+        </p:nvSpPr>
+        <p:spPr>
+          <a:xfrm>
+            <a:off x="2155520" y="4416152"/>
+            <a:ext cx="450752" cy="322705"/>
+          </a:xfrm>
+          <a:prstGeom prst="rect">
+            <a:avLst/>
+          </a:prstGeom>
+          <a:noFill/>
+        </p:spPr>
+        <p:txBody>
+          <a:bodyPr wrap="none" lIns="48000" tIns="48000" rIns="48000" bIns="48000" rtlCol="0">
+            <a:spAutoFit/>
+          </a:bodyPr>
+          <a:lstStyle/>
+          <a:p>
+            <a:r>
+              <a:rPr lang="en-US" altLang="ko-KR" sz="1467" dirty="0"/>
+              <a:t>false</a:t>
+            </a:r>
+            <a:endParaRPr lang="ko-KR" altLang="en-US" sz="1467" dirty="0"/>
+          </a:p>
+        </p:txBody>
+      </p:sp>
+      <p:sp>
+        <p:nvSpPr>
+          <p:cNvPr id="46" name="직사각형 45">
+            <a:extLst>
+              <a:ext uri="{FF2B5EF4-FFF2-40B4-BE49-F238E27FC236}">
+                <a16:creationId xmlns:a16="http://schemas.microsoft.com/office/drawing/2014/main" id="{30B7FA5F-8F44-4B96-9A57-13DD9F8F0795}"/>
+              </a:ext>
+            </a:extLst>
+          </p:cNvPr>
+          <p:cNvSpPr/>
+          <p:nvPr/>
+        </p:nvSpPr>
+        <p:spPr>
+          <a:xfrm>
+            <a:off x="3227184" y="3270416"/>
+            <a:ext cx="3060000" cy="504000"/>
+          </a:xfrm>
+          <a:prstGeom prst="rect">
+            <a:avLst/>
+          </a:prstGeom>
+          <a:noFill/>
+          <a:ln>
+            <a:solidFill>
+              <a:schemeClr val="tx1"/>
+            </a:solidFill>
+          </a:ln>
+        </p:spPr>
+        <p:style>
+          <a:lnRef idx="2">
+            <a:schemeClr val="accent1">
+              <a:shade val="50000"/>
+            </a:schemeClr>
+          </a:lnRef>
+          <a:fillRef idx="1">
+            <a:schemeClr val="accent1"/>
+          </a:fillRef>
+          <a:effectRef idx="0">
+            <a:schemeClr val="accent1"/>
+          </a:effectRef>
+          <a:fontRef idx="minor">
+            <a:schemeClr val="lt1"/>
+          </a:fontRef>
+        </p:style>
+        <p:txBody>
+          <a:bodyPr rtlCol="0" anchor="ctr"/>
+          <a:lstStyle/>
+          <a:p>
+            <a:pPr algn="ctr"/>
+            <a:r>
+              <a:rPr lang="en-US" altLang="ko-KR" sz="1467" dirty="0" err="1">
+                <a:solidFill>
+                  <a:sysClr val="windowText" lastClr="000000"/>
+                </a:solidFill>
+              </a:rPr>
+              <a:t>charAt</a:t>
+            </a:r>
+            <a:r>
+              <a:rPr lang="en-US" altLang="ko-KR" sz="1467" dirty="0">
+                <a:solidFill>
+                  <a:sysClr val="windowText" lastClr="000000"/>
+                </a:solidFill>
+              </a:rPr>
+              <a:t>(</a:t>
+            </a:r>
+            <a:r>
+              <a:rPr lang="en-US" altLang="ko-KR" sz="1467" dirty="0" err="1">
+                <a:solidFill>
+                  <a:sysClr val="windowText" lastClr="000000"/>
+                </a:solidFill>
+              </a:rPr>
+              <a:t>i</a:t>
+            </a:r>
+            <a:r>
+              <a:rPr lang="en-US" altLang="ko-KR" sz="1467" dirty="0">
+                <a:solidFill>
+                  <a:sysClr val="windowText" lastClr="000000"/>
+                </a:solidFill>
+              </a:rPr>
+              <a:t>) + n (– ‘Z’)</a:t>
+            </a:r>
+          </a:p>
+        </p:txBody>
+      </p:sp>
+      <p:sp>
+        <p:nvSpPr>
+          <p:cNvPr id="47" name="직사각형 46">
+            <a:extLst>
+              <a:ext uri="{FF2B5EF4-FFF2-40B4-BE49-F238E27FC236}">
+                <a16:creationId xmlns:a16="http://schemas.microsoft.com/office/drawing/2014/main" id="{FCBA2BC9-9088-4352-93F1-52B3FFCF8464}"/>
+              </a:ext>
+            </a:extLst>
+          </p:cNvPr>
+          <p:cNvSpPr/>
+          <p:nvPr/>
+        </p:nvSpPr>
+        <p:spPr>
+          <a:xfrm>
+            <a:off x="3227184" y="5173332"/>
+            <a:ext cx="3060000" cy="504000"/>
+          </a:xfrm>
+          <a:prstGeom prst="rect">
+            <a:avLst/>
+          </a:prstGeom>
+          <a:noFill/>
+          <a:ln>
+            <a:solidFill>
+              <a:schemeClr val="tx1"/>
+            </a:solidFill>
+          </a:ln>
+        </p:spPr>
+        <p:style>
+          <a:lnRef idx="2">
+            <a:schemeClr val="accent1">
+              <a:shade val="50000"/>
+            </a:schemeClr>
+          </a:lnRef>
+          <a:fillRef idx="1">
+            <a:schemeClr val="accent1"/>
+          </a:fillRef>
+          <a:effectRef idx="0">
+            <a:schemeClr val="accent1"/>
+          </a:effectRef>
+          <a:fontRef idx="minor">
+            <a:schemeClr val="lt1"/>
+          </a:fontRef>
+        </p:style>
+        <p:txBody>
+          <a:bodyPr rtlCol="0" anchor="ctr"/>
+          <a:lstStyle/>
+          <a:p>
+            <a:pPr algn="ctr"/>
+            <a:r>
+              <a:rPr lang="en-US" altLang="ko-KR" sz="1467" dirty="0" err="1">
+                <a:solidFill>
+                  <a:sysClr val="windowText" lastClr="000000"/>
+                </a:solidFill>
+              </a:rPr>
+              <a:t>charAt</a:t>
+            </a:r>
+            <a:r>
+              <a:rPr lang="en-US" altLang="ko-KR" sz="1467" dirty="0">
+                <a:solidFill>
+                  <a:sysClr val="windowText" lastClr="000000"/>
+                </a:solidFill>
+              </a:rPr>
+              <a:t>(</a:t>
+            </a:r>
+            <a:r>
+              <a:rPr lang="en-US" altLang="ko-KR" sz="1467" dirty="0" err="1">
+                <a:solidFill>
+                  <a:sysClr val="windowText" lastClr="000000"/>
+                </a:solidFill>
+              </a:rPr>
+              <a:t>i</a:t>
+            </a:r>
+            <a:r>
+              <a:rPr lang="en-US" altLang="ko-KR" sz="1467" dirty="0">
+                <a:solidFill>
+                  <a:sysClr val="windowText" lastClr="000000"/>
+                </a:solidFill>
+              </a:rPr>
+              <a:t>) + n (– ‘z’)</a:t>
+            </a:r>
+          </a:p>
+        </p:txBody>
+      </p:sp>
+      <p:cxnSp>
+        <p:nvCxnSpPr>
+          <p:cNvPr id="52" name="직선 화살표 연결선 51">
+            <a:extLst>
+              <a:ext uri="{FF2B5EF4-FFF2-40B4-BE49-F238E27FC236}">
+                <a16:creationId xmlns:a16="http://schemas.microsoft.com/office/drawing/2014/main" id="{7498FBB9-1EB1-41E0-8DE2-85B903098D5E}"/>
+              </a:ext>
+            </a:extLst>
+          </p:cNvPr>
+          <p:cNvCxnSpPr>
+            <a:stCxn id="21" idx="2"/>
+            <a:endCxn id="46" idx="0"/>
+          </p:cNvCxnSpPr>
+          <p:nvPr/>
+        </p:nvCxnSpPr>
+        <p:spPr>
+          <a:xfrm>
+            <a:off x="4757184" y="3024901"/>
+            <a:ext cx="0" cy="245515"/>
+          </a:xfrm>
+          <a:prstGeom prst="straightConnector1">
+            <a:avLst/>
+          </a:prstGeom>
+          <a:ln>
+            <a:solidFill>
+              <a:schemeClr val="tx1"/>
+            </a:solidFill>
+            <a:tailEnd type="triangle"/>
+          </a:ln>
+        </p:spPr>
+        <p:style>
+          <a:lnRef idx="1">
+            <a:schemeClr val="accent1"/>
+          </a:lnRef>
+          <a:fillRef idx="0">
+            <a:schemeClr val="accent1"/>
+          </a:fillRef>
+          <a:effectRef idx="0">
+            <a:schemeClr val="accent1"/>
+          </a:effectRef>
+          <a:fontRef idx="minor">
+            <a:schemeClr val="tx1"/>
+          </a:fontRef>
+        </p:style>
+      </p:cxnSp>
+      <p:cxnSp>
+        <p:nvCxnSpPr>
+          <p:cNvPr id="54" name="직선 화살표 연결선 53">
+            <a:extLst>
+              <a:ext uri="{FF2B5EF4-FFF2-40B4-BE49-F238E27FC236}">
+                <a16:creationId xmlns:a16="http://schemas.microsoft.com/office/drawing/2014/main" id="{B629E5A8-AA06-450E-89FD-F5303008946F}"/>
+              </a:ext>
+            </a:extLst>
+          </p:cNvPr>
+          <p:cNvCxnSpPr>
+            <a:stCxn id="22" idx="2"/>
+            <a:endCxn id="47" idx="0"/>
+          </p:cNvCxnSpPr>
+          <p:nvPr/>
+        </p:nvCxnSpPr>
+        <p:spPr>
+          <a:xfrm>
+            <a:off x="4757184" y="4863856"/>
+            <a:ext cx="0" cy="309476"/>
+          </a:xfrm>
+          <a:prstGeom prst="straightConnector1">
+            <a:avLst/>
+          </a:prstGeom>
+          <a:ln>
+            <a:solidFill>
+              <a:schemeClr val="tx1"/>
+            </a:solidFill>
+            <a:tailEnd type="triangle"/>
+          </a:ln>
+        </p:spPr>
+        <p:style>
+          <a:lnRef idx="1">
+            <a:schemeClr val="accent1"/>
+          </a:lnRef>
+          <a:fillRef idx="0">
+            <a:schemeClr val="accent1"/>
+          </a:fillRef>
+          <a:effectRef idx="0">
+            <a:schemeClr val="accent1"/>
+          </a:effectRef>
+          <a:fontRef idx="minor">
+            <a:schemeClr val="tx1"/>
+          </a:fontRef>
+        </p:style>
+      </p:cxnSp>
+      <p:sp>
+        <p:nvSpPr>
+          <p:cNvPr id="56" name="직사각형 55">
+            <a:extLst>
+              <a:ext uri="{FF2B5EF4-FFF2-40B4-BE49-F238E27FC236}">
+                <a16:creationId xmlns:a16="http://schemas.microsoft.com/office/drawing/2014/main" id="{563C1522-C5DF-4768-9CAD-12430D364B37}"/>
+              </a:ext>
+            </a:extLst>
+          </p:cNvPr>
+          <p:cNvSpPr/>
+          <p:nvPr/>
+        </p:nvSpPr>
+        <p:spPr>
+          <a:xfrm>
+            <a:off x="625520" y="6829743"/>
+            <a:ext cx="3060000" cy="504000"/>
+          </a:xfrm>
+          <a:prstGeom prst="rect">
+            <a:avLst/>
+          </a:prstGeom>
+          <a:noFill/>
+          <a:ln>
+            <a:solidFill>
+              <a:schemeClr val="tx1"/>
+            </a:solidFill>
+          </a:ln>
+        </p:spPr>
+        <p:style>
+          <a:lnRef idx="2">
+            <a:schemeClr val="accent1">
+              <a:shade val="50000"/>
+            </a:schemeClr>
+          </a:lnRef>
+          <a:fillRef idx="1">
+            <a:schemeClr val="accent1"/>
+          </a:fillRef>
+          <a:effectRef idx="0">
+            <a:schemeClr val="accent1"/>
+          </a:effectRef>
+          <a:fontRef idx="minor">
+            <a:schemeClr val="lt1"/>
+          </a:fontRef>
+        </p:style>
+        <p:txBody>
+          <a:bodyPr rtlCol="0" anchor="ctr"/>
+          <a:lstStyle/>
+          <a:p>
+            <a:pPr algn="ctr"/>
+            <a:r>
+              <a:rPr lang="ko-KR" altLang="en-US" sz="1467" dirty="0">
+                <a:solidFill>
+                  <a:sysClr val="windowText" lastClr="000000"/>
+                </a:solidFill>
+              </a:rPr>
+              <a:t>문자를 </a:t>
+            </a:r>
+            <a:r>
+              <a:rPr lang="en-US" altLang="ko-KR" sz="1467" dirty="0">
+                <a:solidFill>
+                  <a:sysClr val="windowText" lastClr="000000"/>
+                </a:solidFill>
+              </a:rPr>
+              <a:t>replace</a:t>
+            </a:r>
+            <a:r>
+              <a:rPr lang="ko-KR" altLang="en-US" sz="1467" dirty="0">
+                <a:solidFill>
+                  <a:sysClr val="windowText" lastClr="000000"/>
+                </a:solidFill>
+              </a:rPr>
+              <a:t>한다</a:t>
+            </a:r>
+            <a:endParaRPr lang="en-US" altLang="ko-KR" sz="1467" dirty="0">
+              <a:solidFill>
+                <a:sysClr val="windowText" lastClr="000000"/>
+              </a:solidFill>
+            </a:endParaRPr>
+          </a:p>
+        </p:txBody>
+      </p:sp>
+      <p:cxnSp>
+        <p:nvCxnSpPr>
+          <p:cNvPr id="58" name="직선 화살표 연결선 57">
+            <a:extLst>
+              <a:ext uri="{FF2B5EF4-FFF2-40B4-BE49-F238E27FC236}">
+                <a16:creationId xmlns:a16="http://schemas.microsoft.com/office/drawing/2014/main" id="{2D400C20-56F3-431E-A038-A69296B37EF0}"/>
+              </a:ext>
+            </a:extLst>
+          </p:cNvPr>
+          <p:cNvCxnSpPr>
+            <a:stCxn id="17" idx="2"/>
+            <a:endCxn id="56" idx="0"/>
+          </p:cNvCxnSpPr>
+          <p:nvPr/>
+        </p:nvCxnSpPr>
+        <p:spPr>
+          <a:xfrm>
+            <a:off x="2155520" y="6323526"/>
+            <a:ext cx="0" cy="506217"/>
+          </a:xfrm>
+          <a:prstGeom prst="straightConnector1">
+            <a:avLst/>
+          </a:prstGeom>
+          <a:ln>
+            <a:solidFill>
+              <a:schemeClr val="tx1"/>
+            </a:solidFill>
+            <a:tailEnd type="triangle"/>
+          </a:ln>
+        </p:spPr>
+        <p:style>
+          <a:lnRef idx="1">
+            <a:schemeClr val="accent1"/>
+          </a:lnRef>
+          <a:fillRef idx="0">
+            <a:schemeClr val="accent1"/>
+          </a:fillRef>
+          <a:effectRef idx="0">
+            <a:schemeClr val="accent1"/>
+          </a:effectRef>
+          <a:fontRef idx="minor">
+            <a:schemeClr val="tx1"/>
+          </a:fontRef>
+        </p:style>
+      </p:cxnSp>
+      <p:cxnSp>
+        <p:nvCxnSpPr>
+          <p:cNvPr id="60" name="연결선: 꺾임 59">
+            <a:extLst>
+              <a:ext uri="{FF2B5EF4-FFF2-40B4-BE49-F238E27FC236}">
+                <a16:creationId xmlns:a16="http://schemas.microsoft.com/office/drawing/2014/main" id="{188F56B5-BA69-4572-A7AE-B661F809CE0C}"/>
+              </a:ext>
+            </a:extLst>
+          </p:cNvPr>
+          <p:cNvCxnSpPr>
+            <a:stCxn id="47" idx="3"/>
+            <a:endCxn id="56" idx="3"/>
+          </p:cNvCxnSpPr>
+          <p:nvPr/>
+        </p:nvCxnSpPr>
+        <p:spPr>
+          <a:xfrm flipH="1">
+            <a:off x="3685520" y="5425332"/>
+            <a:ext cx="2601664" cy="1656411"/>
+          </a:xfrm>
+          <a:prstGeom prst="bentConnector3">
+            <a:avLst>
+              <a:gd name="adj1" fmla="val -8787"/>
+            </a:avLst>
+          </a:prstGeom>
+          <a:ln>
+            <a:solidFill>
+              <a:schemeClr val="tx1"/>
+            </a:solidFill>
+            <a:tailEnd type="triangle"/>
+          </a:ln>
+        </p:spPr>
+        <p:style>
+          <a:lnRef idx="1">
+            <a:schemeClr val="accent1"/>
+          </a:lnRef>
+          <a:fillRef idx="0">
+            <a:schemeClr val="accent1"/>
+          </a:fillRef>
+          <a:effectRef idx="0">
+            <a:schemeClr val="accent1"/>
+          </a:effectRef>
+          <a:fontRef idx="minor">
+            <a:schemeClr val="tx1"/>
+          </a:fontRef>
+        </p:style>
+      </p:cxnSp>
+      <p:cxnSp>
+        <p:nvCxnSpPr>
+          <p:cNvPr id="62" name="연결선: 꺾임 61">
+            <a:extLst>
+              <a:ext uri="{FF2B5EF4-FFF2-40B4-BE49-F238E27FC236}">
+                <a16:creationId xmlns:a16="http://schemas.microsoft.com/office/drawing/2014/main" id="{81E93406-FAD0-4726-A422-9D5D26D2C421}"/>
+              </a:ext>
+            </a:extLst>
+          </p:cNvPr>
+          <p:cNvCxnSpPr>
+            <a:stCxn id="46" idx="3"/>
+            <a:endCxn id="56" idx="3"/>
+          </p:cNvCxnSpPr>
+          <p:nvPr/>
+        </p:nvCxnSpPr>
+        <p:spPr>
+          <a:xfrm flipH="1">
+            <a:off x="3685520" y="3522416"/>
+            <a:ext cx="2601664" cy="3559327"/>
+          </a:xfrm>
+          <a:prstGeom prst="bentConnector3">
+            <a:avLst>
+              <a:gd name="adj1" fmla="val -8787"/>
+            </a:avLst>
+          </a:prstGeom>
+          <a:ln>
+            <a:solidFill>
+              <a:schemeClr val="tx1"/>
+            </a:solidFill>
+            <a:tailEnd type="triangle"/>
+          </a:ln>
+        </p:spPr>
+        <p:style>
+          <a:lnRef idx="1">
+            <a:schemeClr val="accent1"/>
+          </a:lnRef>
+          <a:fillRef idx="0">
+            <a:schemeClr val="accent1"/>
+          </a:fillRef>
+          <a:effectRef idx="0">
+            <a:schemeClr val="accent1"/>
+          </a:effectRef>
+          <a:fontRef idx="minor">
+            <a:schemeClr val="tx1"/>
+          </a:fontRef>
+        </p:style>
+      </p:cxnSp>
+    </p:spTree>
+    <p:extLst>
+      <p:ext uri="{BB962C8B-B14F-4D97-AF65-F5344CB8AC3E}">
+        <p14:creationId xmlns:p14="http://schemas.microsoft.com/office/powerpoint/2010/main" val="2910315625"/>
+      </p:ext>
+    </p:extLst>
+  </p:cSld>
+  <p:clrMapOvr>
+    <a:masterClrMapping/>
+  </p:clrMapOvr>
+</p:sld>
+</file>
+
 <file path=ppt/slides/slide3.xml><?xml version="1.0" encoding="utf-8"?>
 <p:sld xmlns:a="http://schemas.openxmlformats.org/drawingml/2006/main" xmlns:r="http://schemas.openxmlformats.org/officeDocument/2006/relationships" xmlns:p="http://schemas.openxmlformats.org/presentationml/2006/main">
   <p:cSld>

--- a/알고리즘_프로그래머스_Level01_순서도.pptx
+++ b/알고리즘_프로그래머스_Level01_순서도.pptx
@@ -25,6 +25,7 @@
     <p:sldId id="278" r:id="rId19"/>
     <p:sldId id="279" r:id="rId20"/>
     <p:sldId id="280" r:id="rId21"/>
+    <p:sldId id="281" r:id="rId22"/>
   </p:sldIdLst>
   <p:sldSz cx="6858000" cy="9144000" type="screen4x3"/>
   <p:notesSz cx="6858000" cy="9144000"/>
@@ -262,7 +263,7 @@
           <a:p>
             <a:fld id="{274DCB2C-481A-4B20-92AC-CEC756183F8E}" type="datetimeFigureOut">
               <a:rPr lang="ko-KR" altLang="en-US" smtClean="0"/>
-              <a:t>2021-01-17</a:t>
+              <a:t>2021-01-19</a:t>
             </a:fld>
             <a:endParaRPr lang="ko-KR" altLang="en-US"/>
           </a:p>
@@ -432,7 +433,7 @@
           <a:p>
             <a:fld id="{274DCB2C-481A-4B20-92AC-CEC756183F8E}" type="datetimeFigureOut">
               <a:rPr lang="ko-KR" altLang="en-US" smtClean="0"/>
-              <a:t>2021-01-17</a:t>
+              <a:t>2021-01-19</a:t>
             </a:fld>
             <a:endParaRPr lang="ko-KR" altLang="en-US"/>
           </a:p>
@@ -612,7 +613,7 @@
           <a:p>
             <a:fld id="{274DCB2C-481A-4B20-92AC-CEC756183F8E}" type="datetimeFigureOut">
               <a:rPr lang="ko-KR" altLang="en-US" smtClean="0"/>
-              <a:t>2021-01-17</a:t>
+              <a:t>2021-01-19</a:t>
             </a:fld>
             <a:endParaRPr lang="ko-KR" altLang="en-US"/>
           </a:p>
@@ -782,7 +783,7 @@
           <a:p>
             <a:fld id="{274DCB2C-481A-4B20-92AC-CEC756183F8E}" type="datetimeFigureOut">
               <a:rPr lang="ko-KR" altLang="en-US" smtClean="0"/>
-              <a:t>2021-01-17</a:t>
+              <a:t>2021-01-19</a:t>
             </a:fld>
             <a:endParaRPr lang="ko-KR" altLang="en-US"/>
           </a:p>
@@ -1026,7 +1027,7 @@
           <a:p>
             <a:fld id="{274DCB2C-481A-4B20-92AC-CEC756183F8E}" type="datetimeFigureOut">
               <a:rPr lang="ko-KR" altLang="en-US" smtClean="0"/>
-              <a:t>2021-01-17</a:t>
+              <a:t>2021-01-19</a:t>
             </a:fld>
             <a:endParaRPr lang="ko-KR" altLang="en-US"/>
           </a:p>
@@ -1258,7 +1259,7 @@
           <a:p>
             <a:fld id="{274DCB2C-481A-4B20-92AC-CEC756183F8E}" type="datetimeFigureOut">
               <a:rPr lang="ko-KR" altLang="en-US" smtClean="0"/>
-              <a:t>2021-01-17</a:t>
+              <a:t>2021-01-19</a:t>
             </a:fld>
             <a:endParaRPr lang="ko-KR" altLang="en-US"/>
           </a:p>
@@ -1625,7 +1626,7 @@
           <a:p>
             <a:fld id="{274DCB2C-481A-4B20-92AC-CEC756183F8E}" type="datetimeFigureOut">
               <a:rPr lang="ko-KR" altLang="en-US" smtClean="0"/>
-              <a:t>2021-01-17</a:t>
+              <a:t>2021-01-19</a:t>
             </a:fld>
             <a:endParaRPr lang="ko-KR" altLang="en-US"/>
           </a:p>
@@ -1743,7 +1744,7 @@
           <a:p>
             <a:fld id="{274DCB2C-481A-4B20-92AC-CEC756183F8E}" type="datetimeFigureOut">
               <a:rPr lang="ko-KR" altLang="en-US" smtClean="0"/>
-              <a:t>2021-01-17</a:t>
+              <a:t>2021-01-19</a:t>
             </a:fld>
             <a:endParaRPr lang="ko-KR" altLang="en-US"/>
           </a:p>
@@ -1838,7 +1839,7 @@
           <a:p>
             <a:fld id="{274DCB2C-481A-4B20-92AC-CEC756183F8E}" type="datetimeFigureOut">
               <a:rPr lang="ko-KR" altLang="en-US" smtClean="0"/>
-              <a:t>2021-01-17</a:t>
+              <a:t>2021-01-19</a:t>
             </a:fld>
             <a:endParaRPr lang="ko-KR" altLang="en-US"/>
           </a:p>
@@ -2115,7 +2116,7 @@
           <a:p>
             <a:fld id="{274DCB2C-481A-4B20-92AC-CEC756183F8E}" type="datetimeFigureOut">
               <a:rPr lang="ko-KR" altLang="en-US" smtClean="0"/>
-              <a:t>2021-01-17</a:t>
+              <a:t>2021-01-19</a:t>
             </a:fld>
             <a:endParaRPr lang="ko-KR" altLang="en-US"/>
           </a:p>
@@ -2372,7 +2373,7 @@
           <a:p>
             <a:fld id="{274DCB2C-481A-4B20-92AC-CEC756183F8E}" type="datetimeFigureOut">
               <a:rPr lang="ko-KR" altLang="en-US" smtClean="0"/>
-              <a:t>2021-01-17</a:t>
+              <a:t>2021-01-19</a:t>
             </a:fld>
             <a:endParaRPr lang="ko-KR" altLang="en-US"/>
           </a:p>
@@ -2585,7 +2586,7 @@
           <a:p>
             <a:fld id="{274DCB2C-481A-4B20-92AC-CEC756183F8E}" type="datetimeFigureOut">
               <a:rPr lang="ko-KR" altLang="en-US" smtClean="0"/>
-              <a:t>2021-01-17</a:t>
+              <a:t>2021-01-19</a:t>
             </a:fld>
             <a:endParaRPr lang="ko-KR" altLang="en-US"/>
           </a:p>
@@ -14264,6 +14265,726 @@
 </p:sld>
 </file>
 
+<file path=ppt/slides/slide21.xml><?xml version="1.0" encoding="utf-8"?>
+<p:sld xmlns:a="http://schemas.openxmlformats.org/drawingml/2006/main" xmlns:r="http://schemas.openxmlformats.org/officeDocument/2006/relationships" xmlns:p="http://schemas.openxmlformats.org/presentationml/2006/main">
+  <p:cSld>
+    <p:spTree>
+      <p:nvGrpSpPr>
+        <p:cNvPr id="1" name=""/>
+        <p:cNvGrpSpPr/>
+        <p:nvPr/>
+      </p:nvGrpSpPr>
+      <p:grpSpPr>
+        <a:xfrm>
+          <a:off x="0" y="0"/>
+          <a:ext cx="0" cy="0"/>
+          <a:chOff x="0" y="0"/>
+          <a:chExt cx="0" cy="0"/>
+        </a:xfrm>
+      </p:grpSpPr>
+      <p:sp>
+        <p:nvSpPr>
+          <p:cNvPr id="4" name="제목 3">
+            <a:extLst>
+              <a:ext uri="{FF2B5EF4-FFF2-40B4-BE49-F238E27FC236}">
+                <a16:creationId xmlns:a16="http://schemas.microsoft.com/office/drawing/2014/main" id="{30BAC889-89EF-449A-A9AB-0AA582E87CB5}"/>
+              </a:ext>
+            </a:extLst>
+          </p:cNvPr>
+          <p:cNvSpPr>
+            <a:spLocks noGrp="1"/>
+          </p:cNvSpPr>
+          <p:nvPr>
+            <p:ph type="title"/>
+          </p:nvPr>
+        </p:nvSpPr>
+        <p:spPr/>
+        <p:txBody>
+          <a:bodyPr/>
+          <a:lstStyle/>
+          <a:p>
+            <a:r>
+              <a:rPr lang="ko-KR" altLang="en-US" dirty="0"/>
+              <a:t>약수의 합 </a:t>
+            </a:r>
+            <a:r>
+              <a:rPr lang="en-US" altLang="ko-KR" dirty="0"/>
+              <a:t>(01.19)</a:t>
+            </a:r>
+            <a:endParaRPr lang="ko-KR" altLang="en-US" dirty="0"/>
+          </a:p>
+        </p:txBody>
+      </p:sp>
+      <p:grpSp>
+        <p:nvGrpSpPr>
+          <p:cNvPr id="19" name="그룹 18">
+            <a:extLst>
+              <a:ext uri="{FF2B5EF4-FFF2-40B4-BE49-F238E27FC236}">
+                <a16:creationId xmlns:a16="http://schemas.microsoft.com/office/drawing/2014/main" id="{897D901E-FCC0-458A-AC88-DAD702388779}"/>
+              </a:ext>
+            </a:extLst>
+          </p:cNvPr>
+          <p:cNvGrpSpPr/>
+          <p:nvPr/>
+        </p:nvGrpSpPr>
+        <p:grpSpPr>
+          <a:xfrm>
+            <a:off x="355520" y="1175678"/>
+            <a:ext cx="3600000" cy="3888904"/>
+            <a:chOff x="355520" y="1175678"/>
+            <a:chExt cx="3600000" cy="3888904"/>
+          </a:xfrm>
+        </p:grpSpPr>
+        <p:sp>
+          <p:nvSpPr>
+            <p:cNvPr id="5" name="직사각형 4">
+              <a:extLst>
+                <a:ext uri="{FF2B5EF4-FFF2-40B4-BE49-F238E27FC236}">
+                  <a16:creationId xmlns:a16="http://schemas.microsoft.com/office/drawing/2014/main" id="{03882C51-1F0D-4F1D-AE83-D0C9456E828D}"/>
+                </a:ext>
+              </a:extLst>
+            </p:cNvPr>
+            <p:cNvSpPr/>
+            <p:nvPr/>
+          </p:nvSpPr>
+          <p:spPr>
+            <a:xfrm>
+              <a:off x="355520" y="1175678"/>
+              <a:ext cx="3600000" cy="504000"/>
+            </a:xfrm>
+            <a:prstGeom prst="rect">
+              <a:avLst/>
+            </a:prstGeom>
+            <a:noFill/>
+            <a:ln>
+              <a:solidFill>
+                <a:schemeClr val="tx1"/>
+              </a:solidFill>
+            </a:ln>
+          </p:spPr>
+          <p:style>
+            <a:lnRef idx="2">
+              <a:schemeClr val="accent1">
+                <a:shade val="50000"/>
+              </a:schemeClr>
+            </a:lnRef>
+            <a:fillRef idx="1">
+              <a:schemeClr val="accent1"/>
+            </a:fillRef>
+            <a:effectRef idx="0">
+              <a:schemeClr val="accent1"/>
+            </a:effectRef>
+            <a:fontRef idx="minor">
+              <a:schemeClr val="lt1"/>
+            </a:fontRef>
+          </p:style>
+          <p:txBody>
+            <a:bodyPr rtlCol="0" anchor="ctr"/>
+            <a:lstStyle/>
+            <a:p>
+              <a:pPr algn="ctr"/>
+              <a:r>
+                <a:rPr lang="en-US" altLang="ko-KR" sz="1467" dirty="0">
+                  <a:solidFill>
+                    <a:sysClr val="windowText" lastClr="000000"/>
+                  </a:solidFill>
+                </a:rPr>
+                <a:t>1 &lt;= </a:t>
+              </a:r>
+              <a:r>
+                <a:rPr lang="en-US" altLang="ko-KR" sz="1467" dirty="0" err="1">
+                  <a:solidFill>
+                    <a:sysClr val="windowText" lastClr="000000"/>
+                  </a:solidFill>
+                </a:rPr>
+                <a:t>i</a:t>
+              </a:r>
+              <a:r>
+                <a:rPr lang="en-US" altLang="ko-KR" sz="1467" dirty="0">
+                  <a:solidFill>
+                    <a:sysClr val="windowText" lastClr="000000"/>
+                  </a:solidFill>
+                </a:rPr>
+                <a:t> &lt;= </a:t>
+              </a:r>
+              <a:r>
+                <a:rPr lang="ko-KR" altLang="en-US" sz="1467" dirty="0">
+                  <a:solidFill>
+                    <a:sysClr val="windowText" lastClr="000000"/>
+                  </a:solidFill>
+                </a:rPr>
+                <a:t>루트</a:t>
+              </a:r>
+              <a:r>
+                <a:rPr lang="en-US" altLang="ko-KR" sz="1467" dirty="0">
+                  <a:solidFill>
+                    <a:sysClr val="windowText" lastClr="000000"/>
+                  </a:solidFill>
+                </a:rPr>
+                <a:t>n</a:t>
+              </a:r>
+            </a:p>
+          </p:txBody>
+        </p:sp>
+        <p:cxnSp>
+          <p:nvCxnSpPr>
+            <p:cNvPr id="6" name="직선 화살표 연결선 5">
+              <a:extLst>
+                <a:ext uri="{FF2B5EF4-FFF2-40B4-BE49-F238E27FC236}">
+                  <a16:creationId xmlns:a16="http://schemas.microsoft.com/office/drawing/2014/main" id="{304DBAFC-8442-4E60-89F1-15CD0C9F91C5}"/>
+                </a:ext>
+              </a:extLst>
+            </p:cNvPr>
+            <p:cNvCxnSpPr>
+              <a:cxnSpLocks/>
+              <a:stCxn id="5" idx="2"/>
+              <a:endCxn id="33" idx="0"/>
+            </p:cNvCxnSpPr>
+            <p:nvPr/>
+          </p:nvCxnSpPr>
+          <p:spPr>
+            <a:xfrm>
+              <a:off x="2155520" y="1679678"/>
+              <a:ext cx="0" cy="346109"/>
+            </a:xfrm>
+            <a:prstGeom prst="straightConnector1">
+              <a:avLst/>
+            </a:prstGeom>
+            <a:ln>
+              <a:solidFill>
+                <a:schemeClr val="tx1"/>
+              </a:solidFill>
+              <a:tailEnd type="triangle"/>
+            </a:ln>
+          </p:spPr>
+          <p:style>
+            <a:lnRef idx="1">
+              <a:schemeClr val="accent1"/>
+            </a:lnRef>
+            <a:fillRef idx="0">
+              <a:schemeClr val="accent1"/>
+            </a:fillRef>
+            <a:effectRef idx="0">
+              <a:schemeClr val="accent1"/>
+            </a:effectRef>
+            <a:fontRef idx="minor">
+              <a:schemeClr val="tx1"/>
+            </a:fontRef>
+          </p:style>
+        </p:cxnSp>
+        <p:sp>
+          <p:nvSpPr>
+            <p:cNvPr id="33" name="다이아몬드 32">
+              <a:extLst>
+                <a:ext uri="{FF2B5EF4-FFF2-40B4-BE49-F238E27FC236}">
+                  <a16:creationId xmlns:a16="http://schemas.microsoft.com/office/drawing/2014/main" id="{A7A7C0DC-62D6-4535-A308-6423C87C8554}"/>
+                </a:ext>
+              </a:extLst>
+            </p:cNvPr>
+            <p:cNvSpPr/>
+            <p:nvPr/>
+          </p:nvSpPr>
+          <p:spPr>
+            <a:xfrm>
+              <a:off x="355524" y="2025787"/>
+              <a:ext cx="3599992" cy="499557"/>
+            </a:xfrm>
+            <a:prstGeom prst="diamond">
+              <a:avLst/>
+            </a:prstGeom>
+            <a:noFill/>
+            <a:ln>
+              <a:solidFill>
+                <a:schemeClr val="tx1"/>
+              </a:solidFill>
+            </a:ln>
+          </p:spPr>
+          <p:style>
+            <a:lnRef idx="2">
+              <a:schemeClr val="accent1">
+                <a:shade val="50000"/>
+              </a:schemeClr>
+            </a:lnRef>
+            <a:fillRef idx="1">
+              <a:schemeClr val="accent1"/>
+            </a:fillRef>
+            <a:effectRef idx="0">
+              <a:schemeClr val="accent1"/>
+            </a:effectRef>
+            <a:fontRef idx="minor">
+              <a:schemeClr val="lt1"/>
+            </a:fontRef>
+          </p:style>
+          <p:txBody>
+            <a:bodyPr rtlCol="0" anchor="ctr"/>
+            <a:lstStyle/>
+            <a:p>
+              <a:pPr algn="ctr"/>
+              <a:r>
+                <a:rPr lang="en-US" altLang="ko-KR" sz="1467" dirty="0">
+                  <a:solidFill>
+                    <a:sysClr val="windowText" lastClr="000000"/>
+                  </a:solidFill>
+                </a:rPr>
+                <a:t>n % </a:t>
+              </a:r>
+              <a:r>
+                <a:rPr lang="en-US" altLang="ko-KR" sz="1467" dirty="0" err="1">
+                  <a:solidFill>
+                    <a:sysClr val="windowText" lastClr="000000"/>
+                  </a:solidFill>
+                </a:rPr>
+                <a:t>i</a:t>
+              </a:r>
+              <a:r>
+                <a:rPr lang="ko-KR" altLang="en-US" sz="1467" dirty="0">
+                  <a:solidFill>
+                    <a:sysClr val="windowText" lastClr="000000"/>
+                  </a:solidFill>
+                </a:rPr>
+                <a:t> </a:t>
+              </a:r>
+              <a:r>
+                <a:rPr lang="en-US" altLang="ko-KR" sz="1467" dirty="0">
+                  <a:solidFill>
+                    <a:sysClr val="windowText" lastClr="000000"/>
+                  </a:solidFill>
+                </a:rPr>
+                <a:t>== 0?</a:t>
+              </a:r>
+            </a:p>
+          </p:txBody>
+        </p:sp>
+        <p:cxnSp>
+          <p:nvCxnSpPr>
+            <p:cNvPr id="34" name="직선 화살표 연결선 33">
+              <a:extLst>
+                <a:ext uri="{FF2B5EF4-FFF2-40B4-BE49-F238E27FC236}">
+                  <a16:creationId xmlns:a16="http://schemas.microsoft.com/office/drawing/2014/main" id="{22D0AC44-D4DD-4FAB-9457-66DA5FB4119C}"/>
+                </a:ext>
+              </a:extLst>
+            </p:cNvPr>
+            <p:cNvCxnSpPr>
+              <a:cxnSpLocks/>
+              <a:stCxn id="33" idx="2"/>
+              <a:endCxn id="35" idx="0"/>
+            </p:cNvCxnSpPr>
+            <p:nvPr/>
+          </p:nvCxnSpPr>
+          <p:spPr>
+            <a:xfrm>
+              <a:off x="2155520" y="2525344"/>
+              <a:ext cx="0" cy="341666"/>
+            </a:xfrm>
+            <a:prstGeom prst="straightConnector1">
+              <a:avLst/>
+            </a:prstGeom>
+            <a:ln>
+              <a:solidFill>
+                <a:schemeClr val="tx1"/>
+              </a:solidFill>
+              <a:tailEnd type="triangle"/>
+            </a:ln>
+          </p:spPr>
+          <p:style>
+            <a:lnRef idx="1">
+              <a:schemeClr val="accent1"/>
+            </a:lnRef>
+            <a:fillRef idx="0">
+              <a:schemeClr val="accent1"/>
+            </a:fillRef>
+            <a:effectRef idx="0">
+              <a:schemeClr val="accent1"/>
+            </a:effectRef>
+            <a:fontRef idx="minor">
+              <a:schemeClr val="tx1"/>
+            </a:fontRef>
+          </p:style>
+        </p:cxnSp>
+        <p:sp>
+          <p:nvSpPr>
+            <p:cNvPr id="35" name="직사각형 34">
+              <a:extLst>
+                <a:ext uri="{FF2B5EF4-FFF2-40B4-BE49-F238E27FC236}">
+                  <a16:creationId xmlns:a16="http://schemas.microsoft.com/office/drawing/2014/main" id="{328A2F09-56A6-4C93-9F89-DAAAECC1721D}"/>
+                </a:ext>
+              </a:extLst>
+            </p:cNvPr>
+            <p:cNvSpPr/>
+            <p:nvPr/>
+          </p:nvSpPr>
+          <p:spPr>
+            <a:xfrm>
+              <a:off x="355520" y="2867010"/>
+              <a:ext cx="3600000" cy="504000"/>
+            </a:xfrm>
+            <a:prstGeom prst="rect">
+              <a:avLst/>
+            </a:prstGeom>
+            <a:noFill/>
+            <a:ln>
+              <a:solidFill>
+                <a:schemeClr val="tx1"/>
+              </a:solidFill>
+            </a:ln>
+          </p:spPr>
+          <p:style>
+            <a:lnRef idx="2">
+              <a:schemeClr val="accent1">
+                <a:shade val="50000"/>
+              </a:schemeClr>
+            </a:lnRef>
+            <a:fillRef idx="1">
+              <a:schemeClr val="accent1"/>
+            </a:fillRef>
+            <a:effectRef idx="0">
+              <a:schemeClr val="accent1"/>
+            </a:effectRef>
+            <a:fontRef idx="minor">
+              <a:schemeClr val="lt1"/>
+            </a:fontRef>
+          </p:style>
+          <p:txBody>
+            <a:bodyPr rtlCol="0" anchor="ctr"/>
+            <a:lstStyle/>
+            <a:p>
+              <a:pPr algn="ctr"/>
+              <a:r>
+                <a:rPr lang="en-US" altLang="ko-KR" sz="1467" dirty="0">
+                  <a:solidFill>
+                    <a:sysClr val="windowText" lastClr="000000"/>
+                  </a:solidFill>
+                </a:rPr>
+                <a:t>sum += </a:t>
+              </a:r>
+              <a:r>
+                <a:rPr lang="en-US" altLang="ko-KR" sz="1467" dirty="0" err="1">
+                  <a:solidFill>
+                    <a:sysClr val="windowText" lastClr="000000"/>
+                  </a:solidFill>
+                </a:rPr>
+                <a:t>i</a:t>
+              </a:r>
+              <a:endParaRPr lang="en-US" altLang="ko-KR" sz="1467" dirty="0">
+                <a:solidFill>
+                  <a:sysClr val="windowText" lastClr="000000"/>
+                </a:solidFill>
+              </a:endParaRPr>
+            </a:p>
+          </p:txBody>
+        </p:sp>
+        <p:sp>
+          <p:nvSpPr>
+            <p:cNvPr id="37" name="TextBox 36">
+              <a:extLst>
+                <a:ext uri="{FF2B5EF4-FFF2-40B4-BE49-F238E27FC236}">
+                  <a16:creationId xmlns:a16="http://schemas.microsoft.com/office/drawing/2014/main" id="{2892E5CA-D35D-4771-AC21-453A987C3D5F}"/>
+                </a:ext>
+              </a:extLst>
+            </p:cNvPr>
+            <p:cNvSpPr txBox="1"/>
+            <p:nvPr/>
+          </p:nvSpPr>
+          <p:spPr>
+            <a:xfrm>
+              <a:off x="2155520" y="2453658"/>
+              <a:ext cx="417538" cy="322705"/>
+            </a:xfrm>
+            <a:prstGeom prst="rect">
+              <a:avLst/>
+            </a:prstGeom>
+            <a:noFill/>
+          </p:spPr>
+          <p:txBody>
+            <a:bodyPr wrap="none" lIns="48000" tIns="48000" rIns="48000" bIns="48000" rtlCol="0">
+              <a:spAutoFit/>
+            </a:bodyPr>
+            <a:lstStyle/>
+            <a:p>
+              <a:r>
+                <a:rPr lang="en-US" altLang="ko-KR" sz="1467" dirty="0"/>
+                <a:t>true</a:t>
+              </a:r>
+              <a:endParaRPr lang="ko-KR" altLang="en-US" sz="1467" dirty="0"/>
+            </a:p>
+          </p:txBody>
+        </p:sp>
+        <p:cxnSp>
+          <p:nvCxnSpPr>
+            <p:cNvPr id="41" name="직선 화살표 연결선 40">
+              <a:extLst>
+                <a:ext uri="{FF2B5EF4-FFF2-40B4-BE49-F238E27FC236}">
+                  <a16:creationId xmlns:a16="http://schemas.microsoft.com/office/drawing/2014/main" id="{F725DD6A-9BE2-4976-9379-441B76954BF3}"/>
+                </a:ext>
+              </a:extLst>
+            </p:cNvPr>
+            <p:cNvCxnSpPr>
+              <a:cxnSpLocks/>
+              <a:stCxn id="35" idx="2"/>
+              <a:endCxn id="42" idx="0"/>
+            </p:cNvCxnSpPr>
+            <p:nvPr/>
+          </p:nvCxnSpPr>
+          <p:spPr>
+            <a:xfrm>
+              <a:off x="2155520" y="3371010"/>
+              <a:ext cx="0" cy="341666"/>
+            </a:xfrm>
+            <a:prstGeom prst="straightConnector1">
+              <a:avLst/>
+            </a:prstGeom>
+            <a:ln>
+              <a:solidFill>
+                <a:schemeClr val="tx1"/>
+              </a:solidFill>
+              <a:tailEnd type="triangle"/>
+            </a:ln>
+          </p:spPr>
+          <p:style>
+            <a:lnRef idx="1">
+              <a:schemeClr val="accent1"/>
+            </a:lnRef>
+            <a:fillRef idx="0">
+              <a:schemeClr val="accent1"/>
+            </a:fillRef>
+            <a:effectRef idx="0">
+              <a:schemeClr val="accent1"/>
+            </a:effectRef>
+            <a:fontRef idx="minor">
+              <a:schemeClr val="tx1"/>
+            </a:fontRef>
+          </p:style>
+        </p:cxnSp>
+        <p:sp>
+          <p:nvSpPr>
+            <p:cNvPr id="42" name="다이아몬드 41">
+              <a:extLst>
+                <a:ext uri="{FF2B5EF4-FFF2-40B4-BE49-F238E27FC236}">
+                  <a16:creationId xmlns:a16="http://schemas.microsoft.com/office/drawing/2014/main" id="{16254B52-417A-4C08-9D53-09FD526199BB}"/>
+                </a:ext>
+              </a:extLst>
+            </p:cNvPr>
+            <p:cNvSpPr/>
+            <p:nvPr/>
+          </p:nvSpPr>
+          <p:spPr>
+            <a:xfrm>
+              <a:off x="355524" y="3712676"/>
+              <a:ext cx="3599992" cy="499557"/>
+            </a:xfrm>
+            <a:prstGeom prst="diamond">
+              <a:avLst/>
+            </a:prstGeom>
+            <a:noFill/>
+            <a:ln>
+              <a:solidFill>
+                <a:schemeClr val="tx1"/>
+              </a:solidFill>
+            </a:ln>
+          </p:spPr>
+          <p:style>
+            <a:lnRef idx="2">
+              <a:schemeClr val="accent1">
+                <a:shade val="50000"/>
+              </a:schemeClr>
+            </a:lnRef>
+            <a:fillRef idx="1">
+              <a:schemeClr val="accent1"/>
+            </a:fillRef>
+            <a:effectRef idx="0">
+              <a:schemeClr val="accent1"/>
+            </a:effectRef>
+            <a:fontRef idx="minor">
+              <a:schemeClr val="lt1"/>
+            </a:fontRef>
+          </p:style>
+          <p:txBody>
+            <a:bodyPr rtlCol="0" anchor="ctr"/>
+            <a:lstStyle/>
+            <a:p>
+              <a:pPr algn="ctr"/>
+              <a:r>
+                <a:rPr lang="en-US" altLang="ko-KR" sz="1467" dirty="0">
+                  <a:solidFill>
+                    <a:sysClr val="windowText" lastClr="000000"/>
+                  </a:solidFill>
+                </a:rPr>
+                <a:t>i^2 != n</a:t>
+              </a:r>
+            </a:p>
+          </p:txBody>
+        </p:sp>
+        <p:cxnSp>
+          <p:nvCxnSpPr>
+            <p:cNvPr id="43" name="직선 화살표 연결선 42">
+              <a:extLst>
+                <a:ext uri="{FF2B5EF4-FFF2-40B4-BE49-F238E27FC236}">
+                  <a16:creationId xmlns:a16="http://schemas.microsoft.com/office/drawing/2014/main" id="{75930CDF-0A8A-4C7E-B904-86328108C0D8}"/>
+                </a:ext>
+              </a:extLst>
+            </p:cNvPr>
+            <p:cNvCxnSpPr>
+              <a:cxnSpLocks/>
+              <a:stCxn id="42" idx="2"/>
+              <a:endCxn id="48" idx="0"/>
+            </p:cNvCxnSpPr>
+            <p:nvPr/>
+          </p:nvCxnSpPr>
+          <p:spPr>
+            <a:xfrm>
+              <a:off x="2155520" y="4212233"/>
+              <a:ext cx="0" cy="348349"/>
+            </a:xfrm>
+            <a:prstGeom prst="straightConnector1">
+              <a:avLst/>
+            </a:prstGeom>
+            <a:ln>
+              <a:solidFill>
+                <a:schemeClr val="tx1"/>
+              </a:solidFill>
+              <a:tailEnd type="triangle"/>
+            </a:ln>
+          </p:spPr>
+          <p:style>
+            <a:lnRef idx="1">
+              <a:schemeClr val="accent1"/>
+            </a:lnRef>
+            <a:fillRef idx="0">
+              <a:schemeClr val="accent1"/>
+            </a:fillRef>
+            <a:effectRef idx="0">
+              <a:schemeClr val="accent1"/>
+            </a:effectRef>
+            <a:fontRef idx="minor">
+              <a:schemeClr val="tx1"/>
+            </a:fontRef>
+          </p:style>
+        </p:cxnSp>
+        <p:sp>
+          <p:nvSpPr>
+            <p:cNvPr id="44" name="TextBox 43">
+              <a:extLst>
+                <a:ext uri="{FF2B5EF4-FFF2-40B4-BE49-F238E27FC236}">
+                  <a16:creationId xmlns:a16="http://schemas.microsoft.com/office/drawing/2014/main" id="{E62B35C3-A927-45A0-97ED-F516B9C2F93C}"/>
+                </a:ext>
+              </a:extLst>
+            </p:cNvPr>
+            <p:cNvSpPr txBox="1"/>
+            <p:nvPr/>
+          </p:nvSpPr>
+          <p:spPr>
+            <a:xfrm>
+              <a:off x="2244729" y="4140547"/>
+              <a:ext cx="417538" cy="322705"/>
+            </a:xfrm>
+            <a:prstGeom prst="rect">
+              <a:avLst/>
+            </a:prstGeom>
+            <a:noFill/>
+          </p:spPr>
+          <p:txBody>
+            <a:bodyPr wrap="none" lIns="48000" tIns="48000" rIns="48000" bIns="48000" rtlCol="0">
+              <a:spAutoFit/>
+            </a:bodyPr>
+            <a:lstStyle/>
+            <a:p>
+              <a:r>
+                <a:rPr lang="en-US" altLang="ko-KR" sz="1467" dirty="0"/>
+                <a:t>true</a:t>
+              </a:r>
+              <a:endParaRPr lang="ko-KR" altLang="en-US" sz="1467" dirty="0"/>
+            </a:p>
+          </p:txBody>
+        </p:sp>
+        <p:sp>
+          <p:nvSpPr>
+            <p:cNvPr id="48" name="직사각형 47">
+              <a:extLst>
+                <a:ext uri="{FF2B5EF4-FFF2-40B4-BE49-F238E27FC236}">
+                  <a16:creationId xmlns:a16="http://schemas.microsoft.com/office/drawing/2014/main" id="{E363231D-4655-41A7-ABC1-EFE33C0F8624}"/>
+                </a:ext>
+              </a:extLst>
+            </p:cNvPr>
+            <p:cNvSpPr/>
+            <p:nvPr/>
+          </p:nvSpPr>
+          <p:spPr>
+            <a:xfrm>
+              <a:off x="355520" y="4560582"/>
+              <a:ext cx="3600000" cy="504000"/>
+            </a:xfrm>
+            <a:prstGeom prst="rect">
+              <a:avLst/>
+            </a:prstGeom>
+            <a:noFill/>
+            <a:ln>
+              <a:solidFill>
+                <a:schemeClr val="tx1"/>
+              </a:solidFill>
+            </a:ln>
+          </p:spPr>
+          <p:style>
+            <a:lnRef idx="2">
+              <a:schemeClr val="accent1">
+                <a:shade val="50000"/>
+              </a:schemeClr>
+            </a:lnRef>
+            <a:fillRef idx="1">
+              <a:schemeClr val="accent1"/>
+            </a:fillRef>
+            <a:effectRef idx="0">
+              <a:schemeClr val="accent1"/>
+            </a:effectRef>
+            <a:fontRef idx="minor">
+              <a:schemeClr val="lt1"/>
+            </a:fontRef>
+          </p:style>
+          <p:txBody>
+            <a:bodyPr rtlCol="0" anchor="ctr"/>
+            <a:lstStyle/>
+            <a:p>
+              <a:pPr algn="ctr"/>
+              <a:r>
+                <a:rPr lang="en-US" altLang="ko-KR" sz="1467" dirty="0">
+                  <a:solidFill>
+                    <a:sysClr val="windowText" lastClr="000000"/>
+                  </a:solidFill>
+                </a:rPr>
+                <a:t>sum += (n / </a:t>
+              </a:r>
+              <a:r>
+                <a:rPr lang="en-US" altLang="ko-KR" sz="1467" dirty="0" err="1">
+                  <a:solidFill>
+                    <a:sysClr val="windowText" lastClr="000000"/>
+                  </a:solidFill>
+                </a:rPr>
+                <a:t>i</a:t>
+              </a:r>
+              <a:r>
+                <a:rPr lang="en-US" altLang="ko-KR" sz="1467" dirty="0">
+                  <a:solidFill>
+                    <a:sysClr val="windowText" lastClr="000000"/>
+                  </a:solidFill>
+                </a:rPr>
+                <a:t>)</a:t>
+              </a:r>
+            </a:p>
+          </p:txBody>
+        </p:sp>
+      </p:grpSp>
+    </p:spTree>
+    <p:extLst>
+      <p:ext uri="{BB962C8B-B14F-4D97-AF65-F5344CB8AC3E}">
+        <p14:creationId xmlns:p14="http://schemas.microsoft.com/office/powerpoint/2010/main" val="1030881496"/>
+      </p:ext>
+    </p:extLst>
+  </p:cSld>
+  <p:clrMapOvr>
+    <a:masterClrMapping/>
+  </p:clrMapOvr>
+</p:sld>
+</file>
+
 <file path=ppt/slides/slide3.xml><?xml version="1.0" encoding="utf-8"?>
 <p:sld xmlns:a="http://schemas.openxmlformats.org/drawingml/2006/main" xmlns:r="http://schemas.openxmlformats.org/officeDocument/2006/relationships" xmlns:p="http://schemas.openxmlformats.org/presentationml/2006/main">
   <p:cSld>

--- a/알고리즘_프로그래머스_Level01_순서도.pptx
+++ b/알고리즘_프로그래머스_Level01_순서도.pptx
@@ -26,6 +26,7 @@
     <p:sldId id="279" r:id="rId20"/>
     <p:sldId id="280" r:id="rId21"/>
     <p:sldId id="281" r:id="rId22"/>
+    <p:sldId id="282" r:id="rId23"/>
   </p:sldIdLst>
   <p:sldSz cx="6858000" cy="9144000" type="screen4x3"/>
   <p:notesSz cx="6858000" cy="9144000"/>
@@ -14985,6 +14986,1665 @@
 </p:sld>
 </file>
 
+<file path=ppt/slides/slide22.xml><?xml version="1.0" encoding="utf-8"?>
+<p:sld xmlns:a="http://schemas.openxmlformats.org/drawingml/2006/main" xmlns:r="http://schemas.openxmlformats.org/officeDocument/2006/relationships" xmlns:p="http://schemas.openxmlformats.org/presentationml/2006/main">
+  <p:cSld>
+    <p:spTree>
+      <p:nvGrpSpPr>
+        <p:cNvPr id="1" name=""/>
+        <p:cNvGrpSpPr/>
+        <p:nvPr/>
+      </p:nvGrpSpPr>
+      <p:grpSpPr>
+        <a:xfrm>
+          <a:off x="0" y="0"/>
+          <a:ext cx="0" cy="0"/>
+          <a:chOff x="0" y="0"/>
+          <a:chExt cx="0" cy="0"/>
+        </a:xfrm>
+      </p:grpSpPr>
+      <p:sp>
+        <p:nvSpPr>
+          <p:cNvPr id="4" name="제목 3">
+            <a:extLst>
+              <a:ext uri="{FF2B5EF4-FFF2-40B4-BE49-F238E27FC236}">
+                <a16:creationId xmlns:a16="http://schemas.microsoft.com/office/drawing/2014/main" id="{30BAC889-89EF-449A-A9AB-0AA582E87CB5}"/>
+              </a:ext>
+            </a:extLst>
+          </p:cNvPr>
+          <p:cNvSpPr>
+            <a:spLocks noGrp="1"/>
+          </p:cNvSpPr>
+          <p:nvPr>
+            <p:ph type="title"/>
+          </p:nvPr>
+        </p:nvSpPr>
+        <p:spPr/>
+        <p:txBody>
+          <a:bodyPr/>
+          <a:lstStyle/>
+          <a:p>
+            <a:r>
+              <a:rPr lang="ko-KR" altLang="en-US" dirty="0"/>
+              <a:t>이상한 문자 만들기 </a:t>
+            </a:r>
+            <a:r>
+              <a:rPr lang="en-US" altLang="ko-KR" dirty="0"/>
+              <a:t>(01.19)</a:t>
+            </a:r>
+            <a:endParaRPr lang="ko-KR" altLang="en-US" dirty="0"/>
+          </a:p>
+        </p:txBody>
+      </p:sp>
+      <p:grpSp>
+        <p:nvGrpSpPr>
+          <p:cNvPr id="18" name="그룹 17">
+            <a:extLst>
+              <a:ext uri="{FF2B5EF4-FFF2-40B4-BE49-F238E27FC236}">
+                <a16:creationId xmlns:a16="http://schemas.microsoft.com/office/drawing/2014/main" id="{E9423AE4-C68C-4F72-8E86-1B0D3825D5D2}"/>
+              </a:ext>
+            </a:extLst>
+          </p:cNvPr>
+          <p:cNvGrpSpPr/>
+          <p:nvPr/>
+        </p:nvGrpSpPr>
+        <p:grpSpPr>
+          <a:xfrm>
+            <a:off x="355520" y="1175678"/>
+            <a:ext cx="5953480" cy="3544998"/>
+            <a:chOff x="355520" y="1175678"/>
+            <a:chExt cx="5953480" cy="3544998"/>
+          </a:xfrm>
+        </p:grpSpPr>
+        <p:sp>
+          <p:nvSpPr>
+            <p:cNvPr id="5" name="직사각형 4">
+              <a:extLst>
+                <a:ext uri="{FF2B5EF4-FFF2-40B4-BE49-F238E27FC236}">
+                  <a16:creationId xmlns:a16="http://schemas.microsoft.com/office/drawing/2014/main" id="{03882C51-1F0D-4F1D-AE83-D0C9456E828D}"/>
+                </a:ext>
+              </a:extLst>
+            </p:cNvPr>
+            <p:cNvSpPr/>
+            <p:nvPr/>
+          </p:nvSpPr>
+          <p:spPr>
+            <a:xfrm>
+              <a:off x="355520" y="1175678"/>
+              <a:ext cx="2880000" cy="504000"/>
+            </a:xfrm>
+            <a:prstGeom prst="rect">
+              <a:avLst/>
+            </a:prstGeom>
+            <a:noFill/>
+            <a:ln>
+              <a:solidFill>
+                <a:schemeClr val="tx1"/>
+              </a:solidFill>
+            </a:ln>
+          </p:spPr>
+          <p:style>
+            <a:lnRef idx="2">
+              <a:schemeClr val="accent1">
+                <a:shade val="50000"/>
+              </a:schemeClr>
+            </a:lnRef>
+            <a:fillRef idx="1">
+              <a:schemeClr val="accent1"/>
+            </a:fillRef>
+            <a:effectRef idx="0">
+              <a:schemeClr val="accent1"/>
+            </a:effectRef>
+            <a:fontRef idx="minor">
+              <a:schemeClr val="lt1"/>
+            </a:fontRef>
+          </p:style>
+          <p:txBody>
+            <a:bodyPr rtlCol="0" anchor="ctr"/>
+            <a:lstStyle/>
+            <a:p>
+              <a:pPr algn="ctr"/>
+              <a:r>
+                <a:rPr lang="ko-KR" altLang="en-US" sz="1467" dirty="0">
+                  <a:solidFill>
+                    <a:sysClr val="windowText" lastClr="000000"/>
+                  </a:solidFill>
+                </a:rPr>
+                <a:t>문자열을 공백 기준으로 나눈다</a:t>
+              </a:r>
+              <a:endParaRPr lang="en-US" altLang="ko-KR" sz="1467" dirty="0">
+                <a:solidFill>
+                  <a:sysClr val="windowText" lastClr="000000"/>
+                </a:solidFill>
+              </a:endParaRPr>
+            </a:p>
+          </p:txBody>
+        </p:sp>
+        <p:cxnSp>
+          <p:nvCxnSpPr>
+            <p:cNvPr id="6" name="직선 화살표 연결선 5">
+              <a:extLst>
+                <a:ext uri="{FF2B5EF4-FFF2-40B4-BE49-F238E27FC236}">
+                  <a16:creationId xmlns:a16="http://schemas.microsoft.com/office/drawing/2014/main" id="{304DBAFC-8442-4E60-89F1-15CD0C9F91C5}"/>
+                </a:ext>
+              </a:extLst>
+            </p:cNvPr>
+            <p:cNvCxnSpPr>
+              <a:cxnSpLocks/>
+              <a:stCxn id="5" idx="2"/>
+              <a:endCxn id="33" idx="0"/>
+            </p:cNvCxnSpPr>
+            <p:nvPr/>
+          </p:nvCxnSpPr>
+          <p:spPr>
+            <a:xfrm>
+              <a:off x="1795520" y="1679678"/>
+              <a:ext cx="4" cy="346109"/>
+            </a:xfrm>
+            <a:prstGeom prst="straightConnector1">
+              <a:avLst/>
+            </a:prstGeom>
+            <a:ln>
+              <a:solidFill>
+                <a:schemeClr val="tx1"/>
+              </a:solidFill>
+              <a:tailEnd type="triangle"/>
+            </a:ln>
+          </p:spPr>
+          <p:style>
+            <a:lnRef idx="1">
+              <a:schemeClr val="accent1"/>
+            </a:lnRef>
+            <a:fillRef idx="0">
+              <a:schemeClr val="accent1"/>
+            </a:fillRef>
+            <a:effectRef idx="0">
+              <a:schemeClr val="accent1"/>
+            </a:effectRef>
+            <a:fontRef idx="minor">
+              <a:schemeClr val="tx1"/>
+            </a:fontRef>
+          </p:style>
+        </p:cxnSp>
+        <p:sp>
+          <p:nvSpPr>
+            <p:cNvPr id="33" name="다이아몬드 32">
+              <a:extLst>
+                <a:ext uri="{FF2B5EF4-FFF2-40B4-BE49-F238E27FC236}">
+                  <a16:creationId xmlns:a16="http://schemas.microsoft.com/office/drawing/2014/main" id="{A7A7C0DC-62D6-4535-A308-6423C87C8554}"/>
+                </a:ext>
+              </a:extLst>
+            </p:cNvPr>
+            <p:cNvSpPr/>
+            <p:nvPr/>
+          </p:nvSpPr>
+          <p:spPr>
+            <a:xfrm>
+              <a:off x="355524" y="2025787"/>
+              <a:ext cx="2880000" cy="499557"/>
+            </a:xfrm>
+            <a:prstGeom prst="diamond">
+              <a:avLst/>
+            </a:prstGeom>
+            <a:noFill/>
+            <a:ln>
+              <a:solidFill>
+                <a:schemeClr val="tx1"/>
+              </a:solidFill>
+            </a:ln>
+          </p:spPr>
+          <p:style>
+            <a:lnRef idx="2">
+              <a:schemeClr val="accent1">
+                <a:shade val="50000"/>
+              </a:schemeClr>
+            </a:lnRef>
+            <a:fillRef idx="1">
+              <a:schemeClr val="accent1"/>
+            </a:fillRef>
+            <a:effectRef idx="0">
+              <a:schemeClr val="accent1"/>
+            </a:effectRef>
+            <a:fontRef idx="minor">
+              <a:schemeClr val="lt1"/>
+            </a:fontRef>
+          </p:style>
+          <p:txBody>
+            <a:bodyPr rtlCol="0" anchor="ctr"/>
+            <a:lstStyle/>
+            <a:p>
+              <a:pPr algn="ctr"/>
+              <a:r>
+                <a:rPr lang="en-US" altLang="ko-KR" sz="1467" dirty="0" err="1">
+                  <a:solidFill>
+                    <a:sysClr val="windowText" lastClr="000000"/>
+                  </a:solidFill>
+                </a:rPr>
+                <a:t>i</a:t>
+              </a:r>
+              <a:r>
+                <a:rPr lang="en-US" altLang="ko-KR" sz="1467" dirty="0">
+                  <a:solidFill>
+                    <a:sysClr val="windowText" lastClr="000000"/>
+                  </a:solidFill>
+                </a:rPr>
+                <a:t> %2 == 0</a:t>
+              </a:r>
+            </a:p>
+          </p:txBody>
+        </p:sp>
+        <p:cxnSp>
+          <p:nvCxnSpPr>
+            <p:cNvPr id="34" name="직선 화살표 연결선 33">
+              <a:extLst>
+                <a:ext uri="{FF2B5EF4-FFF2-40B4-BE49-F238E27FC236}">
+                  <a16:creationId xmlns:a16="http://schemas.microsoft.com/office/drawing/2014/main" id="{22D0AC44-D4DD-4FAB-9457-66DA5FB4119C}"/>
+                </a:ext>
+              </a:extLst>
+            </p:cNvPr>
+            <p:cNvCxnSpPr>
+              <a:cxnSpLocks/>
+              <a:stCxn id="33" idx="2"/>
+              <a:endCxn id="35" idx="0"/>
+            </p:cNvCxnSpPr>
+            <p:nvPr/>
+          </p:nvCxnSpPr>
+          <p:spPr>
+            <a:xfrm flipH="1">
+              <a:off x="1795520" y="2525344"/>
+              <a:ext cx="4" cy="341666"/>
+            </a:xfrm>
+            <a:prstGeom prst="straightConnector1">
+              <a:avLst/>
+            </a:prstGeom>
+            <a:ln>
+              <a:solidFill>
+                <a:schemeClr val="tx1"/>
+              </a:solidFill>
+              <a:tailEnd type="triangle"/>
+            </a:ln>
+          </p:spPr>
+          <p:style>
+            <a:lnRef idx="1">
+              <a:schemeClr val="accent1"/>
+            </a:lnRef>
+            <a:fillRef idx="0">
+              <a:schemeClr val="accent1"/>
+            </a:fillRef>
+            <a:effectRef idx="0">
+              <a:schemeClr val="accent1"/>
+            </a:effectRef>
+            <a:fontRef idx="minor">
+              <a:schemeClr val="tx1"/>
+            </a:fontRef>
+          </p:style>
+        </p:cxnSp>
+        <p:sp>
+          <p:nvSpPr>
+            <p:cNvPr id="35" name="직사각형 34">
+              <a:extLst>
+                <a:ext uri="{FF2B5EF4-FFF2-40B4-BE49-F238E27FC236}">
+                  <a16:creationId xmlns:a16="http://schemas.microsoft.com/office/drawing/2014/main" id="{328A2F09-56A6-4C93-9F89-DAAAECC1721D}"/>
+                </a:ext>
+              </a:extLst>
+            </p:cNvPr>
+            <p:cNvSpPr/>
+            <p:nvPr/>
+          </p:nvSpPr>
+          <p:spPr>
+            <a:xfrm>
+              <a:off x="355520" y="2867010"/>
+              <a:ext cx="2880000" cy="504000"/>
+            </a:xfrm>
+            <a:prstGeom prst="rect">
+              <a:avLst/>
+            </a:prstGeom>
+            <a:noFill/>
+            <a:ln>
+              <a:solidFill>
+                <a:schemeClr val="tx1"/>
+              </a:solidFill>
+            </a:ln>
+          </p:spPr>
+          <p:style>
+            <a:lnRef idx="2">
+              <a:schemeClr val="accent1">
+                <a:shade val="50000"/>
+              </a:schemeClr>
+            </a:lnRef>
+            <a:fillRef idx="1">
+              <a:schemeClr val="accent1"/>
+            </a:fillRef>
+            <a:effectRef idx="0">
+              <a:schemeClr val="accent1"/>
+            </a:effectRef>
+            <a:fontRef idx="minor">
+              <a:schemeClr val="lt1"/>
+            </a:fontRef>
+          </p:style>
+          <p:txBody>
+            <a:bodyPr rtlCol="0" anchor="ctr"/>
+            <a:lstStyle/>
+            <a:p>
+              <a:pPr algn="ctr"/>
+              <a:r>
+                <a:rPr lang="en-US" altLang="ko-KR" sz="1467" dirty="0" err="1">
+                  <a:solidFill>
+                    <a:sysClr val="windowText" lastClr="000000"/>
+                  </a:solidFill>
+                </a:rPr>
+                <a:t>charAt</a:t>
+              </a:r>
+              <a:r>
+                <a:rPr lang="en-US" altLang="ko-KR" sz="1467" dirty="0">
+                  <a:solidFill>
+                    <a:sysClr val="windowText" lastClr="000000"/>
+                  </a:solidFill>
+                </a:rPr>
+                <a:t>(</a:t>
+              </a:r>
+              <a:r>
+                <a:rPr lang="en-US" altLang="ko-KR" sz="1467" dirty="0" err="1">
+                  <a:solidFill>
+                    <a:sysClr val="windowText" lastClr="000000"/>
+                  </a:solidFill>
+                </a:rPr>
+                <a:t>i</a:t>
+              </a:r>
+              <a:r>
+                <a:rPr lang="en-US" altLang="ko-KR" sz="1467" dirty="0">
+                  <a:solidFill>
+                    <a:sysClr val="windowText" lastClr="000000"/>
+                  </a:solidFill>
+                </a:rPr>
+                <a:t>)</a:t>
+              </a:r>
+              <a:r>
+                <a:rPr lang="ko-KR" altLang="en-US" sz="1467" dirty="0">
+                  <a:solidFill>
+                    <a:sysClr val="windowText" lastClr="000000"/>
+                  </a:solidFill>
+                </a:rPr>
+                <a:t>를 대문자로 바꾼다</a:t>
+              </a:r>
+              <a:endParaRPr lang="en-US" altLang="ko-KR" sz="1467" dirty="0">
+                <a:solidFill>
+                  <a:sysClr val="windowText" lastClr="000000"/>
+                </a:solidFill>
+              </a:endParaRPr>
+            </a:p>
+          </p:txBody>
+        </p:sp>
+        <p:sp>
+          <p:nvSpPr>
+            <p:cNvPr id="37" name="TextBox 36">
+              <a:extLst>
+                <a:ext uri="{FF2B5EF4-FFF2-40B4-BE49-F238E27FC236}">
+                  <a16:creationId xmlns:a16="http://schemas.microsoft.com/office/drawing/2014/main" id="{2892E5CA-D35D-4771-AC21-453A987C3D5F}"/>
+                </a:ext>
+              </a:extLst>
+            </p:cNvPr>
+            <p:cNvSpPr txBox="1"/>
+            <p:nvPr/>
+          </p:nvSpPr>
+          <p:spPr>
+            <a:xfrm>
+              <a:off x="2244729" y="2453658"/>
+              <a:ext cx="417538" cy="322705"/>
+            </a:xfrm>
+            <a:prstGeom prst="rect">
+              <a:avLst/>
+            </a:prstGeom>
+            <a:noFill/>
+          </p:spPr>
+          <p:txBody>
+            <a:bodyPr wrap="none" lIns="48000" tIns="48000" rIns="48000" bIns="48000" rtlCol="0">
+              <a:spAutoFit/>
+            </a:bodyPr>
+            <a:lstStyle/>
+            <a:p>
+              <a:r>
+                <a:rPr lang="en-US" altLang="ko-KR" sz="1467" dirty="0"/>
+                <a:t>true</a:t>
+              </a:r>
+              <a:endParaRPr lang="ko-KR" altLang="en-US" sz="1467" dirty="0"/>
+            </a:p>
+          </p:txBody>
+        </p:sp>
+        <p:cxnSp>
+          <p:nvCxnSpPr>
+            <p:cNvPr id="41" name="직선 화살표 연결선 40">
+              <a:extLst>
+                <a:ext uri="{FF2B5EF4-FFF2-40B4-BE49-F238E27FC236}">
+                  <a16:creationId xmlns:a16="http://schemas.microsoft.com/office/drawing/2014/main" id="{F725DD6A-9BE2-4976-9379-441B76954BF3}"/>
+                </a:ext>
+              </a:extLst>
+            </p:cNvPr>
+            <p:cNvCxnSpPr>
+              <a:cxnSpLocks/>
+              <a:stCxn id="35" idx="2"/>
+              <a:endCxn id="48" idx="0"/>
+            </p:cNvCxnSpPr>
+            <p:nvPr/>
+          </p:nvCxnSpPr>
+          <p:spPr>
+            <a:xfrm>
+              <a:off x="1795520" y="3371010"/>
+              <a:ext cx="0" cy="845666"/>
+            </a:xfrm>
+            <a:prstGeom prst="straightConnector1">
+              <a:avLst/>
+            </a:prstGeom>
+            <a:ln>
+              <a:solidFill>
+                <a:schemeClr val="tx1"/>
+              </a:solidFill>
+              <a:tailEnd type="triangle"/>
+            </a:ln>
+          </p:spPr>
+          <p:style>
+            <a:lnRef idx="1">
+              <a:schemeClr val="accent1"/>
+            </a:lnRef>
+            <a:fillRef idx="0">
+              <a:schemeClr val="accent1"/>
+            </a:fillRef>
+            <a:effectRef idx="0">
+              <a:schemeClr val="accent1"/>
+            </a:effectRef>
+            <a:fontRef idx="minor">
+              <a:schemeClr val="tx1"/>
+            </a:fontRef>
+          </p:style>
+        </p:cxnSp>
+        <p:sp>
+          <p:nvSpPr>
+            <p:cNvPr id="48" name="직사각형 47">
+              <a:extLst>
+                <a:ext uri="{FF2B5EF4-FFF2-40B4-BE49-F238E27FC236}">
+                  <a16:creationId xmlns:a16="http://schemas.microsoft.com/office/drawing/2014/main" id="{E363231D-4655-41A7-ABC1-EFE33C0F8624}"/>
+                </a:ext>
+              </a:extLst>
+            </p:cNvPr>
+            <p:cNvSpPr/>
+            <p:nvPr/>
+          </p:nvSpPr>
+          <p:spPr>
+            <a:xfrm>
+              <a:off x="355520" y="4216676"/>
+              <a:ext cx="2880000" cy="504000"/>
+            </a:xfrm>
+            <a:prstGeom prst="rect">
+              <a:avLst/>
+            </a:prstGeom>
+            <a:noFill/>
+            <a:ln>
+              <a:solidFill>
+                <a:schemeClr val="tx1"/>
+              </a:solidFill>
+            </a:ln>
+          </p:spPr>
+          <p:style>
+            <a:lnRef idx="2">
+              <a:schemeClr val="accent1">
+                <a:shade val="50000"/>
+              </a:schemeClr>
+            </a:lnRef>
+            <a:fillRef idx="1">
+              <a:schemeClr val="accent1"/>
+            </a:fillRef>
+            <a:effectRef idx="0">
+              <a:schemeClr val="accent1"/>
+            </a:effectRef>
+            <a:fontRef idx="minor">
+              <a:schemeClr val="lt1"/>
+            </a:fontRef>
+          </p:style>
+          <p:txBody>
+            <a:bodyPr rtlCol="0" anchor="ctr"/>
+            <a:lstStyle/>
+            <a:p>
+              <a:pPr algn="ctr"/>
+              <a:r>
+                <a:rPr lang="ko-KR" altLang="en-US" sz="1467" dirty="0">
+                  <a:solidFill>
+                    <a:sysClr val="windowText" lastClr="000000"/>
+                  </a:solidFill>
+                </a:rPr>
+                <a:t>문자열을 합친다</a:t>
+              </a:r>
+              <a:endParaRPr lang="en-US" altLang="ko-KR" sz="1467" dirty="0">
+                <a:solidFill>
+                  <a:sysClr val="windowText" lastClr="000000"/>
+                </a:solidFill>
+              </a:endParaRPr>
+            </a:p>
+          </p:txBody>
+        </p:sp>
+        <p:sp>
+          <p:nvSpPr>
+            <p:cNvPr id="17" name="직사각형 16">
+              <a:extLst>
+                <a:ext uri="{FF2B5EF4-FFF2-40B4-BE49-F238E27FC236}">
+                  <a16:creationId xmlns:a16="http://schemas.microsoft.com/office/drawing/2014/main" id="{BA1E09BC-5BC9-428C-B626-2C792D7A8051}"/>
+                </a:ext>
+              </a:extLst>
+            </p:cNvPr>
+            <p:cNvSpPr/>
+            <p:nvPr/>
+          </p:nvSpPr>
+          <p:spPr>
+            <a:xfrm>
+              <a:off x="3429000" y="2867010"/>
+              <a:ext cx="2880000" cy="504000"/>
+            </a:xfrm>
+            <a:prstGeom prst="rect">
+              <a:avLst/>
+            </a:prstGeom>
+            <a:noFill/>
+            <a:ln>
+              <a:solidFill>
+                <a:schemeClr val="tx1"/>
+              </a:solidFill>
+            </a:ln>
+          </p:spPr>
+          <p:style>
+            <a:lnRef idx="2">
+              <a:schemeClr val="accent1">
+                <a:shade val="50000"/>
+              </a:schemeClr>
+            </a:lnRef>
+            <a:fillRef idx="1">
+              <a:schemeClr val="accent1"/>
+            </a:fillRef>
+            <a:effectRef idx="0">
+              <a:schemeClr val="accent1"/>
+            </a:effectRef>
+            <a:fontRef idx="minor">
+              <a:schemeClr val="lt1"/>
+            </a:fontRef>
+          </p:style>
+          <p:txBody>
+            <a:bodyPr rtlCol="0" anchor="ctr"/>
+            <a:lstStyle/>
+            <a:p>
+              <a:pPr algn="ctr"/>
+              <a:r>
+                <a:rPr lang="en-US" altLang="ko-KR" sz="1467" dirty="0" err="1">
+                  <a:solidFill>
+                    <a:sysClr val="windowText" lastClr="000000"/>
+                  </a:solidFill>
+                </a:rPr>
+                <a:t>charAt</a:t>
+              </a:r>
+              <a:r>
+                <a:rPr lang="en-US" altLang="ko-KR" sz="1467" dirty="0">
+                  <a:solidFill>
+                    <a:sysClr val="windowText" lastClr="000000"/>
+                  </a:solidFill>
+                </a:rPr>
+                <a:t>(</a:t>
+              </a:r>
+              <a:r>
+                <a:rPr lang="en-US" altLang="ko-KR" sz="1467" dirty="0" err="1">
+                  <a:solidFill>
+                    <a:sysClr val="windowText" lastClr="000000"/>
+                  </a:solidFill>
+                </a:rPr>
+                <a:t>i</a:t>
+              </a:r>
+              <a:r>
+                <a:rPr lang="en-US" altLang="ko-KR" sz="1467" dirty="0">
+                  <a:solidFill>
+                    <a:sysClr val="windowText" lastClr="000000"/>
+                  </a:solidFill>
+                </a:rPr>
+                <a:t>)</a:t>
+              </a:r>
+              <a:r>
+                <a:rPr lang="ko-KR" altLang="en-US" sz="1467" dirty="0">
+                  <a:solidFill>
+                    <a:sysClr val="windowText" lastClr="000000"/>
+                  </a:solidFill>
+                </a:rPr>
+                <a:t>를 소문자로 바꾼다</a:t>
+              </a:r>
+              <a:endParaRPr lang="en-US" altLang="ko-KR" sz="1467" dirty="0">
+                <a:solidFill>
+                  <a:sysClr val="windowText" lastClr="000000"/>
+                </a:solidFill>
+              </a:endParaRPr>
+            </a:p>
+          </p:txBody>
+        </p:sp>
+        <p:cxnSp>
+          <p:nvCxnSpPr>
+            <p:cNvPr id="8" name="연결선: 꺾임 7">
+              <a:extLst>
+                <a:ext uri="{FF2B5EF4-FFF2-40B4-BE49-F238E27FC236}">
+                  <a16:creationId xmlns:a16="http://schemas.microsoft.com/office/drawing/2014/main" id="{50D90704-A456-4463-8138-FF108FE27B14}"/>
+                </a:ext>
+              </a:extLst>
+            </p:cNvPr>
+            <p:cNvCxnSpPr>
+              <a:stCxn id="33" idx="3"/>
+              <a:endCxn id="17" idx="0"/>
+            </p:cNvCxnSpPr>
+            <p:nvPr/>
+          </p:nvCxnSpPr>
+          <p:spPr>
+            <a:xfrm>
+              <a:off x="3235524" y="2275566"/>
+              <a:ext cx="1633476" cy="591444"/>
+            </a:xfrm>
+            <a:prstGeom prst="bentConnector2">
+              <a:avLst/>
+            </a:prstGeom>
+            <a:ln>
+              <a:solidFill>
+                <a:schemeClr val="tx1"/>
+              </a:solidFill>
+              <a:tailEnd type="triangle"/>
+            </a:ln>
+          </p:spPr>
+          <p:style>
+            <a:lnRef idx="1">
+              <a:schemeClr val="accent1"/>
+            </a:lnRef>
+            <a:fillRef idx="0">
+              <a:schemeClr val="accent1"/>
+            </a:fillRef>
+            <a:effectRef idx="0">
+              <a:schemeClr val="accent1"/>
+            </a:effectRef>
+            <a:fontRef idx="minor">
+              <a:schemeClr val="tx1"/>
+            </a:fontRef>
+          </p:style>
+        </p:cxnSp>
+        <p:sp>
+          <p:nvSpPr>
+            <p:cNvPr id="20" name="TextBox 19">
+              <a:extLst>
+                <a:ext uri="{FF2B5EF4-FFF2-40B4-BE49-F238E27FC236}">
+                  <a16:creationId xmlns:a16="http://schemas.microsoft.com/office/drawing/2014/main" id="{6551598E-D2A1-46B9-9D13-E428AB78BCF3}"/>
+                </a:ext>
+              </a:extLst>
+            </p:cNvPr>
+            <p:cNvSpPr txBox="1"/>
+            <p:nvPr/>
+          </p:nvSpPr>
+          <p:spPr>
+            <a:xfrm>
+              <a:off x="3977818" y="1942862"/>
+              <a:ext cx="450752" cy="322705"/>
+            </a:xfrm>
+            <a:prstGeom prst="rect">
+              <a:avLst/>
+            </a:prstGeom>
+            <a:noFill/>
+          </p:spPr>
+          <p:txBody>
+            <a:bodyPr wrap="none" lIns="48000" tIns="48000" rIns="48000" bIns="48000" rtlCol="0">
+              <a:spAutoFit/>
+            </a:bodyPr>
+            <a:lstStyle/>
+            <a:p>
+              <a:r>
+                <a:rPr lang="en-US" altLang="ko-KR" sz="1467" dirty="0"/>
+                <a:t>false</a:t>
+              </a:r>
+              <a:endParaRPr lang="ko-KR" altLang="en-US" sz="1467" dirty="0"/>
+            </a:p>
+          </p:txBody>
+        </p:sp>
+        <p:cxnSp>
+          <p:nvCxnSpPr>
+            <p:cNvPr id="11" name="연결선: 꺾임 10">
+              <a:extLst>
+                <a:ext uri="{FF2B5EF4-FFF2-40B4-BE49-F238E27FC236}">
+                  <a16:creationId xmlns:a16="http://schemas.microsoft.com/office/drawing/2014/main" id="{559399D1-E5BF-44B2-8F5D-EFC94C062483}"/>
+                </a:ext>
+              </a:extLst>
+            </p:cNvPr>
+            <p:cNvCxnSpPr>
+              <a:cxnSpLocks/>
+              <a:stCxn id="17" idx="2"/>
+            </p:cNvCxnSpPr>
+            <p:nvPr/>
+          </p:nvCxnSpPr>
+          <p:spPr>
+            <a:xfrm rot="5400000">
+              <a:off x="3161427" y="2005103"/>
+              <a:ext cx="341666" cy="3073480"/>
+            </a:xfrm>
+            <a:prstGeom prst="bentConnector2">
+              <a:avLst/>
+            </a:prstGeom>
+            <a:ln>
+              <a:solidFill>
+                <a:schemeClr val="tx1"/>
+              </a:solidFill>
+              <a:tailEnd type="triangle"/>
+            </a:ln>
+          </p:spPr>
+          <p:style>
+            <a:lnRef idx="1">
+              <a:schemeClr val="accent1"/>
+            </a:lnRef>
+            <a:fillRef idx="0">
+              <a:schemeClr val="accent1"/>
+            </a:fillRef>
+            <a:effectRef idx="0">
+              <a:schemeClr val="accent1"/>
+            </a:effectRef>
+            <a:fontRef idx="minor">
+              <a:schemeClr val="tx1"/>
+            </a:fontRef>
+          </p:style>
+        </p:cxnSp>
+      </p:grpSp>
+      <p:grpSp>
+        <p:nvGrpSpPr>
+          <p:cNvPr id="61" name="그룹 60">
+            <a:extLst>
+              <a:ext uri="{FF2B5EF4-FFF2-40B4-BE49-F238E27FC236}">
+                <a16:creationId xmlns:a16="http://schemas.microsoft.com/office/drawing/2014/main" id="{68903D0E-E32C-45C7-8472-655E3D647C2B}"/>
+              </a:ext>
+            </a:extLst>
+          </p:cNvPr>
+          <p:cNvGrpSpPr/>
+          <p:nvPr/>
+        </p:nvGrpSpPr>
+        <p:grpSpPr>
+          <a:xfrm>
+            <a:off x="355520" y="5112059"/>
+            <a:ext cx="5953480" cy="3683656"/>
+            <a:chOff x="355520" y="5112059"/>
+            <a:chExt cx="5953480" cy="3683656"/>
+          </a:xfrm>
+        </p:grpSpPr>
+        <p:sp>
+          <p:nvSpPr>
+            <p:cNvPr id="31" name="직사각형 30">
+              <a:extLst>
+                <a:ext uri="{FF2B5EF4-FFF2-40B4-BE49-F238E27FC236}">
+                  <a16:creationId xmlns:a16="http://schemas.microsoft.com/office/drawing/2014/main" id="{6C494107-658D-4DDB-B5CD-6370D8EF1541}"/>
+                </a:ext>
+              </a:extLst>
+            </p:cNvPr>
+            <p:cNvSpPr/>
+            <p:nvPr/>
+          </p:nvSpPr>
+          <p:spPr>
+            <a:xfrm>
+              <a:off x="355520" y="5112059"/>
+              <a:ext cx="2880000" cy="504000"/>
+            </a:xfrm>
+            <a:prstGeom prst="rect">
+              <a:avLst/>
+            </a:prstGeom>
+            <a:noFill/>
+            <a:ln>
+              <a:solidFill>
+                <a:schemeClr val="tx1"/>
+              </a:solidFill>
+            </a:ln>
+          </p:spPr>
+          <p:style>
+            <a:lnRef idx="2">
+              <a:schemeClr val="accent1">
+                <a:shade val="50000"/>
+              </a:schemeClr>
+            </a:lnRef>
+            <a:fillRef idx="1">
+              <a:schemeClr val="accent1"/>
+            </a:fillRef>
+            <a:effectRef idx="0">
+              <a:schemeClr val="accent1"/>
+            </a:effectRef>
+            <a:fontRef idx="minor">
+              <a:schemeClr val="lt1"/>
+            </a:fontRef>
+          </p:style>
+          <p:txBody>
+            <a:bodyPr rtlCol="0" anchor="ctr"/>
+            <a:lstStyle/>
+            <a:p>
+              <a:pPr algn="ctr"/>
+              <a:r>
+                <a:rPr lang="en-US" altLang="ko-KR" sz="1467" dirty="0">
+                  <a:solidFill>
+                    <a:sysClr val="windowText" lastClr="000000"/>
+                  </a:solidFill>
+                </a:rPr>
+                <a:t>index</a:t>
+              </a:r>
+              <a:r>
+                <a:rPr lang="ko-KR" altLang="en-US" sz="1467" dirty="0">
+                  <a:solidFill>
+                    <a:sysClr val="windowText" lastClr="000000"/>
+                  </a:solidFill>
+                </a:rPr>
+                <a:t> </a:t>
+              </a:r>
+              <a:r>
+                <a:rPr lang="en-US" altLang="ko-KR" sz="1467" dirty="0">
+                  <a:solidFill>
+                    <a:sysClr val="windowText" lastClr="000000"/>
+                  </a:solidFill>
+                </a:rPr>
+                <a:t>=</a:t>
+              </a:r>
+              <a:r>
+                <a:rPr lang="ko-KR" altLang="en-US" sz="1467" dirty="0">
+                  <a:solidFill>
+                    <a:sysClr val="windowText" lastClr="000000"/>
+                  </a:solidFill>
+                </a:rPr>
+                <a:t> </a:t>
+              </a:r>
+              <a:r>
+                <a:rPr lang="en-US" altLang="ko-KR" sz="1467" dirty="0">
+                  <a:solidFill>
+                    <a:sysClr val="windowText" lastClr="000000"/>
+                  </a:solidFill>
+                </a:rPr>
+                <a:t>0; word = “”</a:t>
+              </a:r>
+            </a:p>
+          </p:txBody>
+        </p:sp>
+        <p:cxnSp>
+          <p:nvCxnSpPr>
+            <p:cNvPr id="32" name="직선 화살표 연결선 31">
+              <a:extLst>
+                <a:ext uri="{FF2B5EF4-FFF2-40B4-BE49-F238E27FC236}">
+                  <a16:creationId xmlns:a16="http://schemas.microsoft.com/office/drawing/2014/main" id="{B0B95EB3-C2F3-4E2C-AE02-96B86A421924}"/>
+                </a:ext>
+              </a:extLst>
+            </p:cNvPr>
+            <p:cNvCxnSpPr>
+              <a:cxnSpLocks/>
+              <a:stCxn id="31" idx="2"/>
+              <a:endCxn id="36" idx="0"/>
+            </p:cNvCxnSpPr>
+            <p:nvPr/>
+          </p:nvCxnSpPr>
+          <p:spPr>
+            <a:xfrm>
+              <a:off x="1795520" y="5616059"/>
+              <a:ext cx="4" cy="346109"/>
+            </a:xfrm>
+            <a:prstGeom prst="straightConnector1">
+              <a:avLst/>
+            </a:prstGeom>
+            <a:ln>
+              <a:solidFill>
+                <a:schemeClr val="tx1"/>
+              </a:solidFill>
+              <a:tailEnd type="triangle"/>
+            </a:ln>
+          </p:spPr>
+          <p:style>
+            <a:lnRef idx="1">
+              <a:schemeClr val="accent1"/>
+            </a:lnRef>
+            <a:fillRef idx="0">
+              <a:schemeClr val="accent1"/>
+            </a:fillRef>
+            <a:effectRef idx="0">
+              <a:schemeClr val="accent1"/>
+            </a:effectRef>
+            <a:fontRef idx="minor">
+              <a:schemeClr val="tx1"/>
+            </a:fontRef>
+          </p:style>
+        </p:cxnSp>
+        <p:sp>
+          <p:nvSpPr>
+            <p:cNvPr id="36" name="다이아몬드 35">
+              <a:extLst>
+                <a:ext uri="{FF2B5EF4-FFF2-40B4-BE49-F238E27FC236}">
+                  <a16:creationId xmlns:a16="http://schemas.microsoft.com/office/drawing/2014/main" id="{05240305-24F6-49D3-9E4C-0C10FFEDA626}"/>
+                </a:ext>
+              </a:extLst>
+            </p:cNvPr>
+            <p:cNvSpPr/>
+            <p:nvPr/>
+          </p:nvSpPr>
+          <p:spPr>
+            <a:xfrm>
+              <a:off x="355524" y="5962168"/>
+              <a:ext cx="2880000" cy="499557"/>
+            </a:xfrm>
+            <a:prstGeom prst="diamond">
+              <a:avLst/>
+            </a:prstGeom>
+            <a:noFill/>
+            <a:ln>
+              <a:solidFill>
+                <a:schemeClr val="tx1"/>
+              </a:solidFill>
+            </a:ln>
+          </p:spPr>
+          <p:style>
+            <a:lnRef idx="2">
+              <a:schemeClr val="accent1">
+                <a:shade val="50000"/>
+              </a:schemeClr>
+            </a:lnRef>
+            <a:fillRef idx="1">
+              <a:schemeClr val="accent1"/>
+            </a:fillRef>
+            <a:effectRef idx="0">
+              <a:schemeClr val="accent1"/>
+            </a:effectRef>
+            <a:fontRef idx="minor">
+              <a:schemeClr val="lt1"/>
+            </a:fontRef>
+          </p:style>
+          <p:txBody>
+            <a:bodyPr rtlCol="0" anchor="ctr"/>
+            <a:lstStyle/>
+            <a:p>
+              <a:pPr algn="ctr"/>
+              <a:r>
+                <a:rPr lang="en-US" altLang="ko-KR" sz="1467" dirty="0" err="1">
+                  <a:solidFill>
+                    <a:sysClr val="windowText" lastClr="000000"/>
+                  </a:solidFill>
+                </a:rPr>
+                <a:t>charAt</a:t>
+              </a:r>
+              <a:r>
+                <a:rPr lang="en-US" altLang="ko-KR" sz="1467" dirty="0">
+                  <a:solidFill>
+                    <a:sysClr val="windowText" lastClr="000000"/>
+                  </a:solidFill>
+                </a:rPr>
+                <a:t>(</a:t>
+              </a:r>
+              <a:r>
+                <a:rPr lang="en-US" altLang="ko-KR" sz="1467" dirty="0" err="1">
+                  <a:solidFill>
+                    <a:sysClr val="windowText" lastClr="000000"/>
+                  </a:solidFill>
+                </a:rPr>
+                <a:t>i</a:t>
+              </a:r>
+              <a:r>
+                <a:rPr lang="en-US" altLang="ko-KR" sz="1467" dirty="0">
+                  <a:solidFill>
+                    <a:sysClr val="windowText" lastClr="000000"/>
+                  </a:solidFill>
+                </a:rPr>
+                <a:t>) == ‘ ‘?</a:t>
+              </a:r>
+            </a:p>
+          </p:txBody>
+        </p:sp>
+        <p:cxnSp>
+          <p:nvCxnSpPr>
+            <p:cNvPr id="38" name="직선 화살표 연결선 37">
+              <a:extLst>
+                <a:ext uri="{FF2B5EF4-FFF2-40B4-BE49-F238E27FC236}">
+                  <a16:creationId xmlns:a16="http://schemas.microsoft.com/office/drawing/2014/main" id="{932C1FA6-5EB3-4F4A-9437-CEBD33F68693}"/>
+                </a:ext>
+              </a:extLst>
+            </p:cNvPr>
+            <p:cNvCxnSpPr>
+              <a:cxnSpLocks/>
+              <a:stCxn id="36" idx="2"/>
+              <a:endCxn id="39" idx="0"/>
+            </p:cNvCxnSpPr>
+            <p:nvPr/>
+          </p:nvCxnSpPr>
+          <p:spPr>
+            <a:xfrm flipH="1">
+              <a:off x="1795520" y="6461725"/>
+              <a:ext cx="4" cy="558105"/>
+            </a:xfrm>
+            <a:prstGeom prst="straightConnector1">
+              <a:avLst/>
+            </a:prstGeom>
+            <a:ln>
+              <a:solidFill>
+                <a:schemeClr val="tx1"/>
+              </a:solidFill>
+              <a:tailEnd type="triangle"/>
+            </a:ln>
+          </p:spPr>
+          <p:style>
+            <a:lnRef idx="1">
+              <a:schemeClr val="accent1"/>
+            </a:lnRef>
+            <a:fillRef idx="0">
+              <a:schemeClr val="accent1"/>
+            </a:fillRef>
+            <a:effectRef idx="0">
+              <a:schemeClr val="accent1"/>
+            </a:effectRef>
+            <a:fontRef idx="minor">
+              <a:schemeClr val="tx1"/>
+            </a:fontRef>
+          </p:style>
+        </p:cxnSp>
+        <p:sp>
+          <p:nvSpPr>
+            <p:cNvPr id="39" name="직사각형 38">
+              <a:extLst>
+                <a:ext uri="{FF2B5EF4-FFF2-40B4-BE49-F238E27FC236}">
+                  <a16:creationId xmlns:a16="http://schemas.microsoft.com/office/drawing/2014/main" id="{29D693CD-49CF-4E51-8F37-DB341BA424ED}"/>
+                </a:ext>
+              </a:extLst>
+            </p:cNvPr>
+            <p:cNvSpPr/>
+            <p:nvPr/>
+          </p:nvSpPr>
+          <p:spPr>
+            <a:xfrm>
+              <a:off x="355520" y="7019830"/>
+              <a:ext cx="2880000" cy="504000"/>
+            </a:xfrm>
+            <a:prstGeom prst="rect">
+              <a:avLst/>
+            </a:prstGeom>
+            <a:noFill/>
+            <a:ln>
+              <a:solidFill>
+                <a:schemeClr val="tx1"/>
+              </a:solidFill>
+            </a:ln>
+          </p:spPr>
+          <p:style>
+            <a:lnRef idx="2">
+              <a:schemeClr val="accent1">
+                <a:shade val="50000"/>
+              </a:schemeClr>
+            </a:lnRef>
+            <a:fillRef idx="1">
+              <a:schemeClr val="accent1"/>
+            </a:fillRef>
+            <a:effectRef idx="0">
+              <a:schemeClr val="accent1"/>
+            </a:effectRef>
+            <a:fontRef idx="minor">
+              <a:schemeClr val="lt1"/>
+            </a:fontRef>
+          </p:style>
+          <p:txBody>
+            <a:bodyPr rtlCol="0" anchor="ctr"/>
+            <a:lstStyle/>
+            <a:p>
+              <a:pPr algn="ctr"/>
+              <a:r>
+                <a:rPr lang="en-US" altLang="ko-KR" sz="1467" dirty="0">
+                  <a:solidFill>
+                    <a:sysClr val="windowText" lastClr="000000"/>
+                  </a:solidFill>
+                </a:rPr>
+                <a:t>index = 0</a:t>
+              </a:r>
+            </a:p>
+            <a:p>
+              <a:pPr algn="ctr"/>
+              <a:r>
+                <a:rPr lang="en-US" altLang="ko-KR" sz="1467" dirty="0" err="1">
+                  <a:solidFill>
+                    <a:sysClr val="windowText" lastClr="000000"/>
+                  </a:solidFill>
+                </a:rPr>
+                <a:t>word.append</a:t>
+              </a:r>
+              <a:r>
+                <a:rPr lang="en-US" altLang="ko-KR" sz="1467" dirty="0">
+                  <a:solidFill>
+                    <a:sysClr val="windowText" lastClr="000000"/>
+                  </a:solidFill>
+                </a:rPr>
+                <a:t>(“ “)</a:t>
+              </a:r>
+            </a:p>
+          </p:txBody>
+        </p:sp>
+        <p:sp>
+          <p:nvSpPr>
+            <p:cNvPr id="40" name="TextBox 39">
+              <a:extLst>
+                <a:ext uri="{FF2B5EF4-FFF2-40B4-BE49-F238E27FC236}">
+                  <a16:creationId xmlns:a16="http://schemas.microsoft.com/office/drawing/2014/main" id="{CB7DD20F-ED07-4EBD-8668-1FA404D4B749}"/>
+                </a:ext>
+              </a:extLst>
+            </p:cNvPr>
+            <p:cNvSpPr txBox="1"/>
+            <p:nvPr/>
+          </p:nvSpPr>
+          <p:spPr>
+            <a:xfrm>
+              <a:off x="1795520" y="6433240"/>
+              <a:ext cx="417538" cy="322705"/>
+            </a:xfrm>
+            <a:prstGeom prst="rect">
+              <a:avLst/>
+            </a:prstGeom>
+            <a:noFill/>
+          </p:spPr>
+          <p:txBody>
+            <a:bodyPr wrap="none" lIns="48000" tIns="48000" rIns="48000" bIns="48000" rtlCol="0">
+              <a:spAutoFit/>
+            </a:bodyPr>
+            <a:lstStyle/>
+            <a:p>
+              <a:r>
+                <a:rPr lang="en-US" altLang="ko-KR" sz="1467" dirty="0"/>
+                <a:t>true</a:t>
+              </a:r>
+              <a:endParaRPr lang="ko-KR" altLang="en-US" sz="1467" dirty="0"/>
+            </a:p>
+          </p:txBody>
+        </p:sp>
+        <p:cxnSp>
+          <p:nvCxnSpPr>
+            <p:cNvPr id="45" name="직선 화살표 연결선 44">
+              <a:extLst>
+                <a:ext uri="{FF2B5EF4-FFF2-40B4-BE49-F238E27FC236}">
+                  <a16:creationId xmlns:a16="http://schemas.microsoft.com/office/drawing/2014/main" id="{9FD6A6A3-0693-4485-AC17-62B4E8B4DDD4}"/>
+                </a:ext>
+              </a:extLst>
+            </p:cNvPr>
+            <p:cNvCxnSpPr>
+              <a:cxnSpLocks/>
+              <a:stCxn id="39" idx="2"/>
+              <a:endCxn id="46" idx="0"/>
+            </p:cNvCxnSpPr>
+            <p:nvPr/>
+          </p:nvCxnSpPr>
+          <p:spPr>
+            <a:xfrm>
+              <a:off x="1795520" y="7523830"/>
+              <a:ext cx="0" cy="767885"/>
+            </a:xfrm>
+            <a:prstGeom prst="straightConnector1">
+              <a:avLst/>
+            </a:prstGeom>
+            <a:ln>
+              <a:solidFill>
+                <a:schemeClr val="tx1"/>
+              </a:solidFill>
+              <a:tailEnd type="triangle"/>
+            </a:ln>
+          </p:spPr>
+          <p:style>
+            <a:lnRef idx="1">
+              <a:schemeClr val="accent1"/>
+            </a:lnRef>
+            <a:fillRef idx="0">
+              <a:schemeClr val="accent1"/>
+            </a:fillRef>
+            <a:effectRef idx="0">
+              <a:schemeClr val="accent1"/>
+            </a:effectRef>
+            <a:fontRef idx="minor">
+              <a:schemeClr val="tx1"/>
+            </a:fontRef>
+          </p:style>
+        </p:cxnSp>
+        <p:sp>
+          <p:nvSpPr>
+            <p:cNvPr id="46" name="직사각형 45">
+              <a:extLst>
+                <a:ext uri="{FF2B5EF4-FFF2-40B4-BE49-F238E27FC236}">
+                  <a16:creationId xmlns:a16="http://schemas.microsoft.com/office/drawing/2014/main" id="{1D8DD617-3CCD-48F0-8093-211A1E8430FB}"/>
+                </a:ext>
+              </a:extLst>
+            </p:cNvPr>
+            <p:cNvSpPr/>
+            <p:nvPr/>
+          </p:nvSpPr>
+          <p:spPr>
+            <a:xfrm>
+              <a:off x="355520" y="8291715"/>
+              <a:ext cx="2880000" cy="504000"/>
+            </a:xfrm>
+            <a:prstGeom prst="rect">
+              <a:avLst/>
+            </a:prstGeom>
+            <a:noFill/>
+            <a:ln>
+              <a:solidFill>
+                <a:schemeClr val="tx1"/>
+              </a:solidFill>
+            </a:ln>
+          </p:spPr>
+          <p:style>
+            <a:lnRef idx="2">
+              <a:schemeClr val="accent1">
+                <a:shade val="50000"/>
+              </a:schemeClr>
+            </a:lnRef>
+            <a:fillRef idx="1">
+              <a:schemeClr val="accent1"/>
+            </a:fillRef>
+            <a:effectRef idx="0">
+              <a:schemeClr val="accent1"/>
+            </a:effectRef>
+            <a:fontRef idx="minor">
+              <a:schemeClr val="lt1"/>
+            </a:fontRef>
+          </p:style>
+          <p:txBody>
+            <a:bodyPr rtlCol="0" anchor="ctr"/>
+            <a:lstStyle/>
+            <a:p>
+              <a:pPr algn="ctr"/>
+              <a:r>
+                <a:rPr lang="ko-KR" altLang="en-US" sz="1467" dirty="0">
+                  <a:solidFill>
+                    <a:sysClr val="windowText" lastClr="000000"/>
+                  </a:solidFill>
+                </a:rPr>
+                <a:t>문자열을 합친다</a:t>
+              </a:r>
+              <a:endParaRPr lang="en-US" altLang="ko-KR" sz="1467" dirty="0">
+                <a:solidFill>
+                  <a:sysClr val="windowText" lastClr="000000"/>
+                </a:solidFill>
+              </a:endParaRPr>
+            </a:p>
+          </p:txBody>
+        </p:sp>
+        <p:cxnSp>
+          <p:nvCxnSpPr>
+            <p:cNvPr id="49" name="연결선: 꺾임 48">
+              <a:extLst>
+                <a:ext uri="{FF2B5EF4-FFF2-40B4-BE49-F238E27FC236}">
+                  <a16:creationId xmlns:a16="http://schemas.microsoft.com/office/drawing/2014/main" id="{87058860-1EC0-4FA9-8A05-8FCD925E19B0}"/>
+                </a:ext>
+              </a:extLst>
+            </p:cNvPr>
+            <p:cNvCxnSpPr>
+              <a:cxnSpLocks/>
+              <a:stCxn id="36" idx="3"/>
+              <a:endCxn id="52" idx="0"/>
+            </p:cNvCxnSpPr>
+            <p:nvPr/>
+          </p:nvCxnSpPr>
+          <p:spPr>
+            <a:xfrm>
+              <a:off x="3235524" y="6211947"/>
+              <a:ext cx="1633476" cy="178679"/>
+            </a:xfrm>
+            <a:prstGeom prst="bentConnector2">
+              <a:avLst/>
+            </a:prstGeom>
+            <a:ln>
+              <a:solidFill>
+                <a:schemeClr val="tx1"/>
+              </a:solidFill>
+              <a:tailEnd type="triangle"/>
+            </a:ln>
+          </p:spPr>
+          <p:style>
+            <a:lnRef idx="1">
+              <a:schemeClr val="accent1"/>
+            </a:lnRef>
+            <a:fillRef idx="0">
+              <a:schemeClr val="accent1"/>
+            </a:fillRef>
+            <a:effectRef idx="0">
+              <a:schemeClr val="accent1"/>
+            </a:effectRef>
+            <a:fontRef idx="minor">
+              <a:schemeClr val="tx1"/>
+            </a:fontRef>
+          </p:style>
+        </p:cxnSp>
+        <p:sp>
+          <p:nvSpPr>
+            <p:cNvPr id="50" name="TextBox 49">
+              <a:extLst>
+                <a:ext uri="{FF2B5EF4-FFF2-40B4-BE49-F238E27FC236}">
+                  <a16:creationId xmlns:a16="http://schemas.microsoft.com/office/drawing/2014/main" id="{61F58E69-1029-412D-8C3E-D4A1358152A4}"/>
+                </a:ext>
+              </a:extLst>
+            </p:cNvPr>
+            <p:cNvSpPr txBox="1"/>
+            <p:nvPr/>
+          </p:nvSpPr>
+          <p:spPr>
+            <a:xfrm>
+              <a:off x="3235520" y="5910743"/>
+              <a:ext cx="450752" cy="322705"/>
+            </a:xfrm>
+            <a:prstGeom prst="rect">
+              <a:avLst/>
+            </a:prstGeom>
+            <a:noFill/>
+          </p:spPr>
+          <p:txBody>
+            <a:bodyPr wrap="none" lIns="48000" tIns="48000" rIns="48000" bIns="48000" rtlCol="0">
+              <a:spAutoFit/>
+            </a:bodyPr>
+            <a:lstStyle/>
+            <a:p>
+              <a:r>
+                <a:rPr lang="en-US" altLang="ko-KR" sz="1467" dirty="0"/>
+                <a:t>false</a:t>
+              </a:r>
+              <a:endParaRPr lang="ko-KR" altLang="en-US" sz="1467" dirty="0"/>
+            </a:p>
+          </p:txBody>
+        </p:sp>
+        <p:sp>
+          <p:nvSpPr>
+            <p:cNvPr id="52" name="다이아몬드 51">
+              <a:extLst>
+                <a:ext uri="{FF2B5EF4-FFF2-40B4-BE49-F238E27FC236}">
+                  <a16:creationId xmlns:a16="http://schemas.microsoft.com/office/drawing/2014/main" id="{80C7B552-9D37-40D9-9B6B-D9ED5EF37E68}"/>
+                </a:ext>
+              </a:extLst>
+            </p:cNvPr>
+            <p:cNvSpPr/>
+            <p:nvPr/>
+          </p:nvSpPr>
+          <p:spPr>
+            <a:xfrm>
+              <a:off x="3429000" y="6390626"/>
+              <a:ext cx="2880000" cy="499557"/>
+            </a:xfrm>
+            <a:prstGeom prst="diamond">
+              <a:avLst/>
+            </a:prstGeom>
+            <a:noFill/>
+            <a:ln>
+              <a:solidFill>
+                <a:schemeClr val="tx1"/>
+              </a:solidFill>
+            </a:ln>
+          </p:spPr>
+          <p:style>
+            <a:lnRef idx="2">
+              <a:schemeClr val="accent1">
+                <a:shade val="50000"/>
+              </a:schemeClr>
+            </a:lnRef>
+            <a:fillRef idx="1">
+              <a:schemeClr val="accent1"/>
+            </a:fillRef>
+            <a:effectRef idx="0">
+              <a:schemeClr val="accent1"/>
+            </a:effectRef>
+            <a:fontRef idx="minor">
+              <a:schemeClr val="lt1"/>
+            </a:fontRef>
+          </p:style>
+          <p:txBody>
+            <a:bodyPr rtlCol="0" anchor="ctr"/>
+            <a:lstStyle/>
+            <a:p>
+              <a:pPr algn="ctr"/>
+              <a:r>
+                <a:rPr lang="en-US" altLang="ko-KR" sz="1467" dirty="0">
+                  <a:solidFill>
+                    <a:sysClr val="windowText" lastClr="000000"/>
+                  </a:solidFill>
+                </a:rPr>
+                <a:t>index % 2 == 0?</a:t>
+              </a:r>
+            </a:p>
+          </p:txBody>
+        </p:sp>
+        <p:sp>
+          <p:nvSpPr>
+            <p:cNvPr id="53" name="직사각형 52">
+              <a:extLst>
+                <a:ext uri="{FF2B5EF4-FFF2-40B4-BE49-F238E27FC236}">
+                  <a16:creationId xmlns:a16="http://schemas.microsoft.com/office/drawing/2014/main" id="{627DBADC-4312-4C32-AE52-55197F2C2002}"/>
+                </a:ext>
+              </a:extLst>
+            </p:cNvPr>
+            <p:cNvSpPr/>
+            <p:nvPr/>
+          </p:nvSpPr>
+          <p:spPr>
+            <a:xfrm>
+              <a:off x="3429000" y="7200040"/>
+              <a:ext cx="2880000" cy="504000"/>
+            </a:xfrm>
+            <a:prstGeom prst="rect">
+              <a:avLst/>
+            </a:prstGeom>
+            <a:noFill/>
+            <a:ln>
+              <a:solidFill>
+                <a:schemeClr val="tx1"/>
+              </a:solidFill>
+            </a:ln>
+          </p:spPr>
+          <p:style>
+            <a:lnRef idx="2">
+              <a:schemeClr val="accent1">
+                <a:shade val="50000"/>
+              </a:schemeClr>
+            </a:lnRef>
+            <a:fillRef idx="1">
+              <a:schemeClr val="accent1"/>
+            </a:fillRef>
+            <a:effectRef idx="0">
+              <a:schemeClr val="accent1"/>
+            </a:effectRef>
+            <a:fontRef idx="minor">
+              <a:schemeClr val="lt1"/>
+            </a:fontRef>
+          </p:style>
+          <p:txBody>
+            <a:bodyPr rtlCol="0" anchor="ctr"/>
+            <a:lstStyle/>
+            <a:p>
+              <a:pPr algn="ctr"/>
+              <a:r>
+                <a:rPr lang="en-US" altLang="ko-KR" sz="1467" dirty="0" err="1">
+                  <a:solidFill>
+                    <a:sysClr val="windowText" lastClr="000000"/>
+                  </a:solidFill>
+                </a:rPr>
+                <a:t>word.append</a:t>
+              </a:r>
+              <a:r>
+                <a:rPr lang="en-US" altLang="ko-KR" sz="1467" dirty="0">
+                  <a:solidFill>
+                    <a:sysClr val="windowText" lastClr="000000"/>
+                  </a:solidFill>
+                </a:rPr>
+                <a:t>(“</a:t>
+              </a:r>
+              <a:r>
+                <a:rPr lang="ko-KR" altLang="en-US" sz="1467" dirty="0">
+                  <a:solidFill>
+                    <a:sysClr val="windowText" lastClr="000000"/>
+                  </a:solidFill>
+                </a:rPr>
+                <a:t>대문자 </a:t>
+              </a:r>
+              <a:r>
+                <a:rPr lang="en-US" altLang="ko-KR" sz="1467" dirty="0">
+                  <a:solidFill>
+                    <a:sysClr val="windowText" lastClr="000000"/>
+                  </a:solidFill>
+                </a:rPr>
+                <a:t>| </a:t>
+              </a:r>
+              <a:r>
+                <a:rPr lang="ko-KR" altLang="en-US" sz="1467" dirty="0">
+                  <a:solidFill>
+                    <a:sysClr val="windowText" lastClr="000000"/>
+                  </a:solidFill>
+                </a:rPr>
+                <a:t>소문자</a:t>
+              </a:r>
+              <a:r>
+                <a:rPr lang="en-US" altLang="ko-KR" sz="1467" dirty="0">
+                  <a:solidFill>
+                    <a:sysClr val="windowText" lastClr="000000"/>
+                  </a:solidFill>
+                </a:rPr>
+                <a:t>“)</a:t>
+              </a:r>
+            </a:p>
+            <a:p>
+              <a:pPr algn="ctr"/>
+              <a:r>
+                <a:rPr lang="en-US" altLang="ko-KR" sz="1467" dirty="0">
+                  <a:solidFill>
+                    <a:sysClr val="windowText" lastClr="000000"/>
+                  </a:solidFill>
+                </a:rPr>
+                <a:t>index++</a:t>
+              </a:r>
+            </a:p>
+          </p:txBody>
+        </p:sp>
+        <p:cxnSp>
+          <p:nvCxnSpPr>
+            <p:cNvPr id="54" name="직선 화살표 연결선 53">
+              <a:extLst>
+                <a:ext uri="{FF2B5EF4-FFF2-40B4-BE49-F238E27FC236}">
+                  <a16:creationId xmlns:a16="http://schemas.microsoft.com/office/drawing/2014/main" id="{82428A85-7633-4311-847A-557A445F70AB}"/>
+                </a:ext>
+              </a:extLst>
+            </p:cNvPr>
+            <p:cNvCxnSpPr>
+              <a:cxnSpLocks/>
+              <a:stCxn id="52" idx="2"/>
+              <a:endCxn id="53" idx="0"/>
+            </p:cNvCxnSpPr>
+            <p:nvPr/>
+          </p:nvCxnSpPr>
+          <p:spPr>
+            <a:xfrm>
+              <a:off x="4869000" y="6890183"/>
+              <a:ext cx="0" cy="309857"/>
+            </a:xfrm>
+            <a:prstGeom prst="straightConnector1">
+              <a:avLst/>
+            </a:prstGeom>
+            <a:ln>
+              <a:solidFill>
+                <a:schemeClr val="tx1"/>
+              </a:solidFill>
+              <a:tailEnd type="triangle"/>
+            </a:ln>
+          </p:spPr>
+          <p:style>
+            <a:lnRef idx="1">
+              <a:schemeClr val="accent1"/>
+            </a:lnRef>
+            <a:fillRef idx="0">
+              <a:schemeClr val="accent1"/>
+            </a:fillRef>
+            <a:effectRef idx="0">
+              <a:schemeClr val="accent1"/>
+            </a:effectRef>
+            <a:fontRef idx="minor">
+              <a:schemeClr val="tx1"/>
+            </a:fontRef>
+          </p:style>
+        </p:cxnSp>
+        <p:cxnSp>
+          <p:nvCxnSpPr>
+            <p:cNvPr id="55" name="연결선: 꺾임 54">
+              <a:extLst>
+                <a:ext uri="{FF2B5EF4-FFF2-40B4-BE49-F238E27FC236}">
+                  <a16:creationId xmlns:a16="http://schemas.microsoft.com/office/drawing/2014/main" id="{5469DB01-A70B-4085-BBC9-AAD71CC575B6}"/>
+                </a:ext>
+              </a:extLst>
+            </p:cNvPr>
+            <p:cNvCxnSpPr>
+              <a:stCxn id="53" idx="2"/>
+            </p:cNvCxnSpPr>
+            <p:nvPr/>
+          </p:nvCxnSpPr>
+          <p:spPr>
+            <a:xfrm rot="5400000">
+              <a:off x="3158690" y="6340870"/>
+              <a:ext cx="347140" cy="3073480"/>
+            </a:xfrm>
+            <a:prstGeom prst="bentConnector2">
+              <a:avLst/>
+            </a:prstGeom>
+            <a:ln>
+              <a:solidFill>
+                <a:schemeClr val="tx1"/>
+              </a:solidFill>
+              <a:tailEnd type="triangle"/>
+            </a:ln>
+          </p:spPr>
+          <p:style>
+            <a:lnRef idx="1">
+              <a:schemeClr val="accent1"/>
+            </a:lnRef>
+            <a:fillRef idx="0">
+              <a:schemeClr val="accent1"/>
+            </a:fillRef>
+            <a:effectRef idx="0">
+              <a:schemeClr val="accent1"/>
+            </a:effectRef>
+            <a:fontRef idx="minor">
+              <a:schemeClr val="tx1"/>
+            </a:fontRef>
+          </p:style>
+        </p:cxnSp>
+        <p:sp>
+          <p:nvSpPr>
+            <p:cNvPr id="58" name="TextBox 57">
+              <a:extLst>
+                <a:ext uri="{FF2B5EF4-FFF2-40B4-BE49-F238E27FC236}">
+                  <a16:creationId xmlns:a16="http://schemas.microsoft.com/office/drawing/2014/main" id="{38852A6E-F7E0-470D-948F-82CF957E915E}"/>
+                </a:ext>
+              </a:extLst>
+            </p:cNvPr>
+            <p:cNvSpPr txBox="1"/>
+            <p:nvPr/>
+          </p:nvSpPr>
+          <p:spPr>
+            <a:xfrm>
+              <a:off x="4943724" y="6852900"/>
+              <a:ext cx="944477" cy="322705"/>
+            </a:xfrm>
+            <a:prstGeom prst="rect">
+              <a:avLst/>
+            </a:prstGeom>
+            <a:noFill/>
+          </p:spPr>
+          <p:txBody>
+            <a:bodyPr wrap="none" lIns="48000" tIns="48000" rIns="48000" bIns="48000" rtlCol="0">
+              <a:spAutoFit/>
+            </a:bodyPr>
+            <a:lstStyle/>
+            <a:p>
+              <a:r>
+                <a:rPr lang="en-US" altLang="ko-KR" sz="1467" dirty="0"/>
+                <a:t>true | false</a:t>
+              </a:r>
+              <a:endParaRPr lang="ko-KR" altLang="en-US" sz="1467" dirty="0"/>
+            </a:p>
+          </p:txBody>
+        </p:sp>
+      </p:grpSp>
+    </p:spTree>
+    <p:extLst>
+      <p:ext uri="{BB962C8B-B14F-4D97-AF65-F5344CB8AC3E}">
+        <p14:creationId xmlns:p14="http://schemas.microsoft.com/office/powerpoint/2010/main" val="136676049"/>
+      </p:ext>
+    </p:extLst>
+  </p:cSld>
+  <p:clrMapOvr>
+    <a:masterClrMapping/>
+  </p:clrMapOvr>
+</p:sld>
+</file>
+
 <file path=ppt/slides/slide3.xml><?xml version="1.0" encoding="utf-8"?>
 <p:sld xmlns:a="http://schemas.openxmlformats.org/drawingml/2006/main" xmlns:r="http://schemas.openxmlformats.org/officeDocument/2006/relationships" xmlns:p="http://schemas.openxmlformats.org/presentationml/2006/main">
   <p:cSld>

--- a/알고리즘_프로그래머스_Level01_순서도.pptx
+++ b/알고리즘_프로그래머스_Level01_순서도.pptx
@@ -27,6 +27,7 @@
     <p:sldId id="280" r:id="rId21"/>
     <p:sldId id="281" r:id="rId22"/>
     <p:sldId id="282" r:id="rId23"/>
+    <p:sldId id="283" r:id="rId24"/>
   </p:sldIdLst>
   <p:sldSz cx="6858000" cy="9144000" type="screen4x3"/>
   <p:notesSz cx="6858000" cy="9144000"/>
@@ -264,7 +265,7 @@
           <a:p>
             <a:fld id="{274DCB2C-481A-4B20-92AC-CEC756183F8E}" type="datetimeFigureOut">
               <a:rPr lang="ko-KR" altLang="en-US" smtClean="0"/>
-              <a:t>2021-01-19</a:t>
+              <a:t>2021-01-20</a:t>
             </a:fld>
             <a:endParaRPr lang="ko-KR" altLang="en-US"/>
           </a:p>
@@ -434,7 +435,7 @@
           <a:p>
             <a:fld id="{274DCB2C-481A-4B20-92AC-CEC756183F8E}" type="datetimeFigureOut">
               <a:rPr lang="ko-KR" altLang="en-US" smtClean="0"/>
-              <a:t>2021-01-19</a:t>
+              <a:t>2021-01-20</a:t>
             </a:fld>
             <a:endParaRPr lang="ko-KR" altLang="en-US"/>
           </a:p>
@@ -614,7 +615,7 @@
           <a:p>
             <a:fld id="{274DCB2C-481A-4B20-92AC-CEC756183F8E}" type="datetimeFigureOut">
               <a:rPr lang="ko-KR" altLang="en-US" smtClean="0"/>
-              <a:t>2021-01-19</a:t>
+              <a:t>2021-01-20</a:t>
             </a:fld>
             <a:endParaRPr lang="ko-KR" altLang="en-US"/>
           </a:p>
@@ -784,7 +785,7 @@
           <a:p>
             <a:fld id="{274DCB2C-481A-4B20-92AC-CEC756183F8E}" type="datetimeFigureOut">
               <a:rPr lang="ko-KR" altLang="en-US" smtClean="0"/>
-              <a:t>2021-01-19</a:t>
+              <a:t>2021-01-20</a:t>
             </a:fld>
             <a:endParaRPr lang="ko-KR" altLang="en-US"/>
           </a:p>
@@ -1028,7 +1029,7 @@
           <a:p>
             <a:fld id="{274DCB2C-481A-4B20-92AC-CEC756183F8E}" type="datetimeFigureOut">
               <a:rPr lang="ko-KR" altLang="en-US" smtClean="0"/>
-              <a:t>2021-01-19</a:t>
+              <a:t>2021-01-20</a:t>
             </a:fld>
             <a:endParaRPr lang="ko-KR" altLang="en-US"/>
           </a:p>
@@ -1260,7 +1261,7 @@
           <a:p>
             <a:fld id="{274DCB2C-481A-4B20-92AC-CEC756183F8E}" type="datetimeFigureOut">
               <a:rPr lang="ko-KR" altLang="en-US" smtClean="0"/>
-              <a:t>2021-01-19</a:t>
+              <a:t>2021-01-20</a:t>
             </a:fld>
             <a:endParaRPr lang="ko-KR" altLang="en-US"/>
           </a:p>
@@ -1627,7 +1628,7 @@
           <a:p>
             <a:fld id="{274DCB2C-481A-4B20-92AC-CEC756183F8E}" type="datetimeFigureOut">
               <a:rPr lang="ko-KR" altLang="en-US" smtClean="0"/>
-              <a:t>2021-01-19</a:t>
+              <a:t>2021-01-20</a:t>
             </a:fld>
             <a:endParaRPr lang="ko-KR" altLang="en-US"/>
           </a:p>
@@ -1745,7 +1746,7 @@
           <a:p>
             <a:fld id="{274DCB2C-481A-4B20-92AC-CEC756183F8E}" type="datetimeFigureOut">
               <a:rPr lang="ko-KR" altLang="en-US" smtClean="0"/>
-              <a:t>2021-01-19</a:t>
+              <a:t>2021-01-20</a:t>
             </a:fld>
             <a:endParaRPr lang="ko-KR" altLang="en-US"/>
           </a:p>
@@ -1840,7 +1841,7 @@
           <a:p>
             <a:fld id="{274DCB2C-481A-4B20-92AC-CEC756183F8E}" type="datetimeFigureOut">
               <a:rPr lang="ko-KR" altLang="en-US" smtClean="0"/>
-              <a:t>2021-01-19</a:t>
+              <a:t>2021-01-20</a:t>
             </a:fld>
             <a:endParaRPr lang="ko-KR" altLang="en-US"/>
           </a:p>
@@ -2117,7 +2118,7 @@
           <a:p>
             <a:fld id="{274DCB2C-481A-4B20-92AC-CEC756183F8E}" type="datetimeFigureOut">
               <a:rPr lang="ko-KR" altLang="en-US" smtClean="0"/>
-              <a:t>2021-01-19</a:t>
+              <a:t>2021-01-20</a:t>
             </a:fld>
             <a:endParaRPr lang="ko-KR" altLang="en-US"/>
           </a:p>
@@ -2374,7 +2375,7 @@
           <a:p>
             <a:fld id="{274DCB2C-481A-4B20-92AC-CEC756183F8E}" type="datetimeFigureOut">
               <a:rPr lang="ko-KR" altLang="en-US" smtClean="0"/>
-              <a:t>2021-01-19</a:t>
+              <a:t>2021-01-20</a:t>
             </a:fld>
             <a:endParaRPr lang="ko-KR" altLang="en-US"/>
           </a:p>
@@ -2587,7 +2588,7 @@
           <a:p>
             <a:fld id="{274DCB2C-481A-4B20-92AC-CEC756183F8E}" type="datetimeFigureOut">
               <a:rPr lang="ko-KR" altLang="en-US" smtClean="0"/>
-              <a:t>2021-01-19</a:t>
+              <a:t>2021-01-20</a:t>
             </a:fld>
             <a:endParaRPr lang="ko-KR" altLang="en-US"/>
           </a:p>
@@ -16645,6 +16646,580 @@
 </p:sld>
 </file>
 
+<file path=ppt/slides/slide23.xml><?xml version="1.0" encoding="utf-8"?>
+<p:sld xmlns:a="http://schemas.openxmlformats.org/drawingml/2006/main" xmlns:r="http://schemas.openxmlformats.org/officeDocument/2006/relationships" xmlns:p="http://schemas.openxmlformats.org/presentationml/2006/main">
+  <p:cSld>
+    <p:spTree>
+      <p:nvGrpSpPr>
+        <p:cNvPr id="1" name=""/>
+        <p:cNvGrpSpPr/>
+        <p:nvPr/>
+      </p:nvGrpSpPr>
+      <p:grpSpPr>
+        <a:xfrm>
+          <a:off x="0" y="0"/>
+          <a:ext cx="0" cy="0"/>
+          <a:chOff x="0" y="0"/>
+          <a:chExt cx="0" cy="0"/>
+        </a:xfrm>
+      </p:grpSpPr>
+      <p:sp>
+        <p:nvSpPr>
+          <p:cNvPr id="4" name="제목 3">
+            <a:extLst>
+              <a:ext uri="{FF2B5EF4-FFF2-40B4-BE49-F238E27FC236}">
+                <a16:creationId xmlns:a16="http://schemas.microsoft.com/office/drawing/2014/main" id="{30BAC889-89EF-449A-A9AB-0AA582E87CB5}"/>
+              </a:ext>
+            </a:extLst>
+          </p:cNvPr>
+          <p:cNvSpPr>
+            <a:spLocks noGrp="1"/>
+          </p:cNvSpPr>
+          <p:nvPr>
+            <p:ph type="title"/>
+          </p:nvPr>
+        </p:nvSpPr>
+        <p:spPr/>
+        <p:txBody>
+          <a:bodyPr/>
+          <a:lstStyle/>
+          <a:p>
+            <a:r>
+              <a:rPr lang="ko-KR" altLang="en-US" dirty="0"/>
+              <a:t>자릿수 더하기 </a:t>
+            </a:r>
+            <a:r>
+              <a:rPr lang="en-US" altLang="ko-KR" dirty="0"/>
+              <a:t>(01.20)</a:t>
+            </a:r>
+            <a:endParaRPr lang="ko-KR" altLang="en-US" dirty="0"/>
+          </a:p>
+        </p:txBody>
+      </p:sp>
+      <p:grpSp>
+        <p:nvGrpSpPr>
+          <p:cNvPr id="17" name="그룹 16">
+            <a:extLst>
+              <a:ext uri="{FF2B5EF4-FFF2-40B4-BE49-F238E27FC236}">
+                <a16:creationId xmlns:a16="http://schemas.microsoft.com/office/drawing/2014/main" id="{8EC2A269-731A-4605-9854-31C062FDC39B}"/>
+              </a:ext>
+            </a:extLst>
+          </p:cNvPr>
+          <p:cNvGrpSpPr/>
+          <p:nvPr/>
+        </p:nvGrpSpPr>
+        <p:grpSpPr>
+          <a:xfrm>
+            <a:off x="355520" y="1175678"/>
+            <a:ext cx="4739027" cy="2195332"/>
+            <a:chOff x="355520" y="1175678"/>
+            <a:chExt cx="4739027" cy="2195332"/>
+          </a:xfrm>
+        </p:grpSpPr>
+        <p:sp>
+          <p:nvSpPr>
+            <p:cNvPr id="5" name="직사각형 4">
+              <a:extLst>
+                <a:ext uri="{FF2B5EF4-FFF2-40B4-BE49-F238E27FC236}">
+                  <a16:creationId xmlns:a16="http://schemas.microsoft.com/office/drawing/2014/main" id="{03882C51-1F0D-4F1D-AE83-D0C9456E828D}"/>
+                </a:ext>
+              </a:extLst>
+            </p:cNvPr>
+            <p:cNvSpPr/>
+            <p:nvPr/>
+          </p:nvSpPr>
+          <p:spPr>
+            <a:xfrm>
+              <a:off x="355520" y="1175678"/>
+              <a:ext cx="2160000" cy="504000"/>
+            </a:xfrm>
+            <a:prstGeom prst="rect">
+              <a:avLst/>
+            </a:prstGeom>
+            <a:noFill/>
+            <a:ln>
+              <a:solidFill>
+                <a:schemeClr val="tx1"/>
+              </a:solidFill>
+            </a:ln>
+          </p:spPr>
+          <p:style>
+            <a:lnRef idx="2">
+              <a:schemeClr val="accent1">
+                <a:shade val="50000"/>
+              </a:schemeClr>
+            </a:lnRef>
+            <a:fillRef idx="1">
+              <a:schemeClr val="accent1"/>
+            </a:fillRef>
+            <a:effectRef idx="0">
+              <a:schemeClr val="accent1"/>
+            </a:effectRef>
+            <a:fontRef idx="minor">
+              <a:schemeClr val="lt1"/>
+            </a:fontRef>
+          </p:style>
+          <p:txBody>
+            <a:bodyPr rtlCol="0" anchor="ctr"/>
+            <a:lstStyle/>
+            <a:p>
+              <a:pPr algn="ctr"/>
+              <a:r>
+                <a:rPr lang="en-US" altLang="ko-KR" sz="1467" dirty="0">
+                  <a:solidFill>
+                    <a:sysClr val="windowText" lastClr="000000"/>
+                  </a:solidFill>
+                </a:rPr>
+                <a:t>sum += n % 10</a:t>
+              </a:r>
+            </a:p>
+          </p:txBody>
+        </p:sp>
+        <p:cxnSp>
+          <p:nvCxnSpPr>
+            <p:cNvPr id="6" name="직선 화살표 연결선 5">
+              <a:extLst>
+                <a:ext uri="{FF2B5EF4-FFF2-40B4-BE49-F238E27FC236}">
+                  <a16:creationId xmlns:a16="http://schemas.microsoft.com/office/drawing/2014/main" id="{304DBAFC-8442-4E60-89F1-15CD0C9F91C5}"/>
+                </a:ext>
+              </a:extLst>
+            </p:cNvPr>
+            <p:cNvCxnSpPr>
+              <a:cxnSpLocks/>
+              <a:stCxn id="5" idx="2"/>
+              <a:endCxn id="33" idx="0"/>
+            </p:cNvCxnSpPr>
+            <p:nvPr/>
+          </p:nvCxnSpPr>
+          <p:spPr>
+            <a:xfrm>
+              <a:off x="1435520" y="1679678"/>
+              <a:ext cx="4" cy="346109"/>
+            </a:xfrm>
+            <a:prstGeom prst="straightConnector1">
+              <a:avLst/>
+            </a:prstGeom>
+            <a:ln>
+              <a:solidFill>
+                <a:schemeClr val="tx1"/>
+              </a:solidFill>
+              <a:tailEnd type="triangle"/>
+            </a:ln>
+          </p:spPr>
+          <p:style>
+            <a:lnRef idx="1">
+              <a:schemeClr val="accent1"/>
+            </a:lnRef>
+            <a:fillRef idx="0">
+              <a:schemeClr val="accent1"/>
+            </a:fillRef>
+            <a:effectRef idx="0">
+              <a:schemeClr val="accent1"/>
+            </a:effectRef>
+            <a:fontRef idx="minor">
+              <a:schemeClr val="tx1"/>
+            </a:fontRef>
+          </p:style>
+        </p:cxnSp>
+        <p:sp>
+          <p:nvSpPr>
+            <p:cNvPr id="33" name="다이아몬드 32">
+              <a:extLst>
+                <a:ext uri="{FF2B5EF4-FFF2-40B4-BE49-F238E27FC236}">
+                  <a16:creationId xmlns:a16="http://schemas.microsoft.com/office/drawing/2014/main" id="{A7A7C0DC-62D6-4535-A308-6423C87C8554}"/>
+                </a:ext>
+              </a:extLst>
+            </p:cNvPr>
+            <p:cNvSpPr/>
+            <p:nvPr/>
+          </p:nvSpPr>
+          <p:spPr>
+            <a:xfrm>
+              <a:off x="355524" y="2025787"/>
+              <a:ext cx="2160000" cy="499557"/>
+            </a:xfrm>
+            <a:prstGeom prst="diamond">
+              <a:avLst/>
+            </a:prstGeom>
+            <a:noFill/>
+            <a:ln>
+              <a:solidFill>
+                <a:schemeClr val="tx1"/>
+              </a:solidFill>
+            </a:ln>
+          </p:spPr>
+          <p:style>
+            <a:lnRef idx="2">
+              <a:schemeClr val="accent1">
+                <a:shade val="50000"/>
+              </a:schemeClr>
+            </a:lnRef>
+            <a:fillRef idx="1">
+              <a:schemeClr val="accent1"/>
+            </a:fillRef>
+            <a:effectRef idx="0">
+              <a:schemeClr val="accent1"/>
+            </a:effectRef>
+            <a:fontRef idx="minor">
+              <a:schemeClr val="lt1"/>
+            </a:fontRef>
+          </p:style>
+          <p:txBody>
+            <a:bodyPr rtlCol="0" anchor="ctr"/>
+            <a:lstStyle/>
+            <a:p>
+              <a:pPr algn="ctr"/>
+              <a:r>
+                <a:rPr lang="en-US" altLang="ko-KR" sz="1467" dirty="0">
+                  <a:solidFill>
+                    <a:sysClr val="windowText" lastClr="000000"/>
+                  </a:solidFill>
+                </a:rPr>
+                <a:t>n == 0?</a:t>
+              </a:r>
+            </a:p>
+          </p:txBody>
+        </p:sp>
+        <p:cxnSp>
+          <p:nvCxnSpPr>
+            <p:cNvPr id="34" name="직선 화살표 연결선 33">
+              <a:extLst>
+                <a:ext uri="{FF2B5EF4-FFF2-40B4-BE49-F238E27FC236}">
+                  <a16:creationId xmlns:a16="http://schemas.microsoft.com/office/drawing/2014/main" id="{22D0AC44-D4DD-4FAB-9457-66DA5FB4119C}"/>
+                </a:ext>
+              </a:extLst>
+            </p:cNvPr>
+            <p:cNvCxnSpPr>
+              <a:cxnSpLocks/>
+              <a:stCxn id="33" idx="2"/>
+              <a:endCxn id="35" idx="0"/>
+            </p:cNvCxnSpPr>
+            <p:nvPr/>
+          </p:nvCxnSpPr>
+          <p:spPr>
+            <a:xfrm flipH="1">
+              <a:off x="1435520" y="2525344"/>
+              <a:ext cx="4" cy="341666"/>
+            </a:xfrm>
+            <a:prstGeom prst="straightConnector1">
+              <a:avLst/>
+            </a:prstGeom>
+            <a:ln>
+              <a:solidFill>
+                <a:schemeClr val="tx1"/>
+              </a:solidFill>
+              <a:tailEnd type="triangle"/>
+            </a:ln>
+          </p:spPr>
+          <p:style>
+            <a:lnRef idx="1">
+              <a:schemeClr val="accent1"/>
+            </a:lnRef>
+            <a:fillRef idx="0">
+              <a:schemeClr val="accent1"/>
+            </a:fillRef>
+            <a:effectRef idx="0">
+              <a:schemeClr val="accent1"/>
+            </a:effectRef>
+            <a:fontRef idx="minor">
+              <a:schemeClr val="tx1"/>
+            </a:fontRef>
+          </p:style>
+        </p:cxnSp>
+        <p:sp>
+          <p:nvSpPr>
+            <p:cNvPr id="35" name="직사각형 34">
+              <a:extLst>
+                <a:ext uri="{FF2B5EF4-FFF2-40B4-BE49-F238E27FC236}">
+                  <a16:creationId xmlns:a16="http://schemas.microsoft.com/office/drawing/2014/main" id="{328A2F09-56A6-4C93-9F89-DAAAECC1721D}"/>
+                </a:ext>
+              </a:extLst>
+            </p:cNvPr>
+            <p:cNvSpPr/>
+            <p:nvPr/>
+          </p:nvSpPr>
+          <p:spPr>
+            <a:xfrm>
+              <a:off x="355520" y="2867010"/>
+              <a:ext cx="2160000" cy="504000"/>
+            </a:xfrm>
+            <a:prstGeom prst="rect">
+              <a:avLst/>
+            </a:prstGeom>
+            <a:noFill/>
+            <a:ln>
+              <a:solidFill>
+                <a:schemeClr val="tx1"/>
+              </a:solidFill>
+            </a:ln>
+          </p:spPr>
+          <p:style>
+            <a:lnRef idx="2">
+              <a:schemeClr val="accent1">
+                <a:shade val="50000"/>
+              </a:schemeClr>
+            </a:lnRef>
+            <a:fillRef idx="1">
+              <a:schemeClr val="accent1"/>
+            </a:fillRef>
+            <a:effectRef idx="0">
+              <a:schemeClr val="accent1"/>
+            </a:effectRef>
+            <a:fontRef idx="minor">
+              <a:schemeClr val="lt1"/>
+            </a:fontRef>
+          </p:style>
+          <p:txBody>
+            <a:bodyPr rtlCol="0" anchor="ctr"/>
+            <a:lstStyle/>
+            <a:p>
+              <a:pPr algn="ctr"/>
+              <a:r>
+                <a:rPr lang="en-US" altLang="ko-KR" sz="1467" dirty="0">
+                  <a:solidFill>
+                    <a:sysClr val="windowText" lastClr="000000"/>
+                  </a:solidFill>
+                </a:rPr>
+                <a:t>return sum</a:t>
+              </a:r>
+            </a:p>
+          </p:txBody>
+        </p:sp>
+        <p:sp>
+          <p:nvSpPr>
+            <p:cNvPr id="37" name="TextBox 36">
+              <a:extLst>
+                <a:ext uri="{FF2B5EF4-FFF2-40B4-BE49-F238E27FC236}">
+                  <a16:creationId xmlns:a16="http://schemas.microsoft.com/office/drawing/2014/main" id="{2892E5CA-D35D-4771-AC21-453A987C3D5F}"/>
+                </a:ext>
+              </a:extLst>
+            </p:cNvPr>
+            <p:cNvSpPr txBox="1"/>
+            <p:nvPr/>
+          </p:nvSpPr>
+          <p:spPr>
+            <a:xfrm>
+              <a:off x="1454656" y="2453658"/>
+              <a:ext cx="417538" cy="322705"/>
+            </a:xfrm>
+            <a:prstGeom prst="rect">
+              <a:avLst/>
+            </a:prstGeom>
+            <a:noFill/>
+          </p:spPr>
+          <p:txBody>
+            <a:bodyPr wrap="none" lIns="48000" tIns="48000" rIns="48000" bIns="48000" rtlCol="0">
+              <a:spAutoFit/>
+            </a:bodyPr>
+            <a:lstStyle/>
+            <a:p>
+              <a:r>
+                <a:rPr lang="en-US" altLang="ko-KR" sz="1467" dirty="0"/>
+                <a:t>true</a:t>
+              </a:r>
+              <a:endParaRPr lang="ko-KR" altLang="en-US" sz="1467" dirty="0"/>
+            </a:p>
+          </p:txBody>
+        </p:sp>
+        <p:sp>
+          <p:nvSpPr>
+            <p:cNvPr id="21" name="TextBox 20">
+              <a:extLst>
+                <a:ext uri="{FF2B5EF4-FFF2-40B4-BE49-F238E27FC236}">
+                  <a16:creationId xmlns:a16="http://schemas.microsoft.com/office/drawing/2014/main" id="{07D96557-02C2-4BB2-99EB-36FC798F3558}"/>
+                </a:ext>
+              </a:extLst>
+            </p:cNvPr>
+            <p:cNvSpPr txBox="1"/>
+            <p:nvPr/>
+          </p:nvSpPr>
+          <p:spPr>
+            <a:xfrm>
+              <a:off x="2379394" y="1927235"/>
+              <a:ext cx="450752" cy="322705"/>
+            </a:xfrm>
+            <a:prstGeom prst="rect">
+              <a:avLst/>
+            </a:prstGeom>
+            <a:noFill/>
+          </p:spPr>
+          <p:txBody>
+            <a:bodyPr wrap="none" lIns="48000" tIns="48000" rIns="48000" bIns="48000" rtlCol="0">
+              <a:spAutoFit/>
+            </a:bodyPr>
+            <a:lstStyle/>
+            <a:p>
+              <a:r>
+                <a:rPr lang="en-US" altLang="ko-KR" sz="1467" dirty="0"/>
+                <a:t>false</a:t>
+              </a:r>
+              <a:endParaRPr lang="ko-KR" altLang="en-US" sz="1467" dirty="0"/>
+            </a:p>
+          </p:txBody>
+        </p:sp>
+        <p:sp>
+          <p:nvSpPr>
+            <p:cNvPr id="24" name="직사각형 23">
+              <a:extLst>
+                <a:ext uri="{FF2B5EF4-FFF2-40B4-BE49-F238E27FC236}">
+                  <a16:creationId xmlns:a16="http://schemas.microsoft.com/office/drawing/2014/main" id="{4F8BB1E7-FD47-470E-9A16-DF2DB18DBB6B}"/>
+                </a:ext>
+              </a:extLst>
+            </p:cNvPr>
+            <p:cNvSpPr/>
+            <p:nvPr/>
+          </p:nvSpPr>
+          <p:spPr>
+            <a:xfrm>
+              <a:off x="2934547" y="2021344"/>
+              <a:ext cx="2160000" cy="504000"/>
+            </a:xfrm>
+            <a:prstGeom prst="rect">
+              <a:avLst/>
+            </a:prstGeom>
+            <a:noFill/>
+            <a:ln>
+              <a:solidFill>
+                <a:schemeClr val="tx1"/>
+              </a:solidFill>
+            </a:ln>
+          </p:spPr>
+          <p:style>
+            <a:lnRef idx="2">
+              <a:schemeClr val="accent1">
+                <a:shade val="50000"/>
+              </a:schemeClr>
+            </a:lnRef>
+            <a:fillRef idx="1">
+              <a:schemeClr val="accent1"/>
+            </a:fillRef>
+            <a:effectRef idx="0">
+              <a:schemeClr val="accent1"/>
+            </a:effectRef>
+            <a:fontRef idx="minor">
+              <a:schemeClr val="lt1"/>
+            </a:fontRef>
+          </p:style>
+          <p:txBody>
+            <a:bodyPr rtlCol="0" anchor="ctr"/>
+            <a:lstStyle/>
+            <a:p>
+              <a:pPr algn="ctr"/>
+              <a:r>
+                <a:rPr lang="en-US" altLang="ko-KR" sz="1467" dirty="0">
+                  <a:solidFill>
+                    <a:sysClr val="windowText" lastClr="000000"/>
+                  </a:solidFill>
+                </a:rPr>
+                <a:t>n /= 10</a:t>
+              </a:r>
+            </a:p>
+          </p:txBody>
+        </p:sp>
+        <p:cxnSp>
+          <p:nvCxnSpPr>
+            <p:cNvPr id="14" name="직선 화살표 연결선 13">
+              <a:extLst>
+                <a:ext uri="{FF2B5EF4-FFF2-40B4-BE49-F238E27FC236}">
+                  <a16:creationId xmlns:a16="http://schemas.microsoft.com/office/drawing/2014/main" id="{970209F8-E952-4A3B-BC57-6A2CDB3E8698}"/>
+                </a:ext>
+              </a:extLst>
+            </p:cNvPr>
+            <p:cNvCxnSpPr>
+              <a:stCxn id="33" idx="3"/>
+              <a:endCxn id="24" idx="1"/>
+            </p:cNvCxnSpPr>
+            <p:nvPr/>
+          </p:nvCxnSpPr>
+          <p:spPr>
+            <a:xfrm flipV="1">
+              <a:off x="2515524" y="2273344"/>
+              <a:ext cx="419023" cy="2222"/>
+            </a:xfrm>
+            <a:prstGeom prst="straightConnector1">
+              <a:avLst/>
+            </a:prstGeom>
+            <a:ln>
+              <a:solidFill>
+                <a:schemeClr val="tx1"/>
+              </a:solidFill>
+              <a:tailEnd type="triangle"/>
+            </a:ln>
+          </p:spPr>
+          <p:style>
+            <a:lnRef idx="1">
+              <a:schemeClr val="accent1"/>
+            </a:lnRef>
+            <a:fillRef idx="0">
+              <a:schemeClr val="accent1"/>
+            </a:fillRef>
+            <a:effectRef idx="0">
+              <a:schemeClr val="accent1"/>
+            </a:effectRef>
+            <a:fontRef idx="minor">
+              <a:schemeClr val="tx1"/>
+            </a:fontRef>
+          </p:style>
+        </p:cxnSp>
+        <p:cxnSp>
+          <p:nvCxnSpPr>
+            <p:cNvPr id="16" name="연결선: 꺾임 15">
+              <a:extLst>
+                <a:ext uri="{FF2B5EF4-FFF2-40B4-BE49-F238E27FC236}">
+                  <a16:creationId xmlns:a16="http://schemas.microsoft.com/office/drawing/2014/main" id="{E7AEDDDA-6827-4D3F-8BFB-DAC94F74F86E}"/>
+                </a:ext>
+              </a:extLst>
+            </p:cNvPr>
+            <p:cNvCxnSpPr>
+              <a:stCxn id="24" idx="0"/>
+              <a:endCxn id="5" idx="3"/>
+            </p:cNvCxnSpPr>
+            <p:nvPr/>
+          </p:nvCxnSpPr>
+          <p:spPr>
+            <a:xfrm rot="16200000" flipV="1">
+              <a:off x="2968201" y="974997"/>
+              <a:ext cx="593666" cy="1499027"/>
+            </a:xfrm>
+            <a:prstGeom prst="bentConnector2">
+              <a:avLst/>
+            </a:prstGeom>
+            <a:ln>
+              <a:solidFill>
+                <a:schemeClr val="tx1"/>
+              </a:solidFill>
+              <a:tailEnd type="triangle"/>
+            </a:ln>
+          </p:spPr>
+          <p:style>
+            <a:lnRef idx="1">
+              <a:schemeClr val="accent1"/>
+            </a:lnRef>
+            <a:fillRef idx="0">
+              <a:schemeClr val="accent1"/>
+            </a:fillRef>
+            <a:effectRef idx="0">
+              <a:schemeClr val="accent1"/>
+            </a:effectRef>
+            <a:fontRef idx="minor">
+              <a:schemeClr val="tx1"/>
+            </a:fontRef>
+          </p:style>
+        </p:cxnSp>
+      </p:grpSp>
+    </p:spTree>
+    <p:extLst>
+      <p:ext uri="{BB962C8B-B14F-4D97-AF65-F5344CB8AC3E}">
+        <p14:creationId xmlns:p14="http://schemas.microsoft.com/office/powerpoint/2010/main" val="2131920548"/>
+      </p:ext>
+    </p:extLst>
+  </p:cSld>
+  <p:clrMapOvr>
+    <a:masterClrMapping/>
+  </p:clrMapOvr>
+</p:sld>
+</file>
+
 <file path=ppt/slides/slide3.xml><?xml version="1.0" encoding="utf-8"?>
 <p:sld xmlns:a="http://schemas.openxmlformats.org/drawingml/2006/main" xmlns:r="http://schemas.openxmlformats.org/officeDocument/2006/relationships" xmlns:p="http://schemas.openxmlformats.org/presentationml/2006/main">
   <p:cSld>

--- a/알고리즘_프로그래머스_Level01_순서도.pptx
+++ b/알고리즘_프로그래머스_Level01_순서도.pptx
@@ -17207,6 +17207,584 @@
           </p:style>
         </p:cxnSp>
       </p:grpSp>
+      <p:sp>
+        <p:nvSpPr>
+          <p:cNvPr id="31" name="제목 3">
+            <a:extLst>
+              <a:ext uri="{FF2B5EF4-FFF2-40B4-BE49-F238E27FC236}">
+                <a16:creationId xmlns:a16="http://schemas.microsoft.com/office/drawing/2014/main" id="{77AD483A-17C8-4885-A136-3AF528B8E350}"/>
+              </a:ext>
+            </a:extLst>
+          </p:cNvPr>
+          <p:cNvSpPr txBox="1">
+            <a:spLocks/>
+          </p:cNvSpPr>
+          <p:nvPr/>
+        </p:nvSpPr>
+        <p:spPr>
+          <a:xfrm>
+            <a:off x="471489" y="4816207"/>
+            <a:ext cx="5915025" cy="559764"/>
+          </a:xfrm>
+          <a:prstGeom prst="rect">
+            <a:avLst/>
+          </a:prstGeom>
+        </p:spPr>
+        <p:txBody>
+          <a:bodyPr vert="horz" lIns="91440" tIns="45720" rIns="91440" bIns="45720" rtlCol="0" anchor="ctr">
+            <a:normAutofit/>
+          </a:bodyPr>
+          <a:lstStyle>
+            <a:lvl1pPr algn="l" defTabSz="685800" rtl="0" eaLnBrk="1" latinLnBrk="1" hangingPunct="1">
+              <a:lnSpc>
+                <a:spcPct val="90000"/>
+              </a:lnSpc>
+              <a:spcBef>
+                <a:spcPct val="0"/>
+              </a:spcBef>
+              <a:buNone/>
+              <a:defRPr sz="2800" kern="1200">
+                <a:solidFill>
+                  <a:schemeClr val="tx1"/>
+                </a:solidFill>
+                <a:latin typeface="+mj-lt"/>
+                <a:ea typeface="+mj-ea"/>
+                <a:cs typeface="+mj-cs"/>
+              </a:defRPr>
+            </a:lvl1pPr>
+          </a:lstStyle>
+          <a:p>
+            <a:r>
+              <a:rPr lang="ko-KR" altLang="en-US"/>
+              <a:t>자연수 뒤집어 배열로 만들기 </a:t>
+            </a:r>
+            <a:r>
+              <a:rPr lang="en-US" altLang="ko-KR"/>
+              <a:t>(01.20)</a:t>
+            </a:r>
+            <a:endParaRPr lang="ko-KR" altLang="en-US" dirty="0"/>
+          </a:p>
+        </p:txBody>
+      </p:sp>
+      <p:grpSp>
+        <p:nvGrpSpPr>
+          <p:cNvPr id="32" name="그룹 31">
+            <a:extLst>
+              <a:ext uri="{FF2B5EF4-FFF2-40B4-BE49-F238E27FC236}">
+                <a16:creationId xmlns:a16="http://schemas.microsoft.com/office/drawing/2014/main" id="{0075A3E3-06A9-47DD-9E9B-56D58C3B90A2}"/>
+              </a:ext>
+            </a:extLst>
+          </p:cNvPr>
+          <p:cNvGrpSpPr/>
+          <p:nvPr/>
+        </p:nvGrpSpPr>
+        <p:grpSpPr>
+          <a:xfrm>
+            <a:off x="355520" y="5643600"/>
+            <a:ext cx="4739027" cy="2195332"/>
+            <a:chOff x="355520" y="1175678"/>
+            <a:chExt cx="4739027" cy="2195332"/>
+          </a:xfrm>
+        </p:grpSpPr>
+        <p:sp>
+          <p:nvSpPr>
+            <p:cNvPr id="36" name="직사각형 35">
+              <a:extLst>
+                <a:ext uri="{FF2B5EF4-FFF2-40B4-BE49-F238E27FC236}">
+                  <a16:creationId xmlns:a16="http://schemas.microsoft.com/office/drawing/2014/main" id="{F1655E4D-4DF0-484E-A3C5-4C859E2AF897}"/>
+                </a:ext>
+              </a:extLst>
+            </p:cNvPr>
+            <p:cNvSpPr/>
+            <p:nvPr/>
+          </p:nvSpPr>
+          <p:spPr>
+            <a:xfrm>
+              <a:off x="355520" y="1175678"/>
+              <a:ext cx="2160000" cy="504000"/>
+            </a:xfrm>
+            <a:prstGeom prst="rect">
+              <a:avLst/>
+            </a:prstGeom>
+            <a:noFill/>
+            <a:ln>
+              <a:solidFill>
+                <a:schemeClr val="tx1"/>
+              </a:solidFill>
+            </a:ln>
+          </p:spPr>
+          <p:style>
+            <a:lnRef idx="2">
+              <a:schemeClr val="accent1">
+                <a:shade val="50000"/>
+              </a:schemeClr>
+            </a:lnRef>
+            <a:fillRef idx="1">
+              <a:schemeClr val="accent1"/>
+            </a:fillRef>
+            <a:effectRef idx="0">
+              <a:schemeClr val="accent1"/>
+            </a:effectRef>
+            <a:fontRef idx="minor">
+              <a:schemeClr val="lt1"/>
+            </a:fontRef>
+          </p:style>
+          <p:txBody>
+            <a:bodyPr rtlCol="0" anchor="ctr"/>
+            <a:lstStyle/>
+            <a:p>
+              <a:pPr algn="ctr"/>
+              <a:r>
+                <a:rPr lang="en-US" altLang="ko-KR" sz="1467" dirty="0" err="1">
+                  <a:solidFill>
+                    <a:sysClr val="windowText" lastClr="000000"/>
+                  </a:solidFill>
+                </a:rPr>
+                <a:t>list.add</a:t>
+              </a:r>
+              <a:r>
+                <a:rPr lang="en-US" altLang="ko-KR" sz="1467" dirty="0">
+                  <a:solidFill>
+                    <a:sysClr val="windowText" lastClr="000000"/>
+                  </a:solidFill>
+                </a:rPr>
+                <a:t>(n % 10)</a:t>
+              </a:r>
+            </a:p>
+          </p:txBody>
+        </p:sp>
+        <p:cxnSp>
+          <p:nvCxnSpPr>
+            <p:cNvPr id="38" name="직선 화살표 연결선 37">
+              <a:extLst>
+                <a:ext uri="{FF2B5EF4-FFF2-40B4-BE49-F238E27FC236}">
+                  <a16:creationId xmlns:a16="http://schemas.microsoft.com/office/drawing/2014/main" id="{394DCF3D-D3AF-4DB9-9F79-CC4E18B7FAD8}"/>
+                </a:ext>
+              </a:extLst>
+            </p:cNvPr>
+            <p:cNvCxnSpPr>
+              <a:cxnSpLocks/>
+              <a:stCxn id="36" idx="2"/>
+              <a:endCxn id="39" idx="0"/>
+            </p:cNvCxnSpPr>
+            <p:nvPr/>
+          </p:nvCxnSpPr>
+          <p:spPr>
+            <a:xfrm>
+              <a:off x="1435520" y="1679678"/>
+              <a:ext cx="4" cy="346109"/>
+            </a:xfrm>
+            <a:prstGeom prst="straightConnector1">
+              <a:avLst/>
+            </a:prstGeom>
+            <a:ln>
+              <a:solidFill>
+                <a:schemeClr val="tx1"/>
+              </a:solidFill>
+              <a:tailEnd type="triangle"/>
+            </a:ln>
+          </p:spPr>
+          <p:style>
+            <a:lnRef idx="1">
+              <a:schemeClr val="accent1"/>
+            </a:lnRef>
+            <a:fillRef idx="0">
+              <a:schemeClr val="accent1"/>
+            </a:fillRef>
+            <a:effectRef idx="0">
+              <a:schemeClr val="accent1"/>
+            </a:effectRef>
+            <a:fontRef idx="minor">
+              <a:schemeClr val="tx1"/>
+            </a:fontRef>
+          </p:style>
+        </p:cxnSp>
+        <p:sp>
+          <p:nvSpPr>
+            <p:cNvPr id="39" name="다이아몬드 38">
+              <a:extLst>
+                <a:ext uri="{FF2B5EF4-FFF2-40B4-BE49-F238E27FC236}">
+                  <a16:creationId xmlns:a16="http://schemas.microsoft.com/office/drawing/2014/main" id="{C8D6E3A9-F567-4178-9C34-D44A32BA822D}"/>
+                </a:ext>
+              </a:extLst>
+            </p:cNvPr>
+            <p:cNvSpPr/>
+            <p:nvPr/>
+          </p:nvSpPr>
+          <p:spPr>
+            <a:xfrm>
+              <a:off x="355524" y="2025787"/>
+              <a:ext cx="2160000" cy="499557"/>
+            </a:xfrm>
+            <a:prstGeom prst="diamond">
+              <a:avLst/>
+            </a:prstGeom>
+            <a:noFill/>
+            <a:ln>
+              <a:solidFill>
+                <a:schemeClr val="tx1"/>
+              </a:solidFill>
+            </a:ln>
+          </p:spPr>
+          <p:style>
+            <a:lnRef idx="2">
+              <a:schemeClr val="accent1">
+                <a:shade val="50000"/>
+              </a:schemeClr>
+            </a:lnRef>
+            <a:fillRef idx="1">
+              <a:schemeClr val="accent1"/>
+            </a:fillRef>
+            <a:effectRef idx="0">
+              <a:schemeClr val="accent1"/>
+            </a:effectRef>
+            <a:fontRef idx="minor">
+              <a:schemeClr val="lt1"/>
+            </a:fontRef>
+          </p:style>
+          <p:txBody>
+            <a:bodyPr rtlCol="0" anchor="ctr"/>
+            <a:lstStyle/>
+            <a:p>
+              <a:pPr algn="ctr"/>
+              <a:r>
+                <a:rPr lang="en-US" altLang="ko-KR" sz="1467" dirty="0">
+                  <a:solidFill>
+                    <a:sysClr val="windowText" lastClr="000000"/>
+                  </a:solidFill>
+                </a:rPr>
+                <a:t>n == 0?</a:t>
+              </a:r>
+            </a:p>
+          </p:txBody>
+        </p:sp>
+        <p:cxnSp>
+          <p:nvCxnSpPr>
+            <p:cNvPr id="40" name="직선 화살표 연결선 39">
+              <a:extLst>
+                <a:ext uri="{FF2B5EF4-FFF2-40B4-BE49-F238E27FC236}">
+                  <a16:creationId xmlns:a16="http://schemas.microsoft.com/office/drawing/2014/main" id="{08FC7F54-9B24-4836-A932-5225F4CD80A5}"/>
+                </a:ext>
+              </a:extLst>
+            </p:cNvPr>
+            <p:cNvCxnSpPr>
+              <a:cxnSpLocks/>
+              <a:stCxn id="39" idx="2"/>
+              <a:endCxn id="41" idx="0"/>
+            </p:cNvCxnSpPr>
+            <p:nvPr/>
+          </p:nvCxnSpPr>
+          <p:spPr>
+            <a:xfrm flipH="1">
+              <a:off x="1435520" y="2525344"/>
+              <a:ext cx="4" cy="341666"/>
+            </a:xfrm>
+            <a:prstGeom prst="straightConnector1">
+              <a:avLst/>
+            </a:prstGeom>
+            <a:ln>
+              <a:solidFill>
+                <a:schemeClr val="tx1"/>
+              </a:solidFill>
+              <a:tailEnd type="triangle"/>
+            </a:ln>
+          </p:spPr>
+          <p:style>
+            <a:lnRef idx="1">
+              <a:schemeClr val="accent1"/>
+            </a:lnRef>
+            <a:fillRef idx="0">
+              <a:schemeClr val="accent1"/>
+            </a:fillRef>
+            <a:effectRef idx="0">
+              <a:schemeClr val="accent1"/>
+            </a:effectRef>
+            <a:fontRef idx="minor">
+              <a:schemeClr val="tx1"/>
+            </a:fontRef>
+          </p:style>
+        </p:cxnSp>
+        <p:sp>
+          <p:nvSpPr>
+            <p:cNvPr id="41" name="직사각형 40">
+              <a:extLst>
+                <a:ext uri="{FF2B5EF4-FFF2-40B4-BE49-F238E27FC236}">
+                  <a16:creationId xmlns:a16="http://schemas.microsoft.com/office/drawing/2014/main" id="{32F8490A-4BC7-4657-8D68-C3E202FE350C}"/>
+                </a:ext>
+              </a:extLst>
+            </p:cNvPr>
+            <p:cNvSpPr/>
+            <p:nvPr/>
+          </p:nvSpPr>
+          <p:spPr>
+            <a:xfrm>
+              <a:off x="355520" y="2867010"/>
+              <a:ext cx="2160000" cy="504000"/>
+            </a:xfrm>
+            <a:prstGeom prst="rect">
+              <a:avLst/>
+            </a:prstGeom>
+            <a:noFill/>
+            <a:ln>
+              <a:solidFill>
+                <a:schemeClr val="tx1"/>
+              </a:solidFill>
+            </a:ln>
+          </p:spPr>
+          <p:style>
+            <a:lnRef idx="2">
+              <a:schemeClr val="accent1">
+                <a:shade val="50000"/>
+              </a:schemeClr>
+            </a:lnRef>
+            <a:fillRef idx="1">
+              <a:schemeClr val="accent1"/>
+            </a:fillRef>
+            <a:effectRef idx="0">
+              <a:schemeClr val="accent1"/>
+            </a:effectRef>
+            <a:fontRef idx="minor">
+              <a:schemeClr val="lt1"/>
+            </a:fontRef>
+          </p:style>
+          <p:txBody>
+            <a:bodyPr rtlCol="0" anchor="ctr"/>
+            <a:lstStyle/>
+            <a:p>
+              <a:pPr algn="ctr"/>
+              <a:r>
+                <a:rPr lang="en-US" altLang="ko-KR" sz="1467" dirty="0">
+                  <a:solidFill>
+                    <a:sysClr val="windowText" lastClr="000000"/>
+                  </a:solidFill>
+                </a:rPr>
+                <a:t>return list</a:t>
+              </a:r>
+            </a:p>
+          </p:txBody>
+        </p:sp>
+        <p:sp>
+          <p:nvSpPr>
+            <p:cNvPr id="42" name="TextBox 41">
+              <a:extLst>
+                <a:ext uri="{FF2B5EF4-FFF2-40B4-BE49-F238E27FC236}">
+                  <a16:creationId xmlns:a16="http://schemas.microsoft.com/office/drawing/2014/main" id="{7E15ECE6-C822-4BC1-9098-E66A66BDEAF2}"/>
+                </a:ext>
+              </a:extLst>
+            </p:cNvPr>
+            <p:cNvSpPr txBox="1"/>
+            <p:nvPr/>
+          </p:nvSpPr>
+          <p:spPr>
+            <a:xfrm>
+              <a:off x="1454656" y="2453658"/>
+              <a:ext cx="417538" cy="322705"/>
+            </a:xfrm>
+            <a:prstGeom prst="rect">
+              <a:avLst/>
+            </a:prstGeom>
+            <a:noFill/>
+          </p:spPr>
+          <p:txBody>
+            <a:bodyPr wrap="none" lIns="48000" tIns="48000" rIns="48000" bIns="48000" rtlCol="0">
+              <a:spAutoFit/>
+            </a:bodyPr>
+            <a:lstStyle/>
+            <a:p>
+              <a:r>
+                <a:rPr lang="en-US" altLang="ko-KR" sz="1467" dirty="0"/>
+                <a:t>true</a:t>
+              </a:r>
+              <a:endParaRPr lang="ko-KR" altLang="en-US" sz="1467" dirty="0"/>
+            </a:p>
+          </p:txBody>
+        </p:sp>
+        <p:sp>
+          <p:nvSpPr>
+            <p:cNvPr id="43" name="TextBox 42">
+              <a:extLst>
+                <a:ext uri="{FF2B5EF4-FFF2-40B4-BE49-F238E27FC236}">
+                  <a16:creationId xmlns:a16="http://schemas.microsoft.com/office/drawing/2014/main" id="{FB0F349D-E765-401C-9D55-2D28649D1814}"/>
+                </a:ext>
+              </a:extLst>
+            </p:cNvPr>
+            <p:cNvSpPr txBox="1"/>
+            <p:nvPr/>
+          </p:nvSpPr>
+          <p:spPr>
+            <a:xfrm>
+              <a:off x="2379394" y="1927235"/>
+              <a:ext cx="450752" cy="322705"/>
+            </a:xfrm>
+            <a:prstGeom prst="rect">
+              <a:avLst/>
+            </a:prstGeom>
+            <a:noFill/>
+          </p:spPr>
+          <p:txBody>
+            <a:bodyPr wrap="none" lIns="48000" tIns="48000" rIns="48000" bIns="48000" rtlCol="0">
+              <a:spAutoFit/>
+            </a:bodyPr>
+            <a:lstStyle/>
+            <a:p>
+              <a:r>
+                <a:rPr lang="en-US" altLang="ko-KR" sz="1467" dirty="0"/>
+                <a:t>false</a:t>
+              </a:r>
+              <a:endParaRPr lang="ko-KR" altLang="en-US" sz="1467" dirty="0"/>
+            </a:p>
+          </p:txBody>
+        </p:sp>
+        <p:sp>
+          <p:nvSpPr>
+            <p:cNvPr id="44" name="직사각형 43">
+              <a:extLst>
+                <a:ext uri="{FF2B5EF4-FFF2-40B4-BE49-F238E27FC236}">
+                  <a16:creationId xmlns:a16="http://schemas.microsoft.com/office/drawing/2014/main" id="{DA7C45E8-F4E1-4997-B24C-24B2C4442CE0}"/>
+                </a:ext>
+              </a:extLst>
+            </p:cNvPr>
+            <p:cNvSpPr/>
+            <p:nvPr/>
+          </p:nvSpPr>
+          <p:spPr>
+            <a:xfrm>
+              <a:off x="2934547" y="2021344"/>
+              <a:ext cx="2160000" cy="504000"/>
+            </a:xfrm>
+            <a:prstGeom prst="rect">
+              <a:avLst/>
+            </a:prstGeom>
+            <a:noFill/>
+            <a:ln>
+              <a:solidFill>
+                <a:schemeClr val="tx1"/>
+              </a:solidFill>
+            </a:ln>
+          </p:spPr>
+          <p:style>
+            <a:lnRef idx="2">
+              <a:schemeClr val="accent1">
+                <a:shade val="50000"/>
+              </a:schemeClr>
+            </a:lnRef>
+            <a:fillRef idx="1">
+              <a:schemeClr val="accent1"/>
+            </a:fillRef>
+            <a:effectRef idx="0">
+              <a:schemeClr val="accent1"/>
+            </a:effectRef>
+            <a:fontRef idx="minor">
+              <a:schemeClr val="lt1"/>
+            </a:fontRef>
+          </p:style>
+          <p:txBody>
+            <a:bodyPr rtlCol="0" anchor="ctr"/>
+            <a:lstStyle/>
+            <a:p>
+              <a:pPr algn="ctr"/>
+              <a:r>
+                <a:rPr lang="en-US" altLang="ko-KR" sz="1467" dirty="0">
+                  <a:solidFill>
+                    <a:sysClr val="windowText" lastClr="000000"/>
+                  </a:solidFill>
+                </a:rPr>
+                <a:t>n /= 10</a:t>
+              </a:r>
+            </a:p>
+          </p:txBody>
+        </p:sp>
+        <p:cxnSp>
+          <p:nvCxnSpPr>
+            <p:cNvPr id="45" name="직선 화살표 연결선 44">
+              <a:extLst>
+                <a:ext uri="{FF2B5EF4-FFF2-40B4-BE49-F238E27FC236}">
+                  <a16:creationId xmlns:a16="http://schemas.microsoft.com/office/drawing/2014/main" id="{9E3D7452-AC6F-4FB5-8A8E-BCBC1C0B1145}"/>
+                </a:ext>
+              </a:extLst>
+            </p:cNvPr>
+            <p:cNvCxnSpPr>
+              <a:stCxn id="39" idx="3"/>
+              <a:endCxn id="44" idx="1"/>
+            </p:cNvCxnSpPr>
+            <p:nvPr/>
+          </p:nvCxnSpPr>
+          <p:spPr>
+            <a:xfrm flipV="1">
+              <a:off x="2515524" y="2273344"/>
+              <a:ext cx="419023" cy="2222"/>
+            </a:xfrm>
+            <a:prstGeom prst="straightConnector1">
+              <a:avLst/>
+            </a:prstGeom>
+            <a:ln>
+              <a:solidFill>
+                <a:schemeClr val="tx1"/>
+              </a:solidFill>
+              <a:tailEnd type="triangle"/>
+            </a:ln>
+          </p:spPr>
+          <p:style>
+            <a:lnRef idx="1">
+              <a:schemeClr val="accent1"/>
+            </a:lnRef>
+            <a:fillRef idx="0">
+              <a:schemeClr val="accent1"/>
+            </a:fillRef>
+            <a:effectRef idx="0">
+              <a:schemeClr val="accent1"/>
+            </a:effectRef>
+            <a:fontRef idx="minor">
+              <a:schemeClr val="tx1"/>
+            </a:fontRef>
+          </p:style>
+        </p:cxnSp>
+        <p:cxnSp>
+          <p:nvCxnSpPr>
+            <p:cNvPr id="46" name="연결선: 꺾임 45">
+              <a:extLst>
+                <a:ext uri="{FF2B5EF4-FFF2-40B4-BE49-F238E27FC236}">
+                  <a16:creationId xmlns:a16="http://schemas.microsoft.com/office/drawing/2014/main" id="{B3209E28-F275-4F8E-BE77-0896FBA8602A}"/>
+                </a:ext>
+              </a:extLst>
+            </p:cNvPr>
+            <p:cNvCxnSpPr>
+              <a:stCxn id="44" idx="0"/>
+              <a:endCxn id="36" idx="3"/>
+            </p:cNvCxnSpPr>
+            <p:nvPr/>
+          </p:nvCxnSpPr>
+          <p:spPr>
+            <a:xfrm rot="16200000" flipV="1">
+              <a:off x="2968201" y="974997"/>
+              <a:ext cx="593666" cy="1499027"/>
+            </a:xfrm>
+            <a:prstGeom prst="bentConnector2">
+              <a:avLst/>
+            </a:prstGeom>
+            <a:ln>
+              <a:solidFill>
+                <a:schemeClr val="tx1"/>
+              </a:solidFill>
+              <a:tailEnd type="triangle"/>
+            </a:ln>
+          </p:spPr>
+          <p:style>
+            <a:lnRef idx="1">
+              <a:schemeClr val="accent1"/>
+            </a:lnRef>
+            <a:fillRef idx="0">
+              <a:schemeClr val="accent1"/>
+            </a:fillRef>
+            <a:effectRef idx="0">
+              <a:schemeClr val="accent1"/>
+            </a:effectRef>
+            <a:fontRef idx="minor">
+              <a:schemeClr val="tx1"/>
+            </a:fontRef>
+          </p:style>
+        </p:cxnSp>
+      </p:grpSp>
     </p:spTree>
     <p:extLst>
       <p:ext uri="{BB962C8B-B14F-4D97-AF65-F5344CB8AC3E}">

--- a/알고리즘_프로그래머스_Level01_순서도.pptx
+++ b/알고리즘_프로그래머스_Level01_순서도.pptx
@@ -28,6 +28,7 @@
     <p:sldId id="281" r:id="rId22"/>
     <p:sldId id="282" r:id="rId23"/>
     <p:sldId id="283" r:id="rId24"/>
+    <p:sldId id="284" r:id="rId25"/>
   </p:sldIdLst>
   <p:sldSz cx="6858000" cy="9144000" type="screen4x3"/>
   <p:notesSz cx="6858000" cy="9144000"/>
@@ -265,7 +266,7 @@
           <a:p>
             <a:fld id="{274DCB2C-481A-4B20-92AC-CEC756183F8E}" type="datetimeFigureOut">
               <a:rPr lang="ko-KR" altLang="en-US" smtClean="0"/>
-              <a:t>2021-01-20</a:t>
+              <a:t>2021-01-21</a:t>
             </a:fld>
             <a:endParaRPr lang="ko-KR" altLang="en-US"/>
           </a:p>
@@ -435,7 +436,7 @@
           <a:p>
             <a:fld id="{274DCB2C-481A-4B20-92AC-CEC756183F8E}" type="datetimeFigureOut">
               <a:rPr lang="ko-KR" altLang="en-US" smtClean="0"/>
-              <a:t>2021-01-20</a:t>
+              <a:t>2021-01-21</a:t>
             </a:fld>
             <a:endParaRPr lang="ko-KR" altLang="en-US"/>
           </a:p>
@@ -615,7 +616,7 @@
           <a:p>
             <a:fld id="{274DCB2C-481A-4B20-92AC-CEC756183F8E}" type="datetimeFigureOut">
               <a:rPr lang="ko-KR" altLang="en-US" smtClean="0"/>
-              <a:t>2021-01-20</a:t>
+              <a:t>2021-01-21</a:t>
             </a:fld>
             <a:endParaRPr lang="ko-KR" altLang="en-US"/>
           </a:p>
@@ -785,7 +786,7 @@
           <a:p>
             <a:fld id="{274DCB2C-481A-4B20-92AC-CEC756183F8E}" type="datetimeFigureOut">
               <a:rPr lang="ko-KR" altLang="en-US" smtClean="0"/>
-              <a:t>2021-01-20</a:t>
+              <a:t>2021-01-21</a:t>
             </a:fld>
             <a:endParaRPr lang="ko-KR" altLang="en-US"/>
           </a:p>
@@ -1029,7 +1030,7 @@
           <a:p>
             <a:fld id="{274DCB2C-481A-4B20-92AC-CEC756183F8E}" type="datetimeFigureOut">
               <a:rPr lang="ko-KR" altLang="en-US" smtClean="0"/>
-              <a:t>2021-01-20</a:t>
+              <a:t>2021-01-21</a:t>
             </a:fld>
             <a:endParaRPr lang="ko-KR" altLang="en-US"/>
           </a:p>
@@ -1261,7 +1262,7 @@
           <a:p>
             <a:fld id="{274DCB2C-481A-4B20-92AC-CEC756183F8E}" type="datetimeFigureOut">
               <a:rPr lang="ko-KR" altLang="en-US" smtClean="0"/>
-              <a:t>2021-01-20</a:t>
+              <a:t>2021-01-21</a:t>
             </a:fld>
             <a:endParaRPr lang="ko-KR" altLang="en-US"/>
           </a:p>
@@ -1628,7 +1629,7 @@
           <a:p>
             <a:fld id="{274DCB2C-481A-4B20-92AC-CEC756183F8E}" type="datetimeFigureOut">
               <a:rPr lang="ko-KR" altLang="en-US" smtClean="0"/>
-              <a:t>2021-01-20</a:t>
+              <a:t>2021-01-21</a:t>
             </a:fld>
             <a:endParaRPr lang="ko-KR" altLang="en-US"/>
           </a:p>
@@ -1746,7 +1747,7 @@
           <a:p>
             <a:fld id="{274DCB2C-481A-4B20-92AC-CEC756183F8E}" type="datetimeFigureOut">
               <a:rPr lang="ko-KR" altLang="en-US" smtClean="0"/>
-              <a:t>2021-01-20</a:t>
+              <a:t>2021-01-21</a:t>
             </a:fld>
             <a:endParaRPr lang="ko-KR" altLang="en-US"/>
           </a:p>
@@ -1841,7 +1842,7 @@
           <a:p>
             <a:fld id="{274DCB2C-481A-4B20-92AC-CEC756183F8E}" type="datetimeFigureOut">
               <a:rPr lang="ko-KR" altLang="en-US" smtClean="0"/>
-              <a:t>2021-01-20</a:t>
+              <a:t>2021-01-21</a:t>
             </a:fld>
             <a:endParaRPr lang="ko-KR" altLang="en-US"/>
           </a:p>
@@ -2118,7 +2119,7 @@
           <a:p>
             <a:fld id="{274DCB2C-481A-4B20-92AC-CEC756183F8E}" type="datetimeFigureOut">
               <a:rPr lang="ko-KR" altLang="en-US" smtClean="0"/>
-              <a:t>2021-01-20</a:t>
+              <a:t>2021-01-21</a:t>
             </a:fld>
             <a:endParaRPr lang="ko-KR" altLang="en-US"/>
           </a:p>
@@ -2375,7 +2376,7 @@
           <a:p>
             <a:fld id="{274DCB2C-481A-4B20-92AC-CEC756183F8E}" type="datetimeFigureOut">
               <a:rPr lang="ko-KR" altLang="en-US" smtClean="0"/>
-              <a:t>2021-01-20</a:t>
+              <a:t>2021-01-21</a:t>
             </a:fld>
             <a:endParaRPr lang="ko-KR" altLang="en-US"/>
           </a:p>
@@ -2588,7 +2589,7 @@
           <a:p>
             <a:fld id="{274DCB2C-481A-4B20-92AC-CEC756183F8E}" type="datetimeFigureOut">
               <a:rPr lang="ko-KR" altLang="en-US" smtClean="0"/>
-              <a:t>2021-01-20</a:t>
+              <a:t>2021-01-21</a:t>
             </a:fld>
             <a:endParaRPr lang="ko-KR" altLang="en-US"/>
           </a:p>
@@ -17798,6 +17799,414 @@
 </p:sld>
 </file>
 
+<file path=ppt/slides/slide24.xml><?xml version="1.0" encoding="utf-8"?>
+<p:sld xmlns:a="http://schemas.openxmlformats.org/drawingml/2006/main" xmlns:r="http://schemas.openxmlformats.org/officeDocument/2006/relationships" xmlns:p="http://schemas.openxmlformats.org/presentationml/2006/main">
+  <p:cSld>
+    <p:spTree>
+      <p:nvGrpSpPr>
+        <p:cNvPr id="1" name=""/>
+        <p:cNvGrpSpPr/>
+        <p:nvPr/>
+      </p:nvGrpSpPr>
+      <p:grpSpPr>
+        <a:xfrm>
+          <a:off x="0" y="0"/>
+          <a:ext cx="0" cy="0"/>
+          <a:chOff x="0" y="0"/>
+          <a:chExt cx="0" cy="0"/>
+        </a:xfrm>
+      </p:grpSpPr>
+      <p:sp>
+        <p:nvSpPr>
+          <p:cNvPr id="4" name="제목 3">
+            <a:extLst>
+              <a:ext uri="{FF2B5EF4-FFF2-40B4-BE49-F238E27FC236}">
+                <a16:creationId xmlns:a16="http://schemas.microsoft.com/office/drawing/2014/main" id="{30BAC889-89EF-449A-A9AB-0AA582E87CB5}"/>
+              </a:ext>
+            </a:extLst>
+          </p:cNvPr>
+          <p:cNvSpPr>
+            <a:spLocks noGrp="1"/>
+          </p:cNvSpPr>
+          <p:nvPr>
+            <p:ph type="title"/>
+          </p:nvPr>
+        </p:nvSpPr>
+        <p:spPr/>
+        <p:txBody>
+          <a:bodyPr/>
+          <a:lstStyle/>
+          <a:p>
+            <a:r>
+              <a:rPr lang="ko-KR" altLang="en-US" dirty="0"/>
+              <a:t>정수 내림차순으로 배치하기 </a:t>
+            </a:r>
+            <a:r>
+              <a:rPr lang="en-US" altLang="ko-KR" dirty="0"/>
+              <a:t>(01.21)</a:t>
+            </a:r>
+            <a:endParaRPr lang="ko-KR" altLang="en-US" dirty="0"/>
+          </a:p>
+        </p:txBody>
+      </p:sp>
+      <p:grpSp>
+        <p:nvGrpSpPr>
+          <p:cNvPr id="8" name="그룹 7">
+            <a:extLst>
+              <a:ext uri="{FF2B5EF4-FFF2-40B4-BE49-F238E27FC236}">
+                <a16:creationId xmlns:a16="http://schemas.microsoft.com/office/drawing/2014/main" id="{47BDC133-9BC0-42E2-83C5-C4D7088942BE}"/>
+              </a:ext>
+            </a:extLst>
+          </p:cNvPr>
+          <p:cNvGrpSpPr/>
+          <p:nvPr/>
+        </p:nvGrpSpPr>
+        <p:grpSpPr>
+          <a:xfrm>
+            <a:off x="355520" y="1175678"/>
+            <a:ext cx="3600000" cy="2199775"/>
+            <a:chOff x="355520" y="1175678"/>
+            <a:chExt cx="3600000" cy="2199775"/>
+          </a:xfrm>
+        </p:grpSpPr>
+        <p:sp>
+          <p:nvSpPr>
+            <p:cNvPr id="5" name="직사각형 4">
+              <a:extLst>
+                <a:ext uri="{FF2B5EF4-FFF2-40B4-BE49-F238E27FC236}">
+                  <a16:creationId xmlns:a16="http://schemas.microsoft.com/office/drawing/2014/main" id="{03882C51-1F0D-4F1D-AE83-D0C9456E828D}"/>
+                </a:ext>
+              </a:extLst>
+            </p:cNvPr>
+            <p:cNvSpPr/>
+            <p:nvPr/>
+          </p:nvSpPr>
+          <p:spPr>
+            <a:xfrm>
+              <a:off x="355520" y="1175678"/>
+              <a:ext cx="3600000" cy="504000"/>
+            </a:xfrm>
+            <a:prstGeom prst="rect">
+              <a:avLst/>
+            </a:prstGeom>
+            <a:noFill/>
+            <a:ln>
+              <a:solidFill>
+                <a:schemeClr val="tx1"/>
+              </a:solidFill>
+            </a:ln>
+          </p:spPr>
+          <p:style>
+            <a:lnRef idx="2">
+              <a:schemeClr val="accent1">
+                <a:shade val="50000"/>
+              </a:schemeClr>
+            </a:lnRef>
+            <a:fillRef idx="1">
+              <a:schemeClr val="accent1"/>
+            </a:fillRef>
+            <a:effectRef idx="0">
+              <a:schemeClr val="accent1"/>
+            </a:effectRef>
+            <a:fontRef idx="minor">
+              <a:schemeClr val="lt1"/>
+            </a:fontRef>
+          </p:style>
+          <p:txBody>
+            <a:bodyPr rtlCol="0" anchor="ctr"/>
+            <a:lstStyle/>
+            <a:p>
+              <a:pPr algn="ctr"/>
+              <a:r>
+                <a:rPr lang="en-US" altLang="ko-KR" sz="1467" dirty="0">
+                  <a:solidFill>
+                    <a:sysClr val="windowText" lastClr="000000"/>
+                  </a:solidFill>
+                </a:rPr>
+                <a:t>n</a:t>
+              </a:r>
+              <a:r>
+                <a:rPr lang="ko-KR" altLang="en-US" sz="1467" dirty="0">
+                  <a:solidFill>
+                    <a:sysClr val="windowText" lastClr="000000"/>
+                  </a:solidFill>
+                </a:rPr>
+                <a:t>을 배열로 바꾼다</a:t>
+              </a:r>
+              <a:endParaRPr lang="en-US" altLang="ko-KR" sz="1467" dirty="0">
+                <a:solidFill>
+                  <a:sysClr val="windowText" lastClr="000000"/>
+                </a:solidFill>
+              </a:endParaRPr>
+            </a:p>
+          </p:txBody>
+        </p:sp>
+        <p:cxnSp>
+          <p:nvCxnSpPr>
+            <p:cNvPr id="6" name="직선 화살표 연결선 5">
+              <a:extLst>
+                <a:ext uri="{FF2B5EF4-FFF2-40B4-BE49-F238E27FC236}">
+                  <a16:creationId xmlns:a16="http://schemas.microsoft.com/office/drawing/2014/main" id="{304DBAFC-8442-4E60-89F1-15CD0C9F91C5}"/>
+                </a:ext>
+              </a:extLst>
+            </p:cNvPr>
+            <p:cNvCxnSpPr>
+              <a:cxnSpLocks/>
+              <a:stCxn id="5" idx="2"/>
+              <a:endCxn id="35" idx="0"/>
+            </p:cNvCxnSpPr>
+            <p:nvPr/>
+          </p:nvCxnSpPr>
+          <p:spPr>
+            <a:xfrm>
+              <a:off x="2155520" y="1679678"/>
+              <a:ext cx="0" cy="346109"/>
+            </a:xfrm>
+            <a:prstGeom prst="straightConnector1">
+              <a:avLst/>
+            </a:prstGeom>
+            <a:ln>
+              <a:solidFill>
+                <a:schemeClr val="tx1"/>
+              </a:solidFill>
+              <a:tailEnd type="triangle"/>
+            </a:ln>
+          </p:spPr>
+          <p:style>
+            <a:lnRef idx="1">
+              <a:schemeClr val="accent1"/>
+            </a:lnRef>
+            <a:fillRef idx="0">
+              <a:schemeClr val="accent1"/>
+            </a:fillRef>
+            <a:effectRef idx="0">
+              <a:schemeClr val="accent1"/>
+            </a:effectRef>
+            <a:fontRef idx="minor">
+              <a:schemeClr val="tx1"/>
+            </a:fontRef>
+          </p:style>
+        </p:cxnSp>
+        <p:sp>
+          <p:nvSpPr>
+            <p:cNvPr id="35" name="직사각형 34">
+              <a:extLst>
+                <a:ext uri="{FF2B5EF4-FFF2-40B4-BE49-F238E27FC236}">
+                  <a16:creationId xmlns:a16="http://schemas.microsoft.com/office/drawing/2014/main" id="{328A2F09-56A6-4C93-9F89-DAAAECC1721D}"/>
+                </a:ext>
+              </a:extLst>
+            </p:cNvPr>
+            <p:cNvSpPr/>
+            <p:nvPr/>
+          </p:nvSpPr>
+          <p:spPr>
+            <a:xfrm>
+              <a:off x="355520" y="2025787"/>
+              <a:ext cx="3600000" cy="504000"/>
+            </a:xfrm>
+            <a:prstGeom prst="rect">
+              <a:avLst/>
+            </a:prstGeom>
+            <a:noFill/>
+            <a:ln>
+              <a:solidFill>
+                <a:schemeClr val="tx1"/>
+              </a:solidFill>
+            </a:ln>
+          </p:spPr>
+          <p:style>
+            <a:lnRef idx="2">
+              <a:schemeClr val="accent1">
+                <a:shade val="50000"/>
+              </a:schemeClr>
+            </a:lnRef>
+            <a:fillRef idx="1">
+              <a:schemeClr val="accent1"/>
+            </a:fillRef>
+            <a:effectRef idx="0">
+              <a:schemeClr val="accent1"/>
+            </a:effectRef>
+            <a:fontRef idx="minor">
+              <a:schemeClr val="lt1"/>
+            </a:fontRef>
+          </p:style>
+          <p:txBody>
+            <a:bodyPr rtlCol="0" anchor="ctr"/>
+            <a:lstStyle/>
+            <a:p>
+              <a:pPr algn="ctr"/>
+              <a:r>
+                <a:rPr lang="en-US" altLang="ko-KR" sz="1467" dirty="0">
+                  <a:solidFill>
+                    <a:sysClr val="windowText" lastClr="000000"/>
+                  </a:solidFill>
+                </a:rPr>
+                <a:t>n</a:t>
+              </a:r>
+              <a:r>
+                <a:rPr lang="ko-KR" altLang="en-US" sz="1467" dirty="0">
+                  <a:solidFill>
+                    <a:sysClr val="windowText" lastClr="000000"/>
+                  </a:solidFill>
+                </a:rPr>
+                <a:t>을 내림차순으로 정렬한다</a:t>
+              </a:r>
+              <a:endParaRPr lang="en-US" altLang="ko-KR" sz="1467" dirty="0">
+                <a:solidFill>
+                  <a:sysClr val="windowText" lastClr="000000"/>
+                </a:solidFill>
+              </a:endParaRPr>
+            </a:p>
+          </p:txBody>
+        </p:sp>
+        <p:cxnSp>
+          <p:nvCxnSpPr>
+            <p:cNvPr id="41" name="직선 화살표 연결선 40">
+              <a:extLst>
+                <a:ext uri="{FF2B5EF4-FFF2-40B4-BE49-F238E27FC236}">
+                  <a16:creationId xmlns:a16="http://schemas.microsoft.com/office/drawing/2014/main" id="{F725DD6A-9BE2-4976-9379-441B76954BF3}"/>
+                </a:ext>
+              </a:extLst>
+            </p:cNvPr>
+            <p:cNvCxnSpPr>
+              <a:cxnSpLocks/>
+              <a:stCxn id="35" idx="2"/>
+              <a:endCxn id="48" idx="0"/>
+            </p:cNvCxnSpPr>
+            <p:nvPr/>
+          </p:nvCxnSpPr>
+          <p:spPr>
+            <a:xfrm>
+              <a:off x="2155520" y="2529787"/>
+              <a:ext cx="0" cy="341666"/>
+            </a:xfrm>
+            <a:prstGeom prst="straightConnector1">
+              <a:avLst/>
+            </a:prstGeom>
+            <a:ln>
+              <a:solidFill>
+                <a:schemeClr val="tx1"/>
+              </a:solidFill>
+              <a:tailEnd type="triangle"/>
+            </a:ln>
+          </p:spPr>
+          <p:style>
+            <a:lnRef idx="1">
+              <a:schemeClr val="accent1"/>
+            </a:lnRef>
+            <a:fillRef idx="0">
+              <a:schemeClr val="accent1"/>
+            </a:fillRef>
+            <a:effectRef idx="0">
+              <a:schemeClr val="accent1"/>
+            </a:effectRef>
+            <a:fontRef idx="minor">
+              <a:schemeClr val="tx1"/>
+            </a:fontRef>
+          </p:style>
+        </p:cxnSp>
+        <p:sp>
+          <p:nvSpPr>
+            <p:cNvPr id="48" name="직사각형 47">
+              <a:extLst>
+                <a:ext uri="{FF2B5EF4-FFF2-40B4-BE49-F238E27FC236}">
+                  <a16:creationId xmlns:a16="http://schemas.microsoft.com/office/drawing/2014/main" id="{E363231D-4655-41A7-ABC1-EFE33C0F8624}"/>
+                </a:ext>
+              </a:extLst>
+            </p:cNvPr>
+            <p:cNvSpPr/>
+            <p:nvPr/>
+          </p:nvSpPr>
+          <p:spPr>
+            <a:xfrm>
+              <a:off x="355520" y="2871453"/>
+              <a:ext cx="3600000" cy="504000"/>
+            </a:xfrm>
+            <a:prstGeom prst="rect">
+              <a:avLst/>
+            </a:prstGeom>
+            <a:noFill/>
+            <a:ln>
+              <a:solidFill>
+                <a:schemeClr val="tx1"/>
+              </a:solidFill>
+            </a:ln>
+          </p:spPr>
+          <p:style>
+            <a:lnRef idx="2">
+              <a:schemeClr val="accent1">
+                <a:shade val="50000"/>
+              </a:schemeClr>
+            </a:lnRef>
+            <a:fillRef idx="1">
+              <a:schemeClr val="accent1"/>
+            </a:fillRef>
+            <a:effectRef idx="0">
+              <a:schemeClr val="accent1"/>
+            </a:effectRef>
+            <a:fontRef idx="minor">
+              <a:schemeClr val="lt1"/>
+            </a:fontRef>
+          </p:style>
+          <p:txBody>
+            <a:bodyPr rtlCol="0" anchor="ctr"/>
+            <a:lstStyle/>
+            <a:p>
+              <a:pPr algn="ctr"/>
+              <a:r>
+                <a:rPr lang="en-US" altLang="ko-KR" sz="1467" dirty="0">
+                  <a:solidFill>
+                    <a:sysClr val="windowText" lastClr="000000"/>
+                  </a:solidFill>
+                </a:rPr>
+                <a:t>n</a:t>
+              </a:r>
+              <a:r>
+                <a:rPr lang="ko-KR" altLang="en-US" sz="1467" dirty="0">
+                  <a:solidFill>
+                    <a:sysClr val="windowText" lastClr="000000"/>
+                  </a:solidFill>
+                </a:rPr>
+                <a:t>을 </a:t>
+              </a:r>
+              <a:r>
+                <a:rPr lang="en-US" altLang="ko-KR" sz="1467" dirty="0">
+                  <a:solidFill>
+                    <a:sysClr val="windowText" lastClr="000000"/>
+                  </a:solidFill>
+                </a:rPr>
+                <a:t>Long</a:t>
+              </a:r>
+              <a:r>
+                <a:rPr lang="ko-KR" altLang="en-US" sz="1467" dirty="0">
+                  <a:solidFill>
+                    <a:sysClr val="windowText" lastClr="000000"/>
+                  </a:solidFill>
+                </a:rPr>
+                <a:t>타입으로 변환한다</a:t>
+              </a:r>
+              <a:endParaRPr lang="en-US" altLang="ko-KR" sz="1467" dirty="0">
+                <a:solidFill>
+                  <a:sysClr val="windowText" lastClr="000000"/>
+                </a:solidFill>
+              </a:endParaRPr>
+            </a:p>
+          </p:txBody>
+        </p:sp>
+      </p:grpSp>
+    </p:spTree>
+    <p:extLst>
+      <p:ext uri="{BB962C8B-B14F-4D97-AF65-F5344CB8AC3E}">
+        <p14:creationId xmlns:p14="http://schemas.microsoft.com/office/powerpoint/2010/main" val="3873963444"/>
+      </p:ext>
+    </p:extLst>
+  </p:cSld>
+  <p:clrMapOvr>
+    <a:masterClrMapping/>
+  </p:clrMapOvr>
+</p:sld>
+</file>
+
 <file path=ppt/slides/slide3.xml><?xml version="1.0" encoding="utf-8"?>
 <p:sld xmlns:a="http://schemas.openxmlformats.org/drawingml/2006/main" xmlns:r="http://schemas.openxmlformats.org/officeDocument/2006/relationships" xmlns:p="http://schemas.openxmlformats.org/presentationml/2006/main">
   <p:cSld>

--- a/알고리즘_프로그래머스_Level01_순서도.pptx
+++ b/알고리즘_프로그래머스_Level01_순서도.pptx
@@ -18194,6 +18194,517 @@
           </p:txBody>
         </p:sp>
       </p:grpSp>
+      <p:sp>
+        <p:nvSpPr>
+          <p:cNvPr id="9" name="제목 3">
+            <a:extLst>
+              <a:ext uri="{FF2B5EF4-FFF2-40B4-BE49-F238E27FC236}">
+                <a16:creationId xmlns:a16="http://schemas.microsoft.com/office/drawing/2014/main" id="{B13472FD-7619-4383-97BF-4DC40A04C74D}"/>
+              </a:ext>
+            </a:extLst>
+          </p:cNvPr>
+          <p:cNvSpPr txBox="1">
+            <a:spLocks/>
+          </p:cNvSpPr>
+          <p:nvPr/>
+        </p:nvSpPr>
+        <p:spPr>
+          <a:xfrm>
+            <a:off x="471489" y="4572000"/>
+            <a:ext cx="5915025" cy="559764"/>
+          </a:xfrm>
+          <a:prstGeom prst="rect">
+            <a:avLst/>
+          </a:prstGeom>
+        </p:spPr>
+        <p:txBody>
+          <a:bodyPr vert="horz" lIns="91440" tIns="45720" rIns="91440" bIns="45720" rtlCol="0" anchor="ctr">
+            <a:normAutofit/>
+          </a:bodyPr>
+          <a:lstStyle>
+            <a:lvl1pPr algn="l" defTabSz="685800" rtl="0" eaLnBrk="1" latinLnBrk="1" hangingPunct="1">
+              <a:lnSpc>
+                <a:spcPct val="90000"/>
+              </a:lnSpc>
+              <a:spcBef>
+                <a:spcPct val="0"/>
+              </a:spcBef>
+              <a:buNone/>
+              <a:defRPr sz="2800" kern="1200">
+                <a:solidFill>
+                  <a:schemeClr val="tx1"/>
+                </a:solidFill>
+                <a:latin typeface="+mj-lt"/>
+                <a:ea typeface="+mj-ea"/>
+                <a:cs typeface="+mj-cs"/>
+              </a:defRPr>
+            </a:lvl1pPr>
+          </a:lstStyle>
+          <a:p>
+            <a:r>
+              <a:rPr lang="ko-KR" altLang="en-US"/>
+              <a:t>정수 제곱근 판별 </a:t>
+            </a:r>
+            <a:r>
+              <a:rPr lang="en-US" altLang="ko-KR"/>
+              <a:t>(01.21)</a:t>
+            </a:r>
+            <a:endParaRPr lang="ko-KR" altLang="en-US" dirty="0"/>
+          </a:p>
+        </p:txBody>
+      </p:sp>
+      <p:grpSp>
+        <p:nvGrpSpPr>
+          <p:cNvPr id="10" name="그룹 9">
+            <a:extLst>
+              <a:ext uri="{FF2B5EF4-FFF2-40B4-BE49-F238E27FC236}">
+                <a16:creationId xmlns:a16="http://schemas.microsoft.com/office/drawing/2014/main" id="{34084CA9-6914-4499-B3B5-1624FA304B51}"/>
+              </a:ext>
+            </a:extLst>
+          </p:cNvPr>
+          <p:cNvGrpSpPr/>
+          <p:nvPr/>
+        </p:nvGrpSpPr>
+        <p:grpSpPr>
+          <a:xfrm>
+            <a:off x="471489" y="5399393"/>
+            <a:ext cx="6046947" cy="2199775"/>
+            <a:chOff x="471489" y="1175678"/>
+            <a:chExt cx="6046947" cy="2199775"/>
+          </a:xfrm>
+        </p:grpSpPr>
+        <p:sp>
+          <p:nvSpPr>
+            <p:cNvPr id="11" name="직사각형 10">
+              <a:extLst>
+                <a:ext uri="{FF2B5EF4-FFF2-40B4-BE49-F238E27FC236}">
+                  <a16:creationId xmlns:a16="http://schemas.microsoft.com/office/drawing/2014/main" id="{8D1B9CC6-02A3-45CD-90A8-D63CF3A06231}"/>
+                </a:ext>
+              </a:extLst>
+            </p:cNvPr>
+            <p:cNvSpPr/>
+            <p:nvPr/>
+          </p:nvSpPr>
+          <p:spPr>
+            <a:xfrm>
+              <a:off x="471489" y="1175678"/>
+              <a:ext cx="2880000" cy="504000"/>
+            </a:xfrm>
+            <a:prstGeom prst="rect">
+              <a:avLst/>
+            </a:prstGeom>
+            <a:noFill/>
+            <a:ln>
+              <a:solidFill>
+                <a:schemeClr val="tx1"/>
+              </a:solidFill>
+            </a:ln>
+          </p:spPr>
+          <p:style>
+            <a:lnRef idx="2">
+              <a:schemeClr val="accent1">
+                <a:shade val="50000"/>
+              </a:schemeClr>
+            </a:lnRef>
+            <a:fillRef idx="1">
+              <a:schemeClr val="accent1"/>
+            </a:fillRef>
+            <a:effectRef idx="0">
+              <a:schemeClr val="accent1"/>
+            </a:effectRef>
+            <a:fontRef idx="minor">
+              <a:schemeClr val="lt1"/>
+            </a:fontRef>
+          </p:style>
+          <p:txBody>
+            <a:bodyPr rtlCol="0" anchor="ctr"/>
+            <a:lstStyle/>
+            <a:p>
+              <a:pPr algn="ctr"/>
+              <a:r>
+                <a:rPr lang="en-US" altLang="ko-KR" sz="1467" dirty="0">
+                  <a:solidFill>
+                    <a:sysClr val="windowText" lastClr="000000"/>
+                  </a:solidFill>
+                </a:rPr>
+                <a:t>n</a:t>
+              </a:r>
+              <a:r>
+                <a:rPr lang="ko-KR" altLang="en-US" sz="1467" dirty="0">
+                  <a:solidFill>
+                    <a:sysClr val="windowText" lastClr="000000"/>
+                  </a:solidFill>
+                </a:rPr>
+                <a:t>의 </a:t>
+              </a:r>
+              <a:r>
+                <a:rPr lang="ko-KR" altLang="en-US" sz="1467" dirty="0" err="1">
+                  <a:solidFill>
+                    <a:sysClr val="windowText" lastClr="000000"/>
+                  </a:solidFill>
+                </a:rPr>
+                <a:t>루트값을</a:t>
+              </a:r>
+              <a:r>
+                <a:rPr lang="ko-KR" altLang="en-US" sz="1467" dirty="0">
+                  <a:solidFill>
+                    <a:sysClr val="windowText" lastClr="000000"/>
+                  </a:solidFill>
+                </a:rPr>
+                <a:t> 구한다</a:t>
+              </a:r>
+              <a:endParaRPr lang="en-US" altLang="ko-KR" sz="1467" dirty="0">
+                <a:solidFill>
+                  <a:sysClr val="windowText" lastClr="000000"/>
+                </a:solidFill>
+              </a:endParaRPr>
+            </a:p>
+          </p:txBody>
+        </p:sp>
+        <p:cxnSp>
+          <p:nvCxnSpPr>
+            <p:cNvPr id="12" name="직선 화살표 연결선 11">
+              <a:extLst>
+                <a:ext uri="{FF2B5EF4-FFF2-40B4-BE49-F238E27FC236}">
+                  <a16:creationId xmlns:a16="http://schemas.microsoft.com/office/drawing/2014/main" id="{F088D76B-A4F5-41CC-ACFD-8412421E0514}"/>
+                </a:ext>
+              </a:extLst>
+            </p:cNvPr>
+            <p:cNvCxnSpPr>
+              <a:cxnSpLocks/>
+              <a:stCxn id="11" idx="2"/>
+              <a:endCxn id="15" idx="0"/>
+            </p:cNvCxnSpPr>
+            <p:nvPr/>
+          </p:nvCxnSpPr>
+          <p:spPr>
+            <a:xfrm>
+              <a:off x="1911489" y="1679678"/>
+              <a:ext cx="0" cy="346109"/>
+            </a:xfrm>
+            <a:prstGeom prst="straightConnector1">
+              <a:avLst/>
+            </a:prstGeom>
+            <a:ln>
+              <a:solidFill>
+                <a:schemeClr val="tx1"/>
+              </a:solidFill>
+              <a:tailEnd type="triangle"/>
+            </a:ln>
+          </p:spPr>
+          <p:style>
+            <a:lnRef idx="1">
+              <a:schemeClr val="accent1"/>
+            </a:lnRef>
+            <a:fillRef idx="0">
+              <a:schemeClr val="accent1"/>
+            </a:fillRef>
+            <a:effectRef idx="0">
+              <a:schemeClr val="accent1"/>
+            </a:effectRef>
+            <a:fontRef idx="minor">
+              <a:schemeClr val="tx1"/>
+            </a:fontRef>
+          </p:style>
+        </p:cxnSp>
+        <p:cxnSp>
+          <p:nvCxnSpPr>
+            <p:cNvPr id="13" name="직선 화살표 연결선 12">
+              <a:extLst>
+                <a:ext uri="{FF2B5EF4-FFF2-40B4-BE49-F238E27FC236}">
+                  <a16:creationId xmlns:a16="http://schemas.microsoft.com/office/drawing/2014/main" id="{788C22AD-57C8-474C-8D84-52E05B1DE481}"/>
+                </a:ext>
+              </a:extLst>
+            </p:cNvPr>
+            <p:cNvCxnSpPr>
+              <a:cxnSpLocks/>
+              <a:stCxn id="15" idx="2"/>
+              <a:endCxn id="14" idx="0"/>
+            </p:cNvCxnSpPr>
+            <p:nvPr/>
+          </p:nvCxnSpPr>
+          <p:spPr>
+            <a:xfrm>
+              <a:off x="1911489" y="2525344"/>
+              <a:ext cx="0" cy="346109"/>
+            </a:xfrm>
+            <a:prstGeom prst="straightConnector1">
+              <a:avLst/>
+            </a:prstGeom>
+            <a:ln>
+              <a:solidFill>
+                <a:schemeClr val="tx1"/>
+              </a:solidFill>
+              <a:tailEnd type="triangle"/>
+            </a:ln>
+          </p:spPr>
+          <p:style>
+            <a:lnRef idx="1">
+              <a:schemeClr val="accent1"/>
+            </a:lnRef>
+            <a:fillRef idx="0">
+              <a:schemeClr val="accent1"/>
+            </a:fillRef>
+            <a:effectRef idx="0">
+              <a:schemeClr val="accent1"/>
+            </a:effectRef>
+            <a:fontRef idx="minor">
+              <a:schemeClr val="tx1"/>
+            </a:fontRef>
+          </p:style>
+        </p:cxnSp>
+        <p:sp>
+          <p:nvSpPr>
+            <p:cNvPr id="14" name="직사각형 13">
+              <a:extLst>
+                <a:ext uri="{FF2B5EF4-FFF2-40B4-BE49-F238E27FC236}">
+                  <a16:creationId xmlns:a16="http://schemas.microsoft.com/office/drawing/2014/main" id="{EF330304-FE1F-4FE2-8027-341EE658A144}"/>
+                </a:ext>
+              </a:extLst>
+            </p:cNvPr>
+            <p:cNvSpPr/>
+            <p:nvPr/>
+          </p:nvSpPr>
+          <p:spPr>
+            <a:xfrm>
+              <a:off x="471489" y="2871453"/>
+              <a:ext cx="2880000" cy="504000"/>
+            </a:xfrm>
+            <a:prstGeom prst="rect">
+              <a:avLst/>
+            </a:prstGeom>
+            <a:noFill/>
+            <a:ln>
+              <a:solidFill>
+                <a:schemeClr val="tx1"/>
+              </a:solidFill>
+            </a:ln>
+          </p:spPr>
+          <p:style>
+            <a:lnRef idx="2">
+              <a:schemeClr val="accent1">
+                <a:shade val="50000"/>
+              </a:schemeClr>
+            </a:lnRef>
+            <a:fillRef idx="1">
+              <a:schemeClr val="accent1"/>
+            </a:fillRef>
+            <a:effectRef idx="0">
+              <a:schemeClr val="accent1"/>
+            </a:effectRef>
+            <a:fontRef idx="minor">
+              <a:schemeClr val="lt1"/>
+            </a:fontRef>
+          </p:style>
+          <p:txBody>
+            <a:bodyPr rtlCol="0" anchor="ctr"/>
+            <a:lstStyle/>
+            <a:p>
+              <a:pPr algn="ctr"/>
+              <a:r>
+                <a:rPr lang="en-US" altLang="ko-KR" sz="1467" dirty="0">
+                  <a:solidFill>
+                    <a:sysClr val="windowText" lastClr="000000"/>
+                  </a:solidFill>
+                </a:rPr>
+                <a:t>return </a:t>
+              </a:r>
+              <a:r>
+                <a:rPr lang="ko-KR" altLang="en-US" sz="1467" dirty="0" err="1">
+                  <a:solidFill>
+                    <a:sysClr val="windowText" lastClr="000000"/>
+                  </a:solidFill>
+                </a:rPr>
+                <a:t>루트값</a:t>
+              </a:r>
+              <a:endParaRPr lang="en-US" altLang="ko-KR" sz="1467" dirty="0">
+                <a:solidFill>
+                  <a:sysClr val="windowText" lastClr="000000"/>
+                </a:solidFill>
+              </a:endParaRPr>
+            </a:p>
+          </p:txBody>
+        </p:sp>
+        <p:sp>
+          <p:nvSpPr>
+            <p:cNvPr id="15" name="다이아몬드 14">
+              <a:extLst>
+                <a:ext uri="{FF2B5EF4-FFF2-40B4-BE49-F238E27FC236}">
+                  <a16:creationId xmlns:a16="http://schemas.microsoft.com/office/drawing/2014/main" id="{F76830A9-265A-43DD-9C35-9AD1315C8F64}"/>
+                </a:ext>
+              </a:extLst>
+            </p:cNvPr>
+            <p:cNvSpPr/>
+            <p:nvPr/>
+          </p:nvSpPr>
+          <p:spPr>
+            <a:xfrm>
+              <a:off x="471489" y="2025787"/>
+              <a:ext cx="2880000" cy="499557"/>
+            </a:xfrm>
+            <a:prstGeom prst="diamond">
+              <a:avLst/>
+            </a:prstGeom>
+            <a:noFill/>
+            <a:ln>
+              <a:solidFill>
+                <a:schemeClr val="tx1"/>
+              </a:solidFill>
+            </a:ln>
+          </p:spPr>
+          <p:style>
+            <a:lnRef idx="2">
+              <a:schemeClr val="accent1">
+                <a:shade val="50000"/>
+              </a:schemeClr>
+            </a:lnRef>
+            <a:fillRef idx="1">
+              <a:schemeClr val="accent1"/>
+            </a:fillRef>
+            <a:effectRef idx="0">
+              <a:schemeClr val="accent1"/>
+            </a:effectRef>
+            <a:fontRef idx="minor">
+              <a:schemeClr val="lt1"/>
+            </a:fontRef>
+          </p:style>
+          <p:txBody>
+            <a:bodyPr rtlCol="0" anchor="ctr"/>
+            <a:lstStyle/>
+            <a:p>
+              <a:pPr algn="ctr"/>
+              <a:r>
+                <a:rPr lang="ko-KR" altLang="en-US" sz="1467" dirty="0" err="1">
+                  <a:solidFill>
+                    <a:sysClr val="windowText" lastClr="000000"/>
+                  </a:solidFill>
+                </a:rPr>
+                <a:t>루트값</a:t>
+              </a:r>
+              <a:r>
+                <a:rPr lang="ko-KR" altLang="en-US" sz="1467" dirty="0">
+                  <a:solidFill>
+                    <a:sysClr val="windowText" lastClr="000000"/>
+                  </a:solidFill>
+                </a:rPr>
+                <a:t> </a:t>
+              </a:r>
+              <a:r>
+                <a:rPr lang="en-US" altLang="ko-KR" sz="1467" dirty="0">
+                  <a:solidFill>
+                    <a:sysClr val="windowText" lastClr="000000"/>
+                  </a:solidFill>
+                </a:rPr>
+                <a:t>^ 2 == n</a:t>
+              </a:r>
+            </a:p>
+          </p:txBody>
+        </p:sp>
+        <p:sp>
+          <p:nvSpPr>
+            <p:cNvPr id="16" name="직사각형 15">
+              <a:extLst>
+                <a:ext uri="{FF2B5EF4-FFF2-40B4-BE49-F238E27FC236}">
+                  <a16:creationId xmlns:a16="http://schemas.microsoft.com/office/drawing/2014/main" id="{5C974463-A062-446D-8873-630C266B9A60}"/>
+                </a:ext>
+              </a:extLst>
+            </p:cNvPr>
+            <p:cNvSpPr/>
+            <p:nvPr/>
+          </p:nvSpPr>
+          <p:spPr>
+            <a:xfrm>
+              <a:off x="3638436" y="2871453"/>
+              <a:ext cx="2880000" cy="504000"/>
+            </a:xfrm>
+            <a:prstGeom prst="rect">
+              <a:avLst/>
+            </a:prstGeom>
+            <a:noFill/>
+            <a:ln>
+              <a:solidFill>
+                <a:schemeClr val="tx1"/>
+              </a:solidFill>
+            </a:ln>
+          </p:spPr>
+          <p:style>
+            <a:lnRef idx="2">
+              <a:schemeClr val="accent1">
+                <a:shade val="50000"/>
+              </a:schemeClr>
+            </a:lnRef>
+            <a:fillRef idx="1">
+              <a:schemeClr val="accent1"/>
+            </a:fillRef>
+            <a:effectRef idx="0">
+              <a:schemeClr val="accent1"/>
+            </a:effectRef>
+            <a:fontRef idx="minor">
+              <a:schemeClr val="lt1"/>
+            </a:fontRef>
+          </p:style>
+          <p:txBody>
+            <a:bodyPr rtlCol="0" anchor="ctr"/>
+            <a:lstStyle/>
+            <a:p>
+              <a:pPr algn="ctr"/>
+              <a:r>
+                <a:rPr lang="en-US" altLang="ko-KR" sz="1467" dirty="0">
+                  <a:solidFill>
+                    <a:sysClr val="windowText" lastClr="000000"/>
+                  </a:solidFill>
+                </a:rPr>
+                <a:t>return -1</a:t>
+              </a:r>
+            </a:p>
+          </p:txBody>
+        </p:sp>
+        <p:cxnSp>
+          <p:nvCxnSpPr>
+            <p:cNvPr id="17" name="연결선: 꺾임 16">
+              <a:extLst>
+                <a:ext uri="{FF2B5EF4-FFF2-40B4-BE49-F238E27FC236}">
+                  <a16:creationId xmlns:a16="http://schemas.microsoft.com/office/drawing/2014/main" id="{496BB4C4-3081-4023-8C6F-4A116F6B4024}"/>
+                </a:ext>
+              </a:extLst>
+            </p:cNvPr>
+            <p:cNvCxnSpPr>
+              <a:stCxn id="15" idx="3"/>
+              <a:endCxn id="16" idx="0"/>
+            </p:cNvCxnSpPr>
+            <p:nvPr/>
+          </p:nvCxnSpPr>
+          <p:spPr>
+            <a:xfrm>
+              <a:off x="3351489" y="2275566"/>
+              <a:ext cx="1726947" cy="595887"/>
+            </a:xfrm>
+            <a:prstGeom prst="bentConnector2">
+              <a:avLst/>
+            </a:prstGeom>
+            <a:ln>
+              <a:solidFill>
+                <a:schemeClr val="tx1"/>
+              </a:solidFill>
+              <a:tailEnd type="triangle"/>
+            </a:ln>
+          </p:spPr>
+          <p:style>
+            <a:lnRef idx="1">
+              <a:schemeClr val="accent1"/>
+            </a:lnRef>
+            <a:fillRef idx="0">
+              <a:schemeClr val="accent1"/>
+            </a:fillRef>
+            <a:effectRef idx="0">
+              <a:schemeClr val="accent1"/>
+            </a:effectRef>
+            <a:fontRef idx="minor">
+              <a:schemeClr val="tx1"/>
+            </a:fontRef>
+          </p:style>
+        </p:cxnSp>
+      </p:grpSp>
     </p:spTree>
     <p:extLst>
       <p:ext uri="{BB962C8B-B14F-4D97-AF65-F5344CB8AC3E}">

--- a/알고리즘_프로그래머스_Level01_순서도.pptx
+++ b/알고리즘_프로그래머스_Level01_순서도.pptx
@@ -18507,7 +18507,7 @@
                     <a:sysClr val="windowText" lastClr="000000"/>
                   </a:solidFill>
                 </a:rPr>
-                <a:t>return </a:t>
+                <a:t>return (</a:t>
               </a:r>
               <a:r>
                 <a:rPr lang="ko-KR" altLang="en-US" sz="1467" dirty="0" err="1">
@@ -18517,11 +18517,22 @@
                 </a:rPr>
                 <a:t>루트값</a:t>
               </a:r>
-              <a:endParaRPr lang="en-US" altLang="ko-KR" sz="1467" dirty="0">
-                <a:solidFill>
-                  <a:sysClr val="windowText" lastClr="000000"/>
-                </a:solidFill>
-              </a:endParaRPr>
+              <a:r>
+                <a:rPr lang="ko-KR" altLang="en-US" sz="1467" dirty="0">
+                  <a:solidFill>
+                    <a:sysClr val="windowText" lastClr="000000"/>
+                  </a:solidFill>
+                </a:rPr>
+                <a:t> </a:t>
+              </a:r>
+              <a:r>
+                <a:rPr lang="en-US" altLang="ko-KR" sz="1467" dirty="0">
+                  <a:solidFill>
+                    <a:sysClr val="windowText" lastClr="000000"/>
+                  </a:solidFill>
+                </a:rPr>
+                <a:t>+ 1) ^ 2</a:t>
+              </a:r>
             </a:p>
           </p:txBody>
         </p:sp>

--- a/알고리즘_프로그래머스_Level01_순서도.pptx
+++ b/알고리즘_프로그래머스_Level01_순서도.pptx
@@ -29,6 +29,7 @@
     <p:sldId id="282" r:id="rId23"/>
     <p:sldId id="283" r:id="rId24"/>
     <p:sldId id="284" r:id="rId25"/>
+    <p:sldId id="285" r:id="rId26"/>
   </p:sldIdLst>
   <p:sldSz cx="6858000" cy="9144000" type="screen4x3"/>
   <p:notesSz cx="6858000" cy="9144000"/>
@@ -266,7 +267,7 @@
           <a:p>
             <a:fld id="{274DCB2C-481A-4B20-92AC-CEC756183F8E}" type="datetimeFigureOut">
               <a:rPr lang="ko-KR" altLang="en-US" smtClean="0"/>
-              <a:t>2021-01-21</a:t>
+              <a:t>2021-01-22</a:t>
             </a:fld>
             <a:endParaRPr lang="ko-KR" altLang="en-US"/>
           </a:p>
@@ -436,7 +437,7 @@
           <a:p>
             <a:fld id="{274DCB2C-481A-4B20-92AC-CEC756183F8E}" type="datetimeFigureOut">
               <a:rPr lang="ko-KR" altLang="en-US" smtClean="0"/>
-              <a:t>2021-01-21</a:t>
+              <a:t>2021-01-22</a:t>
             </a:fld>
             <a:endParaRPr lang="ko-KR" altLang="en-US"/>
           </a:p>
@@ -616,7 +617,7 @@
           <a:p>
             <a:fld id="{274DCB2C-481A-4B20-92AC-CEC756183F8E}" type="datetimeFigureOut">
               <a:rPr lang="ko-KR" altLang="en-US" smtClean="0"/>
-              <a:t>2021-01-21</a:t>
+              <a:t>2021-01-22</a:t>
             </a:fld>
             <a:endParaRPr lang="ko-KR" altLang="en-US"/>
           </a:p>
@@ -786,7 +787,7 @@
           <a:p>
             <a:fld id="{274DCB2C-481A-4B20-92AC-CEC756183F8E}" type="datetimeFigureOut">
               <a:rPr lang="ko-KR" altLang="en-US" smtClean="0"/>
-              <a:t>2021-01-21</a:t>
+              <a:t>2021-01-22</a:t>
             </a:fld>
             <a:endParaRPr lang="ko-KR" altLang="en-US"/>
           </a:p>
@@ -1030,7 +1031,7 @@
           <a:p>
             <a:fld id="{274DCB2C-481A-4B20-92AC-CEC756183F8E}" type="datetimeFigureOut">
               <a:rPr lang="ko-KR" altLang="en-US" smtClean="0"/>
-              <a:t>2021-01-21</a:t>
+              <a:t>2021-01-22</a:t>
             </a:fld>
             <a:endParaRPr lang="ko-KR" altLang="en-US"/>
           </a:p>
@@ -1262,7 +1263,7 @@
           <a:p>
             <a:fld id="{274DCB2C-481A-4B20-92AC-CEC756183F8E}" type="datetimeFigureOut">
               <a:rPr lang="ko-KR" altLang="en-US" smtClean="0"/>
-              <a:t>2021-01-21</a:t>
+              <a:t>2021-01-22</a:t>
             </a:fld>
             <a:endParaRPr lang="ko-KR" altLang="en-US"/>
           </a:p>
@@ -1629,7 +1630,7 @@
           <a:p>
             <a:fld id="{274DCB2C-481A-4B20-92AC-CEC756183F8E}" type="datetimeFigureOut">
               <a:rPr lang="ko-KR" altLang="en-US" smtClean="0"/>
-              <a:t>2021-01-21</a:t>
+              <a:t>2021-01-22</a:t>
             </a:fld>
             <a:endParaRPr lang="ko-KR" altLang="en-US"/>
           </a:p>
@@ -1747,7 +1748,7 @@
           <a:p>
             <a:fld id="{274DCB2C-481A-4B20-92AC-CEC756183F8E}" type="datetimeFigureOut">
               <a:rPr lang="ko-KR" altLang="en-US" smtClean="0"/>
-              <a:t>2021-01-21</a:t>
+              <a:t>2021-01-22</a:t>
             </a:fld>
             <a:endParaRPr lang="ko-KR" altLang="en-US"/>
           </a:p>
@@ -1842,7 +1843,7 @@
           <a:p>
             <a:fld id="{274DCB2C-481A-4B20-92AC-CEC756183F8E}" type="datetimeFigureOut">
               <a:rPr lang="ko-KR" altLang="en-US" smtClean="0"/>
-              <a:t>2021-01-21</a:t>
+              <a:t>2021-01-22</a:t>
             </a:fld>
             <a:endParaRPr lang="ko-KR" altLang="en-US"/>
           </a:p>
@@ -2119,7 +2120,7 @@
           <a:p>
             <a:fld id="{274DCB2C-481A-4B20-92AC-CEC756183F8E}" type="datetimeFigureOut">
               <a:rPr lang="ko-KR" altLang="en-US" smtClean="0"/>
-              <a:t>2021-01-21</a:t>
+              <a:t>2021-01-22</a:t>
             </a:fld>
             <a:endParaRPr lang="ko-KR" altLang="en-US"/>
           </a:p>
@@ -2376,7 +2377,7 @@
           <a:p>
             <a:fld id="{274DCB2C-481A-4B20-92AC-CEC756183F8E}" type="datetimeFigureOut">
               <a:rPr lang="ko-KR" altLang="en-US" smtClean="0"/>
-              <a:t>2021-01-21</a:t>
+              <a:t>2021-01-22</a:t>
             </a:fld>
             <a:endParaRPr lang="ko-KR" altLang="en-US"/>
           </a:p>
@@ -2589,7 +2590,7 @@
           <a:p>
             <a:fld id="{274DCB2C-481A-4B20-92AC-CEC756183F8E}" type="datetimeFigureOut">
               <a:rPr lang="ko-KR" altLang="en-US" smtClean="0"/>
-              <a:t>2021-01-21</a:t>
+              <a:t>2021-01-22</a:t>
             </a:fld>
             <a:endParaRPr lang="ko-KR" altLang="en-US"/>
           </a:p>
@@ -18729,6 +18730,585 @@
 </p:sld>
 </file>
 
+<file path=ppt/slides/slide25.xml><?xml version="1.0" encoding="utf-8"?>
+<p:sld xmlns:a="http://schemas.openxmlformats.org/drawingml/2006/main" xmlns:r="http://schemas.openxmlformats.org/officeDocument/2006/relationships" xmlns:p="http://schemas.openxmlformats.org/presentationml/2006/main">
+  <p:cSld>
+    <p:spTree>
+      <p:nvGrpSpPr>
+        <p:cNvPr id="1" name=""/>
+        <p:cNvGrpSpPr/>
+        <p:nvPr/>
+      </p:nvGrpSpPr>
+      <p:grpSpPr>
+        <a:xfrm>
+          <a:off x="0" y="0"/>
+          <a:ext cx="0" cy="0"/>
+          <a:chOff x="0" y="0"/>
+          <a:chExt cx="0" cy="0"/>
+        </a:xfrm>
+      </p:grpSpPr>
+      <p:sp>
+        <p:nvSpPr>
+          <p:cNvPr id="4" name="제목 3">
+            <a:extLst>
+              <a:ext uri="{FF2B5EF4-FFF2-40B4-BE49-F238E27FC236}">
+                <a16:creationId xmlns:a16="http://schemas.microsoft.com/office/drawing/2014/main" id="{30BAC889-89EF-449A-A9AB-0AA582E87CB5}"/>
+              </a:ext>
+            </a:extLst>
+          </p:cNvPr>
+          <p:cNvSpPr>
+            <a:spLocks noGrp="1"/>
+          </p:cNvSpPr>
+          <p:nvPr>
+            <p:ph type="title"/>
+          </p:nvPr>
+        </p:nvSpPr>
+        <p:spPr/>
+        <p:txBody>
+          <a:bodyPr/>
+          <a:lstStyle/>
+          <a:p>
+            <a:r>
+              <a:rPr lang="ko-KR" altLang="en-US" dirty="0"/>
+              <a:t>제일 작은 수 제거하기 </a:t>
+            </a:r>
+            <a:r>
+              <a:rPr lang="en-US" altLang="ko-KR" dirty="0"/>
+              <a:t>(01.22)</a:t>
+            </a:r>
+            <a:endParaRPr lang="ko-KR" altLang="en-US" dirty="0"/>
+          </a:p>
+        </p:txBody>
+      </p:sp>
+      <p:grpSp>
+        <p:nvGrpSpPr>
+          <p:cNvPr id="10" name="그룹 9">
+            <a:extLst>
+              <a:ext uri="{FF2B5EF4-FFF2-40B4-BE49-F238E27FC236}">
+                <a16:creationId xmlns:a16="http://schemas.microsoft.com/office/drawing/2014/main" id="{A7BDA0AC-EF83-4C07-A54E-067D4B01FDF0}"/>
+              </a:ext>
+            </a:extLst>
+          </p:cNvPr>
+          <p:cNvGrpSpPr/>
+          <p:nvPr/>
+        </p:nvGrpSpPr>
+        <p:grpSpPr>
+          <a:xfrm>
+            <a:off x="355520" y="941502"/>
+            <a:ext cx="6030994" cy="2233704"/>
+            <a:chOff x="355520" y="941502"/>
+            <a:chExt cx="6030994" cy="2233704"/>
+          </a:xfrm>
+        </p:grpSpPr>
+        <p:sp>
+          <p:nvSpPr>
+            <p:cNvPr id="33" name="다이아몬드 32">
+              <a:extLst>
+                <a:ext uri="{FF2B5EF4-FFF2-40B4-BE49-F238E27FC236}">
+                  <a16:creationId xmlns:a16="http://schemas.microsoft.com/office/drawing/2014/main" id="{A7A7C0DC-62D6-4535-A308-6423C87C8554}"/>
+                </a:ext>
+              </a:extLst>
+            </p:cNvPr>
+            <p:cNvSpPr/>
+            <p:nvPr/>
+          </p:nvSpPr>
+          <p:spPr>
+            <a:xfrm>
+              <a:off x="355524" y="984317"/>
+              <a:ext cx="2880000" cy="499557"/>
+            </a:xfrm>
+            <a:prstGeom prst="diamond">
+              <a:avLst/>
+            </a:prstGeom>
+            <a:noFill/>
+            <a:ln>
+              <a:solidFill>
+                <a:schemeClr val="tx1"/>
+              </a:solidFill>
+            </a:ln>
+          </p:spPr>
+          <p:style>
+            <a:lnRef idx="2">
+              <a:schemeClr val="accent1">
+                <a:shade val="50000"/>
+              </a:schemeClr>
+            </a:lnRef>
+            <a:fillRef idx="1">
+              <a:schemeClr val="accent1"/>
+            </a:fillRef>
+            <a:effectRef idx="0">
+              <a:schemeClr val="accent1"/>
+            </a:effectRef>
+            <a:fontRef idx="minor">
+              <a:schemeClr val="lt1"/>
+            </a:fontRef>
+          </p:style>
+          <p:txBody>
+            <a:bodyPr rtlCol="0" anchor="ctr"/>
+            <a:lstStyle/>
+            <a:p>
+              <a:pPr algn="ctr"/>
+              <a:r>
+                <a:rPr lang="ko-KR" altLang="en-US" sz="1467" dirty="0">
+                  <a:solidFill>
+                    <a:sysClr val="windowText" lastClr="000000"/>
+                  </a:solidFill>
+                </a:rPr>
+                <a:t>배열 길이 </a:t>
+              </a:r>
+              <a:r>
+                <a:rPr lang="en-US" altLang="ko-KR" sz="1467" dirty="0">
+                  <a:solidFill>
+                    <a:sysClr val="windowText" lastClr="000000"/>
+                  </a:solidFill>
+                </a:rPr>
+                <a:t>== 1?</a:t>
+              </a:r>
+            </a:p>
+          </p:txBody>
+        </p:sp>
+        <p:cxnSp>
+          <p:nvCxnSpPr>
+            <p:cNvPr id="34" name="직선 화살표 연결선 33">
+              <a:extLst>
+                <a:ext uri="{FF2B5EF4-FFF2-40B4-BE49-F238E27FC236}">
+                  <a16:creationId xmlns:a16="http://schemas.microsoft.com/office/drawing/2014/main" id="{22D0AC44-D4DD-4FAB-9457-66DA5FB4119C}"/>
+                </a:ext>
+              </a:extLst>
+            </p:cNvPr>
+            <p:cNvCxnSpPr>
+              <a:cxnSpLocks/>
+              <a:stCxn id="33" idx="2"/>
+              <a:endCxn id="35" idx="0"/>
+            </p:cNvCxnSpPr>
+            <p:nvPr/>
+          </p:nvCxnSpPr>
+          <p:spPr>
+            <a:xfrm flipH="1">
+              <a:off x="1795520" y="1483874"/>
+              <a:ext cx="4" cy="341666"/>
+            </a:xfrm>
+            <a:prstGeom prst="straightConnector1">
+              <a:avLst/>
+            </a:prstGeom>
+            <a:ln>
+              <a:solidFill>
+                <a:schemeClr val="tx1"/>
+              </a:solidFill>
+              <a:tailEnd type="triangle"/>
+            </a:ln>
+          </p:spPr>
+          <p:style>
+            <a:lnRef idx="1">
+              <a:schemeClr val="accent1"/>
+            </a:lnRef>
+            <a:fillRef idx="0">
+              <a:schemeClr val="accent1"/>
+            </a:fillRef>
+            <a:effectRef idx="0">
+              <a:schemeClr val="accent1"/>
+            </a:effectRef>
+            <a:fontRef idx="minor">
+              <a:schemeClr val="tx1"/>
+            </a:fontRef>
+          </p:style>
+        </p:cxnSp>
+        <p:sp>
+          <p:nvSpPr>
+            <p:cNvPr id="35" name="직사각형 34">
+              <a:extLst>
+                <a:ext uri="{FF2B5EF4-FFF2-40B4-BE49-F238E27FC236}">
+                  <a16:creationId xmlns:a16="http://schemas.microsoft.com/office/drawing/2014/main" id="{328A2F09-56A6-4C93-9F89-DAAAECC1721D}"/>
+                </a:ext>
+              </a:extLst>
+            </p:cNvPr>
+            <p:cNvSpPr/>
+            <p:nvPr/>
+          </p:nvSpPr>
+          <p:spPr>
+            <a:xfrm>
+              <a:off x="355520" y="1825540"/>
+              <a:ext cx="2880000" cy="504000"/>
+            </a:xfrm>
+            <a:prstGeom prst="rect">
+              <a:avLst/>
+            </a:prstGeom>
+            <a:noFill/>
+            <a:ln>
+              <a:solidFill>
+                <a:schemeClr val="tx1"/>
+              </a:solidFill>
+            </a:ln>
+          </p:spPr>
+          <p:style>
+            <a:lnRef idx="2">
+              <a:schemeClr val="accent1">
+                <a:shade val="50000"/>
+              </a:schemeClr>
+            </a:lnRef>
+            <a:fillRef idx="1">
+              <a:schemeClr val="accent1"/>
+            </a:fillRef>
+            <a:effectRef idx="0">
+              <a:schemeClr val="accent1"/>
+            </a:effectRef>
+            <a:fontRef idx="minor">
+              <a:schemeClr val="lt1"/>
+            </a:fontRef>
+          </p:style>
+          <p:txBody>
+            <a:bodyPr rtlCol="0" anchor="ctr"/>
+            <a:lstStyle/>
+            <a:p>
+              <a:pPr algn="ctr"/>
+              <a:r>
+                <a:rPr lang="en-US" altLang="ko-KR" sz="1467" dirty="0">
+                  <a:solidFill>
+                    <a:sysClr val="windowText" lastClr="000000"/>
+                  </a:solidFill>
+                </a:rPr>
+                <a:t>return (</a:t>
+              </a:r>
+              <a:r>
+                <a:rPr lang="en-US" altLang="ko-KR" sz="1467" dirty="0" err="1">
+                  <a:solidFill>
+                    <a:sysClr val="windowText" lastClr="000000"/>
+                  </a:solidFill>
+                </a:rPr>
+                <a:t>arr</a:t>
+              </a:r>
+              <a:r>
+                <a:rPr lang="en-US" altLang="ko-KR" sz="1467" dirty="0">
+                  <a:solidFill>
+                    <a:sysClr val="windowText" lastClr="000000"/>
+                  </a:solidFill>
+                </a:rPr>
+                <a:t>[</a:t>
+              </a:r>
+              <a:r>
+                <a:rPr lang="en-US" altLang="ko-KR" sz="1467" dirty="0" err="1">
+                  <a:solidFill>
+                    <a:sysClr val="windowText" lastClr="000000"/>
+                  </a:solidFill>
+                </a:rPr>
+                <a:t>i</a:t>
+              </a:r>
+              <a:r>
+                <a:rPr lang="en-US" altLang="ko-KR" sz="1467" dirty="0">
+                  <a:solidFill>
+                    <a:sysClr val="windowText" lastClr="000000"/>
+                  </a:solidFill>
+                </a:rPr>
+                <a:t>] = -1)</a:t>
+              </a:r>
+            </a:p>
+          </p:txBody>
+        </p:sp>
+        <p:sp>
+          <p:nvSpPr>
+            <p:cNvPr id="37" name="TextBox 36">
+              <a:extLst>
+                <a:ext uri="{FF2B5EF4-FFF2-40B4-BE49-F238E27FC236}">
+                  <a16:creationId xmlns:a16="http://schemas.microsoft.com/office/drawing/2014/main" id="{2892E5CA-D35D-4771-AC21-453A987C3D5F}"/>
+                </a:ext>
+              </a:extLst>
+            </p:cNvPr>
+            <p:cNvSpPr txBox="1"/>
+            <p:nvPr/>
+          </p:nvSpPr>
+          <p:spPr>
+            <a:xfrm>
+              <a:off x="1822482" y="1445641"/>
+              <a:ext cx="417538" cy="322705"/>
+            </a:xfrm>
+            <a:prstGeom prst="rect">
+              <a:avLst/>
+            </a:prstGeom>
+            <a:noFill/>
+          </p:spPr>
+          <p:txBody>
+            <a:bodyPr wrap="none" lIns="48000" tIns="48000" rIns="48000" bIns="48000" rtlCol="0">
+              <a:spAutoFit/>
+            </a:bodyPr>
+            <a:lstStyle/>
+            <a:p>
+              <a:r>
+                <a:rPr lang="en-US" altLang="ko-KR" sz="1467" dirty="0"/>
+                <a:t>true</a:t>
+              </a:r>
+              <a:endParaRPr lang="ko-KR" altLang="en-US" sz="1467" dirty="0"/>
+            </a:p>
+          </p:txBody>
+        </p:sp>
+        <p:cxnSp>
+          <p:nvCxnSpPr>
+            <p:cNvPr id="41" name="직선 화살표 연결선 40">
+              <a:extLst>
+                <a:ext uri="{FF2B5EF4-FFF2-40B4-BE49-F238E27FC236}">
+                  <a16:creationId xmlns:a16="http://schemas.microsoft.com/office/drawing/2014/main" id="{F725DD6A-9BE2-4976-9379-441B76954BF3}"/>
+                </a:ext>
+              </a:extLst>
+            </p:cNvPr>
+            <p:cNvCxnSpPr>
+              <a:cxnSpLocks/>
+              <a:stCxn id="15" idx="2"/>
+              <a:endCxn id="48" idx="0"/>
+            </p:cNvCxnSpPr>
+            <p:nvPr/>
+          </p:nvCxnSpPr>
+          <p:spPr>
+            <a:xfrm>
+              <a:off x="4946514" y="2329540"/>
+              <a:ext cx="0" cy="341666"/>
+            </a:xfrm>
+            <a:prstGeom prst="straightConnector1">
+              <a:avLst/>
+            </a:prstGeom>
+            <a:ln>
+              <a:solidFill>
+                <a:schemeClr val="tx1"/>
+              </a:solidFill>
+              <a:tailEnd type="triangle"/>
+            </a:ln>
+          </p:spPr>
+          <p:style>
+            <a:lnRef idx="1">
+              <a:schemeClr val="accent1"/>
+            </a:lnRef>
+            <a:fillRef idx="0">
+              <a:schemeClr val="accent1"/>
+            </a:fillRef>
+            <a:effectRef idx="0">
+              <a:schemeClr val="accent1"/>
+            </a:effectRef>
+            <a:fontRef idx="minor">
+              <a:schemeClr val="tx1"/>
+            </a:fontRef>
+          </p:style>
+        </p:cxnSp>
+        <p:sp>
+          <p:nvSpPr>
+            <p:cNvPr id="48" name="직사각형 47">
+              <a:extLst>
+                <a:ext uri="{FF2B5EF4-FFF2-40B4-BE49-F238E27FC236}">
+                  <a16:creationId xmlns:a16="http://schemas.microsoft.com/office/drawing/2014/main" id="{E363231D-4655-41A7-ABC1-EFE33C0F8624}"/>
+                </a:ext>
+              </a:extLst>
+            </p:cNvPr>
+            <p:cNvSpPr/>
+            <p:nvPr/>
+          </p:nvSpPr>
+          <p:spPr>
+            <a:xfrm>
+              <a:off x="3506514" y="2671206"/>
+              <a:ext cx="2880000" cy="504000"/>
+            </a:xfrm>
+            <a:prstGeom prst="rect">
+              <a:avLst/>
+            </a:prstGeom>
+            <a:noFill/>
+            <a:ln>
+              <a:solidFill>
+                <a:schemeClr val="tx1"/>
+              </a:solidFill>
+            </a:ln>
+          </p:spPr>
+          <p:style>
+            <a:lnRef idx="2">
+              <a:schemeClr val="accent1">
+                <a:shade val="50000"/>
+              </a:schemeClr>
+            </a:lnRef>
+            <a:fillRef idx="1">
+              <a:schemeClr val="accent1"/>
+            </a:fillRef>
+            <a:effectRef idx="0">
+              <a:schemeClr val="accent1"/>
+            </a:effectRef>
+            <a:fontRef idx="minor">
+              <a:schemeClr val="lt1"/>
+            </a:fontRef>
+          </p:style>
+          <p:txBody>
+            <a:bodyPr rtlCol="0" anchor="ctr"/>
+            <a:lstStyle/>
+            <a:p>
+              <a:pPr algn="ctr"/>
+              <a:r>
+                <a:rPr lang="ko-KR" altLang="en-US" sz="1467" dirty="0">
+                  <a:solidFill>
+                    <a:sysClr val="windowText" lastClr="000000"/>
+                  </a:solidFill>
+                </a:rPr>
+                <a:t>배열에서 제일 작은 수를 제거한다</a:t>
+              </a:r>
+              <a:endParaRPr lang="en-US" altLang="ko-KR" sz="1467" dirty="0">
+                <a:solidFill>
+                  <a:sysClr val="windowText" lastClr="000000"/>
+                </a:solidFill>
+              </a:endParaRPr>
+            </a:p>
+          </p:txBody>
+        </p:sp>
+        <p:sp>
+          <p:nvSpPr>
+            <p:cNvPr id="15" name="직사각형 14">
+              <a:extLst>
+                <a:ext uri="{FF2B5EF4-FFF2-40B4-BE49-F238E27FC236}">
+                  <a16:creationId xmlns:a16="http://schemas.microsoft.com/office/drawing/2014/main" id="{CF7F2D76-4819-4D18-8B61-A48770941F47}"/>
+                </a:ext>
+              </a:extLst>
+            </p:cNvPr>
+            <p:cNvSpPr/>
+            <p:nvPr/>
+          </p:nvSpPr>
+          <p:spPr>
+            <a:xfrm>
+              <a:off x="3506514" y="1825540"/>
+              <a:ext cx="2880000" cy="504000"/>
+            </a:xfrm>
+            <a:prstGeom prst="rect">
+              <a:avLst/>
+            </a:prstGeom>
+            <a:noFill/>
+            <a:ln>
+              <a:solidFill>
+                <a:schemeClr val="tx1"/>
+              </a:solidFill>
+            </a:ln>
+          </p:spPr>
+          <p:style>
+            <a:lnRef idx="2">
+              <a:schemeClr val="accent1">
+                <a:shade val="50000"/>
+              </a:schemeClr>
+            </a:lnRef>
+            <a:fillRef idx="1">
+              <a:schemeClr val="accent1"/>
+            </a:fillRef>
+            <a:effectRef idx="0">
+              <a:schemeClr val="accent1"/>
+            </a:effectRef>
+            <a:fontRef idx="minor">
+              <a:schemeClr val="lt1"/>
+            </a:fontRef>
+          </p:style>
+          <p:txBody>
+            <a:bodyPr rtlCol="0" anchor="ctr"/>
+            <a:lstStyle/>
+            <a:p>
+              <a:pPr algn="ctr"/>
+              <a:r>
+                <a:rPr lang="ko-KR" altLang="en-US" sz="1467" dirty="0">
+                  <a:solidFill>
+                    <a:sysClr val="windowText" lastClr="000000"/>
+                  </a:solidFill>
+                </a:rPr>
+                <a:t>배열에서 제일 작은 수를 찾는다</a:t>
+              </a:r>
+              <a:endParaRPr lang="en-US" altLang="ko-KR" sz="1467" dirty="0">
+                <a:solidFill>
+                  <a:sysClr val="windowText" lastClr="000000"/>
+                </a:solidFill>
+              </a:endParaRPr>
+            </a:p>
+          </p:txBody>
+        </p:sp>
+        <p:cxnSp>
+          <p:nvCxnSpPr>
+            <p:cNvPr id="3" name="연결선: 꺾임 2">
+              <a:extLst>
+                <a:ext uri="{FF2B5EF4-FFF2-40B4-BE49-F238E27FC236}">
+                  <a16:creationId xmlns:a16="http://schemas.microsoft.com/office/drawing/2014/main" id="{7A7973E6-4D41-4BD0-839E-558B192369FC}"/>
+                </a:ext>
+              </a:extLst>
+            </p:cNvPr>
+            <p:cNvCxnSpPr>
+              <a:stCxn id="33" idx="3"/>
+              <a:endCxn id="15" idx="0"/>
+            </p:cNvCxnSpPr>
+            <p:nvPr/>
+          </p:nvCxnSpPr>
+          <p:spPr>
+            <a:xfrm>
+              <a:off x="3235524" y="1234096"/>
+              <a:ext cx="1710990" cy="591444"/>
+            </a:xfrm>
+            <a:prstGeom prst="bentConnector2">
+              <a:avLst/>
+            </a:prstGeom>
+            <a:ln>
+              <a:solidFill>
+                <a:schemeClr val="tx1"/>
+              </a:solidFill>
+              <a:tailEnd type="triangle"/>
+            </a:ln>
+          </p:spPr>
+          <p:style>
+            <a:lnRef idx="1">
+              <a:schemeClr val="accent1"/>
+            </a:lnRef>
+            <a:fillRef idx="0">
+              <a:schemeClr val="accent1"/>
+            </a:fillRef>
+            <a:effectRef idx="0">
+              <a:schemeClr val="accent1"/>
+            </a:effectRef>
+            <a:fontRef idx="minor">
+              <a:schemeClr val="tx1"/>
+            </a:fontRef>
+          </p:style>
+        </p:cxnSp>
+        <p:sp>
+          <p:nvSpPr>
+            <p:cNvPr id="18" name="TextBox 17">
+              <a:extLst>
+                <a:ext uri="{FF2B5EF4-FFF2-40B4-BE49-F238E27FC236}">
+                  <a16:creationId xmlns:a16="http://schemas.microsoft.com/office/drawing/2014/main" id="{3546F6B4-B84B-407D-8E1A-CB8DD5BD2A28}"/>
+                </a:ext>
+              </a:extLst>
+            </p:cNvPr>
+            <p:cNvSpPr txBox="1"/>
+            <p:nvPr/>
+          </p:nvSpPr>
+          <p:spPr>
+            <a:xfrm>
+              <a:off x="3279396" y="941502"/>
+              <a:ext cx="450752" cy="322705"/>
+            </a:xfrm>
+            <a:prstGeom prst="rect">
+              <a:avLst/>
+            </a:prstGeom>
+            <a:noFill/>
+          </p:spPr>
+          <p:txBody>
+            <a:bodyPr wrap="none" lIns="48000" tIns="48000" rIns="48000" bIns="48000" rtlCol="0">
+              <a:spAutoFit/>
+            </a:bodyPr>
+            <a:lstStyle/>
+            <a:p>
+              <a:r>
+                <a:rPr lang="en-US" altLang="ko-KR" sz="1467" dirty="0"/>
+                <a:t>false</a:t>
+              </a:r>
+              <a:endParaRPr lang="ko-KR" altLang="en-US" sz="1467" dirty="0"/>
+            </a:p>
+          </p:txBody>
+        </p:sp>
+      </p:grpSp>
+    </p:spTree>
+    <p:extLst>
+      <p:ext uri="{BB962C8B-B14F-4D97-AF65-F5344CB8AC3E}">
+        <p14:creationId xmlns:p14="http://schemas.microsoft.com/office/powerpoint/2010/main" val="1506796431"/>
+      </p:ext>
+    </p:extLst>
+  </p:cSld>
+  <p:clrMapOvr>
+    <a:masterClrMapping/>
+  </p:clrMapOvr>
+</p:sld>
+</file>
+
 <file path=ppt/slides/slide3.xml><?xml version="1.0" encoding="utf-8"?>
 <p:sld xmlns:a="http://schemas.openxmlformats.org/drawingml/2006/main" xmlns:r="http://schemas.openxmlformats.org/officeDocument/2006/relationships" xmlns:p="http://schemas.openxmlformats.org/presentationml/2006/main">
   <p:cSld>

--- a/알고리즘_프로그래머스_Level01_순서도.pptx
+++ b/알고리즘_프로그래머스_Level01_순서도.pptx
@@ -19296,6 +19296,436 @@
           </p:txBody>
         </p:sp>
       </p:grpSp>
+      <p:sp>
+        <p:nvSpPr>
+          <p:cNvPr id="13" name="제목 3">
+            <a:extLst>
+              <a:ext uri="{FF2B5EF4-FFF2-40B4-BE49-F238E27FC236}">
+                <a16:creationId xmlns:a16="http://schemas.microsoft.com/office/drawing/2014/main" id="{F1DB7936-550A-4129-9231-F50B4A83982B}"/>
+              </a:ext>
+            </a:extLst>
+          </p:cNvPr>
+          <p:cNvSpPr txBox="1">
+            <a:spLocks/>
+          </p:cNvSpPr>
+          <p:nvPr/>
+        </p:nvSpPr>
+        <p:spPr>
+          <a:xfrm>
+            <a:off x="471489" y="4572000"/>
+            <a:ext cx="5915025" cy="559764"/>
+          </a:xfrm>
+          <a:prstGeom prst="rect">
+            <a:avLst/>
+          </a:prstGeom>
+        </p:spPr>
+        <p:txBody>
+          <a:bodyPr vert="horz" lIns="91440" tIns="45720" rIns="91440" bIns="45720" rtlCol="0" anchor="ctr">
+            <a:normAutofit/>
+          </a:bodyPr>
+          <a:lstStyle>
+            <a:lvl1pPr algn="l" defTabSz="685800" rtl="0" eaLnBrk="1" latinLnBrk="1" hangingPunct="1">
+              <a:lnSpc>
+                <a:spcPct val="90000"/>
+              </a:lnSpc>
+              <a:spcBef>
+                <a:spcPct val="0"/>
+              </a:spcBef>
+              <a:buNone/>
+              <a:defRPr sz="2800" kern="1200">
+                <a:solidFill>
+                  <a:schemeClr val="tx1"/>
+                </a:solidFill>
+                <a:latin typeface="+mj-lt"/>
+                <a:ea typeface="+mj-ea"/>
+                <a:cs typeface="+mj-cs"/>
+              </a:defRPr>
+            </a:lvl1pPr>
+          </a:lstStyle>
+          <a:p>
+            <a:r>
+              <a:rPr lang="ko-KR" altLang="en-US" dirty="0"/>
+              <a:t>짝수와 홀수 </a:t>
+            </a:r>
+            <a:r>
+              <a:rPr lang="en-US" altLang="ko-KR" dirty="0"/>
+              <a:t>(01.22)</a:t>
+            </a:r>
+            <a:endParaRPr lang="ko-KR" altLang="en-US" dirty="0"/>
+          </a:p>
+        </p:txBody>
+      </p:sp>
+      <p:grpSp>
+        <p:nvGrpSpPr>
+          <p:cNvPr id="7" name="그룹 6">
+            <a:extLst>
+              <a:ext uri="{FF2B5EF4-FFF2-40B4-BE49-F238E27FC236}">
+                <a16:creationId xmlns:a16="http://schemas.microsoft.com/office/drawing/2014/main" id="{4C88DA5F-2B8D-4FEE-8135-168FF71F2ED4}"/>
+              </a:ext>
+            </a:extLst>
+          </p:cNvPr>
+          <p:cNvGrpSpPr/>
+          <p:nvPr/>
+        </p:nvGrpSpPr>
+        <p:grpSpPr>
+          <a:xfrm>
+            <a:off x="355524" y="5165217"/>
+            <a:ext cx="5310990" cy="1388038"/>
+            <a:chOff x="355524" y="5165217"/>
+            <a:chExt cx="5310990" cy="1388038"/>
+          </a:xfrm>
+        </p:grpSpPr>
+        <p:sp>
+          <p:nvSpPr>
+            <p:cNvPr id="16" name="다이아몬드 15">
+              <a:extLst>
+                <a:ext uri="{FF2B5EF4-FFF2-40B4-BE49-F238E27FC236}">
+                  <a16:creationId xmlns:a16="http://schemas.microsoft.com/office/drawing/2014/main" id="{E355E755-1FB2-4F80-9995-88263B1A9638}"/>
+                </a:ext>
+              </a:extLst>
+            </p:cNvPr>
+            <p:cNvSpPr/>
+            <p:nvPr/>
+          </p:nvSpPr>
+          <p:spPr>
+            <a:xfrm>
+              <a:off x="355524" y="5208032"/>
+              <a:ext cx="2880000" cy="499557"/>
+            </a:xfrm>
+            <a:prstGeom prst="diamond">
+              <a:avLst/>
+            </a:prstGeom>
+            <a:noFill/>
+            <a:ln>
+              <a:solidFill>
+                <a:schemeClr val="tx1"/>
+              </a:solidFill>
+            </a:ln>
+          </p:spPr>
+          <p:style>
+            <a:lnRef idx="2">
+              <a:schemeClr val="accent1">
+                <a:shade val="50000"/>
+              </a:schemeClr>
+            </a:lnRef>
+            <a:fillRef idx="1">
+              <a:schemeClr val="accent1"/>
+            </a:fillRef>
+            <a:effectRef idx="0">
+              <a:schemeClr val="accent1"/>
+            </a:effectRef>
+            <a:fontRef idx="minor">
+              <a:schemeClr val="lt1"/>
+            </a:fontRef>
+          </p:style>
+          <p:txBody>
+            <a:bodyPr rtlCol="0" anchor="ctr"/>
+            <a:lstStyle/>
+            <a:p>
+              <a:pPr algn="ctr"/>
+              <a:r>
+                <a:rPr lang="en-US" altLang="ko-KR" sz="1467" dirty="0">
+                  <a:solidFill>
+                    <a:sysClr val="windowText" lastClr="000000"/>
+                  </a:solidFill>
+                </a:rPr>
+                <a:t>num % 2 == 0</a:t>
+              </a:r>
+            </a:p>
+          </p:txBody>
+        </p:sp>
+        <p:cxnSp>
+          <p:nvCxnSpPr>
+            <p:cNvPr id="17" name="직선 화살표 연결선 16">
+              <a:extLst>
+                <a:ext uri="{FF2B5EF4-FFF2-40B4-BE49-F238E27FC236}">
+                  <a16:creationId xmlns:a16="http://schemas.microsoft.com/office/drawing/2014/main" id="{A83FE449-4808-4410-94D0-EA3C5E873D96}"/>
+                </a:ext>
+              </a:extLst>
+            </p:cNvPr>
+            <p:cNvCxnSpPr>
+              <a:cxnSpLocks/>
+              <a:stCxn id="16" idx="2"/>
+              <a:endCxn id="19" idx="0"/>
+            </p:cNvCxnSpPr>
+            <p:nvPr/>
+          </p:nvCxnSpPr>
+          <p:spPr>
+            <a:xfrm flipH="1">
+              <a:off x="1795520" y="5707589"/>
+              <a:ext cx="4" cy="341666"/>
+            </a:xfrm>
+            <a:prstGeom prst="straightConnector1">
+              <a:avLst/>
+            </a:prstGeom>
+            <a:ln>
+              <a:solidFill>
+                <a:schemeClr val="tx1"/>
+              </a:solidFill>
+              <a:tailEnd type="triangle"/>
+            </a:ln>
+          </p:spPr>
+          <p:style>
+            <a:lnRef idx="1">
+              <a:schemeClr val="accent1"/>
+            </a:lnRef>
+            <a:fillRef idx="0">
+              <a:schemeClr val="accent1"/>
+            </a:fillRef>
+            <a:effectRef idx="0">
+              <a:schemeClr val="accent1"/>
+            </a:effectRef>
+            <a:fontRef idx="minor">
+              <a:schemeClr val="tx1"/>
+            </a:fontRef>
+          </p:style>
+        </p:cxnSp>
+        <p:sp>
+          <p:nvSpPr>
+            <p:cNvPr id="19" name="직사각형 18">
+              <a:extLst>
+                <a:ext uri="{FF2B5EF4-FFF2-40B4-BE49-F238E27FC236}">
+                  <a16:creationId xmlns:a16="http://schemas.microsoft.com/office/drawing/2014/main" id="{77B3DD85-21F2-4B64-A32E-594B4D43C5DB}"/>
+                </a:ext>
+              </a:extLst>
+            </p:cNvPr>
+            <p:cNvSpPr/>
+            <p:nvPr/>
+          </p:nvSpPr>
+          <p:spPr>
+            <a:xfrm>
+              <a:off x="715520" y="6049255"/>
+              <a:ext cx="2160000" cy="504000"/>
+            </a:xfrm>
+            <a:prstGeom prst="rect">
+              <a:avLst/>
+            </a:prstGeom>
+            <a:noFill/>
+            <a:ln>
+              <a:solidFill>
+                <a:schemeClr val="tx1"/>
+              </a:solidFill>
+            </a:ln>
+          </p:spPr>
+          <p:style>
+            <a:lnRef idx="2">
+              <a:schemeClr val="accent1">
+                <a:shade val="50000"/>
+              </a:schemeClr>
+            </a:lnRef>
+            <a:fillRef idx="1">
+              <a:schemeClr val="accent1"/>
+            </a:fillRef>
+            <a:effectRef idx="0">
+              <a:schemeClr val="accent1"/>
+            </a:effectRef>
+            <a:fontRef idx="minor">
+              <a:schemeClr val="lt1"/>
+            </a:fontRef>
+          </p:style>
+          <p:txBody>
+            <a:bodyPr rtlCol="0" anchor="ctr"/>
+            <a:lstStyle/>
+            <a:p>
+              <a:pPr algn="ctr"/>
+              <a:r>
+                <a:rPr lang="ko-KR" altLang="en-US" sz="1467" dirty="0">
+                  <a:solidFill>
+                    <a:sysClr val="windowText" lastClr="000000"/>
+                  </a:solidFill>
+                </a:rPr>
+                <a:t>짝수</a:t>
+              </a:r>
+              <a:endParaRPr lang="en-US" altLang="ko-KR" sz="1467" dirty="0">
+                <a:solidFill>
+                  <a:sysClr val="windowText" lastClr="000000"/>
+                </a:solidFill>
+              </a:endParaRPr>
+            </a:p>
+          </p:txBody>
+        </p:sp>
+        <p:sp>
+          <p:nvSpPr>
+            <p:cNvPr id="20" name="TextBox 19">
+              <a:extLst>
+                <a:ext uri="{FF2B5EF4-FFF2-40B4-BE49-F238E27FC236}">
+                  <a16:creationId xmlns:a16="http://schemas.microsoft.com/office/drawing/2014/main" id="{04F3144B-75C3-4837-9370-F45BC7F4E9F7}"/>
+                </a:ext>
+              </a:extLst>
+            </p:cNvPr>
+            <p:cNvSpPr txBox="1"/>
+            <p:nvPr/>
+          </p:nvSpPr>
+          <p:spPr>
+            <a:xfrm>
+              <a:off x="1822482" y="5669356"/>
+              <a:ext cx="417538" cy="322705"/>
+            </a:xfrm>
+            <a:prstGeom prst="rect">
+              <a:avLst/>
+            </a:prstGeom>
+            <a:noFill/>
+          </p:spPr>
+          <p:txBody>
+            <a:bodyPr wrap="none" lIns="48000" tIns="48000" rIns="48000" bIns="48000" rtlCol="0">
+              <a:spAutoFit/>
+            </a:bodyPr>
+            <a:lstStyle/>
+            <a:p>
+              <a:r>
+                <a:rPr lang="en-US" altLang="ko-KR" sz="1467" dirty="0"/>
+                <a:t>true</a:t>
+              </a:r>
+              <a:endParaRPr lang="ko-KR" altLang="en-US" sz="1467" dirty="0"/>
+            </a:p>
+          </p:txBody>
+        </p:sp>
+        <p:sp>
+          <p:nvSpPr>
+            <p:cNvPr id="23" name="직사각형 22">
+              <a:extLst>
+                <a:ext uri="{FF2B5EF4-FFF2-40B4-BE49-F238E27FC236}">
+                  <a16:creationId xmlns:a16="http://schemas.microsoft.com/office/drawing/2014/main" id="{AF9C543A-EE5F-4751-A01A-B0734B0C3490}"/>
+                </a:ext>
+              </a:extLst>
+            </p:cNvPr>
+            <p:cNvSpPr/>
+            <p:nvPr/>
+          </p:nvSpPr>
+          <p:spPr>
+            <a:xfrm>
+              <a:off x="3506514" y="6049255"/>
+              <a:ext cx="2160000" cy="504000"/>
+            </a:xfrm>
+            <a:prstGeom prst="rect">
+              <a:avLst/>
+            </a:prstGeom>
+            <a:noFill/>
+            <a:ln>
+              <a:solidFill>
+                <a:schemeClr val="tx1"/>
+              </a:solidFill>
+            </a:ln>
+          </p:spPr>
+          <p:style>
+            <a:lnRef idx="2">
+              <a:schemeClr val="accent1">
+                <a:shade val="50000"/>
+              </a:schemeClr>
+            </a:lnRef>
+            <a:fillRef idx="1">
+              <a:schemeClr val="accent1"/>
+            </a:fillRef>
+            <a:effectRef idx="0">
+              <a:schemeClr val="accent1"/>
+            </a:effectRef>
+            <a:fontRef idx="minor">
+              <a:schemeClr val="lt1"/>
+            </a:fontRef>
+          </p:style>
+          <p:txBody>
+            <a:bodyPr rtlCol="0" anchor="ctr"/>
+            <a:lstStyle/>
+            <a:p>
+              <a:pPr algn="ctr"/>
+              <a:r>
+                <a:rPr lang="ko-KR" altLang="en-US" sz="1467" dirty="0">
+                  <a:solidFill>
+                    <a:sysClr val="windowText" lastClr="000000"/>
+                  </a:solidFill>
+                </a:rPr>
+                <a:t>홀수</a:t>
+              </a:r>
+              <a:endParaRPr lang="en-US" altLang="ko-KR" sz="1467" dirty="0">
+                <a:solidFill>
+                  <a:sysClr val="windowText" lastClr="000000"/>
+                </a:solidFill>
+              </a:endParaRPr>
+            </a:p>
+          </p:txBody>
+        </p:sp>
+        <p:cxnSp>
+          <p:nvCxnSpPr>
+            <p:cNvPr id="24" name="연결선: 꺾임 23">
+              <a:extLst>
+                <a:ext uri="{FF2B5EF4-FFF2-40B4-BE49-F238E27FC236}">
+                  <a16:creationId xmlns:a16="http://schemas.microsoft.com/office/drawing/2014/main" id="{5F132E11-A548-4789-9926-96EB1BD0D1A9}"/>
+                </a:ext>
+              </a:extLst>
+            </p:cNvPr>
+            <p:cNvCxnSpPr>
+              <a:stCxn id="16" idx="3"/>
+              <a:endCxn id="23" idx="0"/>
+            </p:cNvCxnSpPr>
+            <p:nvPr/>
+          </p:nvCxnSpPr>
+          <p:spPr>
+            <a:xfrm>
+              <a:off x="3235524" y="5457811"/>
+              <a:ext cx="1350990" cy="591444"/>
+            </a:xfrm>
+            <a:prstGeom prst="bentConnector2">
+              <a:avLst/>
+            </a:prstGeom>
+            <a:ln>
+              <a:solidFill>
+                <a:schemeClr val="tx1"/>
+              </a:solidFill>
+              <a:tailEnd type="triangle"/>
+            </a:ln>
+          </p:spPr>
+          <p:style>
+            <a:lnRef idx="1">
+              <a:schemeClr val="accent1"/>
+            </a:lnRef>
+            <a:fillRef idx="0">
+              <a:schemeClr val="accent1"/>
+            </a:fillRef>
+            <a:effectRef idx="0">
+              <a:schemeClr val="accent1"/>
+            </a:effectRef>
+            <a:fontRef idx="minor">
+              <a:schemeClr val="tx1"/>
+            </a:fontRef>
+          </p:style>
+        </p:cxnSp>
+        <p:sp>
+          <p:nvSpPr>
+            <p:cNvPr id="25" name="TextBox 24">
+              <a:extLst>
+                <a:ext uri="{FF2B5EF4-FFF2-40B4-BE49-F238E27FC236}">
+                  <a16:creationId xmlns:a16="http://schemas.microsoft.com/office/drawing/2014/main" id="{CB6204ED-92A2-4038-83C3-6166481A59BA}"/>
+                </a:ext>
+              </a:extLst>
+            </p:cNvPr>
+            <p:cNvSpPr txBox="1"/>
+            <p:nvPr/>
+          </p:nvSpPr>
+          <p:spPr>
+            <a:xfrm>
+              <a:off x="3279396" y="5165217"/>
+              <a:ext cx="450752" cy="322705"/>
+            </a:xfrm>
+            <a:prstGeom prst="rect">
+              <a:avLst/>
+            </a:prstGeom>
+            <a:noFill/>
+          </p:spPr>
+          <p:txBody>
+            <a:bodyPr wrap="none" lIns="48000" tIns="48000" rIns="48000" bIns="48000" rtlCol="0">
+              <a:spAutoFit/>
+            </a:bodyPr>
+            <a:lstStyle/>
+            <a:p>
+              <a:r>
+                <a:rPr lang="en-US" altLang="ko-KR" sz="1467" dirty="0"/>
+                <a:t>false</a:t>
+              </a:r>
+              <a:endParaRPr lang="ko-KR" altLang="en-US" sz="1467" dirty="0"/>
+            </a:p>
+          </p:txBody>
+        </p:sp>
+      </p:grpSp>
     </p:spTree>
     <p:extLst>
       <p:ext uri="{BB962C8B-B14F-4D97-AF65-F5344CB8AC3E}">

--- a/알고리즘_프로그래머스_Level01_순서도.pptx
+++ b/알고리즘_프로그래머스_Level01_순서도.pptx
@@ -30,6 +30,7 @@
     <p:sldId id="283" r:id="rId24"/>
     <p:sldId id="284" r:id="rId25"/>
     <p:sldId id="285" r:id="rId26"/>
+    <p:sldId id="286" r:id="rId27"/>
   </p:sldIdLst>
   <p:sldSz cx="6858000" cy="9144000" type="screen4x3"/>
   <p:notesSz cx="6858000" cy="9144000"/>
@@ -19739,6 +19740,264 @@
 </p:sld>
 </file>
 
+<file path=ppt/slides/slide26.xml><?xml version="1.0" encoding="utf-8"?>
+<p:sld xmlns:a="http://schemas.openxmlformats.org/drawingml/2006/main" xmlns:r="http://schemas.openxmlformats.org/officeDocument/2006/relationships" xmlns:p="http://schemas.openxmlformats.org/presentationml/2006/main">
+  <p:cSld>
+    <p:spTree>
+      <p:nvGrpSpPr>
+        <p:cNvPr id="1" name=""/>
+        <p:cNvGrpSpPr/>
+        <p:nvPr/>
+      </p:nvGrpSpPr>
+      <p:grpSpPr>
+        <a:xfrm>
+          <a:off x="0" y="0"/>
+          <a:ext cx="0" cy="0"/>
+          <a:chOff x="0" y="0"/>
+          <a:chExt cx="0" cy="0"/>
+        </a:xfrm>
+      </p:grpSpPr>
+      <p:sp>
+        <p:nvSpPr>
+          <p:cNvPr id="4" name="제목 3">
+            <a:extLst>
+              <a:ext uri="{FF2B5EF4-FFF2-40B4-BE49-F238E27FC236}">
+                <a16:creationId xmlns:a16="http://schemas.microsoft.com/office/drawing/2014/main" id="{30BAC889-89EF-449A-A9AB-0AA582E87CB5}"/>
+              </a:ext>
+            </a:extLst>
+          </p:cNvPr>
+          <p:cNvSpPr>
+            <a:spLocks noGrp="1"/>
+          </p:cNvSpPr>
+          <p:nvPr>
+            <p:ph type="title"/>
+          </p:nvPr>
+        </p:nvSpPr>
+        <p:spPr/>
+        <p:txBody>
+          <a:bodyPr/>
+          <a:lstStyle/>
+          <a:p>
+            <a:r>
+              <a:rPr lang="ko-KR" altLang="en-US" dirty="0"/>
+              <a:t>평균 구하기 </a:t>
+            </a:r>
+            <a:r>
+              <a:rPr lang="en-US" altLang="ko-KR" dirty="0"/>
+              <a:t>(01.22)</a:t>
+            </a:r>
+            <a:endParaRPr lang="ko-KR" altLang="en-US" dirty="0"/>
+          </a:p>
+        </p:txBody>
+      </p:sp>
+      <p:grpSp>
+        <p:nvGrpSpPr>
+          <p:cNvPr id="2" name="그룹 1">
+            <a:extLst>
+              <a:ext uri="{FF2B5EF4-FFF2-40B4-BE49-F238E27FC236}">
+                <a16:creationId xmlns:a16="http://schemas.microsoft.com/office/drawing/2014/main" id="{02EDDE1C-E1CF-4A4A-A809-B0D3AC281992}"/>
+              </a:ext>
+            </a:extLst>
+          </p:cNvPr>
+          <p:cNvGrpSpPr/>
+          <p:nvPr/>
+        </p:nvGrpSpPr>
+        <p:grpSpPr>
+          <a:xfrm>
+            <a:off x="355520" y="1175678"/>
+            <a:ext cx="3600000" cy="1354109"/>
+            <a:chOff x="355520" y="1175678"/>
+            <a:chExt cx="3600000" cy="1354109"/>
+          </a:xfrm>
+        </p:grpSpPr>
+        <p:sp>
+          <p:nvSpPr>
+            <p:cNvPr id="26" name="직사각형 25">
+              <a:extLst>
+                <a:ext uri="{FF2B5EF4-FFF2-40B4-BE49-F238E27FC236}">
+                  <a16:creationId xmlns:a16="http://schemas.microsoft.com/office/drawing/2014/main" id="{9DEB928F-454D-4054-997B-6797697CBACA}"/>
+                </a:ext>
+              </a:extLst>
+            </p:cNvPr>
+            <p:cNvSpPr/>
+            <p:nvPr/>
+          </p:nvSpPr>
+          <p:spPr>
+            <a:xfrm>
+              <a:off x="355520" y="1175678"/>
+              <a:ext cx="3600000" cy="504000"/>
+            </a:xfrm>
+            <a:prstGeom prst="rect">
+              <a:avLst/>
+            </a:prstGeom>
+            <a:noFill/>
+            <a:ln>
+              <a:solidFill>
+                <a:schemeClr val="tx1"/>
+              </a:solidFill>
+            </a:ln>
+          </p:spPr>
+          <p:style>
+            <a:lnRef idx="2">
+              <a:schemeClr val="accent1">
+                <a:shade val="50000"/>
+              </a:schemeClr>
+            </a:lnRef>
+            <a:fillRef idx="1">
+              <a:schemeClr val="accent1"/>
+            </a:fillRef>
+            <a:effectRef idx="0">
+              <a:schemeClr val="accent1"/>
+            </a:effectRef>
+            <a:fontRef idx="minor">
+              <a:schemeClr val="lt1"/>
+            </a:fontRef>
+          </p:style>
+          <p:txBody>
+            <a:bodyPr rtlCol="0" anchor="ctr"/>
+            <a:lstStyle/>
+            <a:p>
+              <a:pPr algn="ctr"/>
+              <a:r>
+                <a:rPr lang="ko-KR" altLang="en-US" sz="1467" dirty="0">
+                  <a:solidFill>
+                    <a:sysClr val="windowText" lastClr="000000"/>
+                  </a:solidFill>
+                </a:rPr>
+                <a:t>배열의 전체 합을 구한다</a:t>
+              </a:r>
+              <a:endParaRPr lang="en-US" altLang="ko-KR" sz="1467" dirty="0">
+                <a:solidFill>
+                  <a:sysClr val="windowText" lastClr="000000"/>
+                </a:solidFill>
+              </a:endParaRPr>
+            </a:p>
+          </p:txBody>
+        </p:sp>
+        <p:cxnSp>
+          <p:nvCxnSpPr>
+            <p:cNvPr id="27" name="직선 화살표 연결선 26">
+              <a:extLst>
+                <a:ext uri="{FF2B5EF4-FFF2-40B4-BE49-F238E27FC236}">
+                  <a16:creationId xmlns:a16="http://schemas.microsoft.com/office/drawing/2014/main" id="{53F80733-E232-40CC-B923-DC305205CDFC}"/>
+                </a:ext>
+              </a:extLst>
+            </p:cNvPr>
+            <p:cNvCxnSpPr>
+              <a:cxnSpLocks/>
+              <a:stCxn id="26" idx="2"/>
+              <a:endCxn id="28" idx="0"/>
+            </p:cNvCxnSpPr>
+            <p:nvPr/>
+          </p:nvCxnSpPr>
+          <p:spPr>
+            <a:xfrm>
+              <a:off x="2155520" y="1679678"/>
+              <a:ext cx="0" cy="346109"/>
+            </a:xfrm>
+            <a:prstGeom prst="straightConnector1">
+              <a:avLst/>
+            </a:prstGeom>
+            <a:ln>
+              <a:solidFill>
+                <a:schemeClr val="tx1"/>
+              </a:solidFill>
+              <a:tailEnd type="triangle"/>
+            </a:ln>
+          </p:spPr>
+          <p:style>
+            <a:lnRef idx="1">
+              <a:schemeClr val="accent1"/>
+            </a:lnRef>
+            <a:fillRef idx="0">
+              <a:schemeClr val="accent1"/>
+            </a:fillRef>
+            <a:effectRef idx="0">
+              <a:schemeClr val="accent1"/>
+            </a:effectRef>
+            <a:fontRef idx="minor">
+              <a:schemeClr val="tx1"/>
+            </a:fontRef>
+          </p:style>
+        </p:cxnSp>
+        <p:sp>
+          <p:nvSpPr>
+            <p:cNvPr id="28" name="직사각형 27">
+              <a:extLst>
+                <a:ext uri="{FF2B5EF4-FFF2-40B4-BE49-F238E27FC236}">
+                  <a16:creationId xmlns:a16="http://schemas.microsoft.com/office/drawing/2014/main" id="{AE559C74-A0D0-415E-877C-D7E526534916}"/>
+                </a:ext>
+              </a:extLst>
+            </p:cNvPr>
+            <p:cNvSpPr/>
+            <p:nvPr/>
+          </p:nvSpPr>
+          <p:spPr>
+            <a:xfrm>
+              <a:off x="355520" y="2025787"/>
+              <a:ext cx="3600000" cy="504000"/>
+            </a:xfrm>
+            <a:prstGeom prst="rect">
+              <a:avLst/>
+            </a:prstGeom>
+            <a:noFill/>
+            <a:ln>
+              <a:solidFill>
+                <a:schemeClr val="tx1"/>
+              </a:solidFill>
+            </a:ln>
+          </p:spPr>
+          <p:style>
+            <a:lnRef idx="2">
+              <a:schemeClr val="accent1">
+                <a:shade val="50000"/>
+              </a:schemeClr>
+            </a:lnRef>
+            <a:fillRef idx="1">
+              <a:schemeClr val="accent1"/>
+            </a:fillRef>
+            <a:effectRef idx="0">
+              <a:schemeClr val="accent1"/>
+            </a:effectRef>
+            <a:fontRef idx="minor">
+              <a:schemeClr val="lt1"/>
+            </a:fontRef>
+          </p:style>
+          <p:txBody>
+            <a:bodyPr rtlCol="0" anchor="ctr"/>
+            <a:lstStyle/>
+            <a:p>
+              <a:pPr algn="ctr"/>
+              <a:r>
+                <a:rPr lang="ko-KR" altLang="en-US" sz="1467" dirty="0">
+                  <a:solidFill>
+                    <a:sysClr val="windowText" lastClr="000000"/>
+                  </a:solidFill>
+                </a:rPr>
+                <a:t>전체 합을 전체 개수로 나눈다</a:t>
+              </a:r>
+              <a:endParaRPr lang="en-US" altLang="ko-KR" sz="1467" dirty="0">
+                <a:solidFill>
+                  <a:sysClr val="windowText" lastClr="000000"/>
+                </a:solidFill>
+              </a:endParaRPr>
+            </a:p>
+          </p:txBody>
+        </p:sp>
+      </p:grpSp>
+    </p:spTree>
+    <p:extLst>
+      <p:ext uri="{BB962C8B-B14F-4D97-AF65-F5344CB8AC3E}">
+        <p14:creationId xmlns:p14="http://schemas.microsoft.com/office/powerpoint/2010/main" val="1858653215"/>
+      </p:ext>
+    </p:extLst>
+  </p:cSld>
+  <p:clrMapOvr>
+    <a:masterClrMapping/>
+  </p:clrMapOvr>
+</p:sld>
+</file>
+
 <file path=ppt/slides/slide3.xml><?xml version="1.0" encoding="utf-8"?>
 <p:sld xmlns:a="http://schemas.openxmlformats.org/drawingml/2006/main" xmlns:r="http://schemas.openxmlformats.org/officeDocument/2006/relationships" xmlns:p="http://schemas.openxmlformats.org/presentationml/2006/main">
   <p:cSld>

--- a/알고리즘_프로그래머스_Level01_순서도.pptx
+++ b/알고리즘_프로그래머스_Level01_순서도.pptx
@@ -31,6 +31,7 @@
     <p:sldId id="284" r:id="rId25"/>
     <p:sldId id="285" r:id="rId26"/>
     <p:sldId id="286" r:id="rId27"/>
+    <p:sldId id="287" r:id="rId28"/>
   </p:sldIdLst>
   <p:sldSz cx="6858000" cy="9144000" type="screen4x3"/>
   <p:notesSz cx="6858000" cy="9144000"/>
@@ -268,7 +269,7 @@
           <a:p>
             <a:fld id="{274DCB2C-481A-4B20-92AC-CEC756183F8E}" type="datetimeFigureOut">
               <a:rPr lang="ko-KR" altLang="en-US" smtClean="0"/>
-              <a:t>2021-01-22</a:t>
+              <a:t>2021-01-23</a:t>
             </a:fld>
             <a:endParaRPr lang="ko-KR" altLang="en-US"/>
           </a:p>
@@ -438,7 +439,7 @@
           <a:p>
             <a:fld id="{274DCB2C-481A-4B20-92AC-CEC756183F8E}" type="datetimeFigureOut">
               <a:rPr lang="ko-KR" altLang="en-US" smtClean="0"/>
-              <a:t>2021-01-22</a:t>
+              <a:t>2021-01-23</a:t>
             </a:fld>
             <a:endParaRPr lang="ko-KR" altLang="en-US"/>
           </a:p>
@@ -618,7 +619,7 @@
           <a:p>
             <a:fld id="{274DCB2C-481A-4B20-92AC-CEC756183F8E}" type="datetimeFigureOut">
               <a:rPr lang="ko-KR" altLang="en-US" smtClean="0"/>
-              <a:t>2021-01-22</a:t>
+              <a:t>2021-01-23</a:t>
             </a:fld>
             <a:endParaRPr lang="ko-KR" altLang="en-US"/>
           </a:p>
@@ -788,7 +789,7 @@
           <a:p>
             <a:fld id="{274DCB2C-481A-4B20-92AC-CEC756183F8E}" type="datetimeFigureOut">
               <a:rPr lang="ko-KR" altLang="en-US" smtClean="0"/>
-              <a:t>2021-01-22</a:t>
+              <a:t>2021-01-23</a:t>
             </a:fld>
             <a:endParaRPr lang="ko-KR" altLang="en-US"/>
           </a:p>
@@ -1032,7 +1033,7 @@
           <a:p>
             <a:fld id="{274DCB2C-481A-4B20-92AC-CEC756183F8E}" type="datetimeFigureOut">
               <a:rPr lang="ko-KR" altLang="en-US" smtClean="0"/>
-              <a:t>2021-01-22</a:t>
+              <a:t>2021-01-23</a:t>
             </a:fld>
             <a:endParaRPr lang="ko-KR" altLang="en-US"/>
           </a:p>
@@ -1264,7 +1265,7 @@
           <a:p>
             <a:fld id="{274DCB2C-481A-4B20-92AC-CEC756183F8E}" type="datetimeFigureOut">
               <a:rPr lang="ko-KR" altLang="en-US" smtClean="0"/>
-              <a:t>2021-01-22</a:t>
+              <a:t>2021-01-23</a:t>
             </a:fld>
             <a:endParaRPr lang="ko-KR" altLang="en-US"/>
           </a:p>
@@ -1631,7 +1632,7 @@
           <a:p>
             <a:fld id="{274DCB2C-481A-4B20-92AC-CEC756183F8E}" type="datetimeFigureOut">
               <a:rPr lang="ko-KR" altLang="en-US" smtClean="0"/>
-              <a:t>2021-01-22</a:t>
+              <a:t>2021-01-23</a:t>
             </a:fld>
             <a:endParaRPr lang="ko-KR" altLang="en-US"/>
           </a:p>
@@ -1749,7 +1750,7 @@
           <a:p>
             <a:fld id="{274DCB2C-481A-4B20-92AC-CEC756183F8E}" type="datetimeFigureOut">
               <a:rPr lang="ko-KR" altLang="en-US" smtClean="0"/>
-              <a:t>2021-01-22</a:t>
+              <a:t>2021-01-23</a:t>
             </a:fld>
             <a:endParaRPr lang="ko-KR" altLang="en-US"/>
           </a:p>
@@ -1844,7 +1845,7 @@
           <a:p>
             <a:fld id="{274DCB2C-481A-4B20-92AC-CEC756183F8E}" type="datetimeFigureOut">
               <a:rPr lang="ko-KR" altLang="en-US" smtClean="0"/>
-              <a:t>2021-01-22</a:t>
+              <a:t>2021-01-23</a:t>
             </a:fld>
             <a:endParaRPr lang="ko-KR" altLang="en-US"/>
           </a:p>
@@ -2121,7 +2122,7 @@
           <a:p>
             <a:fld id="{274DCB2C-481A-4B20-92AC-CEC756183F8E}" type="datetimeFigureOut">
               <a:rPr lang="ko-KR" altLang="en-US" smtClean="0"/>
-              <a:t>2021-01-22</a:t>
+              <a:t>2021-01-23</a:t>
             </a:fld>
             <a:endParaRPr lang="ko-KR" altLang="en-US"/>
           </a:p>
@@ -2378,7 +2379,7 @@
           <a:p>
             <a:fld id="{274DCB2C-481A-4B20-92AC-CEC756183F8E}" type="datetimeFigureOut">
               <a:rPr lang="ko-KR" altLang="en-US" smtClean="0"/>
-              <a:t>2021-01-22</a:t>
+              <a:t>2021-01-23</a:t>
             </a:fld>
             <a:endParaRPr lang="ko-KR" altLang="en-US"/>
           </a:p>
@@ -2591,7 +2592,7 @@
           <a:p>
             <a:fld id="{274DCB2C-481A-4B20-92AC-CEC756183F8E}" type="datetimeFigureOut">
               <a:rPr lang="ko-KR" altLang="en-US" smtClean="0"/>
-              <a:t>2021-01-22</a:t>
+              <a:t>2021-01-23</a:t>
             </a:fld>
             <a:endParaRPr lang="ko-KR" altLang="en-US"/>
           </a:p>
@@ -19998,6 +19999,640 @@
 </p:sld>
 </file>
 
+<file path=ppt/slides/slide27.xml><?xml version="1.0" encoding="utf-8"?>
+<p:sld xmlns:a="http://schemas.openxmlformats.org/drawingml/2006/main" xmlns:r="http://schemas.openxmlformats.org/officeDocument/2006/relationships" xmlns:p="http://schemas.openxmlformats.org/presentationml/2006/main">
+  <p:cSld>
+    <p:spTree>
+      <p:nvGrpSpPr>
+        <p:cNvPr id="1" name=""/>
+        <p:cNvGrpSpPr/>
+        <p:nvPr/>
+      </p:nvGrpSpPr>
+      <p:grpSpPr>
+        <a:xfrm>
+          <a:off x="0" y="0"/>
+          <a:ext cx="0" cy="0"/>
+          <a:chOff x="0" y="0"/>
+          <a:chExt cx="0" cy="0"/>
+        </a:xfrm>
+      </p:grpSpPr>
+      <p:sp>
+        <p:nvSpPr>
+          <p:cNvPr id="4" name="제목 3">
+            <a:extLst>
+              <a:ext uri="{FF2B5EF4-FFF2-40B4-BE49-F238E27FC236}">
+                <a16:creationId xmlns:a16="http://schemas.microsoft.com/office/drawing/2014/main" id="{30BAC889-89EF-449A-A9AB-0AA582E87CB5}"/>
+              </a:ext>
+            </a:extLst>
+          </p:cNvPr>
+          <p:cNvSpPr>
+            <a:spLocks noGrp="1"/>
+          </p:cNvSpPr>
+          <p:nvPr>
+            <p:ph type="title"/>
+          </p:nvPr>
+        </p:nvSpPr>
+        <p:spPr/>
+        <p:txBody>
+          <a:bodyPr/>
+          <a:lstStyle/>
+          <a:p>
+            <a:r>
+              <a:rPr lang="ko-KR" altLang="en-US" dirty="0"/>
+              <a:t>최대공약수와 </a:t>
+            </a:r>
+            <a:r>
+              <a:rPr lang="ko-KR" altLang="en-US" dirty="0" err="1"/>
+              <a:t>최소공배수</a:t>
+            </a:r>
+            <a:r>
+              <a:rPr lang="ko-KR" altLang="en-US" dirty="0"/>
+              <a:t> </a:t>
+            </a:r>
+            <a:r>
+              <a:rPr lang="en-US" altLang="ko-KR" dirty="0"/>
+              <a:t>(01.23)</a:t>
+            </a:r>
+            <a:endParaRPr lang="ko-KR" altLang="en-US" dirty="0"/>
+          </a:p>
+        </p:txBody>
+      </p:sp>
+      <p:grpSp>
+        <p:nvGrpSpPr>
+          <p:cNvPr id="23" name="그룹 22">
+            <a:extLst>
+              <a:ext uri="{FF2B5EF4-FFF2-40B4-BE49-F238E27FC236}">
+                <a16:creationId xmlns:a16="http://schemas.microsoft.com/office/drawing/2014/main" id="{A048EBEE-2546-49D7-BEF4-083772329924}"/>
+              </a:ext>
+            </a:extLst>
+          </p:cNvPr>
+          <p:cNvGrpSpPr/>
+          <p:nvPr/>
+        </p:nvGrpSpPr>
+        <p:grpSpPr>
+          <a:xfrm>
+            <a:off x="355520" y="1175678"/>
+            <a:ext cx="4676845" cy="3396854"/>
+            <a:chOff x="355520" y="1175678"/>
+            <a:chExt cx="4676845" cy="3396854"/>
+          </a:xfrm>
+        </p:grpSpPr>
+        <p:sp>
+          <p:nvSpPr>
+            <p:cNvPr id="26" name="직사각형 25">
+              <a:extLst>
+                <a:ext uri="{FF2B5EF4-FFF2-40B4-BE49-F238E27FC236}">
+                  <a16:creationId xmlns:a16="http://schemas.microsoft.com/office/drawing/2014/main" id="{9DEB928F-454D-4054-997B-6797697CBACA}"/>
+                </a:ext>
+              </a:extLst>
+            </p:cNvPr>
+            <p:cNvSpPr/>
+            <p:nvPr/>
+          </p:nvSpPr>
+          <p:spPr>
+            <a:xfrm>
+              <a:off x="355520" y="1175678"/>
+              <a:ext cx="3600000" cy="504000"/>
+            </a:xfrm>
+            <a:prstGeom prst="rect">
+              <a:avLst/>
+            </a:prstGeom>
+            <a:noFill/>
+            <a:ln>
+              <a:solidFill>
+                <a:schemeClr val="tx1"/>
+              </a:solidFill>
+            </a:ln>
+          </p:spPr>
+          <p:style>
+            <a:lnRef idx="2">
+              <a:schemeClr val="accent1">
+                <a:shade val="50000"/>
+              </a:schemeClr>
+            </a:lnRef>
+            <a:fillRef idx="1">
+              <a:schemeClr val="accent1"/>
+            </a:fillRef>
+            <a:effectRef idx="0">
+              <a:schemeClr val="accent1"/>
+            </a:effectRef>
+            <a:fontRef idx="minor">
+              <a:schemeClr val="lt1"/>
+            </a:fontRef>
+          </p:style>
+          <p:txBody>
+            <a:bodyPr rtlCol="0" anchor="ctr"/>
+            <a:lstStyle/>
+            <a:p>
+              <a:pPr algn="ctr"/>
+              <a:r>
+                <a:rPr lang="en-US" altLang="ko-KR" sz="1467" dirty="0">
+                  <a:solidFill>
+                    <a:sysClr val="windowText" lastClr="000000"/>
+                  </a:solidFill>
+                </a:rPr>
+                <a:t>1</a:t>
+              </a:r>
+              <a:r>
+                <a:rPr lang="ko-KR" altLang="en-US" sz="1467" dirty="0">
+                  <a:solidFill>
+                    <a:sysClr val="windowText" lastClr="000000"/>
+                  </a:solidFill>
+                </a:rPr>
+                <a:t>부터 작은 값</a:t>
+              </a:r>
+              <a:r>
+                <a:rPr lang="en-US" altLang="ko-KR" sz="1467" dirty="0">
+                  <a:solidFill>
+                    <a:sysClr val="windowText" lastClr="000000"/>
+                  </a:solidFill>
+                </a:rPr>
+                <a:t>(n)</a:t>
+              </a:r>
+              <a:r>
+                <a:rPr lang="ko-KR" altLang="en-US" sz="1467" dirty="0">
+                  <a:solidFill>
+                    <a:sysClr val="windowText" lastClr="000000"/>
+                  </a:solidFill>
+                </a:rPr>
+                <a:t>까지</a:t>
+              </a:r>
+              <a:endParaRPr lang="en-US" altLang="ko-KR" sz="1467" dirty="0">
+                <a:solidFill>
+                  <a:sysClr val="windowText" lastClr="000000"/>
+                </a:solidFill>
+              </a:endParaRPr>
+            </a:p>
+            <a:p>
+              <a:pPr algn="ctr"/>
+              <a:r>
+                <a:rPr lang="en-US" altLang="ko-KR" sz="1467" dirty="0">
+                  <a:solidFill>
+                    <a:sysClr val="windowText" lastClr="000000"/>
+                  </a:solidFill>
+                </a:rPr>
+                <a:t>n</a:t>
+              </a:r>
+              <a:r>
+                <a:rPr lang="ko-KR" altLang="en-US" sz="1467" dirty="0">
+                  <a:solidFill>
+                    <a:sysClr val="windowText" lastClr="000000"/>
+                  </a:solidFill>
+                </a:rPr>
+                <a:t>과 큰 값</a:t>
+              </a:r>
+              <a:r>
+                <a:rPr lang="en-US" altLang="ko-KR" sz="1467" dirty="0">
+                  <a:solidFill>
+                    <a:sysClr val="windowText" lastClr="000000"/>
+                  </a:solidFill>
+                </a:rPr>
+                <a:t>(m)</a:t>
+              </a:r>
+              <a:r>
+                <a:rPr lang="ko-KR" altLang="en-US" sz="1467" dirty="0">
+                  <a:solidFill>
+                    <a:sysClr val="windowText" lastClr="000000"/>
+                  </a:solidFill>
+                </a:rPr>
+                <a:t>을 나눈</a:t>
+              </a:r>
+              <a:r>
+                <a:rPr lang="en-US" altLang="ko-KR" sz="1467" dirty="0">
+                  <a:solidFill>
+                    <a:sysClr val="windowText" lastClr="000000"/>
+                  </a:solidFill>
+                </a:rPr>
+                <a:t> </a:t>
+              </a:r>
+              <a:r>
+                <a:rPr lang="ko-KR" altLang="en-US" sz="1467" dirty="0">
+                  <a:solidFill>
+                    <a:sysClr val="windowText" lastClr="000000"/>
+                  </a:solidFill>
+                </a:rPr>
+                <a:t>나머지를 구한다</a:t>
+              </a:r>
+              <a:endParaRPr lang="en-US" altLang="ko-KR" sz="1467" dirty="0">
+                <a:solidFill>
+                  <a:sysClr val="windowText" lastClr="000000"/>
+                </a:solidFill>
+              </a:endParaRPr>
+            </a:p>
+          </p:txBody>
+        </p:sp>
+        <p:cxnSp>
+          <p:nvCxnSpPr>
+            <p:cNvPr id="27" name="직선 화살표 연결선 26">
+              <a:extLst>
+                <a:ext uri="{FF2B5EF4-FFF2-40B4-BE49-F238E27FC236}">
+                  <a16:creationId xmlns:a16="http://schemas.microsoft.com/office/drawing/2014/main" id="{53F80733-E232-40CC-B923-DC305205CDFC}"/>
+                </a:ext>
+              </a:extLst>
+            </p:cNvPr>
+            <p:cNvCxnSpPr>
+              <a:cxnSpLocks/>
+              <a:stCxn id="26" idx="2"/>
+              <a:endCxn id="11" idx="0"/>
+            </p:cNvCxnSpPr>
+            <p:nvPr/>
+          </p:nvCxnSpPr>
+          <p:spPr>
+            <a:xfrm>
+              <a:off x="2155520" y="1679678"/>
+              <a:ext cx="0" cy="350552"/>
+            </a:xfrm>
+            <a:prstGeom prst="straightConnector1">
+              <a:avLst/>
+            </a:prstGeom>
+            <a:ln>
+              <a:solidFill>
+                <a:schemeClr val="tx1"/>
+              </a:solidFill>
+              <a:tailEnd type="triangle"/>
+            </a:ln>
+          </p:spPr>
+          <p:style>
+            <a:lnRef idx="1">
+              <a:schemeClr val="accent1"/>
+            </a:lnRef>
+            <a:fillRef idx="0">
+              <a:schemeClr val="accent1"/>
+            </a:fillRef>
+            <a:effectRef idx="0">
+              <a:schemeClr val="accent1"/>
+            </a:effectRef>
+            <a:fontRef idx="minor">
+              <a:schemeClr val="tx1"/>
+            </a:fontRef>
+          </p:style>
+        </p:cxnSp>
+        <p:sp>
+          <p:nvSpPr>
+            <p:cNvPr id="11" name="다이아몬드 10">
+              <a:extLst>
+                <a:ext uri="{FF2B5EF4-FFF2-40B4-BE49-F238E27FC236}">
+                  <a16:creationId xmlns:a16="http://schemas.microsoft.com/office/drawing/2014/main" id="{5137A4AE-B2EC-46AF-86A7-D2D56AE384AC}"/>
+                </a:ext>
+              </a:extLst>
+            </p:cNvPr>
+            <p:cNvSpPr/>
+            <p:nvPr/>
+          </p:nvSpPr>
+          <p:spPr>
+            <a:xfrm>
+              <a:off x="355520" y="2030230"/>
+              <a:ext cx="3600000" cy="499557"/>
+            </a:xfrm>
+            <a:prstGeom prst="diamond">
+              <a:avLst/>
+            </a:prstGeom>
+            <a:noFill/>
+            <a:ln>
+              <a:solidFill>
+                <a:schemeClr val="tx1"/>
+              </a:solidFill>
+            </a:ln>
+          </p:spPr>
+          <p:style>
+            <a:lnRef idx="2">
+              <a:schemeClr val="accent1">
+                <a:shade val="50000"/>
+              </a:schemeClr>
+            </a:lnRef>
+            <a:fillRef idx="1">
+              <a:schemeClr val="accent1"/>
+            </a:fillRef>
+            <a:effectRef idx="0">
+              <a:schemeClr val="accent1"/>
+            </a:effectRef>
+            <a:fontRef idx="minor">
+              <a:schemeClr val="lt1"/>
+            </a:fontRef>
+          </p:style>
+          <p:txBody>
+            <a:bodyPr rtlCol="0" anchor="ctr"/>
+            <a:lstStyle/>
+            <a:p>
+              <a:pPr algn="ctr"/>
+              <a:r>
+                <a:rPr lang="ko-KR" altLang="en-US" sz="1467" dirty="0">
+                  <a:solidFill>
+                    <a:sysClr val="windowText" lastClr="000000"/>
+                  </a:solidFill>
+                </a:rPr>
+                <a:t>각각의 나머지 </a:t>
+              </a:r>
+              <a:r>
+                <a:rPr lang="en-US" altLang="ko-KR" sz="1467" dirty="0">
+                  <a:solidFill>
+                    <a:sysClr val="windowText" lastClr="000000"/>
+                  </a:solidFill>
+                </a:rPr>
+                <a:t>== 0?</a:t>
+              </a:r>
+            </a:p>
+          </p:txBody>
+        </p:sp>
+        <p:sp>
+          <p:nvSpPr>
+            <p:cNvPr id="12" name="TextBox 11">
+              <a:extLst>
+                <a:ext uri="{FF2B5EF4-FFF2-40B4-BE49-F238E27FC236}">
+                  <a16:creationId xmlns:a16="http://schemas.microsoft.com/office/drawing/2014/main" id="{2922726B-5982-4F4A-80BD-396C6F2FEAA9}"/>
+                </a:ext>
+              </a:extLst>
+            </p:cNvPr>
+            <p:cNvSpPr txBox="1"/>
+            <p:nvPr/>
+          </p:nvSpPr>
+          <p:spPr>
+            <a:xfrm>
+              <a:off x="2182478" y="2491554"/>
+              <a:ext cx="417538" cy="322705"/>
+            </a:xfrm>
+            <a:prstGeom prst="rect">
+              <a:avLst/>
+            </a:prstGeom>
+            <a:noFill/>
+          </p:spPr>
+          <p:txBody>
+            <a:bodyPr wrap="square" lIns="48000" tIns="48000" rIns="48000" bIns="48000" rtlCol="0">
+              <a:spAutoFit/>
+            </a:bodyPr>
+            <a:lstStyle/>
+            <a:p>
+              <a:r>
+                <a:rPr lang="en-US" altLang="ko-KR" sz="1467" dirty="0"/>
+                <a:t>true</a:t>
+              </a:r>
+              <a:endParaRPr lang="ko-KR" altLang="en-US" sz="1467" dirty="0"/>
+            </a:p>
+          </p:txBody>
+        </p:sp>
+        <p:sp>
+          <p:nvSpPr>
+            <p:cNvPr id="17" name="직사각형 16">
+              <a:extLst>
+                <a:ext uri="{FF2B5EF4-FFF2-40B4-BE49-F238E27FC236}">
+                  <a16:creationId xmlns:a16="http://schemas.microsoft.com/office/drawing/2014/main" id="{8F5E4B63-568F-4C3A-8985-662C568AA49B}"/>
+                </a:ext>
+              </a:extLst>
+            </p:cNvPr>
+            <p:cNvSpPr/>
+            <p:nvPr/>
+          </p:nvSpPr>
+          <p:spPr>
+            <a:xfrm>
+              <a:off x="1435520" y="2885486"/>
+              <a:ext cx="1440000" cy="504000"/>
+            </a:xfrm>
+            <a:prstGeom prst="rect">
+              <a:avLst/>
+            </a:prstGeom>
+            <a:noFill/>
+            <a:ln>
+              <a:solidFill>
+                <a:schemeClr val="tx1"/>
+              </a:solidFill>
+            </a:ln>
+          </p:spPr>
+          <p:style>
+            <a:lnRef idx="2">
+              <a:schemeClr val="accent1">
+                <a:shade val="50000"/>
+              </a:schemeClr>
+            </a:lnRef>
+            <a:fillRef idx="1">
+              <a:schemeClr val="accent1"/>
+            </a:fillRef>
+            <a:effectRef idx="0">
+              <a:schemeClr val="accent1"/>
+            </a:effectRef>
+            <a:fontRef idx="minor">
+              <a:schemeClr val="lt1"/>
+            </a:fontRef>
+          </p:style>
+          <p:txBody>
+            <a:bodyPr rtlCol="0" anchor="ctr"/>
+            <a:lstStyle/>
+            <a:p>
+              <a:pPr algn="ctr"/>
+              <a:r>
+                <a:rPr lang="en-US" altLang="ko-KR" sz="1467" dirty="0">
+                  <a:solidFill>
+                    <a:sysClr val="windowText" lastClr="000000"/>
+                  </a:solidFill>
+                </a:rPr>
+                <a:t>max = </a:t>
+              </a:r>
+              <a:r>
+                <a:rPr lang="en-US" altLang="ko-KR" sz="1467" dirty="0" err="1">
+                  <a:solidFill>
+                    <a:sysClr val="windowText" lastClr="000000"/>
+                  </a:solidFill>
+                </a:rPr>
+                <a:t>i</a:t>
+              </a:r>
+              <a:endParaRPr lang="en-US" altLang="ko-KR" sz="1467" dirty="0">
+                <a:solidFill>
+                  <a:sysClr val="windowText" lastClr="000000"/>
+                </a:solidFill>
+              </a:endParaRPr>
+            </a:p>
+          </p:txBody>
+        </p:sp>
+        <p:cxnSp>
+          <p:nvCxnSpPr>
+            <p:cNvPr id="18" name="직선 화살표 연결선 17">
+              <a:extLst>
+                <a:ext uri="{FF2B5EF4-FFF2-40B4-BE49-F238E27FC236}">
+                  <a16:creationId xmlns:a16="http://schemas.microsoft.com/office/drawing/2014/main" id="{57C6C074-1C35-4E36-821B-AC7CAE6E22CD}"/>
+                </a:ext>
+              </a:extLst>
+            </p:cNvPr>
+            <p:cNvCxnSpPr>
+              <a:cxnSpLocks/>
+              <a:stCxn id="11" idx="2"/>
+              <a:endCxn id="17" idx="0"/>
+            </p:cNvCxnSpPr>
+            <p:nvPr/>
+          </p:nvCxnSpPr>
+          <p:spPr>
+            <a:xfrm>
+              <a:off x="2155520" y="2529787"/>
+              <a:ext cx="0" cy="355699"/>
+            </a:xfrm>
+            <a:prstGeom prst="straightConnector1">
+              <a:avLst/>
+            </a:prstGeom>
+            <a:ln>
+              <a:solidFill>
+                <a:schemeClr val="tx1"/>
+              </a:solidFill>
+              <a:tailEnd type="triangle"/>
+            </a:ln>
+          </p:spPr>
+          <p:style>
+            <a:lnRef idx="1">
+              <a:schemeClr val="accent1"/>
+            </a:lnRef>
+            <a:fillRef idx="0">
+              <a:schemeClr val="accent1"/>
+            </a:fillRef>
+            <a:effectRef idx="0">
+              <a:schemeClr val="accent1"/>
+            </a:effectRef>
+            <a:fontRef idx="minor">
+              <a:schemeClr val="tx1"/>
+            </a:fontRef>
+          </p:style>
+        </p:cxnSp>
+        <p:sp>
+          <p:nvSpPr>
+            <p:cNvPr id="29" name="TextBox 28">
+              <a:extLst>
+                <a:ext uri="{FF2B5EF4-FFF2-40B4-BE49-F238E27FC236}">
+                  <a16:creationId xmlns:a16="http://schemas.microsoft.com/office/drawing/2014/main" id="{55249ED9-201F-4E4B-B15A-D66C9905CC8A}"/>
+                </a:ext>
+              </a:extLst>
+            </p:cNvPr>
+            <p:cNvSpPr txBox="1"/>
+            <p:nvPr/>
+          </p:nvSpPr>
+          <p:spPr>
+            <a:xfrm>
+              <a:off x="4290058" y="1175678"/>
+              <a:ext cx="734933" cy="527825"/>
+            </a:xfrm>
+            <a:prstGeom prst="rect">
+              <a:avLst/>
+            </a:prstGeom>
+            <a:noFill/>
+          </p:spPr>
+          <p:txBody>
+            <a:bodyPr wrap="none" lIns="48000" tIns="48000" rIns="48000" bIns="48000" rtlCol="0">
+              <a:spAutoFit/>
+            </a:bodyPr>
+            <a:lstStyle/>
+            <a:p>
+              <a:r>
+                <a:rPr lang="en-US" altLang="ko-KR" sz="2800" dirty="0"/>
+                <a:t>GCD</a:t>
+              </a:r>
+              <a:endParaRPr lang="ko-KR" altLang="en-US" sz="2800" dirty="0"/>
+            </a:p>
+          </p:txBody>
+        </p:sp>
+        <p:sp>
+          <p:nvSpPr>
+            <p:cNvPr id="31" name="직사각형 30">
+              <a:extLst>
+                <a:ext uri="{FF2B5EF4-FFF2-40B4-BE49-F238E27FC236}">
+                  <a16:creationId xmlns:a16="http://schemas.microsoft.com/office/drawing/2014/main" id="{F5802A9F-7EC9-4E18-AB6C-1222F7384CF4}"/>
+                </a:ext>
+              </a:extLst>
+            </p:cNvPr>
+            <p:cNvSpPr/>
+            <p:nvPr/>
+          </p:nvSpPr>
+          <p:spPr>
+            <a:xfrm>
+              <a:off x="1435520" y="4044707"/>
+              <a:ext cx="1440000" cy="504000"/>
+            </a:xfrm>
+            <a:prstGeom prst="rect">
+              <a:avLst/>
+            </a:prstGeom>
+            <a:noFill/>
+            <a:ln>
+              <a:solidFill>
+                <a:schemeClr val="tx1"/>
+              </a:solidFill>
+            </a:ln>
+          </p:spPr>
+          <p:style>
+            <a:lnRef idx="2">
+              <a:schemeClr val="accent1">
+                <a:shade val="50000"/>
+              </a:schemeClr>
+            </a:lnRef>
+            <a:fillRef idx="1">
+              <a:schemeClr val="accent1"/>
+            </a:fillRef>
+            <a:effectRef idx="0">
+              <a:schemeClr val="accent1"/>
+            </a:effectRef>
+            <a:fontRef idx="minor">
+              <a:schemeClr val="lt1"/>
+            </a:fontRef>
+          </p:style>
+          <p:txBody>
+            <a:bodyPr rtlCol="0" anchor="ctr"/>
+            <a:lstStyle/>
+            <a:p>
+              <a:pPr algn="ctr"/>
+              <a:r>
+                <a:rPr lang="en-US" altLang="ko-KR" sz="1467" dirty="0">
+                  <a:solidFill>
+                    <a:sysClr val="windowText" lastClr="000000"/>
+                  </a:solidFill>
+                </a:rPr>
+                <a:t>n * m / GCD</a:t>
+              </a:r>
+            </a:p>
+          </p:txBody>
+        </p:sp>
+        <p:sp>
+          <p:nvSpPr>
+            <p:cNvPr id="37" name="TextBox 36">
+              <a:extLst>
+                <a:ext uri="{FF2B5EF4-FFF2-40B4-BE49-F238E27FC236}">
+                  <a16:creationId xmlns:a16="http://schemas.microsoft.com/office/drawing/2014/main" id="{B3717E21-D6B1-430A-96B0-4B05D534F9B2}"/>
+                </a:ext>
+              </a:extLst>
+            </p:cNvPr>
+            <p:cNvSpPr txBox="1"/>
+            <p:nvPr/>
+          </p:nvSpPr>
+          <p:spPr>
+            <a:xfrm>
+              <a:off x="4290058" y="4044707"/>
+              <a:ext cx="742307" cy="527825"/>
+            </a:xfrm>
+            <a:prstGeom prst="rect">
+              <a:avLst/>
+            </a:prstGeom>
+            <a:noFill/>
+          </p:spPr>
+          <p:txBody>
+            <a:bodyPr wrap="none" lIns="48000" tIns="48000" rIns="48000" bIns="48000" rtlCol="0">
+              <a:spAutoFit/>
+            </a:bodyPr>
+            <a:lstStyle/>
+            <a:p>
+              <a:r>
+                <a:rPr lang="en-US" altLang="ko-KR" sz="2800" dirty="0"/>
+                <a:t>LCM</a:t>
+              </a:r>
+              <a:endParaRPr lang="ko-KR" altLang="en-US" sz="2800" dirty="0"/>
+            </a:p>
+          </p:txBody>
+        </p:sp>
+      </p:grpSp>
+    </p:spTree>
+    <p:extLst>
+      <p:ext uri="{BB962C8B-B14F-4D97-AF65-F5344CB8AC3E}">
+        <p14:creationId xmlns:p14="http://schemas.microsoft.com/office/powerpoint/2010/main" val="3827676303"/>
+      </p:ext>
+    </p:extLst>
+  </p:cSld>
+  <p:clrMapOvr>
+    <a:masterClrMapping/>
+  </p:clrMapOvr>
+</p:sld>
+</file>
+
 <file path=ppt/slides/slide3.xml><?xml version="1.0" encoding="utf-8"?>
 <p:sld xmlns:a="http://schemas.openxmlformats.org/drawingml/2006/main" xmlns:r="http://schemas.openxmlformats.org/officeDocument/2006/relationships" xmlns:p="http://schemas.openxmlformats.org/presentationml/2006/main">
   <p:cSld>

--- a/알고리즘_프로그래머스_Level01_순서도.pptx
+++ b/알고리즘_프로그래머스_Level01_순서도.pptx
@@ -32,6 +32,7 @@
     <p:sldId id="285" r:id="rId26"/>
     <p:sldId id="286" r:id="rId27"/>
     <p:sldId id="287" r:id="rId28"/>
+    <p:sldId id="288" r:id="rId29"/>
   </p:sldIdLst>
   <p:sldSz cx="6858000" cy="9144000" type="screen4x3"/>
   <p:notesSz cx="6858000" cy="9144000"/>
@@ -269,7 +270,7 @@
           <a:p>
             <a:fld id="{274DCB2C-481A-4B20-92AC-CEC756183F8E}" type="datetimeFigureOut">
               <a:rPr lang="ko-KR" altLang="en-US" smtClean="0"/>
-              <a:t>2021-01-23</a:t>
+              <a:t>2021-01-27</a:t>
             </a:fld>
             <a:endParaRPr lang="ko-KR" altLang="en-US"/>
           </a:p>
@@ -439,7 +440,7 @@
           <a:p>
             <a:fld id="{274DCB2C-481A-4B20-92AC-CEC756183F8E}" type="datetimeFigureOut">
               <a:rPr lang="ko-KR" altLang="en-US" smtClean="0"/>
-              <a:t>2021-01-23</a:t>
+              <a:t>2021-01-27</a:t>
             </a:fld>
             <a:endParaRPr lang="ko-KR" altLang="en-US"/>
           </a:p>
@@ -619,7 +620,7 @@
           <a:p>
             <a:fld id="{274DCB2C-481A-4B20-92AC-CEC756183F8E}" type="datetimeFigureOut">
               <a:rPr lang="ko-KR" altLang="en-US" smtClean="0"/>
-              <a:t>2021-01-23</a:t>
+              <a:t>2021-01-27</a:t>
             </a:fld>
             <a:endParaRPr lang="ko-KR" altLang="en-US"/>
           </a:p>
@@ -789,7 +790,7 @@
           <a:p>
             <a:fld id="{274DCB2C-481A-4B20-92AC-CEC756183F8E}" type="datetimeFigureOut">
               <a:rPr lang="ko-KR" altLang="en-US" smtClean="0"/>
-              <a:t>2021-01-23</a:t>
+              <a:t>2021-01-27</a:t>
             </a:fld>
             <a:endParaRPr lang="ko-KR" altLang="en-US"/>
           </a:p>
@@ -1033,7 +1034,7 @@
           <a:p>
             <a:fld id="{274DCB2C-481A-4B20-92AC-CEC756183F8E}" type="datetimeFigureOut">
               <a:rPr lang="ko-KR" altLang="en-US" smtClean="0"/>
-              <a:t>2021-01-23</a:t>
+              <a:t>2021-01-27</a:t>
             </a:fld>
             <a:endParaRPr lang="ko-KR" altLang="en-US"/>
           </a:p>
@@ -1265,7 +1266,7 @@
           <a:p>
             <a:fld id="{274DCB2C-481A-4B20-92AC-CEC756183F8E}" type="datetimeFigureOut">
               <a:rPr lang="ko-KR" altLang="en-US" smtClean="0"/>
-              <a:t>2021-01-23</a:t>
+              <a:t>2021-01-27</a:t>
             </a:fld>
             <a:endParaRPr lang="ko-KR" altLang="en-US"/>
           </a:p>
@@ -1632,7 +1633,7 @@
           <a:p>
             <a:fld id="{274DCB2C-481A-4B20-92AC-CEC756183F8E}" type="datetimeFigureOut">
               <a:rPr lang="ko-KR" altLang="en-US" smtClean="0"/>
-              <a:t>2021-01-23</a:t>
+              <a:t>2021-01-27</a:t>
             </a:fld>
             <a:endParaRPr lang="ko-KR" altLang="en-US"/>
           </a:p>
@@ -1750,7 +1751,7 @@
           <a:p>
             <a:fld id="{274DCB2C-481A-4B20-92AC-CEC756183F8E}" type="datetimeFigureOut">
               <a:rPr lang="ko-KR" altLang="en-US" smtClean="0"/>
-              <a:t>2021-01-23</a:t>
+              <a:t>2021-01-27</a:t>
             </a:fld>
             <a:endParaRPr lang="ko-KR" altLang="en-US"/>
           </a:p>
@@ -1845,7 +1846,7 @@
           <a:p>
             <a:fld id="{274DCB2C-481A-4B20-92AC-CEC756183F8E}" type="datetimeFigureOut">
               <a:rPr lang="ko-KR" altLang="en-US" smtClean="0"/>
-              <a:t>2021-01-23</a:t>
+              <a:t>2021-01-27</a:t>
             </a:fld>
             <a:endParaRPr lang="ko-KR" altLang="en-US"/>
           </a:p>
@@ -2122,7 +2123,7 @@
           <a:p>
             <a:fld id="{274DCB2C-481A-4B20-92AC-CEC756183F8E}" type="datetimeFigureOut">
               <a:rPr lang="ko-KR" altLang="en-US" smtClean="0"/>
-              <a:t>2021-01-23</a:t>
+              <a:t>2021-01-27</a:t>
             </a:fld>
             <a:endParaRPr lang="ko-KR" altLang="en-US"/>
           </a:p>
@@ -2379,7 +2380,7 @@
           <a:p>
             <a:fld id="{274DCB2C-481A-4B20-92AC-CEC756183F8E}" type="datetimeFigureOut">
               <a:rPr lang="ko-KR" altLang="en-US" smtClean="0"/>
-              <a:t>2021-01-23</a:t>
+              <a:t>2021-01-27</a:t>
             </a:fld>
             <a:endParaRPr lang="ko-KR" altLang="en-US"/>
           </a:p>
@@ -2592,7 +2593,7 @@
           <a:p>
             <a:fld id="{274DCB2C-481A-4B20-92AC-CEC756183F8E}" type="datetimeFigureOut">
               <a:rPr lang="ko-KR" altLang="en-US" smtClean="0"/>
-              <a:t>2021-01-23</a:t>
+              <a:t>2021-01-27</a:t>
             </a:fld>
             <a:endParaRPr lang="ko-KR" altLang="en-US"/>
           </a:p>
@@ -20633,6 +20634,589 @@
 </p:sld>
 </file>
 
+<file path=ppt/slides/slide28.xml><?xml version="1.0" encoding="utf-8"?>
+<p:sld xmlns:a="http://schemas.openxmlformats.org/drawingml/2006/main" xmlns:r="http://schemas.openxmlformats.org/officeDocument/2006/relationships" xmlns:p="http://schemas.openxmlformats.org/presentationml/2006/main">
+  <p:cSld>
+    <p:spTree>
+      <p:nvGrpSpPr>
+        <p:cNvPr id="1" name=""/>
+        <p:cNvGrpSpPr/>
+        <p:nvPr/>
+      </p:nvGrpSpPr>
+      <p:grpSpPr>
+        <a:xfrm>
+          <a:off x="0" y="0"/>
+          <a:ext cx="0" cy="0"/>
+          <a:chOff x="0" y="0"/>
+          <a:chExt cx="0" cy="0"/>
+        </a:xfrm>
+      </p:grpSpPr>
+      <p:sp>
+        <p:nvSpPr>
+          <p:cNvPr id="4" name="제목 3">
+            <a:extLst>
+              <a:ext uri="{FF2B5EF4-FFF2-40B4-BE49-F238E27FC236}">
+                <a16:creationId xmlns:a16="http://schemas.microsoft.com/office/drawing/2014/main" id="{30BAC889-89EF-449A-A9AB-0AA582E87CB5}"/>
+              </a:ext>
+            </a:extLst>
+          </p:cNvPr>
+          <p:cNvSpPr>
+            <a:spLocks noGrp="1"/>
+          </p:cNvSpPr>
+          <p:nvPr>
+            <p:ph type="title"/>
+          </p:nvPr>
+        </p:nvSpPr>
+        <p:spPr/>
+        <p:txBody>
+          <a:bodyPr/>
+          <a:lstStyle/>
+          <a:p>
+            <a:r>
+              <a:rPr lang="ko-KR" altLang="en-US" dirty="0" err="1"/>
+              <a:t>하샤드</a:t>
+            </a:r>
+            <a:r>
+              <a:rPr lang="ko-KR" altLang="en-US" dirty="0"/>
+              <a:t> 수 </a:t>
+            </a:r>
+            <a:r>
+              <a:rPr lang="en-US" altLang="ko-KR" dirty="0"/>
+              <a:t>(01.27)</a:t>
+            </a:r>
+            <a:endParaRPr lang="ko-KR" altLang="en-US" dirty="0"/>
+          </a:p>
+        </p:txBody>
+      </p:sp>
+      <p:grpSp>
+        <p:nvGrpSpPr>
+          <p:cNvPr id="42" name="그룹 41">
+            <a:extLst>
+              <a:ext uri="{FF2B5EF4-FFF2-40B4-BE49-F238E27FC236}">
+                <a16:creationId xmlns:a16="http://schemas.microsoft.com/office/drawing/2014/main" id="{DE69FCE2-F65C-4E11-8F91-83CED9E784E5}"/>
+              </a:ext>
+            </a:extLst>
+          </p:cNvPr>
+          <p:cNvGrpSpPr/>
+          <p:nvPr/>
+        </p:nvGrpSpPr>
+        <p:grpSpPr>
+          <a:xfrm>
+            <a:off x="1075520" y="1175678"/>
+            <a:ext cx="2631453" cy="3049957"/>
+            <a:chOff x="1075520" y="1175678"/>
+            <a:chExt cx="2631453" cy="3049957"/>
+          </a:xfrm>
+        </p:grpSpPr>
+        <p:sp>
+          <p:nvSpPr>
+            <p:cNvPr id="26" name="직사각형 25">
+              <a:extLst>
+                <a:ext uri="{FF2B5EF4-FFF2-40B4-BE49-F238E27FC236}">
+                  <a16:creationId xmlns:a16="http://schemas.microsoft.com/office/drawing/2014/main" id="{9DEB928F-454D-4054-997B-6797697CBACA}"/>
+                </a:ext>
+              </a:extLst>
+            </p:cNvPr>
+            <p:cNvSpPr/>
+            <p:nvPr/>
+          </p:nvSpPr>
+          <p:spPr>
+            <a:xfrm>
+              <a:off x="1075520" y="1175678"/>
+              <a:ext cx="2160000" cy="504000"/>
+            </a:xfrm>
+            <a:prstGeom prst="rect">
+              <a:avLst/>
+            </a:prstGeom>
+            <a:noFill/>
+            <a:ln>
+              <a:solidFill>
+                <a:schemeClr val="tx1"/>
+              </a:solidFill>
+            </a:ln>
+          </p:spPr>
+          <p:style>
+            <a:lnRef idx="2">
+              <a:schemeClr val="accent1">
+                <a:shade val="50000"/>
+              </a:schemeClr>
+            </a:lnRef>
+            <a:fillRef idx="1">
+              <a:schemeClr val="accent1"/>
+            </a:fillRef>
+            <a:effectRef idx="0">
+              <a:schemeClr val="accent1"/>
+            </a:effectRef>
+            <a:fontRef idx="minor">
+              <a:schemeClr val="lt1"/>
+            </a:fontRef>
+          </p:style>
+          <p:txBody>
+            <a:bodyPr rtlCol="0" anchor="ctr"/>
+            <a:lstStyle/>
+            <a:p>
+              <a:pPr algn="ctr"/>
+              <a:r>
+                <a:rPr lang="en-US" altLang="ko-KR" sz="1467" dirty="0">
+                  <a:solidFill>
+                    <a:sysClr val="windowText" lastClr="000000"/>
+                  </a:solidFill>
+                </a:rPr>
+                <a:t>sum += n % 10</a:t>
+              </a:r>
+            </a:p>
+          </p:txBody>
+        </p:sp>
+        <p:cxnSp>
+          <p:nvCxnSpPr>
+            <p:cNvPr id="27" name="직선 화살표 연결선 26">
+              <a:extLst>
+                <a:ext uri="{FF2B5EF4-FFF2-40B4-BE49-F238E27FC236}">
+                  <a16:creationId xmlns:a16="http://schemas.microsoft.com/office/drawing/2014/main" id="{53F80733-E232-40CC-B923-DC305205CDFC}"/>
+                </a:ext>
+              </a:extLst>
+            </p:cNvPr>
+            <p:cNvCxnSpPr>
+              <a:cxnSpLocks/>
+              <a:stCxn id="26" idx="2"/>
+              <a:endCxn id="28" idx="0"/>
+            </p:cNvCxnSpPr>
+            <p:nvPr/>
+          </p:nvCxnSpPr>
+          <p:spPr>
+            <a:xfrm>
+              <a:off x="2155520" y="1679678"/>
+              <a:ext cx="0" cy="346109"/>
+            </a:xfrm>
+            <a:prstGeom prst="straightConnector1">
+              <a:avLst/>
+            </a:prstGeom>
+            <a:ln>
+              <a:solidFill>
+                <a:schemeClr val="tx1"/>
+              </a:solidFill>
+              <a:tailEnd type="triangle"/>
+            </a:ln>
+          </p:spPr>
+          <p:style>
+            <a:lnRef idx="1">
+              <a:schemeClr val="accent1"/>
+            </a:lnRef>
+            <a:fillRef idx="0">
+              <a:schemeClr val="accent1"/>
+            </a:fillRef>
+            <a:effectRef idx="0">
+              <a:schemeClr val="accent1"/>
+            </a:effectRef>
+            <a:fontRef idx="minor">
+              <a:schemeClr val="tx1"/>
+            </a:fontRef>
+          </p:style>
+        </p:cxnSp>
+        <p:sp>
+          <p:nvSpPr>
+            <p:cNvPr id="28" name="직사각형 27">
+              <a:extLst>
+                <a:ext uri="{FF2B5EF4-FFF2-40B4-BE49-F238E27FC236}">
+                  <a16:creationId xmlns:a16="http://schemas.microsoft.com/office/drawing/2014/main" id="{AE559C74-A0D0-415E-877C-D7E526534916}"/>
+                </a:ext>
+              </a:extLst>
+            </p:cNvPr>
+            <p:cNvSpPr/>
+            <p:nvPr/>
+          </p:nvSpPr>
+          <p:spPr>
+            <a:xfrm>
+              <a:off x="1075520" y="2025787"/>
+              <a:ext cx="2160000" cy="504000"/>
+            </a:xfrm>
+            <a:prstGeom prst="rect">
+              <a:avLst/>
+            </a:prstGeom>
+            <a:noFill/>
+            <a:ln>
+              <a:solidFill>
+                <a:schemeClr val="tx1"/>
+              </a:solidFill>
+            </a:ln>
+          </p:spPr>
+          <p:style>
+            <a:lnRef idx="2">
+              <a:schemeClr val="accent1">
+                <a:shade val="50000"/>
+              </a:schemeClr>
+            </a:lnRef>
+            <a:fillRef idx="1">
+              <a:schemeClr val="accent1"/>
+            </a:fillRef>
+            <a:effectRef idx="0">
+              <a:schemeClr val="accent1"/>
+            </a:effectRef>
+            <a:fontRef idx="minor">
+              <a:schemeClr val="lt1"/>
+            </a:fontRef>
+          </p:style>
+          <p:txBody>
+            <a:bodyPr rtlCol="0" anchor="ctr"/>
+            <a:lstStyle/>
+            <a:p>
+              <a:pPr algn="ctr"/>
+              <a:r>
+                <a:rPr lang="en-US" altLang="ko-KR" sz="1467" dirty="0">
+                  <a:solidFill>
+                    <a:sysClr val="windowText" lastClr="000000"/>
+                  </a:solidFill>
+                </a:rPr>
+                <a:t>n /= 10</a:t>
+              </a:r>
+            </a:p>
+          </p:txBody>
+        </p:sp>
+        <p:sp>
+          <p:nvSpPr>
+            <p:cNvPr id="10" name="다이아몬드 9">
+              <a:extLst>
+                <a:ext uri="{FF2B5EF4-FFF2-40B4-BE49-F238E27FC236}">
+                  <a16:creationId xmlns:a16="http://schemas.microsoft.com/office/drawing/2014/main" id="{89777C96-26B9-4067-BC35-8DB89C7E59E8}"/>
+                </a:ext>
+              </a:extLst>
+            </p:cNvPr>
+            <p:cNvSpPr/>
+            <p:nvPr/>
+          </p:nvSpPr>
+          <p:spPr>
+            <a:xfrm>
+              <a:off x="1075520" y="2875896"/>
+              <a:ext cx="2160000" cy="499557"/>
+            </a:xfrm>
+            <a:prstGeom prst="diamond">
+              <a:avLst/>
+            </a:prstGeom>
+            <a:noFill/>
+            <a:ln>
+              <a:solidFill>
+                <a:schemeClr val="tx1"/>
+              </a:solidFill>
+            </a:ln>
+          </p:spPr>
+          <p:style>
+            <a:lnRef idx="2">
+              <a:schemeClr val="accent1">
+                <a:shade val="50000"/>
+              </a:schemeClr>
+            </a:lnRef>
+            <a:fillRef idx="1">
+              <a:schemeClr val="accent1"/>
+            </a:fillRef>
+            <a:effectRef idx="0">
+              <a:schemeClr val="accent1"/>
+            </a:effectRef>
+            <a:fontRef idx="minor">
+              <a:schemeClr val="lt1"/>
+            </a:fontRef>
+          </p:style>
+          <p:txBody>
+            <a:bodyPr rtlCol="0" anchor="ctr"/>
+            <a:lstStyle/>
+            <a:p>
+              <a:pPr algn="ctr"/>
+              <a:r>
+                <a:rPr lang="en-US" altLang="ko-KR" sz="1467" dirty="0">
+                  <a:solidFill>
+                    <a:sysClr val="windowText" lastClr="000000"/>
+                  </a:solidFill>
+                </a:rPr>
+                <a:t>n == 0?</a:t>
+              </a:r>
+            </a:p>
+          </p:txBody>
+        </p:sp>
+        <p:cxnSp>
+          <p:nvCxnSpPr>
+            <p:cNvPr id="11" name="직선 화살표 연결선 10">
+              <a:extLst>
+                <a:ext uri="{FF2B5EF4-FFF2-40B4-BE49-F238E27FC236}">
+                  <a16:creationId xmlns:a16="http://schemas.microsoft.com/office/drawing/2014/main" id="{E306C91E-1DC5-41DE-A161-95405DE0ADBE}"/>
+                </a:ext>
+              </a:extLst>
+            </p:cNvPr>
+            <p:cNvCxnSpPr>
+              <a:cxnSpLocks/>
+              <a:stCxn id="28" idx="2"/>
+              <a:endCxn id="10" idx="0"/>
+            </p:cNvCxnSpPr>
+            <p:nvPr/>
+          </p:nvCxnSpPr>
+          <p:spPr>
+            <a:xfrm>
+              <a:off x="2155520" y="2529787"/>
+              <a:ext cx="0" cy="346109"/>
+            </a:xfrm>
+            <a:prstGeom prst="straightConnector1">
+              <a:avLst/>
+            </a:prstGeom>
+            <a:ln>
+              <a:solidFill>
+                <a:schemeClr val="tx1"/>
+              </a:solidFill>
+              <a:tailEnd type="triangle"/>
+            </a:ln>
+          </p:spPr>
+          <p:style>
+            <a:lnRef idx="1">
+              <a:schemeClr val="accent1"/>
+            </a:lnRef>
+            <a:fillRef idx="0">
+              <a:schemeClr val="accent1"/>
+            </a:fillRef>
+            <a:effectRef idx="0">
+              <a:schemeClr val="accent1"/>
+            </a:effectRef>
+            <a:fontRef idx="minor">
+              <a:schemeClr val="tx1"/>
+            </a:fontRef>
+          </p:style>
+        </p:cxnSp>
+        <p:cxnSp>
+          <p:nvCxnSpPr>
+            <p:cNvPr id="17" name="연결선: 꺾임 16">
+              <a:extLst>
+                <a:ext uri="{FF2B5EF4-FFF2-40B4-BE49-F238E27FC236}">
+                  <a16:creationId xmlns:a16="http://schemas.microsoft.com/office/drawing/2014/main" id="{361ECADA-A6A8-4349-A18B-892A2F7CCD21}"/>
+                </a:ext>
+              </a:extLst>
+            </p:cNvPr>
+            <p:cNvCxnSpPr>
+              <a:cxnSpLocks/>
+              <a:stCxn id="10" idx="3"/>
+              <a:endCxn id="26" idx="0"/>
+            </p:cNvCxnSpPr>
+            <p:nvPr/>
+          </p:nvCxnSpPr>
+          <p:spPr>
+            <a:xfrm flipH="1" flipV="1">
+              <a:off x="2155520" y="1175678"/>
+              <a:ext cx="1080000" cy="1949997"/>
+            </a:xfrm>
+            <a:prstGeom prst="bentConnector4">
+              <a:avLst>
+                <a:gd name="adj1" fmla="val -21167"/>
+                <a:gd name="adj2" fmla="val 111723"/>
+              </a:avLst>
+            </a:prstGeom>
+            <a:ln>
+              <a:solidFill>
+                <a:schemeClr val="tx1"/>
+              </a:solidFill>
+              <a:tailEnd type="triangle"/>
+            </a:ln>
+          </p:spPr>
+          <p:style>
+            <a:lnRef idx="1">
+              <a:schemeClr val="accent1"/>
+            </a:lnRef>
+            <a:fillRef idx="0">
+              <a:schemeClr val="accent1"/>
+            </a:fillRef>
+            <a:effectRef idx="0">
+              <a:schemeClr val="accent1"/>
+            </a:effectRef>
+            <a:fontRef idx="minor">
+              <a:schemeClr val="tx1"/>
+            </a:fontRef>
+          </p:style>
+        </p:cxnSp>
+        <p:sp>
+          <p:nvSpPr>
+            <p:cNvPr id="35" name="TextBox 34">
+              <a:extLst>
+                <a:ext uri="{FF2B5EF4-FFF2-40B4-BE49-F238E27FC236}">
+                  <a16:creationId xmlns:a16="http://schemas.microsoft.com/office/drawing/2014/main" id="{F43B3DDB-ECB0-4434-ABFA-0D6D06053C99}"/>
+                </a:ext>
+              </a:extLst>
+            </p:cNvPr>
+            <p:cNvSpPr txBox="1"/>
+            <p:nvPr/>
+          </p:nvSpPr>
+          <p:spPr>
+            <a:xfrm>
+              <a:off x="3197238" y="3082565"/>
+              <a:ext cx="509735" cy="322705"/>
+            </a:xfrm>
+            <a:prstGeom prst="rect">
+              <a:avLst/>
+            </a:prstGeom>
+            <a:noFill/>
+          </p:spPr>
+          <p:txBody>
+            <a:bodyPr wrap="square" lIns="48000" tIns="48000" rIns="48000" bIns="48000" rtlCol="0">
+              <a:spAutoFit/>
+            </a:bodyPr>
+            <a:lstStyle/>
+            <a:p>
+              <a:r>
+                <a:rPr lang="en-US" altLang="ko-KR" sz="1467" dirty="0"/>
+                <a:t>false</a:t>
+              </a:r>
+              <a:endParaRPr lang="ko-KR" altLang="en-US" sz="1467" dirty="0"/>
+            </a:p>
+          </p:txBody>
+        </p:sp>
+        <p:sp>
+          <p:nvSpPr>
+            <p:cNvPr id="36" name="TextBox 35">
+              <a:extLst>
+                <a:ext uri="{FF2B5EF4-FFF2-40B4-BE49-F238E27FC236}">
+                  <a16:creationId xmlns:a16="http://schemas.microsoft.com/office/drawing/2014/main" id="{F0D00F06-1DD6-43BD-8A47-2A418B944D7E}"/>
+                </a:ext>
+              </a:extLst>
+            </p:cNvPr>
+            <p:cNvSpPr txBox="1"/>
+            <p:nvPr/>
+          </p:nvSpPr>
+          <p:spPr>
+            <a:xfrm>
+              <a:off x="2182478" y="3375453"/>
+              <a:ext cx="417538" cy="322705"/>
+            </a:xfrm>
+            <a:prstGeom prst="rect">
+              <a:avLst/>
+            </a:prstGeom>
+            <a:noFill/>
+          </p:spPr>
+          <p:txBody>
+            <a:bodyPr wrap="square" lIns="48000" tIns="48000" rIns="48000" bIns="48000" rtlCol="0">
+              <a:spAutoFit/>
+            </a:bodyPr>
+            <a:lstStyle/>
+            <a:p>
+              <a:r>
+                <a:rPr lang="en-US" altLang="ko-KR" sz="1467" dirty="0"/>
+                <a:t>true</a:t>
+              </a:r>
+              <a:endParaRPr lang="ko-KR" altLang="en-US" sz="1467" dirty="0"/>
+            </a:p>
+          </p:txBody>
+        </p:sp>
+        <p:cxnSp>
+          <p:nvCxnSpPr>
+            <p:cNvPr id="38" name="직선 화살표 연결선 37">
+              <a:extLst>
+                <a:ext uri="{FF2B5EF4-FFF2-40B4-BE49-F238E27FC236}">
+                  <a16:creationId xmlns:a16="http://schemas.microsoft.com/office/drawing/2014/main" id="{D89F6A03-2FD0-407F-B36B-FC681E224B38}"/>
+                </a:ext>
+              </a:extLst>
+            </p:cNvPr>
+            <p:cNvCxnSpPr>
+              <a:cxnSpLocks/>
+              <a:stCxn id="10" idx="2"/>
+              <a:endCxn id="39" idx="0"/>
+            </p:cNvCxnSpPr>
+            <p:nvPr/>
+          </p:nvCxnSpPr>
+          <p:spPr>
+            <a:xfrm>
+              <a:off x="2155520" y="3375453"/>
+              <a:ext cx="0" cy="346182"/>
+            </a:xfrm>
+            <a:prstGeom prst="straightConnector1">
+              <a:avLst/>
+            </a:prstGeom>
+            <a:ln>
+              <a:solidFill>
+                <a:schemeClr val="tx1"/>
+              </a:solidFill>
+              <a:tailEnd type="triangle"/>
+            </a:ln>
+          </p:spPr>
+          <p:style>
+            <a:lnRef idx="1">
+              <a:schemeClr val="accent1"/>
+            </a:lnRef>
+            <a:fillRef idx="0">
+              <a:schemeClr val="accent1"/>
+            </a:fillRef>
+            <a:effectRef idx="0">
+              <a:schemeClr val="accent1"/>
+            </a:effectRef>
+            <a:fontRef idx="minor">
+              <a:schemeClr val="tx1"/>
+            </a:fontRef>
+          </p:style>
+        </p:cxnSp>
+        <p:sp>
+          <p:nvSpPr>
+            <p:cNvPr id="39" name="직사각형 38">
+              <a:extLst>
+                <a:ext uri="{FF2B5EF4-FFF2-40B4-BE49-F238E27FC236}">
+                  <a16:creationId xmlns:a16="http://schemas.microsoft.com/office/drawing/2014/main" id="{0771761E-5BDC-490D-AEE2-45480C95E206}"/>
+                </a:ext>
+              </a:extLst>
+            </p:cNvPr>
+            <p:cNvSpPr/>
+            <p:nvPr/>
+          </p:nvSpPr>
+          <p:spPr>
+            <a:xfrm>
+              <a:off x="1075520" y="3721635"/>
+              <a:ext cx="2160000" cy="504000"/>
+            </a:xfrm>
+            <a:prstGeom prst="rect">
+              <a:avLst/>
+            </a:prstGeom>
+            <a:noFill/>
+            <a:ln>
+              <a:solidFill>
+                <a:schemeClr val="tx1"/>
+              </a:solidFill>
+            </a:ln>
+          </p:spPr>
+          <p:style>
+            <a:lnRef idx="2">
+              <a:schemeClr val="accent1">
+                <a:shade val="50000"/>
+              </a:schemeClr>
+            </a:lnRef>
+            <a:fillRef idx="1">
+              <a:schemeClr val="accent1"/>
+            </a:fillRef>
+            <a:effectRef idx="0">
+              <a:schemeClr val="accent1"/>
+            </a:effectRef>
+            <a:fontRef idx="minor">
+              <a:schemeClr val="lt1"/>
+            </a:fontRef>
+          </p:style>
+          <p:txBody>
+            <a:bodyPr rtlCol="0" anchor="ctr"/>
+            <a:lstStyle/>
+            <a:p>
+              <a:pPr algn="ctr"/>
+              <a:r>
+                <a:rPr lang="en-US" altLang="ko-KR" sz="1467" dirty="0">
+                  <a:solidFill>
+                    <a:sysClr val="windowText" lastClr="000000"/>
+                  </a:solidFill>
+                </a:rPr>
+                <a:t>return n % sum == 0</a:t>
+              </a:r>
+            </a:p>
+          </p:txBody>
+        </p:sp>
+      </p:grpSp>
+    </p:spTree>
+    <p:extLst>
+      <p:ext uri="{BB962C8B-B14F-4D97-AF65-F5344CB8AC3E}">
+        <p14:creationId xmlns:p14="http://schemas.microsoft.com/office/powerpoint/2010/main" val="1961618257"/>
+      </p:ext>
+    </p:extLst>
+  </p:cSld>
+  <p:clrMapOvr>
+    <a:masterClrMapping/>
+  </p:clrMapOvr>
+</p:sld>
+</file>
+
 <file path=ppt/slides/slide3.xml><?xml version="1.0" encoding="utf-8"?>
 <p:sld xmlns:a="http://schemas.openxmlformats.org/drawingml/2006/main" xmlns:r="http://schemas.openxmlformats.org/officeDocument/2006/relationships" xmlns:p="http://schemas.openxmlformats.org/presentationml/2006/main">
   <p:cSld>

--- a/알고리즘_프로그래머스_Level01_순서도.pptx
+++ b/알고리즘_프로그래머스_Level01_순서도.pptx
@@ -33,6 +33,7 @@
     <p:sldId id="286" r:id="rId27"/>
     <p:sldId id="287" r:id="rId28"/>
     <p:sldId id="288" r:id="rId29"/>
+    <p:sldId id="289" r:id="rId30"/>
   </p:sldIdLst>
   <p:sldSz cx="6858000" cy="9144000" type="screen4x3"/>
   <p:notesSz cx="6858000" cy="9144000"/>
@@ -21217,6 +21218,1189 @@
 </p:sld>
 </file>
 
+<file path=ppt/slides/slide29.xml><?xml version="1.0" encoding="utf-8"?>
+<p:sld xmlns:a="http://schemas.openxmlformats.org/drawingml/2006/main" xmlns:r="http://schemas.openxmlformats.org/officeDocument/2006/relationships" xmlns:p="http://schemas.openxmlformats.org/presentationml/2006/main">
+  <p:cSld>
+    <p:spTree>
+      <p:nvGrpSpPr>
+        <p:cNvPr id="1" name=""/>
+        <p:cNvGrpSpPr/>
+        <p:nvPr/>
+      </p:nvGrpSpPr>
+      <p:grpSpPr>
+        <a:xfrm>
+          <a:off x="0" y="0"/>
+          <a:ext cx="0" cy="0"/>
+          <a:chOff x="0" y="0"/>
+          <a:chExt cx="0" cy="0"/>
+        </a:xfrm>
+      </p:grpSpPr>
+      <p:sp>
+        <p:nvSpPr>
+          <p:cNvPr id="4" name="제목 3">
+            <a:extLst>
+              <a:ext uri="{FF2B5EF4-FFF2-40B4-BE49-F238E27FC236}">
+                <a16:creationId xmlns:a16="http://schemas.microsoft.com/office/drawing/2014/main" id="{30BAC889-89EF-449A-A9AB-0AA582E87CB5}"/>
+              </a:ext>
+            </a:extLst>
+          </p:cNvPr>
+          <p:cNvSpPr>
+            <a:spLocks noGrp="1"/>
+          </p:cNvSpPr>
+          <p:nvPr>
+            <p:ph type="title"/>
+          </p:nvPr>
+        </p:nvSpPr>
+        <p:spPr/>
+        <p:txBody>
+          <a:bodyPr/>
+          <a:lstStyle/>
+          <a:p>
+            <a:r>
+              <a:rPr lang="ko-KR" altLang="en-US" dirty="0" err="1"/>
+              <a:t>콜라츠</a:t>
+            </a:r>
+            <a:r>
+              <a:rPr lang="ko-KR" altLang="en-US" dirty="0"/>
+              <a:t> 추측 </a:t>
+            </a:r>
+            <a:r>
+              <a:rPr lang="en-US" altLang="ko-KR" dirty="0"/>
+              <a:t>(01.27)</a:t>
+            </a:r>
+            <a:endParaRPr lang="ko-KR" altLang="en-US" dirty="0"/>
+          </a:p>
+        </p:txBody>
+      </p:sp>
+      <p:grpSp>
+        <p:nvGrpSpPr>
+          <p:cNvPr id="74" name="그룹 73">
+            <a:extLst>
+              <a:ext uri="{FF2B5EF4-FFF2-40B4-BE49-F238E27FC236}">
+                <a16:creationId xmlns:a16="http://schemas.microsoft.com/office/drawing/2014/main" id="{B893CA7C-F828-422D-ADE6-699A892318CD}"/>
+              </a:ext>
+            </a:extLst>
+          </p:cNvPr>
+          <p:cNvGrpSpPr/>
+          <p:nvPr/>
+        </p:nvGrpSpPr>
+        <p:grpSpPr>
+          <a:xfrm>
+            <a:off x="273926" y="1497252"/>
+            <a:ext cx="6112588" cy="3895918"/>
+            <a:chOff x="-136628" y="1497252"/>
+            <a:chExt cx="6112588" cy="3895918"/>
+          </a:xfrm>
+        </p:grpSpPr>
+        <p:sp>
+          <p:nvSpPr>
+            <p:cNvPr id="10" name="다이아몬드 9">
+              <a:extLst>
+                <a:ext uri="{FF2B5EF4-FFF2-40B4-BE49-F238E27FC236}">
+                  <a16:creationId xmlns:a16="http://schemas.microsoft.com/office/drawing/2014/main" id="{89777C96-26B9-4067-BC35-8DB89C7E59E8}"/>
+                </a:ext>
+              </a:extLst>
+            </p:cNvPr>
+            <p:cNvSpPr/>
+            <p:nvPr/>
+          </p:nvSpPr>
+          <p:spPr>
+            <a:xfrm>
+              <a:off x="2349000" y="1548901"/>
+              <a:ext cx="2160000" cy="499557"/>
+            </a:xfrm>
+            <a:prstGeom prst="diamond">
+              <a:avLst/>
+            </a:prstGeom>
+            <a:noFill/>
+            <a:ln>
+              <a:solidFill>
+                <a:schemeClr val="tx1"/>
+              </a:solidFill>
+            </a:ln>
+          </p:spPr>
+          <p:style>
+            <a:lnRef idx="2">
+              <a:schemeClr val="accent1">
+                <a:shade val="50000"/>
+              </a:schemeClr>
+            </a:lnRef>
+            <a:fillRef idx="1">
+              <a:schemeClr val="accent1"/>
+            </a:fillRef>
+            <a:effectRef idx="0">
+              <a:schemeClr val="accent1"/>
+            </a:effectRef>
+            <a:fontRef idx="minor">
+              <a:schemeClr val="lt1"/>
+            </a:fontRef>
+          </p:style>
+          <p:txBody>
+            <a:bodyPr rtlCol="0" anchor="ctr"/>
+            <a:lstStyle/>
+            <a:p>
+              <a:pPr algn="ctr"/>
+              <a:r>
+                <a:rPr lang="en-US" altLang="ko-KR" sz="1467" dirty="0">
+                  <a:solidFill>
+                    <a:sysClr val="windowText" lastClr="000000"/>
+                  </a:solidFill>
+                </a:rPr>
+                <a:t>n % 2 == 0?</a:t>
+              </a:r>
+            </a:p>
+          </p:txBody>
+        </p:sp>
+        <p:sp>
+          <p:nvSpPr>
+            <p:cNvPr id="35" name="TextBox 34">
+              <a:extLst>
+                <a:ext uri="{FF2B5EF4-FFF2-40B4-BE49-F238E27FC236}">
+                  <a16:creationId xmlns:a16="http://schemas.microsoft.com/office/drawing/2014/main" id="{F43B3DDB-ECB0-4434-ABFA-0D6D06053C99}"/>
+                </a:ext>
+              </a:extLst>
+            </p:cNvPr>
+            <p:cNvSpPr txBox="1"/>
+            <p:nvPr/>
+          </p:nvSpPr>
+          <p:spPr>
+            <a:xfrm>
+              <a:off x="4447612" y="1497252"/>
+              <a:ext cx="509735" cy="322705"/>
+            </a:xfrm>
+            <a:prstGeom prst="rect">
+              <a:avLst/>
+            </a:prstGeom>
+            <a:noFill/>
+          </p:spPr>
+          <p:txBody>
+            <a:bodyPr wrap="square" lIns="48000" tIns="48000" rIns="48000" bIns="48000" rtlCol="0">
+              <a:spAutoFit/>
+            </a:bodyPr>
+            <a:lstStyle/>
+            <a:p>
+              <a:r>
+                <a:rPr lang="en-US" altLang="ko-KR" sz="1467" dirty="0"/>
+                <a:t>false</a:t>
+              </a:r>
+              <a:endParaRPr lang="ko-KR" altLang="en-US" sz="1467" dirty="0"/>
+            </a:p>
+          </p:txBody>
+        </p:sp>
+        <p:sp>
+          <p:nvSpPr>
+            <p:cNvPr id="36" name="TextBox 35">
+              <a:extLst>
+                <a:ext uri="{FF2B5EF4-FFF2-40B4-BE49-F238E27FC236}">
+                  <a16:creationId xmlns:a16="http://schemas.microsoft.com/office/drawing/2014/main" id="{F0D00F06-1DD6-43BD-8A47-2A418B944D7E}"/>
+                </a:ext>
+              </a:extLst>
+            </p:cNvPr>
+            <p:cNvSpPr txBox="1"/>
+            <p:nvPr/>
+          </p:nvSpPr>
+          <p:spPr>
+            <a:xfrm>
+              <a:off x="3455958" y="2048458"/>
+              <a:ext cx="417538" cy="322705"/>
+            </a:xfrm>
+            <a:prstGeom prst="rect">
+              <a:avLst/>
+            </a:prstGeom>
+            <a:noFill/>
+          </p:spPr>
+          <p:txBody>
+            <a:bodyPr wrap="square" lIns="48000" tIns="48000" rIns="48000" bIns="48000" rtlCol="0">
+              <a:spAutoFit/>
+            </a:bodyPr>
+            <a:lstStyle/>
+            <a:p>
+              <a:r>
+                <a:rPr lang="en-US" altLang="ko-KR" sz="1467" dirty="0"/>
+                <a:t>true</a:t>
+              </a:r>
+              <a:endParaRPr lang="ko-KR" altLang="en-US" sz="1467" dirty="0"/>
+            </a:p>
+          </p:txBody>
+        </p:sp>
+        <p:cxnSp>
+          <p:nvCxnSpPr>
+            <p:cNvPr id="38" name="직선 화살표 연결선 37">
+              <a:extLst>
+                <a:ext uri="{FF2B5EF4-FFF2-40B4-BE49-F238E27FC236}">
+                  <a16:creationId xmlns:a16="http://schemas.microsoft.com/office/drawing/2014/main" id="{D89F6A03-2FD0-407F-B36B-FC681E224B38}"/>
+                </a:ext>
+              </a:extLst>
+            </p:cNvPr>
+            <p:cNvCxnSpPr>
+              <a:cxnSpLocks/>
+              <a:stCxn id="10" idx="2"/>
+              <a:endCxn id="39" idx="0"/>
+            </p:cNvCxnSpPr>
+            <p:nvPr/>
+          </p:nvCxnSpPr>
+          <p:spPr>
+            <a:xfrm>
+              <a:off x="3429000" y="2048458"/>
+              <a:ext cx="0" cy="346182"/>
+            </a:xfrm>
+            <a:prstGeom prst="straightConnector1">
+              <a:avLst/>
+            </a:prstGeom>
+            <a:ln>
+              <a:solidFill>
+                <a:schemeClr val="tx1"/>
+              </a:solidFill>
+              <a:tailEnd type="triangle"/>
+            </a:ln>
+          </p:spPr>
+          <p:style>
+            <a:lnRef idx="1">
+              <a:schemeClr val="accent1"/>
+            </a:lnRef>
+            <a:fillRef idx="0">
+              <a:schemeClr val="accent1"/>
+            </a:fillRef>
+            <a:effectRef idx="0">
+              <a:schemeClr val="accent1"/>
+            </a:effectRef>
+            <a:fontRef idx="minor">
+              <a:schemeClr val="tx1"/>
+            </a:fontRef>
+          </p:style>
+        </p:cxnSp>
+        <p:sp>
+          <p:nvSpPr>
+            <p:cNvPr id="39" name="직사각형 38">
+              <a:extLst>
+                <a:ext uri="{FF2B5EF4-FFF2-40B4-BE49-F238E27FC236}">
+                  <a16:creationId xmlns:a16="http://schemas.microsoft.com/office/drawing/2014/main" id="{0771761E-5BDC-490D-AEE2-45480C95E206}"/>
+                </a:ext>
+              </a:extLst>
+            </p:cNvPr>
+            <p:cNvSpPr/>
+            <p:nvPr/>
+          </p:nvSpPr>
+          <p:spPr>
+            <a:xfrm>
+              <a:off x="2709000" y="2394640"/>
+              <a:ext cx="1440000" cy="504000"/>
+            </a:xfrm>
+            <a:prstGeom prst="rect">
+              <a:avLst/>
+            </a:prstGeom>
+            <a:noFill/>
+            <a:ln>
+              <a:solidFill>
+                <a:schemeClr val="tx1"/>
+              </a:solidFill>
+            </a:ln>
+          </p:spPr>
+          <p:style>
+            <a:lnRef idx="2">
+              <a:schemeClr val="accent1">
+                <a:shade val="50000"/>
+              </a:schemeClr>
+            </a:lnRef>
+            <a:fillRef idx="1">
+              <a:schemeClr val="accent1"/>
+            </a:fillRef>
+            <a:effectRef idx="0">
+              <a:schemeClr val="accent1"/>
+            </a:effectRef>
+            <a:fontRef idx="minor">
+              <a:schemeClr val="lt1"/>
+            </a:fontRef>
+          </p:style>
+          <p:txBody>
+            <a:bodyPr rtlCol="0" anchor="ctr"/>
+            <a:lstStyle/>
+            <a:p>
+              <a:pPr algn="ctr"/>
+              <a:r>
+                <a:rPr lang="en-US" altLang="ko-KR" sz="1467" dirty="0">
+                  <a:solidFill>
+                    <a:sysClr val="windowText" lastClr="000000"/>
+                  </a:solidFill>
+                </a:rPr>
+                <a:t>n /=2</a:t>
+              </a:r>
+            </a:p>
+          </p:txBody>
+        </p:sp>
+        <p:sp>
+          <p:nvSpPr>
+            <p:cNvPr id="14" name="직사각형 13">
+              <a:extLst>
+                <a:ext uri="{FF2B5EF4-FFF2-40B4-BE49-F238E27FC236}">
+                  <a16:creationId xmlns:a16="http://schemas.microsoft.com/office/drawing/2014/main" id="{B0B34C80-1FCD-4039-AD79-F5EDEC2A41AC}"/>
+                </a:ext>
+              </a:extLst>
+            </p:cNvPr>
+            <p:cNvSpPr/>
+            <p:nvPr/>
+          </p:nvSpPr>
+          <p:spPr>
+            <a:xfrm>
+              <a:off x="4535960" y="2394640"/>
+              <a:ext cx="1440000" cy="504000"/>
+            </a:xfrm>
+            <a:prstGeom prst="rect">
+              <a:avLst/>
+            </a:prstGeom>
+            <a:noFill/>
+            <a:ln>
+              <a:solidFill>
+                <a:schemeClr val="tx1"/>
+              </a:solidFill>
+            </a:ln>
+          </p:spPr>
+          <p:style>
+            <a:lnRef idx="2">
+              <a:schemeClr val="accent1">
+                <a:shade val="50000"/>
+              </a:schemeClr>
+            </a:lnRef>
+            <a:fillRef idx="1">
+              <a:schemeClr val="accent1"/>
+            </a:fillRef>
+            <a:effectRef idx="0">
+              <a:schemeClr val="accent1"/>
+            </a:effectRef>
+            <a:fontRef idx="minor">
+              <a:schemeClr val="lt1"/>
+            </a:fontRef>
+          </p:style>
+          <p:txBody>
+            <a:bodyPr rtlCol="0" anchor="ctr"/>
+            <a:lstStyle/>
+            <a:p>
+              <a:pPr algn="ctr"/>
+              <a:r>
+                <a:rPr lang="en-US" altLang="ko-KR" sz="1467" dirty="0">
+                  <a:solidFill>
+                    <a:sysClr val="windowText" lastClr="000000"/>
+                  </a:solidFill>
+                </a:rPr>
+                <a:t>n = n * 3 + 1</a:t>
+              </a:r>
+            </a:p>
+          </p:txBody>
+        </p:sp>
+        <p:cxnSp>
+          <p:nvCxnSpPr>
+            <p:cNvPr id="3" name="연결선: 꺾임 2">
+              <a:extLst>
+                <a:ext uri="{FF2B5EF4-FFF2-40B4-BE49-F238E27FC236}">
+                  <a16:creationId xmlns:a16="http://schemas.microsoft.com/office/drawing/2014/main" id="{55A2B216-C37D-4923-BC09-4E0F9E2F94B3}"/>
+                </a:ext>
+              </a:extLst>
+            </p:cNvPr>
+            <p:cNvCxnSpPr>
+              <a:stCxn id="10" idx="3"/>
+              <a:endCxn id="14" idx="0"/>
+            </p:cNvCxnSpPr>
+            <p:nvPr/>
+          </p:nvCxnSpPr>
+          <p:spPr>
+            <a:xfrm>
+              <a:off x="4509000" y="1798680"/>
+              <a:ext cx="746960" cy="595960"/>
+            </a:xfrm>
+            <a:prstGeom prst="bentConnector2">
+              <a:avLst/>
+            </a:prstGeom>
+            <a:ln>
+              <a:solidFill>
+                <a:schemeClr val="tx1"/>
+              </a:solidFill>
+              <a:tailEnd type="triangle"/>
+            </a:ln>
+          </p:spPr>
+          <p:style>
+            <a:lnRef idx="1">
+              <a:schemeClr val="accent1"/>
+            </a:lnRef>
+            <a:fillRef idx="0">
+              <a:schemeClr val="accent1"/>
+            </a:fillRef>
+            <a:effectRef idx="0">
+              <a:schemeClr val="accent1"/>
+            </a:effectRef>
+            <a:fontRef idx="minor">
+              <a:schemeClr val="tx1"/>
+            </a:fontRef>
+          </p:style>
+        </p:cxnSp>
+        <p:sp>
+          <p:nvSpPr>
+            <p:cNvPr id="20" name="다이아몬드 19">
+              <a:extLst>
+                <a:ext uri="{FF2B5EF4-FFF2-40B4-BE49-F238E27FC236}">
+                  <a16:creationId xmlns:a16="http://schemas.microsoft.com/office/drawing/2014/main" id="{2F9D9339-5697-461C-8CDD-179E6F8CAF03}"/>
+                </a:ext>
+              </a:extLst>
+            </p:cNvPr>
+            <p:cNvSpPr/>
+            <p:nvPr/>
+          </p:nvSpPr>
+          <p:spPr>
+            <a:xfrm>
+              <a:off x="2349000" y="4038988"/>
+              <a:ext cx="2160000" cy="499557"/>
+            </a:xfrm>
+            <a:prstGeom prst="diamond">
+              <a:avLst/>
+            </a:prstGeom>
+            <a:noFill/>
+            <a:ln>
+              <a:solidFill>
+                <a:schemeClr val="tx1"/>
+              </a:solidFill>
+            </a:ln>
+          </p:spPr>
+          <p:style>
+            <a:lnRef idx="2">
+              <a:schemeClr val="accent1">
+                <a:shade val="50000"/>
+              </a:schemeClr>
+            </a:lnRef>
+            <a:fillRef idx="1">
+              <a:schemeClr val="accent1"/>
+            </a:fillRef>
+            <a:effectRef idx="0">
+              <a:schemeClr val="accent1"/>
+            </a:effectRef>
+            <a:fontRef idx="minor">
+              <a:schemeClr val="lt1"/>
+            </a:fontRef>
+          </p:style>
+          <p:txBody>
+            <a:bodyPr rtlCol="0" anchor="ctr"/>
+            <a:lstStyle/>
+            <a:p>
+              <a:pPr algn="ctr"/>
+              <a:r>
+                <a:rPr lang="en-US" altLang="ko-KR" sz="1467" dirty="0">
+                  <a:solidFill>
+                    <a:sysClr val="windowText" lastClr="000000"/>
+                  </a:solidFill>
+                </a:rPr>
+                <a:t>n == 1?</a:t>
+              </a:r>
+            </a:p>
+          </p:txBody>
+        </p:sp>
+        <p:cxnSp>
+          <p:nvCxnSpPr>
+            <p:cNvPr id="21" name="직선 화살표 연결선 20">
+              <a:extLst>
+                <a:ext uri="{FF2B5EF4-FFF2-40B4-BE49-F238E27FC236}">
+                  <a16:creationId xmlns:a16="http://schemas.microsoft.com/office/drawing/2014/main" id="{D37D4AD9-344C-41BF-A3AB-87417EAAB705}"/>
+                </a:ext>
+              </a:extLst>
+            </p:cNvPr>
+            <p:cNvCxnSpPr>
+              <a:cxnSpLocks/>
+              <a:stCxn id="39" idx="2"/>
+              <a:endCxn id="34" idx="0"/>
+            </p:cNvCxnSpPr>
+            <p:nvPr/>
+          </p:nvCxnSpPr>
+          <p:spPr>
+            <a:xfrm>
+              <a:off x="3429000" y="2898640"/>
+              <a:ext cx="0" cy="322683"/>
+            </a:xfrm>
+            <a:prstGeom prst="straightConnector1">
+              <a:avLst/>
+            </a:prstGeom>
+            <a:ln>
+              <a:solidFill>
+                <a:schemeClr val="tx1"/>
+              </a:solidFill>
+              <a:tailEnd type="triangle"/>
+            </a:ln>
+          </p:spPr>
+          <p:style>
+            <a:lnRef idx="1">
+              <a:schemeClr val="accent1"/>
+            </a:lnRef>
+            <a:fillRef idx="0">
+              <a:schemeClr val="accent1"/>
+            </a:fillRef>
+            <a:effectRef idx="0">
+              <a:schemeClr val="accent1"/>
+            </a:effectRef>
+            <a:fontRef idx="minor">
+              <a:schemeClr val="tx1"/>
+            </a:fontRef>
+          </p:style>
+        </p:cxnSp>
+        <p:cxnSp>
+          <p:nvCxnSpPr>
+            <p:cNvPr id="15" name="연결선: 꺾임 14">
+              <a:extLst>
+                <a:ext uri="{FF2B5EF4-FFF2-40B4-BE49-F238E27FC236}">
+                  <a16:creationId xmlns:a16="http://schemas.microsoft.com/office/drawing/2014/main" id="{74F17451-6595-41C9-BFF9-58466A0D5DF9}"/>
+                </a:ext>
+              </a:extLst>
+            </p:cNvPr>
+            <p:cNvCxnSpPr>
+              <a:cxnSpLocks/>
+              <a:stCxn id="14" idx="2"/>
+              <a:endCxn id="34" idx="3"/>
+            </p:cNvCxnSpPr>
+            <p:nvPr/>
+          </p:nvCxnSpPr>
+          <p:spPr>
+            <a:xfrm rot="5400000">
+              <a:off x="4415139" y="2632501"/>
+              <a:ext cx="574683" cy="1106960"/>
+            </a:xfrm>
+            <a:prstGeom prst="bentConnector2">
+              <a:avLst/>
+            </a:prstGeom>
+            <a:ln>
+              <a:solidFill>
+                <a:schemeClr val="tx1"/>
+              </a:solidFill>
+              <a:tailEnd type="triangle"/>
+            </a:ln>
+          </p:spPr>
+          <p:style>
+            <a:lnRef idx="1">
+              <a:schemeClr val="accent1"/>
+            </a:lnRef>
+            <a:fillRef idx="0">
+              <a:schemeClr val="accent1"/>
+            </a:fillRef>
+            <a:effectRef idx="0">
+              <a:schemeClr val="accent1"/>
+            </a:effectRef>
+            <a:fontRef idx="minor">
+              <a:schemeClr val="tx1"/>
+            </a:fontRef>
+          </p:style>
+        </p:cxnSp>
+        <p:sp>
+          <p:nvSpPr>
+            <p:cNvPr id="29" name="TextBox 28">
+              <a:extLst>
+                <a:ext uri="{FF2B5EF4-FFF2-40B4-BE49-F238E27FC236}">
+                  <a16:creationId xmlns:a16="http://schemas.microsoft.com/office/drawing/2014/main" id="{13040696-9100-419A-ABF3-B7500B3A7BD5}"/>
+                </a:ext>
+              </a:extLst>
+            </p:cNvPr>
+            <p:cNvSpPr txBox="1"/>
+            <p:nvPr/>
+          </p:nvSpPr>
+          <p:spPr>
+            <a:xfrm>
+              <a:off x="1961584" y="3984763"/>
+              <a:ext cx="509735" cy="322705"/>
+            </a:xfrm>
+            <a:prstGeom prst="rect">
+              <a:avLst/>
+            </a:prstGeom>
+            <a:noFill/>
+          </p:spPr>
+          <p:txBody>
+            <a:bodyPr wrap="square" lIns="48000" tIns="48000" rIns="48000" bIns="48000" rtlCol="0">
+              <a:spAutoFit/>
+            </a:bodyPr>
+            <a:lstStyle/>
+            <a:p>
+              <a:r>
+                <a:rPr lang="en-US" altLang="ko-KR" sz="1467" dirty="0"/>
+                <a:t>false</a:t>
+              </a:r>
+              <a:endParaRPr lang="ko-KR" altLang="en-US" sz="1467" dirty="0"/>
+            </a:p>
+          </p:txBody>
+        </p:sp>
+        <p:sp>
+          <p:nvSpPr>
+            <p:cNvPr id="34" name="직사각형 33">
+              <a:extLst>
+                <a:ext uri="{FF2B5EF4-FFF2-40B4-BE49-F238E27FC236}">
+                  <a16:creationId xmlns:a16="http://schemas.microsoft.com/office/drawing/2014/main" id="{AAB84920-CA28-4BC5-90F7-334A9B2ECB77}"/>
+                </a:ext>
+              </a:extLst>
+            </p:cNvPr>
+            <p:cNvSpPr/>
+            <p:nvPr/>
+          </p:nvSpPr>
+          <p:spPr>
+            <a:xfrm>
+              <a:off x="2709000" y="3221323"/>
+              <a:ext cx="1440000" cy="504000"/>
+            </a:xfrm>
+            <a:prstGeom prst="rect">
+              <a:avLst/>
+            </a:prstGeom>
+            <a:noFill/>
+            <a:ln>
+              <a:solidFill>
+                <a:schemeClr val="tx1"/>
+              </a:solidFill>
+            </a:ln>
+          </p:spPr>
+          <p:style>
+            <a:lnRef idx="2">
+              <a:schemeClr val="accent1">
+                <a:shade val="50000"/>
+              </a:schemeClr>
+            </a:lnRef>
+            <a:fillRef idx="1">
+              <a:schemeClr val="accent1"/>
+            </a:fillRef>
+            <a:effectRef idx="0">
+              <a:schemeClr val="accent1"/>
+            </a:effectRef>
+            <a:fontRef idx="minor">
+              <a:schemeClr val="lt1"/>
+            </a:fontRef>
+          </p:style>
+          <p:txBody>
+            <a:bodyPr rtlCol="0" anchor="ctr"/>
+            <a:lstStyle/>
+            <a:p>
+              <a:pPr algn="ctr"/>
+              <a:r>
+                <a:rPr lang="en-US" altLang="ko-KR" sz="1467" dirty="0" err="1">
+                  <a:solidFill>
+                    <a:sysClr val="windowText" lastClr="000000"/>
+                  </a:solidFill>
+                </a:rPr>
+                <a:t>cnt</a:t>
+              </a:r>
+              <a:r>
+                <a:rPr lang="en-US" altLang="ko-KR" sz="1467" dirty="0">
+                  <a:solidFill>
+                    <a:sysClr val="windowText" lastClr="000000"/>
+                  </a:solidFill>
+                </a:rPr>
+                <a:t>++</a:t>
+              </a:r>
+            </a:p>
+          </p:txBody>
+        </p:sp>
+        <p:cxnSp>
+          <p:nvCxnSpPr>
+            <p:cNvPr id="37" name="직선 화살표 연결선 36">
+              <a:extLst>
+                <a:ext uri="{FF2B5EF4-FFF2-40B4-BE49-F238E27FC236}">
+                  <a16:creationId xmlns:a16="http://schemas.microsoft.com/office/drawing/2014/main" id="{A11C6FE9-97F6-4C2A-8BCD-51CABBF8C5A4}"/>
+                </a:ext>
+              </a:extLst>
+            </p:cNvPr>
+            <p:cNvCxnSpPr>
+              <a:cxnSpLocks/>
+              <a:stCxn id="34" idx="2"/>
+              <a:endCxn id="20" idx="0"/>
+            </p:cNvCxnSpPr>
+            <p:nvPr/>
+          </p:nvCxnSpPr>
+          <p:spPr>
+            <a:xfrm>
+              <a:off x="3429000" y="3725323"/>
+              <a:ext cx="0" cy="313665"/>
+            </a:xfrm>
+            <a:prstGeom prst="straightConnector1">
+              <a:avLst/>
+            </a:prstGeom>
+            <a:ln>
+              <a:solidFill>
+                <a:schemeClr val="tx1"/>
+              </a:solidFill>
+              <a:tailEnd type="triangle"/>
+            </a:ln>
+          </p:spPr>
+          <p:style>
+            <a:lnRef idx="1">
+              <a:schemeClr val="accent1"/>
+            </a:lnRef>
+            <a:fillRef idx="0">
+              <a:schemeClr val="accent1"/>
+            </a:fillRef>
+            <a:effectRef idx="0">
+              <a:schemeClr val="accent1"/>
+            </a:effectRef>
+            <a:fontRef idx="minor">
+              <a:schemeClr val="tx1"/>
+            </a:fontRef>
+          </p:style>
+        </p:cxnSp>
+        <p:sp>
+          <p:nvSpPr>
+            <p:cNvPr id="46" name="TextBox 45">
+              <a:extLst>
+                <a:ext uri="{FF2B5EF4-FFF2-40B4-BE49-F238E27FC236}">
+                  <a16:creationId xmlns:a16="http://schemas.microsoft.com/office/drawing/2014/main" id="{2879D47D-BA2D-4B3C-AE18-98D685BBC2A4}"/>
+                </a:ext>
+              </a:extLst>
+            </p:cNvPr>
+            <p:cNvSpPr txBox="1"/>
+            <p:nvPr/>
+          </p:nvSpPr>
+          <p:spPr>
+            <a:xfrm>
+              <a:off x="3455958" y="4529505"/>
+              <a:ext cx="417538" cy="322705"/>
+            </a:xfrm>
+            <a:prstGeom prst="rect">
+              <a:avLst/>
+            </a:prstGeom>
+            <a:noFill/>
+          </p:spPr>
+          <p:txBody>
+            <a:bodyPr wrap="square" lIns="48000" tIns="48000" rIns="48000" bIns="48000" rtlCol="0">
+              <a:spAutoFit/>
+            </a:bodyPr>
+            <a:lstStyle/>
+            <a:p>
+              <a:r>
+                <a:rPr lang="en-US" altLang="ko-KR" sz="1467" dirty="0"/>
+                <a:t>true</a:t>
+              </a:r>
+              <a:endParaRPr lang="ko-KR" altLang="en-US" sz="1467" dirty="0"/>
+            </a:p>
+          </p:txBody>
+        </p:sp>
+        <p:cxnSp>
+          <p:nvCxnSpPr>
+            <p:cNvPr id="47" name="직선 화살표 연결선 46">
+              <a:extLst>
+                <a:ext uri="{FF2B5EF4-FFF2-40B4-BE49-F238E27FC236}">
+                  <a16:creationId xmlns:a16="http://schemas.microsoft.com/office/drawing/2014/main" id="{E8879A3F-E9AD-4900-9E91-B5DF6EA7242A}"/>
+                </a:ext>
+              </a:extLst>
+            </p:cNvPr>
+            <p:cNvCxnSpPr>
+              <a:cxnSpLocks/>
+              <a:stCxn id="20" idx="2"/>
+              <a:endCxn id="66" idx="0"/>
+            </p:cNvCxnSpPr>
+            <p:nvPr/>
+          </p:nvCxnSpPr>
+          <p:spPr>
+            <a:xfrm>
+              <a:off x="3429000" y="4538545"/>
+              <a:ext cx="0" cy="350625"/>
+            </a:xfrm>
+            <a:prstGeom prst="straightConnector1">
+              <a:avLst/>
+            </a:prstGeom>
+            <a:ln>
+              <a:solidFill>
+                <a:schemeClr val="tx1"/>
+              </a:solidFill>
+              <a:tailEnd type="triangle"/>
+            </a:ln>
+          </p:spPr>
+          <p:style>
+            <a:lnRef idx="1">
+              <a:schemeClr val="accent1"/>
+            </a:lnRef>
+            <a:fillRef idx="0">
+              <a:schemeClr val="accent1"/>
+            </a:fillRef>
+            <a:effectRef idx="0">
+              <a:schemeClr val="accent1"/>
+            </a:effectRef>
+            <a:fontRef idx="minor">
+              <a:schemeClr val="tx1"/>
+            </a:fontRef>
+          </p:style>
+        </p:cxnSp>
+        <p:sp>
+          <p:nvSpPr>
+            <p:cNvPr id="49" name="다이아몬드 48">
+              <a:extLst>
+                <a:ext uri="{FF2B5EF4-FFF2-40B4-BE49-F238E27FC236}">
+                  <a16:creationId xmlns:a16="http://schemas.microsoft.com/office/drawing/2014/main" id="{903D5DFD-5ED7-4663-B889-D36A1565CF9C}"/>
+                </a:ext>
+              </a:extLst>
+            </p:cNvPr>
+            <p:cNvSpPr/>
+            <p:nvPr/>
+          </p:nvSpPr>
+          <p:spPr>
+            <a:xfrm>
+              <a:off x="-136628" y="4038988"/>
+              <a:ext cx="2160000" cy="499557"/>
+            </a:xfrm>
+            <a:prstGeom prst="diamond">
+              <a:avLst/>
+            </a:prstGeom>
+            <a:noFill/>
+            <a:ln>
+              <a:solidFill>
+                <a:schemeClr val="tx1"/>
+              </a:solidFill>
+            </a:ln>
+          </p:spPr>
+          <p:style>
+            <a:lnRef idx="2">
+              <a:schemeClr val="accent1">
+                <a:shade val="50000"/>
+              </a:schemeClr>
+            </a:lnRef>
+            <a:fillRef idx="1">
+              <a:schemeClr val="accent1"/>
+            </a:fillRef>
+            <a:effectRef idx="0">
+              <a:schemeClr val="accent1"/>
+            </a:effectRef>
+            <a:fontRef idx="minor">
+              <a:schemeClr val="lt1"/>
+            </a:fontRef>
+          </p:style>
+          <p:txBody>
+            <a:bodyPr rtlCol="0" anchor="ctr"/>
+            <a:lstStyle/>
+            <a:p>
+              <a:pPr algn="ctr"/>
+              <a:r>
+                <a:rPr lang="en-US" altLang="ko-KR" sz="1467" dirty="0" err="1">
+                  <a:solidFill>
+                    <a:sysClr val="windowText" lastClr="000000"/>
+                  </a:solidFill>
+                </a:rPr>
+                <a:t>cnt</a:t>
+              </a:r>
+              <a:r>
+                <a:rPr lang="en-US" altLang="ko-KR" sz="1467" dirty="0">
+                  <a:solidFill>
+                    <a:sysClr val="windowText" lastClr="000000"/>
+                  </a:solidFill>
+                </a:rPr>
+                <a:t> &lt; 500</a:t>
+              </a:r>
+            </a:p>
+          </p:txBody>
+        </p:sp>
+        <p:cxnSp>
+          <p:nvCxnSpPr>
+            <p:cNvPr id="58" name="직선 화살표 연결선 57">
+              <a:extLst>
+                <a:ext uri="{FF2B5EF4-FFF2-40B4-BE49-F238E27FC236}">
+                  <a16:creationId xmlns:a16="http://schemas.microsoft.com/office/drawing/2014/main" id="{71ED88FF-7BCA-48E7-8607-20BCB8E75645}"/>
+                </a:ext>
+              </a:extLst>
+            </p:cNvPr>
+            <p:cNvCxnSpPr>
+              <a:cxnSpLocks/>
+              <a:stCxn id="20" idx="1"/>
+              <a:endCxn id="49" idx="3"/>
+            </p:cNvCxnSpPr>
+            <p:nvPr/>
+          </p:nvCxnSpPr>
+          <p:spPr>
+            <a:xfrm flipH="1">
+              <a:off x="2023372" y="4288767"/>
+              <a:ext cx="325628" cy="0"/>
+            </a:xfrm>
+            <a:prstGeom prst="straightConnector1">
+              <a:avLst/>
+            </a:prstGeom>
+            <a:ln>
+              <a:solidFill>
+                <a:schemeClr val="tx1"/>
+              </a:solidFill>
+              <a:tailEnd type="triangle"/>
+            </a:ln>
+          </p:spPr>
+          <p:style>
+            <a:lnRef idx="1">
+              <a:schemeClr val="accent1"/>
+            </a:lnRef>
+            <a:fillRef idx="0">
+              <a:schemeClr val="accent1"/>
+            </a:fillRef>
+            <a:effectRef idx="0">
+              <a:schemeClr val="accent1"/>
+            </a:effectRef>
+            <a:fontRef idx="minor">
+              <a:schemeClr val="tx1"/>
+            </a:fontRef>
+          </p:style>
+        </p:cxnSp>
+        <p:cxnSp>
+          <p:nvCxnSpPr>
+            <p:cNvPr id="62" name="연결선: 꺾임 61">
+              <a:extLst>
+                <a:ext uri="{FF2B5EF4-FFF2-40B4-BE49-F238E27FC236}">
+                  <a16:creationId xmlns:a16="http://schemas.microsoft.com/office/drawing/2014/main" id="{98E6774A-0C78-4354-AFF5-9F84FB4FA6FD}"/>
+                </a:ext>
+              </a:extLst>
+            </p:cNvPr>
+            <p:cNvCxnSpPr>
+              <a:stCxn id="49" idx="0"/>
+              <a:endCxn id="10" idx="0"/>
+            </p:cNvCxnSpPr>
+            <p:nvPr/>
+          </p:nvCxnSpPr>
+          <p:spPr>
+            <a:xfrm rot="5400000" flipH="1" flipV="1">
+              <a:off x="941143" y="1551131"/>
+              <a:ext cx="2490087" cy="2485628"/>
+            </a:xfrm>
+            <a:prstGeom prst="bentConnector3">
+              <a:avLst>
+                <a:gd name="adj1" fmla="val 109180"/>
+              </a:avLst>
+            </a:prstGeom>
+            <a:ln>
+              <a:solidFill>
+                <a:schemeClr val="tx1"/>
+              </a:solidFill>
+              <a:tailEnd type="triangle"/>
+            </a:ln>
+          </p:spPr>
+          <p:style>
+            <a:lnRef idx="1">
+              <a:schemeClr val="accent1"/>
+            </a:lnRef>
+            <a:fillRef idx="0">
+              <a:schemeClr val="accent1"/>
+            </a:fillRef>
+            <a:effectRef idx="0">
+              <a:schemeClr val="accent1"/>
+            </a:effectRef>
+            <a:fontRef idx="minor">
+              <a:schemeClr val="tx1"/>
+            </a:fontRef>
+          </p:style>
+        </p:cxnSp>
+        <p:sp>
+          <p:nvSpPr>
+            <p:cNvPr id="66" name="직사각형 65">
+              <a:extLst>
+                <a:ext uri="{FF2B5EF4-FFF2-40B4-BE49-F238E27FC236}">
+                  <a16:creationId xmlns:a16="http://schemas.microsoft.com/office/drawing/2014/main" id="{54FC74AE-1D56-47F4-8984-B51671691F8C}"/>
+                </a:ext>
+              </a:extLst>
+            </p:cNvPr>
+            <p:cNvSpPr/>
+            <p:nvPr/>
+          </p:nvSpPr>
+          <p:spPr>
+            <a:xfrm>
+              <a:off x="2709000" y="4889170"/>
+              <a:ext cx="1440000" cy="504000"/>
+            </a:xfrm>
+            <a:prstGeom prst="rect">
+              <a:avLst/>
+            </a:prstGeom>
+            <a:noFill/>
+            <a:ln>
+              <a:solidFill>
+                <a:schemeClr val="tx1"/>
+              </a:solidFill>
+            </a:ln>
+          </p:spPr>
+          <p:style>
+            <a:lnRef idx="2">
+              <a:schemeClr val="accent1">
+                <a:shade val="50000"/>
+              </a:schemeClr>
+            </a:lnRef>
+            <a:fillRef idx="1">
+              <a:schemeClr val="accent1"/>
+            </a:fillRef>
+            <a:effectRef idx="0">
+              <a:schemeClr val="accent1"/>
+            </a:effectRef>
+            <a:fontRef idx="minor">
+              <a:schemeClr val="lt1"/>
+            </a:fontRef>
+          </p:style>
+          <p:txBody>
+            <a:bodyPr rtlCol="0" anchor="ctr"/>
+            <a:lstStyle/>
+            <a:p>
+              <a:pPr algn="ctr"/>
+              <a:r>
+                <a:rPr lang="en-US" altLang="ko-KR" sz="1467" dirty="0">
+                  <a:solidFill>
+                    <a:sysClr val="windowText" lastClr="000000"/>
+                  </a:solidFill>
+                </a:rPr>
+                <a:t>return </a:t>
+              </a:r>
+              <a:r>
+                <a:rPr lang="en-US" altLang="ko-KR" sz="1467" dirty="0" err="1">
+                  <a:solidFill>
+                    <a:sysClr val="windowText" lastClr="000000"/>
+                  </a:solidFill>
+                </a:rPr>
+                <a:t>cnt</a:t>
+              </a:r>
+              <a:endParaRPr lang="en-US" altLang="ko-KR" sz="1467" dirty="0">
+                <a:solidFill>
+                  <a:sysClr val="windowText" lastClr="000000"/>
+                </a:solidFill>
+              </a:endParaRPr>
+            </a:p>
+          </p:txBody>
+        </p:sp>
+        <p:sp>
+          <p:nvSpPr>
+            <p:cNvPr id="68" name="TextBox 67">
+              <a:extLst>
+                <a:ext uri="{FF2B5EF4-FFF2-40B4-BE49-F238E27FC236}">
+                  <a16:creationId xmlns:a16="http://schemas.microsoft.com/office/drawing/2014/main" id="{9D5ECF76-9451-4BBC-B73F-BBD907788B93}"/>
+                </a:ext>
+              </a:extLst>
+            </p:cNvPr>
+            <p:cNvSpPr txBox="1"/>
+            <p:nvPr/>
+          </p:nvSpPr>
+          <p:spPr>
+            <a:xfrm>
+              <a:off x="953144" y="4529505"/>
+              <a:ext cx="417538" cy="322705"/>
+            </a:xfrm>
+            <a:prstGeom prst="rect">
+              <a:avLst/>
+            </a:prstGeom>
+            <a:noFill/>
+          </p:spPr>
+          <p:txBody>
+            <a:bodyPr wrap="square" lIns="48000" tIns="48000" rIns="48000" bIns="48000" rtlCol="0">
+              <a:spAutoFit/>
+            </a:bodyPr>
+            <a:lstStyle/>
+            <a:p>
+              <a:r>
+                <a:rPr lang="en-US" altLang="ko-KR" sz="1467" dirty="0"/>
+                <a:t>true</a:t>
+              </a:r>
+              <a:endParaRPr lang="ko-KR" altLang="en-US" sz="1467" dirty="0"/>
+            </a:p>
+          </p:txBody>
+        </p:sp>
+        <p:cxnSp>
+          <p:nvCxnSpPr>
+            <p:cNvPr id="69" name="직선 화살표 연결선 68">
+              <a:extLst>
+                <a:ext uri="{FF2B5EF4-FFF2-40B4-BE49-F238E27FC236}">
+                  <a16:creationId xmlns:a16="http://schemas.microsoft.com/office/drawing/2014/main" id="{C28B500C-A036-408D-B139-32979737E8BA}"/>
+                </a:ext>
+              </a:extLst>
+            </p:cNvPr>
+            <p:cNvCxnSpPr>
+              <a:cxnSpLocks/>
+              <a:stCxn id="49" idx="2"/>
+              <a:endCxn id="70" idx="0"/>
+            </p:cNvCxnSpPr>
+            <p:nvPr/>
+          </p:nvCxnSpPr>
+          <p:spPr>
+            <a:xfrm>
+              <a:off x="943372" y="4538545"/>
+              <a:ext cx="0" cy="350625"/>
+            </a:xfrm>
+            <a:prstGeom prst="straightConnector1">
+              <a:avLst/>
+            </a:prstGeom>
+            <a:ln>
+              <a:solidFill>
+                <a:schemeClr val="tx1"/>
+              </a:solidFill>
+              <a:tailEnd type="triangle"/>
+            </a:ln>
+          </p:spPr>
+          <p:style>
+            <a:lnRef idx="1">
+              <a:schemeClr val="accent1"/>
+            </a:lnRef>
+            <a:fillRef idx="0">
+              <a:schemeClr val="accent1"/>
+            </a:fillRef>
+            <a:effectRef idx="0">
+              <a:schemeClr val="accent1"/>
+            </a:effectRef>
+            <a:fontRef idx="minor">
+              <a:schemeClr val="tx1"/>
+            </a:fontRef>
+          </p:style>
+        </p:cxnSp>
+        <p:sp>
+          <p:nvSpPr>
+            <p:cNvPr id="70" name="직사각형 69">
+              <a:extLst>
+                <a:ext uri="{FF2B5EF4-FFF2-40B4-BE49-F238E27FC236}">
+                  <a16:creationId xmlns:a16="http://schemas.microsoft.com/office/drawing/2014/main" id="{50797E5E-1278-4393-99CC-6E4ACCE01291}"/>
+                </a:ext>
+              </a:extLst>
+            </p:cNvPr>
+            <p:cNvSpPr/>
+            <p:nvPr/>
+          </p:nvSpPr>
+          <p:spPr>
+            <a:xfrm>
+              <a:off x="223372" y="4889170"/>
+              <a:ext cx="1440000" cy="504000"/>
+            </a:xfrm>
+            <a:prstGeom prst="rect">
+              <a:avLst/>
+            </a:prstGeom>
+            <a:noFill/>
+            <a:ln>
+              <a:solidFill>
+                <a:schemeClr val="tx1"/>
+              </a:solidFill>
+            </a:ln>
+          </p:spPr>
+          <p:style>
+            <a:lnRef idx="2">
+              <a:schemeClr val="accent1">
+                <a:shade val="50000"/>
+              </a:schemeClr>
+            </a:lnRef>
+            <a:fillRef idx="1">
+              <a:schemeClr val="accent1"/>
+            </a:fillRef>
+            <a:effectRef idx="0">
+              <a:schemeClr val="accent1"/>
+            </a:effectRef>
+            <a:fontRef idx="minor">
+              <a:schemeClr val="lt1"/>
+            </a:fontRef>
+          </p:style>
+          <p:txBody>
+            <a:bodyPr rtlCol="0" anchor="ctr"/>
+            <a:lstStyle/>
+            <a:p>
+              <a:pPr algn="ctr"/>
+              <a:r>
+                <a:rPr lang="en-US" altLang="ko-KR" sz="1467" dirty="0">
+                  <a:solidFill>
+                    <a:sysClr val="windowText" lastClr="000000"/>
+                  </a:solidFill>
+                </a:rPr>
+                <a:t>return -1</a:t>
+              </a:r>
+            </a:p>
+          </p:txBody>
+        </p:sp>
+      </p:grpSp>
+    </p:spTree>
+    <p:extLst>
+      <p:ext uri="{BB962C8B-B14F-4D97-AF65-F5344CB8AC3E}">
+        <p14:creationId xmlns:p14="http://schemas.microsoft.com/office/powerpoint/2010/main" val="1774387422"/>
+      </p:ext>
+    </p:extLst>
+  </p:cSld>
+  <p:clrMapOvr>
+    <a:masterClrMapping/>
+  </p:clrMapOvr>
+</p:sld>
+</file>
+
 <file path=ppt/slides/slide3.xml><?xml version="1.0" encoding="utf-8"?>
 <p:sld xmlns:a="http://schemas.openxmlformats.org/drawingml/2006/main" xmlns:r="http://schemas.openxmlformats.org/officeDocument/2006/relationships" xmlns:p="http://schemas.openxmlformats.org/presentationml/2006/main">
   <p:cSld>

--- a/알고리즘_프로그래머스_Level01_순서도.pptx
+++ b/알고리즘_프로그래머스_Level01_순서도.pptx
@@ -34,6 +34,7 @@
     <p:sldId id="287" r:id="rId28"/>
     <p:sldId id="288" r:id="rId29"/>
     <p:sldId id="289" r:id="rId30"/>
+    <p:sldId id="290" r:id="rId31"/>
   </p:sldIdLst>
   <p:sldSz cx="6858000" cy="9144000" type="screen4x3"/>
   <p:notesSz cx="6858000" cy="9144000"/>
@@ -271,7 +272,7 @@
           <a:p>
             <a:fld id="{274DCB2C-481A-4B20-92AC-CEC756183F8E}" type="datetimeFigureOut">
               <a:rPr lang="ko-KR" altLang="en-US" smtClean="0"/>
-              <a:t>2021-01-27</a:t>
+              <a:t>2021-01-28</a:t>
             </a:fld>
             <a:endParaRPr lang="ko-KR" altLang="en-US"/>
           </a:p>
@@ -441,7 +442,7 @@
           <a:p>
             <a:fld id="{274DCB2C-481A-4B20-92AC-CEC756183F8E}" type="datetimeFigureOut">
               <a:rPr lang="ko-KR" altLang="en-US" smtClean="0"/>
-              <a:t>2021-01-27</a:t>
+              <a:t>2021-01-28</a:t>
             </a:fld>
             <a:endParaRPr lang="ko-KR" altLang="en-US"/>
           </a:p>
@@ -621,7 +622,7 @@
           <a:p>
             <a:fld id="{274DCB2C-481A-4B20-92AC-CEC756183F8E}" type="datetimeFigureOut">
               <a:rPr lang="ko-KR" altLang="en-US" smtClean="0"/>
-              <a:t>2021-01-27</a:t>
+              <a:t>2021-01-28</a:t>
             </a:fld>
             <a:endParaRPr lang="ko-KR" altLang="en-US"/>
           </a:p>
@@ -791,7 +792,7 @@
           <a:p>
             <a:fld id="{274DCB2C-481A-4B20-92AC-CEC756183F8E}" type="datetimeFigureOut">
               <a:rPr lang="ko-KR" altLang="en-US" smtClean="0"/>
-              <a:t>2021-01-27</a:t>
+              <a:t>2021-01-28</a:t>
             </a:fld>
             <a:endParaRPr lang="ko-KR" altLang="en-US"/>
           </a:p>
@@ -1035,7 +1036,7 @@
           <a:p>
             <a:fld id="{274DCB2C-481A-4B20-92AC-CEC756183F8E}" type="datetimeFigureOut">
               <a:rPr lang="ko-KR" altLang="en-US" smtClean="0"/>
-              <a:t>2021-01-27</a:t>
+              <a:t>2021-01-28</a:t>
             </a:fld>
             <a:endParaRPr lang="ko-KR" altLang="en-US"/>
           </a:p>
@@ -1267,7 +1268,7 @@
           <a:p>
             <a:fld id="{274DCB2C-481A-4B20-92AC-CEC756183F8E}" type="datetimeFigureOut">
               <a:rPr lang="ko-KR" altLang="en-US" smtClean="0"/>
-              <a:t>2021-01-27</a:t>
+              <a:t>2021-01-28</a:t>
             </a:fld>
             <a:endParaRPr lang="ko-KR" altLang="en-US"/>
           </a:p>
@@ -1634,7 +1635,7 @@
           <a:p>
             <a:fld id="{274DCB2C-481A-4B20-92AC-CEC756183F8E}" type="datetimeFigureOut">
               <a:rPr lang="ko-KR" altLang="en-US" smtClean="0"/>
-              <a:t>2021-01-27</a:t>
+              <a:t>2021-01-28</a:t>
             </a:fld>
             <a:endParaRPr lang="ko-KR" altLang="en-US"/>
           </a:p>
@@ -1752,7 +1753,7 @@
           <a:p>
             <a:fld id="{274DCB2C-481A-4B20-92AC-CEC756183F8E}" type="datetimeFigureOut">
               <a:rPr lang="ko-KR" altLang="en-US" smtClean="0"/>
-              <a:t>2021-01-27</a:t>
+              <a:t>2021-01-28</a:t>
             </a:fld>
             <a:endParaRPr lang="ko-KR" altLang="en-US"/>
           </a:p>
@@ -1847,7 +1848,7 @@
           <a:p>
             <a:fld id="{274DCB2C-481A-4B20-92AC-CEC756183F8E}" type="datetimeFigureOut">
               <a:rPr lang="ko-KR" altLang="en-US" smtClean="0"/>
-              <a:t>2021-01-27</a:t>
+              <a:t>2021-01-28</a:t>
             </a:fld>
             <a:endParaRPr lang="ko-KR" altLang="en-US"/>
           </a:p>
@@ -2124,7 +2125,7 @@
           <a:p>
             <a:fld id="{274DCB2C-481A-4B20-92AC-CEC756183F8E}" type="datetimeFigureOut">
               <a:rPr lang="ko-KR" altLang="en-US" smtClean="0"/>
-              <a:t>2021-01-27</a:t>
+              <a:t>2021-01-28</a:t>
             </a:fld>
             <a:endParaRPr lang="ko-KR" altLang="en-US"/>
           </a:p>
@@ -2381,7 +2382,7 @@
           <a:p>
             <a:fld id="{274DCB2C-481A-4B20-92AC-CEC756183F8E}" type="datetimeFigureOut">
               <a:rPr lang="ko-KR" altLang="en-US" smtClean="0"/>
-              <a:t>2021-01-27</a:t>
+              <a:t>2021-01-28</a:t>
             </a:fld>
             <a:endParaRPr lang="ko-KR" altLang="en-US"/>
           </a:p>
@@ -2594,7 +2595,7 @@
           <a:p>
             <a:fld id="{274DCB2C-481A-4B20-92AC-CEC756183F8E}" type="datetimeFigureOut">
               <a:rPr lang="ko-KR" altLang="en-US" smtClean="0"/>
-              <a:t>2021-01-27</a:t>
+              <a:t>2021-01-28</a:t>
             </a:fld>
             <a:endParaRPr lang="ko-KR" altLang="en-US"/>
           </a:p>
@@ -20703,7 +20704,7 @@
         </p:nvGrpSpPr>
         <p:grpSpPr>
           <a:xfrm>
-            <a:off x="1075520" y="1175678"/>
+            <a:off x="1075520" y="1522043"/>
             <a:ext cx="2631453" cy="3049957"/>
             <a:chOff x="1075520" y="1175678"/>
             <a:chExt cx="2631453" cy="3049957"/>
@@ -23199,6 +23200,1717 @@
     <p:extLst>
       <p:ext uri="{BB962C8B-B14F-4D97-AF65-F5344CB8AC3E}">
         <p14:creationId xmlns:p14="http://schemas.microsoft.com/office/powerpoint/2010/main" val="401013712"/>
+      </p:ext>
+    </p:extLst>
+  </p:cSld>
+  <p:clrMapOvr>
+    <a:masterClrMapping/>
+  </p:clrMapOvr>
+</p:sld>
+</file>
+
+<file path=ppt/slides/slide30.xml><?xml version="1.0" encoding="utf-8"?>
+<p:sld xmlns:a="http://schemas.openxmlformats.org/drawingml/2006/main" xmlns:r="http://schemas.openxmlformats.org/officeDocument/2006/relationships" xmlns:p="http://schemas.openxmlformats.org/presentationml/2006/main">
+  <p:cSld>
+    <p:spTree>
+      <p:nvGrpSpPr>
+        <p:cNvPr id="1" name=""/>
+        <p:cNvGrpSpPr/>
+        <p:nvPr/>
+      </p:nvGrpSpPr>
+      <p:grpSpPr>
+        <a:xfrm>
+          <a:off x="0" y="0"/>
+          <a:ext cx="0" cy="0"/>
+          <a:chOff x="0" y="0"/>
+          <a:chExt cx="0" cy="0"/>
+        </a:xfrm>
+      </p:grpSpPr>
+      <p:sp>
+        <p:nvSpPr>
+          <p:cNvPr id="4" name="제목 3">
+            <a:extLst>
+              <a:ext uri="{FF2B5EF4-FFF2-40B4-BE49-F238E27FC236}">
+                <a16:creationId xmlns:a16="http://schemas.microsoft.com/office/drawing/2014/main" id="{30BAC889-89EF-449A-A9AB-0AA582E87CB5}"/>
+              </a:ext>
+            </a:extLst>
+          </p:cNvPr>
+          <p:cNvSpPr>
+            <a:spLocks noGrp="1"/>
+          </p:cNvSpPr>
+          <p:nvPr>
+            <p:ph type="title"/>
+          </p:nvPr>
+        </p:nvSpPr>
+        <p:spPr/>
+        <p:txBody>
+          <a:bodyPr/>
+          <a:lstStyle/>
+          <a:p>
+            <a:r>
+              <a:rPr lang="ko-KR" altLang="en-US" dirty="0"/>
+              <a:t>신규 아이디 추천 </a:t>
+            </a:r>
+            <a:r>
+              <a:rPr lang="en-US" altLang="ko-KR" dirty="0"/>
+              <a:t>(01.27)</a:t>
+            </a:r>
+            <a:endParaRPr lang="ko-KR" altLang="en-US" dirty="0"/>
+          </a:p>
+        </p:txBody>
+      </p:sp>
+      <p:grpSp>
+        <p:nvGrpSpPr>
+          <p:cNvPr id="72" name="그룹 71">
+            <a:extLst>
+              <a:ext uri="{FF2B5EF4-FFF2-40B4-BE49-F238E27FC236}">
+                <a16:creationId xmlns:a16="http://schemas.microsoft.com/office/drawing/2014/main" id="{5A27E430-7D75-41D3-8695-7C08841DDA17}"/>
+              </a:ext>
+            </a:extLst>
+          </p:cNvPr>
+          <p:cNvGrpSpPr/>
+          <p:nvPr/>
+        </p:nvGrpSpPr>
+        <p:grpSpPr>
+          <a:xfrm>
+            <a:off x="177102" y="908049"/>
+            <a:ext cx="5983199" cy="8107174"/>
+            <a:chOff x="177102" y="1075994"/>
+            <a:chExt cx="5983199" cy="8107174"/>
+          </a:xfrm>
+        </p:grpSpPr>
+        <p:sp>
+          <p:nvSpPr>
+            <p:cNvPr id="27" name="직사각형 26">
+              <a:extLst>
+                <a:ext uri="{FF2B5EF4-FFF2-40B4-BE49-F238E27FC236}">
+                  <a16:creationId xmlns:a16="http://schemas.microsoft.com/office/drawing/2014/main" id="{1A3B53DA-1D2A-4E34-A2D3-606406E93005}"/>
+                </a:ext>
+              </a:extLst>
+            </p:cNvPr>
+            <p:cNvSpPr/>
+            <p:nvPr/>
+          </p:nvSpPr>
+          <p:spPr>
+            <a:xfrm>
+              <a:off x="752135" y="1075994"/>
+              <a:ext cx="2880000" cy="504000"/>
+            </a:xfrm>
+            <a:prstGeom prst="rect">
+              <a:avLst/>
+            </a:prstGeom>
+            <a:noFill/>
+            <a:ln>
+              <a:solidFill>
+                <a:schemeClr val="tx1"/>
+              </a:solidFill>
+            </a:ln>
+          </p:spPr>
+          <p:style>
+            <a:lnRef idx="2">
+              <a:schemeClr val="accent1">
+                <a:shade val="50000"/>
+              </a:schemeClr>
+            </a:lnRef>
+            <a:fillRef idx="1">
+              <a:schemeClr val="accent1"/>
+            </a:fillRef>
+            <a:effectRef idx="0">
+              <a:schemeClr val="accent1"/>
+            </a:effectRef>
+            <a:fontRef idx="minor">
+              <a:schemeClr val="lt1"/>
+            </a:fontRef>
+          </p:style>
+          <p:txBody>
+            <a:bodyPr rtlCol="0" anchor="ctr"/>
+            <a:lstStyle/>
+            <a:p>
+              <a:pPr algn="ctr"/>
+              <a:r>
+                <a:rPr lang="ko-KR" altLang="en-US" sz="1467" dirty="0">
+                  <a:solidFill>
+                    <a:sysClr val="windowText" lastClr="000000"/>
+                  </a:solidFill>
+                </a:rPr>
+                <a:t>대문자를 소문자로 변환한다</a:t>
+              </a:r>
+              <a:endParaRPr lang="en-US" altLang="ko-KR" sz="1467" dirty="0">
+                <a:solidFill>
+                  <a:sysClr val="windowText" lastClr="000000"/>
+                </a:solidFill>
+              </a:endParaRPr>
+            </a:p>
+          </p:txBody>
+        </p:sp>
+        <p:cxnSp>
+          <p:nvCxnSpPr>
+            <p:cNvPr id="28" name="직선 화살표 연결선 27">
+              <a:extLst>
+                <a:ext uri="{FF2B5EF4-FFF2-40B4-BE49-F238E27FC236}">
+                  <a16:creationId xmlns:a16="http://schemas.microsoft.com/office/drawing/2014/main" id="{33E2141F-B7EE-48A5-B3E5-720C8BC5A188}"/>
+                </a:ext>
+              </a:extLst>
+            </p:cNvPr>
+            <p:cNvCxnSpPr>
+              <a:cxnSpLocks/>
+              <a:stCxn id="27" idx="2"/>
+              <a:endCxn id="30" idx="0"/>
+            </p:cNvCxnSpPr>
+            <p:nvPr/>
+          </p:nvCxnSpPr>
+          <p:spPr>
+            <a:xfrm>
+              <a:off x="2192135" y="1579994"/>
+              <a:ext cx="0" cy="346109"/>
+            </a:xfrm>
+            <a:prstGeom prst="straightConnector1">
+              <a:avLst/>
+            </a:prstGeom>
+            <a:ln>
+              <a:solidFill>
+                <a:schemeClr val="tx1"/>
+              </a:solidFill>
+              <a:tailEnd type="triangle"/>
+            </a:ln>
+          </p:spPr>
+          <p:style>
+            <a:lnRef idx="1">
+              <a:schemeClr val="accent1"/>
+            </a:lnRef>
+            <a:fillRef idx="0">
+              <a:schemeClr val="accent1"/>
+            </a:fillRef>
+            <a:effectRef idx="0">
+              <a:schemeClr val="accent1"/>
+            </a:effectRef>
+            <a:fontRef idx="minor">
+              <a:schemeClr val="tx1"/>
+            </a:fontRef>
+          </p:style>
+        </p:cxnSp>
+        <p:sp>
+          <p:nvSpPr>
+            <p:cNvPr id="30" name="직사각형 29">
+              <a:extLst>
+                <a:ext uri="{FF2B5EF4-FFF2-40B4-BE49-F238E27FC236}">
+                  <a16:creationId xmlns:a16="http://schemas.microsoft.com/office/drawing/2014/main" id="{77CC109B-070C-4829-9E0F-B3E7D5AC693A}"/>
+                </a:ext>
+              </a:extLst>
+            </p:cNvPr>
+            <p:cNvSpPr/>
+            <p:nvPr/>
+          </p:nvSpPr>
+          <p:spPr>
+            <a:xfrm>
+              <a:off x="752135" y="1926103"/>
+              <a:ext cx="2880000" cy="504000"/>
+            </a:xfrm>
+            <a:prstGeom prst="rect">
+              <a:avLst/>
+            </a:prstGeom>
+            <a:noFill/>
+            <a:ln>
+              <a:solidFill>
+                <a:schemeClr val="tx1"/>
+              </a:solidFill>
+            </a:ln>
+          </p:spPr>
+          <p:style>
+            <a:lnRef idx="2">
+              <a:schemeClr val="accent1">
+                <a:shade val="50000"/>
+              </a:schemeClr>
+            </a:lnRef>
+            <a:fillRef idx="1">
+              <a:schemeClr val="accent1"/>
+            </a:fillRef>
+            <a:effectRef idx="0">
+              <a:schemeClr val="accent1"/>
+            </a:effectRef>
+            <a:fontRef idx="minor">
+              <a:schemeClr val="lt1"/>
+            </a:fontRef>
+          </p:style>
+          <p:txBody>
+            <a:bodyPr rtlCol="0" anchor="ctr"/>
+            <a:lstStyle/>
+            <a:p>
+              <a:pPr algn="ctr"/>
+              <a:r>
+                <a:rPr lang="ko-KR" altLang="en-US" sz="1467" dirty="0">
+                  <a:solidFill>
+                    <a:sysClr val="windowText" lastClr="000000"/>
+                  </a:solidFill>
+                </a:rPr>
+                <a:t>특수문자를 제거한다</a:t>
+              </a:r>
+              <a:endParaRPr lang="en-US" altLang="ko-KR" sz="1467" dirty="0">
+                <a:solidFill>
+                  <a:sysClr val="windowText" lastClr="000000"/>
+                </a:solidFill>
+              </a:endParaRPr>
+            </a:p>
+          </p:txBody>
+        </p:sp>
+        <p:cxnSp>
+          <p:nvCxnSpPr>
+            <p:cNvPr id="32" name="직선 화살표 연결선 31">
+              <a:extLst>
+                <a:ext uri="{FF2B5EF4-FFF2-40B4-BE49-F238E27FC236}">
+                  <a16:creationId xmlns:a16="http://schemas.microsoft.com/office/drawing/2014/main" id="{CD83A2E2-7946-45FC-BB49-085BC439ACCD}"/>
+                </a:ext>
+              </a:extLst>
+            </p:cNvPr>
+            <p:cNvCxnSpPr>
+              <a:cxnSpLocks/>
+              <a:stCxn id="30" idx="2"/>
+              <a:endCxn id="44" idx="0"/>
+            </p:cNvCxnSpPr>
+            <p:nvPr/>
+          </p:nvCxnSpPr>
+          <p:spPr>
+            <a:xfrm>
+              <a:off x="2192135" y="2430103"/>
+              <a:ext cx="0" cy="341666"/>
+            </a:xfrm>
+            <a:prstGeom prst="straightConnector1">
+              <a:avLst/>
+            </a:prstGeom>
+            <a:ln>
+              <a:solidFill>
+                <a:schemeClr val="tx1"/>
+              </a:solidFill>
+              <a:tailEnd type="triangle"/>
+            </a:ln>
+          </p:spPr>
+          <p:style>
+            <a:lnRef idx="1">
+              <a:schemeClr val="accent1"/>
+            </a:lnRef>
+            <a:fillRef idx="0">
+              <a:schemeClr val="accent1"/>
+            </a:fillRef>
+            <a:effectRef idx="0">
+              <a:schemeClr val="accent1"/>
+            </a:effectRef>
+            <a:fontRef idx="minor">
+              <a:schemeClr val="tx1"/>
+            </a:fontRef>
+          </p:style>
+        </p:cxnSp>
+        <p:cxnSp>
+          <p:nvCxnSpPr>
+            <p:cNvPr id="42" name="직선 화살표 연결선 41">
+              <a:extLst>
+                <a:ext uri="{FF2B5EF4-FFF2-40B4-BE49-F238E27FC236}">
+                  <a16:creationId xmlns:a16="http://schemas.microsoft.com/office/drawing/2014/main" id="{0DC2691B-6EED-4D32-9829-AABD5B06DC22}"/>
+                </a:ext>
+              </a:extLst>
+            </p:cNvPr>
+            <p:cNvCxnSpPr>
+              <a:cxnSpLocks/>
+              <a:stCxn id="44" idx="2"/>
+              <a:endCxn id="43" idx="0"/>
+            </p:cNvCxnSpPr>
+            <p:nvPr/>
+          </p:nvCxnSpPr>
+          <p:spPr>
+            <a:xfrm>
+              <a:off x="2192135" y="3275769"/>
+              <a:ext cx="0" cy="346182"/>
+            </a:xfrm>
+            <a:prstGeom prst="straightConnector1">
+              <a:avLst/>
+            </a:prstGeom>
+            <a:ln>
+              <a:solidFill>
+                <a:schemeClr val="tx1"/>
+              </a:solidFill>
+              <a:tailEnd type="triangle"/>
+            </a:ln>
+          </p:spPr>
+          <p:style>
+            <a:lnRef idx="1">
+              <a:schemeClr val="accent1"/>
+            </a:lnRef>
+            <a:fillRef idx="0">
+              <a:schemeClr val="accent1"/>
+            </a:fillRef>
+            <a:effectRef idx="0">
+              <a:schemeClr val="accent1"/>
+            </a:effectRef>
+            <a:fontRef idx="minor">
+              <a:schemeClr val="tx1"/>
+            </a:fontRef>
+          </p:style>
+        </p:cxnSp>
+        <p:sp>
+          <p:nvSpPr>
+            <p:cNvPr id="43" name="직사각형 42">
+              <a:extLst>
+                <a:ext uri="{FF2B5EF4-FFF2-40B4-BE49-F238E27FC236}">
+                  <a16:creationId xmlns:a16="http://schemas.microsoft.com/office/drawing/2014/main" id="{E794D8D7-0F5F-48FD-BC14-0528BE9DB0BB}"/>
+                </a:ext>
+              </a:extLst>
+            </p:cNvPr>
+            <p:cNvSpPr/>
+            <p:nvPr/>
+          </p:nvSpPr>
+          <p:spPr>
+            <a:xfrm>
+              <a:off x="752135" y="3621951"/>
+              <a:ext cx="2880000" cy="504000"/>
+            </a:xfrm>
+            <a:prstGeom prst="rect">
+              <a:avLst/>
+            </a:prstGeom>
+            <a:noFill/>
+            <a:ln>
+              <a:solidFill>
+                <a:schemeClr val="tx1"/>
+              </a:solidFill>
+            </a:ln>
+          </p:spPr>
+          <p:style>
+            <a:lnRef idx="2">
+              <a:schemeClr val="accent1">
+                <a:shade val="50000"/>
+              </a:schemeClr>
+            </a:lnRef>
+            <a:fillRef idx="1">
+              <a:schemeClr val="accent1"/>
+            </a:fillRef>
+            <a:effectRef idx="0">
+              <a:schemeClr val="accent1"/>
+            </a:effectRef>
+            <a:fontRef idx="minor">
+              <a:schemeClr val="lt1"/>
+            </a:fontRef>
+          </p:style>
+          <p:txBody>
+            <a:bodyPr rtlCol="0" anchor="ctr"/>
+            <a:lstStyle/>
+            <a:p>
+              <a:pPr algn="ctr"/>
+              <a:r>
+                <a:rPr lang="ko-KR" altLang="en-US" sz="1467">
+                  <a:solidFill>
+                    <a:sysClr val="windowText" lastClr="000000"/>
+                  </a:solidFill>
+                </a:rPr>
+                <a:t>처음과 끝의 마침표를 제거한다</a:t>
+              </a:r>
+              <a:endParaRPr lang="en-US" altLang="ko-KR" sz="1467" dirty="0">
+                <a:solidFill>
+                  <a:sysClr val="windowText" lastClr="000000"/>
+                </a:solidFill>
+              </a:endParaRPr>
+            </a:p>
+          </p:txBody>
+        </p:sp>
+        <p:sp>
+          <p:nvSpPr>
+            <p:cNvPr id="44" name="직사각형 43">
+              <a:extLst>
+                <a:ext uri="{FF2B5EF4-FFF2-40B4-BE49-F238E27FC236}">
+                  <a16:creationId xmlns:a16="http://schemas.microsoft.com/office/drawing/2014/main" id="{E1E02FA6-AA53-45EA-AC4D-635296CB30F1}"/>
+                </a:ext>
+              </a:extLst>
+            </p:cNvPr>
+            <p:cNvSpPr/>
+            <p:nvPr/>
+          </p:nvSpPr>
+          <p:spPr>
+            <a:xfrm>
+              <a:off x="752135" y="2771769"/>
+              <a:ext cx="2880000" cy="504000"/>
+            </a:xfrm>
+            <a:prstGeom prst="rect">
+              <a:avLst/>
+            </a:prstGeom>
+            <a:noFill/>
+            <a:ln>
+              <a:solidFill>
+                <a:schemeClr val="tx1"/>
+              </a:solidFill>
+            </a:ln>
+          </p:spPr>
+          <p:style>
+            <a:lnRef idx="2">
+              <a:schemeClr val="accent1">
+                <a:shade val="50000"/>
+              </a:schemeClr>
+            </a:lnRef>
+            <a:fillRef idx="1">
+              <a:schemeClr val="accent1"/>
+            </a:fillRef>
+            <a:effectRef idx="0">
+              <a:schemeClr val="accent1"/>
+            </a:effectRef>
+            <a:fontRef idx="minor">
+              <a:schemeClr val="lt1"/>
+            </a:fontRef>
+          </p:style>
+          <p:txBody>
+            <a:bodyPr rtlCol="0" anchor="ctr"/>
+            <a:lstStyle/>
+            <a:p>
+              <a:pPr algn="ctr"/>
+              <a:r>
+                <a:rPr lang="ko-KR" altLang="en-US" sz="1467" dirty="0">
+                  <a:solidFill>
+                    <a:sysClr val="windowText" lastClr="000000"/>
+                  </a:solidFill>
+                </a:rPr>
+                <a:t>마침표</a:t>
+              </a:r>
+              <a:r>
+                <a:rPr lang="en-US" altLang="ko-KR" sz="1467" dirty="0">
+                  <a:solidFill>
+                    <a:sysClr val="windowText" lastClr="000000"/>
+                  </a:solidFill>
+                </a:rPr>
+                <a:t> </a:t>
+              </a:r>
+              <a:r>
+                <a:rPr lang="ko-KR" altLang="en-US" sz="1467" dirty="0">
+                  <a:solidFill>
+                    <a:sysClr val="windowText" lastClr="000000"/>
+                  </a:solidFill>
+                </a:rPr>
+                <a:t>여러 개를 하나의 마침표로 변경한다</a:t>
+              </a:r>
+              <a:endParaRPr lang="en-US" altLang="ko-KR" sz="1467" dirty="0">
+                <a:solidFill>
+                  <a:sysClr val="windowText" lastClr="000000"/>
+                </a:solidFill>
+              </a:endParaRPr>
+            </a:p>
+          </p:txBody>
+        </p:sp>
+        <p:cxnSp>
+          <p:nvCxnSpPr>
+            <p:cNvPr id="10" name="직선 화살표 연결선 9">
+              <a:extLst>
+                <a:ext uri="{FF2B5EF4-FFF2-40B4-BE49-F238E27FC236}">
+                  <a16:creationId xmlns:a16="http://schemas.microsoft.com/office/drawing/2014/main" id="{750BA346-1DE4-431B-9608-E3480A9B688D}"/>
+                </a:ext>
+              </a:extLst>
+            </p:cNvPr>
+            <p:cNvCxnSpPr>
+              <a:cxnSpLocks/>
+              <a:stCxn id="43" idx="2"/>
+              <a:endCxn id="14" idx="0"/>
+            </p:cNvCxnSpPr>
+            <p:nvPr/>
+          </p:nvCxnSpPr>
+          <p:spPr>
+            <a:xfrm>
+              <a:off x="2192135" y="4125951"/>
+              <a:ext cx="4083" cy="346182"/>
+            </a:xfrm>
+            <a:prstGeom prst="straightConnector1">
+              <a:avLst/>
+            </a:prstGeom>
+            <a:ln>
+              <a:solidFill>
+                <a:schemeClr val="tx1"/>
+              </a:solidFill>
+              <a:tailEnd type="triangle"/>
+            </a:ln>
+          </p:spPr>
+          <p:style>
+            <a:lnRef idx="1">
+              <a:schemeClr val="accent1"/>
+            </a:lnRef>
+            <a:fillRef idx="0">
+              <a:schemeClr val="accent1"/>
+            </a:fillRef>
+            <a:effectRef idx="0">
+              <a:schemeClr val="accent1"/>
+            </a:effectRef>
+            <a:fontRef idx="minor">
+              <a:schemeClr val="tx1"/>
+            </a:fontRef>
+          </p:style>
+        </p:cxnSp>
+        <p:sp>
+          <p:nvSpPr>
+            <p:cNvPr id="14" name="다이아몬드 13">
+              <a:extLst>
+                <a:ext uri="{FF2B5EF4-FFF2-40B4-BE49-F238E27FC236}">
+                  <a16:creationId xmlns:a16="http://schemas.microsoft.com/office/drawing/2014/main" id="{999DE5DF-C7B3-4E72-B837-8A8338A7789F}"/>
+                </a:ext>
+              </a:extLst>
+            </p:cNvPr>
+            <p:cNvSpPr/>
+            <p:nvPr/>
+          </p:nvSpPr>
+          <p:spPr>
+            <a:xfrm>
+              <a:off x="1116218" y="4472133"/>
+              <a:ext cx="2160000" cy="499557"/>
+            </a:xfrm>
+            <a:prstGeom prst="diamond">
+              <a:avLst/>
+            </a:prstGeom>
+            <a:noFill/>
+            <a:ln>
+              <a:solidFill>
+                <a:schemeClr val="tx1"/>
+              </a:solidFill>
+            </a:ln>
+          </p:spPr>
+          <p:style>
+            <a:lnRef idx="2">
+              <a:schemeClr val="accent1">
+                <a:shade val="50000"/>
+              </a:schemeClr>
+            </a:lnRef>
+            <a:fillRef idx="1">
+              <a:schemeClr val="accent1"/>
+            </a:fillRef>
+            <a:effectRef idx="0">
+              <a:schemeClr val="accent1"/>
+            </a:effectRef>
+            <a:fontRef idx="minor">
+              <a:schemeClr val="lt1"/>
+            </a:fontRef>
+          </p:style>
+          <p:txBody>
+            <a:bodyPr rtlCol="0" anchor="ctr"/>
+            <a:lstStyle/>
+            <a:p>
+              <a:pPr algn="ctr"/>
+              <a:r>
+                <a:rPr lang="en-US" altLang="ko-KR" sz="1467" dirty="0">
+                  <a:solidFill>
+                    <a:sysClr val="windowText" lastClr="000000"/>
+                  </a:solidFill>
+                </a:rPr>
+                <a:t>length == 0?</a:t>
+              </a:r>
+            </a:p>
+          </p:txBody>
+        </p:sp>
+        <p:cxnSp>
+          <p:nvCxnSpPr>
+            <p:cNvPr id="16" name="직선 화살표 연결선 15">
+              <a:extLst>
+                <a:ext uri="{FF2B5EF4-FFF2-40B4-BE49-F238E27FC236}">
+                  <a16:creationId xmlns:a16="http://schemas.microsoft.com/office/drawing/2014/main" id="{08D15DD1-9473-45FE-878E-9991562C9B66}"/>
+                </a:ext>
+              </a:extLst>
+            </p:cNvPr>
+            <p:cNvCxnSpPr>
+              <a:cxnSpLocks/>
+              <a:stCxn id="14" idx="2"/>
+              <a:endCxn id="17" idx="0"/>
+            </p:cNvCxnSpPr>
+            <p:nvPr/>
+          </p:nvCxnSpPr>
+          <p:spPr>
+            <a:xfrm>
+              <a:off x="2196218" y="4971690"/>
+              <a:ext cx="0" cy="346182"/>
+            </a:xfrm>
+            <a:prstGeom prst="straightConnector1">
+              <a:avLst/>
+            </a:prstGeom>
+            <a:ln>
+              <a:solidFill>
+                <a:schemeClr val="tx1"/>
+              </a:solidFill>
+              <a:tailEnd type="triangle"/>
+            </a:ln>
+          </p:spPr>
+          <p:style>
+            <a:lnRef idx="1">
+              <a:schemeClr val="accent1"/>
+            </a:lnRef>
+            <a:fillRef idx="0">
+              <a:schemeClr val="accent1"/>
+            </a:fillRef>
+            <a:effectRef idx="0">
+              <a:schemeClr val="accent1"/>
+            </a:effectRef>
+            <a:fontRef idx="minor">
+              <a:schemeClr val="tx1"/>
+            </a:fontRef>
+          </p:style>
+        </p:cxnSp>
+        <p:sp>
+          <p:nvSpPr>
+            <p:cNvPr id="17" name="다이아몬드 16">
+              <a:extLst>
+                <a:ext uri="{FF2B5EF4-FFF2-40B4-BE49-F238E27FC236}">
+                  <a16:creationId xmlns:a16="http://schemas.microsoft.com/office/drawing/2014/main" id="{1D2385DD-59D1-47F1-9CE2-194FD277C8F1}"/>
+                </a:ext>
+              </a:extLst>
+            </p:cNvPr>
+            <p:cNvSpPr/>
+            <p:nvPr/>
+          </p:nvSpPr>
+          <p:spPr>
+            <a:xfrm>
+              <a:off x="1116218" y="5317872"/>
+              <a:ext cx="2160000" cy="499557"/>
+            </a:xfrm>
+            <a:prstGeom prst="diamond">
+              <a:avLst/>
+            </a:prstGeom>
+            <a:noFill/>
+            <a:ln>
+              <a:solidFill>
+                <a:schemeClr val="tx1"/>
+              </a:solidFill>
+            </a:ln>
+          </p:spPr>
+          <p:style>
+            <a:lnRef idx="2">
+              <a:schemeClr val="accent1">
+                <a:shade val="50000"/>
+              </a:schemeClr>
+            </a:lnRef>
+            <a:fillRef idx="1">
+              <a:schemeClr val="accent1"/>
+            </a:fillRef>
+            <a:effectRef idx="0">
+              <a:schemeClr val="accent1"/>
+            </a:effectRef>
+            <a:fontRef idx="minor">
+              <a:schemeClr val="lt1"/>
+            </a:fontRef>
+          </p:style>
+          <p:txBody>
+            <a:bodyPr rtlCol="0" anchor="ctr"/>
+            <a:lstStyle/>
+            <a:p>
+              <a:pPr algn="ctr"/>
+              <a:r>
+                <a:rPr lang="en-US" altLang="ko-KR" sz="1467" dirty="0">
+                  <a:solidFill>
+                    <a:sysClr val="windowText" lastClr="000000"/>
+                  </a:solidFill>
+                </a:rPr>
+                <a:t>length &gt; 16?</a:t>
+              </a:r>
+            </a:p>
+          </p:txBody>
+        </p:sp>
+        <p:sp>
+          <p:nvSpPr>
+            <p:cNvPr id="20" name="직사각형 19">
+              <a:extLst>
+                <a:ext uri="{FF2B5EF4-FFF2-40B4-BE49-F238E27FC236}">
+                  <a16:creationId xmlns:a16="http://schemas.microsoft.com/office/drawing/2014/main" id="{9E25AD72-169A-4938-9479-E73B7CA9B821}"/>
+                </a:ext>
+              </a:extLst>
+            </p:cNvPr>
+            <p:cNvSpPr/>
+            <p:nvPr/>
+          </p:nvSpPr>
+          <p:spPr>
+            <a:xfrm>
+              <a:off x="3762763" y="4467690"/>
+              <a:ext cx="2160000" cy="504000"/>
+            </a:xfrm>
+            <a:prstGeom prst="rect">
+              <a:avLst/>
+            </a:prstGeom>
+            <a:noFill/>
+            <a:ln>
+              <a:solidFill>
+                <a:schemeClr val="tx1"/>
+              </a:solidFill>
+            </a:ln>
+          </p:spPr>
+          <p:style>
+            <a:lnRef idx="2">
+              <a:schemeClr val="accent1">
+                <a:shade val="50000"/>
+              </a:schemeClr>
+            </a:lnRef>
+            <a:fillRef idx="1">
+              <a:schemeClr val="accent1"/>
+            </a:fillRef>
+            <a:effectRef idx="0">
+              <a:schemeClr val="accent1"/>
+            </a:effectRef>
+            <a:fontRef idx="minor">
+              <a:schemeClr val="lt1"/>
+            </a:fontRef>
+          </p:style>
+          <p:txBody>
+            <a:bodyPr rtlCol="0" anchor="ctr"/>
+            <a:lstStyle/>
+            <a:p>
+              <a:pPr algn="ctr"/>
+              <a:r>
+                <a:rPr lang="en-US" altLang="ko-KR" sz="1467" dirty="0">
+                  <a:solidFill>
+                    <a:sysClr val="windowText" lastClr="000000"/>
+                  </a:solidFill>
+                </a:rPr>
+                <a:t>id</a:t>
+              </a:r>
+              <a:r>
+                <a:rPr lang="ko-KR" altLang="en-US" sz="1467" dirty="0">
+                  <a:solidFill>
+                    <a:sysClr val="windowText" lastClr="000000"/>
+                  </a:solidFill>
+                </a:rPr>
+                <a:t> </a:t>
+              </a:r>
+              <a:r>
+                <a:rPr lang="en-US" altLang="ko-KR" sz="1467" dirty="0">
+                  <a:solidFill>
+                    <a:sysClr val="windowText" lastClr="000000"/>
+                  </a:solidFill>
+                </a:rPr>
+                <a:t>=</a:t>
+              </a:r>
+              <a:r>
+                <a:rPr lang="ko-KR" altLang="en-US" sz="1467" dirty="0">
+                  <a:solidFill>
+                    <a:sysClr val="windowText" lastClr="000000"/>
+                  </a:solidFill>
+                </a:rPr>
+                <a:t> </a:t>
+              </a:r>
+              <a:r>
+                <a:rPr lang="en-US" altLang="ko-KR" sz="1467" dirty="0">
+                  <a:solidFill>
+                    <a:sysClr val="windowText" lastClr="000000"/>
+                  </a:solidFill>
+                </a:rPr>
+                <a:t>“a”</a:t>
+              </a:r>
+            </a:p>
+          </p:txBody>
+        </p:sp>
+        <p:cxnSp>
+          <p:nvCxnSpPr>
+            <p:cNvPr id="9" name="직선 화살표 연결선 8">
+              <a:extLst>
+                <a:ext uri="{FF2B5EF4-FFF2-40B4-BE49-F238E27FC236}">
+                  <a16:creationId xmlns:a16="http://schemas.microsoft.com/office/drawing/2014/main" id="{925C0B73-72E1-48B9-A833-7051B5C3E6E8}"/>
+                </a:ext>
+              </a:extLst>
+            </p:cNvPr>
+            <p:cNvCxnSpPr>
+              <a:stCxn id="14" idx="3"/>
+              <a:endCxn id="20" idx="1"/>
+            </p:cNvCxnSpPr>
+            <p:nvPr/>
+          </p:nvCxnSpPr>
+          <p:spPr>
+            <a:xfrm flipV="1">
+              <a:off x="3276218" y="4719690"/>
+              <a:ext cx="486545" cy="2222"/>
+            </a:xfrm>
+            <a:prstGeom prst="straightConnector1">
+              <a:avLst/>
+            </a:prstGeom>
+            <a:ln>
+              <a:solidFill>
+                <a:schemeClr val="tx1"/>
+              </a:solidFill>
+              <a:tailEnd type="triangle"/>
+            </a:ln>
+          </p:spPr>
+          <p:style>
+            <a:lnRef idx="1">
+              <a:schemeClr val="accent1"/>
+            </a:lnRef>
+            <a:fillRef idx="0">
+              <a:schemeClr val="accent1"/>
+            </a:fillRef>
+            <a:effectRef idx="0">
+              <a:schemeClr val="accent1"/>
+            </a:effectRef>
+            <a:fontRef idx="minor">
+              <a:schemeClr val="tx1"/>
+            </a:fontRef>
+          </p:style>
+        </p:cxnSp>
+        <p:cxnSp>
+          <p:nvCxnSpPr>
+            <p:cNvPr id="13" name="연결선: 꺾임 12">
+              <a:extLst>
+                <a:ext uri="{FF2B5EF4-FFF2-40B4-BE49-F238E27FC236}">
+                  <a16:creationId xmlns:a16="http://schemas.microsoft.com/office/drawing/2014/main" id="{1C8CDAB9-C526-41DB-AFC5-CBFB5EB47298}"/>
+                </a:ext>
+              </a:extLst>
+            </p:cNvPr>
+            <p:cNvCxnSpPr>
+              <a:cxnSpLocks/>
+              <a:stCxn id="20" idx="2"/>
+            </p:cNvCxnSpPr>
+            <p:nvPr/>
+          </p:nvCxnSpPr>
+          <p:spPr>
+            <a:xfrm rot="5400000">
+              <a:off x="3438624" y="3725201"/>
+              <a:ext cx="157650" cy="2650628"/>
+            </a:xfrm>
+            <a:prstGeom prst="bentConnector2">
+              <a:avLst/>
+            </a:prstGeom>
+            <a:ln>
+              <a:solidFill>
+                <a:schemeClr val="tx1"/>
+              </a:solidFill>
+              <a:tailEnd type="triangle"/>
+            </a:ln>
+          </p:spPr>
+          <p:style>
+            <a:lnRef idx="1">
+              <a:schemeClr val="accent1"/>
+            </a:lnRef>
+            <a:fillRef idx="0">
+              <a:schemeClr val="accent1"/>
+            </a:fillRef>
+            <a:effectRef idx="0">
+              <a:schemeClr val="accent1"/>
+            </a:effectRef>
+            <a:fontRef idx="minor">
+              <a:schemeClr val="tx1"/>
+            </a:fontRef>
+          </p:style>
+        </p:cxnSp>
+        <p:cxnSp>
+          <p:nvCxnSpPr>
+            <p:cNvPr id="26" name="직선 화살표 연결선 25">
+              <a:extLst>
+                <a:ext uri="{FF2B5EF4-FFF2-40B4-BE49-F238E27FC236}">
+                  <a16:creationId xmlns:a16="http://schemas.microsoft.com/office/drawing/2014/main" id="{78FB518D-5B73-4CF8-A556-47695FCCFFB5}"/>
+                </a:ext>
+              </a:extLst>
+            </p:cNvPr>
+            <p:cNvCxnSpPr>
+              <a:cxnSpLocks/>
+              <a:stCxn id="17" idx="2"/>
+              <a:endCxn id="29" idx="0"/>
+            </p:cNvCxnSpPr>
+            <p:nvPr/>
+          </p:nvCxnSpPr>
+          <p:spPr>
+            <a:xfrm>
+              <a:off x="2196218" y="5817429"/>
+              <a:ext cx="0" cy="346182"/>
+            </a:xfrm>
+            <a:prstGeom prst="straightConnector1">
+              <a:avLst/>
+            </a:prstGeom>
+            <a:ln>
+              <a:solidFill>
+                <a:schemeClr val="tx1"/>
+              </a:solidFill>
+              <a:tailEnd type="triangle"/>
+            </a:ln>
+          </p:spPr>
+          <p:style>
+            <a:lnRef idx="1">
+              <a:schemeClr val="accent1"/>
+            </a:lnRef>
+            <a:fillRef idx="0">
+              <a:schemeClr val="accent1"/>
+            </a:fillRef>
+            <a:effectRef idx="0">
+              <a:schemeClr val="accent1"/>
+            </a:effectRef>
+            <a:fontRef idx="minor">
+              <a:schemeClr val="tx1"/>
+            </a:fontRef>
+          </p:style>
+        </p:cxnSp>
+        <p:sp>
+          <p:nvSpPr>
+            <p:cNvPr id="29" name="직사각형 28">
+              <a:extLst>
+                <a:ext uri="{FF2B5EF4-FFF2-40B4-BE49-F238E27FC236}">
+                  <a16:creationId xmlns:a16="http://schemas.microsoft.com/office/drawing/2014/main" id="{57AA51EF-3007-4C82-B844-6C52FBE58AD8}"/>
+                </a:ext>
+              </a:extLst>
+            </p:cNvPr>
+            <p:cNvSpPr/>
+            <p:nvPr/>
+          </p:nvSpPr>
+          <p:spPr>
+            <a:xfrm>
+              <a:off x="1116218" y="6163611"/>
+              <a:ext cx="2160000" cy="504000"/>
+            </a:xfrm>
+            <a:prstGeom prst="rect">
+              <a:avLst/>
+            </a:prstGeom>
+            <a:noFill/>
+            <a:ln>
+              <a:solidFill>
+                <a:schemeClr val="tx1"/>
+              </a:solidFill>
+            </a:ln>
+          </p:spPr>
+          <p:style>
+            <a:lnRef idx="2">
+              <a:schemeClr val="accent1">
+                <a:shade val="50000"/>
+              </a:schemeClr>
+            </a:lnRef>
+            <a:fillRef idx="1">
+              <a:schemeClr val="accent1"/>
+            </a:fillRef>
+            <a:effectRef idx="0">
+              <a:schemeClr val="accent1"/>
+            </a:effectRef>
+            <a:fontRef idx="minor">
+              <a:schemeClr val="lt1"/>
+            </a:fontRef>
+          </p:style>
+          <p:txBody>
+            <a:bodyPr rtlCol="0" anchor="ctr"/>
+            <a:lstStyle/>
+            <a:p>
+              <a:pPr algn="ctr"/>
+              <a:r>
+                <a:rPr lang="en-US" altLang="ko-KR" sz="1467" dirty="0">
+                  <a:solidFill>
+                    <a:sysClr val="windowText" lastClr="000000"/>
+                  </a:solidFill>
+                </a:rPr>
+                <a:t>15</a:t>
+              </a:r>
+              <a:r>
+                <a:rPr lang="ko-KR" altLang="en-US" sz="1467" dirty="0">
+                  <a:solidFill>
+                    <a:sysClr val="windowText" lastClr="000000"/>
+                  </a:solidFill>
+                </a:rPr>
+                <a:t>자리까지 자른다</a:t>
+              </a:r>
+              <a:endParaRPr lang="en-US" altLang="ko-KR" sz="1467" dirty="0">
+                <a:solidFill>
+                  <a:sysClr val="windowText" lastClr="000000"/>
+                </a:solidFill>
+              </a:endParaRPr>
+            </a:p>
+          </p:txBody>
+        </p:sp>
+        <p:cxnSp>
+          <p:nvCxnSpPr>
+            <p:cNvPr id="33" name="직선 화살표 연결선 32">
+              <a:extLst>
+                <a:ext uri="{FF2B5EF4-FFF2-40B4-BE49-F238E27FC236}">
+                  <a16:creationId xmlns:a16="http://schemas.microsoft.com/office/drawing/2014/main" id="{72BA5F4A-0D30-4BB0-BF2D-BE2B8472403B}"/>
+                </a:ext>
+              </a:extLst>
+            </p:cNvPr>
+            <p:cNvCxnSpPr>
+              <a:cxnSpLocks/>
+              <a:stCxn id="29" idx="2"/>
+              <a:endCxn id="34" idx="0"/>
+            </p:cNvCxnSpPr>
+            <p:nvPr/>
+          </p:nvCxnSpPr>
+          <p:spPr>
+            <a:xfrm flipH="1">
+              <a:off x="2192135" y="6667611"/>
+              <a:ext cx="4083" cy="343888"/>
+            </a:xfrm>
+            <a:prstGeom prst="straightConnector1">
+              <a:avLst/>
+            </a:prstGeom>
+            <a:ln>
+              <a:solidFill>
+                <a:schemeClr val="tx1"/>
+              </a:solidFill>
+              <a:tailEnd type="triangle"/>
+            </a:ln>
+          </p:spPr>
+          <p:style>
+            <a:lnRef idx="1">
+              <a:schemeClr val="accent1"/>
+            </a:lnRef>
+            <a:fillRef idx="0">
+              <a:schemeClr val="accent1"/>
+            </a:fillRef>
+            <a:effectRef idx="0">
+              <a:schemeClr val="accent1"/>
+            </a:effectRef>
+            <a:fontRef idx="minor">
+              <a:schemeClr val="tx1"/>
+            </a:fontRef>
+          </p:style>
+        </p:cxnSp>
+        <p:sp>
+          <p:nvSpPr>
+            <p:cNvPr id="34" name="다이아몬드 33">
+              <a:extLst>
+                <a:ext uri="{FF2B5EF4-FFF2-40B4-BE49-F238E27FC236}">
+                  <a16:creationId xmlns:a16="http://schemas.microsoft.com/office/drawing/2014/main" id="{6B47D9CB-952A-4ACB-965D-AE7F1FCE8449}"/>
+                </a:ext>
+              </a:extLst>
+            </p:cNvPr>
+            <p:cNvSpPr/>
+            <p:nvPr/>
+          </p:nvSpPr>
+          <p:spPr>
+            <a:xfrm>
+              <a:off x="177102" y="7011499"/>
+              <a:ext cx="4030066" cy="499557"/>
+            </a:xfrm>
+            <a:prstGeom prst="diamond">
+              <a:avLst/>
+            </a:prstGeom>
+            <a:noFill/>
+            <a:ln>
+              <a:solidFill>
+                <a:schemeClr val="tx1"/>
+              </a:solidFill>
+            </a:ln>
+          </p:spPr>
+          <p:style>
+            <a:lnRef idx="2">
+              <a:schemeClr val="accent1">
+                <a:shade val="50000"/>
+              </a:schemeClr>
+            </a:lnRef>
+            <a:fillRef idx="1">
+              <a:schemeClr val="accent1"/>
+            </a:fillRef>
+            <a:effectRef idx="0">
+              <a:schemeClr val="accent1"/>
+            </a:effectRef>
+            <a:fontRef idx="minor">
+              <a:schemeClr val="lt1"/>
+            </a:fontRef>
+          </p:style>
+          <p:txBody>
+            <a:bodyPr rtlCol="0" anchor="ctr"/>
+            <a:lstStyle/>
+            <a:p>
+              <a:pPr algn="ctr"/>
+              <a:r>
+                <a:rPr lang="ko-KR" altLang="en-US" sz="1467" dirty="0">
+                  <a:solidFill>
+                    <a:sysClr val="windowText" lastClr="000000"/>
+                  </a:solidFill>
+                </a:rPr>
+                <a:t>마지막 글자 </a:t>
+              </a:r>
+              <a:r>
+                <a:rPr lang="en-US" altLang="ko-KR" sz="1467" dirty="0">
+                  <a:solidFill>
+                    <a:sysClr val="windowText" lastClr="000000"/>
+                  </a:solidFill>
+                </a:rPr>
+                <a:t>== </a:t>
+              </a:r>
+              <a:r>
+                <a:rPr lang="ko-KR" altLang="en-US" sz="1467" dirty="0">
+                  <a:solidFill>
+                    <a:sysClr val="windowText" lastClr="000000"/>
+                  </a:solidFill>
+                </a:rPr>
+                <a:t>마침표</a:t>
+              </a:r>
+              <a:r>
+                <a:rPr lang="en-US" altLang="ko-KR" sz="1467" dirty="0">
+                  <a:solidFill>
+                    <a:sysClr val="windowText" lastClr="000000"/>
+                  </a:solidFill>
+                </a:rPr>
+                <a:t>?</a:t>
+              </a:r>
+            </a:p>
+          </p:txBody>
+        </p:sp>
+        <p:cxnSp>
+          <p:nvCxnSpPr>
+            <p:cNvPr id="40" name="직선 화살표 연결선 39">
+              <a:extLst>
+                <a:ext uri="{FF2B5EF4-FFF2-40B4-BE49-F238E27FC236}">
+                  <a16:creationId xmlns:a16="http://schemas.microsoft.com/office/drawing/2014/main" id="{5E5CB562-AE1B-4F8B-A2B8-68ED973A6D31}"/>
+                </a:ext>
+              </a:extLst>
+            </p:cNvPr>
+            <p:cNvCxnSpPr>
+              <a:cxnSpLocks/>
+              <a:stCxn id="34" idx="2"/>
+              <a:endCxn id="45" idx="0"/>
+            </p:cNvCxnSpPr>
+            <p:nvPr/>
+          </p:nvCxnSpPr>
+          <p:spPr>
+            <a:xfrm>
+              <a:off x="2192135" y="7511056"/>
+              <a:ext cx="0" cy="334610"/>
+            </a:xfrm>
+            <a:prstGeom prst="straightConnector1">
+              <a:avLst/>
+            </a:prstGeom>
+            <a:ln>
+              <a:solidFill>
+                <a:schemeClr val="tx1"/>
+              </a:solidFill>
+              <a:tailEnd type="triangle"/>
+            </a:ln>
+          </p:spPr>
+          <p:style>
+            <a:lnRef idx="1">
+              <a:schemeClr val="accent1"/>
+            </a:lnRef>
+            <a:fillRef idx="0">
+              <a:schemeClr val="accent1"/>
+            </a:fillRef>
+            <a:effectRef idx="0">
+              <a:schemeClr val="accent1"/>
+            </a:effectRef>
+            <a:fontRef idx="minor">
+              <a:schemeClr val="tx1"/>
+            </a:fontRef>
+          </p:style>
+        </p:cxnSp>
+        <p:sp>
+          <p:nvSpPr>
+            <p:cNvPr id="41" name="다이아몬드 40">
+              <a:extLst>
+                <a:ext uri="{FF2B5EF4-FFF2-40B4-BE49-F238E27FC236}">
+                  <a16:creationId xmlns:a16="http://schemas.microsoft.com/office/drawing/2014/main" id="{6A90D8BA-E51A-4ABE-8976-BD4D372A98D4}"/>
+                </a:ext>
+              </a:extLst>
+            </p:cNvPr>
+            <p:cNvSpPr/>
+            <p:nvPr/>
+          </p:nvSpPr>
+          <p:spPr>
+            <a:xfrm>
+              <a:off x="3640301" y="7854944"/>
+              <a:ext cx="2160000" cy="499557"/>
+            </a:xfrm>
+            <a:prstGeom prst="diamond">
+              <a:avLst/>
+            </a:prstGeom>
+            <a:noFill/>
+            <a:ln>
+              <a:solidFill>
+                <a:schemeClr val="tx1"/>
+              </a:solidFill>
+            </a:ln>
+          </p:spPr>
+          <p:style>
+            <a:lnRef idx="2">
+              <a:schemeClr val="accent1">
+                <a:shade val="50000"/>
+              </a:schemeClr>
+            </a:lnRef>
+            <a:fillRef idx="1">
+              <a:schemeClr val="accent1"/>
+            </a:fillRef>
+            <a:effectRef idx="0">
+              <a:schemeClr val="accent1"/>
+            </a:effectRef>
+            <a:fontRef idx="minor">
+              <a:schemeClr val="lt1"/>
+            </a:fontRef>
+          </p:style>
+          <p:txBody>
+            <a:bodyPr rtlCol="0" anchor="ctr"/>
+            <a:lstStyle/>
+            <a:p>
+              <a:pPr algn="ctr"/>
+              <a:r>
+                <a:rPr lang="en-US" altLang="ko-KR" sz="1467" dirty="0">
+                  <a:solidFill>
+                    <a:sysClr val="windowText" lastClr="000000"/>
+                  </a:solidFill>
+                </a:rPr>
+                <a:t>length</a:t>
+              </a:r>
+              <a:r>
+                <a:rPr lang="ko-KR" altLang="en-US" sz="1467" dirty="0">
+                  <a:solidFill>
+                    <a:sysClr val="windowText" lastClr="000000"/>
+                  </a:solidFill>
+                </a:rPr>
+                <a:t> </a:t>
+              </a:r>
+              <a:r>
+                <a:rPr lang="en-US" altLang="ko-KR" sz="1467" dirty="0">
+                  <a:solidFill>
+                    <a:sysClr val="windowText" lastClr="000000"/>
+                  </a:solidFill>
+                </a:rPr>
+                <a:t>&lt;=</a:t>
+              </a:r>
+              <a:r>
+                <a:rPr lang="ko-KR" altLang="en-US" sz="1467" dirty="0">
+                  <a:solidFill>
+                    <a:sysClr val="windowText" lastClr="000000"/>
+                  </a:solidFill>
+                </a:rPr>
+                <a:t> </a:t>
+              </a:r>
+              <a:r>
+                <a:rPr lang="en-US" altLang="ko-KR" sz="1467" dirty="0">
+                  <a:solidFill>
+                    <a:sysClr val="windowText" lastClr="000000"/>
+                  </a:solidFill>
+                </a:rPr>
+                <a:t>2</a:t>
+              </a:r>
+            </a:p>
+          </p:txBody>
+        </p:sp>
+        <p:sp>
+          <p:nvSpPr>
+            <p:cNvPr id="45" name="직사각형 44">
+              <a:extLst>
+                <a:ext uri="{FF2B5EF4-FFF2-40B4-BE49-F238E27FC236}">
+                  <a16:creationId xmlns:a16="http://schemas.microsoft.com/office/drawing/2014/main" id="{0D80D0AA-8A9C-4F8B-8FFF-E6C3E7AA642E}"/>
+                </a:ext>
+              </a:extLst>
+            </p:cNvPr>
+            <p:cNvSpPr/>
+            <p:nvPr/>
+          </p:nvSpPr>
+          <p:spPr>
+            <a:xfrm>
+              <a:off x="1112135" y="7845666"/>
+              <a:ext cx="2160000" cy="504000"/>
+            </a:xfrm>
+            <a:prstGeom prst="rect">
+              <a:avLst/>
+            </a:prstGeom>
+            <a:noFill/>
+            <a:ln>
+              <a:solidFill>
+                <a:schemeClr val="tx1"/>
+              </a:solidFill>
+            </a:ln>
+          </p:spPr>
+          <p:style>
+            <a:lnRef idx="2">
+              <a:schemeClr val="accent1">
+                <a:shade val="50000"/>
+              </a:schemeClr>
+            </a:lnRef>
+            <a:fillRef idx="1">
+              <a:schemeClr val="accent1"/>
+            </a:fillRef>
+            <a:effectRef idx="0">
+              <a:schemeClr val="accent1"/>
+            </a:effectRef>
+            <a:fontRef idx="minor">
+              <a:schemeClr val="lt1"/>
+            </a:fontRef>
+          </p:style>
+          <p:txBody>
+            <a:bodyPr rtlCol="0" anchor="ctr"/>
+            <a:lstStyle/>
+            <a:p>
+              <a:pPr algn="ctr"/>
+              <a:r>
+                <a:rPr lang="ko-KR" altLang="en-US" sz="1467" dirty="0">
+                  <a:solidFill>
+                    <a:sysClr val="windowText" lastClr="000000"/>
+                  </a:solidFill>
+                </a:rPr>
+                <a:t>마지막 마침표 제거</a:t>
+              </a:r>
+              <a:endParaRPr lang="en-US" altLang="ko-KR" sz="1467" dirty="0">
+                <a:solidFill>
+                  <a:sysClr val="windowText" lastClr="000000"/>
+                </a:solidFill>
+              </a:endParaRPr>
+            </a:p>
+          </p:txBody>
+        </p:sp>
+        <p:cxnSp>
+          <p:nvCxnSpPr>
+            <p:cNvPr id="39" name="연결선: 꺾임 38">
+              <a:extLst>
+                <a:ext uri="{FF2B5EF4-FFF2-40B4-BE49-F238E27FC236}">
+                  <a16:creationId xmlns:a16="http://schemas.microsoft.com/office/drawing/2014/main" id="{BC452F7A-FC43-4B37-9794-AFC85F17257E}"/>
+                </a:ext>
+              </a:extLst>
+            </p:cNvPr>
+            <p:cNvCxnSpPr>
+              <a:stCxn id="17" idx="3"/>
+              <a:endCxn id="34" idx="3"/>
+            </p:cNvCxnSpPr>
+            <p:nvPr/>
+          </p:nvCxnSpPr>
+          <p:spPr>
+            <a:xfrm>
+              <a:off x="3276218" y="5567651"/>
+              <a:ext cx="930950" cy="1693627"/>
+            </a:xfrm>
+            <a:prstGeom prst="bentConnector3">
+              <a:avLst>
+                <a:gd name="adj1" fmla="val 124556"/>
+              </a:avLst>
+            </a:prstGeom>
+            <a:ln>
+              <a:solidFill>
+                <a:schemeClr val="tx1"/>
+              </a:solidFill>
+              <a:tailEnd type="triangle"/>
+            </a:ln>
+          </p:spPr>
+          <p:style>
+            <a:lnRef idx="1">
+              <a:schemeClr val="accent1"/>
+            </a:lnRef>
+            <a:fillRef idx="0">
+              <a:schemeClr val="accent1"/>
+            </a:fillRef>
+            <a:effectRef idx="0">
+              <a:schemeClr val="accent1"/>
+            </a:effectRef>
+            <a:fontRef idx="minor">
+              <a:schemeClr val="tx1"/>
+            </a:fontRef>
+          </p:style>
+        </p:cxnSp>
+        <p:sp>
+          <p:nvSpPr>
+            <p:cNvPr id="46" name="TextBox 45">
+              <a:extLst>
+                <a:ext uri="{FF2B5EF4-FFF2-40B4-BE49-F238E27FC236}">
+                  <a16:creationId xmlns:a16="http://schemas.microsoft.com/office/drawing/2014/main" id="{F0645449-53FC-4F2A-A38F-7EF8EE73E48A}"/>
+                </a:ext>
+              </a:extLst>
+            </p:cNvPr>
+            <p:cNvSpPr txBox="1"/>
+            <p:nvPr/>
+          </p:nvSpPr>
+          <p:spPr>
+            <a:xfrm>
+              <a:off x="3297052" y="4430999"/>
+              <a:ext cx="417538" cy="322705"/>
+            </a:xfrm>
+            <a:prstGeom prst="rect">
+              <a:avLst/>
+            </a:prstGeom>
+            <a:noFill/>
+          </p:spPr>
+          <p:txBody>
+            <a:bodyPr wrap="square" lIns="48000" tIns="48000" rIns="48000" bIns="48000" rtlCol="0">
+              <a:spAutoFit/>
+            </a:bodyPr>
+            <a:lstStyle/>
+            <a:p>
+              <a:r>
+                <a:rPr lang="en-US" altLang="ko-KR" sz="1467" dirty="0"/>
+                <a:t>true</a:t>
+              </a:r>
+              <a:endParaRPr lang="ko-KR" altLang="en-US" sz="1467" dirty="0"/>
+            </a:p>
+          </p:txBody>
+        </p:sp>
+        <p:sp>
+          <p:nvSpPr>
+            <p:cNvPr id="47" name="TextBox 46">
+              <a:extLst>
+                <a:ext uri="{FF2B5EF4-FFF2-40B4-BE49-F238E27FC236}">
+                  <a16:creationId xmlns:a16="http://schemas.microsoft.com/office/drawing/2014/main" id="{A1797B42-FA60-4F8C-B75B-E727DCFF3780}"/>
+                </a:ext>
+              </a:extLst>
+            </p:cNvPr>
+            <p:cNvSpPr txBox="1"/>
+            <p:nvPr/>
+          </p:nvSpPr>
+          <p:spPr>
+            <a:xfrm>
+              <a:off x="2318680" y="5812920"/>
+              <a:ext cx="417538" cy="322705"/>
+            </a:xfrm>
+            <a:prstGeom prst="rect">
+              <a:avLst/>
+            </a:prstGeom>
+            <a:noFill/>
+          </p:spPr>
+          <p:txBody>
+            <a:bodyPr wrap="square" lIns="48000" tIns="48000" rIns="48000" bIns="48000" rtlCol="0">
+              <a:spAutoFit/>
+            </a:bodyPr>
+            <a:lstStyle/>
+            <a:p>
+              <a:r>
+                <a:rPr lang="en-US" altLang="ko-KR" sz="1467" dirty="0"/>
+                <a:t>true</a:t>
+              </a:r>
+              <a:endParaRPr lang="ko-KR" altLang="en-US" sz="1467" dirty="0"/>
+            </a:p>
+          </p:txBody>
+        </p:sp>
+        <p:sp>
+          <p:nvSpPr>
+            <p:cNvPr id="48" name="TextBox 47">
+              <a:extLst>
+                <a:ext uri="{FF2B5EF4-FFF2-40B4-BE49-F238E27FC236}">
+                  <a16:creationId xmlns:a16="http://schemas.microsoft.com/office/drawing/2014/main" id="{101077DD-5B4E-43DB-A236-4105B54175CF}"/>
+                </a:ext>
+              </a:extLst>
+            </p:cNvPr>
+            <p:cNvSpPr txBox="1"/>
+            <p:nvPr/>
+          </p:nvSpPr>
+          <p:spPr>
+            <a:xfrm>
+              <a:off x="2281835" y="7511056"/>
+              <a:ext cx="417538" cy="322705"/>
+            </a:xfrm>
+            <a:prstGeom prst="rect">
+              <a:avLst/>
+            </a:prstGeom>
+            <a:noFill/>
+          </p:spPr>
+          <p:txBody>
+            <a:bodyPr wrap="square" lIns="48000" tIns="48000" rIns="48000" bIns="48000" rtlCol="0">
+              <a:spAutoFit/>
+            </a:bodyPr>
+            <a:lstStyle/>
+            <a:p>
+              <a:r>
+                <a:rPr lang="en-US" altLang="ko-KR" sz="1467" dirty="0"/>
+                <a:t>true</a:t>
+              </a:r>
+              <a:endParaRPr lang="ko-KR" altLang="en-US" sz="1467" dirty="0"/>
+            </a:p>
+          </p:txBody>
+        </p:sp>
+        <p:cxnSp>
+          <p:nvCxnSpPr>
+            <p:cNvPr id="50" name="직선 화살표 연결선 49">
+              <a:extLst>
+                <a:ext uri="{FF2B5EF4-FFF2-40B4-BE49-F238E27FC236}">
+                  <a16:creationId xmlns:a16="http://schemas.microsoft.com/office/drawing/2014/main" id="{CBF19B57-6B57-4E8D-AD73-2FEE1229BD4A}"/>
+                </a:ext>
+              </a:extLst>
+            </p:cNvPr>
+            <p:cNvCxnSpPr>
+              <a:stCxn id="45" idx="3"/>
+              <a:endCxn id="41" idx="1"/>
+            </p:cNvCxnSpPr>
+            <p:nvPr/>
+          </p:nvCxnSpPr>
+          <p:spPr>
+            <a:xfrm>
+              <a:off x="3272135" y="8097666"/>
+              <a:ext cx="368166" cy="7057"/>
+            </a:xfrm>
+            <a:prstGeom prst="straightConnector1">
+              <a:avLst/>
+            </a:prstGeom>
+            <a:ln>
+              <a:solidFill>
+                <a:schemeClr val="tx1"/>
+              </a:solidFill>
+              <a:tailEnd type="triangle"/>
+            </a:ln>
+          </p:spPr>
+          <p:style>
+            <a:lnRef idx="1">
+              <a:schemeClr val="accent1"/>
+            </a:lnRef>
+            <a:fillRef idx="0">
+              <a:schemeClr val="accent1"/>
+            </a:fillRef>
+            <a:effectRef idx="0">
+              <a:schemeClr val="accent1"/>
+            </a:effectRef>
+            <a:fontRef idx="minor">
+              <a:schemeClr val="tx1"/>
+            </a:fontRef>
+          </p:style>
+        </p:cxnSp>
+        <p:cxnSp>
+          <p:nvCxnSpPr>
+            <p:cNvPr id="51" name="직선 화살표 연결선 50">
+              <a:extLst>
+                <a:ext uri="{FF2B5EF4-FFF2-40B4-BE49-F238E27FC236}">
+                  <a16:creationId xmlns:a16="http://schemas.microsoft.com/office/drawing/2014/main" id="{87D37209-0323-407F-B20B-03446FA1B1D4}"/>
+                </a:ext>
+              </a:extLst>
+            </p:cNvPr>
+            <p:cNvCxnSpPr>
+              <a:cxnSpLocks/>
+              <a:stCxn id="41" idx="2"/>
+              <a:endCxn id="52" idx="0"/>
+            </p:cNvCxnSpPr>
+            <p:nvPr/>
+          </p:nvCxnSpPr>
+          <p:spPr>
+            <a:xfrm>
+              <a:off x="4720301" y="8354501"/>
+              <a:ext cx="0" cy="324667"/>
+            </a:xfrm>
+            <a:prstGeom prst="straightConnector1">
+              <a:avLst/>
+            </a:prstGeom>
+            <a:ln>
+              <a:solidFill>
+                <a:schemeClr val="tx1"/>
+              </a:solidFill>
+              <a:tailEnd type="triangle"/>
+            </a:ln>
+          </p:spPr>
+          <p:style>
+            <a:lnRef idx="1">
+              <a:schemeClr val="accent1"/>
+            </a:lnRef>
+            <a:fillRef idx="0">
+              <a:schemeClr val="accent1"/>
+            </a:fillRef>
+            <a:effectRef idx="0">
+              <a:schemeClr val="accent1"/>
+            </a:effectRef>
+            <a:fontRef idx="minor">
+              <a:schemeClr val="tx1"/>
+            </a:fontRef>
+          </p:style>
+        </p:cxnSp>
+        <p:sp>
+          <p:nvSpPr>
+            <p:cNvPr id="52" name="직사각형 51">
+              <a:extLst>
+                <a:ext uri="{FF2B5EF4-FFF2-40B4-BE49-F238E27FC236}">
+                  <a16:creationId xmlns:a16="http://schemas.microsoft.com/office/drawing/2014/main" id="{808083FC-5B4C-4960-ABEB-E1F562386BD8}"/>
+                </a:ext>
+              </a:extLst>
+            </p:cNvPr>
+            <p:cNvSpPr/>
+            <p:nvPr/>
+          </p:nvSpPr>
+          <p:spPr>
+            <a:xfrm>
+              <a:off x="3280301" y="8679168"/>
+              <a:ext cx="2880000" cy="504000"/>
+            </a:xfrm>
+            <a:prstGeom prst="rect">
+              <a:avLst/>
+            </a:prstGeom>
+            <a:noFill/>
+            <a:ln>
+              <a:solidFill>
+                <a:schemeClr val="tx1"/>
+              </a:solidFill>
+            </a:ln>
+          </p:spPr>
+          <p:style>
+            <a:lnRef idx="2">
+              <a:schemeClr val="accent1">
+                <a:shade val="50000"/>
+              </a:schemeClr>
+            </a:lnRef>
+            <a:fillRef idx="1">
+              <a:schemeClr val="accent1"/>
+            </a:fillRef>
+            <a:effectRef idx="0">
+              <a:schemeClr val="accent1"/>
+            </a:effectRef>
+            <a:fontRef idx="minor">
+              <a:schemeClr val="lt1"/>
+            </a:fontRef>
+          </p:style>
+          <p:txBody>
+            <a:bodyPr rtlCol="0" anchor="ctr"/>
+            <a:lstStyle/>
+            <a:p>
+              <a:pPr algn="ctr"/>
+              <a:r>
+                <a:rPr lang="ko-KR" altLang="en-US" sz="1467" dirty="0">
+                  <a:solidFill>
+                    <a:sysClr val="windowText" lastClr="000000"/>
+                  </a:solidFill>
+                </a:rPr>
+                <a:t>마지막 문자를 </a:t>
+              </a:r>
+              <a:r>
+                <a:rPr lang="en-US" altLang="ko-KR" sz="1467" dirty="0">
+                  <a:solidFill>
+                    <a:sysClr val="windowText" lastClr="000000"/>
+                  </a:solidFill>
+                </a:rPr>
+                <a:t>length</a:t>
+              </a:r>
+              <a:r>
+                <a:rPr lang="ko-KR" altLang="en-US" sz="1467" dirty="0">
+                  <a:solidFill>
+                    <a:sysClr val="windowText" lastClr="000000"/>
+                  </a:solidFill>
+                </a:rPr>
+                <a:t>가 </a:t>
+              </a:r>
+              <a:r>
+                <a:rPr lang="en-US" altLang="ko-KR" sz="1467" dirty="0">
+                  <a:solidFill>
+                    <a:sysClr val="windowText" lastClr="000000"/>
+                  </a:solidFill>
+                </a:rPr>
+                <a:t>3</a:t>
+              </a:r>
+              <a:r>
+                <a:rPr lang="ko-KR" altLang="en-US" sz="1467" dirty="0">
+                  <a:solidFill>
+                    <a:sysClr val="windowText" lastClr="000000"/>
+                  </a:solidFill>
+                </a:rPr>
+                <a:t>이 될 때까지 붙인다</a:t>
+              </a:r>
+              <a:endParaRPr lang="en-US" altLang="ko-KR" sz="1467" dirty="0">
+                <a:solidFill>
+                  <a:sysClr val="windowText" lastClr="000000"/>
+                </a:solidFill>
+              </a:endParaRPr>
+            </a:p>
+          </p:txBody>
+        </p:sp>
+        <p:sp>
+          <p:nvSpPr>
+            <p:cNvPr id="53" name="TextBox 52">
+              <a:extLst>
+                <a:ext uri="{FF2B5EF4-FFF2-40B4-BE49-F238E27FC236}">
+                  <a16:creationId xmlns:a16="http://schemas.microsoft.com/office/drawing/2014/main" id="{4DDD9770-FD4E-477A-9159-A9984E0C4ECB}"/>
+                </a:ext>
+              </a:extLst>
+            </p:cNvPr>
+            <p:cNvSpPr txBox="1"/>
+            <p:nvPr/>
+          </p:nvSpPr>
+          <p:spPr>
+            <a:xfrm>
+              <a:off x="4842763" y="8344558"/>
+              <a:ext cx="417538" cy="322705"/>
+            </a:xfrm>
+            <a:prstGeom prst="rect">
+              <a:avLst/>
+            </a:prstGeom>
+            <a:noFill/>
+          </p:spPr>
+          <p:txBody>
+            <a:bodyPr wrap="square" lIns="48000" tIns="48000" rIns="48000" bIns="48000" rtlCol="0">
+              <a:spAutoFit/>
+            </a:bodyPr>
+            <a:lstStyle/>
+            <a:p>
+              <a:r>
+                <a:rPr lang="en-US" altLang="ko-KR" sz="1467" dirty="0"/>
+                <a:t>true</a:t>
+              </a:r>
+              <a:endParaRPr lang="ko-KR" altLang="en-US" sz="1467" dirty="0"/>
+            </a:p>
+          </p:txBody>
+        </p:sp>
+      </p:grpSp>
+    </p:spTree>
+    <p:extLst>
+      <p:ext uri="{BB962C8B-B14F-4D97-AF65-F5344CB8AC3E}">
+        <p14:creationId xmlns:p14="http://schemas.microsoft.com/office/powerpoint/2010/main" val="1623382587"/>
       </p:ext>
     </p:extLst>
   </p:cSld>

--- a/알고리즘_프로그래머스_Level01_순서도.pptx
+++ b/알고리즘_프로그래머스_Level01_순서도.pptx
@@ -35,6 +35,7 @@
     <p:sldId id="288" r:id="rId29"/>
     <p:sldId id="289" r:id="rId30"/>
     <p:sldId id="290" r:id="rId31"/>
+    <p:sldId id="291" r:id="rId32"/>
   </p:sldIdLst>
   <p:sldSz cx="6858000" cy="9144000" type="screen4x3"/>
   <p:notesSz cx="6858000" cy="9144000"/>
@@ -272,7 +273,7 @@
           <a:p>
             <a:fld id="{274DCB2C-481A-4B20-92AC-CEC756183F8E}" type="datetimeFigureOut">
               <a:rPr lang="ko-KR" altLang="en-US" smtClean="0"/>
-              <a:t>2021-01-28</a:t>
+              <a:t>2021-01-29</a:t>
             </a:fld>
             <a:endParaRPr lang="ko-KR" altLang="en-US"/>
           </a:p>
@@ -442,7 +443,7 @@
           <a:p>
             <a:fld id="{274DCB2C-481A-4B20-92AC-CEC756183F8E}" type="datetimeFigureOut">
               <a:rPr lang="ko-KR" altLang="en-US" smtClean="0"/>
-              <a:t>2021-01-28</a:t>
+              <a:t>2021-01-29</a:t>
             </a:fld>
             <a:endParaRPr lang="ko-KR" altLang="en-US"/>
           </a:p>
@@ -622,7 +623,7 @@
           <a:p>
             <a:fld id="{274DCB2C-481A-4B20-92AC-CEC756183F8E}" type="datetimeFigureOut">
               <a:rPr lang="ko-KR" altLang="en-US" smtClean="0"/>
-              <a:t>2021-01-28</a:t>
+              <a:t>2021-01-29</a:t>
             </a:fld>
             <a:endParaRPr lang="ko-KR" altLang="en-US"/>
           </a:p>
@@ -792,7 +793,7 @@
           <a:p>
             <a:fld id="{274DCB2C-481A-4B20-92AC-CEC756183F8E}" type="datetimeFigureOut">
               <a:rPr lang="ko-KR" altLang="en-US" smtClean="0"/>
-              <a:t>2021-01-28</a:t>
+              <a:t>2021-01-29</a:t>
             </a:fld>
             <a:endParaRPr lang="ko-KR" altLang="en-US"/>
           </a:p>
@@ -1036,7 +1037,7 @@
           <a:p>
             <a:fld id="{274DCB2C-481A-4B20-92AC-CEC756183F8E}" type="datetimeFigureOut">
               <a:rPr lang="ko-KR" altLang="en-US" smtClean="0"/>
-              <a:t>2021-01-28</a:t>
+              <a:t>2021-01-29</a:t>
             </a:fld>
             <a:endParaRPr lang="ko-KR" altLang="en-US"/>
           </a:p>
@@ -1268,7 +1269,7 @@
           <a:p>
             <a:fld id="{274DCB2C-481A-4B20-92AC-CEC756183F8E}" type="datetimeFigureOut">
               <a:rPr lang="ko-KR" altLang="en-US" smtClean="0"/>
-              <a:t>2021-01-28</a:t>
+              <a:t>2021-01-29</a:t>
             </a:fld>
             <a:endParaRPr lang="ko-KR" altLang="en-US"/>
           </a:p>
@@ -1635,7 +1636,7 @@
           <a:p>
             <a:fld id="{274DCB2C-481A-4B20-92AC-CEC756183F8E}" type="datetimeFigureOut">
               <a:rPr lang="ko-KR" altLang="en-US" smtClean="0"/>
-              <a:t>2021-01-28</a:t>
+              <a:t>2021-01-29</a:t>
             </a:fld>
             <a:endParaRPr lang="ko-KR" altLang="en-US"/>
           </a:p>
@@ -1753,7 +1754,7 @@
           <a:p>
             <a:fld id="{274DCB2C-481A-4B20-92AC-CEC756183F8E}" type="datetimeFigureOut">
               <a:rPr lang="ko-KR" altLang="en-US" smtClean="0"/>
-              <a:t>2021-01-28</a:t>
+              <a:t>2021-01-29</a:t>
             </a:fld>
             <a:endParaRPr lang="ko-KR" altLang="en-US"/>
           </a:p>
@@ -1848,7 +1849,7 @@
           <a:p>
             <a:fld id="{274DCB2C-481A-4B20-92AC-CEC756183F8E}" type="datetimeFigureOut">
               <a:rPr lang="ko-KR" altLang="en-US" smtClean="0"/>
-              <a:t>2021-01-28</a:t>
+              <a:t>2021-01-29</a:t>
             </a:fld>
             <a:endParaRPr lang="ko-KR" altLang="en-US"/>
           </a:p>
@@ -2125,7 +2126,7 @@
           <a:p>
             <a:fld id="{274DCB2C-481A-4B20-92AC-CEC756183F8E}" type="datetimeFigureOut">
               <a:rPr lang="ko-KR" altLang="en-US" smtClean="0"/>
-              <a:t>2021-01-28</a:t>
+              <a:t>2021-01-29</a:t>
             </a:fld>
             <a:endParaRPr lang="ko-KR" altLang="en-US"/>
           </a:p>
@@ -2382,7 +2383,7 @@
           <a:p>
             <a:fld id="{274DCB2C-481A-4B20-92AC-CEC756183F8E}" type="datetimeFigureOut">
               <a:rPr lang="ko-KR" altLang="en-US" smtClean="0"/>
-              <a:t>2021-01-28</a:t>
+              <a:t>2021-01-29</a:t>
             </a:fld>
             <a:endParaRPr lang="ko-KR" altLang="en-US"/>
           </a:p>
@@ -2595,7 +2596,7 @@
           <a:p>
             <a:fld id="{274DCB2C-481A-4B20-92AC-CEC756183F8E}" type="datetimeFigureOut">
               <a:rPr lang="ko-KR" altLang="en-US" smtClean="0"/>
-              <a:t>2021-01-28</a:t>
+              <a:t>2021-01-29</a:t>
             </a:fld>
             <a:endParaRPr lang="ko-KR" altLang="en-US"/>
           </a:p>
@@ -24920,6 +24921,454 @@
 </p:sld>
 </file>
 
+<file path=ppt/slides/slide31.xml><?xml version="1.0" encoding="utf-8"?>
+<p:sld xmlns:a="http://schemas.openxmlformats.org/drawingml/2006/main" xmlns:r="http://schemas.openxmlformats.org/officeDocument/2006/relationships" xmlns:p="http://schemas.openxmlformats.org/presentationml/2006/main">
+  <p:cSld>
+    <p:spTree>
+      <p:nvGrpSpPr>
+        <p:cNvPr id="1" name=""/>
+        <p:cNvGrpSpPr/>
+        <p:nvPr/>
+      </p:nvGrpSpPr>
+      <p:grpSpPr>
+        <a:xfrm>
+          <a:off x="0" y="0"/>
+          <a:ext cx="0" cy="0"/>
+          <a:chOff x="0" y="0"/>
+          <a:chExt cx="0" cy="0"/>
+        </a:xfrm>
+      </p:grpSpPr>
+      <p:sp>
+        <p:nvSpPr>
+          <p:cNvPr id="4" name="제목 3">
+            <a:extLst>
+              <a:ext uri="{FF2B5EF4-FFF2-40B4-BE49-F238E27FC236}">
+                <a16:creationId xmlns:a16="http://schemas.microsoft.com/office/drawing/2014/main" id="{30BAC889-89EF-449A-A9AB-0AA582E87CB5}"/>
+              </a:ext>
+            </a:extLst>
+          </p:cNvPr>
+          <p:cNvSpPr>
+            <a:spLocks noGrp="1"/>
+          </p:cNvSpPr>
+          <p:nvPr>
+            <p:ph type="title"/>
+          </p:nvPr>
+        </p:nvSpPr>
+        <p:spPr/>
+        <p:txBody>
+          <a:bodyPr/>
+          <a:lstStyle/>
+          <a:p>
+            <a:r>
+              <a:rPr lang="ko-KR" altLang="en-US" dirty="0"/>
+              <a:t>핸드폰 번호 가리기 </a:t>
+            </a:r>
+            <a:r>
+              <a:rPr lang="en-US" altLang="ko-KR" dirty="0"/>
+              <a:t>(01.29)</a:t>
+            </a:r>
+            <a:endParaRPr lang="ko-KR" altLang="en-US" dirty="0"/>
+          </a:p>
+        </p:txBody>
+      </p:sp>
+      <p:grpSp>
+        <p:nvGrpSpPr>
+          <p:cNvPr id="6" name="그룹 5">
+            <a:extLst>
+              <a:ext uri="{FF2B5EF4-FFF2-40B4-BE49-F238E27FC236}">
+                <a16:creationId xmlns:a16="http://schemas.microsoft.com/office/drawing/2014/main" id="{55A94D0D-0552-475B-81B9-A127BB5B201E}"/>
+              </a:ext>
+            </a:extLst>
+          </p:cNvPr>
+          <p:cNvGrpSpPr/>
+          <p:nvPr/>
+        </p:nvGrpSpPr>
+        <p:grpSpPr>
+          <a:xfrm>
+            <a:off x="355520" y="1175678"/>
+            <a:ext cx="3600000" cy="2213808"/>
+            <a:chOff x="355520" y="1175678"/>
+            <a:chExt cx="3600000" cy="2213808"/>
+          </a:xfrm>
+        </p:grpSpPr>
+        <p:sp>
+          <p:nvSpPr>
+            <p:cNvPr id="26" name="직사각형 25">
+              <a:extLst>
+                <a:ext uri="{FF2B5EF4-FFF2-40B4-BE49-F238E27FC236}">
+                  <a16:creationId xmlns:a16="http://schemas.microsoft.com/office/drawing/2014/main" id="{9DEB928F-454D-4054-997B-6797697CBACA}"/>
+                </a:ext>
+              </a:extLst>
+            </p:cNvPr>
+            <p:cNvSpPr/>
+            <p:nvPr/>
+          </p:nvSpPr>
+          <p:spPr>
+            <a:xfrm>
+              <a:off x="355520" y="1175678"/>
+              <a:ext cx="3600000" cy="504000"/>
+            </a:xfrm>
+            <a:prstGeom prst="rect">
+              <a:avLst/>
+            </a:prstGeom>
+            <a:noFill/>
+            <a:ln>
+              <a:solidFill>
+                <a:schemeClr val="tx1"/>
+              </a:solidFill>
+            </a:ln>
+          </p:spPr>
+          <p:style>
+            <a:lnRef idx="2">
+              <a:schemeClr val="accent1">
+                <a:shade val="50000"/>
+              </a:schemeClr>
+            </a:lnRef>
+            <a:fillRef idx="1">
+              <a:schemeClr val="accent1"/>
+            </a:fillRef>
+            <a:effectRef idx="0">
+              <a:schemeClr val="accent1"/>
+            </a:effectRef>
+            <a:fontRef idx="minor">
+              <a:schemeClr val="lt1"/>
+            </a:fontRef>
+          </p:style>
+          <p:txBody>
+            <a:bodyPr rtlCol="0" anchor="ctr"/>
+            <a:lstStyle/>
+            <a:p>
+              <a:pPr algn="ctr"/>
+              <a:r>
+                <a:rPr lang="ko-KR" altLang="en-US" sz="1467" dirty="0">
+                  <a:solidFill>
+                    <a:sysClr val="windowText" lastClr="000000"/>
+                  </a:solidFill>
+                </a:rPr>
+                <a:t>핸드폰 번호를</a:t>
+              </a:r>
+              <a:endParaRPr lang="en-US" altLang="ko-KR" sz="1467" dirty="0">
+                <a:solidFill>
+                  <a:sysClr val="windowText" lastClr="000000"/>
+                </a:solidFill>
+              </a:endParaRPr>
+            </a:p>
+            <a:p>
+              <a:pPr algn="ctr"/>
+              <a:r>
+                <a:rPr lang="ko-KR" altLang="en-US" sz="1467" dirty="0">
+                  <a:solidFill>
+                    <a:sysClr val="windowText" lastClr="000000"/>
+                  </a:solidFill>
+                </a:rPr>
+                <a:t>마지막 </a:t>
+              </a:r>
+              <a:r>
+                <a:rPr lang="en-US" altLang="ko-KR" sz="1467" dirty="0">
+                  <a:solidFill>
+                    <a:sysClr val="windowText" lastClr="000000"/>
+                  </a:solidFill>
+                </a:rPr>
+                <a:t>4</a:t>
+              </a:r>
+              <a:r>
+                <a:rPr lang="ko-KR" altLang="en-US" sz="1467" dirty="0">
+                  <a:solidFill>
+                    <a:sysClr val="windowText" lastClr="000000"/>
+                  </a:solidFill>
+                </a:rPr>
+                <a:t>자리와 앞부분으로 나눈다</a:t>
+              </a:r>
+              <a:endParaRPr lang="en-US" altLang="ko-KR" sz="1467" dirty="0">
+                <a:solidFill>
+                  <a:sysClr val="windowText" lastClr="000000"/>
+                </a:solidFill>
+              </a:endParaRPr>
+            </a:p>
+          </p:txBody>
+        </p:sp>
+        <p:cxnSp>
+          <p:nvCxnSpPr>
+            <p:cNvPr id="27" name="직선 화살표 연결선 26">
+              <a:extLst>
+                <a:ext uri="{FF2B5EF4-FFF2-40B4-BE49-F238E27FC236}">
+                  <a16:creationId xmlns:a16="http://schemas.microsoft.com/office/drawing/2014/main" id="{53F80733-E232-40CC-B923-DC305205CDFC}"/>
+                </a:ext>
+              </a:extLst>
+            </p:cNvPr>
+            <p:cNvCxnSpPr>
+              <a:cxnSpLocks/>
+              <a:stCxn id="26" idx="2"/>
+              <a:endCxn id="13" idx="0"/>
+            </p:cNvCxnSpPr>
+            <p:nvPr/>
+          </p:nvCxnSpPr>
+          <p:spPr>
+            <a:xfrm>
+              <a:off x="2155520" y="1679678"/>
+              <a:ext cx="0" cy="364068"/>
+            </a:xfrm>
+            <a:prstGeom prst="straightConnector1">
+              <a:avLst/>
+            </a:prstGeom>
+            <a:ln>
+              <a:solidFill>
+                <a:schemeClr val="tx1"/>
+              </a:solidFill>
+              <a:tailEnd type="triangle"/>
+            </a:ln>
+          </p:spPr>
+          <p:style>
+            <a:lnRef idx="1">
+              <a:schemeClr val="accent1"/>
+            </a:lnRef>
+            <a:fillRef idx="0">
+              <a:schemeClr val="accent1"/>
+            </a:fillRef>
+            <a:effectRef idx="0">
+              <a:schemeClr val="accent1"/>
+            </a:effectRef>
+            <a:fontRef idx="minor">
+              <a:schemeClr val="tx1"/>
+            </a:fontRef>
+          </p:style>
+        </p:cxnSp>
+        <p:sp>
+          <p:nvSpPr>
+            <p:cNvPr id="17" name="직사각형 16">
+              <a:extLst>
+                <a:ext uri="{FF2B5EF4-FFF2-40B4-BE49-F238E27FC236}">
+                  <a16:creationId xmlns:a16="http://schemas.microsoft.com/office/drawing/2014/main" id="{8F5E4B63-568F-4C3A-8985-662C568AA49B}"/>
+                </a:ext>
+              </a:extLst>
+            </p:cNvPr>
+            <p:cNvSpPr/>
+            <p:nvPr/>
+          </p:nvSpPr>
+          <p:spPr>
+            <a:xfrm>
+              <a:off x="355520" y="2885486"/>
+              <a:ext cx="3600000" cy="504000"/>
+            </a:xfrm>
+            <a:prstGeom prst="rect">
+              <a:avLst/>
+            </a:prstGeom>
+            <a:noFill/>
+            <a:ln>
+              <a:solidFill>
+                <a:schemeClr val="tx1"/>
+              </a:solidFill>
+            </a:ln>
+          </p:spPr>
+          <p:style>
+            <a:lnRef idx="2">
+              <a:schemeClr val="accent1">
+                <a:shade val="50000"/>
+              </a:schemeClr>
+            </a:lnRef>
+            <a:fillRef idx="1">
+              <a:schemeClr val="accent1"/>
+            </a:fillRef>
+            <a:effectRef idx="0">
+              <a:schemeClr val="accent1"/>
+            </a:effectRef>
+            <a:fontRef idx="minor">
+              <a:schemeClr val="lt1"/>
+            </a:fontRef>
+          </p:style>
+          <p:txBody>
+            <a:bodyPr rtlCol="0" anchor="ctr"/>
+            <a:lstStyle/>
+            <a:p>
+              <a:pPr algn="ctr"/>
+              <a:r>
+                <a:rPr lang="ko-KR" altLang="en-US" sz="1467" dirty="0">
+                  <a:solidFill>
+                    <a:sysClr val="windowText" lastClr="000000"/>
+                  </a:solidFill>
+                </a:rPr>
+                <a:t>변경된 </a:t>
+              </a:r>
+              <a:r>
+                <a:rPr lang="en-US" altLang="ko-KR" sz="1467" dirty="0">
+                  <a:solidFill>
+                    <a:sysClr val="windowText" lastClr="000000"/>
+                  </a:solidFill>
+                </a:rPr>
+                <a:t>* </a:t>
+              </a:r>
+              <a:r>
+                <a:rPr lang="ko-KR" altLang="en-US" sz="1467" dirty="0">
+                  <a:solidFill>
+                    <a:sysClr val="windowText" lastClr="000000"/>
+                  </a:solidFill>
+                </a:rPr>
+                <a:t>과 마지막 </a:t>
+              </a:r>
+              <a:r>
+                <a:rPr lang="en-US" altLang="ko-KR" sz="1467" dirty="0">
+                  <a:solidFill>
+                    <a:sysClr val="windowText" lastClr="000000"/>
+                  </a:solidFill>
+                </a:rPr>
+                <a:t>4</a:t>
+              </a:r>
+              <a:r>
+                <a:rPr lang="ko-KR" altLang="en-US" sz="1467" dirty="0">
+                  <a:solidFill>
+                    <a:sysClr val="windowText" lastClr="000000"/>
+                  </a:solidFill>
+                </a:rPr>
+                <a:t>자리를 붙인다</a:t>
+              </a:r>
+              <a:endParaRPr lang="en-US" altLang="ko-KR" sz="1467" dirty="0">
+                <a:solidFill>
+                  <a:sysClr val="windowText" lastClr="000000"/>
+                </a:solidFill>
+              </a:endParaRPr>
+            </a:p>
+          </p:txBody>
+        </p:sp>
+        <p:cxnSp>
+          <p:nvCxnSpPr>
+            <p:cNvPr id="18" name="직선 화살표 연결선 17">
+              <a:extLst>
+                <a:ext uri="{FF2B5EF4-FFF2-40B4-BE49-F238E27FC236}">
+                  <a16:creationId xmlns:a16="http://schemas.microsoft.com/office/drawing/2014/main" id="{57C6C074-1C35-4E36-821B-AC7CAE6E22CD}"/>
+                </a:ext>
+              </a:extLst>
+            </p:cNvPr>
+            <p:cNvCxnSpPr>
+              <a:cxnSpLocks/>
+              <a:stCxn id="13" idx="2"/>
+              <a:endCxn id="17" idx="0"/>
+            </p:cNvCxnSpPr>
+            <p:nvPr/>
+          </p:nvCxnSpPr>
+          <p:spPr>
+            <a:xfrm>
+              <a:off x="2155520" y="2547746"/>
+              <a:ext cx="0" cy="337740"/>
+            </a:xfrm>
+            <a:prstGeom prst="straightConnector1">
+              <a:avLst/>
+            </a:prstGeom>
+            <a:ln>
+              <a:solidFill>
+                <a:schemeClr val="tx1"/>
+              </a:solidFill>
+              <a:tailEnd type="triangle"/>
+            </a:ln>
+          </p:spPr>
+          <p:style>
+            <a:lnRef idx="1">
+              <a:schemeClr val="accent1"/>
+            </a:lnRef>
+            <a:fillRef idx="0">
+              <a:schemeClr val="accent1"/>
+            </a:fillRef>
+            <a:effectRef idx="0">
+              <a:schemeClr val="accent1"/>
+            </a:effectRef>
+            <a:fontRef idx="minor">
+              <a:schemeClr val="tx1"/>
+            </a:fontRef>
+          </p:style>
+        </p:cxnSp>
+        <p:sp>
+          <p:nvSpPr>
+            <p:cNvPr id="13" name="직사각형 12">
+              <a:extLst>
+                <a:ext uri="{FF2B5EF4-FFF2-40B4-BE49-F238E27FC236}">
+                  <a16:creationId xmlns:a16="http://schemas.microsoft.com/office/drawing/2014/main" id="{50ED35D7-ACED-4BB9-84B7-C2FF7242E286}"/>
+                </a:ext>
+              </a:extLst>
+            </p:cNvPr>
+            <p:cNvSpPr/>
+            <p:nvPr/>
+          </p:nvSpPr>
+          <p:spPr>
+            <a:xfrm>
+              <a:off x="355520" y="2043746"/>
+              <a:ext cx="3600000" cy="504000"/>
+            </a:xfrm>
+            <a:prstGeom prst="rect">
+              <a:avLst/>
+            </a:prstGeom>
+            <a:noFill/>
+            <a:ln>
+              <a:solidFill>
+                <a:schemeClr val="tx1"/>
+              </a:solidFill>
+            </a:ln>
+          </p:spPr>
+          <p:style>
+            <a:lnRef idx="2">
+              <a:schemeClr val="accent1">
+                <a:shade val="50000"/>
+              </a:schemeClr>
+            </a:lnRef>
+            <a:fillRef idx="1">
+              <a:schemeClr val="accent1"/>
+            </a:fillRef>
+            <a:effectRef idx="0">
+              <a:schemeClr val="accent1"/>
+            </a:effectRef>
+            <a:fontRef idx="minor">
+              <a:schemeClr val="lt1"/>
+            </a:fontRef>
+          </p:style>
+          <p:txBody>
+            <a:bodyPr rtlCol="0" anchor="ctr"/>
+            <a:lstStyle/>
+            <a:p>
+              <a:pPr algn="ctr"/>
+              <a:r>
+                <a:rPr lang="ko-KR" altLang="en-US" sz="1467" dirty="0">
+                  <a:solidFill>
+                    <a:sysClr val="windowText" lastClr="000000"/>
+                  </a:solidFill>
+                </a:rPr>
+                <a:t>앞부분의 숫자들을 </a:t>
+              </a:r>
+              <a:r>
+                <a:rPr lang="en-US" altLang="ko-KR" sz="1467" dirty="0">
+                  <a:solidFill>
+                    <a:sysClr val="windowText" lastClr="000000"/>
+                  </a:solidFill>
+                </a:rPr>
+                <a:t>*</a:t>
+              </a:r>
+              <a:r>
+                <a:rPr lang="ko-KR" altLang="en-US" sz="1467" dirty="0">
+                  <a:solidFill>
+                    <a:sysClr val="windowText" lastClr="000000"/>
+                  </a:solidFill>
+                </a:rPr>
+                <a:t>로 변경한다</a:t>
+              </a:r>
+              <a:endParaRPr lang="en-US" altLang="ko-KR" sz="1467" dirty="0">
+                <a:solidFill>
+                  <a:sysClr val="windowText" lastClr="000000"/>
+                </a:solidFill>
+              </a:endParaRPr>
+            </a:p>
+          </p:txBody>
+        </p:sp>
+      </p:grpSp>
+    </p:spTree>
+    <p:extLst>
+      <p:ext uri="{BB962C8B-B14F-4D97-AF65-F5344CB8AC3E}">
+        <p14:creationId xmlns:p14="http://schemas.microsoft.com/office/powerpoint/2010/main" val="920487837"/>
+      </p:ext>
+    </p:extLst>
+  </p:cSld>
+  <p:clrMapOvr>
+    <a:masterClrMapping/>
+  </p:clrMapOvr>
+</p:sld>
+</file>
+
 <file path=ppt/slides/slide4.xml><?xml version="1.0" encoding="utf-8"?>
 <p:sld xmlns:a="http://schemas.openxmlformats.org/drawingml/2006/main" xmlns:r="http://schemas.openxmlformats.org/officeDocument/2006/relationships" xmlns:p="http://schemas.openxmlformats.org/presentationml/2006/main">
   <p:cSld>

--- a/알고리즘_프로그래머스_Level01_순서도.pptx
+++ b/알고리즘_프로그래머스_Level01_순서도.pptx
@@ -25356,6 +25356,156 @@
           </p:txBody>
         </p:sp>
       </p:grpSp>
+      <p:sp>
+        <p:nvSpPr>
+          <p:cNvPr id="9" name="제목 3">
+            <a:extLst>
+              <a:ext uri="{FF2B5EF4-FFF2-40B4-BE49-F238E27FC236}">
+                <a16:creationId xmlns:a16="http://schemas.microsoft.com/office/drawing/2014/main" id="{B1951F69-84B3-4DC6-BC29-458FC9DAFDCF}"/>
+              </a:ext>
+            </a:extLst>
+          </p:cNvPr>
+          <p:cNvSpPr txBox="1">
+            <a:spLocks/>
+          </p:cNvSpPr>
+          <p:nvPr/>
+        </p:nvSpPr>
+        <p:spPr>
+          <a:xfrm>
+            <a:off x="471489" y="4572000"/>
+            <a:ext cx="5915025" cy="559764"/>
+          </a:xfrm>
+          <a:prstGeom prst="rect">
+            <a:avLst/>
+          </a:prstGeom>
+        </p:spPr>
+        <p:txBody>
+          <a:bodyPr vert="horz" lIns="91440" tIns="45720" rIns="91440" bIns="45720" rtlCol="0" anchor="ctr">
+            <a:normAutofit/>
+          </a:bodyPr>
+          <a:lstStyle>
+            <a:lvl1pPr algn="l" defTabSz="685800" rtl="0" eaLnBrk="1" latinLnBrk="1" hangingPunct="1">
+              <a:lnSpc>
+                <a:spcPct val="90000"/>
+              </a:lnSpc>
+              <a:spcBef>
+                <a:spcPct val="0"/>
+              </a:spcBef>
+              <a:buNone/>
+              <a:defRPr sz="2800" kern="1200">
+                <a:solidFill>
+                  <a:schemeClr val="tx1"/>
+                </a:solidFill>
+                <a:latin typeface="+mj-lt"/>
+                <a:ea typeface="+mj-ea"/>
+                <a:cs typeface="+mj-cs"/>
+              </a:defRPr>
+            </a:lvl1pPr>
+          </a:lstStyle>
+          <a:p>
+            <a:r>
+              <a:rPr lang="ko-KR" altLang="en-US"/>
+              <a:t>행렬의 덧셈 </a:t>
+            </a:r>
+            <a:r>
+              <a:rPr lang="en-US" altLang="ko-KR"/>
+              <a:t>(01.29)</a:t>
+            </a:r>
+            <a:endParaRPr lang="ko-KR" altLang="en-US" dirty="0"/>
+          </a:p>
+        </p:txBody>
+      </p:sp>
+      <p:sp>
+        <p:nvSpPr>
+          <p:cNvPr id="10" name="직사각형 9">
+            <a:extLst>
+              <a:ext uri="{FF2B5EF4-FFF2-40B4-BE49-F238E27FC236}">
+                <a16:creationId xmlns:a16="http://schemas.microsoft.com/office/drawing/2014/main" id="{BC2C1206-F79D-4174-B252-16CD248EB7F5}"/>
+              </a:ext>
+            </a:extLst>
+          </p:cNvPr>
+          <p:cNvSpPr/>
+          <p:nvPr/>
+        </p:nvSpPr>
+        <p:spPr>
+          <a:xfrm>
+            <a:off x="355520" y="5399393"/>
+            <a:ext cx="3600000" cy="504000"/>
+          </a:xfrm>
+          <a:prstGeom prst="rect">
+            <a:avLst/>
+          </a:prstGeom>
+          <a:noFill/>
+          <a:ln>
+            <a:solidFill>
+              <a:schemeClr val="tx1"/>
+            </a:solidFill>
+          </a:ln>
+        </p:spPr>
+        <p:style>
+          <a:lnRef idx="2">
+            <a:schemeClr val="accent1">
+              <a:shade val="50000"/>
+            </a:schemeClr>
+          </a:lnRef>
+          <a:fillRef idx="1">
+            <a:schemeClr val="accent1"/>
+          </a:fillRef>
+          <a:effectRef idx="0">
+            <a:schemeClr val="accent1"/>
+          </a:effectRef>
+          <a:fontRef idx="minor">
+            <a:schemeClr val="lt1"/>
+          </a:fontRef>
+        </p:style>
+        <p:txBody>
+          <a:bodyPr rtlCol="0" anchor="ctr"/>
+          <a:lstStyle/>
+          <a:p>
+            <a:pPr algn="ctr"/>
+            <a:r>
+              <a:rPr lang="en-US" altLang="ko-KR" sz="1467" dirty="0">
+                <a:solidFill>
+                  <a:sysClr val="windowText" lastClr="000000"/>
+                </a:solidFill>
+              </a:rPr>
+              <a:t>arr1[</a:t>
+            </a:r>
+            <a:r>
+              <a:rPr lang="en-US" altLang="ko-KR" sz="1467" dirty="0" err="1">
+                <a:solidFill>
+                  <a:sysClr val="windowText" lastClr="000000"/>
+                </a:solidFill>
+              </a:rPr>
+              <a:t>i</a:t>
+            </a:r>
+            <a:r>
+              <a:rPr lang="en-US" altLang="ko-KR" sz="1467" dirty="0">
+                <a:solidFill>
+                  <a:sysClr val="windowText" lastClr="000000"/>
+                </a:solidFill>
+              </a:rPr>
+              <a:t>][j] + arr2[</a:t>
+            </a:r>
+            <a:r>
+              <a:rPr lang="en-US" altLang="ko-KR" sz="1467" dirty="0" err="1">
+                <a:solidFill>
+                  <a:sysClr val="windowText" lastClr="000000"/>
+                </a:solidFill>
+              </a:rPr>
+              <a:t>i</a:t>
+            </a:r>
+            <a:r>
+              <a:rPr lang="en-US" altLang="ko-KR" sz="1467" dirty="0">
+                <a:solidFill>
+                  <a:sysClr val="windowText" lastClr="000000"/>
+                </a:solidFill>
+              </a:rPr>
+              <a:t>][j]</a:t>
+            </a:r>
+          </a:p>
+        </p:txBody>
+      </p:sp>
     </p:spTree>
     <p:extLst>
       <p:ext uri="{BB962C8B-B14F-4D97-AF65-F5344CB8AC3E}">

--- a/알고리즘_프로그래머스_Level01_순서도.pptx
+++ b/알고리즘_프로그래머스_Level01_순서도.pptx
@@ -36,6 +36,7 @@
     <p:sldId id="289" r:id="rId30"/>
     <p:sldId id="290" r:id="rId31"/>
     <p:sldId id="291" r:id="rId32"/>
+    <p:sldId id="292" r:id="rId33"/>
   </p:sldIdLst>
   <p:sldSz cx="6858000" cy="9144000" type="screen4x3"/>
   <p:notesSz cx="6858000" cy="9144000"/>
@@ -25519,6 +25520,350 @@
 </p:sld>
 </file>
 
+<file path=ppt/slides/slide32.xml><?xml version="1.0" encoding="utf-8"?>
+<p:sld xmlns:a="http://schemas.openxmlformats.org/drawingml/2006/main" xmlns:r="http://schemas.openxmlformats.org/officeDocument/2006/relationships" xmlns:p="http://schemas.openxmlformats.org/presentationml/2006/main">
+  <p:cSld>
+    <p:spTree>
+      <p:nvGrpSpPr>
+        <p:cNvPr id="1" name=""/>
+        <p:cNvGrpSpPr/>
+        <p:nvPr/>
+      </p:nvGrpSpPr>
+      <p:grpSpPr>
+        <a:xfrm>
+          <a:off x="0" y="0"/>
+          <a:ext cx="0" cy="0"/>
+          <a:chOff x="0" y="0"/>
+          <a:chExt cx="0" cy="0"/>
+        </a:xfrm>
+      </p:grpSpPr>
+      <p:sp>
+        <p:nvSpPr>
+          <p:cNvPr id="4" name="제목 3">
+            <a:extLst>
+              <a:ext uri="{FF2B5EF4-FFF2-40B4-BE49-F238E27FC236}">
+                <a16:creationId xmlns:a16="http://schemas.microsoft.com/office/drawing/2014/main" id="{30BAC889-89EF-449A-A9AB-0AA582E87CB5}"/>
+              </a:ext>
+            </a:extLst>
+          </p:cNvPr>
+          <p:cNvSpPr>
+            <a:spLocks noGrp="1"/>
+          </p:cNvSpPr>
+          <p:nvPr>
+            <p:ph type="title"/>
+          </p:nvPr>
+        </p:nvSpPr>
+        <p:spPr/>
+        <p:txBody>
+          <a:bodyPr/>
+          <a:lstStyle/>
+          <a:p>
+            <a:r>
+              <a:rPr lang="ko-KR" altLang="en-US" dirty="0"/>
+              <a:t>예산 </a:t>
+            </a:r>
+            <a:r>
+              <a:rPr lang="en-US" altLang="ko-KR" dirty="0"/>
+              <a:t>(01.29)</a:t>
+            </a:r>
+            <a:endParaRPr lang="ko-KR" altLang="en-US" dirty="0"/>
+          </a:p>
+        </p:txBody>
+      </p:sp>
+      <p:grpSp>
+        <p:nvGrpSpPr>
+          <p:cNvPr id="6" name="그룹 5">
+            <a:extLst>
+              <a:ext uri="{FF2B5EF4-FFF2-40B4-BE49-F238E27FC236}">
+                <a16:creationId xmlns:a16="http://schemas.microsoft.com/office/drawing/2014/main" id="{55A94D0D-0552-475B-81B9-A127BB5B201E}"/>
+              </a:ext>
+            </a:extLst>
+          </p:cNvPr>
+          <p:cNvGrpSpPr/>
+          <p:nvPr/>
+        </p:nvGrpSpPr>
+        <p:grpSpPr>
+          <a:xfrm>
+            <a:off x="355520" y="1175678"/>
+            <a:ext cx="3600000" cy="2213808"/>
+            <a:chOff x="355520" y="1175678"/>
+            <a:chExt cx="3600000" cy="2213808"/>
+          </a:xfrm>
+        </p:grpSpPr>
+        <p:sp>
+          <p:nvSpPr>
+            <p:cNvPr id="26" name="직사각형 25">
+              <a:extLst>
+                <a:ext uri="{FF2B5EF4-FFF2-40B4-BE49-F238E27FC236}">
+                  <a16:creationId xmlns:a16="http://schemas.microsoft.com/office/drawing/2014/main" id="{9DEB928F-454D-4054-997B-6797697CBACA}"/>
+                </a:ext>
+              </a:extLst>
+            </p:cNvPr>
+            <p:cNvSpPr/>
+            <p:nvPr/>
+          </p:nvSpPr>
+          <p:spPr>
+            <a:xfrm>
+              <a:off x="355520" y="1175678"/>
+              <a:ext cx="3600000" cy="504000"/>
+            </a:xfrm>
+            <a:prstGeom prst="rect">
+              <a:avLst/>
+            </a:prstGeom>
+            <a:noFill/>
+            <a:ln>
+              <a:solidFill>
+                <a:schemeClr val="tx1"/>
+              </a:solidFill>
+            </a:ln>
+          </p:spPr>
+          <p:style>
+            <a:lnRef idx="2">
+              <a:schemeClr val="accent1">
+                <a:shade val="50000"/>
+              </a:schemeClr>
+            </a:lnRef>
+            <a:fillRef idx="1">
+              <a:schemeClr val="accent1"/>
+            </a:fillRef>
+            <a:effectRef idx="0">
+              <a:schemeClr val="accent1"/>
+            </a:effectRef>
+            <a:fontRef idx="minor">
+              <a:schemeClr val="lt1"/>
+            </a:fontRef>
+          </p:style>
+          <p:txBody>
+            <a:bodyPr rtlCol="0" anchor="ctr"/>
+            <a:lstStyle/>
+            <a:p>
+              <a:pPr algn="ctr"/>
+              <a:endParaRPr lang="en-US" altLang="ko-KR" sz="1467" dirty="0">
+                <a:solidFill>
+                  <a:sysClr val="windowText" lastClr="000000"/>
+                </a:solidFill>
+              </a:endParaRPr>
+            </a:p>
+          </p:txBody>
+        </p:sp>
+        <p:cxnSp>
+          <p:nvCxnSpPr>
+            <p:cNvPr id="27" name="직선 화살표 연결선 26">
+              <a:extLst>
+                <a:ext uri="{FF2B5EF4-FFF2-40B4-BE49-F238E27FC236}">
+                  <a16:creationId xmlns:a16="http://schemas.microsoft.com/office/drawing/2014/main" id="{53F80733-E232-40CC-B923-DC305205CDFC}"/>
+                </a:ext>
+              </a:extLst>
+            </p:cNvPr>
+            <p:cNvCxnSpPr>
+              <a:cxnSpLocks/>
+              <a:stCxn id="26" idx="2"/>
+              <a:endCxn id="13" idx="0"/>
+            </p:cNvCxnSpPr>
+            <p:nvPr/>
+          </p:nvCxnSpPr>
+          <p:spPr>
+            <a:xfrm>
+              <a:off x="2155520" y="1679678"/>
+              <a:ext cx="0" cy="364068"/>
+            </a:xfrm>
+            <a:prstGeom prst="straightConnector1">
+              <a:avLst/>
+            </a:prstGeom>
+            <a:ln>
+              <a:solidFill>
+                <a:schemeClr val="tx1"/>
+              </a:solidFill>
+              <a:tailEnd type="triangle"/>
+            </a:ln>
+          </p:spPr>
+          <p:style>
+            <a:lnRef idx="1">
+              <a:schemeClr val="accent1"/>
+            </a:lnRef>
+            <a:fillRef idx="0">
+              <a:schemeClr val="accent1"/>
+            </a:fillRef>
+            <a:effectRef idx="0">
+              <a:schemeClr val="accent1"/>
+            </a:effectRef>
+            <a:fontRef idx="minor">
+              <a:schemeClr val="tx1"/>
+            </a:fontRef>
+          </p:style>
+        </p:cxnSp>
+        <p:sp>
+          <p:nvSpPr>
+            <p:cNvPr id="17" name="직사각형 16">
+              <a:extLst>
+                <a:ext uri="{FF2B5EF4-FFF2-40B4-BE49-F238E27FC236}">
+                  <a16:creationId xmlns:a16="http://schemas.microsoft.com/office/drawing/2014/main" id="{8F5E4B63-568F-4C3A-8985-662C568AA49B}"/>
+                </a:ext>
+              </a:extLst>
+            </p:cNvPr>
+            <p:cNvSpPr/>
+            <p:nvPr/>
+          </p:nvSpPr>
+          <p:spPr>
+            <a:xfrm>
+              <a:off x="355520" y="2885486"/>
+              <a:ext cx="3600000" cy="504000"/>
+            </a:xfrm>
+            <a:prstGeom prst="rect">
+              <a:avLst/>
+            </a:prstGeom>
+            <a:noFill/>
+            <a:ln>
+              <a:solidFill>
+                <a:schemeClr val="tx1"/>
+              </a:solidFill>
+            </a:ln>
+          </p:spPr>
+          <p:style>
+            <a:lnRef idx="2">
+              <a:schemeClr val="accent1">
+                <a:shade val="50000"/>
+              </a:schemeClr>
+            </a:lnRef>
+            <a:fillRef idx="1">
+              <a:schemeClr val="accent1"/>
+            </a:fillRef>
+            <a:effectRef idx="0">
+              <a:schemeClr val="accent1"/>
+            </a:effectRef>
+            <a:fontRef idx="minor">
+              <a:schemeClr val="lt1"/>
+            </a:fontRef>
+          </p:style>
+          <p:txBody>
+            <a:bodyPr rtlCol="0" anchor="ctr"/>
+            <a:lstStyle/>
+            <a:p>
+              <a:pPr algn="ctr"/>
+              <a:endParaRPr lang="en-US" altLang="ko-KR" sz="1467" dirty="0">
+                <a:solidFill>
+                  <a:sysClr val="windowText" lastClr="000000"/>
+                </a:solidFill>
+              </a:endParaRPr>
+            </a:p>
+          </p:txBody>
+        </p:sp>
+        <p:cxnSp>
+          <p:nvCxnSpPr>
+            <p:cNvPr id="18" name="직선 화살표 연결선 17">
+              <a:extLst>
+                <a:ext uri="{FF2B5EF4-FFF2-40B4-BE49-F238E27FC236}">
+                  <a16:creationId xmlns:a16="http://schemas.microsoft.com/office/drawing/2014/main" id="{57C6C074-1C35-4E36-821B-AC7CAE6E22CD}"/>
+                </a:ext>
+              </a:extLst>
+            </p:cNvPr>
+            <p:cNvCxnSpPr>
+              <a:cxnSpLocks/>
+              <a:stCxn id="13" idx="2"/>
+              <a:endCxn id="17" idx="0"/>
+            </p:cNvCxnSpPr>
+            <p:nvPr/>
+          </p:nvCxnSpPr>
+          <p:spPr>
+            <a:xfrm>
+              <a:off x="2155520" y="2547746"/>
+              <a:ext cx="0" cy="337740"/>
+            </a:xfrm>
+            <a:prstGeom prst="straightConnector1">
+              <a:avLst/>
+            </a:prstGeom>
+            <a:ln>
+              <a:solidFill>
+                <a:schemeClr val="tx1"/>
+              </a:solidFill>
+              <a:tailEnd type="triangle"/>
+            </a:ln>
+          </p:spPr>
+          <p:style>
+            <a:lnRef idx="1">
+              <a:schemeClr val="accent1"/>
+            </a:lnRef>
+            <a:fillRef idx="0">
+              <a:schemeClr val="accent1"/>
+            </a:fillRef>
+            <a:effectRef idx="0">
+              <a:schemeClr val="accent1"/>
+            </a:effectRef>
+            <a:fontRef idx="minor">
+              <a:schemeClr val="tx1"/>
+            </a:fontRef>
+          </p:style>
+        </p:cxnSp>
+        <p:sp>
+          <p:nvSpPr>
+            <p:cNvPr id="13" name="직사각형 12">
+              <a:extLst>
+                <a:ext uri="{FF2B5EF4-FFF2-40B4-BE49-F238E27FC236}">
+                  <a16:creationId xmlns:a16="http://schemas.microsoft.com/office/drawing/2014/main" id="{50ED35D7-ACED-4BB9-84B7-C2FF7242E286}"/>
+                </a:ext>
+              </a:extLst>
+            </p:cNvPr>
+            <p:cNvSpPr/>
+            <p:nvPr/>
+          </p:nvSpPr>
+          <p:spPr>
+            <a:xfrm>
+              <a:off x="355520" y="2043746"/>
+              <a:ext cx="3600000" cy="504000"/>
+            </a:xfrm>
+            <a:prstGeom prst="rect">
+              <a:avLst/>
+            </a:prstGeom>
+            <a:noFill/>
+            <a:ln>
+              <a:solidFill>
+                <a:schemeClr val="tx1"/>
+              </a:solidFill>
+            </a:ln>
+          </p:spPr>
+          <p:style>
+            <a:lnRef idx="2">
+              <a:schemeClr val="accent1">
+                <a:shade val="50000"/>
+              </a:schemeClr>
+            </a:lnRef>
+            <a:fillRef idx="1">
+              <a:schemeClr val="accent1"/>
+            </a:fillRef>
+            <a:effectRef idx="0">
+              <a:schemeClr val="accent1"/>
+            </a:effectRef>
+            <a:fontRef idx="minor">
+              <a:schemeClr val="lt1"/>
+            </a:fontRef>
+          </p:style>
+          <p:txBody>
+            <a:bodyPr rtlCol="0" anchor="ctr"/>
+            <a:lstStyle/>
+            <a:p>
+              <a:pPr algn="ctr"/>
+              <a:endParaRPr lang="en-US" altLang="ko-KR" sz="1467" dirty="0">
+                <a:solidFill>
+                  <a:sysClr val="windowText" lastClr="000000"/>
+                </a:solidFill>
+              </a:endParaRPr>
+            </a:p>
+          </p:txBody>
+        </p:sp>
+      </p:grpSp>
+    </p:spTree>
+    <p:extLst>
+      <p:ext uri="{BB962C8B-B14F-4D97-AF65-F5344CB8AC3E}">
+        <p14:creationId xmlns:p14="http://schemas.microsoft.com/office/powerpoint/2010/main" val="1870149202"/>
+      </p:ext>
+    </p:extLst>
+  </p:cSld>
+  <p:clrMapOvr>
+    <a:masterClrMapping/>
+  </p:clrMapOvr>
+</p:sld>
+</file>
+
 <file path=ppt/slides/slide4.xml><?xml version="1.0" encoding="utf-8"?>
 <p:sld xmlns:a="http://schemas.openxmlformats.org/drawingml/2006/main" xmlns:r="http://schemas.openxmlformats.org/officeDocument/2006/relationships" xmlns:p="http://schemas.openxmlformats.org/presentationml/2006/main">
   <p:cSld>

--- a/알고리즘_프로그래머스_Level01_순서도.pptx
+++ b/알고리즘_프로그래머스_Level01_순서도.pptx
@@ -37,6 +37,7 @@
     <p:sldId id="290" r:id="rId31"/>
     <p:sldId id="291" r:id="rId32"/>
     <p:sldId id="292" r:id="rId33"/>
+    <p:sldId id="293" r:id="rId34"/>
   </p:sldIdLst>
   <p:sldSz cx="6858000" cy="9144000" type="screen4x3"/>
   <p:notesSz cx="6858000" cy="9144000"/>
@@ -25864,6 +25865,1401 @@
 </p:sld>
 </file>
 
+<file path=ppt/slides/slide33.xml><?xml version="1.0" encoding="utf-8"?>
+<p:sld xmlns:a="http://schemas.openxmlformats.org/drawingml/2006/main" xmlns:r="http://schemas.openxmlformats.org/officeDocument/2006/relationships" xmlns:p="http://schemas.openxmlformats.org/presentationml/2006/main">
+  <p:cSld>
+    <p:spTree>
+      <p:nvGrpSpPr>
+        <p:cNvPr id="1" name=""/>
+        <p:cNvGrpSpPr/>
+        <p:nvPr/>
+      </p:nvGrpSpPr>
+      <p:grpSpPr>
+        <a:xfrm>
+          <a:off x="0" y="0"/>
+          <a:ext cx="0" cy="0"/>
+          <a:chOff x="0" y="0"/>
+          <a:chExt cx="0" cy="0"/>
+        </a:xfrm>
+      </p:grpSpPr>
+      <p:sp>
+        <p:nvSpPr>
+          <p:cNvPr id="4" name="제목 3">
+            <a:extLst>
+              <a:ext uri="{FF2B5EF4-FFF2-40B4-BE49-F238E27FC236}">
+                <a16:creationId xmlns:a16="http://schemas.microsoft.com/office/drawing/2014/main" id="{30BAC889-89EF-449A-A9AB-0AA582E87CB5}"/>
+              </a:ext>
+            </a:extLst>
+          </p:cNvPr>
+          <p:cNvSpPr>
+            <a:spLocks noGrp="1"/>
+          </p:cNvSpPr>
+          <p:nvPr>
+            <p:ph type="title"/>
+          </p:nvPr>
+        </p:nvSpPr>
+        <p:spPr/>
+        <p:txBody>
+          <a:bodyPr/>
+          <a:lstStyle/>
+          <a:p>
+            <a:r>
+              <a:rPr lang="en-US" altLang="ko-KR" dirty="0"/>
+              <a:t>[1</a:t>
+            </a:r>
+            <a:r>
+              <a:rPr lang="ko-KR" altLang="en-US" dirty="0"/>
+              <a:t>차</a:t>
+            </a:r>
+            <a:r>
+              <a:rPr lang="en-US" altLang="ko-KR" dirty="0"/>
+              <a:t>] </a:t>
+            </a:r>
+            <a:r>
+              <a:rPr lang="ko-KR" altLang="en-US" dirty="0"/>
+              <a:t>비밀지도 </a:t>
+            </a:r>
+            <a:r>
+              <a:rPr lang="en-US" altLang="ko-KR" dirty="0"/>
+              <a:t>(01.29)</a:t>
+            </a:r>
+            <a:endParaRPr lang="ko-KR" altLang="en-US" dirty="0"/>
+          </a:p>
+        </p:txBody>
+      </p:sp>
+      <p:grpSp>
+        <p:nvGrpSpPr>
+          <p:cNvPr id="98" name="그룹 97">
+            <a:extLst>
+              <a:ext uri="{FF2B5EF4-FFF2-40B4-BE49-F238E27FC236}">
+                <a16:creationId xmlns:a16="http://schemas.microsoft.com/office/drawing/2014/main" id="{21DA2B80-4C09-4220-B31A-0C3B2F6950ED}"/>
+              </a:ext>
+            </a:extLst>
+          </p:cNvPr>
+          <p:cNvGrpSpPr/>
+          <p:nvPr/>
+        </p:nvGrpSpPr>
+        <p:grpSpPr>
+          <a:xfrm>
+            <a:off x="285938" y="1175678"/>
+            <a:ext cx="6286124" cy="6843337"/>
+            <a:chOff x="285938" y="1175678"/>
+            <a:chExt cx="6286124" cy="6843337"/>
+          </a:xfrm>
+        </p:grpSpPr>
+        <p:sp>
+          <p:nvSpPr>
+            <p:cNvPr id="26" name="직사각형 25">
+              <a:extLst>
+                <a:ext uri="{FF2B5EF4-FFF2-40B4-BE49-F238E27FC236}">
+                  <a16:creationId xmlns:a16="http://schemas.microsoft.com/office/drawing/2014/main" id="{9DEB928F-454D-4054-997B-6797697CBACA}"/>
+                </a:ext>
+              </a:extLst>
+            </p:cNvPr>
+            <p:cNvSpPr/>
+            <p:nvPr/>
+          </p:nvSpPr>
+          <p:spPr>
+            <a:xfrm>
+              <a:off x="1721457" y="1175678"/>
+              <a:ext cx="3600000" cy="504000"/>
+            </a:xfrm>
+            <a:prstGeom prst="rect">
+              <a:avLst/>
+            </a:prstGeom>
+            <a:noFill/>
+            <a:ln>
+              <a:solidFill>
+                <a:schemeClr val="tx1"/>
+              </a:solidFill>
+            </a:ln>
+          </p:spPr>
+          <p:style>
+            <a:lnRef idx="2">
+              <a:schemeClr val="accent1">
+                <a:shade val="50000"/>
+              </a:schemeClr>
+            </a:lnRef>
+            <a:fillRef idx="1">
+              <a:schemeClr val="accent1"/>
+            </a:fillRef>
+            <a:effectRef idx="0">
+              <a:schemeClr val="accent1"/>
+            </a:effectRef>
+            <a:fontRef idx="minor">
+              <a:schemeClr val="lt1"/>
+            </a:fontRef>
+          </p:style>
+          <p:txBody>
+            <a:bodyPr rtlCol="0" anchor="ctr"/>
+            <a:lstStyle/>
+            <a:p>
+              <a:pPr algn="ctr"/>
+              <a:r>
+                <a:rPr lang="en-US" altLang="ko-KR" sz="1467" dirty="0">
+                  <a:solidFill>
+                    <a:sysClr val="windowText" lastClr="000000"/>
+                  </a:solidFill>
+                </a:rPr>
+                <a:t>binary = arr1[</a:t>
+              </a:r>
+              <a:r>
+                <a:rPr lang="en-US" altLang="ko-KR" sz="1467" dirty="0" err="1">
+                  <a:solidFill>
+                    <a:sysClr val="windowText" lastClr="000000"/>
+                  </a:solidFill>
+                </a:rPr>
+                <a:t>i</a:t>
+              </a:r>
+              <a:r>
+                <a:rPr lang="en-US" altLang="ko-KR" sz="1467" dirty="0">
+                  <a:solidFill>
+                    <a:sysClr val="windowText" lastClr="000000"/>
+                  </a:solidFill>
+                </a:rPr>
+                <a:t>] | arr2[</a:t>
+              </a:r>
+              <a:r>
+                <a:rPr lang="en-US" altLang="ko-KR" sz="1467" dirty="0" err="1">
+                  <a:solidFill>
+                    <a:sysClr val="windowText" lastClr="000000"/>
+                  </a:solidFill>
+                </a:rPr>
+                <a:t>i</a:t>
+              </a:r>
+              <a:r>
+                <a:rPr lang="en-US" altLang="ko-KR" sz="1467" dirty="0">
+                  <a:solidFill>
+                    <a:sysClr val="windowText" lastClr="000000"/>
+                  </a:solidFill>
+                </a:rPr>
+                <a:t>]</a:t>
+              </a:r>
+            </a:p>
+          </p:txBody>
+        </p:sp>
+        <p:sp>
+          <p:nvSpPr>
+            <p:cNvPr id="17" name="직사각형 16">
+              <a:extLst>
+                <a:ext uri="{FF2B5EF4-FFF2-40B4-BE49-F238E27FC236}">
+                  <a16:creationId xmlns:a16="http://schemas.microsoft.com/office/drawing/2014/main" id="{8F5E4B63-568F-4C3A-8985-662C568AA49B}"/>
+                </a:ext>
+              </a:extLst>
+            </p:cNvPr>
+            <p:cNvSpPr/>
+            <p:nvPr/>
+          </p:nvSpPr>
+          <p:spPr>
+            <a:xfrm>
+              <a:off x="2801457" y="3692012"/>
+              <a:ext cx="1440000" cy="504000"/>
+            </a:xfrm>
+            <a:prstGeom prst="rect">
+              <a:avLst/>
+            </a:prstGeom>
+            <a:noFill/>
+            <a:ln>
+              <a:solidFill>
+                <a:schemeClr val="tx1"/>
+              </a:solidFill>
+            </a:ln>
+          </p:spPr>
+          <p:style>
+            <a:lnRef idx="2">
+              <a:schemeClr val="accent1">
+                <a:shade val="50000"/>
+              </a:schemeClr>
+            </a:lnRef>
+            <a:fillRef idx="1">
+              <a:schemeClr val="accent1"/>
+            </a:fillRef>
+            <a:effectRef idx="0">
+              <a:schemeClr val="accent1"/>
+            </a:effectRef>
+            <a:fontRef idx="minor">
+              <a:schemeClr val="lt1"/>
+            </a:fontRef>
+          </p:style>
+          <p:txBody>
+            <a:bodyPr rtlCol="0" anchor="ctr"/>
+            <a:lstStyle/>
+            <a:p>
+              <a:pPr algn="ctr"/>
+              <a:r>
+                <a:rPr lang="en-US" altLang="ko-KR" sz="1467" dirty="0">
+                  <a:solidFill>
+                    <a:sysClr val="windowText" lastClr="000000"/>
+                  </a:solidFill>
+                </a:rPr>
+                <a:t>append “ “</a:t>
+              </a:r>
+            </a:p>
+          </p:txBody>
+        </p:sp>
+        <p:cxnSp>
+          <p:nvCxnSpPr>
+            <p:cNvPr id="18" name="직선 화살표 연결선 17">
+              <a:extLst>
+                <a:ext uri="{FF2B5EF4-FFF2-40B4-BE49-F238E27FC236}">
+                  <a16:creationId xmlns:a16="http://schemas.microsoft.com/office/drawing/2014/main" id="{57C6C074-1C35-4E36-821B-AC7CAE6E22CD}"/>
+                </a:ext>
+              </a:extLst>
+            </p:cNvPr>
+            <p:cNvCxnSpPr>
+              <a:cxnSpLocks/>
+              <a:stCxn id="15" idx="2"/>
+              <a:endCxn id="17" idx="0"/>
+            </p:cNvCxnSpPr>
+            <p:nvPr/>
+          </p:nvCxnSpPr>
+          <p:spPr>
+            <a:xfrm>
+              <a:off x="3521457" y="3354272"/>
+              <a:ext cx="0" cy="337740"/>
+            </a:xfrm>
+            <a:prstGeom prst="straightConnector1">
+              <a:avLst/>
+            </a:prstGeom>
+            <a:ln>
+              <a:solidFill>
+                <a:schemeClr val="tx1"/>
+              </a:solidFill>
+              <a:tailEnd type="triangle"/>
+            </a:ln>
+          </p:spPr>
+          <p:style>
+            <a:lnRef idx="1">
+              <a:schemeClr val="accent1"/>
+            </a:lnRef>
+            <a:fillRef idx="0">
+              <a:schemeClr val="accent1"/>
+            </a:fillRef>
+            <a:effectRef idx="0">
+              <a:schemeClr val="accent1"/>
+            </a:effectRef>
+            <a:fontRef idx="minor">
+              <a:schemeClr val="tx1"/>
+            </a:fontRef>
+          </p:style>
+        </p:cxnSp>
+        <p:sp>
+          <p:nvSpPr>
+            <p:cNvPr id="15" name="다이아몬드 14">
+              <a:extLst>
+                <a:ext uri="{FF2B5EF4-FFF2-40B4-BE49-F238E27FC236}">
+                  <a16:creationId xmlns:a16="http://schemas.microsoft.com/office/drawing/2014/main" id="{C7C74121-A401-4454-9EAA-501A90197FA6}"/>
+                </a:ext>
+              </a:extLst>
+            </p:cNvPr>
+            <p:cNvSpPr/>
+            <p:nvPr/>
+          </p:nvSpPr>
+          <p:spPr>
+            <a:xfrm>
+              <a:off x="2081457" y="2854715"/>
+              <a:ext cx="2880000" cy="499557"/>
+            </a:xfrm>
+            <a:prstGeom prst="diamond">
+              <a:avLst/>
+            </a:prstGeom>
+            <a:noFill/>
+            <a:ln>
+              <a:solidFill>
+                <a:schemeClr val="tx1"/>
+              </a:solidFill>
+            </a:ln>
+          </p:spPr>
+          <p:style>
+            <a:lnRef idx="2">
+              <a:schemeClr val="accent1">
+                <a:shade val="50000"/>
+              </a:schemeClr>
+            </a:lnRef>
+            <a:fillRef idx="1">
+              <a:schemeClr val="accent1"/>
+            </a:fillRef>
+            <a:effectRef idx="0">
+              <a:schemeClr val="accent1"/>
+            </a:effectRef>
+            <a:fontRef idx="minor">
+              <a:schemeClr val="lt1"/>
+            </a:fontRef>
+          </p:style>
+          <p:txBody>
+            <a:bodyPr rtlCol="0" anchor="ctr"/>
+            <a:lstStyle/>
+            <a:p>
+              <a:pPr algn="ctr"/>
+              <a:r>
+                <a:rPr lang="en-US" altLang="ko-KR" sz="1467" dirty="0">
+                  <a:solidFill>
+                    <a:sysClr val="windowText" lastClr="000000"/>
+                  </a:solidFill>
+                </a:rPr>
+                <a:t>binary % 2 == 0?</a:t>
+              </a:r>
+            </a:p>
+          </p:txBody>
+        </p:sp>
+        <p:sp>
+          <p:nvSpPr>
+            <p:cNvPr id="25" name="직사각형 24">
+              <a:extLst>
+                <a:ext uri="{FF2B5EF4-FFF2-40B4-BE49-F238E27FC236}">
+                  <a16:creationId xmlns:a16="http://schemas.microsoft.com/office/drawing/2014/main" id="{A0DA7015-BCCF-4585-A1B1-E37EF97A3622}"/>
+                </a:ext>
+              </a:extLst>
+            </p:cNvPr>
+            <p:cNvSpPr/>
+            <p:nvPr/>
+          </p:nvSpPr>
+          <p:spPr>
+            <a:xfrm>
+              <a:off x="5132062" y="3692012"/>
+              <a:ext cx="1440000" cy="504000"/>
+            </a:xfrm>
+            <a:prstGeom prst="rect">
+              <a:avLst/>
+            </a:prstGeom>
+            <a:noFill/>
+            <a:ln>
+              <a:solidFill>
+                <a:schemeClr val="tx1"/>
+              </a:solidFill>
+            </a:ln>
+          </p:spPr>
+          <p:style>
+            <a:lnRef idx="2">
+              <a:schemeClr val="accent1">
+                <a:shade val="50000"/>
+              </a:schemeClr>
+            </a:lnRef>
+            <a:fillRef idx="1">
+              <a:schemeClr val="accent1"/>
+            </a:fillRef>
+            <a:effectRef idx="0">
+              <a:schemeClr val="accent1"/>
+            </a:effectRef>
+            <a:fontRef idx="minor">
+              <a:schemeClr val="lt1"/>
+            </a:fontRef>
+          </p:style>
+          <p:txBody>
+            <a:bodyPr rtlCol="0" anchor="ctr"/>
+            <a:lstStyle/>
+            <a:p>
+              <a:pPr algn="ctr"/>
+              <a:r>
+                <a:rPr lang="en-US" altLang="ko-KR" sz="1467" dirty="0">
+                  <a:solidFill>
+                    <a:sysClr val="windowText" lastClr="000000"/>
+                  </a:solidFill>
+                </a:rPr>
+                <a:t>append “#“</a:t>
+              </a:r>
+            </a:p>
+          </p:txBody>
+        </p:sp>
+        <p:cxnSp>
+          <p:nvCxnSpPr>
+            <p:cNvPr id="24" name="연결선: 꺾임 23">
+              <a:extLst>
+                <a:ext uri="{FF2B5EF4-FFF2-40B4-BE49-F238E27FC236}">
+                  <a16:creationId xmlns:a16="http://schemas.microsoft.com/office/drawing/2014/main" id="{F44AF758-3FFA-478B-841C-B949674B4FFB}"/>
+                </a:ext>
+              </a:extLst>
+            </p:cNvPr>
+            <p:cNvCxnSpPr>
+              <a:stCxn id="15" idx="3"/>
+              <a:endCxn id="25" idx="0"/>
+            </p:cNvCxnSpPr>
+            <p:nvPr/>
+          </p:nvCxnSpPr>
+          <p:spPr>
+            <a:xfrm>
+              <a:off x="4961457" y="3104494"/>
+              <a:ext cx="890605" cy="587518"/>
+            </a:xfrm>
+            <a:prstGeom prst="bentConnector2">
+              <a:avLst/>
+            </a:prstGeom>
+            <a:ln>
+              <a:solidFill>
+                <a:schemeClr val="tx1"/>
+              </a:solidFill>
+              <a:tailEnd type="triangle"/>
+            </a:ln>
+          </p:spPr>
+          <p:style>
+            <a:lnRef idx="1">
+              <a:schemeClr val="accent1"/>
+            </a:lnRef>
+            <a:fillRef idx="0">
+              <a:schemeClr val="accent1"/>
+            </a:fillRef>
+            <a:effectRef idx="0">
+              <a:schemeClr val="accent1"/>
+            </a:effectRef>
+            <a:fontRef idx="minor">
+              <a:schemeClr val="tx1"/>
+            </a:fontRef>
+          </p:style>
+        </p:cxnSp>
+        <p:sp>
+          <p:nvSpPr>
+            <p:cNvPr id="28" name="직사각형 27">
+              <a:extLst>
+                <a:ext uri="{FF2B5EF4-FFF2-40B4-BE49-F238E27FC236}">
+                  <a16:creationId xmlns:a16="http://schemas.microsoft.com/office/drawing/2014/main" id="{2587C3D7-3BB9-4EF2-A380-7F75803FA5AB}"/>
+                </a:ext>
+              </a:extLst>
+            </p:cNvPr>
+            <p:cNvSpPr/>
+            <p:nvPr/>
+          </p:nvSpPr>
+          <p:spPr>
+            <a:xfrm>
+              <a:off x="2795796" y="4785752"/>
+              <a:ext cx="1440000" cy="504000"/>
+            </a:xfrm>
+            <a:prstGeom prst="rect">
+              <a:avLst/>
+            </a:prstGeom>
+            <a:noFill/>
+            <a:ln>
+              <a:solidFill>
+                <a:schemeClr val="tx1"/>
+              </a:solidFill>
+            </a:ln>
+          </p:spPr>
+          <p:style>
+            <a:lnRef idx="2">
+              <a:schemeClr val="accent1">
+                <a:shade val="50000"/>
+              </a:schemeClr>
+            </a:lnRef>
+            <a:fillRef idx="1">
+              <a:schemeClr val="accent1"/>
+            </a:fillRef>
+            <a:effectRef idx="0">
+              <a:schemeClr val="accent1"/>
+            </a:effectRef>
+            <a:fontRef idx="minor">
+              <a:schemeClr val="lt1"/>
+            </a:fontRef>
+          </p:style>
+          <p:txBody>
+            <a:bodyPr rtlCol="0" anchor="ctr"/>
+            <a:lstStyle/>
+            <a:p>
+              <a:pPr algn="ctr"/>
+              <a:r>
+                <a:rPr lang="en-US" altLang="ko-KR" sz="1467" dirty="0">
+                  <a:solidFill>
+                    <a:sysClr val="windowText" lastClr="000000"/>
+                  </a:solidFill>
+                </a:rPr>
+                <a:t>binary /=2</a:t>
+              </a:r>
+            </a:p>
+          </p:txBody>
+        </p:sp>
+        <p:cxnSp>
+          <p:nvCxnSpPr>
+            <p:cNvPr id="29" name="직선 화살표 연결선 28">
+              <a:extLst>
+                <a:ext uri="{FF2B5EF4-FFF2-40B4-BE49-F238E27FC236}">
+                  <a16:creationId xmlns:a16="http://schemas.microsoft.com/office/drawing/2014/main" id="{DD823CE9-7EEE-4B3A-B6AC-FA1B42076AB9}"/>
+                </a:ext>
+              </a:extLst>
+            </p:cNvPr>
+            <p:cNvCxnSpPr>
+              <a:cxnSpLocks/>
+              <a:stCxn id="17" idx="2"/>
+              <a:endCxn id="28" idx="0"/>
+            </p:cNvCxnSpPr>
+            <p:nvPr/>
+          </p:nvCxnSpPr>
+          <p:spPr>
+            <a:xfrm flipH="1">
+              <a:off x="3515796" y="4196012"/>
+              <a:ext cx="5661" cy="589740"/>
+            </a:xfrm>
+            <a:prstGeom prst="straightConnector1">
+              <a:avLst/>
+            </a:prstGeom>
+            <a:ln>
+              <a:solidFill>
+                <a:schemeClr val="tx1"/>
+              </a:solidFill>
+              <a:tailEnd type="triangle"/>
+            </a:ln>
+          </p:spPr>
+          <p:style>
+            <a:lnRef idx="1">
+              <a:schemeClr val="accent1"/>
+            </a:lnRef>
+            <a:fillRef idx="0">
+              <a:schemeClr val="accent1"/>
+            </a:fillRef>
+            <a:effectRef idx="0">
+              <a:schemeClr val="accent1"/>
+            </a:effectRef>
+            <a:fontRef idx="minor">
+              <a:schemeClr val="tx1"/>
+            </a:fontRef>
+          </p:style>
+        </p:cxnSp>
+        <p:cxnSp>
+          <p:nvCxnSpPr>
+            <p:cNvPr id="40" name="직선 화살표 연결선 39">
+              <a:extLst>
+                <a:ext uri="{FF2B5EF4-FFF2-40B4-BE49-F238E27FC236}">
+                  <a16:creationId xmlns:a16="http://schemas.microsoft.com/office/drawing/2014/main" id="{340C665E-9488-4DB2-B7E2-0FB400761D4C}"/>
+                </a:ext>
+              </a:extLst>
+            </p:cNvPr>
+            <p:cNvCxnSpPr>
+              <a:cxnSpLocks/>
+              <a:stCxn id="26" idx="2"/>
+              <a:endCxn id="46" idx="0"/>
+            </p:cNvCxnSpPr>
+            <p:nvPr/>
+          </p:nvCxnSpPr>
+          <p:spPr>
+            <a:xfrm>
+              <a:off x="3521457" y="1679678"/>
+              <a:ext cx="0" cy="337740"/>
+            </a:xfrm>
+            <a:prstGeom prst="straightConnector1">
+              <a:avLst/>
+            </a:prstGeom>
+            <a:ln>
+              <a:solidFill>
+                <a:schemeClr val="tx1"/>
+              </a:solidFill>
+              <a:tailEnd type="triangle"/>
+            </a:ln>
+          </p:spPr>
+          <p:style>
+            <a:lnRef idx="1">
+              <a:schemeClr val="accent1"/>
+            </a:lnRef>
+            <a:fillRef idx="0">
+              <a:schemeClr val="accent1"/>
+            </a:fillRef>
+            <a:effectRef idx="0">
+              <a:schemeClr val="accent1"/>
+            </a:effectRef>
+            <a:fontRef idx="minor">
+              <a:schemeClr val="tx1"/>
+            </a:fontRef>
+          </p:style>
+        </p:cxnSp>
+        <p:sp>
+          <p:nvSpPr>
+            <p:cNvPr id="46" name="다이아몬드 45">
+              <a:extLst>
+                <a:ext uri="{FF2B5EF4-FFF2-40B4-BE49-F238E27FC236}">
+                  <a16:creationId xmlns:a16="http://schemas.microsoft.com/office/drawing/2014/main" id="{294D29EB-21B1-4A44-AA3B-D53A2812376F}"/>
+                </a:ext>
+              </a:extLst>
+            </p:cNvPr>
+            <p:cNvSpPr/>
+            <p:nvPr/>
+          </p:nvSpPr>
+          <p:spPr>
+            <a:xfrm>
+              <a:off x="2081457" y="2017418"/>
+              <a:ext cx="2880000" cy="499557"/>
+            </a:xfrm>
+            <a:prstGeom prst="diamond">
+              <a:avLst/>
+            </a:prstGeom>
+            <a:noFill/>
+            <a:ln>
+              <a:solidFill>
+                <a:schemeClr val="tx1"/>
+              </a:solidFill>
+            </a:ln>
+          </p:spPr>
+          <p:style>
+            <a:lnRef idx="2">
+              <a:schemeClr val="accent1">
+                <a:shade val="50000"/>
+              </a:schemeClr>
+            </a:lnRef>
+            <a:fillRef idx="1">
+              <a:schemeClr val="accent1"/>
+            </a:fillRef>
+            <a:effectRef idx="0">
+              <a:schemeClr val="accent1"/>
+            </a:effectRef>
+            <a:fontRef idx="minor">
+              <a:schemeClr val="lt1"/>
+            </a:fontRef>
+          </p:style>
+          <p:txBody>
+            <a:bodyPr rtlCol="0" anchor="ctr"/>
+            <a:lstStyle/>
+            <a:p>
+              <a:pPr algn="ctr"/>
+              <a:r>
+                <a:rPr lang="en-US" altLang="ko-KR" sz="1467" dirty="0">
+                  <a:solidFill>
+                    <a:sysClr val="windowText" lastClr="000000"/>
+                  </a:solidFill>
+                </a:rPr>
+                <a:t>binary != 0?</a:t>
+              </a:r>
+            </a:p>
+          </p:txBody>
+        </p:sp>
+        <p:cxnSp>
+          <p:nvCxnSpPr>
+            <p:cNvPr id="48" name="직선 화살표 연결선 47">
+              <a:extLst>
+                <a:ext uri="{FF2B5EF4-FFF2-40B4-BE49-F238E27FC236}">
+                  <a16:creationId xmlns:a16="http://schemas.microsoft.com/office/drawing/2014/main" id="{63559FEC-2ED1-4306-8BA6-97CCBBCC7E7F}"/>
+                </a:ext>
+              </a:extLst>
+            </p:cNvPr>
+            <p:cNvCxnSpPr>
+              <a:cxnSpLocks/>
+              <a:stCxn id="46" idx="2"/>
+              <a:endCxn id="15" idx="0"/>
+            </p:cNvCxnSpPr>
+            <p:nvPr/>
+          </p:nvCxnSpPr>
+          <p:spPr>
+            <a:xfrm>
+              <a:off x="3521457" y="2516975"/>
+              <a:ext cx="0" cy="337740"/>
+            </a:xfrm>
+            <a:prstGeom prst="straightConnector1">
+              <a:avLst/>
+            </a:prstGeom>
+            <a:ln>
+              <a:solidFill>
+                <a:schemeClr val="tx1"/>
+              </a:solidFill>
+              <a:tailEnd type="triangle"/>
+            </a:ln>
+          </p:spPr>
+          <p:style>
+            <a:lnRef idx="1">
+              <a:schemeClr val="accent1"/>
+            </a:lnRef>
+            <a:fillRef idx="0">
+              <a:schemeClr val="accent1"/>
+            </a:fillRef>
+            <a:effectRef idx="0">
+              <a:schemeClr val="accent1"/>
+            </a:effectRef>
+            <a:fontRef idx="minor">
+              <a:schemeClr val="tx1"/>
+            </a:fontRef>
+          </p:style>
+        </p:cxnSp>
+        <p:cxnSp>
+          <p:nvCxnSpPr>
+            <p:cNvPr id="52" name="연결선: 꺾임 51">
+              <a:extLst>
+                <a:ext uri="{FF2B5EF4-FFF2-40B4-BE49-F238E27FC236}">
+                  <a16:creationId xmlns:a16="http://schemas.microsoft.com/office/drawing/2014/main" id="{412393BA-F575-4777-88A8-7ACA812F7B53}"/>
+                </a:ext>
+              </a:extLst>
+            </p:cNvPr>
+            <p:cNvCxnSpPr>
+              <a:cxnSpLocks/>
+              <a:stCxn id="28" idx="2"/>
+              <a:endCxn id="46" idx="3"/>
+            </p:cNvCxnSpPr>
+            <p:nvPr/>
+          </p:nvCxnSpPr>
+          <p:spPr>
+            <a:xfrm rot="5400000" flipH="1" flipV="1">
+              <a:off x="2727348" y="3055644"/>
+              <a:ext cx="3022555" cy="1445661"/>
+            </a:xfrm>
+            <a:prstGeom prst="bentConnector4">
+              <a:avLst>
+                <a:gd name="adj1" fmla="val -4243"/>
+                <a:gd name="adj2" fmla="val 224574"/>
+              </a:avLst>
+            </a:prstGeom>
+            <a:ln>
+              <a:solidFill>
+                <a:schemeClr val="tx1"/>
+              </a:solidFill>
+              <a:tailEnd type="triangle"/>
+            </a:ln>
+          </p:spPr>
+          <p:style>
+            <a:lnRef idx="1">
+              <a:schemeClr val="accent1"/>
+            </a:lnRef>
+            <a:fillRef idx="0">
+              <a:schemeClr val="accent1"/>
+            </a:fillRef>
+            <a:effectRef idx="0">
+              <a:schemeClr val="accent1"/>
+            </a:effectRef>
+            <a:fontRef idx="minor">
+              <a:schemeClr val="tx1"/>
+            </a:fontRef>
+          </p:style>
+        </p:cxnSp>
+        <p:cxnSp>
+          <p:nvCxnSpPr>
+            <p:cNvPr id="58" name="연결선: 꺾임 57">
+              <a:extLst>
+                <a:ext uri="{FF2B5EF4-FFF2-40B4-BE49-F238E27FC236}">
+                  <a16:creationId xmlns:a16="http://schemas.microsoft.com/office/drawing/2014/main" id="{83A9B427-A685-4E62-9A39-33AA3479C10B}"/>
+                </a:ext>
+              </a:extLst>
+            </p:cNvPr>
+            <p:cNvCxnSpPr>
+              <a:cxnSpLocks/>
+              <a:stCxn id="25" idx="2"/>
+            </p:cNvCxnSpPr>
+            <p:nvPr/>
+          </p:nvCxnSpPr>
+          <p:spPr>
+            <a:xfrm rot="5400000">
+              <a:off x="4553206" y="3192028"/>
+              <a:ext cx="294872" cy="2302841"/>
+            </a:xfrm>
+            <a:prstGeom prst="bentConnector2">
+              <a:avLst/>
+            </a:prstGeom>
+            <a:ln>
+              <a:solidFill>
+                <a:schemeClr val="tx1"/>
+              </a:solidFill>
+              <a:tailEnd type="triangle"/>
+            </a:ln>
+          </p:spPr>
+          <p:style>
+            <a:lnRef idx="1">
+              <a:schemeClr val="accent1"/>
+            </a:lnRef>
+            <a:fillRef idx="0">
+              <a:schemeClr val="accent1"/>
+            </a:fillRef>
+            <a:effectRef idx="0">
+              <a:schemeClr val="accent1"/>
+            </a:effectRef>
+            <a:fontRef idx="minor">
+              <a:schemeClr val="tx1"/>
+            </a:fontRef>
+          </p:style>
+        </p:cxnSp>
+        <p:sp>
+          <p:nvSpPr>
+            <p:cNvPr id="60" name="TextBox 59">
+              <a:extLst>
+                <a:ext uri="{FF2B5EF4-FFF2-40B4-BE49-F238E27FC236}">
+                  <a16:creationId xmlns:a16="http://schemas.microsoft.com/office/drawing/2014/main" id="{4762EDCD-4110-478B-A802-BB05B28964D9}"/>
+                </a:ext>
+              </a:extLst>
+            </p:cNvPr>
+            <p:cNvSpPr txBox="1"/>
+            <p:nvPr/>
+          </p:nvSpPr>
+          <p:spPr>
+            <a:xfrm>
+              <a:off x="3521456" y="2444048"/>
+              <a:ext cx="417538" cy="322705"/>
+            </a:xfrm>
+            <a:prstGeom prst="rect">
+              <a:avLst/>
+            </a:prstGeom>
+            <a:noFill/>
+          </p:spPr>
+          <p:txBody>
+            <a:bodyPr wrap="square" lIns="48000" tIns="48000" rIns="48000" bIns="48000" rtlCol="0">
+              <a:spAutoFit/>
+            </a:bodyPr>
+            <a:lstStyle/>
+            <a:p>
+              <a:r>
+                <a:rPr lang="en-US" altLang="ko-KR" sz="1467" dirty="0"/>
+                <a:t>true</a:t>
+              </a:r>
+              <a:endParaRPr lang="ko-KR" altLang="en-US" sz="1467" dirty="0"/>
+            </a:p>
+          </p:txBody>
+        </p:sp>
+        <p:sp>
+          <p:nvSpPr>
+            <p:cNvPr id="61" name="TextBox 60">
+              <a:extLst>
+                <a:ext uri="{FF2B5EF4-FFF2-40B4-BE49-F238E27FC236}">
+                  <a16:creationId xmlns:a16="http://schemas.microsoft.com/office/drawing/2014/main" id="{09E76B61-324F-4692-8354-CB3E79B4692B}"/>
+                </a:ext>
+              </a:extLst>
+            </p:cNvPr>
+            <p:cNvSpPr txBox="1"/>
+            <p:nvPr/>
+          </p:nvSpPr>
+          <p:spPr>
+            <a:xfrm>
+              <a:off x="4950133" y="2812024"/>
+              <a:ext cx="417538" cy="322705"/>
+            </a:xfrm>
+            <a:prstGeom prst="rect">
+              <a:avLst/>
+            </a:prstGeom>
+            <a:noFill/>
+          </p:spPr>
+          <p:txBody>
+            <a:bodyPr wrap="square" lIns="48000" tIns="48000" rIns="48000" bIns="48000" rtlCol="0">
+              <a:spAutoFit/>
+            </a:bodyPr>
+            <a:lstStyle/>
+            <a:p>
+              <a:r>
+                <a:rPr lang="en-US" altLang="ko-KR" sz="1467" dirty="0"/>
+                <a:t>true</a:t>
+              </a:r>
+              <a:endParaRPr lang="ko-KR" altLang="en-US" sz="1467" dirty="0"/>
+            </a:p>
+          </p:txBody>
+        </p:sp>
+        <p:sp>
+          <p:nvSpPr>
+            <p:cNvPr id="62" name="TextBox 61">
+              <a:extLst>
+                <a:ext uri="{FF2B5EF4-FFF2-40B4-BE49-F238E27FC236}">
+                  <a16:creationId xmlns:a16="http://schemas.microsoft.com/office/drawing/2014/main" id="{0707BCD6-8510-410C-9EB1-BC72FFBAAFA8}"/>
+                </a:ext>
+              </a:extLst>
+            </p:cNvPr>
+            <p:cNvSpPr txBox="1"/>
+            <p:nvPr/>
+          </p:nvSpPr>
+          <p:spPr>
+            <a:xfrm>
+              <a:off x="3549221" y="3297787"/>
+              <a:ext cx="521627" cy="322705"/>
+            </a:xfrm>
+            <a:prstGeom prst="rect">
+              <a:avLst/>
+            </a:prstGeom>
+            <a:noFill/>
+          </p:spPr>
+          <p:txBody>
+            <a:bodyPr wrap="square" lIns="48000" tIns="48000" rIns="48000" bIns="48000" rtlCol="0">
+              <a:spAutoFit/>
+            </a:bodyPr>
+            <a:lstStyle/>
+            <a:p>
+              <a:r>
+                <a:rPr lang="en-US" altLang="ko-KR" sz="1467" dirty="0"/>
+                <a:t>false</a:t>
+              </a:r>
+              <a:endParaRPr lang="ko-KR" altLang="en-US" sz="1467" dirty="0"/>
+            </a:p>
+          </p:txBody>
+        </p:sp>
+        <p:sp>
+          <p:nvSpPr>
+            <p:cNvPr id="63" name="다이아몬드 62">
+              <a:extLst>
+                <a:ext uri="{FF2B5EF4-FFF2-40B4-BE49-F238E27FC236}">
+                  <a16:creationId xmlns:a16="http://schemas.microsoft.com/office/drawing/2014/main" id="{A4CED61F-BDF6-460F-B08F-029B07214E90}"/>
+                </a:ext>
+              </a:extLst>
+            </p:cNvPr>
+            <p:cNvSpPr/>
+            <p:nvPr/>
+          </p:nvSpPr>
+          <p:spPr>
+            <a:xfrm>
+              <a:off x="285938" y="6300446"/>
+              <a:ext cx="2880000" cy="499557"/>
+            </a:xfrm>
+            <a:prstGeom prst="diamond">
+              <a:avLst/>
+            </a:prstGeom>
+            <a:noFill/>
+            <a:ln>
+              <a:solidFill>
+                <a:schemeClr val="tx1"/>
+              </a:solidFill>
+            </a:ln>
+          </p:spPr>
+          <p:style>
+            <a:lnRef idx="2">
+              <a:schemeClr val="accent1">
+                <a:shade val="50000"/>
+              </a:schemeClr>
+            </a:lnRef>
+            <a:fillRef idx="1">
+              <a:schemeClr val="accent1"/>
+            </a:fillRef>
+            <a:effectRef idx="0">
+              <a:schemeClr val="accent1"/>
+            </a:effectRef>
+            <a:fontRef idx="minor">
+              <a:schemeClr val="lt1"/>
+            </a:fontRef>
+          </p:style>
+          <p:txBody>
+            <a:bodyPr rtlCol="0" anchor="ctr"/>
+            <a:lstStyle/>
+            <a:p>
+              <a:pPr algn="ctr"/>
+              <a:r>
+                <a:rPr lang="en-US" altLang="ko-KR" sz="1467" dirty="0" err="1">
+                  <a:solidFill>
+                    <a:sysClr val="windowText" lastClr="000000"/>
+                  </a:solidFill>
+                </a:rPr>
+                <a:t>map.length</a:t>
+              </a:r>
+              <a:r>
+                <a:rPr lang="en-US" altLang="ko-KR" sz="1467" dirty="0">
+                  <a:solidFill>
+                    <a:sysClr val="windowText" lastClr="000000"/>
+                  </a:solidFill>
+                </a:rPr>
+                <a:t> == n?</a:t>
+              </a:r>
+            </a:p>
+          </p:txBody>
+        </p:sp>
+        <p:cxnSp>
+          <p:nvCxnSpPr>
+            <p:cNvPr id="65" name="연결선: 꺾임 64">
+              <a:extLst>
+                <a:ext uri="{FF2B5EF4-FFF2-40B4-BE49-F238E27FC236}">
+                  <a16:creationId xmlns:a16="http://schemas.microsoft.com/office/drawing/2014/main" id="{47B970B2-7CE7-4555-B1A8-DD47A2EBAD24}"/>
+                </a:ext>
+              </a:extLst>
+            </p:cNvPr>
+            <p:cNvCxnSpPr>
+              <a:stCxn id="46" idx="1"/>
+              <a:endCxn id="63" idx="0"/>
+            </p:cNvCxnSpPr>
+            <p:nvPr/>
+          </p:nvCxnSpPr>
+          <p:spPr>
+            <a:xfrm rot="10800000" flipV="1">
+              <a:off x="1725939" y="2267196"/>
+              <a:ext cx="355519" cy="4033249"/>
+            </a:xfrm>
+            <a:prstGeom prst="bentConnector2">
+              <a:avLst/>
+            </a:prstGeom>
+            <a:ln>
+              <a:solidFill>
+                <a:schemeClr val="tx1"/>
+              </a:solidFill>
+              <a:tailEnd type="triangle"/>
+            </a:ln>
+          </p:spPr>
+          <p:style>
+            <a:lnRef idx="1">
+              <a:schemeClr val="accent1"/>
+            </a:lnRef>
+            <a:fillRef idx="0">
+              <a:schemeClr val="accent1"/>
+            </a:fillRef>
+            <a:effectRef idx="0">
+              <a:schemeClr val="accent1"/>
+            </a:effectRef>
+            <a:fontRef idx="minor">
+              <a:schemeClr val="tx1"/>
+            </a:fontRef>
+          </p:style>
+        </p:cxnSp>
+        <p:sp>
+          <p:nvSpPr>
+            <p:cNvPr id="66" name="TextBox 65">
+              <a:extLst>
+                <a:ext uri="{FF2B5EF4-FFF2-40B4-BE49-F238E27FC236}">
+                  <a16:creationId xmlns:a16="http://schemas.microsoft.com/office/drawing/2014/main" id="{FFC274C6-A375-4B8C-BEC1-A0DEC5B59DE1}"/>
+                </a:ext>
+              </a:extLst>
+            </p:cNvPr>
+            <p:cNvSpPr txBox="1"/>
+            <p:nvPr/>
+          </p:nvSpPr>
+          <p:spPr>
+            <a:xfrm>
+              <a:off x="1832419" y="1900510"/>
+              <a:ext cx="521627" cy="322705"/>
+            </a:xfrm>
+            <a:prstGeom prst="rect">
+              <a:avLst/>
+            </a:prstGeom>
+            <a:noFill/>
+          </p:spPr>
+          <p:txBody>
+            <a:bodyPr wrap="square" lIns="48000" tIns="48000" rIns="48000" bIns="48000" rtlCol="0">
+              <a:spAutoFit/>
+            </a:bodyPr>
+            <a:lstStyle/>
+            <a:p>
+              <a:r>
+                <a:rPr lang="en-US" altLang="ko-KR" sz="1467" dirty="0"/>
+                <a:t>false</a:t>
+              </a:r>
+              <a:endParaRPr lang="ko-KR" altLang="en-US" sz="1467" dirty="0"/>
+            </a:p>
+          </p:txBody>
+        </p:sp>
+        <p:sp>
+          <p:nvSpPr>
+            <p:cNvPr id="69" name="직사각형 68">
+              <a:extLst>
+                <a:ext uri="{FF2B5EF4-FFF2-40B4-BE49-F238E27FC236}">
+                  <a16:creationId xmlns:a16="http://schemas.microsoft.com/office/drawing/2014/main" id="{BBCBEA9F-A9CE-47DB-B999-2D2D641CA907}"/>
+                </a:ext>
+              </a:extLst>
+            </p:cNvPr>
+            <p:cNvSpPr/>
+            <p:nvPr/>
+          </p:nvSpPr>
+          <p:spPr>
+            <a:xfrm>
+              <a:off x="1001457" y="7515015"/>
+              <a:ext cx="1440000" cy="504000"/>
+            </a:xfrm>
+            <a:prstGeom prst="rect">
+              <a:avLst/>
+            </a:prstGeom>
+            <a:noFill/>
+            <a:ln>
+              <a:solidFill>
+                <a:schemeClr val="tx1"/>
+              </a:solidFill>
+            </a:ln>
+          </p:spPr>
+          <p:style>
+            <a:lnRef idx="2">
+              <a:schemeClr val="accent1">
+                <a:shade val="50000"/>
+              </a:schemeClr>
+            </a:lnRef>
+            <a:fillRef idx="1">
+              <a:schemeClr val="accent1"/>
+            </a:fillRef>
+            <a:effectRef idx="0">
+              <a:schemeClr val="accent1"/>
+            </a:effectRef>
+            <a:fontRef idx="minor">
+              <a:schemeClr val="lt1"/>
+            </a:fontRef>
+          </p:style>
+          <p:txBody>
+            <a:bodyPr rtlCol="0" anchor="ctr"/>
+            <a:lstStyle/>
+            <a:p>
+              <a:pPr algn="ctr"/>
+              <a:r>
+                <a:rPr lang="en-US" altLang="ko-KR" sz="1467" dirty="0" err="1">
+                  <a:solidFill>
+                    <a:sysClr val="windowText" lastClr="000000"/>
+                  </a:solidFill>
+                </a:rPr>
+                <a:t>map.reverse</a:t>
+              </a:r>
+              <a:r>
+                <a:rPr lang="en-US" altLang="ko-KR" sz="1467" dirty="0">
+                  <a:solidFill>
+                    <a:sysClr val="windowText" lastClr="000000"/>
+                  </a:solidFill>
+                </a:rPr>
+                <a:t>()</a:t>
+              </a:r>
+            </a:p>
+          </p:txBody>
+        </p:sp>
+        <p:cxnSp>
+          <p:nvCxnSpPr>
+            <p:cNvPr id="70" name="직선 화살표 연결선 69">
+              <a:extLst>
+                <a:ext uri="{FF2B5EF4-FFF2-40B4-BE49-F238E27FC236}">
+                  <a16:creationId xmlns:a16="http://schemas.microsoft.com/office/drawing/2014/main" id="{C5EFBA91-C85F-4CA7-9F0D-35FF84BFD4FA}"/>
+                </a:ext>
+              </a:extLst>
+            </p:cNvPr>
+            <p:cNvCxnSpPr>
+              <a:cxnSpLocks/>
+              <a:stCxn id="63" idx="2"/>
+              <a:endCxn id="69" idx="0"/>
+            </p:cNvCxnSpPr>
+            <p:nvPr/>
+          </p:nvCxnSpPr>
+          <p:spPr>
+            <a:xfrm flipH="1">
+              <a:off x="1721457" y="6800003"/>
+              <a:ext cx="4481" cy="715012"/>
+            </a:xfrm>
+            <a:prstGeom prst="straightConnector1">
+              <a:avLst/>
+            </a:prstGeom>
+            <a:ln>
+              <a:solidFill>
+                <a:schemeClr val="tx1"/>
+              </a:solidFill>
+              <a:tailEnd type="triangle"/>
+            </a:ln>
+          </p:spPr>
+          <p:style>
+            <a:lnRef idx="1">
+              <a:schemeClr val="accent1"/>
+            </a:lnRef>
+            <a:fillRef idx="0">
+              <a:schemeClr val="accent1"/>
+            </a:fillRef>
+            <a:effectRef idx="0">
+              <a:schemeClr val="accent1"/>
+            </a:effectRef>
+            <a:fontRef idx="minor">
+              <a:schemeClr val="tx1"/>
+            </a:fontRef>
+          </p:style>
+        </p:cxnSp>
+        <p:sp>
+          <p:nvSpPr>
+            <p:cNvPr id="73" name="직사각형 72">
+              <a:extLst>
+                <a:ext uri="{FF2B5EF4-FFF2-40B4-BE49-F238E27FC236}">
+                  <a16:creationId xmlns:a16="http://schemas.microsoft.com/office/drawing/2014/main" id="{06D1803F-EF73-4E7F-B4A3-792CBA704346}"/>
+                </a:ext>
+              </a:extLst>
+            </p:cNvPr>
+            <p:cNvSpPr/>
+            <p:nvPr/>
+          </p:nvSpPr>
+          <p:spPr>
+            <a:xfrm>
+              <a:off x="4925222" y="6300445"/>
+              <a:ext cx="1440000" cy="504000"/>
+            </a:xfrm>
+            <a:prstGeom prst="rect">
+              <a:avLst/>
+            </a:prstGeom>
+            <a:noFill/>
+            <a:ln>
+              <a:solidFill>
+                <a:schemeClr val="tx1"/>
+              </a:solidFill>
+            </a:ln>
+          </p:spPr>
+          <p:style>
+            <a:lnRef idx="2">
+              <a:schemeClr val="accent1">
+                <a:shade val="50000"/>
+              </a:schemeClr>
+            </a:lnRef>
+            <a:fillRef idx="1">
+              <a:schemeClr val="accent1"/>
+            </a:fillRef>
+            <a:effectRef idx="0">
+              <a:schemeClr val="accent1"/>
+            </a:effectRef>
+            <a:fontRef idx="minor">
+              <a:schemeClr val="lt1"/>
+            </a:fontRef>
+          </p:style>
+          <p:txBody>
+            <a:bodyPr rtlCol="0" anchor="ctr"/>
+            <a:lstStyle/>
+            <a:p>
+              <a:pPr algn="ctr"/>
+              <a:r>
+                <a:rPr lang="en-US" altLang="ko-KR" sz="1467" dirty="0">
+                  <a:solidFill>
+                    <a:sysClr val="windowText" lastClr="000000"/>
+                  </a:solidFill>
+                </a:rPr>
+                <a:t>append “ “</a:t>
+              </a:r>
+            </a:p>
+          </p:txBody>
+        </p:sp>
+        <p:sp>
+          <p:nvSpPr>
+            <p:cNvPr id="74" name="TextBox 73">
+              <a:extLst>
+                <a:ext uri="{FF2B5EF4-FFF2-40B4-BE49-F238E27FC236}">
+                  <a16:creationId xmlns:a16="http://schemas.microsoft.com/office/drawing/2014/main" id="{6297451C-E9AE-4488-BFAA-F783B1831FEB}"/>
+                </a:ext>
+              </a:extLst>
+            </p:cNvPr>
+            <p:cNvSpPr txBox="1"/>
+            <p:nvPr/>
+          </p:nvSpPr>
+          <p:spPr>
+            <a:xfrm>
+              <a:off x="1832419" y="6773884"/>
+              <a:ext cx="417538" cy="322705"/>
+            </a:xfrm>
+            <a:prstGeom prst="rect">
+              <a:avLst/>
+            </a:prstGeom>
+            <a:noFill/>
+          </p:spPr>
+          <p:txBody>
+            <a:bodyPr wrap="square" lIns="48000" tIns="48000" rIns="48000" bIns="48000" rtlCol="0">
+              <a:spAutoFit/>
+            </a:bodyPr>
+            <a:lstStyle/>
+            <a:p>
+              <a:r>
+                <a:rPr lang="en-US" altLang="ko-KR" sz="1467" dirty="0"/>
+                <a:t>true</a:t>
+              </a:r>
+              <a:endParaRPr lang="ko-KR" altLang="en-US" sz="1467" dirty="0"/>
+            </a:p>
+          </p:txBody>
+        </p:sp>
+        <p:cxnSp>
+          <p:nvCxnSpPr>
+            <p:cNvPr id="76" name="연결선: 꺾임 75">
+              <a:extLst>
+                <a:ext uri="{FF2B5EF4-FFF2-40B4-BE49-F238E27FC236}">
+                  <a16:creationId xmlns:a16="http://schemas.microsoft.com/office/drawing/2014/main" id="{D2A32509-C05A-495E-BA7F-3979488AAEF9}"/>
+                </a:ext>
+              </a:extLst>
+            </p:cNvPr>
+            <p:cNvCxnSpPr>
+              <a:cxnSpLocks/>
+              <a:stCxn id="63" idx="3"/>
+              <a:endCxn id="73" idx="1"/>
+            </p:cNvCxnSpPr>
+            <p:nvPr/>
+          </p:nvCxnSpPr>
+          <p:spPr>
+            <a:xfrm>
+              <a:off x="3165938" y="6550225"/>
+              <a:ext cx="1759284" cy="2220"/>
+            </a:xfrm>
+            <a:prstGeom prst="bentConnector3">
+              <a:avLst>
+                <a:gd name="adj1" fmla="val 50000"/>
+              </a:avLst>
+            </a:prstGeom>
+            <a:ln>
+              <a:tailEnd type="triangle"/>
+            </a:ln>
+          </p:spPr>
+          <p:style>
+            <a:lnRef idx="1">
+              <a:schemeClr val="accent1"/>
+            </a:lnRef>
+            <a:fillRef idx="0">
+              <a:schemeClr val="accent1"/>
+            </a:fillRef>
+            <a:effectRef idx="0">
+              <a:schemeClr val="accent1"/>
+            </a:effectRef>
+            <a:fontRef idx="minor">
+              <a:schemeClr val="tx1"/>
+            </a:fontRef>
+          </p:style>
+        </p:cxnSp>
+        <p:sp>
+          <p:nvSpPr>
+            <p:cNvPr id="77" name="TextBox 76">
+              <a:extLst>
+                <a:ext uri="{FF2B5EF4-FFF2-40B4-BE49-F238E27FC236}">
+                  <a16:creationId xmlns:a16="http://schemas.microsoft.com/office/drawing/2014/main" id="{FD02DC64-EFAE-4445-93B9-85A0F33A220E}"/>
+                </a:ext>
+              </a:extLst>
+            </p:cNvPr>
+            <p:cNvSpPr txBox="1"/>
+            <p:nvPr/>
+          </p:nvSpPr>
+          <p:spPr>
+            <a:xfrm>
+              <a:off x="3171742" y="6204385"/>
+              <a:ext cx="521627" cy="322705"/>
+            </a:xfrm>
+            <a:prstGeom prst="rect">
+              <a:avLst/>
+            </a:prstGeom>
+            <a:noFill/>
+          </p:spPr>
+          <p:txBody>
+            <a:bodyPr wrap="square" lIns="48000" tIns="48000" rIns="48000" bIns="48000" rtlCol="0">
+              <a:spAutoFit/>
+            </a:bodyPr>
+            <a:lstStyle/>
+            <a:p>
+              <a:r>
+                <a:rPr lang="en-US" altLang="ko-KR" sz="1467" dirty="0"/>
+                <a:t>false</a:t>
+              </a:r>
+              <a:endParaRPr lang="ko-KR" altLang="en-US" sz="1467" dirty="0"/>
+            </a:p>
+          </p:txBody>
+        </p:sp>
+        <p:cxnSp>
+          <p:nvCxnSpPr>
+            <p:cNvPr id="82" name="연결선: 꺾임 81">
+              <a:extLst>
+                <a:ext uri="{FF2B5EF4-FFF2-40B4-BE49-F238E27FC236}">
+                  <a16:creationId xmlns:a16="http://schemas.microsoft.com/office/drawing/2014/main" id="{5630698B-E55F-4336-8D0B-3AC9BC0F87E0}"/>
+                </a:ext>
+              </a:extLst>
+            </p:cNvPr>
+            <p:cNvCxnSpPr>
+              <a:cxnSpLocks/>
+              <a:stCxn id="73" idx="0"/>
+            </p:cNvCxnSpPr>
+            <p:nvPr/>
+          </p:nvCxnSpPr>
+          <p:spPr>
+            <a:xfrm rot="16200000" flipV="1">
+              <a:off x="3455237" y="4110459"/>
+              <a:ext cx="471495" cy="3908477"/>
+            </a:xfrm>
+            <a:prstGeom prst="bentConnector2">
+              <a:avLst/>
+            </a:prstGeom>
+            <a:ln>
+              <a:solidFill>
+                <a:schemeClr val="tx1"/>
+              </a:solidFill>
+              <a:tailEnd type="triangle"/>
+            </a:ln>
+          </p:spPr>
+          <p:style>
+            <a:lnRef idx="1">
+              <a:schemeClr val="accent1"/>
+            </a:lnRef>
+            <a:fillRef idx="0">
+              <a:schemeClr val="accent1"/>
+            </a:fillRef>
+            <a:effectRef idx="0">
+              <a:schemeClr val="accent1"/>
+            </a:effectRef>
+            <a:fontRef idx="minor">
+              <a:schemeClr val="tx1"/>
+            </a:fontRef>
+          </p:style>
+        </p:cxnSp>
+      </p:grpSp>
+    </p:spTree>
+    <p:extLst>
+      <p:ext uri="{BB962C8B-B14F-4D97-AF65-F5344CB8AC3E}">
+        <p14:creationId xmlns:p14="http://schemas.microsoft.com/office/powerpoint/2010/main" val="189471835"/>
+      </p:ext>
+    </p:extLst>
+  </p:cSld>
+  <p:clrMapOvr>
+    <a:masterClrMapping/>
+  </p:clrMapOvr>
+</p:sld>
+</file>
+
 <file path=ppt/slides/slide4.xml><?xml version="1.0" encoding="utf-8"?>
 <p:sld xmlns:a="http://schemas.openxmlformats.org/drawingml/2006/main" xmlns:r="http://schemas.openxmlformats.org/officeDocument/2006/relationships" xmlns:p="http://schemas.openxmlformats.org/presentationml/2006/main">
   <p:cSld>

--- a/알고리즘_프로그래머스_Level01_순서도.pptx
+++ b/알고리즘_프로그래머스_Level01_순서도.pptx
@@ -38,6 +38,7 @@
     <p:sldId id="291" r:id="rId32"/>
     <p:sldId id="292" r:id="rId33"/>
     <p:sldId id="293" r:id="rId34"/>
+    <p:sldId id="294" r:id="rId35"/>
   </p:sldIdLst>
   <p:sldSz cx="6858000" cy="9144000" type="screen4x3"/>
   <p:notesSz cx="6858000" cy="9144000"/>
@@ -27260,6 +27261,1638 @@
 </p:sld>
 </file>
 
+<file path=ppt/slides/slide34.xml><?xml version="1.0" encoding="utf-8"?>
+<p:sld xmlns:a="http://schemas.openxmlformats.org/drawingml/2006/main" xmlns:r="http://schemas.openxmlformats.org/officeDocument/2006/relationships" xmlns:p="http://schemas.openxmlformats.org/presentationml/2006/main">
+  <p:cSld>
+    <p:spTree>
+      <p:nvGrpSpPr>
+        <p:cNvPr id="1" name=""/>
+        <p:cNvGrpSpPr/>
+        <p:nvPr/>
+      </p:nvGrpSpPr>
+      <p:grpSpPr>
+        <a:xfrm>
+          <a:off x="0" y="0"/>
+          <a:ext cx="0" cy="0"/>
+          <a:chOff x="0" y="0"/>
+          <a:chExt cx="0" cy="0"/>
+        </a:xfrm>
+      </p:grpSpPr>
+      <p:sp>
+        <p:nvSpPr>
+          <p:cNvPr id="4" name="제목 3">
+            <a:extLst>
+              <a:ext uri="{FF2B5EF4-FFF2-40B4-BE49-F238E27FC236}">
+                <a16:creationId xmlns:a16="http://schemas.microsoft.com/office/drawing/2014/main" id="{30BAC889-89EF-449A-A9AB-0AA582E87CB5}"/>
+              </a:ext>
+            </a:extLst>
+          </p:cNvPr>
+          <p:cNvSpPr>
+            <a:spLocks noGrp="1"/>
+          </p:cNvSpPr>
+          <p:nvPr>
+            <p:ph type="title"/>
+          </p:nvPr>
+        </p:nvSpPr>
+        <p:spPr/>
+        <p:txBody>
+          <a:bodyPr/>
+          <a:lstStyle/>
+          <a:p>
+            <a:r>
+              <a:rPr lang="en-US" altLang="ko-KR" dirty="0"/>
+              <a:t>[1</a:t>
+            </a:r>
+            <a:r>
+              <a:rPr lang="ko-KR" altLang="en-US" dirty="0"/>
+              <a:t>차</a:t>
+            </a:r>
+            <a:r>
+              <a:rPr lang="en-US" altLang="ko-KR" dirty="0"/>
+              <a:t>] </a:t>
+            </a:r>
+            <a:r>
+              <a:rPr lang="ko-KR" altLang="en-US" dirty="0"/>
+              <a:t>다트 게임 </a:t>
+            </a:r>
+            <a:r>
+              <a:rPr lang="en-US" altLang="ko-KR" dirty="0"/>
+              <a:t>(01.29)</a:t>
+            </a:r>
+            <a:endParaRPr lang="ko-KR" altLang="en-US" dirty="0"/>
+          </a:p>
+        </p:txBody>
+      </p:sp>
+      <p:grpSp>
+        <p:nvGrpSpPr>
+          <p:cNvPr id="66" name="그룹 65">
+            <a:extLst>
+              <a:ext uri="{FF2B5EF4-FFF2-40B4-BE49-F238E27FC236}">
+                <a16:creationId xmlns:a16="http://schemas.microsoft.com/office/drawing/2014/main" id="{74457C1A-B1C9-4E81-AFD5-FD95C4D7245B}"/>
+              </a:ext>
+            </a:extLst>
+          </p:cNvPr>
+          <p:cNvGrpSpPr/>
+          <p:nvPr/>
+        </p:nvGrpSpPr>
+        <p:grpSpPr>
+          <a:xfrm>
+            <a:off x="355520" y="1307765"/>
+            <a:ext cx="6059210" cy="7231811"/>
+            <a:chOff x="355520" y="1307765"/>
+            <a:chExt cx="6059210" cy="7231811"/>
+          </a:xfrm>
+        </p:grpSpPr>
+        <p:sp>
+          <p:nvSpPr>
+            <p:cNvPr id="17" name="직사각형 16">
+              <a:extLst>
+                <a:ext uri="{FF2B5EF4-FFF2-40B4-BE49-F238E27FC236}">
+                  <a16:creationId xmlns:a16="http://schemas.microsoft.com/office/drawing/2014/main" id="{8F5E4B63-568F-4C3A-8985-662C568AA49B}"/>
+                </a:ext>
+              </a:extLst>
+            </p:cNvPr>
+            <p:cNvSpPr/>
+            <p:nvPr/>
+          </p:nvSpPr>
+          <p:spPr>
+            <a:xfrm>
+              <a:off x="1080349" y="5511765"/>
+              <a:ext cx="2160000" cy="504000"/>
+            </a:xfrm>
+            <a:prstGeom prst="rect">
+              <a:avLst/>
+            </a:prstGeom>
+            <a:noFill/>
+            <a:ln>
+              <a:solidFill>
+                <a:schemeClr val="tx1"/>
+              </a:solidFill>
+            </a:ln>
+          </p:spPr>
+          <p:style>
+            <a:lnRef idx="2">
+              <a:schemeClr val="accent1">
+                <a:shade val="50000"/>
+              </a:schemeClr>
+            </a:lnRef>
+            <a:fillRef idx="1">
+              <a:schemeClr val="accent1"/>
+            </a:fillRef>
+            <a:effectRef idx="0">
+              <a:schemeClr val="accent1"/>
+            </a:effectRef>
+            <a:fontRef idx="minor">
+              <a:schemeClr val="lt1"/>
+            </a:fontRef>
+          </p:style>
+          <p:txBody>
+            <a:bodyPr rtlCol="0" anchor="ctr"/>
+            <a:lstStyle/>
+            <a:p>
+              <a:pPr algn="ctr"/>
+              <a:r>
+                <a:rPr lang="en-US" altLang="ko-KR" sz="1467" dirty="0">
+                  <a:solidFill>
+                    <a:sysClr val="windowText" lastClr="000000"/>
+                  </a:solidFill>
+                </a:rPr>
+                <a:t>substring(1)</a:t>
+              </a:r>
+            </a:p>
+          </p:txBody>
+        </p:sp>
+        <p:cxnSp>
+          <p:nvCxnSpPr>
+            <p:cNvPr id="18" name="직선 화살표 연결선 17">
+              <a:extLst>
+                <a:ext uri="{FF2B5EF4-FFF2-40B4-BE49-F238E27FC236}">
+                  <a16:creationId xmlns:a16="http://schemas.microsoft.com/office/drawing/2014/main" id="{57C6C074-1C35-4E36-821B-AC7CAE6E22CD}"/>
+                </a:ext>
+              </a:extLst>
+            </p:cNvPr>
+            <p:cNvCxnSpPr>
+              <a:cxnSpLocks/>
+              <a:stCxn id="29" idx="2"/>
+              <a:endCxn id="35" idx="0"/>
+            </p:cNvCxnSpPr>
+            <p:nvPr/>
+          </p:nvCxnSpPr>
+          <p:spPr>
+            <a:xfrm>
+              <a:off x="2155520" y="2640911"/>
+              <a:ext cx="0" cy="339269"/>
+            </a:xfrm>
+            <a:prstGeom prst="straightConnector1">
+              <a:avLst/>
+            </a:prstGeom>
+            <a:ln>
+              <a:solidFill>
+                <a:schemeClr val="tx1"/>
+              </a:solidFill>
+              <a:tailEnd type="triangle"/>
+            </a:ln>
+          </p:spPr>
+          <p:style>
+            <a:lnRef idx="1">
+              <a:schemeClr val="accent1"/>
+            </a:lnRef>
+            <a:fillRef idx="0">
+              <a:schemeClr val="accent1"/>
+            </a:fillRef>
+            <a:effectRef idx="0">
+              <a:schemeClr val="accent1"/>
+            </a:effectRef>
+            <a:fontRef idx="minor">
+              <a:schemeClr val="tx1"/>
+            </a:fontRef>
+          </p:style>
+        </p:cxnSp>
+        <p:sp>
+          <p:nvSpPr>
+            <p:cNvPr id="13" name="직사각형 12">
+              <a:extLst>
+                <a:ext uri="{FF2B5EF4-FFF2-40B4-BE49-F238E27FC236}">
+                  <a16:creationId xmlns:a16="http://schemas.microsoft.com/office/drawing/2014/main" id="{50ED35D7-ACED-4BB9-84B7-C2FF7242E286}"/>
+                </a:ext>
+              </a:extLst>
+            </p:cNvPr>
+            <p:cNvSpPr/>
+            <p:nvPr/>
+          </p:nvSpPr>
+          <p:spPr>
+            <a:xfrm>
+              <a:off x="355520" y="1307765"/>
+              <a:ext cx="3600000" cy="504000"/>
+            </a:xfrm>
+            <a:prstGeom prst="rect">
+              <a:avLst/>
+            </a:prstGeom>
+            <a:noFill/>
+            <a:ln>
+              <a:solidFill>
+                <a:schemeClr val="tx1"/>
+              </a:solidFill>
+            </a:ln>
+          </p:spPr>
+          <p:style>
+            <a:lnRef idx="2">
+              <a:schemeClr val="accent1">
+                <a:shade val="50000"/>
+              </a:schemeClr>
+            </a:lnRef>
+            <a:fillRef idx="1">
+              <a:schemeClr val="accent1"/>
+            </a:fillRef>
+            <a:effectRef idx="0">
+              <a:schemeClr val="accent1"/>
+            </a:effectRef>
+            <a:fontRef idx="minor">
+              <a:schemeClr val="lt1"/>
+            </a:fontRef>
+          </p:style>
+          <p:txBody>
+            <a:bodyPr rtlCol="0" anchor="ctr"/>
+            <a:lstStyle/>
+            <a:p>
+              <a:pPr algn="ctr"/>
+              <a:r>
+                <a:rPr lang="ko-KR" altLang="en-US" sz="1467" dirty="0">
+                  <a:solidFill>
+                    <a:sysClr val="windowText" lastClr="000000"/>
+                  </a:solidFill>
+                </a:rPr>
+                <a:t>문자열의 맨 앞 </a:t>
+              </a:r>
+              <a:r>
+                <a:rPr lang="en-US" altLang="ko-KR" sz="1467" dirty="0">
+                  <a:solidFill>
+                    <a:sysClr val="windowText" lastClr="000000"/>
+                  </a:solidFill>
+                </a:rPr>
+                <a:t>2</a:t>
+              </a:r>
+              <a:r>
+                <a:rPr lang="ko-KR" altLang="en-US" sz="1467" dirty="0">
+                  <a:solidFill>
+                    <a:sysClr val="windowText" lastClr="000000"/>
+                  </a:solidFill>
+                </a:rPr>
+                <a:t>글자를</a:t>
+              </a:r>
+              <a:endParaRPr lang="en-US" altLang="ko-KR" sz="1467" dirty="0">
+                <a:solidFill>
+                  <a:sysClr val="windowText" lastClr="000000"/>
+                </a:solidFill>
+              </a:endParaRPr>
+            </a:p>
+            <a:p>
+              <a:pPr algn="ctr"/>
+              <a:r>
+                <a:rPr lang="en-US" altLang="ko-KR" sz="1467" dirty="0">
+                  <a:solidFill>
+                    <a:sysClr val="windowText" lastClr="000000"/>
+                  </a:solidFill>
+                </a:rPr>
+                <a:t>Integer</a:t>
+              </a:r>
+              <a:r>
+                <a:rPr lang="ko-KR" altLang="en-US" sz="1467" dirty="0">
+                  <a:solidFill>
+                    <a:sysClr val="windowText" lastClr="000000"/>
+                  </a:solidFill>
+                </a:rPr>
+                <a:t>로 </a:t>
+              </a:r>
+              <a:r>
+                <a:rPr lang="ko-KR" altLang="en-US" sz="1467" dirty="0" err="1">
+                  <a:solidFill>
+                    <a:sysClr val="windowText" lastClr="000000"/>
+                  </a:solidFill>
+                </a:rPr>
+                <a:t>파싱한다</a:t>
+              </a:r>
+              <a:endParaRPr lang="en-US" altLang="ko-KR" sz="1467" dirty="0">
+                <a:solidFill>
+                  <a:sysClr val="windowText" lastClr="000000"/>
+                </a:solidFill>
+              </a:endParaRPr>
+            </a:p>
+          </p:txBody>
+        </p:sp>
+        <p:cxnSp>
+          <p:nvCxnSpPr>
+            <p:cNvPr id="10" name="직선 화살표 연결선 9">
+              <a:extLst>
+                <a:ext uri="{FF2B5EF4-FFF2-40B4-BE49-F238E27FC236}">
+                  <a16:creationId xmlns:a16="http://schemas.microsoft.com/office/drawing/2014/main" id="{7C1794C2-E0BD-4407-A49B-0B87C33FDCEC}"/>
+                </a:ext>
+              </a:extLst>
+            </p:cNvPr>
+            <p:cNvCxnSpPr>
+              <a:cxnSpLocks/>
+              <a:endCxn id="11" idx="0"/>
+            </p:cNvCxnSpPr>
+            <p:nvPr/>
+          </p:nvCxnSpPr>
+          <p:spPr>
+            <a:xfrm>
+              <a:off x="2155520" y="6015765"/>
+              <a:ext cx="0" cy="337740"/>
+            </a:xfrm>
+            <a:prstGeom prst="straightConnector1">
+              <a:avLst/>
+            </a:prstGeom>
+            <a:ln>
+              <a:solidFill>
+                <a:schemeClr val="tx1"/>
+              </a:solidFill>
+              <a:tailEnd type="triangle"/>
+            </a:ln>
+          </p:spPr>
+          <p:style>
+            <a:lnRef idx="1">
+              <a:schemeClr val="accent1"/>
+            </a:lnRef>
+            <a:fillRef idx="0">
+              <a:schemeClr val="accent1"/>
+            </a:fillRef>
+            <a:effectRef idx="0">
+              <a:schemeClr val="accent1"/>
+            </a:effectRef>
+            <a:fontRef idx="minor">
+              <a:schemeClr val="tx1"/>
+            </a:fontRef>
+          </p:style>
+        </p:cxnSp>
+        <p:sp>
+          <p:nvSpPr>
+            <p:cNvPr id="11" name="다이아몬드 10">
+              <a:extLst>
+                <a:ext uri="{FF2B5EF4-FFF2-40B4-BE49-F238E27FC236}">
+                  <a16:creationId xmlns:a16="http://schemas.microsoft.com/office/drawing/2014/main" id="{27B11761-1E53-4FCD-B1FC-825EE0BFDA7C}"/>
+                </a:ext>
+              </a:extLst>
+            </p:cNvPr>
+            <p:cNvSpPr/>
+            <p:nvPr/>
+          </p:nvSpPr>
+          <p:spPr>
+            <a:xfrm>
+              <a:off x="715520" y="6353505"/>
+              <a:ext cx="2880000" cy="499557"/>
+            </a:xfrm>
+            <a:prstGeom prst="diamond">
+              <a:avLst/>
+            </a:prstGeom>
+            <a:noFill/>
+            <a:ln>
+              <a:solidFill>
+                <a:schemeClr val="tx1"/>
+              </a:solidFill>
+            </a:ln>
+          </p:spPr>
+          <p:style>
+            <a:lnRef idx="2">
+              <a:schemeClr val="accent1">
+                <a:shade val="50000"/>
+              </a:schemeClr>
+            </a:lnRef>
+            <a:fillRef idx="1">
+              <a:schemeClr val="accent1"/>
+            </a:fillRef>
+            <a:effectRef idx="0">
+              <a:schemeClr val="accent1"/>
+            </a:effectRef>
+            <a:fontRef idx="minor">
+              <a:schemeClr val="lt1"/>
+            </a:fontRef>
+          </p:style>
+          <p:txBody>
+            <a:bodyPr rtlCol="0" anchor="ctr"/>
+            <a:lstStyle/>
+            <a:p>
+              <a:pPr algn="ctr"/>
+              <a:r>
+                <a:rPr lang="en-US" altLang="ko-KR" sz="1467" dirty="0">
+                  <a:solidFill>
+                    <a:sysClr val="windowText" lastClr="000000"/>
+                  </a:solidFill>
+                </a:rPr>
+                <a:t>*, # </a:t>
+              </a:r>
+              <a:r>
+                <a:rPr lang="ko-KR" altLang="en-US" sz="1467" dirty="0">
+                  <a:solidFill>
+                    <a:sysClr val="windowText" lastClr="000000"/>
+                  </a:solidFill>
+                </a:rPr>
+                <a:t>이 나온다</a:t>
+              </a:r>
+              <a:r>
+                <a:rPr lang="en-US" altLang="ko-KR" sz="1467" dirty="0">
+                  <a:solidFill>
+                    <a:sysClr val="windowText" lastClr="000000"/>
+                  </a:solidFill>
+                </a:rPr>
+                <a:t>?</a:t>
+              </a:r>
+            </a:p>
+          </p:txBody>
+        </p:sp>
+        <p:cxnSp>
+          <p:nvCxnSpPr>
+            <p:cNvPr id="15" name="직선 화살표 연결선 14">
+              <a:extLst>
+                <a:ext uri="{FF2B5EF4-FFF2-40B4-BE49-F238E27FC236}">
+                  <a16:creationId xmlns:a16="http://schemas.microsoft.com/office/drawing/2014/main" id="{B87CE85A-A183-48AC-BF18-3F0705F35231}"/>
+                </a:ext>
+              </a:extLst>
+            </p:cNvPr>
+            <p:cNvCxnSpPr>
+              <a:cxnSpLocks/>
+              <a:stCxn id="11" idx="2"/>
+              <a:endCxn id="16" idx="0"/>
+            </p:cNvCxnSpPr>
+            <p:nvPr/>
+          </p:nvCxnSpPr>
+          <p:spPr>
+            <a:xfrm>
+              <a:off x="2155520" y="6853062"/>
+              <a:ext cx="0" cy="344732"/>
+            </a:xfrm>
+            <a:prstGeom prst="straightConnector1">
+              <a:avLst/>
+            </a:prstGeom>
+            <a:ln>
+              <a:solidFill>
+                <a:schemeClr val="tx1"/>
+              </a:solidFill>
+              <a:tailEnd type="triangle"/>
+            </a:ln>
+          </p:spPr>
+          <p:style>
+            <a:lnRef idx="1">
+              <a:schemeClr val="accent1"/>
+            </a:lnRef>
+            <a:fillRef idx="0">
+              <a:schemeClr val="accent1"/>
+            </a:fillRef>
+            <a:effectRef idx="0">
+              <a:schemeClr val="accent1"/>
+            </a:effectRef>
+            <a:fontRef idx="minor">
+              <a:schemeClr val="tx1"/>
+            </a:fontRef>
+          </p:style>
+        </p:cxnSp>
+        <p:sp>
+          <p:nvSpPr>
+            <p:cNvPr id="16" name="직사각형 15">
+              <a:extLst>
+                <a:ext uri="{FF2B5EF4-FFF2-40B4-BE49-F238E27FC236}">
+                  <a16:creationId xmlns:a16="http://schemas.microsoft.com/office/drawing/2014/main" id="{F141DC76-2D9B-4F87-98F0-570764B21A39}"/>
+                </a:ext>
+              </a:extLst>
+            </p:cNvPr>
+            <p:cNvSpPr/>
+            <p:nvPr/>
+          </p:nvSpPr>
+          <p:spPr>
+            <a:xfrm>
+              <a:off x="355520" y="7197794"/>
+              <a:ext cx="3600000" cy="504000"/>
+            </a:xfrm>
+            <a:prstGeom prst="rect">
+              <a:avLst/>
+            </a:prstGeom>
+            <a:noFill/>
+            <a:ln>
+              <a:solidFill>
+                <a:schemeClr val="tx1"/>
+              </a:solidFill>
+            </a:ln>
+          </p:spPr>
+          <p:style>
+            <a:lnRef idx="2">
+              <a:schemeClr val="accent1">
+                <a:shade val="50000"/>
+              </a:schemeClr>
+            </a:lnRef>
+            <a:fillRef idx="1">
+              <a:schemeClr val="accent1"/>
+            </a:fillRef>
+            <a:effectRef idx="0">
+              <a:schemeClr val="accent1"/>
+            </a:effectRef>
+            <a:fontRef idx="minor">
+              <a:schemeClr val="lt1"/>
+            </a:fontRef>
+          </p:style>
+          <p:txBody>
+            <a:bodyPr rtlCol="0" anchor="ctr"/>
+            <a:lstStyle/>
+            <a:p>
+              <a:pPr algn="ctr"/>
+              <a:r>
+                <a:rPr lang="en-US" altLang="ko-KR" sz="1467" dirty="0">
+                  <a:solidFill>
+                    <a:sysClr val="windowText" lastClr="000000"/>
+                  </a:solidFill>
+                </a:rPr>
+                <a:t>scores</a:t>
+              </a:r>
+              <a:r>
+                <a:rPr lang="ko-KR" altLang="en-US" sz="1467" dirty="0">
+                  <a:solidFill>
+                    <a:sysClr val="windowText" lastClr="000000"/>
+                  </a:solidFill>
+                </a:rPr>
+                <a:t>에 적용시킨다</a:t>
+              </a:r>
+              <a:endParaRPr lang="en-US" altLang="ko-KR" sz="1467" dirty="0">
+                <a:solidFill>
+                  <a:sysClr val="windowText" lastClr="000000"/>
+                </a:solidFill>
+              </a:endParaRPr>
+            </a:p>
+          </p:txBody>
+        </p:sp>
+        <p:sp>
+          <p:nvSpPr>
+            <p:cNvPr id="20" name="TextBox 19">
+              <a:extLst>
+                <a:ext uri="{FF2B5EF4-FFF2-40B4-BE49-F238E27FC236}">
+                  <a16:creationId xmlns:a16="http://schemas.microsoft.com/office/drawing/2014/main" id="{F49AD5D5-C25E-4608-BD32-22DE8CCDF28B}"/>
+                </a:ext>
+              </a:extLst>
+            </p:cNvPr>
+            <p:cNvSpPr txBox="1"/>
+            <p:nvPr/>
+          </p:nvSpPr>
+          <p:spPr>
+            <a:xfrm>
+              <a:off x="2277551" y="6853062"/>
+              <a:ext cx="417538" cy="322705"/>
+            </a:xfrm>
+            <a:prstGeom prst="rect">
+              <a:avLst/>
+            </a:prstGeom>
+            <a:noFill/>
+          </p:spPr>
+          <p:txBody>
+            <a:bodyPr wrap="square" lIns="48000" tIns="48000" rIns="48000" bIns="48000" rtlCol="0">
+              <a:spAutoFit/>
+            </a:bodyPr>
+            <a:lstStyle/>
+            <a:p>
+              <a:r>
+                <a:rPr lang="en-US" altLang="ko-KR" sz="1467" dirty="0"/>
+                <a:t>true</a:t>
+              </a:r>
+              <a:endParaRPr lang="ko-KR" altLang="en-US" sz="1467" dirty="0"/>
+            </a:p>
+          </p:txBody>
+        </p:sp>
+        <p:cxnSp>
+          <p:nvCxnSpPr>
+            <p:cNvPr id="8" name="연결선: 꺾임 7">
+              <a:extLst>
+                <a:ext uri="{FF2B5EF4-FFF2-40B4-BE49-F238E27FC236}">
+                  <a16:creationId xmlns:a16="http://schemas.microsoft.com/office/drawing/2014/main" id="{8F54EC0A-980D-4128-AEF0-2407D96957D3}"/>
+                </a:ext>
+              </a:extLst>
+            </p:cNvPr>
+            <p:cNvCxnSpPr>
+              <a:cxnSpLocks/>
+              <a:stCxn id="11" idx="3"/>
+              <a:endCxn id="25" idx="3"/>
+            </p:cNvCxnSpPr>
+            <p:nvPr/>
+          </p:nvCxnSpPr>
+          <p:spPr>
+            <a:xfrm>
+              <a:off x="3595520" y="6603284"/>
+              <a:ext cx="360000" cy="1684292"/>
+            </a:xfrm>
+            <a:prstGeom prst="bentConnector3">
+              <a:avLst>
+                <a:gd name="adj1" fmla="val 163500"/>
+              </a:avLst>
+            </a:prstGeom>
+            <a:ln>
+              <a:solidFill>
+                <a:schemeClr val="tx1"/>
+              </a:solidFill>
+              <a:tailEnd type="triangle"/>
+            </a:ln>
+          </p:spPr>
+          <p:style>
+            <a:lnRef idx="1">
+              <a:schemeClr val="accent1"/>
+            </a:lnRef>
+            <a:fillRef idx="0">
+              <a:schemeClr val="accent1"/>
+            </a:fillRef>
+            <a:effectRef idx="0">
+              <a:schemeClr val="accent1"/>
+            </a:effectRef>
+            <a:fontRef idx="minor">
+              <a:schemeClr val="tx1"/>
+            </a:fontRef>
+          </p:style>
+        </p:cxnSp>
+        <p:sp>
+          <p:nvSpPr>
+            <p:cNvPr id="23" name="TextBox 22">
+              <a:extLst>
+                <a:ext uri="{FF2B5EF4-FFF2-40B4-BE49-F238E27FC236}">
+                  <a16:creationId xmlns:a16="http://schemas.microsoft.com/office/drawing/2014/main" id="{588AAE77-F4FB-49B0-A6BA-71A2D438ADC9}"/>
+                </a:ext>
+              </a:extLst>
+            </p:cNvPr>
+            <p:cNvSpPr txBox="1"/>
+            <p:nvPr/>
+          </p:nvSpPr>
+          <p:spPr>
+            <a:xfrm>
+              <a:off x="3566750" y="6317042"/>
+              <a:ext cx="539999" cy="322705"/>
+            </a:xfrm>
+            <a:prstGeom prst="rect">
+              <a:avLst/>
+            </a:prstGeom>
+            <a:noFill/>
+          </p:spPr>
+          <p:txBody>
+            <a:bodyPr wrap="square" lIns="48000" tIns="48000" rIns="48000" bIns="48000" rtlCol="0">
+              <a:spAutoFit/>
+            </a:bodyPr>
+            <a:lstStyle/>
+            <a:p>
+              <a:r>
+                <a:rPr lang="en-US" altLang="ko-KR" sz="1467" dirty="0"/>
+                <a:t>false</a:t>
+              </a:r>
+              <a:endParaRPr lang="ko-KR" altLang="en-US" sz="1467" dirty="0"/>
+            </a:p>
+          </p:txBody>
+        </p:sp>
+        <p:sp>
+          <p:nvSpPr>
+            <p:cNvPr id="25" name="직사각형 24">
+              <a:extLst>
+                <a:ext uri="{FF2B5EF4-FFF2-40B4-BE49-F238E27FC236}">
+                  <a16:creationId xmlns:a16="http://schemas.microsoft.com/office/drawing/2014/main" id="{F6010F94-F355-4208-B4EF-F88740F6F9EC}"/>
+                </a:ext>
+              </a:extLst>
+            </p:cNvPr>
+            <p:cNvSpPr/>
+            <p:nvPr/>
+          </p:nvSpPr>
+          <p:spPr>
+            <a:xfrm>
+              <a:off x="355520" y="8035576"/>
+              <a:ext cx="3600000" cy="504000"/>
+            </a:xfrm>
+            <a:prstGeom prst="rect">
+              <a:avLst/>
+            </a:prstGeom>
+            <a:noFill/>
+            <a:ln>
+              <a:solidFill>
+                <a:schemeClr val="tx1"/>
+              </a:solidFill>
+            </a:ln>
+          </p:spPr>
+          <p:style>
+            <a:lnRef idx="2">
+              <a:schemeClr val="accent1">
+                <a:shade val="50000"/>
+              </a:schemeClr>
+            </a:lnRef>
+            <a:fillRef idx="1">
+              <a:schemeClr val="accent1"/>
+            </a:fillRef>
+            <a:effectRef idx="0">
+              <a:schemeClr val="accent1"/>
+            </a:effectRef>
+            <a:fontRef idx="minor">
+              <a:schemeClr val="lt1"/>
+            </a:fontRef>
+          </p:style>
+          <p:txBody>
+            <a:bodyPr rtlCol="0" anchor="ctr"/>
+            <a:lstStyle/>
+            <a:p>
+              <a:pPr algn="ctr"/>
+              <a:r>
+                <a:rPr lang="en-US" altLang="ko-KR" sz="1467" dirty="0">
+                  <a:solidFill>
+                    <a:sysClr val="windowText" lastClr="000000"/>
+                  </a:solidFill>
+                </a:rPr>
+                <a:t>scores </a:t>
+              </a:r>
+              <a:r>
+                <a:rPr lang="ko-KR" altLang="en-US" sz="1467" dirty="0">
+                  <a:solidFill>
+                    <a:sysClr val="windowText" lastClr="000000"/>
+                  </a:solidFill>
+                </a:rPr>
+                <a:t>배열로 </a:t>
+              </a:r>
+              <a:r>
+                <a:rPr lang="en-US" altLang="ko-KR" sz="1467" dirty="0">
+                  <a:solidFill>
+                    <a:sysClr val="windowText" lastClr="000000"/>
+                  </a:solidFill>
+                </a:rPr>
+                <a:t>sum</a:t>
+              </a:r>
+              <a:r>
+                <a:rPr lang="ko-KR" altLang="en-US" sz="1467" dirty="0">
+                  <a:solidFill>
+                    <a:sysClr val="windowText" lastClr="000000"/>
+                  </a:solidFill>
+                </a:rPr>
+                <a:t>을 구한다</a:t>
+              </a:r>
+              <a:endParaRPr lang="en-US" altLang="ko-KR" sz="1467" dirty="0">
+                <a:solidFill>
+                  <a:sysClr val="windowText" lastClr="000000"/>
+                </a:solidFill>
+              </a:endParaRPr>
+            </a:p>
+          </p:txBody>
+        </p:sp>
+        <p:cxnSp>
+          <p:nvCxnSpPr>
+            <p:cNvPr id="28" name="직선 화살표 연결선 27">
+              <a:extLst>
+                <a:ext uri="{FF2B5EF4-FFF2-40B4-BE49-F238E27FC236}">
+                  <a16:creationId xmlns:a16="http://schemas.microsoft.com/office/drawing/2014/main" id="{4A9A673E-2053-4A08-A684-5337CD1C27E2}"/>
+                </a:ext>
+              </a:extLst>
+            </p:cNvPr>
+            <p:cNvCxnSpPr>
+              <a:cxnSpLocks/>
+              <a:stCxn id="16" idx="2"/>
+              <a:endCxn id="25" idx="0"/>
+            </p:cNvCxnSpPr>
+            <p:nvPr/>
+          </p:nvCxnSpPr>
+          <p:spPr>
+            <a:xfrm>
+              <a:off x="2155520" y="7701794"/>
+              <a:ext cx="0" cy="333782"/>
+            </a:xfrm>
+            <a:prstGeom prst="straightConnector1">
+              <a:avLst/>
+            </a:prstGeom>
+            <a:ln>
+              <a:solidFill>
+                <a:schemeClr val="tx1"/>
+              </a:solidFill>
+              <a:tailEnd type="triangle"/>
+            </a:ln>
+          </p:spPr>
+          <p:style>
+            <a:lnRef idx="1">
+              <a:schemeClr val="accent1"/>
+            </a:lnRef>
+            <a:fillRef idx="0">
+              <a:schemeClr val="accent1"/>
+            </a:fillRef>
+            <a:effectRef idx="0">
+              <a:schemeClr val="accent1"/>
+            </a:effectRef>
+            <a:fontRef idx="minor">
+              <a:schemeClr val="tx1"/>
+            </a:fontRef>
+          </p:style>
+        </p:cxnSp>
+        <p:sp>
+          <p:nvSpPr>
+            <p:cNvPr id="29" name="다이아몬드 28">
+              <a:extLst>
+                <a:ext uri="{FF2B5EF4-FFF2-40B4-BE49-F238E27FC236}">
+                  <a16:creationId xmlns:a16="http://schemas.microsoft.com/office/drawing/2014/main" id="{098FF494-F1A9-4543-B3B1-24A7BDA4584E}"/>
+                </a:ext>
+              </a:extLst>
+            </p:cNvPr>
+            <p:cNvSpPr/>
+            <p:nvPr/>
+          </p:nvSpPr>
+          <p:spPr>
+            <a:xfrm>
+              <a:off x="715520" y="2141354"/>
+              <a:ext cx="2880000" cy="499557"/>
+            </a:xfrm>
+            <a:prstGeom prst="diamond">
+              <a:avLst/>
+            </a:prstGeom>
+            <a:noFill/>
+            <a:ln>
+              <a:solidFill>
+                <a:schemeClr val="tx1"/>
+              </a:solidFill>
+            </a:ln>
+          </p:spPr>
+          <p:style>
+            <a:lnRef idx="2">
+              <a:schemeClr val="accent1">
+                <a:shade val="50000"/>
+              </a:schemeClr>
+            </a:lnRef>
+            <a:fillRef idx="1">
+              <a:schemeClr val="accent1"/>
+            </a:fillRef>
+            <a:effectRef idx="0">
+              <a:schemeClr val="accent1"/>
+            </a:effectRef>
+            <a:fontRef idx="minor">
+              <a:schemeClr val="lt1"/>
+            </a:fontRef>
+          </p:style>
+          <p:txBody>
+            <a:bodyPr rtlCol="0" anchor="ctr"/>
+            <a:lstStyle/>
+            <a:p>
+              <a:pPr algn="ctr"/>
+              <a:r>
+                <a:rPr lang="ko-KR" altLang="en-US" sz="1467" dirty="0">
+                  <a:solidFill>
+                    <a:sysClr val="windowText" lastClr="000000"/>
+                  </a:solidFill>
+                </a:rPr>
+                <a:t>예외 발생</a:t>
+              </a:r>
+              <a:r>
+                <a:rPr lang="en-US" altLang="ko-KR" sz="1467" dirty="0">
+                  <a:solidFill>
+                    <a:sysClr val="windowText" lastClr="000000"/>
+                  </a:solidFill>
+                </a:rPr>
+                <a:t>?</a:t>
+              </a:r>
+            </a:p>
+          </p:txBody>
+        </p:sp>
+        <p:cxnSp>
+          <p:nvCxnSpPr>
+            <p:cNvPr id="32" name="직선 화살표 연결선 31">
+              <a:extLst>
+                <a:ext uri="{FF2B5EF4-FFF2-40B4-BE49-F238E27FC236}">
+                  <a16:creationId xmlns:a16="http://schemas.microsoft.com/office/drawing/2014/main" id="{5C0E66B3-A9D9-4648-B4C3-8A26B940A465}"/>
+                </a:ext>
+              </a:extLst>
+            </p:cNvPr>
+            <p:cNvCxnSpPr>
+              <a:cxnSpLocks/>
+              <a:stCxn id="13" idx="2"/>
+              <a:endCxn id="29" idx="0"/>
+            </p:cNvCxnSpPr>
+            <p:nvPr/>
+          </p:nvCxnSpPr>
+          <p:spPr>
+            <a:xfrm>
+              <a:off x="2155520" y="1811765"/>
+              <a:ext cx="0" cy="329589"/>
+            </a:xfrm>
+            <a:prstGeom prst="straightConnector1">
+              <a:avLst/>
+            </a:prstGeom>
+            <a:ln>
+              <a:solidFill>
+                <a:schemeClr val="tx1"/>
+              </a:solidFill>
+              <a:tailEnd type="triangle"/>
+            </a:ln>
+          </p:spPr>
+          <p:style>
+            <a:lnRef idx="1">
+              <a:schemeClr val="accent1"/>
+            </a:lnRef>
+            <a:fillRef idx="0">
+              <a:schemeClr val="accent1"/>
+            </a:fillRef>
+            <a:effectRef idx="0">
+              <a:schemeClr val="accent1"/>
+            </a:effectRef>
+            <a:fontRef idx="minor">
+              <a:schemeClr val="tx1"/>
+            </a:fontRef>
+          </p:style>
+        </p:cxnSp>
+        <p:sp>
+          <p:nvSpPr>
+            <p:cNvPr id="35" name="직사각형 34">
+              <a:extLst>
+                <a:ext uri="{FF2B5EF4-FFF2-40B4-BE49-F238E27FC236}">
+                  <a16:creationId xmlns:a16="http://schemas.microsoft.com/office/drawing/2014/main" id="{9FC27F22-1529-4ED0-BB20-DC82CF1EB536}"/>
+                </a:ext>
+              </a:extLst>
+            </p:cNvPr>
+            <p:cNvSpPr/>
+            <p:nvPr/>
+          </p:nvSpPr>
+          <p:spPr>
+            <a:xfrm>
+              <a:off x="355520" y="2980180"/>
+              <a:ext cx="3600000" cy="504000"/>
+            </a:xfrm>
+            <a:prstGeom prst="rect">
+              <a:avLst/>
+            </a:prstGeom>
+            <a:noFill/>
+            <a:ln>
+              <a:solidFill>
+                <a:schemeClr val="tx1"/>
+              </a:solidFill>
+            </a:ln>
+          </p:spPr>
+          <p:style>
+            <a:lnRef idx="2">
+              <a:schemeClr val="accent1">
+                <a:shade val="50000"/>
+              </a:schemeClr>
+            </a:lnRef>
+            <a:fillRef idx="1">
+              <a:schemeClr val="accent1"/>
+            </a:fillRef>
+            <a:effectRef idx="0">
+              <a:schemeClr val="accent1"/>
+            </a:effectRef>
+            <a:fontRef idx="minor">
+              <a:schemeClr val="lt1"/>
+            </a:fontRef>
+          </p:style>
+          <p:txBody>
+            <a:bodyPr rtlCol="0" anchor="ctr"/>
+            <a:lstStyle/>
+            <a:p>
+              <a:pPr algn="ctr"/>
+              <a:r>
+                <a:rPr lang="ko-KR" altLang="en-US" sz="1467" dirty="0">
+                  <a:solidFill>
+                    <a:sysClr val="windowText" lastClr="000000"/>
+                  </a:solidFill>
+                </a:rPr>
+                <a:t>문자열의 맨 앞 </a:t>
+              </a:r>
+              <a:r>
+                <a:rPr lang="en-US" altLang="ko-KR" sz="1467" dirty="0">
+                  <a:solidFill>
+                    <a:sysClr val="windowText" lastClr="000000"/>
+                  </a:solidFill>
+                </a:rPr>
+                <a:t>1</a:t>
+              </a:r>
+              <a:r>
+                <a:rPr lang="ko-KR" altLang="en-US" sz="1467" dirty="0">
+                  <a:solidFill>
+                    <a:sysClr val="windowText" lastClr="000000"/>
+                  </a:solidFill>
+                </a:rPr>
+                <a:t>글자를</a:t>
+              </a:r>
+              <a:endParaRPr lang="en-US" altLang="ko-KR" sz="1467" dirty="0">
+                <a:solidFill>
+                  <a:sysClr val="windowText" lastClr="000000"/>
+                </a:solidFill>
+              </a:endParaRPr>
+            </a:p>
+            <a:p>
+              <a:pPr algn="ctr"/>
+              <a:r>
+                <a:rPr lang="en-US" altLang="ko-KR" sz="1467" dirty="0">
+                  <a:solidFill>
+                    <a:sysClr val="windowText" lastClr="000000"/>
+                  </a:solidFill>
+                </a:rPr>
+                <a:t>Integer</a:t>
+              </a:r>
+              <a:r>
+                <a:rPr lang="ko-KR" altLang="en-US" sz="1467" dirty="0">
+                  <a:solidFill>
+                    <a:sysClr val="windowText" lastClr="000000"/>
+                  </a:solidFill>
+                </a:rPr>
+                <a:t>로 </a:t>
+              </a:r>
+              <a:r>
+                <a:rPr lang="ko-KR" altLang="en-US" sz="1467" dirty="0" err="1">
+                  <a:solidFill>
+                    <a:sysClr val="windowText" lastClr="000000"/>
+                  </a:solidFill>
+                </a:rPr>
+                <a:t>파싱하여</a:t>
+              </a:r>
+              <a:r>
+                <a:rPr lang="ko-KR" altLang="en-US" sz="1467" dirty="0">
+                  <a:solidFill>
+                    <a:sysClr val="windowText" lastClr="000000"/>
+                  </a:solidFill>
+                </a:rPr>
+                <a:t> </a:t>
+              </a:r>
+              <a:r>
+                <a:rPr lang="en-US" altLang="ko-KR" sz="1467" dirty="0">
+                  <a:solidFill>
+                    <a:sysClr val="windowText" lastClr="000000"/>
+                  </a:solidFill>
+                </a:rPr>
+                <a:t>scores[</a:t>
+              </a:r>
+              <a:r>
+                <a:rPr lang="en-US" altLang="ko-KR" sz="1467" dirty="0" err="1">
+                  <a:solidFill>
+                    <a:sysClr val="windowText" lastClr="000000"/>
+                  </a:solidFill>
+                </a:rPr>
+                <a:t>i</a:t>
+              </a:r>
+              <a:r>
+                <a:rPr lang="en-US" altLang="ko-KR" sz="1467" dirty="0">
+                  <a:solidFill>
+                    <a:sysClr val="windowText" lastClr="000000"/>
+                  </a:solidFill>
+                </a:rPr>
+                <a:t>]</a:t>
+              </a:r>
+              <a:r>
+                <a:rPr lang="ko-KR" altLang="en-US" sz="1467" dirty="0">
+                  <a:solidFill>
+                    <a:sysClr val="windowText" lastClr="000000"/>
+                  </a:solidFill>
+                </a:rPr>
+                <a:t>에 저장한다</a:t>
+              </a:r>
+              <a:endParaRPr lang="en-US" altLang="ko-KR" sz="1467" dirty="0">
+                <a:solidFill>
+                  <a:sysClr val="windowText" lastClr="000000"/>
+                </a:solidFill>
+              </a:endParaRPr>
+            </a:p>
+          </p:txBody>
+        </p:sp>
+        <p:cxnSp>
+          <p:nvCxnSpPr>
+            <p:cNvPr id="36" name="직선 화살표 연결선 35">
+              <a:extLst>
+                <a:ext uri="{FF2B5EF4-FFF2-40B4-BE49-F238E27FC236}">
+                  <a16:creationId xmlns:a16="http://schemas.microsoft.com/office/drawing/2014/main" id="{3F55FD50-70F8-4FBD-9F66-44C6EABE1900}"/>
+                </a:ext>
+              </a:extLst>
+            </p:cNvPr>
+            <p:cNvCxnSpPr>
+              <a:cxnSpLocks/>
+              <a:stCxn id="35" idx="2"/>
+              <a:endCxn id="45" idx="0"/>
+            </p:cNvCxnSpPr>
+            <p:nvPr/>
+          </p:nvCxnSpPr>
+          <p:spPr>
+            <a:xfrm>
+              <a:off x="2155520" y="3484180"/>
+              <a:ext cx="4829" cy="325147"/>
+            </a:xfrm>
+            <a:prstGeom prst="straightConnector1">
+              <a:avLst/>
+            </a:prstGeom>
+            <a:ln>
+              <a:solidFill>
+                <a:schemeClr val="tx1"/>
+              </a:solidFill>
+              <a:tailEnd type="triangle"/>
+            </a:ln>
+          </p:spPr>
+          <p:style>
+            <a:lnRef idx="1">
+              <a:schemeClr val="accent1"/>
+            </a:lnRef>
+            <a:fillRef idx="0">
+              <a:schemeClr val="accent1"/>
+            </a:fillRef>
+            <a:effectRef idx="0">
+              <a:schemeClr val="accent1"/>
+            </a:effectRef>
+            <a:fontRef idx="minor">
+              <a:schemeClr val="tx1"/>
+            </a:fontRef>
+          </p:style>
+        </p:cxnSp>
+        <p:sp>
+          <p:nvSpPr>
+            <p:cNvPr id="38" name="TextBox 37">
+              <a:extLst>
+                <a:ext uri="{FF2B5EF4-FFF2-40B4-BE49-F238E27FC236}">
+                  <a16:creationId xmlns:a16="http://schemas.microsoft.com/office/drawing/2014/main" id="{E6DCBF0A-FD88-4E7C-B19F-BFE5B72C339D}"/>
+                </a:ext>
+              </a:extLst>
+            </p:cNvPr>
+            <p:cNvSpPr txBox="1"/>
+            <p:nvPr/>
+          </p:nvSpPr>
+          <p:spPr>
+            <a:xfrm>
+              <a:off x="2277551" y="2618884"/>
+              <a:ext cx="417538" cy="322705"/>
+            </a:xfrm>
+            <a:prstGeom prst="rect">
+              <a:avLst/>
+            </a:prstGeom>
+            <a:noFill/>
+          </p:spPr>
+          <p:txBody>
+            <a:bodyPr wrap="square" lIns="48000" tIns="48000" rIns="48000" bIns="48000" rtlCol="0">
+              <a:spAutoFit/>
+            </a:bodyPr>
+            <a:lstStyle/>
+            <a:p>
+              <a:r>
+                <a:rPr lang="en-US" altLang="ko-KR" sz="1467" dirty="0"/>
+                <a:t>true</a:t>
+              </a:r>
+              <a:endParaRPr lang="ko-KR" altLang="en-US" sz="1467" dirty="0"/>
+            </a:p>
+          </p:txBody>
+        </p:sp>
+        <p:cxnSp>
+          <p:nvCxnSpPr>
+            <p:cNvPr id="39" name="연결선: 꺾임 38">
+              <a:extLst>
+                <a:ext uri="{FF2B5EF4-FFF2-40B4-BE49-F238E27FC236}">
+                  <a16:creationId xmlns:a16="http://schemas.microsoft.com/office/drawing/2014/main" id="{37BEEFB9-5CF3-4BF0-9C03-E0D61CE9DF51}"/>
+                </a:ext>
+              </a:extLst>
+            </p:cNvPr>
+            <p:cNvCxnSpPr>
+              <a:cxnSpLocks/>
+              <a:stCxn id="29" idx="3"/>
+              <a:endCxn id="43" idx="0"/>
+            </p:cNvCxnSpPr>
+            <p:nvPr/>
+          </p:nvCxnSpPr>
+          <p:spPr>
+            <a:xfrm>
+              <a:off x="3595520" y="2391133"/>
+              <a:ext cx="1739210" cy="589047"/>
+            </a:xfrm>
+            <a:prstGeom prst="bentConnector2">
+              <a:avLst/>
+            </a:prstGeom>
+            <a:ln>
+              <a:solidFill>
+                <a:schemeClr val="tx1"/>
+              </a:solidFill>
+              <a:tailEnd type="triangle"/>
+            </a:ln>
+          </p:spPr>
+          <p:style>
+            <a:lnRef idx="1">
+              <a:schemeClr val="accent1"/>
+            </a:lnRef>
+            <a:fillRef idx="0">
+              <a:schemeClr val="accent1"/>
+            </a:fillRef>
+            <a:effectRef idx="0">
+              <a:schemeClr val="accent1"/>
+            </a:effectRef>
+            <a:fontRef idx="minor">
+              <a:schemeClr val="tx1"/>
+            </a:fontRef>
+          </p:style>
+        </p:cxnSp>
+        <p:sp>
+          <p:nvSpPr>
+            <p:cNvPr id="40" name="TextBox 39">
+              <a:extLst>
+                <a:ext uri="{FF2B5EF4-FFF2-40B4-BE49-F238E27FC236}">
+                  <a16:creationId xmlns:a16="http://schemas.microsoft.com/office/drawing/2014/main" id="{D9521618-BC8E-4445-9399-E8BC3FC1EC1A}"/>
+                </a:ext>
+              </a:extLst>
+            </p:cNvPr>
+            <p:cNvSpPr txBox="1"/>
+            <p:nvPr/>
+          </p:nvSpPr>
+          <p:spPr>
+            <a:xfrm>
+              <a:off x="3566750" y="2037724"/>
+              <a:ext cx="539999" cy="322705"/>
+            </a:xfrm>
+            <a:prstGeom prst="rect">
+              <a:avLst/>
+            </a:prstGeom>
+            <a:noFill/>
+          </p:spPr>
+          <p:txBody>
+            <a:bodyPr wrap="square" lIns="48000" tIns="48000" rIns="48000" bIns="48000" rtlCol="0">
+              <a:spAutoFit/>
+            </a:bodyPr>
+            <a:lstStyle/>
+            <a:p>
+              <a:r>
+                <a:rPr lang="en-US" altLang="ko-KR" sz="1467" dirty="0"/>
+                <a:t>false</a:t>
+              </a:r>
+              <a:endParaRPr lang="ko-KR" altLang="en-US" sz="1467" dirty="0"/>
+            </a:p>
+          </p:txBody>
+        </p:sp>
+        <p:sp>
+          <p:nvSpPr>
+            <p:cNvPr id="43" name="직사각형 42">
+              <a:extLst>
+                <a:ext uri="{FF2B5EF4-FFF2-40B4-BE49-F238E27FC236}">
+                  <a16:creationId xmlns:a16="http://schemas.microsoft.com/office/drawing/2014/main" id="{39B69CDA-F63D-4F92-B321-E52C2DD0CBAA}"/>
+                </a:ext>
+              </a:extLst>
+            </p:cNvPr>
+            <p:cNvSpPr/>
+            <p:nvPr/>
+          </p:nvSpPr>
+          <p:spPr>
+            <a:xfrm>
+              <a:off x="4254730" y="2980180"/>
+              <a:ext cx="2160000" cy="504000"/>
+            </a:xfrm>
+            <a:prstGeom prst="rect">
+              <a:avLst/>
+            </a:prstGeom>
+            <a:noFill/>
+            <a:ln>
+              <a:solidFill>
+                <a:schemeClr val="tx1"/>
+              </a:solidFill>
+            </a:ln>
+          </p:spPr>
+          <p:style>
+            <a:lnRef idx="2">
+              <a:schemeClr val="accent1">
+                <a:shade val="50000"/>
+              </a:schemeClr>
+            </a:lnRef>
+            <a:fillRef idx="1">
+              <a:schemeClr val="accent1"/>
+            </a:fillRef>
+            <a:effectRef idx="0">
+              <a:schemeClr val="accent1"/>
+            </a:effectRef>
+            <a:fontRef idx="minor">
+              <a:schemeClr val="lt1"/>
+            </a:fontRef>
+          </p:style>
+          <p:txBody>
+            <a:bodyPr rtlCol="0" anchor="ctr"/>
+            <a:lstStyle/>
+            <a:p>
+              <a:pPr algn="ctr"/>
+              <a:r>
+                <a:rPr lang="en-US" altLang="ko-KR" sz="1467" dirty="0">
+                  <a:solidFill>
+                    <a:sysClr val="windowText" lastClr="000000"/>
+                  </a:solidFill>
+                </a:rPr>
+                <a:t>substring(2)</a:t>
+              </a:r>
+            </a:p>
+          </p:txBody>
+        </p:sp>
+        <p:sp>
+          <p:nvSpPr>
+            <p:cNvPr id="45" name="직사각형 44">
+              <a:extLst>
+                <a:ext uri="{FF2B5EF4-FFF2-40B4-BE49-F238E27FC236}">
+                  <a16:creationId xmlns:a16="http://schemas.microsoft.com/office/drawing/2014/main" id="{9B9D2990-484D-4C76-A25A-2049CB8970FC}"/>
+                </a:ext>
+              </a:extLst>
+            </p:cNvPr>
+            <p:cNvSpPr/>
+            <p:nvPr/>
+          </p:nvSpPr>
+          <p:spPr>
+            <a:xfrm>
+              <a:off x="1080349" y="3809327"/>
+              <a:ext cx="2160000" cy="504000"/>
+            </a:xfrm>
+            <a:prstGeom prst="rect">
+              <a:avLst/>
+            </a:prstGeom>
+            <a:noFill/>
+            <a:ln>
+              <a:solidFill>
+                <a:schemeClr val="tx1"/>
+              </a:solidFill>
+            </a:ln>
+          </p:spPr>
+          <p:style>
+            <a:lnRef idx="2">
+              <a:schemeClr val="accent1">
+                <a:shade val="50000"/>
+              </a:schemeClr>
+            </a:lnRef>
+            <a:fillRef idx="1">
+              <a:schemeClr val="accent1"/>
+            </a:fillRef>
+            <a:effectRef idx="0">
+              <a:schemeClr val="accent1"/>
+            </a:effectRef>
+            <a:fontRef idx="minor">
+              <a:schemeClr val="lt1"/>
+            </a:fontRef>
+          </p:style>
+          <p:txBody>
+            <a:bodyPr rtlCol="0" anchor="ctr"/>
+            <a:lstStyle/>
+            <a:p>
+              <a:pPr algn="ctr"/>
+              <a:r>
+                <a:rPr lang="en-US" altLang="ko-KR" sz="1467" dirty="0">
+                  <a:solidFill>
+                    <a:sysClr val="windowText" lastClr="000000"/>
+                  </a:solidFill>
+                </a:rPr>
+                <a:t>substring(1)</a:t>
+              </a:r>
+            </a:p>
+          </p:txBody>
+        </p:sp>
+        <p:cxnSp>
+          <p:nvCxnSpPr>
+            <p:cNvPr id="48" name="직선 화살표 연결선 47">
+              <a:extLst>
+                <a:ext uri="{FF2B5EF4-FFF2-40B4-BE49-F238E27FC236}">
+                  <a16:creationId xmlns:a16="http://schemas.microsoft.com/office/drawing/2014/main" id="{D982B75B-BF11-40CC-A465-FA004B7F9C3A}"/>
+                </a:ext>
+              </a:extLst>
+            </p:cNvPr>
+            <p:cNvCxnSpPr>
+              <a:cxnSpLocks/>
+              <a:stCxn id="45" idx="2"/>
+              <a:endCxn id="49" idx="0"/>
+            </p:cNvCxnSpPr>
+            <p:nvPr/>
+          </p:nvCxnSpPr>
+          <p:spPr>
+            <a:xfrm flipH="1">
+              <a:off x="2155520" y="4313327"/>
+              <a:ext cx="4829" cy="347219"/>
+            </a:xfrm>
+            <a:prstGeom prst="straightConnector1">
+              <a:avLst/>
+            </a:prstGeom>
+            <a:ln>
+              <a:solidFill>
+                <a:schemeClr val="tx1"/>
+              </a:solidFill>
+              <a:tailEnd type="triangle"/>
+            </a:ln>
+          </p:spPr>
+          <p:style>
+            <a:lnRef idx="1">
+              <a:schemeClr val="accent1"/>
+            </a:lnRef>
+            <a:fillRef idx="0">
+              <a:schemeClr val="accent1"/>
+            </a:fillRef>
+            <a:effectRef idx="0">
+              <a:schemeClr val="accent1"/>
+            </a:effectRef>
+            <a:fontRef idx="minor">
+              <a:schemeClr val="tx1"/>
+            </a:fontRef>
+          </p:style>
+        </p:cxnSp>
+        <p:sp>
+          <p:nvSpPr>
+            <p:cNvPr id="49" name="직사각형 48">
+              <a:extLst>
+                <a:ext uri="{FF2B5EF4-FFF2-40B4-BE49-F238E27FC236}">
+                  <a16:creationId xmlns:a16="http://schemas.microsoft.com/office/drawing/2014/main" id="{CC4D462B-A2D3-42F7-A1F1-3B01F618DFFE}"/>
+                </a:ext>
+              </a:extLst>
+            </p:cNvPr>
+            <p:cNvSpPr/>
+            <p:nvPr/>
+          </p:nvSpPr>
+          <p:spPr>
+            <a:xfrm>
+              <a:off x="355520" y="4660546"/>
+              <a:ext cx="3600000" cy="504000"/>
+            </a:xfrm>
+            <a:prstGeom prst="rect">
+              <a:avLst/>
+            </a:prstGeom>
+            <a:noFill/>
+            <a:ln>
+              <a:solidFill>
+                <a:schemeClr val="tx1"/>
+              </a:solidFill>
+            </a:ln>
+          </p:spPr>
+          <p:style>
+            <a:lnRef idx="2">
+              <a:schemeClr val="accent1">
+                <a:shade val="50000"/>
+              </a:schemeClr>
+            </a:lnRef>
+            <a:fillRef idx="1">
+              <a:schemeClr val="accent1"/>
+            </a:fillRef>
+            <a:effectRef idx="0">
+              <a:schemeClr val="accent1"/>
+            </a:effectRef>
+            <a:fontRef idx="minor">
+              <a:schemeClr val="lt1"/>
+            </a:fontRef>
+          </p:style>
+          <p:txBody>
+            <a:bodyPr rtlCol="0" anchor="ctr"/>
+            <a:lstStyle/>
+            <a:p>
+              <a:pPr algn="ctr"/>
+              <a:r>
+                <a:rPr lang="ko-KR" altLang="en-US" sz="1467" dirty="0">
+                  <a:solidFill>
+                    <a:sysClr val="windowText" lastClr="000000"/>
+                  </a:solidFill>
+                </a:rPr>
+                <a:t>문자열의 맨 앞 </a:t>
+              </a:r>
+              <a:r>
+                <a:rPr lang="en-US" altLang="ko-KR" sz="1467" dirty="0">
+                  <a:solidFill>
+                    <a:sysClr val="windowText" lastClr="000000"/>
+                  </a:solidFill>
+                </a:rPr>
+                <a:t>1</a:t>
+              </a:r>
+              <a:r>
+                <a:rPr lang="ko-KR" altLang="en-US" sz="1467" dirty="0">
+                  <a:solidFill>
+                    <a:sysClr val="windowText" lastClr="000000"/>
+                  </a:solidFill>
+                </a:rPr>
+                <a:t>글자</a:t>
+              </a:r>
+              <a:r>
+                <a:rPr lang="en-US" altLang="ko-KR" sz="1467" dirty="0">
+                  <a:solidFill>
+                    <a:sysClr val="windowText" lastClr="000000"/>
+                  </a:solidFill>
+                </a:rPr>
+                <a:t>(S, D, T)</a:t>
+              </a:r>
+              <a:r>
+                <a:rPr lang="ko-KR" altLang="en-US" sz="1467" dirty="0">
+                  <a:solidFill>
+                    <a:sysClr val="windowText" lastClr="000000"/>
+                  </a:solidFill>
+                </a:rPr>
+                <a:t>를 </a:t>
+              </a:r>
+              <a:r>
+                <a:rPr lang="ko-KR" altLang="en-US" sz="1467" dirty="0" err="1">
+                  <a:solidFill>
+                    <a:sysClr val="windowText" lastClr="000000"/>
+                  </a:solidFill>
+                </a:rPr>
+                <a:t>파싱하여</a:t>
+              </a:r>
+              <a:endParaRPr lang="en-US" altLang="ko-KR" sz="1467" dirty="0">
+                <a:solidFill>
+                  <a:sysClr val="windowText" lastClr="000000"/>
+                </a:solidFill>
+              </a:endParaRPr>
+            </a:p>
+            <a:p>
+              <a:pPr algn="ctr"/>
+              <a:r>
+                <a:rPr lang="en-US" altLang="ko-KR" sz="1467" dirty="0">
+                  <a:solidFill>
+                    <a:sysClr val="windowText" lastClr="000000"/>
+                  </a:solidFill>
+                </a:rPr>
+                <a:t>scores[</a:t>
+              </a:r>
+              <a:r>
+                <a:rPr lang="en-US" altLang="ko-KR" sz="1467" dirty="0" err="1">
+                  <a:solidFill>
+                    <a:sysClr val="windowText" lastClr="000000"/>
+                  </a:solidFill>
+                </a:rPr>
+                <a:t>i</a:t>
+              </a:r>
+              <a:r>
+                <a:rPr lang="en-US" altLang="ko-KR" sz="1467" dirty="0">
+                  <a:solidFill>
+                    <a:sysClr val="windowText" lastClr="000000"/>
+                  </a:solidFill>
+                </a:rPr>
+                <a:t>]</a:t>
+              </a:r>
+              <a:r>
+                <a:rPr lang="ko-KR" altLang="en-US" sz="1467" dirty="0">
+                  <a:solidFill>
+                    <a:sysClr val="windowText" lastClr="000000"/>
+                  </a:solidFill>
+                </a:rPr>
+                <a:t>에 적용한다</a:t>
+              </a:r>
+              <a:endParaRPr lang="en-US" altLang="ko-KR" sz="1467" dirty="0">
+                <a:solidFill>
+                  <a:sysClr val="windowText" lastClr="000000"/>
+                </a:solidFill>
+              </a:endParaRPr>
+            </a:p>
+          </p:txBody>
+        </p:sp>
+        <p:cxnSp>
+          <p:nvCxnSpPr>
+            <p:cNvPr id="51" name="직선 화살표 연결선 50">
+              <a:extLst>
+                <a:ext uri="{FF2B5EF4-FFF2-40B4-BE49-F238E27FC236}">
+                  <a16:creationId xmlns:a16="http://schemas.microsoft.com/office/drawing/2014/main" id="{8F656B8D-32D5-4018-8CF7-2C2C5682EB62}"/>
+                </a:ext>
+              </a:extLst>
+            </p:cNvPr>
+            <p:cNvCxnSpPr>
+              <a:cxnSpLocks/>
+              <a:stCxn id="49" idx="2"/>
+              <a:endCxn id="17" idx="0"/>
+            </p:cNvCxnSpPr>
+            <p:nvPr/>
+          </p:nvCxnSpPr>
+          <p:spPr>
+            <a:xfrm>
+              <a:off x="2155520" y="5164546"/>
+              <a:ext cx="4829" cy="347219"/>
+            </a:xfrm>
+            <a:prstGeom prst="straightConnector1">
+              <a:avLst/>
+            </a:prstGeom>
+            <a:ln>
+              <a:solidFill>
+                <a:schemeClr val="tx1"/>
+              </a:solidFill>
+              <a:tailEnd type="triangle"/>
+            </a:ln>
+          </p:spPr>
+          <p:style>
+            <a:lnRef idx="1">
+              <a:schemeClr val="accent1"/>
+            </a:lnRef>
+            <a:fillRef idx="0">
+              <a:schemeClr val="accent1"/>
+            </a:fillRef>
+            <a:effectRef idx="0">
+              <a:schemeClr val="accent1"/>
+            </a:effectRef>
+            <a:fontRef idx="minor">
+              <a:schemeClr val="tx1"/>
+            </a:fontRef>
+          </p:style>
+        </p:cxnSp>
+        <p:cxnSp>
+          <p:nvCxnSpPr>
+            <p:cNvPr id="57" name="연결선: 꺾임 56">
+              <a:extLst>
+                <a:ext uri="{FF2B5EF4-FFF2-40B4-BE49-F238E27FC236}">
+                  <a16:creationId xmlns:a16="http://schemas.microsoft.com/office/drawing/2014/main" id="{D577DCC7-0B38-41B9-A660-015D53E1658F}"/>
+                </a:ext>
+              </a:extLst>
+            </p:cNvPr>
+            <p:cNvCxnSpPr>
+              <a:stCxn id="43" idx="2"/>
+            </p:cNvCxnSpPr>
+            <p:nvPr/>
+          </p:nvCxnSpPr>
+          <p:spPr>
+            <a:xfrm rot="5400000">
+              <a:off x="3256971" y="2382729"/>
+              <a:ext cx="976308" cy="3179210"/>
+            </a:xfrm>
+            <a:prstGeom prst="bentConnector2">
+              <a:avLst/>
+            </a:prstGeom>
+            <a:ln>
+              <a:solidFill>
+                <a:schemeClr val="tx1"/>
+              </a:solidFill>
+              <a:tailEnd type="triangle"/>
+            </a:ln>
+          </p:spPr>
+          <p:style>
+            <a:lnRef idx="1">
+              <a:schemeClr val="accent1"/>
+            </a:lnRef>
+            <a:fillRef idx="0">
+              <a:schemeClr val="accent1"/>
+            </a:fillRef>
+            <a:effectRef idx="0">
+              <a:schemeClr val="accent1"/>
+            </a:effectRef>
+            <a:fontRef idx="minor">
+              <a:schemeClr val="tx1"/>
+            </a:fontRef>
+          </p:style>
+        </p:cxnSp>
+      </p:grpSp>
+    </p:spTree>
+    <p:extLst>
+      <p:ext uri="{BB962C8B-B14F-4D97-AF65-F5344CB8AC3E}">
+        <p14:creationId xmlns:p14="http://schemas.microsoft.com/office/powerpoint/2010/main" val="160439269"/>
+      </p:ext>
+    </p:extLst>
+  </p:cSld>
+  <p:clrMapOvr>
+    <a:masterClrMapping/>
+  </p:clrMapOvr>
+</p:sld>
+</file>
+
 <file path=ppt/slides/slide4.xml><?xml version="1.0" encoding="utf-8"?>
 <p:sld xmlns:a="http://schemas.openxmlformats.org/drawingml/2006/main" xmlns:r="http://schemas.openxmlformats.org/officeDocument/2006/relationships" xmlns:p="http://schemas.openxmlformats.org/presentationml/2006/main">
   <p:cSld>

--- a/알고리즘_프로그래머스_Level01_순서도.pptx
+++ b/알고리즘_프로그래머스_Level01_순서도.pptx
@@ -39,6 +39,7 @@
     <p:sldId id="292" r:id="rId33"/>
     <p:sldId id="293" r:id="rId34"/>
     <p:sldId id="294" r:id="rId35"/>
+    <p:sldId id="295" r:id="rId36"/>
   </p:sldIdLst>
   <p:sldSz cx="6858000" cy="9144000" type="screen4x3"/>
   <p:notesSz cx="6858000" cy="9144000"/>
@@ -276,7 +277,7 @@
           <a:p>
             <a:fld id="{274DCB2C-481A-4B20-92AC-CEC756183F8E}" type="datetimeFigureOut">
               <a:rPr lang="ko-KR" altLang="en-US" smtClean="0"/>
-              <a:t>2021-01-29</a:t>
+              <a:t>2021-02-01</a:t>
             </a:fld>
             <a:endParaRPr lang="ko-KR" altLang="en-US"/>
           </a:p>
@@ -446,7 +447,7 @@
           <a:p>
             <a:fld id="{274DCB2C-481A-4B20-92AC-CEC756183F8E}" type="datetimeFigureOut">
               <a:rPr lang="ko-KR" altLang="en-US" smtClean="0"/>
-              <a:t>2021-01-29</a:t>
+              <a:t>2021-02-01</a:t>
             </a:fld>
             <a:endParaRPr lang="ko-KR" altLang="en-US"/>
           </a:p>
@@ -626,7 +627,7 @@
           <a:p>
             <a:fld id="{274DCB2C-481A-4B20-92AC-CEC756183F8E}" type="datetimeFigureOut">
               <a:rPr lang="ko-KR" altLang="en-US" smtClean="0"/>
-              <a:t>2021-01-29</a:t>
+              <a:t>2021-02-01</a:t>
             </a:fld>
             <a:endParaRPr lang="ko-KR" altLang="en-US"/>
           </a:p>
@@ -796,7 +797,7 @@
           <a:p>
             <a:fld id="{274DCB2C-481A-4B20-92AC-CEC756183F8E}" type="datetimeFigureOut">
               <a:rPr lang="ko-KR" altLang="en-US" smtClean="0"/>
-              <a:t>2021-01-29</a:t>
+              <a:t>2021-02-01</a:t>
             </a:fld>
             <a:endParaRPr lang="ko-KR" altLang="en-US"/>
           </a:p>
@@ -1040,7 +1041,7 @@
           <a:p>
             <a:fld id="{274DCB2C-481A-4B20-92AC-CEC756183F8E}" type="datetimeFigureOut">
               <a:rPr lang="ko-KR" altLang="en-US" smtClean="0"/>
-              <a:t>2021-01-29</a:t>
+              <a:t>2021-02-01</a:t>
             </a:fld>
             <a:endParaRPr lang="ko-KR" altLang="en-US"/>
           </a:p>
@@ -1272,7 +1273,7 @@
           <a:p>
             <a:fld id="{274DCB2C-481A-4B20-92AC-CEC756183F8E}" type="datetimeFigureOut">
               <a:rPr lang="ko-KR" altLang="en-US" smtClean="0"/>
-              <a:t>2021-01-29</a:t>
+              <a:t>2021-02-01</a:t>
             </a:fld>
             <a:endParaRPr lang="ko-KR" altLang="en-US"/>
           </a:p>
@@ -1639,7 +1640,7 @@
           <a:p>
             <a:fld id="{274DCB2C-481A-4B20-92AC-CEC756183F8E}" type="datetimeFigureOut">
               <a:rPr lang="ko-KR" altLang="en-US" smtClean="0"/>
-              <a:t>2021-01-29</a:t>
+              <a:t>2021-02-01</a:t>
             </a:fld>
             <a:endParaRPr lang="ko-KR" altLang="en-US"/>
           </a:p>
@@ -1757,7 +1758,7 @@
           <a:p>
             <a:fld id="{274DCB2C-481A-4B20-92AC-CEC756183F8E}" type="datetimeFigureOut">
               <a:rPr lang="ko-KR" altLang="en-US" smtClean="0"/>
-              <a:t>2021-01-29</a:t>
+              <a:t>2021-02-01</a:t>
             </a:fld>
             <a:endParaRPr lang="ko-KR" altLang="en-US"/>
           </a:p>
@@ -1852,7 +1853,7 @@
           <a:p>
             <a:fld id="{274DCB2C-481A-4B20-92AC-CEC756183F8E}" type="datetimeFigureOut">
               <a:rPr lang="ko-KR" altLang="en-US" smtClean="0"/>
-              <a:t>2021-01-29</a:t>
+              <a:t>2021-02-01</a:t>
             </a:fld>
             <a:endParaRPr lang="ko-KR" altLang="en-US"/>
           </a:p>
@@ -2129,7 +2130,7 @@
           <a:p>
             <a:fld id="{274DCB2C-481A-4B20-92AC-CEC756183F8E}" type="datetimeFigureOut">
               <a:rPr lang="ko-KR" altLang="en-US" smtClean="0"/>
-              <a:t>2021-01-29</a:t>
+              <a:t>2021-02-01</a:t>
             </a:fld>
             <a:endParaRPr lang="ko-KR" altLang="en-US"/>
           </a:p>
@@ -2386,7 +2387,7 @@
           <a:p>
             <a:fld id="{274DCB2C-481A-4B20-92AC-CEC756183F8E}" type="datetimeFigureOut">
               <a:rPr lang="ko-KR" altLang="en-US" smtClean="0"/>
-              <a:t>2021-01-29</a:t>
+              <a:t>2021-02-01</a:t>
             </a:fld>
             <a:endParaRPr lang="ko-KR" altLang="en-US"/>
           </a:p>
@@ -2599,7 +2600,7 @@
           <a:p>
             <a:fld id="{274DCB2C-481A-4B20-92AC-CEC756183F8E}" type="datetimeFigureOut">
               <a:rPr lang="ko-KR" altLang="en-US" smtClean="0"/>
-              <a:t>2021-01-29</a:t>
+              <a:t>2021-02-01</a:t>
             </a:fld>
             <a:endParaRPr lang="ko-KR" altLang="en-US"/>
           </a:p>
@@ -28893,6 +28894,185 @@
 </p:sld>
 </file>
 
+<file path=ppt/slides/slide35.xml><?xml version="1.0" encoding="utf-8"?>
+<p:sld xmlns:a="http://schemas.openxmlformats.org/drawingml/2006/main" xmlns:r="http://schemas.openxmlformats.org/officeDocument/2006/relationships" xmlns:p="http://schemas.openxmlformats.org/presentationml/2006/main">
+  <p:cSld>
+    <p:spTree>
+      <p:nvGrpSpPr>
+        <p:cNvPr id="1" name=""/>
+        <p:cNvGrpSpPr/>
+        <p:nvPr/>
+      </p:nvGrpSpPr>
+      <p:grpSpPr>
+        <a:xfrm>
+          <a:off x="0" y="0"/>
+          <a:ext cx="0" cy="0"/>
+          <a:chOff x="0" y="0"/>
+          <a:chExt cx="0" cy="0"/>
+        </a:xfrm>
+      </p:grpSpPr>
+      <p:sp>
+        <p:nvSpPr>
+          <p:cNvPr id="4" name="제목 3">
+            <a:extLst>
+              <a:ext uri="{FF2B5EF4-FFF2-40B4-BE49-F238E27FC236}">
+                <a16:creationId xmlns:a16="http://schemas.microsoft.com/office/drawing/2014/main" id="{30BAC889-89EF-449A-A9AB-0AA582E87CB5}"/>
+              </a:ext>
+            </a:extLst>
+          </p:cNvPr>
+          <p:cNvSpPr>
+            <a:spLocks noGrp="1"/>
+          </p:cNvSpPr>
+          <p:nvPr>
+            <p:ph type="title"/>
+          </p:nvPr>
+        </p:nvSpPr>
+        <p:spPr/>
+        <p:txBody>
+          <a:bodyPr/>
+          <a:lstStyle/>
+          <a:p>
+            <a:r>
+              <a:rPr lang="en-US" altLang="ko-KR" dirty="0"/>
+              <a:t>x</a:t>
+            </a:r>
+            <a:r>
+              <a:rPr lang="ko-KR" altLang="en-US" dirty="0"/>
+              <a:t>만큼 간격이 있는 </a:t>
+            </a:r>
+            <a:r>
+              <a:rPr lang="en-US" altLang="ko-KR" dirty="0"/>
+              <a:t>n</a:t>
+            </a:r>
+            <a:r>
+              <a:rPr lang="ko-KR" altLang="en-US" dirty="0"/>
+              <a:t>개의 숫자 </a:t>
+            </a:r>
+            <a:r>
+              <a:rPr lang="en-US" altLang="ko-KR" dirty="0"/>
+              <a:t>(02.01)</a:t>
+            </a:r>
+            <a:endParaRPr lang="ko-KR" altLang="en-US" dirty="0"/>
+          </a:p>
+        </p:txBody>
+      </p:sp>
+      <p:sp>
+        <p:nvSpPr>
+          <p:cNvPr id="26" name="직사각형 25">
+            <a:extLst>
+              <a:ext uri="{FF2B5EF4-FFF2-40B4-BE49-F238E27FC236}">
+                <a16:creationId xmlns:a16="http://schemas.microsoft.com/office/drawing/2014/main" id="{9DEB928F-454D-4054-997B-6797697CBACA}"/>
+              </a:ext>
+            </a:extLst>
+          </p:cNvPr>
+          <p:cNvSpPr/>
+          <p:nvPr/>
+        </p:nvSpPr>
+        <p:spPr>
+          <a:xfrm>
+            <a:off x="355520" y="1175678"/>
+            <a:ext cx="3600000" cy="504000"/>
+          </a:xfrm>
+          <a:prstGeom prst="rect">
+            <a:avLst/>
+          </a:prstGeom>
+          <a:noFill/>
+          <a:ln>
+            <a:solidFill>
+              <a:schemeClr val="tx1"/>
+            </a:solidFill>
+          </a:ln>
+        </p:spPr>
+        <p:style>
+          <a:lnRef idx="2">
+            <a:schemeClr val="accent1">
+              <a:shade val="50000"/>
+            </a:schemeClr>
+          </a:lnRef>
+          <a:fillRef idx="1">
+            <a:schemeClr val="accent1"/>
+          </a:fillRef>
+          <a:effectRef idx="0">
+            <a:schemeClr val="accent1"/>
+          </a:effectRef>
+          <a:fontRef idx="minor">
+            <a:schemeClr val="lt1"/>
+          </a:fontRef>
+        </p:style>
+        <p:txBody>
+          <a:bodyPr rtlCol="0" anchor="ctr"/>
+          <a:lstStyle/>
+          <a:p>
+            <a:pPr algn="ctr"/>
+            <a:r>
+              <a:rPr lang="en-US" altLang="ko-KR" sz="1467" dirty="0">
+                <a:solidFill>
+                  <a:sysClr val="windowText" lastClr="000000"/>
+                </a:solidFill>
+              </a:rPr>
+              <a:t>x</a:t>
+            </a:r>
+            <a:r>
+              <a:rPr lang="ko-KR" altLang="en-US" sz="1467" dirty="0">
+                <a:solidFill>
+                  <a:sysClr val="windowText" lastClr="000000"/>
+                </a:solidFill>
+              </a:rPr>
+              <a:t>를 </a:t>
+            </a:r>
+            <a:r>
+              <a:rPr lang="en-US" altLang="ko-KR" sz="1467" dirty="0">
+                <a:solidFill>
+                  <a:sysClr val="windowText" lastClr="000000"/>
+                </a:solidFill>
+              </a:rPr>
+              <a:t>1</a:t>
+            </a:r>
+            <a:r>
+              <a:rPr lang="ko-KR" altLang="en-US" sz="1467" dirty="0">
+                <a:solidFill>
+                  <a:sysClr val="windowText" lastClr="000000"/>
+                </a:solidFill>
+              </a:rPr>
+              <a:t>부터 </a:t>
+            </a:r>
+            <a:r>
+              <a:rPr lang="en-US" altLang="ko-KR" sz="1467" dirty="0">
+                <a:solidFill>
+                  <a:sysClr val="windowText" lastClr="000000"/>
+                </a:solidFill>
+              </a:rPr>
+              <a:t>n</a:t>
+            </a:r>
+            <a:r>
+              <a:rPr lang="ko-KR" altLang="en-US" sz="1467" dirty="0">
+                <a:solidFill>
+                  <a:sysClr val="windowText" lastClr="000000"/>
+                </a:solidFill>
+              </a:rPr>
+              <a:t>까지 곱한 결과를 출력한다</a:t>
+            </a:r>
+            <a:endParaRPr lang="en-US" altLang="ko-KR" sz="1467" dirty="0">
+              <a:solidFill>
+                <a:sysClr val="windowText" lastClr="000000"/>
+              </a:solidFill>
+            </a:endParaRPr>
+          </a:p>
+        </p:txBody>
+      </p:sp>
+    </p:spTree>
+    <p:extLst>
+      <p:ext uri="{BB962C8B-B14F-4D97-AF65-F5344CB8AC3E}">
+        <p14:creationId xmlns:p14="http://schemas.microsoft.com/office/powerpoint/2010/main" val="3381860578"/>
+      </p:ext>
+    </p:extLst>
+  </p:cSld>
+  <p:clrMapOvr>
+    <a:masterClrMapping/>
+  </p:clrMapOvr>
+</p:sld>
+</file>
+
 <file path=ppt/slides/slide4.xml><?xml version="1.0" encoding="utf-8"?>
 <p:sld xmlns:a="http://schemas.openxmlformats.org/drawingml/2006/main" xmlns:r="http://schemas.openxmlformats.org/officeDocument/2006/relationships" xmlns:p="http://schemas.openxmlformats.org/presentationml/2006/main">
   <p:cSld>

--- a/알고리즘_프로그래머스_Level01_순서도.pptx
+++ b/알고리즘_프로그래머스_Level01_순서도.pptx
@@ -29060,6 +29060,185 @@
           </a:p>
         </p:txBody>
       </p:sp>
+      <p:sp>
+        <p:nvSpPr>
+          <p:cNvPr id="5" name="제목 3">
+            <a:extLst>
+              <a:ext uri="{FF2B5EF4-FFF2-40B4-BE49-F238E27FC236}">
+                <a16:creationId xmlns:a16="http://schemas.microsoft.com/office/drawing/2014/main" id="{BC394677-DBA1-424F-A48B-C9D49DE116F7}"/>
+              </a:ext>
+            </a:extLst>
+          </p:cNvPr>
+          <p:cNvSpPr txBox="1">
+            <a:spLocks/>
+          </p:cNvSpPr>
+          <p:nvPr/>
+        </p:nvSpPr>
+        <p:spPr>
+          <a:xfrm>
+            <a:off x="471489" y="4572000"/>
+            <a:ext cx="5915025" cy="559764"/>
+          </a:xfrm>
+          <a:prstGeom prst="rect">
+            <a:avLst/>
+          </a:prstGeom>
+        </p:spPr>
+        <p:txBody>
+          <a:bodyPr vert="horz" lIns="91440" tIns="45720" rIns="91440" bIns="45720" rtlCol="0" anchor="ctr">
+            <a:normAutofit/>
+          </a:bodyPr>
+          <a:lstStyle>
+            <a:lvl1pPr algn="l" defTabSz="685800" rtl="0" eaLnBrk="1" latinLnBrk="1" hangingPunct="1">
+              <a:lnSpc>
+                <a:spcPct val="90000"/>
+              </a:lnSpc>
+              <a:spcBef>
+                <a:spcPct val="0"/>
+              </a:spcBef>
+              <a:buNone/>
+              <a:defRPr sz="2800" kern="1200">
+                <a:solidFill>
+                  <a:schemeClr val="tx1"/>
+                </a:solidFill>
+                <a:latin typeface="+mj-lt"/>
+                <a:ea typeface="+mj-ea"/>
+                <a:cs typeface="+mj-cs"/>
+              </a:defRPr>
+            </a:lvl1pPr>
+          </a:lstStyle>
+          <a:p>
+            <a:r>
+              <a:rPr lang="ko-KR" altLang="en-US" dirty="0"/>
+              <a:t>직사각형 </a:t>
+            </a:r>
+            <a:r>
+              <a:rPr lang="ko-KR" altLang="en-US" dirty="0" err="1"/>
+              <a:t>별찍기</a:t>
+            </a:r>
+            <a:r>
+              <a:rPr lang="ko-KR" altLang="en-US" dirty="0"/>
+              <a:t> </a:t>
+            </a:r>
+            <a:r>
+              <a:rPr lang="en-US" altLang="ko-KR" dirty="0"/>
+              <a:t>(02.01)</a:t>
+            </a:r>
+            <a:endParaRPr lang="ko-KR" altLang="en-US" dirty="0"/>
+          </a:p>
+        </p:txBody>
+      </p:sp>
+      <p:sp>
+        <p:nvSpPr>
+          <p:cNvPr id="6" name="직사각형 5">
+            <a:extLst>
+              <a:ext uri="{FF2B5EF4-FFF2-40B4-BE49-F238E27FC236}">
+                <a16:creationId xmlns:a16="http://schemas.microsoft.com/office/drawing/2014/main" id="{CF015BFE-8442-4A14-916F-915ABEDFFC63}"/>
+              </a:ext>
+            </a:extLst>
+          </p:cNvPr>
+          <p:cNvSpPr/>
+          <p:nvPr/>
+        </p:nvSpPr>
+        <p:spPr>
+          <a:xfrm>
+            <a:off x="355520" y="5399393"/>
+            <a:ext cx="3600000" cy="504000"/>
+          </a:xfrm>
+          <a:prstGeom prst="rect">
+            <a:avLst/>
+          </a:prstGeom>
+          <a:noFill/>
+          <a:ln>
+            <a:solidFill>
+              <a:schemeClr val="tx1"/>
+            </a:solidFill>
+          </a:ln>
+        </p:spPr>
+        <p:style>
+          <a:lnRef idx="2">
+            <a:schemeClr val="accent1">
+              <a:shade val="50000"/>
+            </a:schemeClr>
+          </a:lnRef>
+          <a:fillRef idx="1">
+            <a:schemeClr val="accent1"/>
+          </a:fillRef>
+          <a:effectRef idx="0">
+            <a:schemeClr val="accent1"/>
+          </a:effectRef>
+          <a:fontRef idx="minor">
+            <a:schemeClr val="lt1"/>
+          </a:fontRef>
+        </p:style>
+        <p:txBody>
+          <a:bodyPr rtlCol="0" anchor="ctr"/>
+          <a:lstStyle/>
+          <a:p>
+            <a:pPr algn="ctr"/>
+            <a:r>
+              <a:rPr lang="en-US" altLang="ko-KR" sz="1467" dirty="0">
+                <a:solidFill>
+                  <a:sysClr val="windowText" lastClr="000000"/>
+                </a:solidFill>
+              </a:rPr>
+              <a:t>m</a:t>
+            </a:r>
+            <a:r>
+              <a:rPr lang="ko-KR" altLang="en-US" sz="1467" dirty="0">
+                <a:solidFill>
+                  <a:sysClr val="windowText" lastClr="000000"/>
+                </a:solidFill>
+              </a:rPr>
+              <a:t>번만큼 </a:t>
+            </a:r>
+            <a:r>
+              <a:rPr lang="en-US" altLang="ko-KR" sz="1467" dirty="0">
+                <a:solidFill>
+                  <a:sysClr val="windowText" lastClr="000000"/>
+                </a:solidFill>
+              </a:rPr>
+              <a:t>n</a:t>
+            </a:r>
+            <a:r>
+              <a:rPr lang="ko-KR" altLang="en-US" sz="1467" dirty="0">
+                <a:solidFill>
+                  <a:sysClr val="windowText" lastClr="000000"/>
+                </a:solidFill>
+              </a:rPr>
+              <a:t>번 </a:t>
+            </a:r>
+            <a:r>
+              <a:rPr lang="en-US" altLang="ko-KR" sz="1467" dirty="0">
+                <a:solidFill>
+                  <a:sysClr val="windowText" lastClr="000000"/>
+                </a:solidFill>
+              </a:rPr>
+              <a:t>*</a:t>
+            </a:r>
+            <a:r>
+              <a:rPr lang="ko-KR" altLang="en-US" sz="1467" dirty="0">
+                <a:solidFill>
+                  <a:sysClr val="windowText" lastClr="000000"/>
+                </a:solidFill>
+              </a:rPr>
+              <a:t>을 찍고 </a:t>
+            </a:r>
+            <a:r>
+              <a:rPr lang="ko-KR" altLang="en-US" sz="1467" dirty="0" err="1">
+                <a:solidFill>
+                  <a:sysClr val="windowText" lastClr="000000"/>
+                </a:solidFill>
+              </a:rPr>
+              <a:t>개행한다</a:t>
+            </a:r>
+            <a:endParaRPr lang="en-US" altLang="ko-KR" sz="1467" dirty="0">
+              <a:solidFill>
+                <a:sysClr val="windowText" lastClr="000000"/>
+              </a:solidFill>
+            </a:endParaRPr>
+          </a:p>
+        </p:txBody>
+      </p:sp>
     </p:spTree>
     <p:extLst>
       <p:ext uri="{BB962C8B-B14F-4D97-AF65-F5344CB8AC3E}">

--- a/알고리즘_프로그래머스_Level01_순서도.pptx
+++ b/알고리즘_프로그래머스_Level01_순서도.pptx
@@ -40,6 +40,7 @@
     <p:sldId id="293" r:id="rId34"/>
     <p:sldId id="294" r:id="rId35"/>
     <p:sldId id="295" r:id="rId36"/>
+    <p:sldId id="296" r:id="rId37"/>
   </p:sldIdLst>
   <p:sldSz cx="6858000" cy="9144000" type="screen4x3"/>
   <p:notesSz cx="6858000" cy="9144000"/>
@@ -277,7 +278,7 @@
           <a:p>
             <a:fld id="{274DCB2C-481A-4B20-92AC-CEC756183F8E}" type="datetimeFigureOut">
               <a:rPr lang="ko-KR" altLang="en-US" smtClean="0"/>
-              <a:t>2021-02-01</a:t>
+              <a:t>2021-02-02</a:t>
             </a:fld>
             <a:endParaRPr lang="ko-KR" altLang="en-US"/>
           </a:p>
@@ -447,7 +448,7 @@
           <a:p>
             <a:fld id="{274DCB2C-481A-4B20-92AC-CEC756183F8E}" type="datetimeFigureOut">
               <a:rPr lang="ko-KR" altLang="en-US" smtClean="0"/>
-              <a:t>2021-02-01</a:t>
+              <a:t>2021-02-02</a:t>
             </a:fld>
             <a:endParaRPr lang="ko-KR" altLang="en-US"/>
           </a:p>
@@ -627,7 +628,7 @@
           <a:p>
             <a:fld id="{274DCB2C-481A-4B20-92AC-CEC756183F8E}" type="datetimeFigureOut">
               <a:rPr lang="ko-KR" altLang="en-US" smtClean="0"/>
-              <a:t>2021-02-01</a:t>
+              <a:t>2021-02-02</a:t>
             </a:fld>
             <a:endParaRPr lang="ko-KR" altLang="en-US"/>
           </a:p>
@@ -797,7 +798,7 @@
           <a:p>
             <a:fld id="{274DCB2C-481A-4B20-92AC-CEC756183F8E}" type="datetimeFigureOut">
               <a:rPr lang="ko-KR" altLang="en-US" smtClean="0"/>
-              <a:t>2021-02-01</a:t>
+              <a:t>2021-02-02</a:t>
             </a:fld>
             <a:endParaRPr lang="ko-KR" altLang="en-US"/>
           </a:p>
@@ -1041,7 +1042,7 @@
           <a:p>
             <a:fld id="{274DCB2C-481A-4B20-92AC-CEC756183F8E}" type="datetimeFigureOut">
               <a:rPr lang="ko-KR" altLang="en-US" smtClean="0"/>
-              <a:t>2021-02-01</a:t>
+              <a:t>2021-02-02</a:t>
             </a:fld>
             <a:endParaRPr lang="ko-KR" altLang="en-US"/>
           </a:p>
@@ -1273,7 +1274,7 @@
           <a:p>
             <a:fld id="{274DCB2C-481A-4B20-92AC-CEC756183F8E}" type="datetimeFigureOut">
               <a:rPr lang="ko-KR" altLang="en-US" smtClean="0"/>
-              <a:t>2021-02-01</a:t>
+              <a:t>2021-02-02</a:t>
             </a:fld>
             <a:endParaRPr lang="ko-KR" altLang="en-US"/>
           </a:p>
@@ -1640,7 +1641,7 @@
           <a:p>
             <a:fld id="{274DCB2C-481A-4B20-92AC-CEC756183F8E}" type="datetimeFigureOut">
               <a:rPr lang="ko-KR" altLang="en-US" smtClean="0"/>
-              <a:t>2021-02-01</a:t>
+              <a:t>2021-02-02</a:t>
             </a:fld>
             <a:endParaRPr lang="ko-KR" altLang="en-US"/>
           </a:p>
@@ -1758,7 +1759,7 @@
           <a:p>
             <a:fld id="{274DCB2C-481A-4B20-92AC-CEC756183F8E}" type="datetimeFigureOut">
               <a:rPr lang="ko-KR" altLang="en-US" smtClean="0"/>
-              <a:t>2021-02-01</a:t>
+              <a:t>2021-02-02</a:t>
             </a:fld>
             <a:endParaRPr lang="ko-KR" altLang="en-US"/>
           </a:p>
@@ -1853,7 +1854,7 @@
           <a:p>
             <a:fld id="{274DCB2C-481A-4B20-92AC-CEC756183F8E}" type="datetimeFigureOut">
               <a:rPr lang="ko-KR" altLang="en-US" smtClean="0"/>
-              <a:t>2021-02-01</a:t>
+              <a:t>2021-02-02</a:t>
             </a:fld>
             <a:endParaRPr lang="ko-KR" altLang="en-US"/>
           </a:p>
@@ -2130,7 +2131,7 @@
           <a:p>
             <a:fld id="{274DCB2C-481A-4B20-92AC-CEC756183F8E}" type="datetimeFigureOut">
               <a:rPr lang="ko-KR" altLang="en-US" smtClean="0"/>
-              <a:t>2021-02-01</a:t>
+              <a:t>2021-02-02</a:t>
             </a:fld>
             <a:endParaRPr lang="ko-KR" altLang="en-US"/>
           </a:p>
@@ -2387,7 +2388,7 @@
           <a:p>
             <a:fld id="{274DCB2C-481A-4B20-92AC-CEC756183F8E}" type="datetimeFigureOut">
               <a:rPr lang="ko-KR" altLang="en-US" smtClean="0"/>
-              <a:t>2021-02-01</a:t>
+              <a:t>2021-02-02</a:t>
             </a:fld>
             <a:endParaRPr lang="ko-KR" altLang="en-US"/>
           </a:p>
@@ -2600,7 +2601,7 @@
           <a:p>
             <a:fld id="{274DCB2C-481A-4B20-92AC-CEC756183F8E}" type="datetimeFigureOut">
               <a:rPr lang="ko-KR" altLang="en-US" smtClean="0"/>
-              <a:t>2021-02-01</a:t>
+              <a:t>2021-02-02</a:t>
             </a:fld>
             <a:endParaRPr lang="ko-KR" altLang="en-US"/>
           </a:p>
@@ -29252,6 +29253,425 @@
 </p:sld>
 </file>
 
+<file path=ppt/slides/slide36.xml><?xml version="1.0" encoding="utf-8"?>
+<p:sld xmlns:a="http://schemas.openxmlformats.org/drawingml/2006/main" xmlns:r="http://schemas.openxmlformats.org/officeDocument/2006/relationships" xmlns:p="http://schemas.openxmlformats.org/presentationml/2006/main">
+  <p:cSld>
+    <p:spTree>
+      <p:nvGrpSpPr>
+        <p:cNvPr id="1" name=""/>
+        <p:cNvGrpSpPr/>
+        <p:nvPr/>
+      </p:nvGrpSpPr>
+      <p:grpSpPr>
+        <a:xfrm>
+          <a:off x="0" y="0"/>
+          <a:ext cx="0" cy="0"/>
+          <a:chOff x="0" y="0"/>
+          <a:chExt cx="0" cy="0"/>
+        </a:xfrm>
+      </p:grpSpPr>
+      <p:sp>
+        <p:nvSpPr>
+          <p:cNvPr id="4" name="제목 3">
+            <a:extLst>
+              <a:ext uri="{FF2B5EF4-FFF2-40B4-BE49-F238E27FC236}">
+                <a16:creationId xmlns:a16="http://schemas.microsoft.com/office/drawing/2014/main" id="{30BAC889-89EF-449A-A9AB-0AA582E87CB5}"/>
+              </a:ext>
+            </a:extLst>
+          </p:cNvPr>
+          <p:cNvSpPr>
+            <a:spLocks noGrp="1"/>
+          </p:cNvSpPr>
+          <p:nvPr>
+            <p:ph type="title"/>
+          </p:nvPr>
+        </p:nvSpPr>
+        <p:spPr/>
+        <p:txBody>
+          <a:bodyPr/>
+          <a:lstStyle/>
+          <a:p>
+            <a:r>
+              <a:rPr lang="ko-KR" altLang="en-US" dirty="0"/>
+              <a:t>실패율 </a:t>
+            </a:r>
+            <a:r>
+              <a:rPr lang="en-US" altLang="ko-KR" dirty="0"/>
+              <a:t>(02.02)</a:t>
+            </a:r>
+            <a:endParaRPr lang="ko-KR" altLang="en-US" dirty="0"/>
+          </a:p>
+        </p:txBody>
+      </p:sp>
+      <p:sp>
+        <p:nvSpPr>
+          <p:cNvPr id="55" name="직사각형 54">
+            <a:extLst>
+              <a:ext uri="{FF2B5EF4-FFF2-40B4-BE49-F238E27FC236}">
+                <a16:creationId xmlns:a16="http://schemas.microsoft.com/office/drawing/2014/main" id="{9099B1F2-7CF4-453A-95C8-64ABCB7E2EAE}"/>
+              </a:ext>
+            </a:extLst>
+          </p:cNvPr>
+          <p:cNvSpPr/>
+          <p:nvPr/>
+        </p:nvSpPr>
+        <p:spPr>
+          <a:xfrm>
+            <a:off x="355520" y="1175678"/>
+            <a:ext cx="3600000" cy="504000"/>
+          </a:xfrm>
+          <a:prstGeom prst="rect">
+            <a:avLst/>
+          </a:prstGeom>
+          <a:noFill/>
+          <a:ln>
+            <a:solidFill>
+              <a:schemeClr val="tx1"/>
+            </a:solidFill>
+          </a:ln>
+        </p:spPr>
+        <p:style>
+          <a:lnRef idx="2">
+            <a:schemeClr val="accent1">
+              <a:shade val="50000"/>
+            </a:schemeClr>
+          </a:lnRef>
+          <a:fillRef idx="1">
+            <a:schemeClr val="accent1"/>
+          </a:fillRef>
+          <a:effectRef idx="0">
+            <a:schemeClr val="accent1"/>
+          </a:effectRef>
+          <a:fontRef idx="minor">
+            <a:schemeClr val="lt1"/>
+          </a:fontRef>
+        </p:style>
+        <p:txBody>
+          <a:bodyPr rtlCol="0" anchor="ctr"/>
+          <a:lstStyle/>
+          <a:p>
+            <a:pPr algn="ctr"/>
+            <a:r>
+              <a:rPr lang="ko-KR" altLang="en-US" sz="1467" dirty="0">
+                <a:solidFill>
+                  <a:sysClr val="windowText" lastClr="000000"/>
+                </a:solidFill>
+              </a:rPr>
+              <a:t>각 </a:t>
+            </a:r>
+            <a:r>
+              <a:rPr lang="en-US" altLang="ko-KR" sz="1467" dirty="0">
+                <a:solidFill>
+                  <a:sysClr val="windowText" lastClr="000000"/>
+                </a:solidFill>
+              </a:rPr>
+              <a:t>stage</a:t>
+            </a:r>
+            <a:r>
+              <a:rPr lang="ko-KR" altLang="en-US" sz="1467" dirty="0">
+                <a:solidFill>
+                  <a:sysClr val="windowText" lastClr="000000"/>
+                </a:solidFill>
+              </a:rPr>
+              <a:t>에 도달한 플레이어 수를 </a:t>
+            </a:r>
+            <a:r>
+              <a:rPr lang="en-US" altLang="ko-KR" sz="1467" dirty="0" err="1">
+                <a:solidFill>
+                  <a:sysClr val="windowText" lastClr="000000"/>
+                </a:solidFill>
+              </a:rPr>
+              <a:t>currentStages</a:t>
+            </a:r>
+            <a:r>
+              <a:rPr lang="en-US" altLang="ko-KR" sz="1467" dirty="0">
+                <a:solidFill>
+                  <a:sysClr val="windowText" lastClr="000000"/>
+                </a:solidFill>
+              </a:rPr>
+              <a:t> </a:t>
+            </a:r>
+            <a:r>
+              <a:rPr lang="ko-KR" altLang="en-US" sz="1467" dirty="0">
+                <a:solidFill>
+                  <a:sysClr val="windowText" lastClr="000000"/>
+                </a:solidFill>
+              </a:rPr>
+              <a:t>배열에 저장한다</a:t>
+            </a:r>
+            <a:endParaRPr lang="en-US" altLang="ko-KR" sz="1467" dirty="0">
+              <a:solidFill>
+                <a:sysClr val="windowText" lastClr="000000"/>
+              </a:solidFill>
+            </a:endParaRPr>
+          </a:p>
+        </p:txBody>
+      </p:sp>
+      <p:cxnSp>
+        <p:nvCxnSpPr>
+          <p:cNvPr id="56" name="직선 화살표 연결선 55">
+            <a:extLst>
+              <a:ext uri="{FF2B5EF4-FFF2-40B4-BE49-F238E27FC236}">
+                <a16:creationId xmlns:a16="http://schemas.microsoft.com/office/drawing/2014/main" id="{4D56E929-9258-461F-AC03-B0A32F421F84}"/>
+              </a:ext>
+            </a:extLst>
+          </p:cNvPr>
+          <p:cNvCxnSpPr>
+            <a:cxnSpLocks/>
+            <a:stCxn id="55" idx="2"/>
+            <a:endCxn id="59" idx="0"/>
+          </p:cNvCxnSpPr>
+          <p:nvPr/>
+        </p:nvCxnSpPr>
+        <p:spPr>
+          <a:xfrm>
+            <a:off x="2155520" y="1679678"/>
+            <a:ext cx="0" cy="364068"/>
+          </a:xfrm>
+          <a:prstGeom prst="straightConnector1">
+            <a:avLst/>
+          </a:prstGeom>
+          <a:ln>
+            <a:solidFill>
+              <a:schemeClr val="tx1"/>
+            </a:solidFill>
+            <a:tailEnd type="triangle"/>
+          </a:ln>
+        </p:spPr>
+        <p:style>
+          <a:lnRef idx="1">
+            <a:schemeClr val="accent1"/>
+          </a:lnRef>
+          <a:fillRef idx="0">
+            <a:schemeClr val="accent1"/>
+          </a:fillRef>
+          <a:effectRef idx="0">
+            <a:schemeClr val="accent1"/>
+          </a:effectRef>
+          <a:fontRef idx="minor">
+            <a:schemeClr val="tx1"/>
+          </a:fontRef>
+        </p:style>
+      </p:cxnSp>
+      <p:sp>
+        <p:nvSpPr>
+          <p:cNvPr id="57" name="직사각형 56">
+            <a:extLst>
+              <a:ext uri="{FF2B5EF4-FFF2-40B4-BE49-F238E27FC236}">
+                <a16:creationId xmlns:a16="http://schemas.microsoft.com/office/drawing/2014/main" id="{466A591E-5FFC-4E47-9944-8D5BEC1F3956}"/>
+              </a:ext>
+            </a:extLst>
+          </p:cNvPr>
+          <p:cNvSpPr/>
+          <p:nvPr/>
+        </p:nvSpPr>
+        <p:spPr>
+          <a:xfrm>
+            <a:off x="355520" y="3249554"/>
+            <a:ext cx="3600000" cy="504000"/>
+          </a:xfrm>
+          <a:prstGeom prst="rect">
+            <a:avLst/>
+          </a:prstGeom>
+          <a:noFill/>
+          <a:ln>
+            <a:solidFill>
+              <a:schemeClr val="tx1"/>
+            </a:solidFill>
+          </a:ln>
+        </p:spPr>
+        <p:style>
+          <a:lnRef idx="2">
+            <a:schemeClr val="accent1">
+              <a:shade val="50000"/>
+            </a:schemeClr>
+          </a:lnRef>
+          <a:fillRef idx="1">
+            <a:schemeClr val="accent1"/>
+          </a:fillRef>
+          <a:effectRef idx="0">
+            <a:schemeClr val="accent1"/>
+          </a:effectRef>
+          <a:fontRef idx="minor">
+            <a:schemeClr val="lt1"/>
+          </a:fontRef>
+        </p:style>
+        <p:txBody>
+          <a:bodyPr rtlCol="0" anchor="ctr"/>
+          <a:lstStyle/>
+          <a:p>
+            <a:pPr algn="ctr"/>
+            <a:endParaRPr lang="en-US" altLang="ko-KR" sz="1467" dirty="0">
+              <a:solidFill>
+                <a:sysClr val="windowText" lastClr="000000"/>
+              </a:solidFill>
+            </a:endParaRPr>
+          </a:p>
+        </p:txBody>
+      </p:sp>
+      <p:cxnSp>
+        <p:nvCxnSpPr>
+          <p:cNvPr id="58" name="직선 화살표 연결선 57">
+            <a:extLst>
+              <a:ext uri="{FF2B5EF4-FFF2-40B4-BE49-F238E27FC236}">
+                <a16:creationId xmlns:a16="http://schemas.microsoft.com/office/drawing/2014/main" id="{D34249FE-56BE-49F2-A76D-4EB253D3B2CE}"/>
+              </a:ext>
+            </a:extLst>
+          </p:cNvPr>
+          <p:cNvCxnSpPr>
+            <a:cxnSpLocks/>
+            <a:stCxn id="59" idx="2"/>
+            <a:endCxn id="57" idx="0"/>
+          </p:cNvCxnSpPr>
+          <p:nvPr/>
+        </p:nvCxnSpPr>
+        <p:spPr>
+          <a:xfrm>
+            <a:off x="2155520" y="2885486"/>
+            <a:ext cx="0" cy="364068"/>
+          </a:xfrm>
+          <a:prstGeom prst="straightConnector1">
+            <a:avLst/>
+          </a:prstGeom>
+          <a:ln>
+            <a:solidFill>
+              <a:schemeClr val="tx1"/>
+            </a:solidFill>
+            <a:tailEnd type="triangle"/>
+          </a:ln>
+        </p:spPr>
+        <p:style>
+          <a:lnRef idx="1">
+            <a:schemeClr val="accent1"/>
+          </a:lnRef>
+          <a:fillRef idx="0">
+            <a:schemeClr val="accent1"/>
+          </a:fillRef>
+          <a:effectRef idx="0">
+            <a:schemeClr val="accent1"/>
+          </a:effectRef>
+          <a:fontRef idx="minor">
+            <a:schemeClr val="tx1"/>
+          </a:fontRef>
+        </p:style>
+      </p:cxnSp>
+      <p:sp>
+        <p:nvSpPr>
+          <p:cNvPr id="59" name="직사각형 58">
+            <a:extLst>
+              <a:ext uri="{FF2B5EF4-FFF2-40B4-BE49-F238E27FC236}">
+                <a16:creationId xmlns:a16="http://schemas.microsoft.com/office/drawing/2014/main" id="{573D6A39-E44C-4B21-86C6-C3CBAA949C2F}"/>
+              </a:ext>
+            </a:extLst>
+          </p:cNvPr>
+          <p:cNvSpPr/>
+          <p:nvPr/>
+        </p:nvSpPr>
+        <p:spPr>
+          <a:xfrm>
+            <a:off x="355520" y="2043746"/>
+            <a:ext cx="3600000" cy="841740"/>
+          </a:xfrm>
+          <a:prstGeom prst="rect">
+            <a:avLst/>
+          </a:prstGeom>
+          <a:noFill/>
+          <a:ln>
+            <a:solidFill>
+              <a:schemeClr val="tx1"/>
+            </a:solidFill>
+          </a:ln>
+        </p:spPr>
+        <p:style>
+          <a:lnRef idx="2">
+            <a:schemeClr val="accent1">
+              <a:shade val="50000"/>
+            </a:schemeClr>
+          </a:lnRef>
+          <a:fillRef idx="1">
+            <a:schemeClr val="accent1"/>
+          </a:fillRef>
+          <a:effectRef idx="0">
+            <a:schemeClr val="accent1"/>
+          </a:effectRef>
+          <a:fontRef idx="minor">
+            <a:schemeClr val="lt1"/>
+          </a:fontRef>
+        </p:style>
+        <p:txBody>
+          <a:bodyPr rtlCol="0" anchor="ctr"/>
+          <a:lstStyle/>
+          <a:p>
+            <a:pPr algn="ctr"/>
+            <a:r>
+              <a:rPr lang="ko-KR" altLang="en-US" sz="1467" dirty="0">
+                <a:solidFill>
+                  <a:sysClr val="windowText" lastClr="000000"/>
+                </a:solidFill>
+              </a:rPr>
+              <a:t>스테이지에 도달했으나</a:t>
+            </a:r>
+            <a:endParaRPr lang="en-US" altLang="ko-KR" sz="1467" dirty="0">
+              <a:solidFill>
+                <a:sysClr val="windowText" lastClr="000000"/>
+              </a:solidFill>
+            </a:endParaRPr>
+          </a:p>
+          <a:p>
+            <a:pPr algn="ctr"/>
+            <a:r>
+              <a:rPr lang="ko-KR" altLang="en-US" sz="1467" dirty="0">
+                <a:solidFill>
+                  <a:sysClr val="windowText" lastClr="000000"/>
+                </a:solidFill>
+              </a:rPr>
+              <a:t>아직 클리어하지 못한 플레이어의 수를 </a:t>
+            </a:r>
+            <a:endParaRPr lang="en-US" altLang="ko-KR" sz="1467" dirty="0">
+              <a:solidFill>
+                <a:sysClr val="windowText" lastClr="000000"/>
+              </a:solidFill>
+            </a:endParaRPr>
+          </a:p>
+          <a:p>
+            <a:pPr algn="ctr"/>
+            <a:r>
+              <a:rPr lang="en-US" altLang="ko-KR" sz="1467" dirty="0">
+                <a:solidFill>
+                  <a:sysClr val="windowText" lastClr="000000"/>
+                </a:solidFill>
+              </a:rPr>
+              <a:t>remainder </a:t>
+            </a:r>
+            <a:r>
+              <a:rPr lang="ko-KR" altLang="en-US" sz="1467" dirty="0">
+                <a:solidFill>
+                  <a:sysClr val="windowText" lastClr="000000"/>
+                </a:solidFill>
+              </a:rPr>
+              <a:t>배열에 저장한다</a:t>
+            </a:r>
+            <a:endParaRPr lang="en-US" altLang="ko-KR" sz="1467" dirty="0">
+              <a:solidFill>
+                <a:sysClr val="windowText" lastClr="000000"/>
+              </a:solidFill>
+            </a:endParaRPr>
+          </a:p>
+        </p:txBody>
+      </p:sp>
+    </p:spTree>
+    <p:extLst>
+      <p:ext uri="{BB962C8B-B14F-4D97-AF65-F5344CB8AC3E}">
+        <p14:creationId xmlns:p14="http://schemas.microsoft.com/office/powerpoint/2010/main" val="4209262651"/>
+      </p:ext>
+    </p:extLst>
+  </p:cSld>
+  <p:clrMapOvr>
+    <a:masterClrMapping/>
+  </p:clrMapOvr>
+</p:sld>
+</file>
+
 <file path=ppt/slides/slide4.xml><?xml version="1.0" encoding="utf-8"?>
 <p:sld xmlns:a="http://schemas.openxmlformats.org/drawingml/2006/main" xmlns:r="http://schemas.openxmlformats.org/officeDocument/2006/relationships" xmlns:p="http://schemas.openxmlformats.org/presentationml/2006/main">
   <p:cSld>

--- a/알고리즘_프로그래머스_Level01_순서도.pptx
+++ b/알고리즘_프로그래머스_Level01_순서도.pptx
@@ -278,7 +278,7 @@
           <a:p>
             <a:fld id="{274DCB2C-481A-4B20-92AC-CEC756183F8E}" type="datetimeFigureOut">
               <a:rPr lang="ko-KR" altLang="en-US" smtClean="0"/>
-              <a:t>2021-02-02</a:t>
+              <a:t>2021-02-04</a:t>
             </a:fld>
             <a:endParaRPr lang="ko-KR" altLang="en-US"/>
           </a:p>
@@ -448,7 +448,7 @@
           <a:p>
             <a:fld id="{274DCB2C-481A-4B20-92AC-CEC756183F8E}" type="datetimeFigureOut">
               <a:rPr lang="ko-KR" altLang="en-US" smtClean="0"/>
-              <a:t>2021-02-02</a:t>
+              <a:t>2021-02-04</a:t>
             </a:fld>
             <a:endParaRPr lang="ko-KR" altLang="en-US"/>
           </a:p>
@@ -628,7 +628,7 @@
           <a:p>
             <a:fld id="{274DCB2C-481A-4B20-92AC-CEC756183F8E}" type="datetimeFigureOut">
               <a:rPr lang="ko-KR" altLang="en-US" smtClean="0"/>
-              <a:t>2021-02-02</a:t>
+              <a:t>2021-02-04</a:t>
             </a:fld>
             <a:endParaRPr lang="ko-KR" altLang="en-US"/>
           </a:p>
@@ -798,7 +798,7 @@
           <a:p>
             <a:fld id="{274DCB2C-481A-4B20-92AC-CEC756183F8E}" type="datetimeFigureOut">
               <a:rPr lang="ko-KR" altLang="en-US" smtClean="0"/>
-              <a:t>2021-02-02</a:t>
+              <a:t>2021-02-04</a:t>
             </a:fld>
             <a:endParaRPr lang="ko-KR" altLang="en-US"/>
           </a:p>
@@ -1042,7 +1042,7 @@
           <a:p>
             <a:fld id="{274DCB2C-481A-4B20-92AC-CEC756183F8E}" type="datetimeFigureOut">
               <a:rPr lang="ko-KR" altLang="en-US" smtClean="0"/>
-              <a:t>2021-02-02</a:t>
+              <a:t>2021-02-04</a:t>
             </a:fld>
             <a:endParaRPr lang="ko-KR" altLang="en-US"/>
           </a:p>
@@ -1274,7 +1274,7 @@
           <a:p>
             <a:fld id="{274DCB2C-481A-4B20-92AC-CEC756183F8E}" type="datetimeFigureOut">
               <a:rPr lang="ko-KR" altLang="en-US" smtClean="0"/>
-              <a:t>2021-02-02</a:t>
+              <a:t>2021-02-04</a:t>
             </a:fld>
             <a:endParaRPr lang="ko-KR" altLang="en-US"/>
           </a:p>
@@ -1641,7 +1641,7 @@
           <a:p>
             <a:fld id="{274DCB2C-481A-4B20-92AC-CEC756183F8E}" type="datetimeFigureOut">
               <a:rPr lang="ko-KR" altLang="en-US" smtClean="0"/>
-              <a:t>2021-02-02</a:t>
+              <a:t>2021-02-04</a:t>
             </a:fld>
             <a:endParaRPr lang="ko-KR" altLang="en-US"/>
           </a:p>
@@ -1759,7 +1759,7 @@
           <a:p>
             <a:fld id="{274DCB2C-481A-4B20-92AC-CEC756183F8E}" type="datetimeFigureOut">
               <a:rPr lang="ko-KR" altLang="en-US" smtClean="0"/>
-              <a:t>2021-02-02</a:t>
+              <a:t>2021-02-04</a:t>
             </a:fld>
             <a:endParaRPr lang="ko-KR" altLang="en-US"/>
           </a:p>
@@ -1854,7 +1854,7 @@
           <a:p>
             <a:fld id="{274DCB2C-481A-4B20-92AC-CEC756183F8E}" type="datetimeFigureOut">
               <a:rPr lang="ko-KR" altLang="en-US" smtClean="0"/>
-              <a:t>2021-02-02</a:t>
+              <a:t>2021-02-04</a:t>
             </a:fld>
             <a:endParaRPr lang="ko-KR" altLang="en-US"/>
           </a:p>
@@ -2131,7 +2131,7 @@
           <a:p>
             <a:fld id="{274DCB2C-481A-4B20-92AC-CEC756183F8E}" type="datetimeFigureOut">
               <a:rPr lang="ko-KR" altLang="en-US" smtClean="0"/>
-              <a:t>2021-02-02</a:t>
+              <a:t>2021-02-04</a:t>
             </a:fld>
             <a:endParaRPr lang="ko-KR" altLang="en-US"/>
           </a:p>
@@ -2388,7 +2388,7 @@
           <a:p>
             <a:fld id="{274DCB2C-481A-4B20-92AC-CEC756183F8E}" type="datetimeFigureOut">
               <a:rPr lang="ko-KR" altLang="en-US" smtClean="0"/>
-              <a:t>2021-02-02</a:t>
+              <a:t>2021-02-04</a:t>
             </a:fld>
             <a:endParaRPr lang="ko-KR" altLang="en-US"/>
           </a:p>
@@ -2601,7 +2601,7 @@
           <a:p>
             <a:fld id="{274DCB2C-481A-4B20-92AC-CEC756183F8E}" type="datetimeFigureOut">
               <a:rPr lang="ko-KR" altLang="en-US" smtClean="0"/>
-              <a:t>2021-02-02</a:t>
+              <a:t>2021-02-04</a:t>
             </a:fld>
             <a:endParaRPr lang="ko-KR" altLang="en-US"/>
           </a:p>
@@ -29303,362 +29303,1036 @@
           </a:p>
         </p:txBody>
       </p:sp>
-      <p:sp>
-        <p:nvSpPr>
-          <p:cNvPr id="55" name="직사각형 54">
+      <p:grpSp>
+        <p:nvGrpSpPr>
+          <p:cNvPr id="22" name="그룹 21">
             <a:extLst>
               <a:ext uri="{FF2B5EF4-FFF2-40B4-BE49-F238E27FC236}">
-                <a16:creationId xmlns:a16="http://schemas.microsoft.com/office/drawing/2014/main" id="{9099B1F2-7CF4-453A-95C8-64ABCB7E2EAE}"/>
+                <a16:creationId xmlns:a16="http://schemas.microsoft.com/office/drawing/2014/main" id="{695EC280-9C70-407D-81E7-3C5DA873DB59}"/>
               </a:ext>
             </a:extLst>
           </p:cNvPr>
-          <p:cNvSpPr/>
+          <p:cNvGrpSpPr/>
           <p:nvPr/>
-        </p:nvSpPr>
-        <p:spPr>
+        </p:nvGrpSpPr>
+        <p:grpSpPr>
           <a:xfrm>
-            <a:off x="355520" y="1175678"/>
-            <a:ext cx="3600000" cy="504000"/>
+            <a:off x="282291" y="1175678"/>
+            <a:ext cx="5040000" cy="6050148"/>
+            <a:chOff x="282291" y="1175678"/>
+            <a:chExt cx="5040000" cy="6050148"/>
           </a:xfrm>
-          <a:prstGeom prst="rect">
-            <a:avLst/>
-          </a:prstGeom>
-          <a:noFill/>
-          <a:ln>
-            <a:solidFill>
+        </p:grpSpPr>
+        <p:sp>
+          <p:nvSpPr>
+            <p:cNvPr id="55" name="직사각형 54">
+              <a:extLst>
+                <a:ext uri="{FF2B5EF4-FFF2-40B4-BE49-F238E27FC236}">
+                  <a16:creationId xmlns:a16="http://schemas.microsoft.com/office/drawing/2014/main" id="{9099B1F2-7CF4-453A-95C8-64ABCB7E2EAE}"/>
+                </a:ext>
+              </a:extLst>
+            </p:cNvPr>
+            <p:cNvSpPr/>
+            <p:nvPr/>
+          </p:nvSpPr>
+          <p:spPr>
+            <a:xfrm>
+              <a:off x="1002291" y="1175678"/>
+              <a:ext cx="3600000" cy="504000"/>
+            </a:xfrm>
+            <a:prstGeom prst="rect">
+              <a:avLst/>
+            </a:prstGeom>
+            <a:noFill/>
+            <a:ln>
+              <a:solidFill>
+                <a:schemeClr val="tx1"/>
+              </a:solidFill>
+            </a:ln>
+          </p:spPr>
+          <p:style>
+            <a:lnRef idx="2">
+              <a:schemeClr val="accent1">
+                <a:shade val="50000"/>
+              </a:schemeClr>
+            </a:lnRef>
+            <a:fillRef idx="1">
+              <a:schemeClr val="accent1"/>
+            </a:fillRef>
+            <a:effectRef idx="0">
+              <a:schemeClr val="accent1"/>
+            </a:effectRef>
+            <a:fontRef idx="minor">
+              <a:schemeClr val="lt1"/>
+            </a:fontRef>
+          </p:style>
+          <p:txBody>
+            <a:bodyPr rtlCol="0" anchor="ctr"/>
+            <a:lstStyle/>
+            <a:p>
+              <a:pPr algn="ctr"/>
+              <a:r>
+                <a:rPr lang="ko-KR" altLang="en-US" sz="1467" dirty="0">
+                  <a:solidFill>
+                    <a:sysClr val="windowText" lastClr="000000"/>
+                  </a:solidFill>
+                </a:rPr>
+                <a:t>각 </a:t>
+              </a:r>
+              <a:r>
+                <a:rPr lang="en-US" altLang="ko-KR" sz="1467" dirty="0">
+                  <a:solidFill>
+                    <a:sysClr val="windowText" lastClr="000000"/>
+                  </a:solidFill>
+                </a:rPr>
+                <a:t>stage</a:t>
+              </a:r>
+              <a:r>
+                <a:rPr lang="ko-KR" altLang="en-US" sz="1467" dirty="0">
+                  <a:solidFill>
+                    <a:sysClr val="windowText" lastClr="000000"/>
+                  </a:solidFill>
+                </a:rPr>
+                <a:t>에 도달한 플레이어 수를 </a:t>
+              </a:r>
+              <a:r>
+                <a:rPr lang="en-US" altLang="ko-KR" sz="1467" dirty="0" err="1">
+                  <a:solidFill>
+                    <a:sysClr val="windowText" lastClr="000000"/>
+                  </a:solidFill>
+                </a:rPr>
+                <a:t>peopleInCurrentStages</a:t>
+              </a:r>
+              <a:r>
+                <a:rPr lang="ko-KR" altLang="en-US" sz="1467" dirty="0">
+                  <a:solidFill>
+                    <a:sysClr val="windowText" lastClr="000000"/>
+                  </a:solidFill>
+                </a:rPr>
+                <a:t>에 저장한다</a:t>
+              </a:r>
+              <a:endParaRPr lang="en-US" altLang="ko-KR" sz="1467" dirty="0">
+                <a:solidFill>
+                  <a:sysClr val="windowText" lastClr="000000"/>
+                </a:solidFill>
+              </a:endParaRPr>
+            </a:p>
+          </p:txBody>
+        </p:sp>
+        <p:cxnSp>
+          <p:nvCxnSpPr>
+            <p:cNvPr id="56" name="직선 화살표 연결선 55">
+              <a:extLst>
+                <a:ext uri="{FF2B5EF4-FFF2-40B4-BE49-F238E27FC236}">
+                  <a16:creationId xmlns:a16="http://schemas.microsoft.com/office/drawing/2014/main" id="{4D56E929-9258-461F-AC03-B0A32F421F84}"/>
+                </a:ext>
+              </a:extLst>
+            </p:cNvPr>
+            <p:cNvCxnSpPr>
+              <a:cxnSpLocks/>
+              <a:stCxn id="55" idx="2"/>
+              <a:endCxn id="59" idx="0"/>
+            </p:cNvCxnSpPr>
+            <p:nvPr/>
+          </p:nvCxnSpPr>
+          <p:spPr>
+            <a:xfrm>
+              <a:off x="2802291" y="1679678"/>
+              <a:ext cx="0" cy="364068"/>
+            </a:xfrm>
+            <a:prstGeom prst="straightConnector1">
+              <a:avLst/>
+            </a:prstGeom>
+            <a:ln>
+              <a:solidFill>
+                <a:schemeClr val="tx1"/>
+              </a:solidFill>
+              <a:tailEnd type="triangle"/>
+            </a:ln>
+          </p:spPr>
+          <p:style>
+            <a:lnRef idx="1">
+              <a:schemeClr val="accent1"/>
+            </a:lnRef>
+            <a:fillRef idx="0">
+              <a:schemeClr val="accent1"/>
+            </a:fillRef>
+            <a:effectRef idx="0">
+              <a:schemeClr val="accent1"/>
+            </a:effectRef>
+            <a:fontRef idx="minor">
               <a:schemeClr val="tx1"/>
-            </a:solidFill>
-          </a:ln>
-        </p:spPr>
-        <p:style>
-          <a:lnRef idx="2">
-            <a:schemeClr val="accent1">
-              <a:shade val="50000"/>
-            </a:schemeClr>
-          </a:lnRef>
-          <a:fillRef idx="1">
-            <a:schemeClr val="accent1"/>
-          </a:fillRef>
-          <a:effectRef idx="0">
-            <a:schemeClr val="accent1"/>
-          </a:effectRef>
-          <a:fontRef idx="minor">
-            <a:schemeClr val="lt1"/>
-          </a:fontRef>
-        </p:style>
-        <p:txBody>
-          <a:bodyPr rtlCol="0" anchor="ctr"/>
-          <a:lstStyle/>
-          <a:p>
-            <a:pPr algn="ctr"/>
-            <a:r>
-              <a:rPr lang="ko-KR" altLang="en-US" sz="1467" dirty="0">
-                <a:solidFill>
-                  <a:sysClr val="windowText" lastClr="000000"/>
-                </a:solidFill>
-              </a:rPr>
-              <a:t>각 </a:t>
-            </a:r>
-            <a:r>
-              <a:rPr lang="en-US" altLang="ko-KR" sz="1467" dirty="0">
-                <a:solidFill>
-                  <a:sysClr val="windowText" lastClr="000000"/>
-                </a:solidFill>
-              </a:rPr>
-              <a:t>stage</a:t>
-            </a:r>
-            <a:r>
-              <a:rPr lang="ko-KR" altLang="en-US" sz="1467" dirty="0">
-                <a:solidFill>
-                  <a:sysClr val="windowText" lastClr="000000"/>
-                </a:solidFill>
-              </a:rPr>
-              <a:t>에 도달한 플레이어 수를 </a:t>
-            </a:r>
-            <a:r>
-              <a:rPr lang="en-US" altLang="ko-KR" sz="1467" dirty="0" err="1">
-                <a:solidFill>
-                  <a:sysClr val="windowText" lastClr="000000"/>
-                </a:solidFill>
-              </a:rPr>
-              <a:t>currentStages</a:t>
-            </a:r>
-            <a:r>
-              <a:rPr lang="en-US" altLang="ko-KR" sz="1467" dirty="0">
-                <a:solidFill>
-                  <a:sysClr val="windowText" lastClr="000000"/>
-                </a:solidFill>
-              </a:rPr>
-              <a:t> </a:t>
-            </a:r>
-            <a:r>
-              <a:rPr lang="ko-KR" altLang="en-US" sz="1467" dirty="0">
-                <a:solidFill>
-                  <a:sysClr val="windowText" lastClr="000000"/>
-                </a:solidFill>
-              </a:rPr>
-              <a:t>배열에 저장한다</a:t>
-            </a:r>
-            <a:endParaRPr lang="en-US" altLang="ko-KR" sz="1467" dirty="0">
+            </a:fontRef>
+          </p:style>
+        </p:cxnSp>
+        <p:sp>
+          <p:nvSpPr>
+            <p:cNvPr id="57" name="다이아몬드 56">
+              <a:extLst>
+                <a:ext uri="{FF2B5EF4-FFF2-40B4-BE49-F238E27FC236}">
+                  <a16:creationId xmlns:a16="http://schemas.microsoft.com/office/drawing/2014/main" id="{466A591E-5FFC-4E47-9944-8D5BEC1F3956}"/>
+                </a:ext>
+              </a:extLst>
+            </p:cNvPr>
+            <p:cNvSpPr/>
+            <p:nvPr/>
+          </p:nvSpPr>
+          <p:spPr>
+            <a:xfrm>
+              <a:off x="1002291" y="3249554"/>
+              <a:ext cx="3600000" cy="504000"/>
+            </a:xfrm>
+            <a:prstGeom prst="diamond">
+              <a:avLst/>
+            </a:prstGeom>
+            <a:noFill/>
+            <a:ln>
               <a:solidFill>
-                <a:sysClr val="windowText" lastClr="000000"/>
+                <a:schemeClr val="tx1"/>
               </a:solidFill>
-            </a:endParaRPr>
-          </a:p>
-        </p:txBody>
-      </p:sp>
-      <p:cxnSp>
-        <p:nvCxnSpPr>
-          <p:cNvPr id="56" name="직선 화살표 연결선 55">
-            <a:extLst>
-              <a:ext uri="{FF2B5EF4-FFF2-40B4-BE49-F238E27FC236}">
-                <a16:creationId xmlns:a16="http://schemas.microsoft.com/office/drawing/2014/main" id="{4D56E929-9258-461F-AC03-B0A32F421F84}"/>
-              </a:ext>
-            </a:extLst>
-          </p:cNvPr>
-          <p:cNvCxnSpPr>
-            <a:cxnSpLocks/>
-            <a:stCxn id="55" idx="2"/>
-            <a:endCxn id="59" idx="0"/>
-          </p:cNvCxnSpPr>
-          <p:nvPr/>
-        </p:nvCxnSpPr>
-        <p:spPr>
-          <a:xfrm>
-            <a:off x="2155520" y="1679678"/>
-            <a:ext cx="0" cy="364068"/>
-          </a:xfrm>
-          <a:prstGeom prst="straightConnector1">
-            <a:avLst/>
-          </a:prstGeom>
-          <a:ln>
-            <a:solidFill>
+            </a:ln>
+          </p:spPr>
+          <p:style>
+            <a:lnRef idx="2">
+              <a:schemeClr val="accent1">
+                <a:shade val="50000"/>
+              </a:schemeClr>
+            </a:lnRef>
+            <a:fillRef idx="1">
+              <a:schemeClr val="accent1"/>
+            </a:fillRef>
+            <a:effectRef idx="0">
+              <a:schemeClr val="accent1"/>
+            </a:effectRef>
+            <a:fontRef idx="minor">
+              <a:schemeClr val="lt1"/>
+            </a:fontRef>
+          </p:style>
+          <p:txBody>
+            <a:bodyPr rtlCol="0" anchor="ctr"/>
+            <a:lstStyle/>
+            <a:p>
+              <a:pPr algn="ctr"/>
+              <a:r>
+                <a:rPr lang="en-US" altLang="ko-KR" sz="1467" dirty="0">
+                  <a:solidFill>
+                    <a:sysClr val="windowText" lastClr="000000"/>
+                  </a:solidFill>
+                </a:rPr>
+                <a:t>remainder[</a:t>
+              </a:r>
+              <a:r>
+                <a:rPr lang="en-US" altLang="ko-KR" sz="1467" dirty="0" err="1">
+                  <a:solidFill>
+                    <a:sysClr val="windowText" lastClr="000000"/>
+                  </a:solidFill>
+                </a:rPr>
+                <a:t>i</a:t>
+              </a:r>
+              <a:r>
+                <a:rPr lang="en-US" altLang="ko-KR" sz="1467" dirty="0">
+                  <a:solidFill>
+                    <a:sysClr val="windowText" lastClr="000000"/>
+                  </a:solidFill>
+                </a:rPr>
+                <a:t>] != 0</a:t>
+              </a:r>
+            </a:p>
+          </p:txBody>
+        </p:sp>
+        <p:cxnSp>
+          <p:nvCxnSpPr>
+            <p:cNvPr id="58" name="직선 화살표 연결선 57">
+              <a:extLst>
+                <a:ext uri="{FF2B5EF4-FFF2-40B4-BE49-F238E27FC236}">
+                  <a16:creationId xmlns:a16="http://schemas.microsoft.com/office/drawing/2014/main" id="{D34249FE-56BE-49F2-A76D-4EB253D3B2CE}"/>
+                </a:ext>
+              </a:extLst>
+            </p:cNvPr>
+            <p:cNvCxnSpPr>
+              <a:cxnSpLocks/>
+              <a:stCxn id="59" idx="2"/>
+            </p:cNvCxnSpPr>
+            <p:nvPr/>
+          </p:nvCxnSpPr>
+          <p:spPr>
+            <a:xfrm>
+              <a:off x="2802291" y="2885486"/>
+              <a:ext cx="0" cy="364068"/>
+            </a:xfrm>
+            <a:prstGeom prst="straightConnector1">
+              <a:avLst/>
+            </a:prstGeom>
+            <a:ln>
+              <a:solidFill>
+                <a:schemeClr val="tx1"/>
+              </a:solidFill>
+              <a:tailEnd type="triangle"/>
+            </a:ln>
+          </p:spPr>
+          <p:style>
+            <a:lnRef idx="1">
+              <a:schemeClr val="accent1"/>
+            </a:lnRef>
+            <a:fillRef idx="0">
+              <a:schemeClr val="accent1"/>
+            </a:fillRef>
+            <a:effectRef idx="0">
+              <a:schemeClr val="accent1"/>
+            </a:effectRef>
+            <a:fontRef idx="minor">
               <a:schemeClr val="tx1"/>
-            </a:solidFill>
-            <a:tailEnd type="triangle"/>
-          </a:ln>
-        </p:spPr>
-        <p:style>
-          <a:lnRef idx="1">
-            <a:schemeClr val="accent1"/>
-          </a:lnRef>
-          <a:fillRef idx="0">
-            <a:schemeClr val="accent1"/>
-          </a:fillRef>
-          <a:effectRef idx="0">
-            <a:schemeClr val="accent1"/>
-          </a:effectRef>
-          <a:fontRef idx="minor">
-            <a:schemeClr val="tx1"/>
-          </a:fontRef>
-        </p:style>
-      </p:cxnSp>
-      <p:sp>
-        <p:nvSpPr>
-          <p:cNvPr id="57" name="직사각형 56">
-            <a:extLst>
-              <a:ext uri="{FF2B5EF4-FFF2-40B4-BE49-F238E27FC236}">
-                <a16:creationId xmlns:a16="http://schemas.microsoft.com/office/drawing/2014/main" id="{466A591E-5FFC-4E47-9944-8D5BEC1F3956}"/>
-              </a:ext>
-            </a:extLst>
-          </p:cNvPr>
-          <p:cNvSpPr/>
-          <p:nvPr/>
-        </p:nvSpPr>
-        <p:spPr>
-          <a:xfrm>
-            <a:off x="355520" y="3249554"/>
-            <a:ext cx="3600000" cy="504000"/>
-          </a:xfrm>
-          <a:prstGeom prst="rect">
-            <a:avLst/>
-          </a:prstGeom>
-          <a:noFill/>
-          <a:ln>
-            <a:solidFill>
+            </a:fontRef>
+          </p:style>
+        </p:cxnSp>
+        <p:sp>
+          <p:nvSpPr>
+            <p:cNvPr id="59" name="직사각형 58">
+              <a:extLst>
+                <a:ext uri="{FF2B5EF4-FFF2-40B4-BE49-F238E27FC236}">
+                  <a16:creationId xmlns:a16="http://schemas.microsoft.com/office/drawing/2014/main" id="{573D6A39-E44C-4B21-86C6-C3CBAA949C2F}"/>
+                </a:ext>
+              </a:extLst>
+            </p:cNvPr>
+            <p:cNvSpPr/>
+            <p:nvPr/>
+          </p:nvSpPr>
+          <p:spPr>
+            <a:xfrm>
+              <a:off x="1002291" y="2043746"/>
+              <a:ext cx="3600000" cy="841740"/>
+            </a:xfrm>
+            <a:prstGeom prst="rect">
+              <a:avLst/>
+            </a:prstGeom>
+            <a:noFill/>
+            <a:ln>
+              <a:solidFill>
+                <a:schemeClr val="tx1"/>
+              </a:solidFill>
+            </a:ln>
+          </p:spPr>
+          <p:style>
+            <a:lnRef idx="2">
+              <a:schemeClr val="accent1">
+                <a:shade val="50000"/>
+              </a:schemeClr>
+            </a:lnRef>
+            <a:fillRef idx="1">
+              <a:schemeClr val="accent1"/>
+            </a:fillRef>
+            <a:effectRef idx="0">
+              <a:schemeClr val="accent1"/>
+            </a:effectRef>
+            <a:fontRef idx="minor">
+              <a:schemeClr val="lt1"/>
+            </a:fontRef>
+          </p:style>
+          <p:txBody>
+            <a:bodyPr rtlCol="0" anchor="ctr"/>
+            <a:lstStyle/>
+            <a:p>
+              <a:pPr algn="ctr"/>
+              <a:r>
+                <a:rPr lang="ko-KR" altLang="en-US" sz="1467" dirty="0">
+                  <a:solidFill>
+                    <a:sysClr val="windowText" lastClr="000000"/>
+                  </a:solidFill>
+                </a:rPr>
+                <a:t>스테이지에 도달했으나</a:t>
+              </a:r>
+              <a:endParaRPr lang="en-US" altLang="ko-KR" sz="1467" dirty="0">
+                <a:solidFill>
+                  <a:sysClr val="windowText" lastClr="000000"/>
+                </a:solidFill>
+              </a:endParaRPr>
+            </a:p>
+            <a:p>
+              <a:pPr algn="ctr"/>
+              <a:r>
+                <a:rPr lang="ko-KR" altLang="en-US" sz="1467" dirty="0">
+                  <a:solidFill>
+                    <a:sysClr val="windowText" lastClr="000000"/>
+                  </a:solidFill>
+                </a:rPr>
+                <a:t>아직 클리어하지 못한 플레이어의 수를 </a:t>
+              </a:r>
+              <a:endParaRPr lang="en-US" altLang="ko-KR" sz="1467" dirty="0">
+                <a:solidFill>
+                  <a:sysClr val="windowText" lastClr="000000"/>
+                </a:solidFill>
+              </a:endParaRPr>
+            </a:p>
+            <a:p>
+              <a:pPr algn="ctr"/>
+              <a:r>
+                <a:rPr lang="en-US" altLang="ko-KR" sz="1467" dirty="0">
+                  <a:solidFill>
+                    <a:sysClr val="windowText" lastClr="000000"/>
+                  </a:solidFill>
+                </a:rPr>
+                <a:t>remainder </a:t>
+              </a:r>
+              <a:r>
+                <a:rPr lang="ko-KR" altLang="en-US" sz="1467" dirty="0">
+                  <a:solidFill>
+                    <a:sysClr val="windowText" lastClr="000000"/>
+                  </a:solidFill>
+                </a:rPr>
+                <a:t>배열에 저장한다</a:t>
+              </a:r>
+              <a:endParaRPr lang="en-US" altLang="ko-KR" sz="1467" dirty="0">
+                <a:solidFill>
+                  <a:sysClr val="windowText" lastClr="000000"/>
+                </a:solidFill>
+              </a:endParaRPr>
+            </a:p>
+          </p:txBody>
+        </p:sp>
+        <p:sp>
+          <p:nvSpPr>
+            <p:cNvPr id="9" name="직사각형 8">
+              <a:extLst>
+                <a:ext uri="{FF2B5EF4-FFF2-40B4-BE49-F238E27FC236}">
+                  <a16:creationId xmlns:a16="http://schemas.microsoft.com/office/drawing/2014/main" id="{EB1DBA87-4B8D-48C4-8A17-8C6FEC2470F7}"/>
+                </a:ext>
+              </a:extLst>
+            </p:cNvPr>
+            <p:cNvSpPr/>
+            <p:nvPr/>
+          </p:nvSpPr>
+          <p:spPr>
+            <a:xfrm>
+              <a:off x="1002291" y="4117622"/>
+              <a:ext cx="3600000" cy="504000"/>
+            </a:xfrm>
+            <a:prstGeom prst="rect">
+              <a:avLst/>
+            </a:prstGeom>
+            <a:noFill/>
+            <a:ln>
+              <a:solidFill>
+                <a:schemeClr val="tx1"/>
+              </a:solidFill>
+            </a:ln>
+          </p:spPr>
+          <p:style>
+            <a:lnRef idx="2">
+              <a:schemeClr val="accent1">
+                <a:shade val="50000"/>
+              </a:schemeClr>
+            </a:lnRef>
+            <a:fillRef idx="1">
+              <a:schemeClr val="accent1"/>
+            </a:fillRef>
+            <a:effectRef idx="0">
+              <a:schemeClr val="accent1"/>
+            </a:effectRef>
+            <a:fontRef idx="minor">
+              <a:schemeClr val="lt1"/>
+            </a:fontRef>
+          </p:style>
+          <p:txBody>
+            <a:bodyPr rtlCol="0" anchor="ctr"/>
+            <a:lstStyle/>
+            <a:p>
+              <a:pPr algn="ctr"/>
+              <a:r>
+                <a:rPr lang="en-US" altLang="ko-KR" sz="1467" dirty="0" err="1">
+                  <a:solidFill>
+                    <a:sysClr val="windowText" lastClr="000000"/>
+                  </a:solidFill>
+                </a:rPr>
+                <a:t>failureRates</a:t>
+              </a:r>
+              <a:r>
+                <a:rPr lang="en-US" altLang="ko-KR" sz="1467" dirty="0">
+                  <a:solidFill>
+                    <a:sysClr val="windowText" lastClr="000000"/>
+                  </a:solidFill>
+                </a:rPr>
+                <a:t>[</a:t>
+              </a:r>
+              <a:r>
+                <a:rPr lang="en-US" altLang="ko-KR" sz="1467" dirty="0" err="1">
+                  <a:solidFill>
+                    <a:sysClr val="windowText" lastClr="000000"/>
+                  </a:solidFill>
+                </a:rPr>
+                <a:t>i</a:t>
+              </a:r>
+              <a:r>
+                <a:rPr lang="en-US" altLang="ko-KR" sz="1467" dirty="0">
+                  <a:solidFill>
+                    <a:sysClr val="windowText" lastClr="000000"/>
+                  </a:solidFill>
+                </a:rPr>
+                <a:t>] =</a:t>
+              </a:r>
+            </a:p>
+            <a:p>
+              <a:pPr algn="ctr"/>
+              <a:r>
+                <a:rPr lang="en-US" altLang="ko-KR" sz="1467" dirty="0" err="1">
+                  <a:solidFill>
+                    <a:sysClr val="windowText" lastClr="000000"/>
+                  </a:solidFill>
+                </a:rPr>
+                <a:t>peopleInCurrentStages</a:t>
+              </a:r>
+              <a:r>
+                <a:rPr lang="en-US" altLang="ko-KR" sz="1467" dirty="0">
+                  <a:solidFill>
+                    <a:sysClr val="windowText" lastClr="000000"/>
+                  </a:solidFill>
+                </a:rPr>
+                <a:t>[</a:t>
+              </a:r>
+              <a:r>
+                <a:rPr lang="en-US" altLang="ko-KR" sz="1467" dirty="0" err="1">
+                  <a:solidFill>
+                    <a:sysClr val="windowText" lastClr="000000"/>
+                  </a:solidFill>
+                </a:rPr>
+                <a:t>i</a:t>
+              </a:r>
+              <a:r>
+                <a:rPr lang="en-US" altLang="ko-KR" sz="1467" dirty="0">
+                  <a:solidFill>
+                    <a:sysClr val="windowText" lastClr="000000"/>
+                  </a:solidFill>
+                </a:rPr>
+                <a:t>] / remainder[</a:t>
+              </a:r>
+              <a:r>
+                <a:rPr lang="en-US" altLang="ko-KR" sz="1467" dirty="0" err="1">
+                  <a:solidFill>
+                    <a:sysClr val="windowText" lastClr="000000"/>
+                  </a:solidFill>
+                </a:rPr>
+                <a:t>i</a:t>
+              </a:r>
+              <a:r>
+                <a:rPr lang="en-US" altLang="ko-KR" sz="1467" dirty="0">
+                  <a:solidFill>
+                    <a:sysClr val="windowText" lastClr="000000"/>
+                  </a:solidFill>
+                </a:rPr>
+                <a:t>]</a:t>
+              </a:r>
+            </a:p>
+          </p:txBody>
+        </p:sp>
+        <p:cxnSp>
+          <p:nvCxnSpPr>
+            <p:cNvPr id="10" name="직선 화살표 연결선 9">
+              <a:extLst>
+                <a:ext uri="{FF2B5EF4-FFF2-40B4-BE49-F238E27FC236}">
+                  <a16:creationId xmlns:a16="http://schemas.microsoft.com/office/drawing/2014/main" id="{D76CBDBC-A3CE-4834-9F73-7DC6D5646558}"/>
+                </a:ext>
+              </a:extLst>
+            </p:cNvPr>
+            <p:cNvCxnSpPr>
+              <a:cxnSpLocks/>
+              <a:endCxn id="9" idx="0"/>
+            </p:cNvCxnSpPr>
+            <p:nvPr/>
+          </p:nvCxnSpPr>
+          <p:spPr>
+            <a:xfrm>
+              <a:off x="2802291" y="3753554"/>
+              <a:ext cx="0" cy="364068"/>
+            </a:xfrm>
+            <a:prstGeom prst="straightConnector1">
+              <a:avLst/>
+            </a:prstGeom>
+            <a:ln>
+              <a:solidFill>
+                <a:schemeClr val="tx1"/>
+              </a:solidFill>
+              <a:tailEnd type="triangle"/>
+            </a:ln>
+          </p:spPr>
+          <p:style>
+            <a:lnRef idx="1">
+              <a:schemeClr val="accent1"/>
+            </a:lnRef>
+            <a:fillRef idx="0">
+              <a:schemeClr val="accent1"/>
+            </a:fillRef>
+            <a:effectRef idx="0">
+              <a:schemeClr val="accent1"/>
+            </a:effectRef>
+            <a:fontRef idx="minor">
               <a:schemeClr val="tx1"/>
-            </a:solidFill>
-          </a:ln>
-        </p:spPr>
-        <p:style>
-          <a:lnRef idx="2">
-            <a:schemeClr val="accent1">
-              <a:shade val="50000"/>
-            </a:schemeClr>
-          </a:lnRef>
-          <a:fillRef idx="1">
-            <a:schemeClr val="accent1"/>
-          </a:fillRef>
-          <a:effectRef idx="0">
-            <a:schemeClr val="accent1"/>
-          </a:effectRef>
-          <a:fontRef idx="minor">
-            <a:schemeClr val="lt1"/>
-          </a:fontRef>
-        </p:style>
-        <p:txBody>
-          <a:bodyPr rtlCol="0" anchor="ctr"/>
-          <a:lstStyle/>
-          <a:p>
-            <a:pPr algn="ctr"/>
-            <a:endParaRPr lang="en-US" altLang="ko-KR" sz="1467" dirty="0">
+            </a:fontRef>
+          </p:style>
+        </p:cxnSp>
+        <p:sp>
+          <p:nvSpPr>
+            <p:cNvPr id="5" name="TextBox 4">
+              <a:extLst>
+                <a:ext uri="{FF2B5EF4-FFF2-40B4-BE49-F238E27FC236}">
+                  <a16:creationId xmlns:a16="http://schemas.microsoft.com/office/drawing/2014/main" id="{498890E2-D879-4315-AEC9-3255A0DCE185}"/>
+                </a:ext>
+              </a:extLst>
+            </p:cNvPr>
+            <p:cNvSpPr txBox="1"/>
+            <p:nvPr/>
+          </p:nvSpPr>
+          <p:spPr>
+            <a:xfrm>
+              <a:off x="2833268" y="3748290"/>
+              <a:ext cx="506870" cy="318549"/>
+            </a:xfrm>
+            <a:prstGeom prst="rect">
+              <a:avLst/>
+            </a:prstGeom>
+            <a:noFill/>
+          </p:spPr>
+          <p:txBody>
+            <a:bodyPr wrap="none" rtlCol="0">
+              <a:spAutoFit/>
+            </a:bodyPr>
+            <a:lstStyle/>
+            <a:p>
+              <a:r>
+                <a:rPr lang="en-US" altLang="ko-KR" sz="1470" dirty="0"/>
+                <a:t>true</a:t>
+              </a:r>
+              <a:endParaRPr lang="ko-KR" altLang="en-US" sz="1470" dirty="0"/>
+            </a:p>
+          </p:txBody>
+        </p:sp>
+        <p:sp>
+          <p:nvSpPr>
+            <p:cNvPr id="13" name="직사각형 12">
+              <a:extLst>
+                <a:ext uri="{FF2B5EF4-FFF2-40B4-BE49-F238E27FC236}">
+                  <a16:creationId xmlns:a16="http://schemas.microsoft.com/office/drawing/2014/main" id="{1C7689E7-91CE-4A2B-A7E0-F95D503D3911}"/>
+                </a:ext>
+              </a:extLst>
+            </p:cNvPr>
+            <p:cNvSpPr/>
+            <p:nvPr/>
+          </p:nvSpPr>
+          <p:spPr>
+            <a:xfrm>
+              <a:off x="1002291" y="4985690"/>
+              <a:ext cx="3600000" cy="504000"/>
+            </a:xfrm>
+            <a:prstGeom prst="rect">
+              <a:avLst/>
+            </a:prstGeom>
+            <a:noFill/>
+            <a:ln>
               <a:solidFill>
-                <a:sysClr val="windowText" lastClr="000000"/>
+                <a:schemeClr val="tx1"/>
               </a:solidFill>
-            </a:endParaRPr>
-          </a:p>
-        </p:txBody>
-      </p:sp>
-      <p:cxnSp>
-        <p:nvCxnSpPr>
-          <p:cNvPr id="58" name="직선 화살표 연결선 57">
-            <a:extLst>
-              <a:ext uri="{FF2B5EF4-FFF2-40B4-BE49-F238E27FC236}">
-                <a16:creationId xmlns:a16="http://schemas.microsoft.com/office/drawing/2014/main" id="{D34249FE-56BE-49F2-A76D-4EB253D3B2CE}"/>
-              </a:ext>
-            </a:extLst>
-          </p:cNvPr>
-          <p:cNvCxnSpPr>
-            <a:cxnSpLocks/>
-            <a:stCxn id="59" idx="2"/>
-            <a:endCxn id="57" idx="0"/>
-          </p:cNvCxnSpPr>
-          <p:nvPr/>
-        </p:nvCxnSpPr>
-        <p:spPr>
-          <a:xfrm>
-            <a:off x="2155520" y="2885486"/>
-            <a:ext cx="0" cy="364068"/>
-          </a:xfrm>
-          <a:prstGeom prst="straightConnector1">
-            <a:avLst/>
-          </a:prstGeom>
-          <a:ln>
-            <a:solidFill>
+            </a:ln>
+          </p:spPr>
+          <p:style>
+            <a:lnRef idx="2">
+              <a:schemeClr val="accent1">
+                <a:shade val="50000"/>
+              </a:schemeClr>
+            </a:lnRef>
+            <a:fillRef idx="1">
+              <a:schemeClr val="accent1"/>
+            </a:fillRef>
+            <a:effectRef idx="0">
+              <a:schemeClr val="accent1"/>
+            </a:effectRef>
+            <a:fontRef idx="minor">
+              <a:schemeClr val="lt1"/>
+            </a:fontRef>
+          </p:style>
+          <p:txBody>
+            <a:bodyPr rtlCol="0" anchor="ctr"/>
+            <a:lstStyle/>
+            <a:p>
+              <a:pPr algn="ctr"/>
+              <a:r>
+                <a:rPr lang="en-US" altLang="ko-KR" sz="1467" dirty="0" err="1">
+                  <a:solidFill>
+                    <a:sysClr val="windowText" lastClr="000000"/>
+                  </a:solidFill>
+                </a:rPr>
+                <a:t>failureRates</a:t>
+              </a:r>
+              <a:r>
+                <a:rPr lang="ko-KR" altLang="en-US" sz="1467" dirty="0">
+                  <a:solidFill>
+                    <a:sysClr val="windowText" lastClr="000000"/>
+                  </a:solidFill>
+                </a:rPr>
+                <a:t>를 내림차순으로 정렬한다</a:t>
+              </a:r>
+              <a:endParaRPr lang="en-US" altLang="ko-KR" sz="1467" dirty="0">
+                <a:solidFill>
+                  <a:sysClr val="windowText" lastClr="000000"/>
+                </a:solidFill>
+              </a:endParaRPr>
+            </a:p>
+          </p:txBody>
+        </p:sp>
+        <p:cxnSp>
+          <p:nvCxnSpPr>
+            <p:cNvPr id="14" name="직선 화살표 연결선 13">
+              <a:extLst>
+                <a:ext uri="{FF2B5EF4-FFF2-40B4-BE49-F238E27FC236}">
+                  <a16:creationId xmlns:a16="http://schemas.microsoft.com/office/drawing/2014/main" id="{64B433E5-AB1C-4CB6-8016-586291264CA4}"/>
+                </a:ext>
+              </a:extLst>
+            </p:cNvPr>
+            <p:cNvCxnSpPr>
+              <a:cxnSpLocks/>
+              <a:stCxn id="9" idx="2"/>
+              <a:endCxn id="13" idx="0"/>
+            </p:cNvCxnSpPr>
+            <p:nvPr/>
+          </p:nvCxnSpPr>
+          <p:spPr>
+            <a:xfrm>
+              <a:off x="2802291" y="4621622"/>
+              <a:ext cx="0" cy="364068"/>
+            </a:xfrm>
+            <a:prstGeom prst="straightConnector1">
+              <a:avLst/>
+            </a:prstGeom>
+            <a:ln>
+              <a:solidFill>
+                <a:schemeClr val="tx1"/>
+              </a:solidFill>
+              <a:tailEnd type="triangle"/>
+            </a:ln>
+          </p:spPr>
+          <p:style>
+            <a:lnRef idx="1">
+              <a:schemeClr val="accent1"/>
+            </a:lnRef>
+            <a:fillRef idx="0">
+              <a:schemeClr val="accent1"/>
+            </a:fillRef>
+            <a:effectRef idx="0">
+              <a:schemeClr val="accent1"/>
+            </a:effectRef>
+            <a:fontRef idx="minor">
               <a:schemeClr val="tx1"/>
-            </a:solidFill>
-            <a:tailEnd type="triangle"/>
-          </a:ln>
-        </p:spPr>
-        <p:style>
-          <a:lnRef idx="1">
-            <a:schemeClr val="accent1"/>
-          </a:lnRef>
-          <a:fillRef idx="0">
-            <a:schemeClr val="accent1"/>
-          </a:fillRef>
-          <a:effectRef idx="0">
-            <a:schemeClr val="accent1"/>
-          </a:effectRef>
-          <a:fontRef idx="minor">
-            <a:schemeClr val="tx1"/>
-          </a:fontRef>
-        </p:style>
-      </p:cxnSp>
-      <p:sp>
-        <p:nvSpPr>
-          <p:cNvPr id="59" name="직사각형 58">
-            <a:extLst>
-              <a:ext uri="{FF2B5EF4-FFF2-40B4-BE49-F238E27FC236}">
-                <a16:creationId xmlns:a16="http://schemas.microsoft.com/office/drawing/2014/main" id="{573D6A39-E44C-4B21-86C6-C3CBAA949C2F}"/>
-              </a:ext>
-            </a:extLst>
-          </p:cNvPr>
-          <p:cNvSpPr/>
-          <p:nvPr/>
-        </p:nvSpPr>
-        <p:spPr>
-          <a:xfrm>
-            <a:off x="355520" y="2043746"/>
-            <a:ext cx="3600000" cy="841740"/>
-          </a:xfrm>
-          <a:prstGeom prst="rect">
-            <a:avLst/>
-          </a:prstGeom>
-          <a:noFill/>
-          <a:ln>
-            <a:solidFill>
+            </a:fontRef>
+          </p:style>
+        </p:cxnSp>
+        <p:sp>
+          <p:nvSpPr>
+            <p:cNvPr id="17" name="다이아몬드 16">
+              <a:extLst>
+                <a:ext uri="{FF2B5EF4-FFF2-40B4-BE49-F238E27FC236}">
+                  <a16:creationId xmlns:a16="http://schemas.microsoft.com/office/drawing/2014/main" id="{4F73E947-D6D0-4CAC-898F-F244755099E2}"/>
+                </a:ext>
+              </a:extLst>
+            </p:cNvPr>
+            <p:cNvSpPr/>
+            <p:nvPr/>
+          </p:nvSpPr>
+          <p:spPr>
+            <a:xfrm>
+              <a:off x="282291" y="5853758"/>
+              <a:ext cx="5040000" cy="504000"/>
+            </a:xfrm>
+            <a:prstGeom prst="diamond">
+              <a:avLst/>
+            </a:prstGeom>
+            <a:noFill/>
+            <a:ln>
+              <a:solidFill>
+                <a:schemeClr val="tx1"/>
+              </a:solidFill>
+            </a:ln>
+          </p:spPr>
+          <p:style>
+            <a:lnRef idx="2">
+              <a:schemeClr val="accent1">
+                <a:shade val="50000"/>
+              </a:schemeClr>
+            </a:lnRef>
+            <a:fillRef idx="1">
+              <a:schemeClr val="accent1"/>
+            </a:fillRef>
+            <a:effectRef idx="0">
+              <a:schemeClr val="accent1"/>
+            </a:effectRef>
+            <a:fontRef idx="minor">
+              <a:schemeClr val="lt1"/>
+            </a:fontRef>
+          </p:style>
+          <p:txBody>
+            <a:bodyPr rtlCol="0" anchor="ctr"/>
+            <a:lstStyle/>
+            <a:p>
+              <a:pPr algn="ctr"/>
+              <a:r>
+                <a:rPr lang="en-US" altLang="ko-KR" sz="1467" dirty="0" err="1">
+                  <a:solidFill>
+                    <a:sysClr val="windowText" lastClr="000000"/>
+                  </a:solidFill>
+                </a:rPr>
+                <a:t>failureRates</a:t>
+              </a:r>
+              <a:r>
+                <a:rPr lang="en-US" altLang="ko-KR" sz="1467" dirty="0">
+                  <a:solidFill>
+                    <a:sysClr val="windowText" lastClr="000000"/>
+                  </a:solidFill>
+                </a:rPr>
+                <a:t>[</a:t>
+              </a:r>
+              <a:r>
+                <a:rPr lang="en-US" altLang="ko-KR" sz="1467" dirty="0" err="1">
+                  <a:solidFill>
+                    <a:sysClr val="windowText" lastClr="000000"/>
+                  </a:solidFill>
+                </a:rPr>
+                <a:t>i</a:t>
+              </a:r>
+              <a:r>
+                <a:rPr lang="en-US" altLang="ko-KR" sz="1467" dirty="0">
+                  <a:solidFill>
+                    <a:sysClr val="windowText" lastClr="000000"/>
+                  </a:solidFill>
+                </a:rPr>
+                <a:t>] == </a:t>
+              </a:r>
+              <a:r>
+                <a:rPr lang="en-US" altLang="ko-KR" sz="1467" dirty="0" err="1">
+                  <a:solidFill>
+                    <a:sysClr val="windowText" lastClr="000000"/>
+                  </a:solidFill>
+                </a:rPr>
+                <a:t>sortedRates</a:t>
+              </a:r>
+              <a:r>
+                <a:rPr lang="en-US" altLang="ko-KR" sz="1467" dirty="0">
+                  <a:solidFill>
+                    <a:sysClr val="windowText" lastClr="000000"/>
+                  </a:solidFill>
+                </a:rPr>
+                <a:t>[j]</a:t>
+              </a:r>
+            </a:p>
+          </p:txBody>
+        </p:sp>
+        <p:cxnSp>
+          <p:nvCxnSpPr>
+            <p:cNvPr id="18" name="직선 화살표 연결선 17">
+              <a:extLst>
+                <a:ext uri="{FF2B5EF4-FFF2-40B4-BE49-F238E27FC236}">
+                  <a16:creationId xmlns:a16="http://schemas.microsoft.com/office/drawing/2014/main" id="{39AC7077-75A7-41B4-9FCC-60E7DE82C8C2}"/>
+                </a:ext>
+              </a:extLst>
+            </p:cNvPr>
+            <p:cNvCxnSpPr>
+              <a:cxnSpLocks/>
+              <a:stCxn id="13" idx="2"/>
+              <a:endCxn id="17" idx="0"/>
+            </p:cNvCxnSpPr>
+            <p:nvPr/>
+          </p:nvCxnSpPr>
+          <p:spPr>
+            <a:xfrm>
+              <a:off x="2802291" y="5489690"/>
+              <a:ext cx="0" cy="364068"/>
+            </a:xfrm>
+            <a:prstGeom prst="straightConnector1">
+              <a:avLst/>
+            </a:prstGeom>
+            <a:ln>
+              <a:solidFill>
+                <a:schemeClr val="tx1"/>
+              </a:solidFill>
+              <a:tailEnd type="triangle"/>
+            </a:ln>
+          </p:spPr>
+          <p:style>
+            <a:lnRef idx="1">
+              <a:schemeClr val="accent1"/>
+            </a:lnRef>
+            <a:fillRef idx="0">
+              <a:schemeClr val="accent1"/>
+            </a:fillRef>
+            <a:effectRef idx="0">
+              <a:schemeClr val="accent1"/>
+            </a:effectRef>
+            <a:fontRef idx="minor">
               <a:schemeClr val="tx1"/>
-            </a:solidFill>
-          </a:ln>
-        </p:spPr>
-        <p:style>
-          <a:lnRef idx="2">
-            <a:schemeClr val="accent1">
-              <a:shade val="50000"/>
-            </a:schemeClr>
-          </a:lnRef>
-          <a:fillRef idx="1">
-            <a:schemeClr val="accent1"/>
-          </a:fillRef>
-          <a:effectRef idx="0">
-            <a:schemeClr val="accent1"/>
-          </a:effectRef>
-          <a:fontRef idx="minor">
-            <a:schemeClr val="lt1"/>
-          </a:fontRef>
-        </p:style>
-        <p:txBody>
-          <a:bodyPr rtlCol="0" anchor="ctr"/>
-          <a:lstStyle/>
-          <a:p>
-            <a:pPr algn="ctr"/>
-            <a:r>
-              <a:rPr lang="ko-KR" altLang="en-US" sz="1467" dirty="0">
-                <a:solidFill>
-                  <a:sysClr val="windowText" lastClr="000000"/>
-                </a:solidFill>
-              </a:rPr>
-              <a:t>스테이지에 도달했으나</a:t>
-            </a:r>
-            <a:endParaRPr lang="en-US" altLang="ko-KR" sz="1467" dirty="0">
+            </a:fontRef>
+          </p:style>
+        </p:cxnSp>
+        <p:sp>
+          <p:nvSpPr>
+            <p:cNvPr id="23" name="직사각형 22">
+              <a:extLst>
+                <a:ext uri="{FF2B5EF4-FFF2-40B4-BE49-F238E27FC236}">
+                  <a16:creationId xmlns:a16="http://schemas.microsoft.com/office/drawing/2014/main" id="{1E4F517B-C1BC-453F-80CF-5C9578357D31}"/>
+                </a:ext>
+              </a:extLst>
+            </p:cNvPr>
+            <p:cNvSpPr/>
+            <p:nvPr/>
+          </p:nvSpPr>
+          <p:spPr>
+            <a:xfrm>
+              <a:off x="1002291" y="6721826"/>
+              <a:ext cx="3600000" cy="504000"/>
+            </a:xfrm>
+            <a:prstGeom prst="rect">
+              <a:avLst/>
+            </a:prstGeom>
+            <a:noFill/>
+            <a:ln>
               <a:solidFill>
-                <a:sysClr val="windowText" lastClr="000000"/>
+                <a:schemeClr val="tx1"/>
               </a:solidFill>
-            </a:endParaRPr>
-          </a:p>
-          <a:p>
-            <a:pPr algn="ctr"/>
-            <a:r>
-              <a:rPr lang="ko-KR" altLang="en-US" sz="1467" dirty="0">
-                <a:solidFill>
-                  <a:sysClr val="windowText" lastClr="000000"/>
-                </a:solidFill>
-              </a:rPr>
-              <a:t>아직 클리어하지 못한 플레이어의 수를 </a:t>
-            </a:r>
-            <a:endParaRPr lang="en-US" altLang="ko-KR" sz="1467" dirty="0">
+            </a:ln>
+          </p:spPr>
+          <p:style>
+            <a:lnRef idx="2">
+              <a:schemeClr val="accent1">
+                <a:shade val="50000"/>
+              </a:schemeClr>
+            </a:lnRef>
+            <a:fillRef idx="1">
+              <a:schemeClr val="accent1"/>
+            </a:fillRef>
+            <a:effectRef idx="0">
+              <a:schemeClr val="accent1"/>
+            </a:effectRef>
+            <a:fontRef idx="minor">
+              <a:schemeClr val="lt1"/>
+            </a:fontRef>
+          </p:style>
+          <p:txBody>
+            <a:bodyPr rtlCol="0" anchor="ctr"/>
+            <a:lstStyle/>
+            <a:p>
+              <a:pPr algn="ctr"/>
+              <a:r>
+                <a:rPr lang="en-US" altLang="ko-KR" sz="1467" dirty="0" err="1">
+                  <a:solidFill>
+                    <a:sysClr val="windowText" lastClr="000000"/>
+                  </a:solidFill>
+                </a:rPr>
+                <a:t>sortedIndex</a:t>
+              </a:r>
+              <a:r>
+                <a:rPr lang="en-US" altLang="ko-KR" sz="1467" dirty="0">
+                  <a:solidFill>
+                    <a:sysClr val="windowText" lastClr="000000"/>
+                  </a:solidFill>
+                </a:rPr>
+                <a:t>[</a:t>
+              </a:r>
+              <a:r>
+                <a:rPr lang="en-US" altLang="ko-KR" sz="1467" dirty="0" err="1">
+                  <a:solidFill>
+                    <a:sysClr val="windowText" lastClr="000000"/>
+                  </a:solidFill>
+                </a:rPr>
+                <a:t>i</a:t>
+              </a:r>
+              <a:r>
+                <a:rPr lang="en-US" altLang="ko-KR" sz="1467" dirty="0">
+                  <a:solidFill>
+                    <a:sysClr val="windowText" lastClr="000000"/>
+                  </a:solidFill>
+                </a:rPr>
+                <a:t>] = j + 1</a:t>
+              </a:r>
+            </a:p>
+          </p:txBody>
+        </p:sp>
+        <p:cxnSp>
+          <p:nvCxnSpPr>
+            <p:cNvPr id="24" name="직선 화살표 연결선 23">
+              <a:extLst>
+                <a:ext uri="{FF2B5EF4-FFF2-40B4-BE49-F238E27FC236}">
+                  <a16:creationId xmlns:a16="http://schemas.microsoft.com/office/drawing/2014/main" id="{296BEFF4-1AAC-496D-A30E-2A80D2304D5F}"/>
+                </a:ext>
+              </a:extLst>
+            </p:cNvPr>
+            <p:cNvCxnSpPr>
+              <a:cxnSpLocks/>
+              <a:stCxn id="17" idx="2"/>
+              <a:endCxn id="23" idx="0"/>
+            </p:cNvCxnSpPr>
+            <p:nvPr/>
+          </p:nvCxnSpPr>
+          <p:spPr>
+            <a:xfrm>
+              <a:off x="2802291" y="6357758"/>
+              <a:ext cx="0" cy="364068"/>
+            </a:xfrm>
+            <a:prstGeom prst="straightConnector1">
+              <a:avLst/>
+            </a:prstGeom>
+            <a:ln>
               <a:solidFill>
-                <a:sysClr val="windowText" lastClr="000000"/>
+                <a:schemeClr val="tx1"/>
               </a:solidFill>
-            </a:endParaRPr>
-          </a:p>
-          <a:p>
-            <a:pPr algn="ctr"/>
-            <a:r>
-              <a:rPr lang="en-US" altLang="ko-KR" sz="1467" dirty="0">
-                <a:solidFill>
-                  <a:sysClr val="windowText" lastClr="000000"/>
-                </a:solidFill>
-              </a:rPr>
-              <a:t>remainder </a:t>
-            </a:r>
-            <a:r>
-              <a:rPr lang="ko-KR" altLang="en-US" sz="1467" dirty="0">
-                <a:solidFill>
-                  <a:sysClr val="windowText" lastClr="000000"/>
-                </a:solidFill>
-              </a:rPr>
-              <a:t>배열에 저장한다</a:t>
-            </a:r>
-            <a:endParaRPr lang="en-US" altLang="ko-KR" sz="1467" dirty="0">
-              <a:solidFill>
-                <a:sysClr val="windowText" lastClr="000000"/>
-              </a:solidFill>
-            </a:endParaRPr>
-          </a:p>
-        </p:txBody>
-      </p:sp>
+              <a:tailEnd type="triangle"/>
+            </a:ln>
+          </p:spPr>
+          <p:style>
+            <a:lnRef idx="1">
+              <a:schemeClr val="accent1"/>
+            </a:lnRef>
+            <a:fillRef idx="0">
+              <a:schemeClr val="accent1"/>
+            </a:fillRef>
+            <a:effectRef idx="0">
+              <a:schemeClr val="accent1"/>
+            </a:effectRef>
+            <a:fontRef idx="minor">
+              <a:schemeClr val="tx1"/>
+            </a:fontRef>
+          </p:style>
+        </p:cxnSp>
+        <p:sp>
+          <p:nvSpPr>
+            <p:cNvPr id="29" name="TextBox 28">
+              <a:extLst>
+                <a:ext uri="{FF2B5EF4-FFF2-40B4-BE49-F238E27FC236}">
+                  <a16:creationId xmlns:a16="http://schemas.microsoft.com/office/drawing/2014/main" id="{24BDBB38-AB2C-41F3-BB51-A9AC624BE253}"/>
+                </a:ext>
+              </a:extLst>
+            </p:cNvPr>
+            <p:cNvSpPr txBox="1"/>
+            <p:nvPr/>
+          </p:nvSpPr>
+          <p:spPr>
+            <a:xfrm>
+              <a:off x="2833268" y="6357758"/>
+              <a:ext cx="506870" cy="318549"/>
+            </a:xfrm>
+            <a:prstGeom prst="rect">
+              <a:avLst/>
+            </a:prstGeom>
+            <a:noFill/>
+          </p:spPr>
+          <p:txBody>
+            <a:bodyPr wrap="none" rtlCol="0">
+              <a:spAutoFit/>
+            </a:bodyPr>
+            <a:lstStyle/>
+            <a:p>
+              <a:r>
+                <a:rPr lang="en-US" altLang="ko-KR" sz="1470" dirty="0"/>
+                <a:t>true</a:t>
+              </a:r>
+              <a:endParaRPr lang="ko-KR" altLang="en-US" sz="1470" dirty="0"/>
+            </a:p>
+          </p:txBody>
+        </p:sp>
+      </p:grpSp>
     </p:spTree>
     <p:extLst>
       <p:ext uri="{BB962C8B-B14F-4D97-AF65-F5344CB8AC3E}">

--- a/알고리즘_프로그래머스_Level01_순서도.pptx
+++ b/알고리즘_프로그래머스_Level01_순서도.pptx
@@ -41,6 +41,7 @@
     <p:sldId id="294" r:id="rId35"/>
     <p:sldId id="295" r:id="rId36"/>
     <p:sldId id="296" r:id="rId37"/>
+    <p:sldId id="297" r:id="rId38"/>
   </p:sldIdLst>
   <p:sldSz cx="6858000" cy="9144000" type="screen4x3"/>
   <p:notesSz cx="6858000" cy="9144000"/>
@@ -278,7 +279,7 @@
           <a:p>
             <a:fld id="{274DCB2C-481A-4B20-92AC-CEC756183F8E}" type="datetimeFigureOut">
               <a:rPr lang="ko-KR" altLang="en-US" smtClean="0"/>
-              <a:t>2021-02-04</a:t>
+              <a:t>2021-02-07</a:t>
             </a:fld>
             <a:endParaRPr lang="ko-KR" altLang="en-US"/>
           </a:p>
@@ -448,7 +449,7 @@
           <a:p>
             <a:fld id="{274DCB2C-481A-4B20-92AC-CEC756183F8E}" type="datetimeFigureOut">
               <a:rPr lang="ko-KR" altLang="en-US" smtClean="0"/>
-              <a:t>2021-02-04</a:t>
+              <a:t>2021-02-07</a:t>
             </a:fld>
             <a:endParaRPr lang="ko-KR" altLang="en-US"/>
           </a:p>
@@ -628,7 +629,7 @@
           <a:p>
             <a:fld id="{274DCB2C-481A-4B20-92AC-CEC756183F8E}" type="datetimeFigureOut">
               <a:rPr lang="ko-KR" altLang="en-US" smtClean="0"/>
-              <a:t>2021-02-04</a:t>
+              <a:t>2021-02-07</a:t>
             </a:fld>
             <a:endParaRPr lang="ko-KR" altLang="en-US"/>
           </a:p>
@@ -798,7 +799,7 @@
           <a:p>
             <a:fld id="{274DCB2C-481A-4B20-92AC-CEC756183F8E}" type="datetimeFigureOut">
               <a:rPr lang="ko-KR" altLang="en-US" smtClean="0"/>
-              <a:t>2021-02-04</a:t>
+              <a:t>2021-02-07</a:t>
             </a:fld>
             <a:endParaRPr lang="ko-KR" altLang="en-US"/>
           </a:p>
@@ -1042,7 +1043,7 @@
           <a:p>
             <a:fld id="{274DCB2C-481A-4B20-92AC-CEC756183F8E}" type="datetimeFigureOut">
               <a:rPr lang="ko-KR" altLang="en-US" smtClean="0"/>
-              <a:t>2021-02-04</a:t>
+              <a:t>2021-02-07</a:t>
             </a:fld>
             <a:endParaRPr lang="ko-KR" altLang="en-US"/>
           </a:p>
@@ -1274,7 +1275,7 @@
           <a:p>
             <a:fld id="{274DCB2C-481A-4B20-92AC-CEC756183F8E}" type="datetimeFigureOut">
               <a:rPr lang="ko-KR" altLang="en-US" smtClean="0"/>
-              <a:t>2021-02-04</a:t>
+              <a:t>2021-02-07</a:t>
             </a:fld>
             <a:endParaRPr lang="ko-KR" altLang="en-US"/>
           </a:p>
@@ -1641,7 +1642,7 @@
           <a:p>
             <a:fld id="{274DCB2C-481A-4B20-92AC-CEC756183F8E}" type="datetimeFigureOut">
               <a:rPr lang="ko-KR" altLang="en-US" smtClean="0"/>
-              <a:t>2021-02-04</a:t>
+              <a:t>2021-02-07</a:t>
             </a:fld>
             <a:endParaRPr lang="ko-KR" altLang="en-US"/>
           </a:p>
@@ -1759,7 +1760,7 @@
           <a:p>
             <a:fld id="{274DCB2C-481A-4B20-92AC-CEC756183F8E}" type="datetimeFigureOut">
               <a:rPr lang="ko-KR" altLang="en-US" smtClean="0"/>
-              <a:t>2021-02-04</a:t>
+              <a:t>2021-02-07</a:t>
             </a:fld>
             <a:endParaRPr lang="ko-KR" altLang="en-US"/>
           </a:p>
@@ -1854,7 +1855,7 @@
           <a:p>
             <a:fld id="{274DCB2C-481A-4B20-92AC-CEC756183F8E}" type="datetimeFigureOut">
               <a:rPr lang="ko-KR" altLang="en-US" smtClean="0"/>
-              <a:t>2021-02-04</a:t>
+              <a:t>2021-02-07</a:t>
             </a:fld>
             <a:endParaRPr lang="ko-KR" altLang="en-US"/>
           </a:p>
@@ -2131,7 +2132,7 @@
           <a:p>
             <a:fld id="{274DCB2C-481A-4B20-92AC-CEC756183F8E}" type="datetimeFigureOut">
               <a:rPr lang="ko-KR" altLang="en-US" smtClean="0"/>
-              <a:t>2021-02-04</a:t>
+              <a:t>2021-02-07</a:t>
             </a:fld>
             <a:endParaRPr lang="ko-KR" altLang="en-US"/>
           </a:p>
@@ -2388,7 +2389,7 @@
           <a:p>
             <a:fld id="{274DCB2C-481A-4B20-92AC-CEC756183F8E}" type="datetimeFigureOut">
               <a:rPr lang="ko-KR" altLang="en-US" smtClean="0"/>
-              <a:t>2021-02-04</a:t>
+              <a:t>2021-02-07</a:t>
             </a:fld>
             <a:endParaRPr lang="ko-KR" altLang="en-US"/>
           </a:p>
@@ -2601,7 +2602,7 @@
           <a:p>
             <a:fld id="{274DCB2C-481A-4B20-92AC-CEC756183F8E}" type="datetimeFigureOut">
               <a:rPr lang="ko-KR" altLang="en-US" smtClean="0"/>
-              <a:t>2021-02-04</a:t>
+              <a:t>2021-02-07</a:t>
             </a:fld>
             <a:endParaRPr lang="ko-KR" altLang="en-US"/>
           </a:p>
@@ -30346,6 +30347,1632 @@
 </p:sld>
 </file>
 
+<file path=ppt/slides/slide37.xml><?xml version="1.0" encoding="utf-8"?>
+<p:sld xmlns:a="http://schemas.openxmlformats.org/drawingml/2006/main" xmlns:r="http://schemas.openxmlformats.org/officeDocument/2006/relationships" xmlns:p="http://schemas.openxmlformats.org/presentationml/2006/main">
+  <p:cSld>
+    <p:spTree>
+      <p:nvGrpSpPr>
+        <p:cNvPr id="1" name=""/>
+        <p:cNvGrpSpPr/>
+        <p:nvPr/>
+      </p:nvGrpSpPr>
+      <p:grpSpPr>
+        <a:xfrm>
+          <a:off x="0" y="0"/>
+          <a:ext cx="0" cy="0"/>
+          <a:chOff x="0" y="0"/>
+          <a:chExt cx="0" cy="0"/>
+        </a:xfrm>
+      </p:grpSpPr>
+      <p:sp>
+        <p:nvSpPr>
+          <p:cNvPr id="4" name="제목 3">
+            <a:extLst>
+              <a:ext uri="{FF2B5EF4-FFF2-40B4-BE49-F238E27FC236}">
+                <a16:creationId xmlns:a16="http://schemas.microsoft.com/office/drawing/2014/main" id="{30BAC889-89EF-449A-A9AB-0AA582E87CB5}"/>
+              </a:ext>
+            </a:extLst>
+          </p:cNvPr>
+          <p:cNvSpPr>
+            <a:spLocks noGrp="1"/>
+          </p:cNvSpPr>
+          <p:nvPr>
+            <p:ph type="title"/>
+          </p:nvPr>
+        </p:nvSpPr>
+        <p:spPr/>
+        <p:txBody>
+          <a:bodyPr/>
+          <a:lstStyle/>
+          <a:p>
+            <a:r>
+              <a:rPr lang="ko-KR" altLang="en-US" dirty="0" err="1"/>
+              <a:t>키패드</a:t>
+            </a:r>
+            <a:r>
+              <a:rPr lang="ko-KR" altLang="en-US" dirty="0"/>
+              <a:t> 누르기 </a:t>
+            </a:r>
+            <a:r>
+              <a:rPr lang="en-US" altLang="ko-KR" dirty="0"/>
+              <a:t>(02.07)</a:t>
+            </a:r>
+            <a:endParaRPr lang="ko-KR" altLang="en-US" dirty="0"/>
+          </a:p>
+        </p:txBody>
+      </p:sp>
+      <p:grpSp>
+        <p:nvGrpSpPr>
+          <p:cNvPr id="167" name="그룹 166">
+            <a:extLst>
+              <a:ext uri="{FF2B5EF4-FFF2-40B4-BE49-F238E27FC236}">
+                <a16:creationId xmlns:a16="http://schemas.microsoft.com/office/drawing/2014/main" id="{77085833-73D2-4F70-A69A-F24089C8757E}"/>
+              </a:ext>
+            </a:extLst>
+          </p:cNvPr>
+          <p:cNvGrpSpPr/>
+          <p:nvPr/>
+        </p:nvGrpSpPr>
+        <p:grpSpPr>
+          <a:xfrm>
+            <a:off x="1" y="1175556"/>
+            <a:ext cx="9477474" cy="2960172"/>
+            <a:chOff x="1" y="1175556"/>
+            <a:chExt cx="9477474" cy="2960172"/>
+          </a:xfrm>
+        </p:grpSpPr>
+        <p:sp>
+          <p:nvSpPr>
+            <p:cNvPr id="7" name="직사각형 6">
+              <a:extLst>
+                <a:ext uri="{FF2B5EF4-FFF2-40B4-BE49-F238E27FC236}">
+                  <a16:creationId xmlns:a16="http://schemas.microsoft.com/office/drawing/2014/main" id="{3521F3E1-F3C7-4375-B8E7-0210E50030D0}"/>
+                </a:ext>
+              </a:extLst>
+            </p:cNvPr>
+            <p:cNvSpPr/>
+            <p:nvPr/>
+          </p:nvSpPr>
+          <p:spPr>
+            <a:xfrm>
+              <a:off x="1" y="1238049"/>
+              <a:ext cx="2160000" cy="540000"/>
+            </a:xfrm>
+            <a:prstGeom prst="rect">
+              <a:avLst/>
+            </a:prstGeom>
+            <a:noFill/>
+            <a:ln>
+              <a:solidFill>
+                <a:schemeClr val="tx1"/>
+              </a:solidFill>
+            </a:ln>
+          </p:spPr>
+          <p:style>
+            <a:lnRef idx="2">
+              <a:schemeClr val="accent1">
+                <a:shade val="50000"/>
+              </a:schemeClr>
+            </a:lnRef>
+            <a:fillRef idx="1">
+              <a:schemeClr val="accent1"/>
+            </a:fillRef>
+            <a:effectRef idx="0">
+              <a:schemeClr val="accent1"/>
+            </a:effectRef>
+            <a:fontRef idx="minor">
+              <a:schemeClr val="lt1"/>
+            </a:fontRef>
+          </p:style>
+          <p:txBody>
+            <a:bodyPr rtlCol="0" anchor="ctr"/>
+            <a:lstStyle/>
+            <a:p>
+              <a:pPr algn="ctr"/>
+              <a:r>
+                <a:rPr lang="en-US" altLang="ko-KR" sz="1467" dirty="0">
+                  <a:solidFill>
+                    <a:sysClr val="windowText" lastClr="000000"/>
+                  </a:solidFill>
+                </a:rPr>
+                <a:t>number = </a:t>
+              </a:r>
+              <a:r>
+                <a:rPr lang="en-US" altLang="ko-KR" sz="1467" dirty="0" err="1">
+                  <a:solidFill>
+                    <a:sysClr val="windowText" lastClr="000000"/>
+                  </a:solidFill>
+                </a:rPr>
+                <a:t>charAt</a:t>
+              </a:r>
+              <a:r>
+                <a:rPr lang="en-US" altLang="ko-KR" sz="1467" dirty="0">
+                  <a:solidFill>
+                    <a:sysClr val="windowText" lastClr="000000"/>
+                  </a:solidFill>
+                </a:rPr>
+                <a:t>(</a:t>
+              </a:r>
+              <a:r>
+                <a:rPr lang="en-US" altLang="ko-KR" sz="1467" dirty="0" err="1">
+                  <a:solidFill>
+                    <a:sysClr val="windowText" lastClr="000000"/>
+                  </a:solidFill>
+                </a:rPr>
+                <a:t>i</a:t>
+              </a:r>
+              <a:r>
+                <a:rPr lang="en-US" altLang="ko-KR" sz="1467" dirty="0">
+                  <a:solidFill>
+                    <a:sysClr val="windowText" lastClr="000000"/>
+                  </a:solidFill>
+                </a:rPr>
+                <a:t>)</a:t>
+              </a:r>
+            </a:p>
+          </p:txBody>
+        </p:sp>
+        <p:cxnSp>
+          <p:nvCxnSpPr>
+            <p:cNvPr id="9" name="직선 화살표 연결선 8">
+              <a:extLst>
+                <a:ext uri="{FF2B5EF4-FFF2-40B4-BE49-F238E27FC236}">
+                  <a16:creationId xmlns:a16="http://schemas.microsoft.com/office/drawing/2014/main" id="{0074B81A-8660-4E3D-B69A-3DEA51705F3F}"/>
+                </a:ext>
+              </a:extLst>
+            </p:cNvPr>
+            <p:cNvCxnSpPr>
+              <a:cxnSpLocks/>
+              <a:stCxn id="7" idx="3"/>
+              <a:endCxn id="12" idx="1"/>
+            </p:cNvCxnSpPr>
+            <p:nvPr/>
+          </p:nvCxnSpPr>
+          <p:spPr>
+            <a:xfrm flipV="1">
+              <a:off x="2160001" y="1505488"/>
+              <a:ext cx="477474" cy="2561"/>
+            </a:xfrm>
+            <a:prstGeom prst="straightConnector1">
+              <a:avLst/>
+            </a:prstGeom>
+            <a:ln>
+              <a:solidFill>
+                <a:schemeClr val="tx1"/>
+              </a:solidFill>
+              <a:tailEnd type="triangle"/>
+            </a:ln>
+          </p:spPr>
+          <p:style>
+            <a:lnRef idx="1">
+              <a:schemeClr val="accent1"/>
+            </a:lnRef>
+            <a:fillRef idx="0">
+              <a:schemeClr val="accent1"/>
+            </a:fillRef>
+            <a:effectRef idx="0">
+              <a:schemeClr val="accent1"/>
+            </a:effectRef>
+            <a:fontRef idx="minor">
+              <a:schemeClr val="tx1"/>
+            </a:fontRef>
+          </p:style>
+        </p:cxnSp>
+        <p:sp>
+          <p:nvSpPr>
+            <p:cNvPr id="10" name="직사각형 9">
+              <a:extLst>
+                <a:ext uri="{FF2B5EF4-FFF2-40B4-BE49-F238E27FC236}">
+                  <a16:creationId xmlns:a16="http://schemas.microsoft.com/office/drawing/2014/main" id="{5283D6BA-2971-48F2-9043-7919E96E46B0}"/>
+                </a:ext>
+              </a:extLst>
+            </p:cNvPr>
+            <p:cNvSpPr/>
+            <p:nvPr/>
+          </p:nvSpPr>
+          <p:spPr>
+            <a:xfrm>
+              <a:off x="6597475" y="1227146"/>
+              <a:ext cx="2520000" cy="540000"/>
+            </a:xfrm>
+            <a:prstGeom prst="rect">
+              <a:avLst/>
+            </a:prstGeom>
+            <a:noFill/>
+            <a:ln>
+              <a:solidFill>
+                <a:schemeClr val="tx1"/>
+              </a:solidFill>
+            </a:ln>
+          </p:spPr>
+          <p:style>
+            <a:lnRef idx="2">
+              <a:schemeClr val="accent1">
+                <a:shade val="50000"/>
+              </a:schemeClr>
+            </a:lnRef>
+            <a:fillRef idx="1">
+              <a:schemeClr val="accent1"/>
+            </a:fillRef>
+            <a:effectRef idx="0">
+              <a:schemeClr val="accent1"/>
+            </a:effectRef>
+            <a:fontRef idx="minor">
+              <a:schemeClr val="lt1"/>
+            </a:fontRef>
+          </p:style>
+          <p:txBody>
+            <a:bodyPr rtlCol="0" anchor="ctr"/>
+            <a:lstStyle/>
+            <a:p>
+              <a:pPr algn="ctr"/>
+              <a:r>
+                <a:rPr lang="en-US" altLang="ko-KR" sz="1467" dirty="0" err="1">
+                  <a:solidFill>
+                    <a:sysClr val="windowText" lastClr="000000"/>
+                  </a:solidFill>
+                </a:rPr>
+                <a:t>LHand</a:t>
+              </a:r>
+              <a:r>
+                <a:rPr lang="en-US" altLang="ko-KR" sz="1467" dirty="0">
+                  <a:solidFill>
+                    <a:sysClr val="windowText" lastClr="000000"/>
+                  </a:solidFill>
+                </a:rPr>
+                <a:t> = pos {1, 4, 7}</a:t>
+              </a:r>
+            </a:p>
+            <a:p>
+              <a:pPr algn="ctr"/>
+              <a:r>
+                <a:rPr lang="en-US" altLang="ko-KR" sz="1467" dirty="0">
+                  <a:solidFill>
+                    <a:sysClr val="windowText" lastClr="000000"/>
+                  </a:solidFill>
+                </a:rPr>
+                <a:t>answer += L</a:t>
+              </a:r>
+              <a:endParaRPr lang="ko-KR" altLang="en-US" sz="1467" dirty="0">
+                <a:solidFill>
+                  <a:sysClr val="windowText" lastClr="000000"/>
+                </a:solidFill>
+              </a:endParaRPr>
+            </a:p>
+          </p:txBody>
+        </p:sp>
+        <p:cxnSp>
+          <p:nvCxnSpPr>
+            <p:cNvPr id="11" name="직선 화살표 연결선 10">
+              <a:extLst>
+                <a:ext uri="{FF2B5EF4-FFF2-40B4-BE49-F238E27FC236}">
+                  <a16:creationId xmlns:a16="http://schemas.microsoft.com/office/drawing/2014/main" id="{354293A9-39B4-4529-8CE1-02889F0341B3}"/>
+                </a:ext>
+              </a:extLst>
+            </p:cNvPr>
+            <p:cNvCxnSpPr>
+              <a:cxnSpLocks/>
+              <a:stCxn id="12" idx="3"/>
+              <a:endCxn id="10" idx="1"/>
+            </p:cNvCxnSpPr>
+            <p:nvPr/>
+          </p:nvCxnSpPr>
+          <p:spPr>
+            <a:xfrm flipV="1">
+              <a:off x="5877475" y="1497146"/>
+              <a:ext cx="720000" cy="8342"/>
+            </a:xfrm>
+            <a:prstGeom prst="straightConnector1">
+              <a:avLst/>
+            </a:prstGeom>
+            <a:ln>
+              <a:solidFill>
+                <a:schemeClr val="tx1"/>
+              </a:solidFill>
+              <a:tailEnd type="triangle"/>
+            </a:ln>
+          </p:spPr>
+          <p:style>
+            <a:lnRef idx="1">
+              <a:schemeClr val="accent1"/>
+            </a:lnRef>
+            <a:fillRef idx="0">
+              <a:schemeClr val="accent1"/>
+            </a:fillRef>
+            <a:effectRef idx="0">
+              <a:schemeClr val="accent1"/>
+            </a:effectRef>
+            <a:fontRef idx="minor">
+              <a:schemeClr val="tx1"/>
+            </a:fontRef>
+          </p:style>
+        </p:cxnSp>
+        <p:sp>
+          <p:nvSpPr>
+            <p:cNvPr id="12" name="다이아몬드 11">
+              <a:extLst>
+                <a:ext uri="{FF2B5EF4-FFF2-40B4-BE49-F238E27FC236}">
+                  <a16:creationId xmlns:a16="http://schemas.microsoft.com/office/drawing/2014/main" id="{96FC0D46-A6B7-46AB-96DB-13AE780FEF19}"/>
+                </a:ext>
+              </a:extLst>
+            </p:cNvPr>
+            <p:cNvSpPr/>
+            <p:nvPr/>
+          </p:nvSpPr>
+          <p:spPr>
+            <a:xfrm>
+              <a:off x="2637475" y="1255709"/>
+              <a:ext cx="3240000" cy="499557"/>
+            </a:xfrm>
+            <a:prstGeom prst="diamond">
+              <a:avLst/>
+            </a:prstGeom>
+            <a:noFill/>
+            <a:ln>
+              <a:solidFill>
+                <a:schemeClr val="tx1"/>
+              </a:solidFill>
+            </a:ln>
+          </p:spPr>
+          <p:style>
+            <a:lnRef idx="2">
+              <a:schemeClr val="accent1">
+                <a:shade val="50000"/>
+              </a:schemeClr>
+            </a:lnRef>
+            <a:fillRef idx="1">
+              <a:schemeClr val="accent1"/>
+            </a:fillRef>
+            <a:effectRef idx="0">
+              <a:schemeClr val="accent1"/>
+            </a:effectRef>
+            <a:fontRef idx="minor">
+              <a:schemeClr val="lt1"/>
+            </a:fontRef>
+          </p:style>
+          <p:txBody>
+            <a:bodyPr rtlCol="0" anchor="ctr"/>
+            <a:lstStyle/>
+            <a:p>
+              <a:pPr algn="ctr"/>
+              <a:r>
+                <a:rPr lang="en-US" altLang="ko-KR" sz="1467" dirty="0">
+                  <a:solidFill>
+                    <a:sysClr val="windowText" lastClr="000000"/>
+                  </a:solidFill>
+                </a:rPr>
+                <a:t>number in {1, 4, 7}?</a:t>
+              </a:r>
+            </a:p>
+          </p:txBody>
+        </p:sp>
+        <p:sp>
+          <p:nvSpPr>
+            <p:cNvPr id="17" name="TextBox 16">
+              <a:extLst>
+                <a:ext uri="{FF2B5EF4-FFF2-40B4-BE49-F238E27FC236}">
+                  <a16:creationId xmlns:a16="http://schemas.microsoft.com/office/drawing/2014/main" id="{2A5C5224-5C5E-4F1E-A524-04C3D097A28A}"/>
+                </a:ext>
+              </a:extLst>
+            </p:cNvPr>
+            <p:cNvSpPr txBox="1"/>
+            <p:nvPr/>
+          </p:nvSpPr>
+          <p:spPr>
+            <a:xfrm>
+              <a:off x="4347474" y="1693467"/>
+              <a:ext cx="524181" cy="307777"/>
+            </a:xfrm>
+            <a:prstGeom prst="rect">
+              <a:avLst/>
+            </a:prstGeom>
+            <a:noFill/>
+          </p:spPr>
+          <p:txBody>
+            <a:bodyPr wrap="none">
+              <a:spAutoFit/>
+            </a:bodyPr>
+            <a:lstStyle/>
+            <a:p>
+              <a:pPr algn="ctr"/>
+              <a:r>
+                <a:rPr lang="en-US" altLang="ko-KR" sz="1400" dirty="0">
+                  <a:solidFill>
+                    <a:sysClr val="windowText" lastClr="000000"/>
+                  </a:solidFill>
+                </a:rPr>
+                <a:t>false</a:t>
+              </a:r>
+            </a:p>
+          </p:txBody>
+        </p:sp>
+        <p:sp>
+          <p:nvSpPr>
+            <p:cNvPr id="15" name="다이아몬드 14">
+              <a:extLst>
+                <a:ext uri="{FF2B5EF4-FFF2-40B4-BE49-F238E27FC236}">
+                  <a16:creationId xmlns:a16="http://schemas.microsoft.com/office/drawing/2014/main" id="{DF3DC1BB-E879-4432-BC7B-F1A676B80EB7}"/>
+                </a:ext>
+              </a:extLst>
+            </p:cNvPr>
+            <p:cNvSpPr/>
+            <p:nvPr/>
+          </p:nvSpPr>
+          <p:spPr>
+            <a:xfrm>
+              <a:off x="2637475" y="1980709"/>
+              <a:ext cx="3240000" cy="499557"/>
+            </a:xfrm>
+            <a:prstGeom prst="diamond">
+              <a:avLst/>
+            </a:prstGeom>
+            <a:noFill/>
+            <a:ln>
+              <a:solidFill>
+                <a:schemeClr val="tx1"/>
+              </a:solidFill>
+            </a:ln>
+          </p:spPr>
+          <p:style>
+            <a:lnRef idx="2">
+              <a:schemeClr val="accent1">
+                <a:shade val="50000"/>
+              </a:schemeClr>
+            </a:lnRef>
+            <a:fillRef idx="1">
+              <a:schemeClr val="accent1"/>
+            </a:fillRef>
+            <a:effectRef idx="0">
+              <a:schemeClr val="accent1"/>
+            </a:effectRef>
+            <a:fontRef idx="minor">
+              <a:schemeClr val="lt1"/>
+            </a:fontRef>
+          </p:style>
+          <p:txBody>
+            <a:bodyPr rtlCol="0" anchor="ctr"/>
+            <a:lstStyle/>
+            <a:p>
+              <a:pPr algn="ctr"/>
+              <a:r>
+                <a:rPr lang="en-US" altLang="ko-KR" sz="1467" dirty="0">
+                  <a:solidFill>
+                    <a:sysClr val="windowText" lastClr="000000"/>
+                  </a:solidFill>
+                </a:rPr>
+                <a:t>number in {3, 6, 9}?</a:t>
+              </a:r>
+            </a:p>
+          </p:txBody>
+        </p:sp>
+        <p:cxnSp>
+          <p:nvCxnSpPr>
+            <p:cNvPr id="21" name="연결선: 꺾임 20">
+              <a:extLst>
+                <a:ext uri="{FF2B5EF4-FFF2-40B4-BE49-F238E27FC236}">
+                  <a16:creationId xmlns:a16="http://schemas.microsoft.com/office/drawing/2014/main" id="{8F573F1C-C48B-458E-B244-9FBC3C211C99}"/>
+                </a:ext>
+              </a:extLst>
+            </p:cNvPr>
+            <p:cNvCxnSpPr>
+              <a:cxnSpLocks/>
+              <a:stCxn id="10" idx="0"/>
+              <a:endCxn id="7" idx="0"/>
+            </p:cNvCxnSpPr>
+            <p:nvPr/>
+          </p:nvCxnSpPr>
+          <p:spPr>
+            <a:xfrm rot="16200000" flipH="1" flipV="1">
+              <a:off x="4463286" y="-2156140"/>
+              <a:ext cx="10903" cy="6777474"/>
+            </a:xfrm>
+            <a:prstGeom prst="bentConnector3">
+              <a:avLst>
+                <a:gd name="adj1" fmla="val -2096671"/>
+              </a:avLst>
+            </a:prstGeom>
+            <a:ln>
+              <a:solidFill>
+                <a:schemeClr val="tx1"/>
+              </a:solidFill>
+              <a:tailEnd type="triangle"/>
+            </a:ln>
+          </p:spPr>
+          <p:style>
+            <a:lnRef idx="1">
+              <a:schemeClr val="accent1"/>
+            </a:lnRef>
+            <a:fillRef idx="0">
+              <a:schemeClr val="accent1"/>
+            </a:fillRef>
+            <a:effectRef idx="0">
+              <a:schemeClr val="accent1"/>
+            </a:effectRef>
+            <a:fontRef idx="minor">
+              <a:schemeClr val="tx1"/>
+            </a:fontRef>
+          </p:style>
+        </p:cxnSp>
+        <p:sp>
+          <p:nvSpPr>
+            <p:cNvPr id="32" name="직사각형 31">
+              <a:extLst>
+                <a:ext uri="{FF2B5EF4-FFF2-40B4-BE49-F238E27FC236}">
+                  <a16:creationId xmlns:a16="http://schemas.microsoft.com/office/drawing/2014/main" id="{C0B7FB59-090D-4765-851E-D4A6C0B8D37A}"/>
+                </a:ext>
+              </a:extLst>
+            </p:cNvPr>
+            <p:cNvSpPr/>
+            <p:nvPr/>
+          </p:nvSpPr>
+          <p:spPr>
+            <a:xfrm>
+              <a:off x="6597475" y="1962981"/>
+              <a:ext cx="2520000" cy="540000"/>
+            </a:xfrm>
+            <a:prstGeom prst="rect">
+              <a:avLst/>
+            </a:prstGeom>
+            <a:noFill/>
+            <a:ln>
+              <a:solidFill>
+                <a:schemeClr val="tx1"/>
+              </a:solidFill>
+            </a:ln>
+          </p:spPr>
+          <p:style>
+            <a:lnRef idx="2">
+              <a:schemeClr val="accent1">
+                <a:shade val="50000"/>
+              </a:schemeClr>
+            </a:lnRef>
+            <a:fillRef idx="1">
+              <a:schemeClr val="accent1"/>
+            </a:fillRef>
+            <a:effectRef idx="0">
+              <a:schemeClr val="accent1"/>
+            </a:effectRef>
+            <a:fontRef idx="minor">
+              <a:schemeClr val="lt1"/>
+            </a:fontRef>
+          </p:style>
+          <p:txBody>
+            <a:bodyPr rtlCol="0" anchor="ctr"/>
+            <a:lstStyle/>
+            <a:p>
+              <a:pPr algn="ctr"/>
+              <a:r>
+                <a:rPr lang="en-US" altLang="ko-KR" sz="1467" dirty="0" err="1">
+                  <a:solidFill>
+                    <a:sysClr val="windowText" lastClr="000000"/>
+                  </a:solidFill>
+                </a:rPr>
+                <a:t>RHand</a:t>
+              </a:r>
+              <a:r>
+                <a:rPr lang="en-US" altLang="ko-KR" sz="1467" dirty="0">
+                  <a:solidFill>
+                    <a:sysClr val="windowText" lastClr="000000"/>
+                  </a:solidFill>
+                </a:rPr>
+                <a:t> = pos {3, 6, 9}</a:t>
+              </a:r>
+            </a:p>
+            <a:p>
+              <a:pPr algn="ctr"/>
+              <a:r>
+                <a:rPr lang="en-US" altLang="ko-KR" sz="1467" dirty="0">
+                  <a:solidFill>
+                    <a:sysClr val="windowText" lastClr="000000"/>
+                  </a:solidFill>
+                </a:rPr>
+                <a:t>answer += R</a:t>
+              </a:r>
+              <a:endParaRPr lang="ko-KR" altLang="en-US" sz="1467" dirty="0">
+                <a:solidFill>
+                  <a:sysClr val="windowText" lastClr="000000"/>
+                </a:solidFill>
+              </a:endParaRPr>
+            </a:p>
+          </p:txBody>
+        </p:sp>
+        <p:cxnSp>
+          <p:nvCxnSpPr>
+            <p:cNvPr id="33" name="직선 화살표 연결선 32">
+              <a:extLst>
+                <a:ext uri="{FF2B5EF4-FFF2-40B4-BE49-F238E27FC236}">
+                  <a16:creationId xmlns:a16="http://schemas.microsoft.com/office/drawing/2014/main" id="{46035D34-6807-486F-BB03-3EF18FC73527}"/>
+                </a:ext>
+              </a:extLst>
+            </p:cNvPr>
+            <p:cNvCxnSpPr>
+              <a:cxnSpLocks/>
+              <a:stCxn id="15" idx="3"/>
+              <a:endCxn id="32" idx="1"/>
+            </p:cNvCxnSpPr>
+            <p:nvPr/>
+          </p:nvCxnSpPr>
+          <p:spPr>
+            <a:xfrm>
+              <a:off x="5877475" y="2230488"/>
+              <a:ext cx="720000" cy="2493"/>
+            </a:xfrm>
+            <a:prstGeom prst="straightConnector1">
+              <a:avLst/>
+            </a:prstGeom>
+            <a:ln>
+              <a:solidFill>
+                <a:schemeClr val="tx1"/>
+              </a:solidFill>
+              <a:tailEnd type="triangle"/>
+            </a:ln>
+          </p:spPr>
+          <p:style>
+            <a:lnRef idx="1">
+              <a:schemeClr val="accent1"/>
+            </a:lnRef>
+            <a:fillRef idx="0">
+              <a:schemeClr val="accent1"/>
+            </a:fillRef>
+            <a:effectRef idx="0">
+              <a:schemeClr val="accent1"/>
+            </a:effectRef>
+            <a:fontRef idx="minor">
+              <a:schemeClr val="tx1"/>
+            </a:fontRef>
+          </p:style>
+        </p:cxnSp>
+        <p:cxnSp>
+          <p:nvCxnSpPr>
+            <p:cNvPr id="37" name="직선 화살표 연결선 36">
+              <a:extLst>
+                <a:ext uri="{FF2B5EF4-FFF2-40B4-BE49-F238E27FC236}">
+                  <a16:creationId xmlns:a16="http://schemas.microsoft.com/office/drawing/2014/main" id="{5D4E79F2-2494-4E3F-80EB-EF67A0A95D41}"/>
+                </a:ext>
+              </a:extLst>
+            </p:cNvPr>
+            <p:cNvCxnSpPr>
+              <a:cxnSpLocks/>
+              <a:stCxn id="12" idx="2"/>
+              <a:endCxn id="15" idx="0"/>
+            </p:cNvCxnSpPr>
+            <p:nvPr/>
+          </p:nvCxnSpPr>
+          <p:spPr>
+            <a:xfrm>
+              <a:off x="4257475" y="1755266"/>
+              <a:ext cx="0" cy="225443"/>
+            </a:xfrm>
+            <a:prstGeom prst="straightConnector1">
+              <a:avLst/>
+            </a:prstGeom>
+            <a:ln>
+              <a:solidFill>
+                <a:schemeClr val="tx1"/>
+              </a:solidFill>
+              <a:tailEnd type="triangle"/>
+            </a:ln>
+          </p:spPr>
+          <p:style>
+            <a:lnRef idx="1">
+              <a:schemeClr val="accent1"/>
+            </a:lnRef>
+            <a:fillRef idx="0">
+              <a:schemeClr val="accent1"/>
+            </a:fillRef>
+            <a:effectRef idx="0">
+              <a:schemeClr val="accent1"/>
+            </a:effectRef>
+            <a:fontRef idx="minor">
+              <a:schemeClr val="tx1"/>
+            </a:fontRef>
+          </p:style>
+        </p:cxnSp>
+        <p:sp>
+          <p:nvSpPr>
+            <p:cNvPr id="41" name="TextBox 40">
+              <a:extLst>
+                <a:ext uri="{FF2B5EF4-FFF2-40B4-BE49-F238E27FC236}">
+                  <a16:creationId xmlns:a16="http://schemas.microsoft.com/office/drawing/2014/main" id="{4DE0DC7C-C78A-49AA-83E1-9E680BB54C21}"/>
+                </a:ext>
+              </a:extLst>
+            </p:cNvPr>
+            <p:cNvSpPr txBox="1"/>
+            <p:nvPr/>
+          </p:nvSpPr>
+          <p:spPr>
+            <a:xfrm>
+              <a:off x="6033077" y="1175556"/>
+              <a:ext cx="492444" cy="307777"/>
+            </a:xfrm>
+            <a:prstGeom prst="rect">
+              <a:avLst/>
+            </a:prstGeom>
+            <a:noFill/>
+          </p:spPr>
+          <p:txBody>
+            <a:bodyPr wrap="none">
+              <a:spAutoFit/>
+            </a:bodyPr>
+            <a:lstStyle/>
+            <a:p>
+              <a:pPr algn="ctr"/>
+              <a:r>
+                <a:rPr lang="en-US" altLang="ko-KR" sz="1400" dirty="0">
+                  <a:solidFill>
+                    <a:sysClr val="windowText" lastClr="000000"/>
+                  </a:solidFill>
+                </a:rPr>
+                <a:t>true</a:t>
+              </a:r>
+            </a:p>
+          </p:txBody>
+        </p:sp>
+        <p:sp>
+          <p:nvSpPr>
+            <p:cNvPr id="42" name="TextBox 41">
+              <a:extLst>
+                <a:ext uri="{FF2B5EF4-FFF2-40B4-BE49-F238E27FC236}">
+                  <a16:creationId xmlns:a16="http://schemas.microsoft.com/office/drawing/2014/main" id="{A614B27F-42AB-4E22-985A-2AB279D98200}"/>
+                </a:ext>
+              </a:extLst>
+            </p:cNvPr>
+            <p:cNvSpPr txBox="1"/>
+            <p:nvPr/>
+          </p:nvSpPr>
+          <p:spPr>
+            <a:xfrm>
+              <a:off x="4347473" y="2560980"/>
+              <a:ext cx="524181" cy="307777"/>
+            </a:xfrm>
+            <a:prstGeom prst="rect">
+              <a:avLst/>
+            </a:prstGeom>
+            <a:noFill/>
+          </p:spPr>
+          <p:txBody>
+            <a:bodyPr wrap="square">
+              <a:spAutoFit/>
+            </a:bodyPr>
+            <a:lstStyle/>
+            <a:p>
+              <a:pPr algn="ctr"/>
+              <a:r>
+                <a:rPr lang="en-US" altLang="ko-KR" sz="1400" dirty="0">
+                  <a:solidFill>
+                    <a:sysClr val="windowText" lastClr="000000"/>
+                  </a:solidFill>
+                </a:rPr>
+                <a:t>false</a:t>
+              </a:r>
+            </a:p>
+          </p:txBody>
+        </p:sp>
+        <p:cxnSp>
+          <p:nvCxnSpPr>
+            <p:cNvPr id="46" name="직선 화살표 연결선 45">
+              <a:extLst>
+                <a:ext uri="{FF2B5EF4-FFF2-40B4-BE49-F238E27FC236}">
+                  <a16:creationId xmlns:a16="http://schemas.microsoft.com/office/drawing/2014/main" id="{52496992-01D0-49BB-A1A1-1BD1F2BF3BB8}"/>
+                </a:ext>
+              </a:extLst>
+            </p:cNvPr>
+            <p:cNvCxnSpPr>
+              <a:cxnSpLocks/>
+              <a:stCxn id="15" idx="2"/>
+              <a:endCxn id="125" idx="0"/>
+            </p:cNvCxnSpPr>
+            <p:nvPr/>
+          </p:nvCxnSpPr>
+          <p:spPr>
+            <a:xfrm>
+              <a:off x="4257475" y="2480266"/>
+              <a:ext cx="0" cy="356187"/>
+            </a:xfrm>
+            <a:prstGeom prst="straightConnector1">
+              <a:avLst/>
+            </a:prstGeom>
+            <a:ln>
+              <a:solidFill>
+                <a:schemeClr val="tx1"/>
+              </a:solidFill>
+              <a:tailEnd type="triangle"/>
+            </a:ln>
+          </p:spPr>
+          <p:style>
+            <a:lnRef idx="1">
+              <a:schemeClr val="accent1"/>
+            </a:lnRef>
+            <a:fillRef idx="0">
+              <a:schemeClr val="accent1"/>
+            </a:fillRef>
+            <a:effectRef idx="0">
+              <a:schemeClr val="accent1"/>
+            </a:effectRef>
+            <a:fontRef idx="minor">
+              <a:schemeClr val="tx1"/>
+            </a:fontRef>
+          </p:style>
+        </p:cxnSp>
+        <p:cxnSp>
+          <p:nvCxnSpPr>
+            <p:cNvPr id="51" name="연결선: 꺾임 50">
+              <a:extLst>
+                <a:ext uri="{FF2B5EF4-FFF2-40B4-BE49-F238E27FC236}">
+                  <a16:creationId xmlns:a16="http://schemas.microsoft.com/office/drawing/2014/main" id="{E80378A8-7B5A-41A5-89C9-ABD729262B15}"/>
+                </a:ext>
+              </a:extLst>
+            </p:cNvPr>
+            <p:cNvCxnSpPr>
+              <a:cxnSpLocks/>
+              <a:stCxn id="32" idx="3"/>
+              <a:endCxn id="7" idx="0"/>
+            </p:cNvCxnSpPr>
+            <p:nvPr/>
+          </p:nvCxnSpPr>
+          <p:spPr>
+            <a:xfrm flipH="1" flipV="1">
+              <a:off x="1080001" y="1238049"/>
+              <a:ext cx="8037474" cy="994932"/>
+            </a:xfrm>
+            <a:prstGeom prst="bentConnector4">
+              <a:avLst>
+                <a:gd name="adj1" fmla="val -2844"/>
+                <a:gd name="adj2" fmla="val 122976"/>
+              </a:avLst>
+            </a:prstGeom>
+            <a:ln>
+              <a:solidFill>
+                <a:schemeClr val="tx1"/>
+              </a:solidFill>
+              <a:tailEnd type="triangle"/>
+            </a:ln>
+          </p:spPr>
+          <p:style>
+            <a:lnRef idx="1">
+              <a:schemeClr val="accent1"/>
+            </a:lnRef>
+            <a:fillRef idx="0">
+              <a:schemeClr val="accent1"/>
+            </a:fillRef>
+            <a:effectRef idx="0">
+              <a:schemeClr val="accent1"/>
+            </a:effectRef>
+            <a:fontRef idx="minor">
+              <a:schemeClr val="tx1"/>
+            </a:fontRef>
+          </p:style>
+        </p:cxnSp>
+        <p:sp>
+          <p:nvSpPr>
+            <p:cNvPr id="104" name="TextBox 103">
+              <a:extLst>
+                <a:ext uri="{FF2B5EF4-FFF2-40B4-BE49-F238E27FC236}">
+                  <a16:creationId xmlns:a16="http://schemas.microsoft.com/office/drawing/2014/main" id="{BF56D1D8-8EAF-4073-8512-8C342C3624AB}"/>
+                </a:ext>
+              </a:extLst>
+            </p:cNvPr>
+            <p:cNvSpPr txBox="1"/>
+            <p:nvPr/>
+          </p:nvSpPr>
+          <p:spPr>
+            <a:xfrm>
+              <a:off x="6033077" y="1922710"/>
+              <a:ext cx="492444" cy="307777"/>
+            </a:xfrm>
+            <a:prstGeom prst="rect">
+              <a:avLst/>
+            </a:prstGeom>
+            <a:noFill/>
+          </p:spPr>
+          <p:txBody>
+            <a:bodyPr wrap="none">
+              <a:spAutoFit/>
+            </a:bodyPr>
+            <a:lstStyle/>
+            <a:p>
+              <a:pPr algn="ctr"/>
+              <a:r>
+                <a:rPr lang="en-US" altLang="ko-KR" sz="1400" dirty="0">
+                  <a:solidFill>
+                    <a:sysClr val="windowText" lastClr="000000"/>
+                  </a:solidFill>
+                </a:rPr>
+                <a:t>true</a:t>
+              </a:r>
+            </a:p>
+          </p:txBody>
+        </p:sp>
+        <p:sp>
+          <p:nvSpPr>
+            <p:cNvPr id="115" name="직사각형 114">
+              <a:extLst>
+                <a:ext uri="{FF2B5EF4-FFF2-40B4-BE49-F238E27FC236}">
+                  <a16:creationId xmlns:a16="http://schemas.microsoft.com/office/drawing/2014/main" id="{E033585F-E4D1-4FD0-A5DD-064BB3E3B501}"/>
+                </a:ext>
+              </a:extLst>
+            </p:cNvPr>
+            <p:cNvSpPr/>
+            <p:nvPr/>
+          </p:nvSpPr>
+          <p:spPr>
+            <a:xfrm>
+              <a:off x="6597475" y="2816231"/>
+              <a:ext cx="2880000" cy="540000"/>
+            </a:xfrm>
+            <a:prstGeom prst="rect">
+              <a:avLst/>
+            </a:prstGeom>
+            <a:noFill/>
+            <a:ln>
+              <a:solidFill>
+                <a:schemeClr val="tx1"/>
+              </a:solidFill>
+            </a:ln>
+          </p:spPr>
+          <p:style>
+            <a:lnRef idx="2">
+              <a:schemeClr val="accent1">
+                <a:shade val="50000"/>
+              </a:schemeClr>
+            </a:lnRef>
+            <a:fillRef idx="1">
+              <a:schemeClr val="accent1"/>
+            </a:fillRef>
+            <a:effectRef idx="0">
+              <a:schemeClr val="accent1"/>
+            </a:effectRef>
+            <a:fontRef idx="minor">
+              <a:schemeClr val="lt1"/>
+            </a:fontRef>
+          </p:style>
+          <p:txBody>
+            <a:bodyPr rtlCol="0" anchor="ctr"/>
+            <a:lstStyle/>
+            <a:p>
+              <a:pPr algn="ctr"/>
+              <a:r>
+                <a:rPr lang="en-US" altLang="ko-KR" sz="1467" dirty="0" err="1">
+                  <a:solidFill>
+                    <a:sysClr val="windowText" lastClr="000000"/>
+                  </a:solidFill>
+                </a:rPr>
+                <a:t>mainHand</a:t>
+              </a:r>
+              <a:r>
+                <a:rPr lang="en-US" altLang="ko-KR" sz="1467" dirty="0">
+                  <a:solidFill>
+                    <a:sysClr val="windowText" lastClr="000000"/>
+                  </a:solidFill>
+                </a:rPr>
+                <a:t>(L / R) = pos {2, 5, 8, 0}</a:t>
+              </a:r>
+            </a:p>
+            <a:p>
+              <a:pPr algn="ctr"/>
+              <a:r>
+                <a:rPr lang="en-US" altLang="ko-KR" sz="1467" dirty="0">
+                  <a:solidFill>
+                    <a:sysClr val="windowText" lastClr="000000"/>
+                  </a:solidFill>
+                </a:rPr>
+                <a:t>answer += </a:t>
+              </a:r>
+              <a:r>
+                <a:rPr lang="en-US" altLang="ko-KR" sz="1467" dirty="0" err="1">
+                  <a:solidFill>
+                    <a:sysClr val="windowText" lastClr="000000"/>
+                  </a:solidFill>
+                </a:rPr>
+                <a:t>mainHand</a:t>
+              </a:r>
+              <a:r>
+                <a:rPr lang="en-US" altLang="ko-KR" sz="1467" dirty="0">
+                  <a:solidFill>
+                    <a:sysClr val="windowText" lastClr="000000"/>
+                  </a:solidFill>
+                </a:rPr>
+                <a:t>(L / R)</a:t>
+              </a:r>
+            </a:p>
+          </p:txBody>
+        </p:sp>
+        <p:cxnSp>
+          <p:nvCxnSpPr>
+            <p:cNvPr id="116" name="직선 화살표 연결선 115">
+              <a:extLst>
+                <a:ext uri="{FF2B5EF4-FFF2-40B4-BE49-F238E27FC236}">
+                  <a16:creationId xmlns:a16="http://schemas.microsoft.com/office/drawing/2014/main" id="{26A5EFD9-81E3-4627-A5D7-CEE97C8CB191}"/>
+                </a:ext>
+              </a:extLst>
+            </p:cNvPr>
+            <p:cNvCxnSpPr>
+              <a:cxnSpLocks/>
+              <a:stCxn id="125" idx="3"/>
+              <a:endCxn id="115" idx="1"/>
+            </p:cNvCxnSpPr>
+            <p:nvPr/>
+          </p:nvCxnSpPr>
+          <p:spPr>
+            <a:xfrm flipV="1">
+              <a:off x="6237475" y="3086231"/>
+              <a:ext cx="360000" cy="1"/>
+            </a:xfrm>
+            <a:prstGeom prst="straightConnector1">
+              <a:avLst/>
+            </a:prstGeom>
+            <a:ln>
+              <a:solidFill>
+                <a:schemeClr val="tx1"/>
+              </a:solidFill>
+              <a:tailEnd type="triangle"/>
+            </a:ln>
+          </p:spPr>
+          <p:style>
+            <a:lnRef idx="1">
+              <a:schemeClr val="accent1"/>
+            </a:lnRef>
+            <a:fillRef idx="0">
+              <a:schemeClr val="accent1"/>
+            </a:fillRef>
+            <a:effectRef idx="0">
+              <a:schemeClr val="accent1"/>
+            </a:effectRef>
+            <a:fontRef idx="minor">
+              <a:schemeClr val="tx1"/>
+            </a:fontRef>
+          </p:style>
+        </p:cxnSp>
+        <p:cxnSp>
+          <p:nvCxnSpPr>
+            <p:cNvPr id="121" name="연결선: 꺾임 120">
+              <a:extLst>
+                <a:ext uri="{FF2B5EF4-FFF2-40B4-BE49-F238E27FC236}">
+                  <a16:creationId xmlns:a16="http://schemas.microsoft.com/office/drawing/2014/main" id="{099881BA-1357-4D72-8158-9B73C912059B}"/>
+                </a:ext>
+              </a:extLst>
+            </p:cNvPr>
+            <p:cNvCxnSpPr>
+              <a:stCxn id="115" idx="3"/>
+              <a:endCxn id="7" idx="0"/>
+            </p:cNvCxnSpPr>
+            <p:nvPr/>
+          </p:nvCxnSpPr>
+          <p:spPr>
+            <a:xfrm flipH="1" flipV="1">
+              <a:off x="1080001" y="1238049"/>
+              <a:ext cx="8397474" cy="1848182"/>
+            </a:xfrm>
+            <a:prstGeom prst="bentConnector4">
+              <a:avLst>
+                <a:gd name="adj1" fmla="val -2722"/>
+                <a:gd name="adj2" fmla="val 112369"/>
+              </a:avLst>
+            </a:prstGeom>
+            <a:ln>
+              <a:solidFill>
+                <a:schemeClr val="tx1"/>
+              </a:solidFill>
+              <a:tailEnd type="triangle"/>
+            </a:ln>
+          </p:spPr>
+          <p:style>
+            <a:lnRef idx="1">
+              <a:schemeClr val="accent1"/>
+            </a:lnRef>
+            <a:fillRef idx="0">
+              <a:schemeClr val="accent1"/>
+            </a:fillRef>
+            <a:effectRef idx="0">
+              <a:schemeClr val="accent1"/>
+            </a:effectRef>
+            <a:fontRef idx="minor">
+              <a:schemeClr val="tx1"/>
+            </a:fontRef>
+          </p:style>
+        </p:cxnSp>
+        <p:sp>
+          <p:nvSpPr>
+            <p:cNvPr id="125" name="다이아몬드 124">
+              <a:extLst>
+                <a:ext uri="{FF2B5EF4-FFF2-40B4-BE49-F238E27FC236}">
+                  <a16:creationId xmlns:a16="http://schemas.microsoft.com/office/drawing/2014/main" id="{155116E2-778A-4718-9412-F22B511F3156}"/>
+                </a:ext>
+              </a:extLst>
+            </p:cNvPr>
+            <p:cNvSpPr/>
+            <p:nvPr/>
+          </p:nvSpPr>
+          <p:spPr>
+            <a:xfrm>
+              <a:off x="2277475" y="2836453"/>
+              <a:ext cx="3960000" cy="499557"/>
+            </a:xfrm>
+            <a:prstGeom prst="diamond">
+              <a:avLst/>
+            </a:prstGeom>
+            <a:noFill/>
+            <a:ln>
+              <a:solidFill>
+                <a:schemeClr val="tx1"/>
+              </a:solidFill>
+            </a:ln>
+          </p:spPr>
+          <p:style>
+            <a:lnRef idx="2">
+              <a:schemeClr val="accent1">
+                <a:shade val="50000"/>
+              </a:schemeClr>
+            </a:lnRef>
+            <a:fillRef idx="1">
+              <a:schemeClr val="accent1"/>
+            </a:fillRef>
+            <a:effectRef idx="0">
+              <a:schemeClr val="accent1"/>
+            </a:effectRef>
+            <a:fontRef idx="minor">
+              <a:schemeClr val="lt1"/>
+            </a:fontRef>
+          </p:style>
+          <p:txBody>
+            <a:bodyPr rtlCol="0" anchor="ctr"/>
+            <a:lstStyle/>
+            <a:p>
+              <a:pPr algn="ctr"/>
+              <a:r>
+                <a:rPr lang="en-US" altLang="ko-KR" sz="1467" dirty="0" err="1">
+                  <a:solidFill>
+                    <a:sysClr val="windowText" lastClr="000000"/>
+                  </a:solidFill>
+                </a:rPr>
+                <a:t>LDistance</a:t>
+              </a:r>
+              <a:r>
+                <a:rPr lang="en-US" altLang="ko-KR" sz="1467" dirty="0">
+                  <a:solidFill>
+                    <a:sysClr val="windowText" lastClr="000000"/>
+                  </a:solidFill>
+                </a:rPr>
+                <a:t> == </a:t>
+              </a:r>
+              <a:r>
+                <a:rPr lang="en-US" altLang="ko-KR" sz="1467" dirty="0" err="1">
+                  <a:solidFill>
+                    <a:sysClr val="windowText" lastClr="000000"/>
+                  </a:solidFill>
+                </a:rPr>
+                <a:t>RDistance</a:t>
+              </a:r>
+              <a:r>
+                <a:rPr lang="en-US" altLang="ko-KR" sz="1467" dirty="0">
+                  <a:solidFill>
+                    <a:sysClr val="windowText" lastClr="000000"/>
+                  </a:solidFill>
+                </a:rPr>
+                <a:t>?</a:t>
+              </a:r>
+            </a:p>
+          </p:txBody>
+        </p:sp>
+        <p:sp>
+          <p:nvSpPr>
+            <p:cNvPr id="134" name="TextBox 133">
+              <a:extLst>
+                <a:ext uri="{FF2B5EF4-FFF2-40B4-BE49-F238E27FC236}">
+                  <a16:creationId xmlns:a16="http://schemas.microsoft.com/office/drawing/2014/main" id="{2C7FAE1B-5BE5-40F5-9943-98E6007C5274}"/>
+                </a:ext>
+              </a:extLst>
+            </p:cNvPr>
+            <p:cNvSpPr txBox="1"/>
+            <p:nvPr/>
+          </p:nvSpPr>
+          <p:spPr>
+            <a:xfrm>
+              <a:off x="6116212" y="2798676"/>
+              <a:ext cx="492444" cy="307777"/>
+            </a:xfrm>
+            <a:prstGeom prst="rect">
+              <a:avLst/>
+            </a:prstGeom>
+            <a:noFill/>
+          </p:spPr>
+          <p:txBody>
+            <a:bodyPr wrap="none">
+              <a:spAutoFit/>
+            </a:bodyPr>
+            <a:lstStyle/>
+            <a:p>
+              <a:pPr algn="ctr"/>
+              <a:r>
+                <a:rPr lang="en-US" altLang="ko-KR" sz="1400" dirty="0">
+                  <a:solidFill>
+                    <a:sysClr val="windowText" lastClr="000000"/>
+                  </a:solidFill>
+                </a:rPr>
+                <a:t>true</a:t>
+              </a:r>
+            </a:p>
+          </p:txBody>
+        </p:sp>
+        <p:sp>
+          <p:nvSpPr>
+            <p:cNvPr id="135" name="TextBox 134">
+              <a:extLst>
+                <a:ext uri="{FF2B5EF4-FFF2-40B4-BE49-F238E27FC236}">
+                  <a16:creationId xmlns:a16="http://schemas.microsoft.com/office/drawing/2014/main" id="{199AADB1-B841-408F-BCA3-49D817DB4F51}"/>
+                </a:ext>
+              </a:extLst>
+            </p:cNvPr>
+            <p:cNvSpPr txBox="1"/>
+            <p:nvPr/>
+          </p:nvSpPr>
+          <p:spPr>
+            <a:xfrm>
+              <a:off x="4291188" y="3295768"/>
+              <a:ext cx="524181" cy="307777"/>
+            </a:xfrm>
+            <a:prstGeom prst="rect">
+              <a:avLst/>
+            </a:prstGeom>
+            <a:noFill/>
+          </p:spPr>
+          <p:txBody>
+            <a:bodyPr wrap="square">
+              <a:spAutoFit/>
+            </a:bodyPr>
+            <a:lstStyle/>
+            <a:p>
+              <a:pPr algn="ctr"/>
+              <a:r>
+                <a:rPr lang="en-US" altLang="ko-KR" sz="1400" dirty="0">
+                  <a:solidFill>
+                    <a:sysClr val="windowText" lastClr="000000"/>
+                  </a:solidFill>
+                </a:rPr>
+                <a:t>false</a:t>
+              </a:r>
+            </a:p>
+          </p:txBody>
+        </p:sp>
+        <p:cxnSp>
+          <p:nvCxnSpPr>
+            <p:cNvPr id="136" name="직선 화살표 연결선 135">
+              <a:extLst>
+                <a:ext uri="{FF2B5EF4-FFF2-40B4-BE49-F238E27FC236}">
+                  <a16:creationId xmlns:a16="http://schemas.microsoft.com/office/drawing/2014/main" id="{E18570A2-4D94-4173-9B84-7CC4CAB5098B}"/>
+                </a:ext>
+              </a:extLst>
+            </p:cNvPr>
+            <p:cNvCxnSpPr>
+              <a:cxnSpLocks/>
+              <a:stCxn id="125" idx="2"/>
+              <a:endCxn id="138" idx="0"/>
+            </p:cNvCxnSpPr>
+            <p:nvPr/>
+          </p:nvCxnSpPr>
+          <p:spPr>
+            <a:xfrm>
+              <a:off x="4257475" y="3336010"/>
+              <a:ext cx="0" cy="259718"/>
+            </a:xfrm>
+            <a:prstGeom prst="straightConnector1">
+              <a:avLst/>
+            </a:prstGeom>
+            <a:ln>
+              <a:solidFill>
+                <a:schemeClr val="tx1"/>
+              </a:solidFill>
+              <a:tailEnd type="triangle"/>
+            </a:ln>
+          </p:spPr>
+          <p:style>
+            <a:lnRef idx="1">
+              <a:schemeClr val="accent1"/>
+            </a:lnRef>
+            <a:fillRef idx="0">
+              <a:schemeClr val="accent1"/>
+            </a:fillRef>
+            <a:effectRef idx="0">
+              <a:schemeClr val="accent1"/>
+            </a:effectRef>
+            <a:fontRef idx="minor">
+              <a:schemeClr val="tx1"/>
+            </a:fontRef>
+          </p:style>
+        </p:cxnSp>
+        <p:sp>
+          <p:nvSpPr>
+            <p:cNvPr id="138" name="직사각형 137">
+              <a:extLst>
+                <a:ext uri="{FF2B5EF4-FFF2-40B4-BE49-F238E27FC236}">
+                  <a16:creationId xmlns:a16="http://schemas.microsoft.com/office/drawing/2014/main" id="{5D88D841-87B6-4B9A-A4D0-F5C7A66A9AC7}"/>
+                </a:ext>
+              </a:extLst>
+            </p:cNvPr>
+            <p:cNvSpPr/>
+            <p:nvPr/>
+          </p:nvSpPr>
+          <p:spPr>
+            <a:xfrm>
+              <a:off x="2817475" y="3595728"/>
+              <a:ext cx="2880000" cy="540000"/>
+            </a:xfrm>
+            <a:prstGeom prst="rect">
+              <a:avLst/>
+            </a:prstGeom>
+            <a:noFill/>
+            <a:ln>
+              <a:solidFill>
+                <a:schemeClr val="tx1"/>
+              </a:solidFill>
+            </a:ln>
+          </p:spPr>
+          <p:style>
+            <a:lnRef idx="2">
+              <a:schemeClr val="accent1">
+                <a:shade val="50000"/>
+              </a:schemeClr>
+            </a:lnRef>
+            <a:fillRef idx="1">
+              <a:schemeClr val="accent1"/>
+            </a:fillRef>
+            <a:effectRef idx="0">
+              <a:schemeClr val="accent1"/>
+            </a:effectRef>
+            <a:fontRef idx="minor">
+              <a:schemeClr val="lt1"/>
+            </a:fontRef>
+          </p:style>
+          <p:txBody>
+            <a:bodyPr rtlCol="0" anchor="ctr"/>
+            <a:lstStyle/>
+            <a:p>
+              <a:pPr algn="ctr"/>
+              <a:r>
+                <a:rPr lang="en-US" altLang="ko-KR" sz="1467" dirty="0">
+                  <a:solidFill>
+                    <a:sysClr val="windowText" lastClr="000000"/>
+                  </a:solidFill>
+                </a:rPr>
+                <a:t>min(L / R) = pos {2, 5, 8, 0}</a:t>
+              </a:r>
+            </a:p>
+            <a:p>
+              <a:pPr algn="ctr"/>
+              <a:r>
+                <a:rPr lang="en-US" altLang="ko-KR" sz="1467" dirty="0">
+                  <a:solidFill>
+                    <a:sysClr val="windowText" lastClr="000000"/>
+                  </a:solidFill>
+                </a:rPr>
+                <a:t>answer+=min</a:t>
+              </a:r>
+              <a:endParaRPr lang="ko-KR" altLang="en-US" sz="1467" dirty="0">
+                <a:solidFill>
+                  <a:sysClr val="windowText" lastClr="000000"/>
+                </a:solidFill>
+              </a:endParaRPr>
+            </a:p>
+          </p:txBody>
+        </p:sp>
+        <p:sp>
+          <p:nvSpPr>
+            <p:cNvPr id="145" name="직사각형 144">
+              <a:extLst>
+                <a:ext uri="{FF2B5EF4-FFF2-40B4-BE49-F238E27FC236}">
+                  <a16:creationId xmlns:a16="http://schemas.microsoft.com/office/drawing/2014/main" id="{59A037B5-AA09-46F4-8EA2-C896FC01BC1C}"/>
+                </a:ext>
+              </a:extLst>
+            </p:cNvPr>
+            <p:cNvSpPr/>
+            <p:nvPr/>
+          </p:nvSpPr>
+          <p:spPr>
+            <a:xfrm>
+              <a:off x="6597475" y="3595728"/>
+              <a:ext cx="2880000" cy="540000"/>
+            </a:xfrm>
+            <a:prstGeom prst="rect">
+              <a:avLst/>
+            </a:prstGeom>
+            <a:noFill/>
+            <a:ln>
+              <a:solidFill>
+                <a:schemeClr val="tx1"/>
+              </a:solidFill>
+            </a:ln>
+          </p:spPr>
+          <p:style>
+            <a:lnRef idx="2">
+              <a:schemeClr val="accent1">
+                <a:shade val="50000"/>
+              </a:schemeClr>
+            </a:lnRef>
+            <a:fillRef idx="1">
+              <a:schemeClr val="accent1"/>
+            </a:fillRef>
+            <a:effectRef idx="0">
+              <a:schemeClr val="accent1"/>
+            </a:effectRef>
+            <a:fontRef idx="minor">
+              <a:schemeClr val="lt1"/>
+            </a:fontRef>
+          </p:style>
+          <p:txBody>
+            <a:bodyPr rtlCol="0" anchor="ctr"/>
+            <a:lstStyle/>
+            <a:p>
+              <a:pPr algn="ctr"/>
+              <a:r>
+                <a:rPr lang="en-US" altLang="ko-KR" sz="1467" dirty="0">
+                  <a:solidFill>
+                    <a:sysClr val="windowText" lastClr="000000"/>
+                  </a:solidFill>
+                </a:rPr>
+                <a:t>min(L / R) = pos {2, 5, 8, 0}</a:t>
+              </a:r>
+            </a:p>
+            <a:p>
+              <a:pPr algn="ctr"/>
+              <a:r>
+                <a:rPr lang="en-US" altLang="ko-KR" sz="1467" dirty="0">
+                  <a:solidFill>
+                    <a:sysClr val="windowText" lastClr="000000"/>
+                  </a:solidFill>
+                </a:rPr>
+                <a:t>answer += min</a:t>
+              </a:r>
+            </a:p>
+          </p:txBody>
+        </p:sp>
+        <p:cxnSp>
+          <p:nvCxnSpPr>
+            <p:cNvPr id="146" name="직선 화살표 연결선 145">
+              <a:extLst>
+                <a:ext uri="{FF2B5EF4-FFF2-40B4-BE49-F238E27FC236}">
+                  <a16:creationId xmlns:a16="http://schemas.microsoft.com/office/drawing/2014/main" id="{6A270F61-933C-4AE2-8E47-2858E35EFE07}"/>
+                </a:ext>
+              </a:extLst>
+            </p:cNvPr>
+            <p:cNvCxnSpPr>
+              <a:cxnSpLocks/>
+              <a:stCxn id="138" idx="3"/>
+              <a:endCxn id="145" idx="1"/>
+            </p:cNvCxnSpPr>
+            <p:nvPr/>
+          </p:nvCxnSpPr>
+          <p:spPr>
+            <a:xfrm>
+              <a:off x="5697475" y="3865728"/>
+              <a:ext cx="900000" cy="0"/>
+            </a:xfrm>
+            <a:prstGeom prst="straightConnector1">
+              <a:avLst/>
+            </a:prstGeom>
+            <a:ln>
+              <a:solidFill>
+                <a:schemeClr val="tx1"/>
+              </a:solidFill>
+              <a:tailEnd type="triangle"/>
+            </a:ln>
+          </p:spPr>
+          <p:style>
+            <a:lnRef idx="1">
+              <a:schemeClr val="accent1"/>
+            </a:lnRef>
+            <a:fillRef idx="0">
+              <a:schemeClr val="accent1"/>
+            </a:fillRef>
+            <a:effectRef idx="0">
+              <a:schemeClr val="accent1"/>
+            </a:effectRef>
+            <a:fontRef idx="minor">
+              <a:schemeClr val="tx1"/>
+            </a:fontRef>
+          </p:style>
+        </p:cxnSp>
+        <p:sp>
+          <p:nvSpPr>
+            <p:cNvPr id="147" name="TextBox 146">
+              <a:extLst>
+                <a:ext uri="{FF2B5EF4-FFF2-40B4-BE49-F238E27FC236}">
+                  <a16:creationId xmlns:a16="http://schemas.microsoft.com/office/drawing/2014/main" id="{EF16345D-EA46-4AA7-BF9F-AAF9D8797D12}"/>
+                </a:ext>
+              </a:extLst>
+            </p:cNvPr>
+            <p:cNvSpPr txBox="1"/>
+            <p:nvPr/>
+          </p:nvSpPr>
+          <p:spPr>
+            <a:xfrm>
+              <a:off x="6116212" y="3578173"/>
+              <a:ext cx="492444" cy="307777"/>
+            </a:xfrm>
+            <a:prstGeom prst="rect">
+              <a:avLst/>
+            </a:prstGeom>
+            <a:noFill/>
+          </p:spPr>
+          <p:txBody>
+            <a:bodyPr wrap="none">
+              <a:spAutoFit/>
+            </a:bodyPr>
+            <a:lstStyle/>
+            <a:p>
+              <a:pPr algn="ctr"/>
+              <a:r>
+                <a:rPr lang="en-US" altLang="ko-KR" sz="1400" dirty="0">
+                  <a:solidFill>
+                    <a:sysClr val="windowText" lastClr="000000"/>
+                  </a:solidFill>
+                </a:rPr>
+                <a:t>true</a:t>
+              </a:r>
+            </a:p>
+          </p:txBody>
+        </p:sp>
+        <p:cxnSp>
+          <p:nvCxnSpPr>
+            <p:cNvPr id="152" name="연결선: 꺾임 151">
+              <a:extLst>
+                <a:ext uri="{FF2B5EF4-FFF2-40B4-BE49-F238E27FC236}">
+                  <a16:creationId xmlns:a16="http://schemas.microsoft.com/office/drawing/2014/main" id="{3EFEDA85-7179-4515-A7A2-D3779BF4A100}"/>
+                </a:ext>
+              </a:extLst>
+            </p:cNvPr>
+            <p:cNvCxnSpPr>
+              <a:stCxn id="145" idx="3"/>
+              <a:endCxn id="7" idx="0"/>
+            </p:cNvCxnSpPr>
+            <p:nvPr/>
+          </p:nvCxnSpPr>
+          <p:spPr>
+            <a:xfrm flipH="1" flipV="1">
+              <a:off x="1080001" y="1238049"/>
+              <a:ext cx="8397474" cy="2627679"/>
+            </a:xfrm>
+            <a:prstGeom prst="bentConnector4">
+              <a:avLst>
+                <a:gd name="adj1" fmla="val -2722"/>
+                <a:gd name="adj2" fmla="val 108700"/>
+              </a:avLst>
+            </a:prstGeom>
+            <a:ln>
+              <a:solidFill>
+                <a:schemeClr val="tx1"/>
+              </a:solidFill>
+              <a:tailEnd type="triangle"/>
+            </a:ln>
+          </p:spPr>
+          <p:style>
+            <a:lnRef idx="1">
+              <a:schemeClr val="accent1"/>
+            </a:lnRef>
+            <a:fillRef idx="0">
+              <a:schemeClr val="accent1"/>
+            </a:fillRef>
+            <a:effectRef idx="0">
+              <a:schemeClr val="accent1"/>
+            </a:effectRef>
+            <a:fontRef idx="minor">
+              <a:schemeClr val="tx1"/>
+            </a:fontRef>
+          </p:style>
+        </p:cxnSp>
+      </p:grpSp>
+    </p:spTree>
+    <p:extLst>
+      <p:ext uri="{BB962C8B-B14F-4D97-AF65-F5344CB8AC3E}">
+        <p14:creationId xmlns:p14="http://schemas.microsoft.com/office/powerpoint/2010/main" val="999541166"/>
+      </p:ext>
+    </p:extLst>
+  </p:cSld>
+  <p:clrMapOvr>
+    <a:masterClrMapping/>
+  </p:clrMapOvr>
+</p:sld>
+</file>
+
 <file path=ppt/slides/slide4.xml><?xml version="1.0" encoding="utf-8"?>
 <p:sld xmlns:a="http://schemas.openxmlformats.org/drawingml/2006/main" xmlns:r="http://schemas.openxmlformats.org/officeDocument/2006/relationships" xmlns:p="http://schemas.openxmlformats.org/presentationml/2006/main">
   <p:cSld>

--- a/알고리즘_프로그래머스_Level01_순서도.pptx
+++ b/알고리즘_프로그래머스_Level01_순서도.pptx
@@ -36,12 +36,12 @@
     <p:sldId id="289" r:id="rId30"/>
     <p:sldId id="290" r:id="rId31"/>
     <p:sldId id="291" r:id="rId32"/>
-    <p:sldId id="292" r:id="rId33"/>
-    <p:sldId id="293" r:id="rId34"/>
-    <p:sldId id="294" r:id="rId35"/>
-    <p:sldId id="295" r:id="rId36"/>
-    <p:sldId id="296" r:id="rId37"/>
-    <p:sldId id="297" r:id="rId38"/>
+    <p:sldId id="293" r:id="rId33"/>
+    <p:sldId id="294" r:id="rId34"/>
+    <p:sldId id="295" r:id="rId35"/>
+    <p:sldId id="296" r:id="rId36"/>
+    <p:sldId id="297" r:id="rId37"/>
+    <p:sldId id="292" r:id="rId38"/>
   </p:sldIdLst>
   <p:sldSz cx="6858000" cy="9144000" type="screen4x3"/>
   <p:notesSz cx="6858000" cy="9144000"/>
@@ -25564,350 +25564,6 @@
           <a:lstStyle/>
           <a:p>
             <a:r>
-              <a:rPr lang="ko-KR" altLang="en-US" dirty="0"/>
-              <a:t>예산 </a:t>
-            </a:r>
-            <a:r>
-              <a:rPr lang="en-US" altLang="ko-KR" dirty="0"/>
-              <a:t>(01.29)</a:t>
-            </a:r>
-            <a:endParaRPr lang="ko-KR" altLang="en-US" dirty="0"/>
-          </a:p>
-        </p:txBody>
-      </p:sp>
-      <p:grpSp>
-        <p:nvGrpSpPr>
-          <p:cNvPr id="6" name="그룹 5">
-            <a:extLst>
-              <a:ext uri="{FF2B5EF4-FFF2-40B4-BE49-F238E27FC236}">
-                <a16:creationId xmlns:a16="http://schemas.microsoft.com/office/drawing/2014/main" id="{55A94D0D-0552-475B-81B9-A127BB5B201E}"/>
-              </a:ext>
-            </a:extLst>
-          </p:cNvPr>
-          <p:cNvGrpSpPr/>
-          <p:nvPr/>
-        </p:nvGrpSpPr>
-        <p:grpSpPr>
-          <a:xfrm>
-            <a:off x="355520" y="1175678"/>
-            <a:ext cx="3600000" cy="2213808"/>
-            <a:chOff x="355520" y="1175678"/>
-            <a:chExt cx="3600000" cy="2213808"/>
-          </a:xfrm>
-        </p:grpSpPr>
-        <p:sp>
-          <p:nvSpPr>
-            <p:cNvPr id="26" name="직사각형 25">
-              <a:extLst>
-                <a:ext uri="{FF2B5EF4-FFF2-40B4-BE49-F238E27FC236}">
-                  <a16:creationId xmlns:a16="http://schemas.microsoft.com/office/drawing/2014/main" id="{9DEB928F-454D-4054-997B-6797697CBACA}"/>
-                </a:ext>
-              </a:extLst>
-            </p:cNvPr>
-            <p:cNvSpPr/>
-            <p:nvPr/>
-          </p:nvSpPr>
-          <p:spPr>
-            <a:xfrm>
-              <a:off x="355520" y="1175678"/>
-              <a:ext cx="3600000" cy="504000"/>
-            </a:xfrm>
-            <a:prstGeom prst="rect">
-              <a:avLst/>
-            </a:prstGeom>
-            <a:noFill/>
-            <a:ln>
-              <a:solidFill>
-                <a:schemeClr val="tx1"/>
-              </a:solidFill>
-            </a:ln>
-          </p:spPr>
-          <p:style>
-            <a:lnRef idx="2">
-              <a:schemeClr val="accent1">
-                <a:shade val="50000"/>
-              </a:schemeClr>
-            </a:lnRef>
-            <a:fillRef idx="1">
-              <a:schemeClr val="accent1"/>
-            </a:fillRef>
-            <a:effectRef idx="0">
-              <a:schemeClr val="accent1"/>
-            </a:effectRef>
-            <a:fontRef idx="minor">
-              <a:schemeClr val="lt1"/>
-            </a:fontRef>
-          </p:style>
-          <p:txBody>
-            <a:bodyPr rtlCol="0" anchor="ctr"/>
-            <a:lstStyle/>
-            <a:p>
-              <a:pPr algn="ctr"/>
-              <a:endParaRPr lang="en-US" altLang="ko-KR" sz="1467" dirty="0">
-                <a:solidFill>
-                  <a:sysClr val="windowText" lastClr="000000"/>
-                </a:solidFill>
-              </a:endParaRPr>
-            </a:p>
-          </p:txBody>
-        </p:sp>
-        <p:cxnSp>
-          <p:nvCxnSpPr>
-            <p:cNvPr id="27" name="직선 화살표 연결선 26">
-              <a:extLst>
-                <a:ext uri="{FF2B5EF4-FFF2-40B4-BE49-F238E27FC236}">
-                  <a16:creationId xmlns:a16="http://schemas.microsoft.com/office/drawing/2014/main" id="{53F80733-E232-40CC-B923-DC305205CDFC}"/>
-                </a:ext>
-              </a:extLst>
-            </p:cNvPr>
-            <p:cNvCxnSpPr>
-              <a:cxnSpLocks/>
-              <a:stCxn id="26" idx="2"/>
-              <a:endCxn id="13" idx="0"/>
-            </p:cNvCxnSpPr>
-            <p:nvPr/>
-          </p:nvCxnSpPr>
-          <p:spPr>
-            <a:xfrm>
-              <a:off x="2155520" y="1679678"/>
-              <a:ext cx="0" cy="364068"/>
-            </a:xfrm>
-            <a:prstGeom prst="straightConnector1">
-              <a:avLst/>
-            </a:prstGeom>
-            <a:ln>
-              <a:solidFill>
-                <a:schemeClr val="tx1"/>
-              </a:solidFill>
-              <a:tailEnd type="triangle"/>
-            </a:ln>
-          </p:spPr>
-          <p:style>
-            <a:lnRef idx="1">
-              <a:schemeClr val="accent1"/>
-            </a:lnRef>
-            <a:fillRef idx="0">
-              <a:schemeClr val="accent1"/>
-            </a:fillRef>
-            <a:effectRef idx="0">
-              <a:schemeClr val="accent1"/>
-            </a:effectRef>
-            <a:fontRef idx="minor">
-              <a:schemeClr val="tx1"/>
-            </a:fontRef>
-          </p:style>
-        </p:cxnSp>
-        <p:sp>
-          <p:nvSpPr>
-            <p:cNvPr id="17" name="직사각형 16">
-              <a:extLst>
-                <a:ext uri="{FF2B5EF4-FFF2-40B4-BE49-F238E27FC236}">
-                  <a16:creationId xmlns:a16="http://schemas.microsoft.com/office/drawing/2014/main" id="{8F5E4B63-568F-4C3A-8985-662C568AA49B}"/>
-                </a:ext>
-              </a:extLst>
-            </p:cNvPr>
-            <p:cNvSpPr/>
-            <p:nvPr/>
-          </p:nvSpPr>
-          <p:spPr>
-            <a:xfrm>
-              <a:off x="355520" y="2885486"/>
-              <a:ext cx="3600000" cy="504000"/>
-            </a:xfrm>
-            <a:prstGeom prst="rect">
-              <a:avLst/>
-            </a:prstGeom>
-            <a:noFill/>
-            <a:ln>
-              <a:solidFill>
-                <a:schemeClr val="tx1"/>
-              </a:solidFill>
-            </a:ln>
-          </p:spPr>
-          <p:style>
-            <a:lnRef idx="2">
-              <a:schemeClr val="accent1">
-                <a:shade val="50000"/>
-              </a:schemeClr>
-            </a:lnRef>
-            <a:fillRef idx="1">
-              <a:schemeClr val="accent1"/>
-            </a:fillRef>
-            <a:effectRef idx="0">
-              <a:schemeClr val="accent1"/>
-            </a:effectRef>
-            <a:fontRef idx="minor">
-              <a:schemeClr val="lt1"/>
-            </a:fontRef>
-          </p:style>
-          <p:txBody>
-            <a:bodyPr rtlCol="0" anchor="ctr"/>
-            <a:lstStyle/>
-            <a:p>
-              <a:pPr algn="ctr"/>
-              <a:endParaRPr lang="en-US" altLang="ko-KR" sz="1467" dirty="0">
-                <a:solidFill>
-                  <a:sysClr val="windowText" lastClr="000000"/>
-                </a:solidFill>
-              </a:endParaRPr>
-            </a:p>
-          </p:txBody>
-        </p:sp>
-        <p:cxnSp>
-          <p:nvCxnSpPr>
-            <p:cNvPr id="18" name="직선 화살표 연결선 17">
-              <a:extLst>
-                <a:ext uri="{FF2B5EF4-FFF2-40B4-BE49-F238E27FC236}">
-                  <a16:creationId xmlns:a16="http://schemas.microsoft.com/office/drawing/2014/main" id="{57C6C074-1C35-4E36-821B-AC7CAE6E22CD}"/>
-                </a:ext>
-              </a:extLst>
-            </p:cNvPr>
-            <p:cNvCxnSpPr>
-              <a:cxnSpLocks/>
-              <a:stCxn id="13" idx="2"/>
-              <a:endCxn id="17" idx="0"/>
-            </p:cNvCxnSpPr>
-            <p:nvPr/>
-          </p:nvCxnSpPr>
-          <p:spPr>
-            <a:xfrm>
-              <a:off x="2155520" y="2547746"/>
-              <a:ext cx="0" cy="337740"/>
-            </a:xfrm>
-            <a:prstGeom prst="straightConnector1">
-              <a:avLst/>
-            </a:prstGeom>
-            <a:ln>
-              <a:solidFill>
-                <a:schemeClr val="tx1"/>
-              </a:solidFill>
-              <a:tailEnd type="triangle"/>
-            </a:ln>
-          </p:spPr>
-          <p:style>
-            <a:lnRef idx="1">
-              <a:schemeClr val="accent1"/>
-            </a:lnRef>
-            <a:fillRef idx="0">
-              <a:schemeClr val="accent1"/>
-            </a:fillRef>
-            <a:effectRef idx="0">
-              <a:schemeClr val="accent1"/>
-            </a:effectRef>
-            <a:fontRef idx="minor">
-              <a:schemeClr val="tx1"/>
-            </a:fontRef>
-          </p:style>
-        </p:cxnSp>
-        <p:sp>
-          <p:nvSpPr>
-            <p:cNvPr id="13" name="직사각형 12">
-              <a:extLst>
-                <a:ext uri="{FF2B5EF4-FFF2-40B4-BE49-F238E27FC236}">
-                  <a16:creationId xmlns:a16="http://schemas.microsoft.com/office/drawing/2014/main" id="{50ED35D7-ACED-4BB9-84B7-C2FF7242E286}"/>
-                </a:ext>
-              </a:extLst>
-            </p:cNvPr>
-            <p:cNvSpPr/>
-            <p:nvPr/>
-          </p:nvSpPr>
-          <p:spPr>
-            <a:xfrm>
-              <a:off x="355520" y="2043746"/>
-              <a:ext cx="3600000" cy="504000"/>
-            </a:xfrm>
-            <a:prstGeom prst="rect">
-              <a:avLst/>
-            </a:prstGeom>
-            <a:noFill/>
-            <a:ln>
-              <a:solidFill>
-                <a:schemeClr val="tx1"/>
-              </a:solidFill>
-            </a:ln>
-          </p:spPr>
-          <p:style>
-            <a:lnRef idx="2">
-              <a:schemeClr val="accent1">
-                <a:shade val="50000"/>
-              </a:schemeClr>
-            </a:lnRef>
-            <a:fillRef idx="1">
-              <a:schemeClr val="accent1"/>
-            </a:fillRef>
-            <a:effectRef idx="0">
-              <a:schemeClr val="accent1"/>
-            </a:effectRef>
-            <a:fontRef idx="minor">
-              <a:schemeClr val="lt1"/>
-            </a:fontRef>
-          </p:style>
-          <p:txBody>
-            <a:bodyPr rtlCol="0" anchor="ctr"/>
-            <a:lstStyle/>
-            <a:p>
-              <a:pPr algn="ctr"/>
-              <a:endParaRPr lang="en-US" altLang="ko-KR" sz="1467" dirty="0">
-                <a:solidFill>
-                  <a:sysClr val="windowText" lastClr="000000"/>
-                </a:solidFill>
-              </a:endParaRPr>
-            </a:p>
-          </p:txBody>
-        </p:sp>
-      </p:grpSp>
-    </p:spTree>
-    <p:extLst>
-      <p:ext uri="{BB962C8B-B14F-4D97-AF65-F5344CB8AC3E}">
-        <p14:creationId xmlns:p14="http://schemas.microsoft.com/office/powerpoint/2010/main" val="1870149202"/>
-      </p:ext>
-    </p:extLst>
-  </p:cSld>
-  <p:clrMapOvr>
-    <a:masterClrMapping/>
-  </p:clrMapOvr>
-</p:sld>
-</file>
-
-<file path=ppt/slides/slide33.xml><?xml version="1.0" encoding="utf-8"?>
-<p:sld xmlns:a="http://schemas.openxmlformats.org/drawingml/2006/main" xmlns:r="http://schemas.openxmlformats.org/officeDocument/2006/relationships" xmlns:p="http://schemas.openxmlformats.org/presentationml/2006/main">
-  <p:cSld>
-    <p:spTree>
-      <p:nvGrpSpPr>
-        <p:cNvPr id="1" name=""/>
-        <p:cNvGrpSpPr/>
-        <p:nvPr/>
-      </p:nvGrpSpPr>
-      <p:grpSpPr>
-        <a:xfrm>
-          <a:off x="0" y="0"/>
-          <a:ext cx="0" cy="0"/>
-          <a:chOff x="0" y="0"/>
-          <a:chExt cx="0" cy="0"/>
-        </a:xfrm>
-      </p:grpSpPr>
-      <p:sp>
-        <p:nvSpPr>
-          <p:cNvPr id="4" name="제목 3">
-            <a:extLst>
-              <a:ext uri="{FF2B5EF4-FFF2-40B4-BE49-F238E27FC236}">
-                <a16:creationId xmlns:a16="http://schemas.microsoft.com/office/drawing/2014/main" id="{30BAC889-89EF-449A-A9AB-0AA582E87CB5}"/>
-              </a:ext>
-            </a:extLst>
-          </p:cNvPr>
-          <p:cNvSpPr>
-            <a:spLocks noGrp="1"/>
-          </p:cNvSpPr>
-          <p:nvPr>
-            <p:ph type="title"/>
-          </p:nvPr>
-        </p:nvSpPr>
-        <p:spPr/>
-        <p:txBody>
-          <a:bodyPr/>
-          <a:lstStyle/>
-          <a:p>
-            <a:r>
               <a:rPr lang="en-US" altLang="ko-KR" dirty="0"/>
               <a:t>[1</a:t>
             </a:r>
@@ -27264,7 +26920,7 @@
 </p:sld>
 </file>
 
-<file path=ppt/slides/slide34.xml><?xml version="1.0" encoding="utf-8"?>
+<file path=ppt/slides/slide33.xml><?xml version="1.0" encoding="utf-8"?>
 <p:sld xmlns:a="http://schemas.openxmlformats.org/drawingml/2006/main" xmlns:r="http://schemas.openxmlformats.org/officeDocument/2006/relationships" xmlns:p="http://schemas.openxmlformats.org/presentationml/2006/main">
   <p:cSld>
     <p:spTree>
@@ -28896,7 +28552,7 @@
 </p:sld>
 </file>
 
-<file path=ppt/slides/slide35.xml><?xml version="1.0" encoding="utf-8"?>
+<file path=ppt/slides/slide34.xml><?xml version="1.0" encoding="utf-8"?>
 <p:sld xmlns:a="http://schemas.openxmlformats.org/drawingml/2006/main" xmlns:r="http://schemas.openxmlformats.org/officeDocument/2006/relationships" xmlns:p="http://schemas.openxmlformats.org/presentationml/2006/main">
   <p:cSld>
     <p:spTree>
@@ -29254,7 +28910,7 @@
 </p:sld>
 </file>
 
-<file path=ppt/slides/slide36.xml><?xml version="1.0" encoding="utf-8"?>
+<file path=ppt/slides/slide35.xml><?xml version="1.0" encoding="utf-8"?>
 <p:sld xmlns:a="http://schemas.openxmlformats.org/drawingml/2006/main" xmlns:r="http://schemas.openxmlformats.org/officeDocument/2006/relationships" xmlns:p="http://schemas.openxmlformats.org/presentationml/2006/main">
   <p:cSld>
     <p:spTree>
@@ -30347,7 +30003,7 @@
 </p:sld>
 </file>
 
-<file path=ppt/slides/slide37.xml><?xml version="1.0" encoding="utf-8"?>
+<file path=ppt/slides/slide36.xml><?xml version="1.0" encoding="utf-8"?>
 <p:sld xmlns:a="http://schemas.openxmlformats.org/drawingml/2006/main" xmlns:r="http://schemas.openxmlformats.org/officeDocument/2006/relationships" xmlns:p="http://schemas.openxmlformats.org/presentationml/2006/main">
   <p:cSld>
     <p:spTree>
@@ -30403,10 +30059,10 @@
       </p:sp>
       <p:grpSp>
         <p:nvGrpSpPr>
-          <p:cNvPr id="167" name="그룹 166">
+          <p:cNvPr id="5" name="그룹 4">
             <a:extLst>
               <a:ext uri="{FF2B5EF4-FFF2-40B4-BE49-F238E27FC236}">
-                <a16:creationId xmlns:a16="http://schemas.microsoft.com/office/drawing/2014/main" id="{77085833-73D2-4F70-A69A-F24089C8757E}"/>
+                <a16:creationId xmlns:a16="http://schemas.microsoft.com/office/drawing/2014/main" id="{0A7A8433-706F-4C59-97A7-4B042D7B291F}"/>
               </a:ext>
             </a:extLst>
           </p:cNvPr>
@@ -31596,167 +31252,6 @@
         </p:sp>
         <p:sp>
           <p:nvSpPr>
-            <p:cNvPr id="135" name="TextBox 134">
-              <a:extLst>
-                <a:ext uri="{FF2B5EF4-FFF2-40B4-BE49-F238E27FC236}">
-                  <a16:creationId xmlns:a16="http://schemas.microsoft.com/office/drawing/2014/main" id="{199AADB1-B841-408F-BCA3-49D817DB4F51}"/>
-                </a:ext>
-              </a:extLst>
-            </p:cNvPr>
-            <p:cNvSpPr txBox="1"/>
-            <p:nvPr/>
-          </p:nvSpPr>
-          <p:spPr>
-            <a:xfrm>
-              <a:off x="4291188" y="3295768"/>
-              <a:ext cx="524181" cy="307777"/>
-            </a:xfrm>
-            <a:prstGeom prst="rect">
-              <a:avLst/>
-            </a:prstGeom>
-            <a:noFill/>
-          </p:spPr>
-          <p:txBody>
-            <a:bodyPr wrap="square">
-              <a:spAutoFit/>
-            </a:bodyPr>
-            <a:lstStyle/>
-            <a:p>
-              <a:pPr algn="ctr"/>
-              <a:r>
-                <a:rPr lang="en-US" altLang="ko-KR" sz="1400" dirty="0">
-                  <a:solidFill>
-                    <a:sysClr val="windowText" lastClr="000000"/>
-                  </a:solidFill>
-                </a:rPr>
-                <a:t>false</a:t>
-              </a:r>
-            </a:p>
-          </p:txBody>
-        </p:sp>
-        <p:cxnSp>
-          <p:nvCxnSpPr>
-            <p:cNvPr id="136" name="직선 화살표 연결선 135">
-              <a:extLst>
-                <a:ext uri="{FF2B5EF4-FFF2-40B4-BE49-F238E27FC236}">
-                  <a16:creationId xmlns:a16="http://schemas.microsoft.com/office/drawing/2014/main" id="{E18570A2-4D94-4173-9B84-7CC4CAB5098B}"/>
-                </a:ext>
-              </a:extLst>
-            </p:cNvPr>
-            <p:cNvCxnSpPr>
-              <a:cxnSpLocks/>
-              <a:stCxn id="125" idx="2"/>
-              <a:endCxn id="138" idx="0"/>
-            </p:cNvCxnSpPr>
-            <p:nvPr/>
-          </p:nvCxnSpPr>
-          <p:spPr>
-            <a:xfrm>
-              <a:off x="4257475" y="3336010"/>
-              <a:ext cx="0" cy="259718"/>
-            </a:xfrm>
-            <a:prstGeom prst="straightConnector1">
-              <a:avLst/>
-            </a:prstGeom>
-            <a:ln>
-              <a:solidFill>
-                <a:schemeClr val="tx1"/>
-              </a:solidFill>
-              <a:tailEnd type="triangle"/>
-            </a:ln>
-          </p:spPr>
-          <p:style>
-            <a:lnRef idx="1">
-              <a:schemeClr val="accent1"/>
-            </a:lnRef>
-            <a:fillRef idx="0">
-              <a:schemeClr val="accent1"/>
-            </a:fillRef>
-            <a:effectRef idx="0">
-              <a:schemeClr val="accent1"/>
-            </a:effectRef>
-            <a:fontRef idx="minor">
-              <a:schemeClr val="tx1"/>
-            </a:fontRef>
-          </p:style>
-        </p:cxnSp>
-        <p:sp>
-          <p:nvSpPr>
-            <p:cNvPr id="138" name="직사각형 137">
-              <a:extLst>
-                <a:ext uri="{FF2B5EF4-FFF2-40B4-BE49-F238E27FC236}">
-                  <a16:creationId xmlns:a16="http://schemas.microsoft.com/office/drawing/2014/main" id="{5D88D841-87B6-4B9A-A4D0-F5C7A66A9AC7}"/>
-                </a:ext>
-              </a:extLst>
-            </p:cNvPr>
-            <p:cNvSpPr/>
-            <p:nvPr/>
-          </p:nvSpPr>
-          <p:spPr>
-            <a:xfrm>
-              <a:off x="2817475" y="3595728"/>
-              <a:ext cx="2880000" cy="540000"/>
-            </a:xfrm>
-            <a:prstGeom prst="rect">
-              <a:avLst/>
-            </a:prstGeom>
-            <a:noFill/>
-            <a:ln>
-              <a:solidFill>
-                <a:schemeClr val="tx1"/>
-              </a:solidFill>
-            </a:ln>
-          </p:spPr>
-          <p:style>
-            <a:lnRef idx="2">
-              <a:schemeClr val="accent1">
-                <a:shade val="50000"/>
-              </a:schemeClr>
-            </a:lnRef>
-            <a:fillRef idx="1">
-              <a:schemeClr val="accent1"/>
-            </a:fillRef>
-            <a:effectRef idx="0">
-              <a:schemeClr val="accent1"/>
-            </a:effectRef>
-            <a:fontRef idx="minor">
-              <a:schemeClr val="lt1"/>
-            </a:fontRef>
-          </p:style>
-          <p:txBody>
-            <a:bodyPr rtlCol="0" anchor="ctr"/>
-            <a:lstStyle/>
-            <a:p>
-              <a:pPr algn="ctr"/>
-              <a:r>
-                <a:rPr lang="en-US" altLang="ko-KR" sz="1467" dirty="0">
-                  <a:solidFill>
-                    <a:sysClr val="windowText" lastClr="000000"/>
-                  </a:solidFill>
-                </a:rPr>
-                <a:t>min(L / R) = pos {2, 5, 8, 0}</a:t>
-              </a:r>
-            </a:p>
-            <a:p>
-              <a:pPr algn="ctr"/>
-              <a:r>
-                <a:rPr lang="en-US" altLang="ko-KR" sz="1467" dirty="0">
-                  <a:solidFill>
-                    <a:sysClr val="windowText" lastClr="000000"/>
-                  </a:solidFill>
-                </a:rPr>
-                <a:t>answer+=min</a:t>
-              </a:r>
-              <a:endParaRPr lang="ko-KR" altLang="en-US" sz="1467" dirty="0">
-                <a:solidFill>
-                  <a:sysClr val="windowText" lastClr="000000"/>
-                </a:solidFill>
-              </a:endParaRPr>
-            </a:p>
-          </p:txBody>
-        </p:sp>
-        <p:sp>
-          <p:nvSpPr>
             <p:cNvPr id="145" name="직사각형 144">
               <a:extLst>
                 <a:ext uri="{FF2B5EF4-FFF2-40B4-BE49-F238E27FC236}">
@@ -31825,52 +31320,6 @@
             </a:p>
           </p:txBody>
         </p:sp>
-        <p:cxnSp>
-          <p:nvCxnSpPr>
-            <p:cNvPr id="146" name="직선 화살표 연결선 145">
-              <a:extLst>
-                <a:ext uri="{FF2B5EF4-FFF2-40B4-BE49-F238E27FC236}">
-                  <a16:creationId xmlns:a16="http://schemas.microsoft.com/office/drawing/2014/main" id="{6A270F61-933C-4AE2-8E47-2858E35EFE07}"/>
-                </a:ext>
-              </a:extLst>
-            </p:cNvPr>
-            <p:cNvCxnSpPr>
-              <a:cxnSpLocks/>
-              <a:stCxn id="138" idx="3"/>
-              <a:endCxn id="145" idx="1"/>
-            </p:cNvCxnSpPr>
-            <p:nvPr/>
-          </p:nvCxnSpPr>
-          <p:spPr>
-            <a:xfrm>
-              <a:off x="5697475" y="3865728"/>
-              <a:ext cx="900000" cy="0"/>
-            </a:xfrm>
-            <a:prstGeom prst="straightConnector1">
-              <a:avLst/>
-            </a:prstGeom>
-            <a:ln>
-              <a:solidFill>
-                <a:schemeClr val="tx1"/>
-              </a:solidFill>
-              <a:tailEnd type="triangle"/>
-            </a:ln>
-          </p:spPr>
-          <p:style>
-            <a:lnRef idx="1">
-              <a:schemeClr val="accent1"/>
-            </a:lnRef>
-            <a:fillRef idx="0">
-              <a:schemeClr val="accent1"/>
-            </a:fillRef>
-            <a:effectRef idx="0">
-              <a:schemeClr val="accent1"/>
-            </a:effectRef>
-            <a:fontRef idx="minor">
-              <a:schemeClr val="tx1"/>
-            </a:fontRef>
-          </p:style>
-        </p:cxnSp>
         <p:sp>
           <p:nvSpPr>
             <p:cNvPr id="147" name="TextBox 146">
@@ -31959,11 +31408,703 @@
             </a:fontRef>
           </p:style>
         </p:cxnSp>
+        <p:cxnSp>
+          <p:nvCxnSpPr>
+            <p:cNvPr id="3" name="연결선: 꺾임 2">
+              <a:extLst>
+                <a:ext uri="{FF2B5EF4-FFF2-40B4-BE49-F238E27FC236}">
+                  <a16:creationId xmlns:a16="http://schemas.microsoft.com/office/drawing/2014/main" id="{B446E76D-359F-4BC1-AB92-B31EEB7BC40E}"/>
+                </a:ext>
+              </a:extLst>
+            </p:cNvPr>
+            <p:cNvCxnSpPr>
+              <a:stCxn id="125" idx="2"/>
+              <a:endCxn id="145" idx="1"/>
+            </p:cNvCxnSpPr>
+            <p:nvPr/>
+          </p:nvCxnSpPr>
+          <p:spPr>
+            <a:xfrm rot="16200000" flipH="1">
+              <a:off x="5162616" y="2430869"/>
+              <a:ext cx="529718" cy="2340000"/>
+            </a:xfrm>
+            <a:prstGeom prst="bentConnector2">
+              <a:avLst/>
+            </a:prstGeom>
+            <a:ln>
+              <a:solidFill>
+                <a:schemeClr val="tx1"/>
+              </a:solidFill>
+              <a:tailEnd type="triangle"/>
+            </a:ln>
+          </p:spPr>
+          <p:style>
+            <a:lnRef idx="1">
+              <a:schemeClr val="accent1"/>
+            </a:lnRef>
+            <a:fillRef idx="0">
+              <a:schemeClr val="accent1"/>
+            </a:fillRef>
+            <a:effectRef idx="0">
+              <a:schemeClr val="accent1"/>
+            </a:effectRef>
+            <a:fontRef idx="minor">
+              <a:schemeClr val="tx1"/>
+            </a:fontRef>
+          </p:style>
+        </p:cxnSp>
       </p:grpSp>
     </p:spTree>
     <p:extLst>
       <p:ext uri="{BB962C8B-B14F-4D97-AF65-F5344CB8AC3E}">
         <p14:creationId xmlns:p14="http://schemas.microsoft.com/office/powerpoint/2010/main" val="999541166"/>
+      </p:ext>
+    </p:extLst>
+  </p:cSld>
+  <p:clrMapOvr>
+    <a:masterClrMapping/>
+  </p:clrMapOvr>
+</p:sld>
+</file>
+
+<file path=ppt/slides/slide37.xml><?xml version="1.0" encoding="utf-8"?>
+<p:sld xmlns:a="http://schemas.openxmlformats.org/drawingml/2006/main" xmlns:r="http://schemas.openxmlformats.org/officeDocument/2006/relationships" xmlns:p="http://schemas.openxmlformats.org/presentationml/2006/main">
+  <p:cSld>
+    <p:spTree>
+      <p:nvGrpSpPr>
+        <p:cNvPr id="1" name=""/>
+        <p:cNvGrpSpPr/>
+        <p:nvPr/>
+      </p:nvGrpSpPr>
+      <p:grpSpPr>
+        <a:xfrm>
+          <a:off x="0" y="0"/>
+          <a:ext cx="0" cy="0"/>
+          <a:chOff x="0" y="0"/>
+          <a:chExt cx="0" cy="0"/>
+        </a:xfrm>
+      </p:grpSpPr>
+      <p:sp>
+        <p:nvSpPr>
+          <p:cNvPr id="4" name="제목 3">
+            <a:extLst>
+              <a:ext uri="{FF2B5EF4-FFF2-40B4-BE49-F238E27FC236}">
+                <a16:creationId xmlns:a16="http://schemas.microsoft.com/office/drawing/2014/main" id="{30BAC889-89EF-449A-A9AB-0AA582E87CB5}"/>
+              </a:ext>
+            </a:extLst>
+          </p:cNvPr>
+          <p:cNvSpPr>
+            <a:spLocks noGrp="1"/>
+          </p:cNvSpPr>
+          <p:nvPr>
+            <p:ph type="title"/>
+          </p:nvPr>
+        </p:nvSpPr>
+        <p:spPr/>
+        <p:txBody>
+          <a:bodyPr/>
+          <a:lstStyle/>
+          <a:p>
+            <a:r>
+              <a:rPr lang="ko-KR" altLang="en-US" dirty="0"/>
+              <a:t>예산 </a:t>
+            </a:r>
+            <a:r>
+              <a:rPr lang="en-US" altLang="ko-KR" dirty="0"/>
+              <a:t>(02.07)</a:t>
+            </a:r>
+            <a:endParaRPr lang="ko-KR" altLang="en-US" dirty="0"/>
+          </a:p>
+        </p:txBody>
+      </p:sp>
+      <p:grpSp>
+        <p:nvGrpSpPr>
+          <p:cNvPr id="87" name="그룹 86">
+            <a:extLst>
+              <a:ext uri="{FF2B5EF4-FFF2-40B4-BE49-F238E27FC236}">
+                <a16:creationId xmlns:a16="http://schemas.microsoft.com/office/drawing/2014/main" id="{6BDA3C9F-8EBC-4450-8176-B613EE022B4E}"/>
+              </a:ext>
+            </a:extLst>
+          </p:cNvPr>
+          <p:cNvGrpSpPr/>
+          <p:nvPr/>
+        </p:nvGrpSpPr>
+        <p:grpSpPr>
+          <a:xfrm>
+            <a:off x="471489" y="1175678"/>
+            <a:ext cx="6215709" cy="2206066"/>
+            <a:chOff x="471489" y="1175678"/>
+            <a:chExt cx="6215709" cy="2206066"/>
+          </a:xfrm>
+        </p:grpSpPr>
+        <p:sp>
+          <p:nvSpPr>
+            <p:cNvPr id="26" name="직사각형 25">
+              <a:extLst>
+                <a:ext uri="{FF2B5EF4-FFF2-40B4-BE49-F238E27FC236}">
+                  <a16:creationId xmlns:a16="http://schemas.microsoft.com/office/drawing/2014/main" id="{9DEB928F-454D-4054-997B-6797697CBACA}"/>
+                </a:ext>
+              </a:extLst>
+            </p:cNvPr>
+            <p:cNvSpPr/>
+            <p:nvPr/>
+          </p:nvSpPr>
+          <p:spPr>
+            <a:xfrm>
+              <a:off x="831489" y="1175678"/>
+              <a:ext cx="2880000" cy="504000"/>
+            </a:xfrm>
+            <a:prstGeom prst="rect">
+              <a:avLst/>
+            </a:prstGeom>
+            <a:noFill/>
+            <a:ln>
+              <a:solidFill>
+                <a:schemeClr val="tx1"/>
+              </a:solidFill>
+            </a:ln>
+          </p:spPr>
+          <p:style>
+            <a:lnRef idx="2">
+              <a:schemeClr val="accent1">
+                <a:shade val="50000"/>
+              </a:schemeClr>
+            </a:lnRef>
+            <a:fillRef idx="1">
+              <a:schemeClr val="accent1"/>
+            </a:fillRef>
+            <a:effectRef idx="0">
+              <a:schemeClr val="accent1"/>
+            </a:effectRef>
+            <a:fontRef idx="minor">
+              <a:schemeClr val="lt1"/>
+            </a:fontRef>
+          </p:style>
+          <p:txBody>
+            <a:bodyPr rtlCol="0" anchor="ctr"/>
+            <a:lstStyle/>
+            <a:p>
+              <a:pPr algn="ctr"/>
+              <a:r>
+                <a:rPr lang="ko-KR" altLang="en-US" sz="1467" dirty="0">
+                  <a:solidFill>
+                    <a:sysClr val="windowText" lastClr="000000"/>
+                  </a:solidFill>
+                </a:rPr>
+                <a:t>입력 받은 배열을 정렬한다</a:t>
+              </a:r>
+              <a:endParaRPr lang="en-US" altLang="ko-KR" sz="1467" dirty="0">
+                <a:solidFill>
+                  <a:sysClr val="windowText" lastClr="000000"/>
+                </a:solidFill>
+              </a:endParaRPr>
+            </a:p>
+          </p:txBody>
+        </p:sp>
+        <p:cxnSp>
+          <p:nvCxnSpPr>
+            <p:cNvPr id="18" name="직선 화살표 연결선 17">
+              <a:extLst>
+                <a:ext uri="{FF2B5EF4-FFF2-40B4-BE49-F238E27FC236}">
+                  <a16:creationId xmlns:a16="http://schemas.microsoft.com/office/drawing/2014/main" id="{57C6C074-1C35-4E36-821B-AC7CAE6E22CD}"/>
+                </a:ext>
+              </a:extLst>
+            </p:cNvPr>
+            <p:cNvCxnSpPr>
+              <a:cxnSpLocks/>
+              <a:stCxn id="26" idx="2"/>
+              <a:endCxn id="69" idx="0"/>
+            </p:cNvCxnSpPr>
+            <p:nvPr/>
+          </p:nvCxnSpPr>
+          <p:spPr>
+            <a:xfrm>
+              <a:off x="2271489" y="1679678"/>
+              <a:ext cx="0" cy="358064"/>
+            </a:xfrm>
+            <a:prstGeom prst="straightConnector1">
+              <a:avLst/>
+            </a:prstGeom>
+            <a:ln>
+              <a:solidFill>
+                <a:schemeClr val="tx1"/>
+              </a:solidFill>
+              <a:tailEnd type="triangle"/>
+            </a:ln>
+          </p:spPr>
+          <p:style>
+            <a:lnRef idx="1">
+              <a:schemeClr val="accent1"/>
+            </a:lnRef>
+            <a:fillRef idx="0">
+              <a:schemeClr val="accent1"/>
+            </a:fillRef>
+            <a:effectRef idx="0">
+              <a:schemeClr val="accent1"/>
+            </a:effectRef>
+            <a:fontRef idx="minor">
+              <a:schemeClr val="tx1"/>
+            </a:fontRef>
+          </p:style>
+        </p:cxnSp>
+        <p:cxnSp>
+          <p:nvCxnSpPr>
+            <p:cNvPr id="14" name="직선 화살표 연결선 13">
+              <a:extLst>
+                <a:ext uri="{FF2B5EF4-FFF2-40B4-BE49-F238E27FC236}">
+                  <a16:creationId xmlns:a16="http://schemas.microsoft.com/office/drawing/2014/main" id="{6F7D34E8-5BFF-4383-9207-40B198B5EEEF}"/>
+                </a:ext>
+              </a:extLst>
+            </p:cNvPr>
+            <p:cNvCxnSpPr>
+              <a:cxnSpLocks/>
+              <a:stCxn id="69" idx="2"/>
+              <a:endCxn id="68" idx="0"/>
+            </p:cNvCxnSpPr>
+            <p:nvPr/>
+          </p:nvCxnSpPr>
+          <p:spPr>
+            <a:xfrm>
+              <a:off x="2271489" y="2541742"/>
+              <a:ext cx="0" cy="336002"/>
+            </a:xfrm>
+            <a:prstGeom prst="straightConnector1">
+              <a:avLst/>
+            </a:prstGeom>
+            <a:ln>
+              <a:solidFill>
+                <a:schemeClr val="tx1"/>
+              </a:solidFill>
+              <a:tailEnd type="triangle"/>
+            </a:ln>
+          </p:spPr>
+          <p:style>
+            <a:lnRef idx="1">
+              <a:schemeClr val="accent1"/>
+            </a:lnRef>
+            <a:fillRef idx="0">
+              <a:schemeClr val="accent1"/>
+            </a:fillRef>
+            <a:effectRef idx="0">
+              <a:schemeClr val="accent1"/>
+            </a:effectRef>
+            <a:fontRef idx="minor">
+              <a:schemeClr val="tx1"/>
+            </a:fontRef>
+          </p:style>
+        </p:cxnSp>
+        <p:sp>
+          <p:nvSpPr>
+            <p:cNvPr id="28" name="TextBox 27">
+              <a:extLst>
+                <a:ext uri="{FF2B5EF4-FFF2-40B4-BE49-F238E27FC236}">
+                  <a16:creationId xmlns:a16="http://schemas.microsoft.com/office/drawing/2014/main" id="{17E03C8F-3663-4084-83A5-4AC8235C44BE}"/>
+                </a:ext>
+              </a:extLst>
+            </p:cNvPr>
+            <p:cNvSpPr txBox="1"/>
+            <p:nvPr/>
+          </p:nvSpPr>
+          <p:spPr>
+            <a:xfrm>
+              <a:off x="2364760" y="2546784"/>
+              <a:ext cx="351058" cy="246221"/>
+            </a:xfrm>
+            <a:prstGeom prst="rect">
+              <a:avLst/>
+            </a:prstGeom>
+            <a:noFill/>
+          </p:spPr>
+          <p:txBody>
+            <a:bodyPr wrap="none" lIns="0" tIns="0" rIns="0" bIns="0" rtlCol="0">
+              <a:spAutoFit/>
+            </a:bodyPr>
+            <a:lstStyle/>
+            <a:p>
+              <a:r>
+                <a:rPr lang="en-US" altLang="ko-KR" sz="1600" dirty="0"/>
+                <a:t>true</a:t>
+              </a:r>
+              <a:endParaRPr lang="ko-KR" altLang="en-US" sz="1600" dirty="0"/>
+            </a:p>
+          </p:txBody>
+        </p:sp>
+        <p:cxnSp>
+          <p:nvCxnSpPr>
+            <p:cNvPr id="38" name="연결선: 꺾임 37">
+              <a:extLst>
+                <a:ext uri="{FF2B5EF4-FFF2-40B4-BE49-F238E27FC236}">
+                  <a16:creationId xmlns:a16="http://schemas.microsoft.com/office/drawing/2014/main" id="{B604F406-2594-4669-9718-45E9FF6E4672}"/>
+                </a:ext>
+              </a:extLst>
+            </p:cNvPr>
+            <p:cNvCxnSpPr>
+              <a:cxnSpLocks/>
+              <a:stCxn id="68" idx="1"/>
+              <a:endCxn id="69" idx="1"/>
+            </p:cNvCxnSpPr>
+            <p:nvPr/>
+          </p:nvCxnSpPr>
+          <p:spPr>
+            <a:xfrm rot="10800000">
+              <a:off x="471489" y="2289742"/>
+              <a:ext cx="360000" cy="840002"/>
+            </a:xfrm>
+            <a:prstGeom prst="bentConnector3">
+              <a:avLst>
+                <a:gd name="adj1" fmla="val 163500"/>
+              </a:avLst>
+            </a:prstGeom>
+            <a:ln>
+              <a:solidFill>
+                <a:schemeClr val="tx1"/>
+              </a:solidFill>
+              <a:tailEnd type="triangle"/>
+            </a:ln>
+          </p:spPr>
+          <p:style>
+            <a:lnRef idx="1">
+              <a:schemeClr val="accent1"/>
+            </a:lnRef>
+            <a:fillRef idx="0">
+              <a:schemeClr val="accent1"/>
+            </a:fillRef>
+            <a:effectRef idx="0">
+              <a:schemeClr val="accent1"/>
+            </a:effectRef>
+            <a:fontRef idx="minor">
+              <a:schemeClr val="tx1"/>
+            </a:fontRef>
+          </p:style>
+        </p:cxnSp>
+        <p:sp>
+          <p:nvSpPr>
+            <p:cNvPr id="54" name="직사각형 53">
+              <a:extLst>
+                <a:ext uri="{FF2B5EF4-FFF2-40B4-BE49-F238E27FC236}">
+                  <a16:creationId xmlns:a16="http://schemas.microsoft.com/office/drawing/2014/main" id="{9768F142-F233-4429-BC37-F994A37B99E6}"/>
+                </a:ext>
+              </a:extLst>
+            </p:cNvPr>
+            <p:cNvSpPr/>
+            <p:nvPr/>
+          </p:nvSpPr>
+          <p:spPr>
+            <a:xfrm>
+              <a:off x="4527198" y="2029309"/>
+              <a:ext cx="2160000" cy="504000"/>
+            </a:xfrm>
+            <a:prstGeom prst="rect">
+              <a:avLst/>
+            </a:prstGeom>
+            <a:noFill/>
+            <a:ln>
+              <a:solidFill>
+                <a:schemeClr val="tx1"/>
+              </a:solidFill>
+            </a:ln>
+          </p:spPr>
+          <p:style>
+            <a:lnRef idx="2">
+              <a:schemeClr val="accent1">
+                <a:shade val="50000"/>
+              </a:schemeClr>
+            </a:lnRef>
+            <a:fillRef idx="1">
+              <a:schemeClr val="accent1"/>
+            </a:fillRef>
+            <a:effectRef idx="0">
+              <a:schemeClr val="accent1"/>
+            </a:effectRef>
+            <a:fontRef idx="minor">
+              <a:schemeClr val="lt1"/>
+            </a:fontRef>
+          </p:style>
+          <p:txBody>
+            <a:bodyPr rtlCol="0" anchor="ctr"/>
+            <a:lstStyle/>
+            <a:p>
+              <a:pPr algn="ctr"/>
+              <a:r>
+                <a:rPr lang="en-US" altLang="ko-KR" sz="1467" dirty="0">
+                  <a:solidFill>
+                    <a:sysClr val="windowText" lastClr="000000"/>
+                  </a:solidFill>
+                </a:rPr>
+                <a:t>return </a:t>
+              </a:r>
+              <a:r>
+                <a:rPr lang="en-US" altLang="ko-KR" sz="1467" dirty="0" err="1">
+                  <a:solidFill>
+                    <a:sysClr val="windowText" lastClr="000000"/>
+                  </a:solidFill>
+                </a:rPr>
+                <a:t>ProductCnt</a:t>
+              </a:r>
+              <a:endParaRPr lang="en-US" altLang="ko-KR" sz="1467" dirty="0">
+                <a:solidFill>
+                  <a:sysClr val="windowText" lastClr="000000"/>
+                </a:solidFill>
+              </a:endParaRPr>
+            </a:p>
+          </p:txBody>
+        </p:sp>
+        <p:sp>
+          <p:nvSpPr>
+            <p:cNvPr id="55" name="TextBox 54">
+              <a:extLst>
+                <a:ext uri="{FF2B5EF4-FFF2-40B4-BE49-F238E27FC236}">
+                  <a16:creationId xmlns:a16="http://schemas.microsoft.com/office/drawing/2014/main" id="{AEC46C1E-6D88-4E46-A297-4BDED7563F16}"/>
+                </a:ext>
+              </a:extLst>
+            </p:cNvPr>
+            <p:cNvSpPr txBox="1"/>
+            <p:nvPr/>
+          </p:nvSpPr>
+          <p:spPr>
+            <a:xfrm>
+              <a:off x="4071489" y="1974669"/>
+              <a:ext cx="385490" cy="246221"/>
+            </a:xfrm>
+            <a:prstGeom prst="rect">
+              <a:avLst/>
+            </a:prstGeom>
+            <a:noFill/>
+          </p:spPr>
+          <p:txBody>
+            <a:bodyPr wrap="none" lIns="0" tIns="0" rIns="0" bIns="0" rtlCol="0">
+              <a:spAutoFit/>
+            </a:bodyPr>
+            <a:lstStyle/>
+            <a:p>
+              <a:r>
+                <a:rPr lang="en-US" altLang="ko-KR" sz="1600" dirty="0"/>
+                <a:t>false</a:t>
+              </a:r>
+              <a:endParaRPr lang="ko-KR" altLang="en-US" sz="1600" dirty="0"/>
+            </a:p>
+          </p:txBody>
+        </p:sp>
+        <p:cxnSp>
+          <p:nvCxnSpPr>
+            <p:cNvPr id="56" name="직선 화살표 연결선 55">
+              <a:extLst>
+                <a:ext uri="{FF2B5EF4-FFF2-40B4-BE49-F238E27FC236}">
+                  <a16:creationId xmlns:a16="http://schemas.microsoft.com/office/drawing/2014/main" id="{77D07EDE-03F8-4BFF-AFE9-4752A3DAF142}"/>
+                </a:ext>
+              </a:extLst>
+            </p:cNvPr>
+            <p:cNvCxnSpPr>
+              <a:cxnSpLocks/>
+              <a:stCxn id="69" idx="3"/>
+              <a:endCxn id="54" idx="1"/>
+            </p:cNvCxnSpPr>
+            <p:nvPr/>
+          </p:nvCxnSpPr>
+          <p:spPr>
+            <a:xfrm flipV="1">
+              <a:off x="4071489" y="2281309"/>
+              <a:ext cx="455709" cy="8433"/>
+            </a:xfrm>
+            <a:prstGeom prst="straightConnector1">
+              <a:avLst/>
+            </a:prstGeom>
+            <a:ln>
+              <a:solidFill>
+                <a:schemeClr val="tx1"/>
+              </a:solidFill>
+              <a:tailEnd type="triangle"/>
+            </a:ln>
+          </p:spPr>
+          <p:style>
+            <a:lnRef idx="1">
+              <a:schemeClr val="accent1"/>
+            </a:lnRef>
+            <a:fillRef idx="0">
+              <a:schemeClr val="accent1"/>
+            </a:fillRef>
+            <a:effectRef idx="0">
+              <a:schemeClr val="accent1"/>
+            </a:effectRef>
+            <a:fontRef idx="minor">
+              <a:schemeClr val="tx1"/>
+            </a:fontRef>
+          </p:style>
+        </p:cxnSp>
+        <p:sp>
+          <p:nvSpPr>
+            <p:cNvPr id="68" name="직사각형 67">
+              <a:extLst>
+                <a:ext uri="{FF2B5EF4-FFF2-40B4-BE49-F238E27FC236}">
+                  <a16:creationId xmlns:a16="http://schemas.microsoft.com/office/drawing/2014/main" id="{F65A3F89-C98B-4605-BAA6-22DF8A366CDB}"/>
+                </a:ext>
+              </a:extLst>
+            </p:cNvPr>
+            <p:cNvSpPr/>
+            <p:nvPr/>
+          </p:nvSpPr>
+          <p:spPr>
+            <a:xfrm>
+              <a:off x="831489" y="2877744"/>
+              <a:ext cx="2880000" cy="504000"/>
+            </a:xfrm>
+            <a:prstGeom prst="rect">
+              <a:avLst/>
+            </a:prstGeom>
+            <a:noFill/>
+            <a:ln>
+              <a:solidFill>
+                <a:schemeClr val="tx1"/>
+              </a:solidFill>
+            </a:ln>
+          </p:spPr>
+          <p:style>
+            <a:lnRef idx="2">
+              <a:schemeClr val="accent1">
+                <a:shade val="50000"/>
+              </a:schemeClr>
+            </a:lnRef>
+            <a:fillRef idx="1">
+              <a:schemeClr val="accent1"/>
+            </a:fillRef>
+            <a:effectRef idx="0">
+              <a:schemeClr val="accent1"/>
+            </a:effectRef>
+            <a:fontRef idx="minor">
+              <a:schemeClr val="lt1"/>
+            </a:fontRef>
+          </p:style>
+          <p:txBody>
+            <a:bodyPr rtlCol="0" anchor="ctr"/>
+            <a:lstStyle/>
+            <a:p>
+              <a:pPr algn="ctr"/>
+              <a:r>
+                <a:rPr lang="en-US" altLang="ko-KR" sz="1467" dirty="0" err="1">
+                  <a:solidFill>
+                    <a:sysClr val="windowText" lastClr="000000"/>
+                  </a:solidFill>
+                </a:rPr>
+                <a:t>productCnt</a:t>
+              </a:r>
+              <a:r>
+                <a:rPr lang="en-US" altLang="ko-KR" sz="1467" dirty="0">
+                  <a:solidFill>
+                    <a:sysClr val="windowText" lastClr="000000"/>
+                  </a:solidFill>
+                </a:rPr>
+                <a:t>++</a:t>
+              </a:r>
+            </a:p>
+            <a:p>
+              <a:pPr algn="ctr"/>
+              <a:r>
+                <a:rPr lang="en-US" altLang="ko-KR" sz="1467" dirty="0">
+                  <a:solidFill>
+                    <a:sysClr val="windowText" lastClr="000000"/>
+                  </a:solidFill>
+                </a:rPr>
+                <a:t>sum += d[</a:t>
+              </a:r>
+              <a:r>
+                <a:rPr lang="en-US" altLang="ko-KR" sz="1467" dirty="0" err="1">
+                  <a:solidFill>
+                    <a:sysClr val="windowText" lastClr="000000"/>
+                  </a:solidFill>
+                </a:rPr>
+                <a:t>i</a:t>
+              </a:r>
+              <a:r>
+                <a:rPr lang="en-US" altLang="ko-KR" sz="1467" dirty="0">
+                  <a:solidFill>
+                    <a:sysClr val="windowText" lastClr="000000"/>
+                  </a:solidFill>
+                </a:rPr>
+                <a:t>]</a:t>
+              </a:r>
+            </a:p>
+          </p:txBody>
+        </p:sp>
+        <p:sp>
+          <p:nvSpPr>
+            <p:cNvPr id="69" name="다이아몬드 68">
+              <a:extLst>
+                <a:ext uri="{FF2B5EF4-FFF2-40B4-BE49-F238E27FC236}">
+                  <a16:creationId xmlns:a16="http://schemas.microsoft.com/office/drawing/2014/main" id="{9CA2D8C4-7474-483D-BE2C-40D57A67DFC8}"/>
+                </a:ext>
+              </a:extLst>
+            </p:cNvPr>
+            <p:cNvSpPr/>
+            <p:nvPr/>
+          </p:nvSpPr>
+          <p:spPr>
+            <a:xfrm>
+              <a:off x="471489" y="2037742"/>
+              <a:ext cx="3600000" cy="504000"/>
+            </a:xfrm>
+            <a:prstGeom prst="diamond">
+              <a:avLst/>
+            </a:prstGeom>
+            <a:noFill/>
+            <a:ln>
+              <a:solidFill>
+                <a:schemeClr val="tx1"/>
+              </a:solidFill>
+            </a:ln>
+          </p:spPr>
+          <p:style>
+            <a:lnRef idx="2">
+              <a:schemeClr val="accent1">
+                <a:shade val="50000"/>
+              </a:schemeClr>
+            </a:lnRef>
+            <a:fillRef idx="1">
+              <a:schemeClr val="accent1"/>
+            </a:fillRef>
+            <a:effectRef idx="0">
+              <a:schemeClr val="accent1"/>
+            </a:effectRef>
+            <a:fontRef idx="minor">
+              <a:schemeClr val="lt1"/>
+            </a:fontRef>
+          </p:style>
+          <p:txBody>
+            <a:bodyPr rtlCol="0" anchor="ctr"/>
+            <a:lstStyle/>
+            <a:p>
+              <a:pPr algn="ctr"/>
+              <a:r>
+                <a:rPr lang="en-US" altLang="ko-KR" sz="1467" dirty="0">
+                  <a:solidFill>
+                    <a:sysClr val="windowText" lastClr="000000"/>
+                  </a:solidFill>
+                </a:rPr>
+                <a:t>sum + d[</a:t>
+              </a:r>
+              <a:r>
+                <a:rPr lang="en-US" altLang="ko-KR" sz="1467" dirty="0" err="1">
+                  <a:solidFill>
+                    <a:sysClr val="windowText" lastClr="000000"/>
+                  </a:solidFill>
+                </a:rPr>
+                <a:t>i</a:t>
+              </a:r>
+              <a:r>
+                <a:rPr lang="en-US" altLang="ko-KR" sz="1467" dirty="0">
+                  <a:solidFill>
+                    <a:sysClr val="windowText" lastClr="000000"/>
+                  </a:solidFill>
+                </a:rPr>
+                <a:t>] &lt;= budget</a:t>
+              </a:r>
+            </a:p>
+          </p:txBody>
+        </p:sp>
+      </p:grpSp>
+    </p:spTree>
+    <p:extLst>
+      <p:ext uri="{BB962C8B-B14F-4D97-AF65-F5344CB8AC3E}">
+        <p14:creationId xmlns:p14="http://schemas.microsoft.com/office/powerpoint/2010/main" val="141376149"/>
       </p:ext>
     </p:extLst>
   </p:cSld>
